--- a/CSI3010 Data Warehousing Data Mining/reference materials/module-5 cluster analysis and outlier analysis/16_K-Means Clustering.pptx
+++ b/CSI3010 Data Warehousing Data Mining/reference materials/module-5 cluster analysis and outlier analysis/16_K-Means Clustering.pptx
@@ -260,7 +260,7 @@
           <a:p>
             <a:fld id="{AA4BDA8C-820C-459C-9AC3-513B5DFE5A4F}" type="datetimeFigureOut">
               <a:rPr lang="en-IN" smtClean="0"/>
-              <a:t>01-03-2022</a:t>
+              <a:t>02/04/22</a:t>
             </a:fld>
             <a:endParaRPr lang="en-IN"/>
           </a:p>
@@ -324,35 +324,35 @@
           <a:p>
             <a:pPr lvl="0"/>
             <a:r>
-              <a:rPr lang="en-US" smtClean="0"/>
+              <a:rPr lang="en-US"/>
               <a:t>Click to edit Master text styles</a:t>
             </a:r>
           </a:p>
           <a:p>
             <a:pPr lvl="1"/>
             <a:r>
-              <a:rPr lang="en-US" smtClean="0"/>
+              <a:rPr lang="en-US"/>
               <a:t>Second level</a:t>
             </a:r>
           </a:p>
           <a:p>
             <a:pPr lvl="2"/>
             <a:r>
-              <a:rPr lang="en-US" smtClean="0"/>
+              <a:rPr lang="en-US"/>
               <a:t>Third level</a:t>
             </a:r>
           </a:p>
           <a:p>
             <a:pPr lvl="3"/>
             <a:r>
-              <a:rPr lang="en-US" smtClean="0"/>
+              <a:rPr lang="en-US"/>
               <a:t>Fourth level</a:t>
             </a:r>
           </a:p>
           <a:p>
             <a:pPr lvl="4"/>
             <a:r>
-              <a:rPr lang="en-US" smtClean="0"/>
+              <a:rPr lang="en-US"/>
               <a:t>Fifth level</a:t>
             </a:r>
             <a:endParaRPr lang="en-IN"/>
@@ -566,7 +566,7 @@
           <a:lstStyle/>
           <a:p>
             <a:r>
-              <a:rPr lang="en-US" smtClean="0"/>
+              <a:rPr lang="en-US"/>
               <a:t>Click to edit Master title style</a:t>
             </a:r>
             <a:endParaRPr lang="en-IN"/>
@@ -685,7 +685,7 @@
           </a:lstStyle>
           <a:p>
             <a:r>
-              <a:rPr lang="en-US" smtClean="0"/>
+              <a:rPr lang="en-US"/>
               <a:t>Click to edit Master subtitle style</a:t>
             </a:r>
             <a:endParaRPr lang="en-IN"/>
@@ -709,7 +709,7 @@
           <a:p>
             <a:fld id="{5AC9D275-D77C-4946-9E6D-6CDF536FEF5F}" type="datetimeFigureOut">
               <a:rPr lang="en-IN" smtClean="0"/>
-              <a:t>01-03-2022</a:t>
+              <a:t>02/04/22</a:t>
             </a:fld>
             <a:endParaRPr lang="en-IN"/>
           </a:p>
@@ -803,7 +803,7 @@
           <a:lstStyle/>
           <a:p>
             <a:r>
-              <a:rPr lang="en-US" smtClean="0"/>
+              <a:rPr lang="en-US"/>
               <a:t>Click to edit Master title style</a:t>
             </a:r>
             <a:endParaRPr lang="en-IN"/>
@@ -827,35 +827,35 @@
           <a:p>
             <a:pPr lvl="0"/>
             <a:r>
-              <a:rPr lang="en-US" smtClean="0"/>
+              <a:rPr lang="en-US"/>
               <a:t>Click to edit Master text styles</a:t>
             </a:r>
           </a:p>
           <a:p>
             <a:pPr lvl="1"/>
             <a:r>
-              <a:rPr lang="en-US" smtClean="0"/>
+              <a:rPr lang="en-US"/>
               <a:t>Second level</a:t>
             </a:r>
           </a:p>
           <a:p>
             <a:pPr lvl="2"/>
             <a:r>
-              <a:rPr lang="en-US" smtClean="0"/>
+              <a:rPr lang="en-US"/>
               <a:t>Third level</a:t>
             </a:r>
           </a:p>
           <a:p>
             <a:pPr lvl="3"/>
             <a:r>
-              <a:rPr lang="en-US" smtClean="0"/>
+              <a:rPr lang="en-US"/>
               <a:t>Fourth level</a:t>
             </a:r>
           </a:p>
           <a:p>
             <a:pPr lvl="4"/>
             <a:r>
-              <a:rPr lang="en-US" smtClean="0"/>
+              <a:rPr lang="en-US"/>
               <a:t>Fifth level</a:t>
             </a:r>
             <a:endParaRPr lang="en-IN"/>
@@ -879,7 +879,7 @@
           <a:p>
             <a:fld id="{5AC9D275-D77C-4946-9E6D-6CDF536FEF5F}" type="datetimeFigureOut">
               <a:rPr lang="en-IN" smtClean="0"/>
-              <a:t>01-03-2022</a:t>
+              <a:t>02/04/22</a:t>
             </a:fld>
             <a:endParaRPr lang="en-IN"/>
           </a:p>
@@ -978,7 +978,7 @@
           <a:lstStyle/>
           <a:p>
             <a:r>
-              <a:rPr lang="en-US" smtClean="0"/>
+              <a:rPr lang="en-US"/>
               <a:t>Click to edit Master title style</a:t>
             </a:r>
             <a:endParaRPr lang="en-IN"/>
@@ -1007,35 +1007,35 @@
           <a:p>
             <a:pPr lvl="0"/>
             <a:r>
-              <a:rPr lang="en-US" smtClean="0"/>
+              <a:rPr lang="en-US"/>
               <a:t>Click to edit Master text styles</a:t>
             </a:r>
           </a:p>
           <a:p>
             <a:pPr lvl="1"/>
             <a:r>
-              <a:rPr lang="en-US" smtClean="0"/>
+              <a:rPr lang="en-US"/>
               <a:t>Second level</a:t>
             </a:r>
           </a:p>
           <a:p>
             <a:pPr lvl="2"/>
             <a:r>
-              <a:rPr lang="en-US" smtClean="0"/>
+              <a:rPr lang="en-US"/>
               <a:t>Third level</a:t>
             </a:r>
           </a:p>
           <a:p>
             <a:pPr lvl="3"/>
             <a:r>
-              <a:rPr lang="en-US" smtClean="0"/>
+              <a:rPr lang="en-US"/>
               <a:t>Fourth level</a:t>
             </a:r>
           </a:p>
           <a:p>
             <a:pPr lvl="4"/>
             <a:r>
-              <a:rPr lang="en-US" smtClean="0"/>
+              <a:rPr lang="en-US"/>
               <a:t>Fifth level</a:t>
             </a:r>
             <a:endParaRPr lang="en-IN"/>
@@ -1059,7 +1059,7 @@
           <a:p>
             <a:fld id="{5AC9D275-D77C-4946-9E6D-6CDF536FEF5F}" type="datetimeFigureOut">
               <a:rPr lang="en-IN" smtClean="0"/>
-              <a:t>01-03-2022</a:t>
+              <a:t>02/04/22</a:t>
             </a:fld>
             <a:endParaRPr lang="en-IN"/>
           </a:p>
@@ -1158,10 +1158,9 @@
           <a:lstStyle/>
           <a:p>
             <a:r>
-              <a:rPr lang="en-US" smtClean="0"/>
+              <a:rPr lang="en-US"/>
               <a:t>Click to edit Master title style</a:t>
             </a:r>
-            <a:endParaRPr lang="en-US"/>
           </a:p>
         </p:txBody>
       </p:sp>
@@ -1277,10 +1276,9 @@
           </a:lstStyle>
           <a:p>
             <a:r>
-              <a:rPr lang="en-US" smtClean="0"/>
+              <a:rPr lang="en-US"/>
               <a:t>Click to edit Master subtitle style</a:t>
             </a:r>
-            <a:endParaRPr lang="en-US"/>
           </a:p>
         </p:txBody>
       </p:sp>
@@ -1308,7 +1306,7 @@
                 </a:solidFill>
               </a:rPr>
               <a:pPr/>
-              <a:t>3/1/2022</a:t>
+              <a:t>4/2/22</a:t>
             </a:fld>
             <a:endParaRPr lang="en-US">
               <a:solidFill>
@@ -1427,10 +1425,9 @@
           <a:lstStyle/>
           <a:p>
             <a:r>
-              <a:rPr lang="en-US" smtClean="0"/>
+              <a:rPr lang="en-US"/>
               <a:t>Click to edit Master title style</a:t>
             </a:r>
-            <a:endParaRPr lang="en-US"/>
           </a:p>
         </p:txBody>
       </p:sp>
@@ -1451,38 +1448,37 @@
           <a:p>
             <a:pPr lvl="0"/>
             <a:r>
-              <a:rPr lang="en-US" smtClean="0"/>
+              <a:rPr lang="en-US"/>
               <a:t>Click to edit Master text styles</a:t>
             </a:r>
           </a:p>
           <a:p>
             <a:pPr lvl="1"/>
             <a:r>
-              <a:rPr lang="en-US" smtClean="0"/>
+              <a:rPr lang="en-US"/>
               <a:t>Second level</a:t>
             </a:r>
           </a:p>
           <a:p>
             <a:pPr lvl="2"/>
             <a:r>
-              <a:rPr lang="en-US" smtClean="0"/>
+              <a:rPr lang="en-US"/>
               <a:t>Third level</a:t>
             </a:r>
           </a:p>
           <a:p>
             <a:pPr lvl="3"/>
             <a:r>
-              <a:rPr lang="en-US" smtClean="0"/>
+              <a:rPr lang="en-US"/>
               <a:t>Fourth level</a:t>
             </a:r>
           </a:p>
           <a:p>
             <a:pPr lvl="4"/>
             <a:r>
-              <a:rPr lang="en-US" smtClean="0"/>
+              <a:rPr lang="en-US"/>
               <a:t>Fifth level</a:t>
             </a:r>
-            <a:endParaRPr lang="en-US"/>
           </a:p>
         </p:txBody>
       </p:sp>
@@ -1510,7 +1506,7 @@
                 </a:solidFill>
               </a:rPr>
               <a:pPr/>
-              <a:t>3/1/2022</a:t>
+              <a:t>4/2/22</a:t>
             </a:fld>
             <a:endParaRPr lang="en-US">
               <a:solidFill>
@@ -1638,10 +1634,9 @@
           </a:lstStyle>
           <a:p>
             <a:r>
-              <a:rPr lang="en-US" smtClean="0"/>
+              <a:rPr lang="en-US"/>
               <a:t>Click to edit Master title style</a:t>
             </a:r>
-            <a:endParaRPr lang="en-US"/>
           </a:p>
         </p:txBody>
       </p:sp>
@@ -1758,7 +1753,7 @@
           <a:p>
             <a:pPr lvl="0"/>
             <a:r>
-              <a:rPr lang="en-US" smtClean="0"/>
+              <a:rPr lang="en-US"/>
               <a:t>Click to edit Master text styles</a:t>
             </a:r>
           </a:p>
@@ -1788,7 +1783,7 @@
                 </a:solidFill>
               </a:rPr>
               <a:pPr/>
-              <a:t>3/1/2022</a:t>
+              <a:t>4/2/22</a:t>
             </a:fld>
             <a:endParaRPr lang="en-US">
               <a:solidFill>
@@ -1907,10 +1902,9 @@
           <a:lstStyle/>
           <a:p>
             <a:r>
-              <a:rPr lang="en-US" smtClean="0"/>
+              <a:rPr lang="en-US"/>
               <a:t>Click to edit Master title style</a:t>
             </a:r>
-            <a:endParaRPr lang="en-US"/>
           </a:p>
         </p:txBody>
       </p:sp>
@@ -1964,38 +1958,37 @@
           <a:p>
             <a:pPr lvl="0"/>
             <a:r>
-              <a:rPr lang="en-US" smtClean="0"/>
+              <a:rPr lang="en-US"/>
               <a:t>Click to edit Master text styles</a:t>
             </a:r>
           </a:p>
           <a:p>
             <a:pPr lvl="1"/>
             <a:r>
-              <a:rPr lang="en-US" smtClean="0"/>
+              <a:rPr lang="en-US"/>
               <a:t>Second level</a:t>
             </a:r>
           </a:p>
           <a:p>
             <a:pPr lvl="2"/>
             <a:r>
-              <a:rPr lang="en-US" smtClean="0"/>
+              <a:rPr lang="en-US"/>
               <a:t>Third level</a:t>
             </a:r>
           </a:p>
           <a:p>
             <a:pPr lvl="3"/>
             <a:r>
-              <a:rPr lang="en-US" smtClean="0"/>
+              <a:rPr lang="en-US"/>
               <a:t>Fourth level</a:t>
             </a:r>
           </a:p>
           <a:p>
             <a:pPr lvl="4"/>
             <a:r>
-              <a:rPr lang="en-US" smtClean="0"/>
+              <a:rPr lang="en-US"/>
               <a:t>Fifth level</a:t>
             </a:r>
-            <a:endParaRPr lang="en-US"/>
           </a:p>
         </p:txBody>
       </p:sp>
@@ -2049,38 +2042,37 @@
           <a:p>
             <a:pPr lvl="0"/>
             <a:r>
-              <a:rPr lang="en-US" smtClean="0"/>
+              <a:rPr lang="en-US"/>
               <a:t>Click to edit Master text styles</a:t>
             </a:r>
           </a:p>
           <a:p>
             <a:pPr lvl="1"/>
             <a:r>
-              <a:rPr lang="en-US" smtClean="0"/>
+              <a:rPr lang="en-US"/>
               <a:t>Second level</a:t>
             </a:r>
           </a:p>
           <a:p>
             <a:pPr lvl="2"/>
             <a:r>
-              <a:rPr lang="en-US" smtClean="0"/>
+              <a:rPr lang="en-US"/>
               <a:t>Third level</a:t>
             </a:r>
           </a:p>
           <a:p>
             <a:pPr lvl="3"/>
             <a:r>
-              <a:rPr lang="en-US" smtClean="0"/>
+              <a:rPr lang="en-US"/>
               <a:t>Fourth level</a:t>
             </a:r>
           </a:p>
           <a:p>
             <a:pPr lvl="4"/>
             <a:r>
-              <a:rPr lang="en-US" smtClean="0"/>
+              <a:rPr lang="en-US"/>
               <a:t>Fifth level</a:t>
             </a:r>
-            <a:endParaRPr lang="en-US"/>
           </a:p>
         </p:txBody>
       </p:sp>
@@ -2108,7 +2100,7 @@
                 </a:solidFill>
               </a:rPr>
               <a:pPr/>
-              <a:t>3/1/2022</a:t>
+              <a:t>4/2/22</a:t>
             </a:fld>
             <a:endParaRPr lang="en-US">
               <a:solidFill>
@@ -2231,10 +2223,9 @@
           </a:lstStyle>
           <a:p>
             <a:r>
-              <a:rPr lang="en-US" smtClean="0"/>
+              <a:rPr lang="en-US"/>
               <a:t>Click to edit Master title style</a:t>
             </a:r>
-            <a:endParaRPr lang="en-US"/>
           </a:p>
         </p:txBody>
       </p:sp>
@@ -2297,7 +2288,7 @@
           <a:p>
             <a:pPr lvl="0"/>
             <a:r>
-              <a:rPr lang="en-US" smtClean="0"/>
+              <a:rPr lang="en-US"/>
               <a:t>Click to edit Master text styles</a:t>
             </a:r>
           </a:p>
@@ -2353,38 +2344,37 @@
           <a:p>
             <a:pPr lvl="0"/>
             <a:r>
-              <a:rPr lang="en-US" smtClean="0"/>
+              <a:rPr lang="en-US"/>
               <a:t>Click to edit Master text styles</a:t>
             </a:r>
           </a:p>
           <a:p>
             <a:pPr lvl="1"/>
             <a:r>
-              <a:rPr lang="en-US" smtClean="0"/>
+              <a:rPr lang="en-US"/>
               <a:t>Second level</a:t>
             </a:r>
           </a:p>
           <a:p>
             <a:pPr lvl="2"/>
             <a:r>
-              <a:rPr lang="en-US" smtClean="0"/>
+              <a:rPr lang="en-US"/>
               <a:t>Third level</a:t>
             </a:r>
           </a:p>
           <a:p>
             <a:pPr lvl="3"/>
             <a:r>
-              <a:rPr lang="en-US" smtClean="0"/>
+              <a:rPr lang="en-US"/>
               <a:t>Fourth level</a:t>
             </a:r>
           </a:p>
           <a:p>
             <a:pPr lvl="4"/>
             <a:r>
-              <a:rPr lang="en-US" smtClean="0"/>
+              <a:rPr lang="en-US"/>
               <a:t>Fifth level</a:t>
             </a:r>
-            <a:endParaRPr lang="en-US"/>
           </a:p>
         </p:txBody>
       </p:sp>
@@ -2447,7 +2437,7 @@
           <a:p>
             <a:pPr lvl="0"/>
             <a:r>
-              <a:rPr lang="en-US" smtClean="0"/>
+              <a:rPr lang="en-US"/>
               <a:t>Click to edit Master text styles</a:t>
             </a:r>
           </a:p>
@@ -2503,38 +2493,37 @@
           <a:p>
             <a:pPr lvl="0"/>
             <a:r>
-              <a:rPr lang="en-US" smtClean="0"/>
+              <a:rPr lang="en-US"/>
               <a:t>Click to edit Master text styles</a:t>
             </a:r>
           </a:p>
           <a:p>
             <a:pPr lvl="1"/>
             <a:r>
-              <a:rPr lang="en-US" smtClean="0"/>
+              <a:rPr lang="en-US"/>
               <a:t>Second level</a:t>
             </a:r>
           </a:p>
           <a:p>
             <a:pPr lvl="2"/>
             <a:r>
-              <a:rPr lang="en-US" smtClean="0"/>
+              <a:rPr lang="en-US"/>
               <a:t>Third level</a:t>
             </a:r>
           </a:p>
           <a:p>
             <a:pPr lvl="3"/>
             <a:r>
-              <a:rPr lang="en-US" smtClean="0"/>
+              <a:rPr lang="en-US"/>
               <a:t>Fourth level</a:t>
             </a:r>
           </a:p>
           <a:p>
             <a:pPr lvl="4"/>
             <a:r>
-              <a:rPr lang="en-US" smtClean="0"/>
+              <a:rPr lang="en-US"/>
               <a:t>Fifth level</a:t>
             </a:r>
-            <a:endParaRPr lang="en-US"/>
           </a:p>
         </p:txBody>
       </p:sp>
@@ -2562,7 +2551,7 @@
                 </a:solidFill>
               </a:rPr>
               <a:pPr/>
-              <a:t>3/1/2022</a:t>
+              <a:t>4/2/22</a:t>
             </a:fld>
             <a:endParaRPr lang="en-US">
               <a:solidFill>
@@ -2681,10 +2670,9 @@
           <a:lstStyle/>
           <a:p>
             <a:r>
-              <a:rPr lang="en-US" smtClean="0"/>
+              <a:rPr lang="en-US"/>
               <a:t>Click to edit Master title style</a:t>
             </a:r>
-            <a:endParaRPr lang="en-US"/>
           </a:p>
         </p:txBody>
       </p:sp>
@@ -2712,7 +2700,7 @@
                 </a:solidFill>
               </a:rPr>
               <a:pPr/>
-              <a:t>3/1/2022</a:t>
+              <a:t>4/2/22</a:t>
             </a:fld>
             <a:endParaRPr lang="en-US">
               <a:solidFill>
@@ -2839,7 +2827,7 @@
                 </a:solidFill>
               </a:rPr>
               <a:pPr/>
-              <a:t>3/1/2022</a:t>
+              <a:t>4/2/22</a:t>
             </a:fld>
             <a:endParaRPr lang="en-US">
               <a:solidFill>
@@ -2967,10 +2955,9 @@
           </a:lstStyle>
           <a:p>
             <a:r>
-              <a:rPr lang="en-US" smtClean="0"/>
+              <a:rPr lang="en-US"/>
               <a:t>Click to edit Master title style</a:t>
             </a:r>
-            <a:endParaRPr lang="en-US"/>
           </a:p>
         </p:txBody>
       </p:sp>
@@ -3024,38 +3011,37 @@
           <a:p>
             <a:pPr lvl="0"/>
             <a:r>
-              <a:rPr lang="en-US" smtClean="0"/>
+              <a:rPr lang="en-US"/>
               <a:t>Click to edit Master text styles</a:t>
             </a:r>
           </a:p>
           <a:p>
             <a:pPr lvl="1"/>
             <a:r>
-              <a:rPr lang="en-US" smtClean="0"/>
+              <a:rPr lang="en-US"/>
               <a:t>Second level</a:t>
             </a:r>
           </a:p>
           <a:p>
             <a:pPr lvl="2"/>
             <a:r>
-              <a:rPr lang="en-US" smtClean="0"/>
+              <a:rPr lang="en-US"/>
               <a:t>Third level</a:t>
             </a:r>
           </a:p>
           <a:p>
             <a:pPr lvl="3"/>
             <a:r>
-              <a:rPr lang="en-US" smtClean="0"/>
+              <a:rPr lang="en-US"/>
               <a:t>Fourth level</a:t>
             </a:r>
           </a:p>
           <a:p>
             <a:pPr lvl="4"/>
             <a:r>
-              <a:rPr lang="en-US" smtClean="0"/>
+              <a:rPr lang="en-US"/>
               <a:t>Fifth level</a:t>
             </a:r>
-            <a:endParaRPr lang="en-US"/>
           </a:p>
         </p:txBody>
       </p:sp>
@@ -3118,7 +3104,7 @@
           <a:p>
             <a:pPr lvl="0"/>
             <a:r>
-              <a:rPr lang="en-US" smtClean="0"/>
+              <a:rPr lang="en-US"/>
               <a:t>Click to edit Master text styles</a:t>
             </a:r>
           </a:p>
@@ -3148,7 +3134,7 @@
                 </a:solidFill>
               </a:rPr>
               <a:pPr/>
-              <a:t>3/1/2022</a:t>
+              <a:t>4/2/22</a:t>
             </a:fld>
             <a:endParaRPr lang="en-US">
               <a:solidFill>
@@ -3267,7 +3253,7 @@
           <a:lstStyle/>
           <a:p>
             <a:r>
-              <a:rPr lang="en-US" smtClean="0"/>
+              <a:rPr lang="en-US"/>
               <a:t>Click to edit Master title style</a:t>
             </a:r>
             <a:endParaRPr lang="en-IN"/>
@@ -3291,35 +3277,35 @@
           <a:p>
             <a:pPr lvl="0"/>
             <a:r>
-              <a:rPr lang="en-US" smtClean="0"/>
+              <a:rPr lang="en-US"/>
               <a:t>Click to edit Master text styles</a:t>
             </a:r>
           </a:p>
           <a:p>
             <a:pPr lvl="1"/>
             <a:r>
-              <a:rPr lang="en-US" smtClean="0"/>
+              <a:rPr lang="en-US"/>
               <a:t>Second level</a:t>
             </a:r>
           </a:p>
           <a:p>
             <a:pPr lvl="2"/>
             <a:r>
-              <a:rPr lang="en-US" smtClean="0"/>
+              <a:rPr lang="en-US"/>
               <a:t>Third level</a:t>
             </a:r>
           </a:p>
           <a:p>
             <a:pPr lvl="3"/>
             <a:r>
-              <a:rPr lang="en-US" smtClean="0"/>
+              <a:rPr lang="en-US"/>
               <a:t>Fourth level</a:t>
             </a:r>
           </a:p>
           <a:p>
             <a:pPr lvl="4"/>
             <a:r>
-              <a:rPr lang="en-US" smtClean="0"/>
+              <a:rPr lang="en-US"/>
               <a:t>Fifth level</a:t>
             </a:r>
             <a:endParaRPr lang="en-IN"/>
@@ -3343,7 +3329,7 @@
           <a:p>
             <a:fld id="{5AC9D275-D77C-4946-9E6D-6CDF536FEF5F}" type="datetimeFigureOut">
               <a:rPr lang="en-IN" smtClean="0"/>
-              <a:t>01-03-2022</a:t>
+              <a:t>02/04/22</a:t>
             </a:fld>
             <a:endParaRPr lang="en-IN"/>
           </a:p>
@@ -3446,10 +3432,9 @@
           </a:lstStyle>
           <a:p>
             <a:r>
-              <a:rPr lang="en-US" smtClean="0"/>
+              <a:rPr lang="en-US"/>
               <a:t>Click to edit Master title style</a:t>
             </a:r>
-            <a:endParaRPr lang="en-US"/>
           </a:p>
         </p:txBody>
       </p:sp>
@@ -3573,7 +3558,7 @@
           <a:p>
             <a:pPr lvl="0"/>
             <a:r>
-              <a:rPr lang="en-US" smtClean="0"/>
+              <a:rPr lang="en-US"/>
               <a:t>Click to edit Master text styles</a:t>
             </a:r>
           </a:p>
@@ -3603,7 +3588,7 @@
                 </a:solidFill>
               </a:rPr>
               <a:pPr/>
-              <a:t>3/1/2022</a:t>
+              <a:t>4/2/22</a:t>
             </a:fld>
             <a:endParaRPr lang="en-US">
               <a:solidFill>
@@ -3722,10 +3707,9 @@
           <a:lstStyle/>
           <a:p>
             <a:r>
-              <a:rPr lang="en-US" smtClean="0"/>
+              <a:rPr lang="en-US"/>
               <a:t>Click to edit Master title style</a:t>
             </a:r>
-            <a:endParaRPr lang="en-US"/>
           </a:p>
         </p:txBody>
       </p:sp>
@@ -3746,38 +3730,37 @@
           <a:p>
             <a:pPr lvl="0"/>
             <a:r>
-              <a:rPr lang="en-US" smtClean="0"/>
+              <a:rPr lang="en-US"/>
               <a:t>Click to edit Master text styles</a:t>
             </a:r>
           </a:p>
           <a:p>
             <a:pPr lvl="1"/>
             <a:r>
-              <a:rPr lang="en-US" smtClean="0"/>
+              <a:rPr lang="en-US"/>
               <a:t>Second level</a:t>
             </a:r>
           </a:p>
           <a:p>
             <a:pPr lvl="2"/>
             <a:r>
-              <a:rPr lang="en-US" smtClean="0"/>
+              <a:rPr lang="en-US"/>
               <a:t>Third level</a:t>
             </a:r>
           </a:p>
           <a:p>
             <a:pPr lvl="3"/>
             <a:r>
-              <a:rPr lang="en-US" smtClean="0"/>
+              <a:rPr lang="en-US"/>
               <a:t>Fourth level</a:t>
             </a:r>
           </a:p>
           <a:p>
             <a:pPr lvl="4"/>
             <a:r>
-              <a:rPr lang="en-US" smtClean="0"/>
+              <a:rPr lang="en-US"/>
               <a:t>Fifth level</a:t>
             </a:r>
-            <a:endParaRPr lang="en-US"/>
           </a:p>
         </p:txBody>
       </p:sp>
@@ -3805,7 +3788,7 @@
                 </a:solidFill>
               </a:rPr>
               <a:pPr/>
-              <a:t>3/1/2022</a:t>
+              <a:t>4/2/22</a:t>
             </a:fld>
             <a:endParaRPr lang="en-US">
               <a:solidFill>
@@ -3929,10 +3912,9 @@
           <a:lstStyle/>
           <a:p>
             <a:r>
-              <a:rPr lang="en-US" smtClean="0"/>
+              <a:rPr lang="en-US"/>
               <a:t>Click to edit Master title style</a:t>
             </a:r>
-            <a:endParaRPr lang="en-US"/>
           </a:p>
         </p:txBody>
       </p:sp>
@@ -3958,38 +3940,37 @@
           <a:p>
             <a:pPr lvl="0"/>
             <a:r>
-              <a:rPr lang="en-US" smtClean="0"/>
+              <a:rPr lang="en-US"/>
               <a:t>Click to edit Master text styles</a:t>
             </a:r>
           </a:p>
           <a:p>
             <a:pPr lvl="1"/>
             <a:r>
-              <a:rPr lang="en-US" smtClean="0"/>
+              <a:rPr lang="en-US"/>
               <a:t>Second level</a:t>
             </a:r>
           </a:p>
           <a:p>
             <a:pPr lvl="2"/>
             <a:r>
-              <a:rPr lang="en-US" smtClean="0"/>
+              <a:rPr lang="en-US"/>
               <a:t>Third level</a:t>
             </a:r>
           </a:p>
           <a:p>
             <a:pPr lvl="3"/>
             <a:r>
-              <a:rPr lang="en-US" smtClean="0"/>
+              <a:rPr lang="en-US"/>
               <a:t>Fourth level</a:t>
             </a:r>
           </a:p>
           <a:p>
             <a:pPr lvl="4"/>
             <a:r>
-              <a:rPr lang="en-US" smtClean="0"/>
+              <a:rPr lang="en-US"/>
               <a:t>Fifth level</a:t>
             </a:r>
-            <a:endParaRPr lang="en-US"/>
           </a:p>
         </p:txBody>
       </p:sp>
@@ -4017,7 +3998,7 @@
                 </a:solidFill>
               </a:rPr>
               <a:pPr/>
-              <a:t>3/1/2022</a:t>
+              <a:t>4/2/22</a:t>
             </a:fld>
             <a:endParaRPr lang="en-US">
               <a:solidFill>
@@ -4141,10 +4122,9 @@
           <a:lstStyle/>
           <a:p>
             <a:r>
-              <a:rPr lang="en-US" smtClean="0"/>
+              <a:rPr lang="en-US"/>
               <a:t>Click to edit Master title style</a:t>
             </a:r>
-            <a:endParaRPr lang="en-US"/>
           </a:p>
         </p:txBody>
       </p:sp>
@@ -4195,38 +4175,37 @@
           <a:p>
             <a:pPr lvl="0"/>
             <a:r>
-              <a:rPr lang="en-US" smtClean="0"/>
+              <a:rPr lang="en-US"/>
               <a:t>Click to edit Master text styles</a:t>
             </a:r>
           </a:p>
           <a:p>
             <a:pPr lvl="1"/>
             <a:r>
-              <a:rPr lang="en-US" smtClean="0"/>
+              <a:rPr lang="en-US"/>
               <a:t>Second level</a:t>
             </a:r>
           </a:p>
           <a:p>
             <a:pPr lvl="2"/>
             <a:r>
-              <a:rPr lang="en-US" smtClean="0"/>
+              <a:rPr lang="en-US"/>
               <a:t>Third level</a:t>
             </a:r>
           </a:p>
           <a:p>
             <a:pPr lvl="3"/>
             <a:r>
-              <a:rPr lang="en-US" smtClean="0"/>
+              <a:rPr lang="en-US"/>
               <a:t>Fourth level</a:t>
             </a:r>
           </a:p>
           <a:p>
             <a:pPr lvl="4"/>
             <a:r>
-              <a:rPr lang="en-US" smtClean="0"/>
+              <a:rPr lang="en-US"/>
               <a:t>Fifth level</a:t>
             </a:r>
-            <a:endParaRPr lang="en-US"/>
           </a:p>
         </p:txBody>
       </p:sp>
@@ -4400,7 +4379,7 @@
           </a:lstStyle>
           <a:p>
             <a:r>
-              <a:rPr lang="en-US" smtClean="0"/>
+              <a:rPr lang="en-US"/>
               <a:t>Click to edit Master title style</a:t>
             </a:r>
             <a:endParaRPr lang="en-IN"/>
@@ -4520,7 +4499,7 @@
           <a:p>
             <a:pPr lvl="0"/>
             <a:r>
-              <a:rPr lang="en-US" smtClean="0"/>
+              <a:rPr lang="en-US"/>
               <a:t>Click to edit Master text styles</a:t>
             </a:r>
           </a:p>
@@ -4543,7 +4522,7 @@
           <a:p>
             <a:fld id="{5AC9D275-D77C-4946-9E6D-6CDF536FEF5F}" type="datetimeFigureOut">
               <a:rPr lang="en-IN" smtClean="0"/>
-              <a:t>01-03-2022</a:t>
+              <a:t>02/04/22</a:t>
             </a:fld>
             <a:endParaRPr lang="en-IN"/>
           </a:p>
@@ -4637,7 +4616,7 @@
           <a:lstStyle/>
           <a:p>
             <a:r>
-              <a:rPr lang="en-US" smtClean="0"/>
+              <a:rPr lang="en-US"/>
               <a:t>Click to edit Master title style</a:t>
             </a:r>
             <a:endParaRPr lang="en-IN"/>
@@ -4694,35 +4673,35 @@
           <a:p>
             <a:pPr lvl="0"/>
             <a:r>
-              <a:rPr lang="en-US" smtClean="0"/>
+              <a:rPr lang="en-US"/>
               <a:t>Click to edit Master text styles</a:t>
             </a:r>
           </a:p>
           <a:p>
             <a:pPr lvl="1"/>
             <a:r>
-              <a:rPr lang="en-US" smtClean="0"/>
+              <a:rPr lang="en-US"/>
               <a:t>Second level</a:t>
             </a:r>
           </a:p>
           <a:p>
             <a:pPr lvl="2"/>
             <a:r>
-              <a:rPr lang="en-US" smtClean="0"/>
+              <a:rPr lang="en-US"/>
               <a:t>Third level</a:t>
             </a:r>
           </a:p>
           <a:p>
             <a:pPr lvl="3"/>
             <a:r>
-              <a:rPr lang="en-US" smtClean="0"/>
+              <a:rPr lang="en-US"/>
               <a:t>Fourth level</a:t>
             </a:r>
           </a:p>
           <a:p>
             <a:pPr lvl="4"/>
             <a:r>
-              <a:rPr lang="en-US" smtClean="0"/>
+              <a:rPr lang="en-US"/>
               <a:t>Fifth level</a:t>
             </a:r>
             <a:endParaRPr lang="en-IN"/>
@@ -4779,35 +4758,35 @@
           <a:p>
             <a:pPr lvl="0"/>
             <a:r>
-              <a:rPr lang="en-US" smtClean="0"/>
+              <a:rPr lang="en-US"/>
               <a:t>Click to edit Master text styles</a:t>
             </a:r>
           </a:p>
           <a:p>
             <a:pPr lvl="1"/>
             <a:r>
-              <a:rPr lang="en-US" smtClean="0"/>
+              <a:rPr lang="en-US"/>
               <a:t>Second level</a:t>
             </a:r>
           </a:p>
           <a:p>
             <a:pPr lvl="2"/>
             <a:r>
-              <a:rPr lang="en-US" smtClean="0"/>
+              <a:rPr lang="en-US"/>
               <a:t>Third level</a:t>
             </a:r>
           </a:p>
           <a:p>
             <a:pPr lvl="3"/>
             <a:r>
-              <a:rPr lang="en-US" smtClean="0"/>
+              <a:rPr lang="en-US"/>
               <a:t>Fourth level</a:t>
             </a:r>
           </a:p>
           <a:p>
             <a:pPr lvl="4"/>
             <a:r>
-              <a:rPr lang="en-US" smtClean="0"/>
+              <a:rPr lang="en-US"/>
               <a:t>Fifth level</a:t>
             </a:r>
             <a:endParaRPr lang="en-IN"/>
@@ -4831,7 +4810,7 @@
           <a:p>
             <a:fld id="{5AC9D275-D77C-4946-9E6D-6CDF536FEF5F}" type="datetimeFigureOut">
               <a:rPr lang="en-IN" smtClean="0"/>
-              <a:t>01-03-2022</a:t>
+              <a:t>02/04/22</a:t>
             </a:fld>
             <a:endParaRPr lang="en-IN"/>
           </a:p>
@@ -4929,7 +4908,7 @@
           </a:lstStyle>
           <a:p>
             <a:r>
-              <a:rPr lang="en-US" smtClean="0"/>
+              <a:rPr lang="en-US"/>
               <a:t>Click to edit Master title style</a:t>
             </a:r>
             <a:endParaRPr lang="en-IN"/>
@@ -4995,7 +4974,7 @@
           <a:p>
             <a:pPr lvl="0"/>
             <a:r>
-              <a:rPr lang="en-US" smtClean="0"/>
+              <a:rPr lang="en-US"/>
               <a:t>Click to edit Master text styles</a:t>
             </a:r>
           </a:p>
@@ -5051,35 +5030,35 @@
           <a:p>
             <a:pPr lvl="0"/>
             <a:r>
-              <a:rPr lang="en-US" smtClean="0"/>
+              <a:rPr lang="en-US"/>
               <a:t>Click to edit Master text styles</a:t>
             </a:r>
           </a:p>
           <a:p>
             <a:pPr lvl="1"/>
             <a:r>
-              <a:rPr lang="en-US" smtClean="0"/>
+              <a:rPr lang="en-US"/>
               <a:t>Second level</a:t>
             </a:r>
           </a:p>
           <a:p>
             <a:pPr lvl="2"/>
             <a:r>
-              <a:rPr lang="en-US" smtClean="0"/>
+              <a:rPr lang="en-US"/>
               <a:t>Third level</a:t>
             </a:r>
           </a:p>
           <a:p>
             <a:pPr lvl="3"/>
             <a:r>
-              <a:rPr lang="en-US" smtClean="0"/>
+              <a:rPr lang="en-US"/>
               <a:t>Fourth level</a:t>
             </a:r>
           </a:p>
           <a:p>
             <a:pPr lvl="4"/>
             <a:r>
-              <a:rPr lang="en-US" smtClean="0"/>
+              <a:rPr lang="en-US"/>
               <a:t>Fifth level</a:t>
             </a:r>
             <a:endParaRPr lang="en-IN"/>
@@ -5145,7 +5124,7 @@
           <a:p>
             <a:pPr lvl="0"/>
             <a:r>
-              <a:rPr lang="en-US" smtClean="0"/>
+              <a:rPr lang="en-US"/>
               <a:t>Click to edit Master text styles</a:t>
             </a:r>
           </a:p>
@@ -5201,35 +5180,35 @@
           <a:p>
             <a:pPr lvl="0"/>
             <a:r>
-              <a:rPr lang="en-US" smtClean="0"/>
+              <a:rPr lang="en-US"/>
               <a:t>Click to edit Master text styles</a:t>
             </a:r>
           </a:p>
           <a:p>
             <a:pPr lvl="1"/>
             <a:r>
-              <a:rPr lang="en-US" smtClean="0"/>
+              <a:rPr lang="en-US"/>
               <a:t>Second level</a:t>
             </a:r>
           </a:p>
           <a:p>
             <a:pPr lvl="2"/>
             <a:r>
-              <a:rPr lang="en-US" smtClean="0"/>
+              <a:rPr lang="en-US"/>
               <a:t>Third level</a:t>
             </a:r>
           </a:p>
           <a:p>
             <a:pPr lvl="3"/>
             <a:r>
-              <a:rPr lang="en-US" smtClean="0"/>
+              <a:rPr lang="en-US"/>
               <a:t>Fourth level</a:t>
             </a:r>
           </a:p>
           <a:p>
             <a:pPr lvl="4"/>
             <a:r>
-              <a:rPr lang="en-US" smtClean="0"/>
+              <a:rPr lang="en-US"/>
               <a:t>Fifth level</a:t>
             </a:r>
             <a:endParaRPr lang="en-IN"/>
@@ -5253,7 +5232,7 @@
           <a:p>
             <a:fld id="{5AC9D275-D77C-4946-9E6D-6CDF536FEF5F}" type="datetimeFigureOut">
               <a:rPr lang="en-IN" smtClean="0"/>
-              <a:t>01-03-2022</a:t>
+              <a:t>02/04/22</a:t>
             </a:fld>
             <a:endParaRPr lang="en-IN"/>
           </a:p>
@@ -5347,7 +5326,7 @@
           <a:lstStyle/>
           <a:p>
             <a:r>
-              <a:rPr lang="en-US" smtClean="0"/>
+              <a:rPr lang="en-US"/>
               <a:t>Click to edit Master title style</a:t>
             </a:r>
             <a:endParaRPr lang="en-IN"/>
@@ -5371,7 +5350,7 @@
           <a:p>
             <a:fld id="{5AC9D275-D77C-4946-9E6D-6CDF536FEF5F}" type="datetimeFigureOut">
               <a:rPr lang="en-IN" smtClean="0"/>
-              <a:t>01-03-2022</a:t>
+              <a:t>02/04/22</a:t>
             </a:fld>
             <a:endParaRPr lang="en-IN"/>
           </a:p>
@@ -5466,7 +5445,7 @@
           <a:p>
             <a:fld id="{5AC9D275-D77C-4946-9E6D-6CDF536FEF5F}" type="datetimeFigureOut">
               <a:rPr lang="en-IN" smtClean="0"/>
-              <a:t>01-03-2022</a:t>
+              <a:t>02/04/22</a:t>
             </a:fld>
             <a:endParaRPr lang="en-IN"/>
           </a:p>
@@ -5569,7 +5548,7 @@
           </a:lstStyle>
           <a:p>
             <a:r>
-              <a:rPr lang="en-US" smtClean="0"/>
+              <a:rPr lang="en-US"/>
               <a:t>Click to edit Master title style</a:t>
             </a:r>
             <a:endParaRPr lang="en-IN"/>
@@ -5626,35 +5605,35 @@
           <a:p>
             <a:pPr lvl="0"/>
             <a:r>
-              <a:rPr lang="en-US" smtClean="0"/>
+              <a:rPr lang="en-US"/>
               <a:t>Click to edit Master text styles</a:t>
             </a:r>
           </a:p>
           <a:p>
             <a:pPr lvl="1"/>
             <a:r>
-              <a:rPr lang="en-US" smtClean="0"/>
+              <a:rPr lang="en-US"/>
               <a:t>Second level</a:t>
             </a:r>
           </a:p>
           <a:p>
             <a:pPr lvl="2"/>
             <a:r>
-              <a:rPr lang="en-US" smtClean="0"/>
+              <a:rPr lang="en-US"/>
               <a:t>Third level</a:t>
             </a:r>
           </a:p>
           <a:p>
             <a:pPr lvl="3"/>
             <a:r>
-              <a:rPr lang="en-US" smtClean="0"/>
+              <a:rPr lang="en-US"/>
               <a:t>Fourth level</a:t>
             </a:r>
           </a:p>
           <a:p>
             <a:pPr lvl="4"/>
             <a:r>
-              <a:rPr lang="en-US" smtClean="0"/>
+              <a:rPr lang="en-US"/>
               <a:t>Fifth level</a:t>
             </a:r>
             <a:endParaRPr lang="en-IN"/>
@@ -5720,7 +5699,7 @@
           <a:p>
             <a:pPr lvl="0"/>
             <a:r>
-              <a:rPr lang="en-US" smtClean="0"/>
+              <a:rPr lang="en-US"/>
               <a:t>Click to edit Master text styles</a:t>
             </a:r>
           </a:p>
@@ -5743,7 +5722,7 @@
           <a:p>
             <a:fld id="{5AC9D275-D77C-4946-9E6D-6CDF536FEF5F}" type="datetimeFigureOut">
               <a:rPr lang="en-IN" smtClean="0"/>
-              <a:t>01-03-2022</a:t>
+              <a:t>02/04/22</a:t>
             </a:fld>
             <a:endParaRPr lang="en-IN"/>
           </a:p>
@@ -5846,7 +5825,7 @@
           </a:lstStyle>
           <a:p>
             <a:r>
-              <a:rPr lang="en-US" smtClean="0"/>
+              <a:rPr lang="en-US"/>
               <a:t>Click to edit Master title style</a:t>
             </a:r>
             <a:endParaRPr lang="en-IN"/>
@@ -5973,7 +5952,7 @@
           <a:p>
             <a:pPr lvl="0"/>
             <a:r>
-              <a:rPr lang="en-US" smtClean="0"/>
+              <a:rPr lang="en-US"/>
               <a:t>Click to edit Master text styles</a:t>
             </a:r>
           </a:p>
@@ -5996,7 +5975,7 @@
           <a:p>
             <a:fld id="{5AC9D275-D77C-4946-9E6D-6CDF536FEF5F}" type="datetimeFigureOut">
               <a:rPr lang="en-IN" smtClean="0"/>
-              <a:t>01-03-2022</a:t>
+              <a:t>02/04/22</a:t>
             </a:fld>
             <a:endParaRPr lang="en-IN"/>
           </a:p>
@@ -6105,7 +6084,7 @@
           <a:lstStyle/>
           <a:p>
             <a:r>
-              <a:rPr lang="en-US" smtClean="0"/>
+              <a:rPr lang="en-US"/>
               <a:t>Click to edit Master title style</a:t>
             </a:r>
             <a:endParaRPr lang="en-IN"/>
@@ -6139,35 +6118,35 @@
           <a:p>
             <a:pPr lvl="0"/>
             <a:r>
-              <a:rPr lang="en-US" smtClean="0"/>
+              <a:rPr lang="en-US"/>
               <a:t>Click to edit Master text styles</a:t>
             </a:r>
           </a:p>
           <a:p>
             <a:pPr lvl="1"/>
             <a:r>
-              <a:rPr lang="en-US" smtClean="0"/>
+              <a:rPr lang="en-US"/>
               <a:t>Second level</a:t>
             </a:r>
           </a:p>
           <a:p>
             <a:pPr lvl="2"/>
             <a:r>
-              <a:rPr lang="en-US" smtClean="0"/>
+              <a:rPr lang="en-US"/>
               <a:t>Third level</a:t>
             </a:r>
           </a:p>
           <a:p>
             <a:pPr lvl="3"/>
             <a:r>
-              <a:rPr lang="en-US" smtClean="0"/>
+              <a:rPr lang="en-US"/>
               <a:t>Fourth level</a:t>
             </a:r>
           </a:p>
           <a:p>
             <a:pPr lvl="4"/>
             <a:r>
-              <a:rPr lang="en-US" smtClean="0"/>
+              <a:rPr lang="en-US"/>
               <a:t>Fifth level</a:t>
             </a:r>
             <a:endParaRPr lang="en-IN"/>
@@ -6209,7 +6188,7 @@
           <a:p>
             <a:fld id="{5AC9D275-D77C-4946-9E6D-6CDF536FEF5F}" type="datetimeFigureOut">
               <a:rPr lang="en-IN" smtClean="0"/>
-              <a:t>01-03-2022</a:t>
+              <a:t>02/04/22</a:t>
             </a:fld>
             <a:endParaRPr lang="en-IN"/>
           </a:p>
@@ -6615,10 +6594,9 @@
           <a:lstStyle/>
           <a:p>
             <a:r>
-              <a:rPr lang="en-US" smtClean="0"/>
+              <a:rPr lang="en-US"/>
               <a:t>Click to edit Master title style</a:t>
             </a:r>
-            <a:endParaRPr lang="en-US"/>
           </a:p>
         </p:txBody>
       </p:sp>
@@ -6649,38 +6627,37 @@
           <a:p>
             <a:pPr lvl="0"/>
             <a:r>
-              <a:rPr lang="en-US" smtClean="0"/>
+              <a:rPr lang="en-US"/>
               <a:t>Click to edit Master text styles</a:t>
             </a:r>
           </a:p>
           <a:p>
             <a:pPr lvl="1"/>
             <a:r>
-              <a:rPr lang="en-US" smtClean="0"/>
+              <a:rPr lang="en-US"/>
               <a:t>Second level</a:t>
             </a:r>
           </a:p>
           <a:p>
             <a:pPr lvl="2"/>
             <a:r>
-              <a:rPr lang="en-US" smtClean="0"/>
+              <a:rPr lang="en-US"/>
               <a:t>Third level</a:t>
             </a:r>
           </a:p>
           <a:p>
             <a:pPr lvl="3"/>
             <a:r>
-              <a:rPr lang="en-US" smtClean="0"/>
+              <a:rPr lang="en-US"/>
               <a:t>Fourth level</a:t>
             </a:r>
           </a:p>
           <a:p>
             <a:pPr lvl="4"/>
             <a:r>
-              <a:rPr lang="en-US" smtClean="0"/>
+              <a:rPr lang="en-US"/>
               <a:t>Fifth level</a:t>
             </a:r>
-            <a:endParaRPr lang="en-US"/>
           </a:p>
         </p:txBody>
       </p:sp>
@@ -6726,7 +6703,7 @@
                 </a:solidFill>
               </a:rPr>
               <a:pPr/>
-              <a:t>3/1/2022</a:t>
+              <a:t>4/2/22</a:t>
             </a:fld>
             <a:endParaRPr lang="en-US">
               <a:solidFill>
@@ -7150,7 +7127,7 @@
           <a:lstStyle/>
           <a:p>
             <a:r>
-              <a:rPr lang="en-IN" sz="4800" b="1" u="none" strike="noStrike" baseline="0" dirty="0" smtClean="0">
+              <a:rPr lang="en-IN" sz="4800" b="1" u="none" strike="noStrike" baseline="0" dirty="0">
                 <a:solidFill>
                   <a:srgbClr val="000000"/>
                 </a:solidFill>
@@ -7172,13 +7149,6 @@
   <p:clrMapOvr>
     <a:masterClrMapping/>
   </p:clrMapOvr>
-  <p:timing>
-    <p:tnLst>
-      <p:par>
-        <p:cTn id="1" dur="indefinite" restart="never" nodeType="tmRoot"/>
-      </p:par>
-    </p:tnLst>
-  </p:timing>
 </p:sld>
 </file>
 
@@ -7271,13 +7241,6 @@
   <p:clrMapOvr>
     <a:masterClrMapping/>
   </p:clrMapOvr>
-  <p:timing>
-    <p:tnLst>
-      <p:par>
-        <p:cTn id="1" dur="indefinite" restart="never" nodeType="tmRoot"/>
-      </p:par>
-    </p:tnLst>
-  </p:timing>
 </p:sld>
 </file>
 
@@ -7370,13 +7333,6 @@
   <p:clrMapOvr>
     <a:masterClrMapping/>
   </p:clrMapOvr>
-  <p:timing>
-    <p:tnLst>
-      <p:par>
-        <p:cTn id="1" dur="indefinite" restart="never" nodeType="tmRoot"/>
-      </p:par>
-    </p:tnLst>
-  </p:timing>
 </p:sld>
 </file>
 
@@ -7469,13 +7425,6 @@
   <p:clrMapOvr>
     <a:masterClrMapping/>
   </p:clrMapOvr>
-  <p:timing>
-    <p:tnLst>
-      <p:par>
-        <p:cTn id="1" dur="indefinite" restart="never" nodeType="tmRoot"/>
-      </p:par>
-    </p:tnLst>
-  </p:timing>
 </p:sld>
 </file>
 
@@ -7568,13 +7517,6 @@
   <p:clrMapOvr>
     <a:masterClrMapping/>
   </p:clrMapOvr>
-  <p:timing>
-    <p:tnLst>
-      <p:par>
-        <p:cTn id="1" dur="indefinite" restart="never" nodeType="tmRoot"/>
-      </p:par>
-    </p:tnLst>
-  </p:timing>
 </p:sld>
 </file>
 
@@ -7650,7 +7592,7 @@
         <p:spPr>
           <a:xfrm>
             <a:off x="-33924" y="76873"/>
-            <a:ext cx="8720723" cy="6504801"/>
+            <a:ext cx="8716432" cy="6501600"/>
           </a:xfrm>
           <a:prstGeom prst="rect">
             <a:avLst/>
@@ -7680,18 +7622,13 @@
           <a:lstStyle/>
           <a:p>
             <a:r>
-              <a:rPr lang="en-IN" b="1" dirty="0" smtClean="0">
+              <a:rPr lang="en-IN" b="1" dirty="0">
                 <a:solidFill>
                   <a:srgbClr val="FF0000"/>
                 </a:solidFill>
               </a:rPr>
               <a:t>Example 1</a:t>
             </a:r>
-            <a:endParaRPr lang="en-IN" b="1" dirty="0">
-              <a:solidFill>
-                <a:srgbClr val="FF0000"/>
-              </a:solidFill>
-            </a:endParaRPr>
           </a:p>
         </p:txBody>
       </p:sp>
@@ -7737,13 +7674,6 @@
   <p:clrMapOvr>
     <a:masterClrMapping/>
   </p:clrMapOvr>
-  <p:timing>
-    <p:tnLst>
-      <p:par>
-        <p:cTn id="1" dur="indefinite" restart="never" nodeType="tmRoot"/>
-      </p:par>
-    </p:tnLst>
-  </p:timing>
 </p:sld>
 </file>
 
@@ -7780,10 +7710,9 @@
           <a:lstStyle/>
           <a:p>
             <a:r>
-              <a:rPr lang="en-IN" dirty="0" smtClean="0"/>
+              <a:rPr lang="en-IN" dirty="0"/>
               <a:t>Algorithm</a:t>
             </a:r>
-            <a:endParaRPr lang="en-IN" dirty="0"/>
           </a:p>
         </p:txBody>
       </p:sp>
@@ -7877,13 +7806,6 @@
   <p:clrMapOvr>
     <a:masterClrMapping/>
   </p:clrMapOvr>
-  <p:timing>
-    <p:tnLst>
-      <p:par>
-        <p:cTn id="1" dur="indefinite" restart="never" nodeType="tmRoot"/>
-      </p:par>
-    </p:tnLst>
-  </p:timing>
 </p:sld>
 </file>
 
@@ -7962,13 +7884,6 @@
   <p:clrMapOvr>
     <a:masterClrMapping/>
   </p:clrMapOvr>
-  <p:timing>
-    <p:tnLst>
-      <p:par>
-        <p:cTn id="1" dur="indefinite" restart="never" nodeType="tmRoot"/>
-      </p:par>
-    </p:tnLst>
-  </p:timing>
 </p:sld>
 </file>
 
@@ -8005,10 +7920,9 @@
           <a:lstStyle/>
           <a:p>
             <a:r>
-              <a:rPr lang="en-IN" dirty="0" smtClean="0"/>
+              <a:rPr lang="en-IN" dirty="0"/>
               <a:t>Randomly choose the centroid</a:t>
             </a:r>
-            <a:endParaRPr lang="en-IN" dirty="0"/>
           </a:p>
         </p:txBody>
       </p:sp>
@@ -8065,13 +7979,6 @@
   <p:clrMapOvr>
     <a:masterClrMapping/>
   </p:clrMapOvr>
-  <p:timing>
-    <p:tnLst>
-      <p:par>
-        <p:cTn id="1" dur="indefinite" restart="never" nodeType="tmRoot"/>
-      </p:par>
-    </p:tnLst>
-  </p:timing>
 </p:sld>
 </file>
 
@@ -8164,13 +8071,6 @@
   <p:clrMapOvr>
     <a:masterClrMapping/>
   </p:clrMapOvr>
-  <p:timing>
-    <p:tnLst>
-      <p:par>
-        <p:cTn id="1" dur="indefinite" restart="never" nodeType="tmRoot"/>
-      </p:par>
-    </p:tnLst>
-  </p:timing>
 </p:sld>
 </file>
 
@@ -8263,13 +8163,6 @@
   <p:clrMapOvr>
     <a:masterClrMapping/>
   </p:clrMapOvr>
-  <p:timing>
-    <p:tnLst>
-      <p:par>
-        <p:cTn id="1" dur="indefinite" restart="never" nodeType="tmRoot"/>
-      </p:par>
-    </p:tnLst>
-  </p:timing>
 </p:sld>
 </file>
 
@@ -8362,13 +8255,6 @@
   <p:clrMapOvr>
     <a:masterClrMapping/>
   </p:clrMapOvr>
-  <p:timing>
-    <p:tnLst>
-      <p:par>
-        <p:cTn id="1" dur="indefinite" restart="never" nodeType="tmRoot"/>
-      </p:par>
-    </p:tnLst>
-  </p:timing>
 </p:sld>
 </file>
 
@@ -8461,13 +8347,6 @@
   <p:clrMapOvr>
     <a:masterClrMapping/>
   </p:clrMapOvr>
-  <p:timing>
-    <p:tnLst>
-      <p:par>
-        <p:cTn id="1" dur="indefinite" restart="never" nodeType="tmRoot"/>
-      </p:par>
-    </p:tnLst>
-  </p:timing>
 </p:sld>
 </file>
 
@@ -8560,13 +8439,6 @@
   <p:clrMapOvr>
     <a:masterClrMapping/>
   </p:clrMapOvr>
-  <p:timing>
-    <p:tnLst>
-      <p:par>
-        <p:cTn id="1" dur="indefinite" restart="never" nodeType="tmRoot"/>
-      </p:par>
-    </p:tnLst>
-  </p:timing>
 </p:sld>
 </file>
 
@@ -8659,13 +8531,6 @@
   <p:clrMapOvr>
     <a:masterClrMapping/>
   </p:clrMapOvr>
-  <p:timing>
-    <p:tnLst>
-      <p:par>
-        <p:cTn id="1" dur="indefinite" restart="never" nodeType="tmRoot"/>
-      </p:par>
-    </p:tnLst>
-  </p:timing>
 </p:sld>
 </file>
 
@@ -8758,13 +8623,6 @@
   <p:clrMapOvr>
     <a:masterClrMapping/>
   </p:clrMapOvr>
-  <p:timing>
-    <p:tnLst>
-      <p:par>
-        <p:cTn id="1" dur="indefinite" restart="never" nodeType="tmRoot"/>
-      </p:par>
-    </p:tnLst>
-  </p:timing>
 </p:sld>
 </file>
 
@@ -8857,13 +8715,6 @@
   <p:clrMapOvr>
     <a:masterClrMapping/>
   </p:clrMapOvr>
-  <p:timing>
-    <p:tnLst>
-      <p:par>
-        <p:cTn id="1" dur="indefinite" restart="never" nodeType="tmRoot"/>
-      </p:par>
-    </p:tnLst>
-  </p:timing>
 </p:sld>
 </file>
 
@@ -8956,13 +8807,6 @@
   <p:clrMapOvr>
     <a:masterClrMapping/>
   </p:clrMapOvr>
-  <p:timing>
-    <p:tnLst>
-      <p:par>
-        <p:cTn id="1" dur="indefinite" restart="never" nodeType="tmRoot"/>
-      </p:par>
-    </p:tnLst>
-  </p:timing>
 </p:sld>
 </file>
 
@@ -9055,13 +8899,6 @@
   <p:clrMapOvr>
     <a:masterClrMapping/>
   </p:clrMapOvr>
-  <p:timing>
-    <p:tnLst>
-      <p:par>
-        <p:cTn id="1" dur="indefinite" restart="never" nodeType="tmRoot"/>
-      </p:par>
-    </p:tnLst>
-  </p:timing>
 </p:sld>
 </file>
 
@@ -9154,13 +8991,6 @@
   <p:clrMapOvr>
     <a:masterClrMapping/>
   </p:clrMapOvr>
-  <p:timing>
-    <p:tnLst>
-      <p:par>
-        <p:cTn id="1" dur="indefinite" restart="never" nodeType="tmRoot"/>
-      </p:par>
-    </p:tnLst>
-  </p:timing>
 </p:sld>
 </file>
 
@@ -9253,13 +9083,6 @@
   <p:clrMapOvr>
     <a:masterClrMapping/>
   </p:clrMapOvr>
-  <p:timing>
-    <p:tnLst>
-      <p:par>
-        <p:cTn id="1" dur="indefinite" restart="never" nodeType="tmRoot"/>
-      </p:par>
-    </p:tnLst>
-  </p:timing>
 </p:sld>
 </file>
 
@@ -9296,10 +9119,9 @@
           <a:lstStyle/>
           <a:p>
             <a:r>
-              <a:rPr lang="en-IN" dirty="0" smtClean="0"/>
+              <a:rPr lang="en-IN" dirty="0"/>
               <a:t>Iteration -2 </a:t>
             </a:r>
-            <a:endParaRPr lang="en-IN" dirty="0"/>
           </a:p>
         </p:txBody>
       </p:sp>
@@ -9356,13 +9178,6 @@
   <p:clrMapOvr>
     <a:masterClrMapping/>
   </p:clrMapOvr>
-  <p:timing>
-    <p:tnLst>
-      <p:par>
-        <p:cTn id="1" dur="indefinite" restart="never" nodeType="tmRoot"/>
-      </p:par>
-    </p:tnLst>
-  </p:timing>
 </p:sld>
 </file>
 
@@ -9455,13 +9270,6 @@
   <p:clrMapOvr>
     <a:masterClrMapping/>
   </p:clrMapOvr>
-  <p:timing>
-    <p:tnLst>
-      <p:par>
-        <p:cTn id="1" dur="indefinite" restart="never" nodeType="tmRoot"/>
-      </p:par>
-    </p:tnLst>
-  </p:timing>
 </p:sld>
 </file>
 
@@ -9498,10 +9306,9 @@
           <a:lstStyle/>
           <a:p>
             <a:r>
-              <a:rPr lang="en-IN" dirty="0" smtClean="0"/>
+              <a:rPr lang="en-IN" dirty="0"/>
               <a:t>Iteration 3</a:t>
             </a:r>
-            <a:endParaRPr lang="en-IN" dirty="0"/>
           </a:p>
         </p:txBody>
       </p:sp>
@@ -9558,13 +9365,6 @@
   <p:clrMapOvr>
     <a:masterClrMapping/>
   </p:clrMapOvr>
-  <p:timing>
-    <p:tnLst>
-      <p:par>
-        <p:cTn id="1" dur="indefinite" restart="never" nodeType="tmRoot"/>
-      </p:par>
-    </p:tnLst>
-  </p:timing>
 </p:sld>
 </file>
 
@@ -9601,10 +9401,9 @@
           <a:lstStyle/>
           <a:p>
             <a:r>
-              <a:rPr lang="en-IN" dirty="0" smtClean="0"/>
+              <a:rPr lang="en-IN" dirty="0"/>
               <a:t>Iteration 4</a:t>
             </a:r>
-            <a:endParaRPr lang="en-IN" dirty="0"/>
           </a:p>
         </p:txBody>
       </p:sp>
@@ -9661,13 +9460,6 @@
   <p:clrMapOvr>
     <a:masterClrMapping/>
   </p:clrMapOvr>
-  <p:timing>
-    <p:tnLst>
-      <p:par>
-        <p:cTn id="1" dur="indefinite" restart="never" nodeType="tmRoot"/>
-      </p:par>
-    </p:tnLst>
-  </p:timing>
 </p:sld>
 </file>
 
@@ -9760,13 +9552,6 @@
   <p:clrMapOvr>
     <a:masterClrMapping/>
   </p:clrMapOvr>
-  <p:timing>
-    <p:tnLst>
-      <p:par>
-        <p:cTn id="1" dur="indefinite" restart="never" nodeType="tmRoot"/>
-      </p:par>
-    </p:tnLst>
-  </p:timing>
 </p:sld>
 </file>
 
@@ -9859,13 +9644,6 @@
   <p:clrMapOvr>
     <a:masterClrMapping/>
   </p:clrMapOvr>
-  <p:timing>
-    <p:tnLst>
-      <p:par>
-        <p:cTn id="1" dur="indefinite" restart="never" nodeType="tmRoot"/>
-      </p:par>
-    </p:tnLst>
-  </p:timing>
 </p:sld>
 </file>
 
@@ -9933,18 +9711,13 @@
           <a:lstStyle/>
           <a:p>
             <a:r>
-              <a:rPr lang="en-IN" sz="4400" b="1" dirty="0" smtClean="0">
+              <a:rPr lang="en-IN" sz="4400" b="1" dirty="0">
                 <a:solidFill>
                   <a:srgbClr val="FF0000"/>
                 </a:solidFill>
               </a:rPr>
               <a:t>TRY IT OUT…</a:t>
             </a:r>
-            <a:endParaRPr lang="en-IN" sz="4400" b="1" dirty="0">
-              <a:solidFill>
-                <a:srgbClr val="FF0000"/>
-              </a:solidFill>
-            </a:endParaRPr>
           </a:p>
         </p:txBody>
       </p:sp>
@@ -9958,13 +9731,6 @@
   <p:clrMapOvr>
     <a:masterClrMapping/>
   </p:clrMapOvr>
-  <p:timing>
-    <p:tnLst>
-      <p:par>
-        <p:cTn id="1" dur="indefinite" restart="never" nodeType="tmRoot"/>
-      </p:par>
-    </p:tnLst>
-  </p:timing>
 </p:sld>
 </file>
 
@@ -10006,10 +9772,9 @@
           <a:lstStyle/>
           <a:p>
             <a:r>
-              <a:rPr lang="en-IN" b="1" dirty="0" smtClean="0"/>
+              <a:rPr lang="en-IN" b="1" dirty="0"/>
               <a:t>Problem</a:t>
             </a:r>
-            <a:endParaRPr lang="en-IN" b="1" dirty="0"/>
           </a:p>
         </p:txBody>
       </p:sp>
@@ -10083,9 +9848,27 @@
             <a:tbl>
               <a:tblPr/>
               <a:tblGrid>
-                <a:gridCol w="2422794"/>
-                <a:gridCol w="3629254"/>
-                <a:gridCol w="2177552"/>
+                <a:gridCol w="2422794">
+                  <a:extLst>
+                    <a:ext uri="{9D8B030D-6E8A-4147-A177-3AD203B41FA5}">
+                      <a16:colId xmlns:a16="http://schemas.microsoft.com/office/drawing/2014/main" val="20000"/>
+                    </a:ext>
+                  </a:extLst>
+                </a:gridCol>
+                <a:gridCol w="3629254">
+                  <a:extLst>
+                    <a:ext uri="{9D8B030D-6E8A-4147-A177-3AD203B41FA5}">
+                      <a16:colId xmlns:a16="http://schemas.microsoft.com/office/drawing/2014/main" val="20001"/>
+                    </a:ext>
+                  </a:extLst>
+                </a:gridCol>
+                <a:gridCol w="2177552">
+                  <a:extLst>
+                    <a:ext uri="{9D8B030D-6E8A-4147-A177-3AD203B41FA5}">
+                      <a16:colId xmlns:a16="http://schemas.microsoft.com/office/drawing/2014/main" val="20002"/>
+                    </a:ext>
+                  </a:extLst>
+                </a:gridCol>
               </a:tblGrid>
               <a:tr h="280670">
                 <a:tc>
@@ -10295,6 +10078,11 @@
                     </a:lnB>
                   </a:tcPr>
                 </a:tc>
+                <a:extLst>
+                  <a:ext uri="{0D108BD9-81ED-4DB2-BD59-A6C34878D82A}">
+                    <a16:rowId xmlns:a16="http://schemas.microsoft.com/office/drawing/2014/main" val="10000"/>
+                  </a:ext>
+                </a:extLst>
               </a:tr>
               <a:tr h="279400">
                 <a:tc>
@@ -10504,6 +10292,11 @@
                     </a:lnB>
                   </a:tcPr>
                 </a:tc>
+                <a:extLst>
+                  <a:ext uri="{0D108BD9-81ED-4DB2-BD59-A6C34878D82A}">
+                    <a16:rowId xmlns:a16="http://schemas.microsoft.com/office/drawing/2014/main" val="10001"/>
+                  </a:ext>
+                </a:extLst>
               </a:tr>
               <a:tr h="279400">
                 <a:tc>
@@ -10713,6 +10506,11 @@
                     </a:lnB>
                   </a:tcPr>
                 </a:tc>
+                <a:extLst>
+                  <a:ext uri="{0D108BD9-81ED-4DB2-BD59-A6C34878D82A}">
+                    <a16:rowId xmlns:a16="http://schemas.microsoft.com/office/drawing/2014/main" val="10002"/>
+                  </a:ext>
+                </a:extLst>
               </a:tr>
               <a:tr h="280670">
                 <a:tc>
@@ -10922,6 +10720,11 @@
                     </a:lnB>
                   </a:tcPr>
                 </a:tc>
+                <a:extLst>
+                  <a:ext uri="{0D108BD9-81ED-4DB2-BD59-A6C34878D82A}">
+                    <a16:rowId xmlns:a16="http://schemas.microsoft.com/office/drawing/2014/main" val="10003"/>
+                  </a:ext>
+                </a:extLst>
               </a:tr>
               <a:tr h="279400">
                 <a:tc>
@@ -11131,6 +10934,11 @@
                     </a:lnB>
                   </a:tcPr>
                 </a:tc>
+                <a:extLst>
+                  <a:ext uri="{0D108BD9-81ED-4DB2-BD59-A6C34878D82A}">
+                    <a16:rowId xmlns:a16="http://schemas.microsoft.com/office/drawing/2014/main" val="10004"/>
+                  </a:ext>
+                </a:extLst>
               </a:tr>
               <a:tr h="279400">
                 <a:tc>
@@ -11340,6 +11148,11 @@
                     </a:lnB>
                   </a:tcPr>
                 </a:tc>
+                <a:extLst>
+                  <a:ext uri="{0D108BD9-81ED-4DB2-BD59-A6C34878D82A}">
+                    <a16:rowId xmlns:a16="http://schemas.microsoft.com/office/drawing/2014/main" val="10005"/>
+                  </a:ext>
+                </a:extLst>
               </a:tr>
               <a:tr h="280670">
                 <a:tc>
@@ -11549,6 +11362,11 @@
                     </a:lnB>
                   </a:tcPr>
                 </a:tc>
+                <a:extLst>
+                  <a:ext uri="{0D108BD9-81ED-4DB2-BD59-A6C34878D82A}">
+                    <a16:rowId xmlns:a16="http://schemas.microsoft.com/office/drawing/2014/main" val="10006"/>
+                  </a:ext>
+                </a:extLst>
               </a:tr>
               <a:tr h="279400">
                 <a:tc>
@@ -11758,6 +11576,11 @@
                     </a:lnB>
                   </a:tcPr>
                 </a:tc>
+                <a:extLst>
+                  <a:ext uri="{0D108BD9-81ED-4DB2-BD59-A6C34878D82A}">
+                    <a16:rowId xmlns:a16="http://schemas.microsoft.com/office/drawing/2014/main" val="10007"/>
+                  </a:ext>
+                </a:extLst>
               </a:tr>
               <a:tr h="279400">
                 <a:tc>
@@ -11967,6 +11790,11 @@
                     </a:lnB>
                   </a:tcPr>
                 </a:tc>
+                <a:extLst>
+                  <a:ext uri="{0D108BD9-81ED-4DB2-BD59-A6C34878D82A}">
+                    <a16:rowId xmlns:a16="http://schemas.microsoft.com/office/drawing/2014/main" val="10008"/>
+                  </a:ext>
+                </a:extLst>
               </a:tr>
             </a:tbl>
           </a:graphicData>
@@ -11982,13 +11810,6 @@
   <p:clrMapOvr>
     <a:masterClrMapping/>
   </p:clrMapOvr>
-  <p:timing>
-    <p:tnLst>
-      <p:par>
-        <p:cTn id="1" dur="indefinite" restart="never" nodeType="tmRoot"/>
-      </p:par>
-    </p:tnLst>
-  </p:timing>
 </p:sld>
 </file>
 
@@ -12025,10 +11846,9 @@
           <a:lstStyle/>
           <a:p>
             <a:r>
-              <a:rPr lang="en-IN" dirty="0" smtClean="0"/>
+              <a:rPr lang="en-IN" dirty="0"/>
               <a:t>Step 1</a:t>
             </a:r>
-            <a:endParaRPr lang="en-IN" dirty="0"/>
           </a:p>
         </p:txBody>
       </p:sp>
@@ -12048,10 +11868,9 @@
           <a:lstStyle/>
           <a:p>
             <a:r>
-              <a:rPr lang="en-IN" dirty="0" smtClean="0"/>
+              <a:rPr lang="en-IN" dirty="0"/>
               <a:t>No. of clusters = 3 (i.e.) K = 3</a:t>
             </a:r>
-            <a:endParaRPr lang="en-IN" dirty="0"/>
           </a:p>
         </p:txBody>
       </p:sp>
@@ -12065,13 +11884,6 @@
   <p:clrMapOvr>
     <a:masterClrMapping/>
   </p:clrMapOvr>
-  <p:timing>
-    <p:tnLst>
-      <p:par>
-        <p:cTn id="1" dur="indefinite" restart="never" nodeType="tmRoot"/>
-      </p:par>
-    </p:tnLst>
-  </p:timing>
 </p:sld>
 </file>
 
@@ -12108,10 +11920,9 @@
           <a:lstStyle/>
           <a:p>
             <a:r>
-              <a:rPr lang="en-IN" dirty="0" smtClean="0"/>
+              <a:rPr lang="en-IN" dirty="0"/>
               <a:t>Step 2</a:t>
             </a:r>
-            <a:endParaRPr lang="en-IN" dirty="0"/>
           </a:p>
         </p:txBody>
       </p:sp>
@@ -12138,7 +11949,7 @@
           <a:lstStyle/>
           <a:p>
             <a:r>
-              <a:rPr lang="en-IN" sz="3600" dirty="0" smtClean="0"/>
+              <a:rPr lang="en-IN" sz="3600" dirty="0"/>
               <a:t>Find the centroid</a:t>
             </a:r>
           </a:p>
@@ -12147,12 +11958,8 @@
               <a:buNone/>
             </a:pPr>
             <a:r>
-              <a:rPr lang="en-US" sz="3600" dirty="0" smtClean="0"/>
-              <a:t>	Initial </a:t>
-            </a:r>
-            <a:r>
               <a:rPr lang="en-US" sz="3600" dirty="0"/>
-              <a:t>Seeds:</a:t>
+              <a:t>	Initial Seeds:</a:t>
             </a:r>
             <a:endParaRPr lang="en-IN" sz="3600" dirty="0"/>
           </a:p>
@@ -12161,30 +11968,17 @@
               <a:buNone/>
             </a:pPr>
             <a:r>
-              <a:rPr lang="en-US" sz="3600" dirty="0" smtClean="0"/>
-              <a:t>		Seed1(P1</a:t>
+              <a:rPr lang="en-US" sz="3600" dirty="0"/>
+              <a:t>		Seed1(P1)=(1,1) </a:t>
             </a:r>
-            <a:r>
-              <a:rPr lang="en-US" sz="3600" dirty="0"/>
-              <a:t>)=(1,1) </a:t>
-            </a:r>
-            <a:endParaRPr lang="en-US" sz="3600" dirty="0" smtClean="0"/>
           </a:p>
           <a:p>
             <a:pPr marL="0" indent="0">
               <a:buNone/>
             </a:pPr>
             <a:r>
-              <a:rPr lang="en-US" sz="3600" dirty="0" smtClean="0"/>
-              <a:t>		Seed2(P4</a:t>
-            </a:r>
-            <a:r>
               <a:rPr lang="en-US" sz="3600" dirty="0"/>
-              <a:t>)=(</a:t>
-            </a:r>
-            <a:r>
-              <a:rPr lang="en-US" sz="3600" dirty="0" smtClean="0"/>
-              <a:t>5,7) </a:t>
+              <a:t>		Seed2(P4)=(5,7) </a:t>
             </a:r>
           </a:p>
           <a:p>
@@ -12192,12 +11986,8 @@
               <a:buNone/>
             </a:pPr>
             <a:r>
-              <a:rPr lang="en-US" sz="3600" dirty="0" smtClean="0"/>
-              <a:t>		Seed3(P7</a:t>
-            </a:r>
-            <a:r>
               <a:rPr lang="en-US" sz="3600" dirty="0"/>
-              <a:t>)=(1,2)</a:t>
+              <a:t>		Seed3(P7)=(1,2)</a:t>
             </a:r>
             <a:endParaRPr lang="en-IN" sz="3600" dirty="0"/>
           </a:p>
@@ -12216,13 +12006,6 @@
   <p:clrMapOvr>
     <a:masterClrMapping/>
   </p:clrMapOvr>
-  <p:timing>
-    <p:tnLst>
-      <p:par>
-        <p:cTn id="1" dur="indefinite" restart="never" nodeType="tmRoot"/>
-      </p:par>
-    </p:tnLst>
-  </p:timing>
 </p:sld>
 </file>
 
@@ -12264,10 +12047,9 @@
           <a:lstStyle/>
           <a:p>
             <a:r>
-              <a:rPr lang="en-IN" dirty="0" smtClean="0"/>
+              <a:rPr lang="en-IN" dirty="0"/>
               <a:t>Step 3</a:t>
             </a:r>
-            <a:endParaRPr lang="en-IN" dirty="0"/>
           </a:p>
         </p:txBody>
       </p:sp>
@@ -12294,10 +12076,9 @@
           <a:lstStyle/>
           <a:p>
             <a:r>
-              <a:rPr lang="en-IN" dirty="0" smtClean="0"/>
+              <a:rPr lang="en-IN" dirty="0"/>
               <a:t>Find the distance between objects (points) and centroids using Manhattan distance </a:t>
             </a:r>
-            <a:endParaRPr lang="en-IN" dirty="0"/>
           </a:p>
         </p:txBody>
       </p:sp>
@@ -12324,10 +12105,34 @@
             <a:tbl>
               <a:tblPr/>
               <a:tblGrid>
-                <a:gridCol w="1832080"/>
-                <a:gridCol w="1873405"/>
-                <a:gridCol w="2211877"/>
-                <a:gridCol w="2312238"/>
+                <a:gridCol w="1832080">
+                  <a:extLst>
+                    <a:ext uri="{9D8B030D-6E8A-4147-A177-3AD203B41FA5}">
+                      <a16:colId xmlns:a16="http://schemas.microsoft.com/office/drawing/2014/main" val="20000"/>
+                    </a:ext>
+                  </a:extLst>
+                </a:gridCol>
+                <a:gridCol w="1873405">
+                  <a:extLst>
+                    <a:ext uri="{9D8B030D-6E8A-4147-A177-3AD203B41FA5}">
+                      <a16:colId xmlns:a16="http://schemas.microsoft.com/office/drawing/2014/main" val="20001"/>
+                    </a:ext>
+                  </a:extLst>
+                </a:gridCol>
+                <a:gridCol w="2211877">
+                  <a:extLst>
+                    <a:ext uri="{9D8B030D-6E8A-4147-A177-3AD203B41FA5}">
+                      <a16:colId xmlns:a16="http://schemas.microsoft.com/office/drawing/2014/main" val="20002"/>
+                    </a:ext>
+                  </a:extLst>
+                </a:gridCol>
+                <a:gridCol w="2312238">
+                  <a:extLst>
+                    <a:ext uri="{9D8B030D-6E8A-4147-A177-3AD203B41FA5}">
+                      <a16:colId xmlns:a16="http://schemas.microsoft.com/office/drawing/2014/main" val="20003"/>
+                    </a:ext>
+                  </a:extLst>
+                </a:gridCol>
               </a:tblGrid>
               <a:tr h="446405">
                 <a:tc>
@@ -12726,6 +12531,11 @@
                     </a:lnB>
                   </a:tcPr>
                 </a:tc>
+                <a:extLst>
+                  <a:ext uri="{0D108BD9-81ED-4DB2-BD59-A6C34878D82A}">
+                    <a16:rowId xmlns:a16="http://schemas.microsoft.com/office/drawing/2014/main" val="10000"/>
+                  </a:ext>
+                </a:extLst>
               </a:tr>
               <a:tr h="261620">
                 <a:tc>
@@ -13013,6 +12823,11 @@
                     </a:lnB>
                   </a:tcPr>
                 </a:tc>
+                <a:extLst>
+                  <a:ext uri="{0D108BD9-81ED-4DB2-BD59-A6C34878D82A}">
+                    <a16:rowId xmlns:a16="http://schemas.microsoft.com/office/drawing/2014/main" val="10001"/>
+                  </a:ext>
+                </a:extLst>
               </a:tr>
               <a:tr h="262890">
                 <a:tc>
@@ -13300,6 +13115,11 @@
                     </a:lnB>
                   </a:tcPr>
                 </a:tc>
+                <a:extLst>
+                  <a:ext uri="{0D108BD9-81ED-4DB2-BD59-A6C34878D82A}">
+                    <a16:rowId xmlns:a16="http://schemas.microsoft.com/office/drawing/2014/main" val="10002"/>
+                  </a:ext>
+                </a:extLst>
               </a:tr>
               <a:tr h="261620">
                 <a:tc>
@@ -13587,6 +13407,11 @@
                     </a:lnB>
                   </a:tcPr>
                 </a:tc>
+                <a:extLst>
+                  <a:ext uri="{0D108BD9-81ED-4DB2-BD59-A6C34878D82A}">
+                    <a16:rowId xmlns:a16="http://schemas.microsoft.com/office/drawing/2014/main" val="10003"/>
+                  </a:ext>
+                </a:extLst>
               </a:tr>
               <a:tr h="261620">
                 <a:tc>
@@ -13874,6 +13699,11 @@
                     </a:lnB>
                   </a:tcPr>
                 </a:tc>
+                <a:extLst>
+                  <a:ext uri="{0D108BD9-81ED-4DB2-BD59-A6C34878D82A}">
+                    <a16:rowId xmlns:a16="http://schemas.microsoft.com/office/drawing/2014/main" val="10004"/>
+                  </a:ext>
+                </a:extLst>
               </a:tr>
               <a:tr h="262890">
                 <a:tc>
@@ -14161,6 +13991,11 @@
                     </a:lnB>
                   </a:tcPr>
                 </a:tc>
+                <a:extLst>
+                  <a:ext uri="{0D108BD9-81ED-4DB2-BD59-A6C34878D82A}">
+                    <a16:rowId xmlns:a16="http://schemas.microsoft.com/office/drawing/2014/main" val="10005"/>
+                  </a:ext>
+                </a:extLst>
               </a:tr>
               <a:tr h="261620">
                 <a:tc>
@@ -14448,6 +14283,11 @@
                     </a:lnB>
                   </a:tcPr>
                 </a:tc>
+                <a:extLst>
+                  <a:ext uri="{0D108BD9-81ED-4DB2-BD59-A6C34878D82A}">
+                    <a16:rowId xmlns:a16="http://schemas.microsoft.com/office/drawing/2014/main" val="10006"/>
+                  </a:ext>
+                </a:extLst>
               </a:tr>
               <a:tr h="261620">
                 <a:tc>
@@ -14735,6 +14575,11 @@
                     </a:lnB>
                   </a:tcPr>
                 </a:tc>
+                <a:extLst>
+                  <a:ext uri="{0D108BD9-81ED-4DB2-BD59-A6C34878D82A}">
+                    <a16:rowId xmlns:a16="http://schemas.microsoft.com/office/drawing/2014/main" val="10007"/>
+                  </a:ext>
+                </a:extLst>
               </a:tr>
               <a:tr h="262890">
                 <a:tc>
@@ -15022,6 +14867,11 @@
                     </a:lnB>
                   </a:tcPr>
                 </a:tc>
+                <a:extLst>
+                  <a:ext uri="{0D108BD9-81ED-4DB2-BD59-A6C34878D82A}">
+                    <a16:rowId xmlns:a16="http://schemas.microsoft.com/office/drawing/2014/main" val="10008"/>
+                  </a:ext>
+                </a:extLst>
               </a:tr>
             </a:tbl>
           </a:graphicData>
@@ -15069,13 +14919,6 @@
   <p:clrMapOvr>
     <a:masterClrMapping/>
   </p:clrMapOvr>
-  <p:timing>
-    <p:tnLst>
-      <p:par>
-        <p:cTn id="1" dur="indefinite" restart="never" nodeType="tmRoot"/>
-      </p:par>
-    </p:tnLst>
-  </p:timing>
 </p:sld>
 </file>
 
@@ -15117,10 +14960,9 @@
           <a:lstStyle/>
           <a:p>
             <a:r>
-              <a:rPr lang="en-IN" dirty="0" smtClean="0"/>
+              <a:rPr lang="en-IN" dirty="0"/>
               <a:t>Step 4</a:t>
             </a:r>
-            <a:endParaRPr lang="en-IN" dirty="0"/>
           </a:p>
         </p:txBody>
       </p:sp>
@@ -15145,10 +14987,9 @@
           <a:lstStyle/>
           <a:p>
             <a:r>
-              <a:rPr lang="en-IN" dirty="0" smtClean="0"/>
+              <a:rPr lang="en-IN" dirty="0"/>
               <a:t>Grouping based on minimum distance</a:t>
             </a:r>
-            <a:endParaRPr lang="en-IN" dirty="0"/>
           </a:p>
         </p:txBody>
       </p:sp>
@@ -15175,11 +15016,41 @@
             <a:tbl>
               <a:tblPr/>
               <a:tblGrid>
-                <a:gridCol w="1532352"/>
-                <a:gridCol w="1566916"/>
-                <a:gridCol w="1850014"/>
-                <a:gridCol w="1933956"/>
-                <a:gridCol w="1346363"/>
+                <a:gridCol w="1532352">
+                  <a:extLst>
+                    <a:ext uri="{9D8B030D-6E8A-4147-A177-3AD203B41FA5}">
+                      <a16:colId xmlns:a16="http://schemas.microsoft.com/office/drawing/2014/main" val="20000"/>
+                    </a:ext>
+                  </a:extLst>
+                </a:gridCol>
+                <a:gridCol w="1566916">
+                  <a:extLst>
+                    <a:ext uri="{9D8B030D-6E8A-4147-A177-3AD203B41FA5}">
+                      <a16:colId xmlns:a16="http://schemas.microsoft.com/office/drawing/2014/main" val="20001"/>
+                    </a:ext>
+                  </a:extLst>
+                </a:gridCol>
+                <a:gridCol w="1850014">
+                  <a:extLst>
+                    <a:ext uri="{9D8B030D-6E8A-4147-A177-3AD203B41FA5}">
+                      <a16:colId xmlns:a16="http://schemas.microsoft.com/office/drawing/2014/main" val="20002"/>
+                    </a:ext>
+                  </a:extLst>
+                </a:gridCol>
+                <a:gridCol w="1933956">
+                  <a:extLst>
+                    <a:ext uri="{9D8B030D-6E8A-4147-A177-3AD203B41FA5}">
+                      <a16:colId xmlns:a16="http://schemas.microsoft.com/office/drawing/2014/main" val="20003"/>
+                    </a:ext>
+                  </a:extLst>
+                </a:gridCol>
+                <a:gridCol w="1346363">
+                  <a:extLst>
+                    <a:ext uri="{9D8B030D-6E8A-4147-A177-3AD203B41FA5}">
+                      <a16:colId xmlns:a16="http://schemas.microsoft.com/office/drawing/2014/main" val="20004"/>
+                    </a:ext>
+                  </a:extLst>
+                </a:gridCol>
               </a:tblGrid>
               <a:tr h="446405">
                 <a:tc>
@@ -15672,6 +15543,11 @@
                     </a:lnB>
                   </a:tcPr>
                 </a:tc>
+                <a:extLst>
+                  <a:ext uri="{0D108BD9-81ED-4DB2-BD59-A6C34878D82A}">
+                    <a16:rowId xmlns:a16="http://schemas.microsoft.com/office/drawing/2014/main" val="10000"/>
+                  </a:ext>
+                </a:extLst>
               </a:tr>
               <a:tr h="261620">
                 <a:tc>
@@ -16037,6 +15913,11 @@
                     </a:lnB>
                   </a:tcPr>
                 </a:tc>
+                <a:extLst>
+                  <a:ext uri="{0D108BD9-81ED-4DB2-BD59-A6C34878D82A}">
+                    <a16:rowId xmlns:a16="http://schemas.microsoft.com/office/drawing/2014/main" val="10001"/>
+                  </a:ext>
+                </a:extLst>
               </a:tr>
               <a:tr h="262890">
                 <a:tc>
@@ -16402,6 +16283,11 @@
                     </a:lnB>
                   </a:tcPr>
                 </a:tc>
+                <a:extLst>
+                  <a:ext uri="{0D108BD9-81ED-4DB2-BD59-A6C34878D82A}">
+                    <a16:rowId xmlns:a16="http://schemas.microsoft.com/office/drawing/2014/main" val="10002"/>
+                  </a:ext>
+                </a:extLst>
               </a:tr>
               <a:tr h="261620">
                 <a:tc>
@@ -16767,6 +16653,11 @@
                     </a:lnB>
                   </a:tcPr>
                 </a:tc>
+                <a:extLst>
+                  <a:ext uri="{0D108BD9-81ED-4DB2-BD59-A6C34878D82A}">
+                    <a16:rowId xmlns:a16="http://schemas.microsoft.com/office/drawing/2014/main" val="10003"/>
+                  </a:ext>
+                </a:extLst>
               </a:tr>
               <a:tr h="261620">
                 <a:tc>
@@ -17132,6 +17023,11 @@
                     </a:lnB>
                   </a:tcPr>
                 </a:tc>
+                <a:extLst>
+                  <a:ext uri="{0D108BD9-81ED-4DB2-BD59-A6C34878D82A}">
+                    <a16:rowId xmlns:a16="http://schemas.microsoft.com/office/drawing/2014/main" val="10004"/>
+                  </a:ext>
+                </a:extLst>
               </a:tr>
               <a:tr h="262890">
                 <a:tc>
@@ -17497,6 +17393,11 @@
                     </a:lnB>
                   </a:tcPr>
                 </a:tc>
+                <a:extLst>
+                  <a:ext uri="{0D108BD9-81ED-4DB2-BD59-A6C34878D82A}">
+                    <a16:rowId xmlns:a16="http://schemas.microsoft.com/office/drawing/2014/main" val="10005"/>
+                  </a:ext>
+                </a:extLst>
               </a:tr>
               <a:tr h="261620">
                 <a:tc>
@@ -17862,6 +17763,11 @@
                     </a:lnB>
                   </a:tcPr>
                 </a:tc>
+                <a:extLst>
+                  <a:ext uri="{0D108BD9-81ED-4DB2-BD59-A6C34878D82A}">
+                    <a16:rowId xmlns:a16="http://schemas.microsoft.com/office/drawing/2014/main" val="10006"/>
+                  </a:ext>
+                </a:extLst>
               </a:tr>
               <a:tr h="261620">
                 <a:tc>
@@ -18227,6 +18133,11 @@
                     </a:lnB>
                   </a:tcPr>
                 </a:tc>
+                <a:extLst>
+                  <a:ext uri="{0D108BD9-81ED-4DB2-BD59-A6C34878D82A}">
+                    <a16:rowId xmlns:a16="http://schemas.microsoft.com/office/drawing/2014/main" val="10007"/>
+                  </a:ext>
+                </a:extLst>
               </a:tr>
               <a:tr h="262890">
                 <a:tc>
@@ -18589,6 +18500,11 @@
                     </a:lnB>
                   </a:tcPr>
                 </a:tc>
+                <a:extLst>
+                  <a:ext uri="{0D108BD9-81ED-4DB2-BD59-A6C34878D82A}">
+                    <a16:rowId xmlns:a16="http://schemas.microsoft.com/office/drawing/2014/main" val="10008"/>
+                  </a:ext>
+                </a:extLst>
               </a:tr>
             </a:tbl>
           </a:graphicData>
@@ -18604,13 +18520,6 @@
   <p:clrMapOvr>
     <a:masterClrMapping/>
   </p:clrMapOvr>
-  <p:timing>
-    <p:tnLst>
-      <p:par>
-        <p:cTn id="1" dur="indefinite" restart="never" nodeType="tmRoot"/>
-      </p:par>
-    </p:tnLst>
-  </p:timing>
 </p:sld>
 </file>
 
@@ -18703,13 +18612,6 @@
   <p:clrMapOvr>
     <a:masterClrMapping/>
   </p:clrMapOvr>
-  <p:timing>
-    <p:tnLst>
-      <p:par>
-        <p:cTn id="1" dur="indefinite" restart="never" nodeType="tmRoot"/>
-      </p:par>
-    </p:tnLst>
-  </p:timing>
 </p:sld>
 </file>
 
@@ -18754,11 +18656,7 @@
           <a:p>
             <a:r>
               <a:rPr lang="en-US" b="1" dirty="0"/>
-              <a:t>New Clusters </a:t>
-            </a:r>
-            <a:r>
-              <a:rPr lang="en-US" b="1" dirty="0" smtClean="0"/>
-              <a:t>members are:</a:t>
+              <a:t>New Clusters members are:</a:t>
             </a:r>
             <a:endParaRPr lang="en-IN" dirty="0"/>
           </a:p>
@@ -18851,13 +18749,6 @@
   <p:clrMapOvr>
     <a:masterClrMapping/>
   </p:clrMapOvr>
-  <p:timing>
-    <p:tnLst>
-      <p:par>
-        <p:cTn id="1" dur="indefinite" restart="never" nodeType="tmRoot"/>
-      </p:par>
-    </p:tnLst>
-  </p:timing>
 </p:sld>
 </file>
 
@@ -18894,10 +18785,9 @@
           <a:lstStyle/>
           <a:p>
             <a:r>
-              <a:rPr lang="en-IN" dirty="0" smtClean="0"/>
+              <a:rPr lang="en-IN" dirty="0"/>
               <a:t>Repeat Step 4 - 1</a:t>
             </a:r>
-            <a:endParaRPr lang="en-IN" dirty="0"/>
           </a:p>
         </p:txBody>
       </p:sp>
@@ -18925,11 +18815,41 @@
             <a:tbl>
               <a:tblPr/>
               <a:tblGrid>
-                <a:gridCol w="1260775"/>
-                <a:gridCol w="1792407"/>
-                <a:gridCol w="2027773"/>
-                <a:gridCol w="1914205"/>
-                <a:gridCol w="1234440"/>
+                <a:gridCol w="1260775">
+                  <a:extLst>
+                    <a:ext uri="{9D8B030D-6E8A-4147-A177-3AD203B41FA5}">
+                      <a16:colId xmlns:a16="http://schemas.microsoft.com/office/drawing/2014/main" val="20000"/>
+                    </a:ext>
+                  </a:extLst>
+                </a:gridCol>
+                <a:gridCol w="1792407">
+                  <a:extLst>
+                    <a:ext uri="{9D8B030D-6E8A-4147-A177-3AD203B41FA5}">
+                      <a16:colId xmlns:a16="http://schemas.microsoft.com/office/drawing/2014/main" val="20001"/>
+                    </a:ext>
+                  </a:extLst>
+                </a:gridCol>
+                <a:gridCol w="2027773">
+                  <a:extLst>
+                    <a:ext uri="{9D8B030D-6E8A-4147-A177-3AD203B41FA5}">
+                      <a16:colId xmlns:a16="http://schemas.microsoft.com/office/drawing/2014/main" val="20002"/>
+                    </a:ext>
+                  </a:extLst>
+                </a:gridCol>
+                <a:gridCol w="1914205">
+                  <a:extLst>
+                    <a:ext uri="{9D8B030D-6E8A-4147-A177-3AD203B41FA5}">
+                      <a16:colId xmlns:a16="http://schemas.microsoft.com/office/drawing/2014/main" val="20003"/>
+                    </a:ext>
+                  </a:extLst>
+                </a:gridCol>
+                <a:gridCol w="1234440">
+                  <a:extLst>
+                    <a:ext uri="{9D8B030D-6E8A-4147-A177-3AD203B41FA5}">
+                      <a16:colId xmlns:a16="http://schemas.microsoft.com/office/drawing/2014/main" val="20004"/>
+                    </a:ext>
+                  </a:extLst>
+                </a:gridCol>
               </a:tblGrid>
               <a:tr h="663575">
                 <a:tc>
@@ -19302,6 +19222,11 @@
                     </a:lnB>
                   </a:tcPr>
                 </a:tc>
+                <a:extLst>
+                  <a:ext uri="{0D108BD9-81ED-4DB2-BD59-A6C34878D82A}">
+                    <a16:rowId xmlns:a16="http://schemas.microsoft.com/office/drawing/2014/main" val="10000"/>
+                  </a:ext>
+                </a:extLst>
               </a:tr>
               <a:tr h="243840">
                 <a:tc>
@@ -19661,6 +19586,11 @@
                     </a:lnB>
                   </a:tcPr>
                 </a:tc>
+                <a:extLst>
+                  <a:ext uri="{0D108BD9-81ED-4DB2-BD59-A6C34878D82A}">
+                    <a16:rowId xmlns:a16="http://schemas.microsoft.com/office/drawing/2014/main" val="10001"/>
+                  </a:ext>
+                </a:extLst>
               </a:tr>
               <a:tr h="243205">
                 <a:tc>
@@ -20020,6 +19950,11 @@
                     </a:lnB>
                   </a:tcPr>
                 </a:tc>
+                <a:extLst>
+                  <a:ext uri="{0D108BD9-81ED-4DB2-BD59-A6C34878D82A}">
+                    <a16:rowId xmlns:a16="http://schemas.microsoft.com/office/drawing/2014/main" val="10002"/>
+                  </a:ext>
+                </a:extLst>
               </a:tr>
               <a:tr h="243205">
                 <a:tc>
@@ -20379,6 +20314,11 @@
                     </a:lnB>
                   </a:tcPr>
                 </a:tc>
+                <a:extLst>
+                  <a:ext uri="{0D108BD9-81ED-4DB2-BD59-A6C34878D82A}">
+                    <a16:rowId xmlns:a16="http://schemas.microsoft.com/office/drawing/2014/main" val="10003"/>
+                  </a:ext>
+                </a:extLst>
               </a:tr>
               <a:tr h="243840">
                 <a:tc>
@@ -20738,6 +20678,11 @@
                     </a:lnB>
                   </a:tcPr>
                 </a:tc>
+                <a:extLst>
+                  <a:ext uri="{0D108BD9-81ED-4DB2-BD59-A6C34878D82A}">
+                    <a16:rowId xmlns:a16="http://schemas.microsoft.com/office/drawing/2014/main" val="10004"/>
+                  </a:ext>
+                </a:extLst>
               </a:tr>
               <a:tr h="243205">
                 <a:tc>
@@ -21097,6 +21042,11 @@
                     </a:lnB>
                   </a:tcPr>
                 </a:tc>
+                <a:extLst>
+                  <a:ext uri="{0D108BD9-81ED-4DB2-BD59-A6C34878D82A}">
+                    <a16:rowId xmlns:a16="http://schemas.microsoft.com/office/drawing/2014/main" val="10005"/>
+                  </a:ext>
+                </a:extLst>
               </a:tr>
               <a:tr h="243205">
                 <a:tc>
@@ -21456,6 +21406,11 @@
                     </a:lnB>
                   </a:tcPr>
                 </a:tc>
+                <a:extLst>
+                  <a:ext uri="{0D108BD9-81ED-4DB2-BD59-A6C34878D82A}">
+                    <a16:rowId xmlns:a16="http://schemas.microsoft.com/office/drawing/2014/main" val="10006"/>
+                  </a:ext>
+                </a:extLst>
               </a:tr>
               <a:tr h="243840">
                 <a:tc>
@@ -21815,6 +21770,11 @@
                     </a:lnB>
                   </a:tcPr>
                 </a:tc>
+                <a:extLst>
+                  <a:ext uri="{0D108BD9-81ED-4DB2-BD59-A6C34878D82A}">
+                    <a16:rowId xmlns:a16="http://schemas.microsoft.com/office/drawing/2014/main" val="10007"/>
+                  </a:ext>
+                </a:extLst>
               </a:tr>
               <a:tr h="243205">
                 <a:tc>
@@ -22174,6 +22134,11 @@
                     </a:lnB>
                   </a:tcPr>
                 </a:tc>
+                <a:extLst>
+                  <a:ext uri="{0D108BD9-81ED-4DB2-BD59-A6C34878D82A}">
+                    <a16:rowId xmlns:a16="http://schemas.microsoft.com/office/drawing/2014/main" val="10008"/>
+                  </a:ext>
+                </a:extLst>
               </a:tr>
             </a:tbl>
           </a:graphicData>
@@ -22189,13 +22154,6 @@
   <p:clrMapOvr>
     <a:masterClrMapping/>
   </p:clrMapOvr>
-  <p:timing>
-    <p:tnLst>
-      <p:par>
-        <p:cTn id="1" dur="indefinite" restart="never" nodeType="tmRoot"/>
-      </p:par>
-    </p:tnLst>
-  </p:timing>
 </p:sld>
 </file>
 
@@ -22247,19 +22205,7 @@
               <a:rPr lang="en-US" b="1" dirty="0">
                 <a:ea typeface="Calibri"/>
               </a:rPr>
-              <a:t>New clusters </a:t>
-            </a:r>
-            <a:r>
-              <a:rPr lang="en-US" b="1" dirty="0" smtClean="0">
-                <a:ea typeface="Calibri"/>
-              </a:rPr>
-              <a:t>members are</a:t>
-            </a:r>
-            <a:r>
-              <a:rPr lang="en-US" b="1" dirty="0">
-                <a:ea typeface="Calibri"/>
-              </a:rPr>
-              <a:t>:</a:t>
+              <a:t>New clusters members are:</a:t>
             </a:r>
             <a:endParaRPr lang="en-IN" dirty="0">
               <a:ea typeface="Times New Roman"/>
@@ -22273,20 +22219,11 @@
               <a:buNone/>
             </a:pPr>
             <a:r>
-              <a:rPr lang="en-US" dirty="0" smtClean="0">
-                <a:ea typeface="Calibri"/>
-              </a:rPr>
-              <a:t>Cluster1</a:t>
-            </a:r>
-            <a:r>
               <a:rPr lang="en-US" dirty="0">
                 <a:ea typeface="Calibri"/>
               </a:rPr>
-              <a:t>={P1,P7,P8} </a:t>
+              <a:t>Cluster1={P1,P7,P8} </a:t>
             </a:r>
-            <a:endParaRPr lang="en-US" dirty="0" smtClean="0">
-              <a:ea typeface="Calibri"/>
-            </a:endParaRPr>
           </a:p>
           <a:p>
             <a:pPr marL="0" indent="0">
@@ -22296,20 +22233,11 @@
               <a:buNone/>
             </a:pPr>
             <a:r>
-              <a:rPr lang="en-US" dirty="0" smtClean="0">
-                <a:ea typeface="Calibri"/>
-              </a:rPr>
-              <a:t>Cluster2</a:t>
-            </a:r>
-            <a:r>
               <a:rPr lang="en-US" dirty="0">
                 <a:ea typeface="Calibri"/>
               </a:rPr>
-              <a:t>={P2,P3,P4} </a:t>
+              <a:t>Cluster2={P2,P3,P4} </a:t>
             </a:r>
-            <a:endParaRPr lang="en-US" dirty="0" smtClean="0">
-              <a:ea typeface="Calibri"/>
-            </a:endParaRPr>
           </a:p>
           <a:p>
             <a:pPr marL="0" indent="0">
@@ -22319,22 +22247,10 @@
               <a:buNone/>
             </a:pPr>
             <a:r>
-              <a:rPr lang="en-US" dirty="0" smtClean="0">
-                <a:ea typeface="Calibri"/>
-              </a:rPr>
-              <a:t>Cluster3</a:t>
-            </a:r>
-            <a:r>
               <a:rPr lang="en-US" dirty="0">
                 <a:ea typeface="Calibri"/>
               </a:rPr>
-              <a:t>={P5,P6</a:t>
-            </a:r>
-            <a:r>
-              <a:rPr lang="en-US" dirty="0" smtClean="0">
-                <a:ea typeface="Calibri"/>
-              </a:rPr>
-              <a:t>}</a:t>
+              <a:t>Cluster3={P5,P6}</a:t>
             </a:r>
           </a:p>
           <a:p>
@@ -22361,7 +22277,7 @@
               <a:t>Seed Calculation</a:t>
             </a:r>
             <a:r>
-              <a:rPr lang="en-US" b="1" dirty="0" smtClean="0">
+              <a:rPr lang="en-US" b="1" dirty="0">
                 <a:ea typeface="Times New Roman"/>
               </a:rPr>
               <a:t>:</a:t>
@@ -22436,13 +22352,6 @@
   <p:clrMapOvr>
     <a:masterClrMapping/>
   </p:clrMapOvr>
-  <p:timing>
-    <p:tnLst>
-      <p:par>
-        <p:cTn id="1" dur="indefinite" restart="never" nodeType="tmRoot"/>
-      </p:par>
-    </p:tnLst>
-  </p:timing>
 </p:sld>
 </file>
 
@@ -22487,40 +22396,23 @@
           <a:p>
             <a:pPr algn="just"/>
             <a:r>
-              <a:rPr lang="en-IN" dirty="0" smtClean="0"/>
-              <a:t>Compare previous clusters members with current </a:t>
+              <a:rPr lang="en-IN" dirty="0"/>
+              <a:t>Compare previous clusters members with current clusters members. Both members are same means stop the process otherwise repeat the step 4. </a:t>
             </a:r>
+          </a:p>
+          <a:p>
             <a:r>
               <a:rPr lang="en-IN" dirty="0"/>
-              <a:t>clusters </a:t>
+              <a:t>Previous clusters members </a:t>
             </a:r>
-            <a:r>
-              <a:rPr lang="en-IN" dirty="0" smtClean="0"/>
-              <a:t>members. Both members are same means stop the process otherwise repeat the step 4. </a:t>
-            </a:r>
-          </a:p>
-          <a:p>
-            <a:r>
-              <a:rPr lang="en-IN" dirty="0" smtClean="0"/>
-              <a:t>Previous </a:t>
-            </a:r>
-            <a:r>
-              <a:rPr lang="en-IN" dirty="0"/>
-              <a:t>clusters members </a:t>
-            </a:r>
-            <a:endParaRPr lang="en-IN" dirty="0" smtClean="0"/>
           </a:p>
           <a:p>
             <a:pPr marL="0" indent="0">
               <a:buNone/>
             </a:pPr>
             <a:r>
-              <a:rPr lang="en-US" dirty="0" smtClean="0"/>
-              <a:t>Cluster </a:t>
-            </a:r>
-            <a:r>
               <a:rPr lang="en-US" dirty="0"/>
-              <a:t>1 = {P1, P8} </a:t>
+              <a:t>Cluster 1 = {P1, P8} </a:t>
             </a:r>
             <a:endParaRPr lang="en-IN" dirty="0"/>
           </a:p>
@@ -22540,16 +22432,12 @@
             </a:pPr>
             <a:r>
               <a:rPr lang="en-US" dirty="0"/>
-              <a:t>Cluster3 = {P5,P6,P7</a:t>
+              <a:t>Cluster3 = {P5,P6,P7}</a:t>
             </a:r>
+          </a:p>
+          <a:p>
             <a:r>
-              <a:rPr lang="en-US" dirty="0" smtClean="0"/>
-              <a:t>}</a:t>
-            </a:r>
-          </a:p>
-          <a:p>
-            <a:r>
-              <a:rPr lang="en-IN" dirty="0" smtClean="0"/>
+              <a:rPr lang="en-IN" dirty="0"/>
               <a:t>Current or </a:t>
             </a:r>
             <a:r>
@@ -22559,20 +22447,14 @@
               <a:t>New </a:t>
             </a:r>
             <a:r>
-              <a:rPr lang="en-IN" dirty="0" smtClean="0"/>
+              <a:rPr lang="en-IN" dirty="0"/>
               <a:t>clusters members </a:t>
-            </a:r>
-            <a:r>
-              <a:rPr lang="en-US" dirty="0" smtClean="0">
-                <a:ea typeface="Calibri"/>
-              </a:rPr>
-              <a:t>are</a:t>
             </a:r>
             <a:r>
               <a:rPr lang="en-US" dirty="0">
                 <a:ea typeface="Calibri"/>
               </a:rPr>
-              <a:t>:</a:t>
+              <a:t>are:</a:t>
             </a:r>
             <a:endParaRPr lang="en-IN" dirty="0">
               <a:ea typeface="Times New Roman"/>
@@ -22638,13 +22520,6 @@
   <p:clrMapOvr>
     <a:masterClrMapping/>
   </p:clrMapOvr>
-  <p:timing>
-    <p:tnLst>
-      <p:par>
-        <p:cTn id="1" dur="indefinite" restart="never" nodeType="tmRoot"/>
-      </p:par>
-    </p:tnLst>
-  </p:timing>
 </p:sld>
 </file>
 
@@ -22682,13 +22557,8 @@
           <a:p>
             <a:r>
               <a:rPr lang="en-IN" dirty="0"/>
-              <a:t>Repeat Step </a:t>
+              <a:t>Repeat Step 4 - 2</a:t>
             </a:r>
-            <a:r>
-              <a:rPr lang="en-IN" dirty="0" smtClean="0"/>
-              <a:t>4 - 2</a:t>
-            </a:r>
-            <a:endParaRPr lang="en-IN" dirty="0"/>
           </a:p>
         </p:txBody>
       </p:sp>
@@ -22716,11 +22586,41 @@
             <a:tbl>
               <a:tblPr/>
               <a:tblGrid>
-                <a:gridCol w="1313355"/>
-                <a:gridCol w="2146413"/>
-                <a:gridCol w="1825115"/>
-                <a:gridCol w="1753899"/>
-                <a:gridCol w="1242138"/>
+                <a:gridCol w="1313355">
+                  <a:extLst>
+                    <a:ext uri="{9D8B030D-6E8A-4147-A177-3AD203B41FA5}">
+                      <a16:colId xmlns:a16="http://schemas.microsoft.com/office/drawing/2014/main" val="20000"/>
+                    </a:ext>
+                  </a:extLst>
+                </a:gridCol>
+                <a:gridCol w="2146413">
+                  <a:extLst>
+                    <a:ext uri="{9D8B030D-6E8A-4147-A177-3AD203B41FA5}">
+                      <a16:colId xmlns:a16="http://schemas.microsoft.com/office/drawing/2014/main" val="20001"/>
+                    </a:ext>
+                  </a:extLst>
+                </a:gridCol>
+                <a:gridCol w="1825115">
+                  <a:extLst>
+                    <a:ext uri="{9D8B030D-6E8A-4147-A177-3AD203B41FA5}">
+                      <a16:colId xmlns:a16="http://schemas.microsoft.com/office/drawing/2014/main" val="20002"/>
+                    </a:ext>
+                  </a:extLst>
+                </a:gridCol>
+                <a:gridCol w="1753899">
+                  <a:extLst>
+                    <a:ext uri="{9D8B030D-6E8A-4147-A177-3AD203B41FA5}">
+                      <a16:colId xmlns:a16="http://schemas.microsoft.com/office/drawing/2014/main" val="20003"/>
+                    </a:ext>
+                  </a:extLst>
+                </a:gridCol>
+                <a:gridCol w="1242138">
+                  <a:extLst>
+                    <a:ext uri="{9D8B030D-6E8A-4147-A177-3AD203B41FA5}">
+                      <a16:colId xmlns:a16="http://schemas.microsoft.com/office/drawing/2014/main" val="20004"/>
+                    </a:ext>
+                  </a:extLst>
+                </a:gridCol>
               </a:tblGrid>
               <a:tr h="285564">
                 <a:tc>
@@ -23093,6 +22993,11 @@
                     </a:lnB>
                   </a:tcPr>
                 </a:tc>
+                <a:extLst>
+                  <a:ext uri="{0D108BD9-81ED-4DB2-BD59-A6C34878D82A}">
+                    <a16:rowId xmlns:a16="http://schemas.microsoft.com/office/drawing/2014/main" val="10000"/>
+                  </a:ext>
+                </a:extLst>
               </a:tr>
               <a:tr h="211497">
                 <a:tc>
@@ -23452,6 +23357,11 @@
                     </a:lnB>
                   </a:tcPr>
                 </a:tc>
+                <a:extLst>
+                  <a:ext uri="{0D108BD9-81ED-4DB2-BD59-A6C34878D82A}">
+                    <a16:rowId xmlns:a16="http://schemas.microsoft.com/office/drawing/2014/main" val="10001"/>
+                  </a:ext>
+                </a:extLst>
               </a:tr>
               <a:tr h="210641">
                 <a:tc>
@@ -23811,6 +23721,11 @@
                     </a:lnB>
                   </a:tcPr>
                 </a:tc>
+                <a:extLst>
+                  <a:ext uri="{0D108BD9-81ED-4DB2-BD59-A6C34878D82A}">
+                    <a16:rowId xmlns:a16="http://schemas.microsoft.com/office/drawing/2014/main" val="10002"/>
+                  </a:ext>
+                </a:extLst>
               </a:tr>
               <a:tr h="210641">
                 <a:tc>
@@ -24170,6 +24085,11 @@
                     </a:lnB>
                   </a:tcPr>
                 </a:tc>
+                <a:extLst>
+                  <a:ext uri="{0D108BD9-81ED-4DB2-BD59-A6C34878D82A}">
+                    <a16:rowId xmlns:a16="http://schemas.microsoft.com/office/drawing/2014/main" val="10003"/>
+                  </a:ext>
+                </a:extLst>
               </a:tr>
               <a:tr h="211497">
                 <a:tc>
@@ -24529,6 +24449,11 @@
                     </a:lnB>
                   </a:tcPr>
                 </a:tc>
+                <a:extLst>
+                  <a:ext uri="{0D108BD9-81ED-4DB2-BD59-A6C34878D82A}">
+                    <a16:rowId xmlns:a16="http://schemas.microsoft.com/office/drawing/2014/main" val="10004"/>
+                  </a:ext>
+                </a:extLst>
               </a:tr>
               <a:tr h="210641">
                 <a:tc>
@@ -24888,6 +24813,11 @@
                     </a:lnB>
                   </a:tcPr>
                 </a:tc>
+                <a:extLst>
+                  <a:ext uri="{0D108BD9-81ED-4DB2-BD59-A6C34878D82A}">
+                    <a16:rowId xmlns:a16="http://schemas.microsoft.com/office/drawing/2014/main" val="10005"/>
+                  </a:ext>
+                </a:extLst>
               </a:tr>
               <a:tr h="210641">
                 <a:tc>
@@ -25247,6 +25177,11 @@
                     </a:lnB>
                   </a:tcPr>
                 </a:tc>
+                <a:extLst>
+                  <a:ext uri="{0D108BD9-81ED-4DB2-BD59-A6C34878D82A}">
+                    <a16:rowId xmlns:a16="http://schemas.microsoft.com/office/drawing/2014/main" val="10006"/>
+                  </a:ext>
+                </a:extLst>
               </a:tr>
               <a:tr h="211497">
                 <a:tc>
@@ -25606,6 +25541,11 @@
                     </a:lnB>
                   </a:tcPr>
                 </a:tc>
+                <a:extLst>
+                  <a:ext uri="{0D108BD9-81ED-4DB2-BD59-A6C34878D82A}">
+                    <a16:rowId xmlns:a16="http://schemas.microsoft.com/office/drawing/2014/main" val="10007"/>
+                  </a:ext>
+                </a:extLst>
               </a:tr>
               <a:tr h="210641">
                 <a:tc>
@@ -25965,6 +25905,11 @@
                     </a:lnB>
                   </a:tcPr>
                 </a:tc>
+                <a:extLst>
+                  <a:ext uri="{0D108BD9-81ED-4DB2-BD59-A6C34878D82A}">
+                    <a16:rowId xmlns:a16="http://schemas.microsoft.com/office/drawing/2014/main" val="10008"/>
+                  </a:ext>
+                </a:extLst>
               </a:tr>
             </a:tbl>
           </a:graphicData>
@@ -25980,13 +25925,6 @@
   <p:clrMapOvr>
     <a:masterClrMapping/>
   </p:clrMapOvr>
-  <p:timing>
-    <p:tnLst>
-      <p:par>
-        <p:cTn id="1" dur="indefinite" restart="never" nodeType="tmRoot"/>
-      </p:par>
-    </p:tnLst>
-  </p:timing>
 </p:sld>
 </file>
 
@@ -26095,20 +26033,12 @@
           <a:p>
             <a:pPr lvl="0"/>
             <a:r>
-              <a:rPr lang="en-IN" sz="2800" dirty="0" smtClean="0">
-                <a:solidFill>
-                  <a:prstClr val="black"/>
-                </a:solidFill>
-              </a:rPr>
-              <a:t>Current </a:t>
-            </a:r>
-            <a:r>
               <a:rPr lang="en-IN" sz="2800" dirty="0">
                 <a:solidFill>
                   <a:prstClr val="black"/>
                 </a:solidFill>
               </a:rPr>
-              <a:t>or </a:t>
+              <a:t>Current or </a:t>
             </a:r>
             <a:r>
               <a:rPr lang="en-US" sz="2800" dirty="0">
@@ -26192,47 +26122,7 @@
                   <a:prstClr val="black"/>
                 </a:solidFill>
               </a:rPr>
-              <a:t>Both members are </a:t>
-            </a:r>
-            <a:r>
-              <a:rPr lang="en-IN" sz="2800" dirty="0" smtClean="0">
-                <a:solidFill>
-                  <a:prstClr val="black"/>
-                </a:solidFill>
-              </a:rPr>
-              <a:t>same. </a:t>
-            </a:r>
-            <a:r>
-              <a:rPr lang="en-IN" sz="2800" dirty="0">
-                <a:solidFill>
-                  <a:prstClr val="black"/>
-                </a:solidFill>
-              </a:rPr>
-              <a:t>S</a:t>
-            </a:r>
-            <a:r>
-              <a:rPr lang="en-IN" sz="2800" dirty="0" smtClean="0">
-                <a:solidFill>
-                  <a:prstClr val="black"/>
-                </a:solidFill>
-              </a:rPr>
-              <a:t>top </a:t>
-            </a:r>
-            <a:r>
-              <a:rPr lang="en-IN" sz="2800" dirty="0">
-                <a:solidFill>
-                  <a:prstClr val="black"/>
-                </a:solidFill>
-              </a:rPr>
-              <a:t>the </a:t>
-            </a:r>
-            <a:r>
-              <a:rPr lang="en-IN" sz="2800" dirty="0" smtClean="0">
-                <a:solidFill>
-                  <a:prstClr val="black"/>
-                </a:solidFill>
-              </a:rPr>
-              <a:t>process. </a:t>
+              <a:t>Both members are same. Stop the process. </a:t>
             </a:r>
             <a:endParaRPr lang="en-IN" sz="2800" dirty="0"/>
           </a:p>
@@ -26248,13 +26138,6 @@
   <p:clrMapOvr>
     <a:masterClrMapping/>
   </p:clrMapOvr>
-  <p:timing>
-    <p:tnLst>
-      <p:par>
-        <p:cTn id="1" dur="indefinite" restart="never" nodeType="tmRoot"/>
-      </p:par>
-    </p:tnLst>
-  </p:timing>
 </p:sld>
 </file>
 
@@ -26360,18 +26243,13 @@
           <a:lstStyle/>
           <a:p>
             <a:r>
-              <a:rPr lang="en-IN" sz="4400" b="1" dirty="0" smtClean="0">
+              <a:rPr lang="en-IN" sz="4400" b="1" dirty="0">
                 <a:solidFill>
                   <a:srgbClr val="FF0000"/>
                 </a:solidFill>
               </a:rPr>
               <a:t>Try it out</a:t>
             </a:r>
-            <a:endParaRPr lang="en-IN" sz="4400" b="1" dirty="0">
-              <a:solidFill>
-                <a:srgbClr val="FF0000"/>
-              </a:solidFill>
-            </a:endParaRPr>
           </a:p>
         </p:txBody>
       </p:sp>
@@ -26385,13 +26263,6 @@
   <p:clrMapOvr>
     <a:masterClrMapping/>
   </p:clrMapOvr>
-  <p:timing>
-    <p:tnLst>
-      <p:par>
-        <p:cTn id="1" dur="indefinite" restart="never" nodeType="tmRoot"/>
-      </p:par>
-    </p:tnLst>
-  </p:timing>
 </p:sld>
 </file>
 
@@ -26472,13 +26343,6 @@
   <p:clrMapOvr>
     <a:masterClrMapping/>
   </p:clrMapOvr>
-  <p:timing>
-    <p:tnLst>
-      <p:par>
-        <p:cTn id="1" dur="indefinite" restart="never" nodeType="tmRoot"/>
-      </p:par>
-    </p:tnLst>
-  </p:timing>
 </p:sld>
 </file>
 
@@ -26571,13 +26435,6 @@
   <p:clrMapOvr>
     <a:masterClrMapping/>
   </p:clrMapOvr>
-  <p:timing>
-    <p:tnLst>
-      <p:par>
-        <p:cTn id="1" dur="indefinite" restart="never" nodeType="tmRoot"/>
-      </p:par>
-    </p:tnLst>
-  </p:timing>
 </p:sld>
 </file>
 
@@ -26694,13 +26551,6 @@
   <p:clrMapOvr>
     <a:masterClrMapping/>
   </p:clrMapOvr>
-  <p:timing>
-    <p:tnLst>
-      <p:par>
-        <p:cTn id="1" dur="indefinite" restart="never" nodeType="tmRoot"/>
-      </p:par>
-    </p:tnLst>
-  </p:timing>
 </p:sld>
 </file>
 
@@ -26793,13 +26643,6 @@
   <p:clrMapOvr>
     <a:masterClrMapping/>
   </p:clrMapOvr>
-  <p:timing>
-    <p:tnLst>
-      <p:par>
-        <p:cTn id="1" dur="indefinite" restart="never" nodeType="tmRoot"/>
-      </p:par>
-    </p:tnLst>
-  </p:timing>
 </p:sld>
 </file>
 
@@ -26892,13 +26735,6 @@
   <p:clrMapOvr>
     <a:masterClrMapping/>
   </p:clrMapOvr>
-  <p:timing>
-    <p:tnLst>
-      <p:par>
-        <p:cTn id="1" dur="indefinite" restart="never" nodeType="tmRoot"/>
-      </p:par>
-    </p:tnLst>
-  </p:timing>
 </p:sld>
 </file>
 
@@ -26991,13 +26827,6 @@
   <p:clrMapOvr>
     <a:masterClrMapping/>
   </p:clrMapOvr>
-  <p:timing>
-    <p:tnLst>
-      <p:par>
-        <p:cTn id="1" dur="indefinite" restart="never" nodeType="tmRoot"/>
-      </p:par>
-    </p:tnLst>
-  </p:timing>
 </p:sld>
 </file>
 
@@ -27090,13 +26919,6 @@
   <p:clrMapOvr>
     <a:masterClrMapping/>
   </p:clrMapOvr>
-  <p:timing>
-    <p:tnLst>
-      <p:par>
-        <p:cTn id="1" dur="indefinite" restart="never" nodeType="tmRoot"/>
-      </p:par>
-    </p:tnLst>
-  </p:timing>
 </p:sld>
 </file>
 
@@ -27175,13 +26997,6 @@
   <p:clrMapOvr>
     <a:masterClrMapping/>
   </p:clrMapOvr>
-  <p:timing>
-    <p:tnLst>
-      <p:par>
-        <p:cTn id="1" dur="indefinite" restart="never" nodeType="tmRoot"/>
-      </p:par>
-    </p:tnLst>
-  </p:timing>
 </p:sld>
 </file>
 
@@ -27274,13 +27089,6 @@
   <p:clrMapOvr>
     <a:masterClrMapping/>
   </p:clrMapOvr>
-  <p:timing>
-    <p:tnLst>
-      <p:par>
-        <p:cTn id="1" dur="indefinite" restart="never" nodeType="tmRoot"/>
-      </p:par>
-    </p:tnLst>
-  </p:timing>
 </p:sld>
 </file>
 
@@ -27373,13 +27181,6 @@
   <p:clrMapOvr>
     <a:masterClrMapping/>
   </p:clrMapOvr>
-  <p:timing>
-    <p:tnLst>
-      <p:par>
-        <p:cTn id="1" dur="indefinite" restart="never" nodeType="tmRoot"/>
-      </p:par>
-    </p:tnLst>
-  </p:timing>
 </p:sld>
 </file>
 
@@ -27472,13 +27273,6 @@
   <p:clrMapOvr>
     <a:masterClrMapping/>
   </p:clrMapOvr>
-  <p:timing>
-    <p:tnLst>
-      <p:par>
-        <p:cTn id="1" dur="indefinite" restart="never" nodeType="tmRoot"/>
-      </p:par>
-    </p:tnLst>
-  </p:timing>
 </p:sld>
 </file>
 

--- a/CSI3010 Data Warehousing Data Mining/reference materials/module-5 cluster analysis and outlier analysis/16_K-Means Clustering.pptx
+++ b/CSI3010 Data Warehousing Data Mining/reference materials/module-5 cluster analysis and outlier analysis/16_K-Means Clustering.pptx
@@ -7537,44 +7537,6 @@
           <a:chExt cx="0" cy="0"/>
         </a:xfrm>
       </p:grpSpPr>
-      <p:sp>
-        <p:nvSpPr>
-          <p:cNvPr id="2" name="Title 1"/>
-          <p:cNvSpPr>
-            <a:spLocks noGrp="1"/>
-          </p:cNvSpPr>
-          <p:nvPr>
-            <p:ph type="title"/>
-          </p:nvPr>
-        </p:nvSpPr>
-        <p:spPr/>
-        <p:txBody>
-          <a:bodyPr/>
-          <a:lstStyle/>
-          <a:p>
-            <a:endParaRPr lang="en-IN"/>
-          </a:p>
-        </p:txBody>
-      </p:sp>
-      <p:sp>
-        <p:nvSpPr>
-          <p:cNvPr id="3" name="Content Placeholder 2"/>
-          <p:cNvSpPr>
-            <a:spLocks noGrp="1"/>
-          </p:cNvSpPr>
-          <p:nvPr>
-            <p:ph idx="1"/>
-          </p:nvPr>
-        </p:nvSpPr>
-        <p:spPr/>
-        <p:txBody>
-          <a:bodyPr/>
-          <a:lstStyle/>
-          <a:p>
-            <a:endParaRPr lang="en-IN"/>
-          </a:p>
-        </p:txBody>
-      </p:sp>
       <p:pic>
         <p:nvPicPr>
           <p:cNvPr id="4" name="Picture 3"/>
@@ -7591,8 +7553,8 @@
         </p:blipFill>
         <p:spPr>
           <a:xfrm>
-            <a:off x="-33924" y="76873"/>
-            <a:ext cx="8716432" cy="6501600"/>
+            <a:off x="251520" y="243987"/>
+            <a:ext cx="8280920" cy="6176750"/>
           </a:xfrm>
           <a:prstGeom prst="rect">
             <a:avLst/>
@@ -9841,7 +9803,7 @@
         </p:nvGraphicFramePr>
         <p:xfrm>
           <a:off x="611560" y="3140968"/>
-          <a:ext cx="8229600" cy="2999232"/>
+          <a:ext cx="8229600" cy="3215259"/>
         </p:xfrm>
         <a:graphic>
           <a:graphicData uri="http://schemas.openxmlformats.org/drawingml/2006/table">
@@ -12098,7 +12060,7 @@
         </p:nvGraphicFramePr>
         <p:xfrm>
           <a:off x="457200" y="1988840"/>
-          <a:ext cx="8229600" cy="4626864"/>
+          <a:ext cx="8229600" cy="4404555"/>
         </p:xfrm>
         <a:graphic>
           <a:graphicData uri="http://schemas.openxmlformats.org/drawingml/2006/table">
@@ -15009,7 +14971,7 @@
         </p:nvGraphicFramePr>
         <p:xfrm>
           <a:off x="323528" y="1772816"/>
-          <a:ext cx="8229601" cy="4696968"/>
+          <a:ext cx="8229601" cy="4470531"/>
         </p:xfrm>
         <a:graphic>
           <a:graphicData uri="http://schemas.openxmlformats.org/drawingml/2006/table">
@@ -18808,7 +18770,7 @@
         </p:nvGraphicFramePr>
         <p:xfrm>
           <a:off x="395536" y="1628800"/>
-          <a:ext cx="8229600" cy="4626864"/>
+          <a:ext cx="8229600" cy="4404555"/>
         </p:xfrm>
         <a:graphic>
           <a:graphicData uri="http://schemas.openxmlformats.org/drawingml/2006/table">
@@ -22579,7 +22541,7 @@
         </p:nvGraphicFramePr>
         <p:xfrm>
           <a:off x="467544" y="1600201"/>
-          <a:ext cx="8280920" cy="4626864"/>
+          <a:ext cx="8280920" cy="4404555"/>
         </p:xfrm>
         <a:graphic>
           <a:graphicData uri="http://schemas.openxmlformats.org/drawingml/2006/table">

--- a/CSI3010 Data Warehousing Data Mining/reference materials/module-5 cluster analysis and outlier analysis/16_K-Means Clustering.pptx
+++ b/CSI3010 Data Warehousing Data Mining/reference materials/module-5 cluster analysis and outlier analysis/16_K-Means Clustering.pptx
@@ -176,6 +176,2526 @@
     </p:ext>
   </p:extLst>
 </p:presentation>
+</file>
+
+<file path=ppt/ink/ink1.xml><?xml version="1.0" encoding="utf-8"?>
+<inkml:ink xmlns:inkml="http://www.w3.org/2003/InkML">
+  <inkml:definitions>
+    <inkml:context xml:id="ctx0">
+      <inkml:inkSource xml:id="inkSrc0">
+        <inkml:traceFormat>
+          <inkml:channel name="X" type="integer" min="-2.14748E9" max="2.14748E9" units="cm"/>
+          <inkml:channel name="Y" type="integer" min="-2.14748E9" max="2.14748E9" units="cm"/>
+          <inkml:channel name="F" type="integer" max="32767" units="dev"/>
+        </inkml:traceFormat>
+        <inkml:channelProperties>
+          <inkml:channelProperty channel="X" name="resolution" value="1000" units="1/cm"/>
+          <inkml:channelProperty channel="Y" name="resolution" value="1000" units="1/cm"/>
+          <inkml:channelProperty channel="F" name="resolution" value="0" units="1/dev"/>
+        </inkml:channelProperties>
+      </inkml:inkSource>
+      <inkml:timestamp xml:id="ts0" timeString="2022-04-02T07:17:37.332"/>
+    </inkml:context>
+    <inkml:brush xml:id="br0">
+      <inkml:brushProperty name="width" value="0.08571" units="cm"/>
+      <inkml:brushProperty name="height" value="0.08571" units="cm"/>
+      <inkml:brushProperty name="color" value="#008C3A"/>
+    </inkml:brush>
+  </inkml:definitions>
+  <inkml:trace contextRef="#ctx0" brushRef="#br0">391 144 7526,'1'-4'1961,"1"1"-695,-2 3 1333,4-38-2004,-3 24-136,4-30-45,-5 36-77,-5-2-68,-2 3-157,-6-2-67,-2 6-34,-7 0-11,-3 3 0,-11 1-45,-3 13 45,-7 11-22,1 16-12,1 11 34,8 8 0,5 7 0,11 4-11,7-1-56,8-1-146,4-10-191,17-9-111,7-11 67,19-14 89,6-9 168,2-10 124,-1-4 56,5-16 44,-19-2-21,-1-15 88,-25 0 125,-4-3 145,-3 0-90,-2 4 11,-6 3-146,-1 8 1,-5 6-90,2 6-56,2 4-34,4 3-44,1 0-157,3 0 56,3 4-101,11 5 112,8 2 0,13-1 56,4-5 78,-1-3 34,0-2 11,-7-11 12,-3-4-1,-8-10 191,-6-1 212,-6 4 46,-4 3-112,-3 9-146,-1 2-180,0 6-156,0 0 22,0 8 101,-3 12 12,-2 14-1,0 11-11,-1 3 0,4-3 0,0-4-213,2-7-258,2-5-190,4-6-269,4-8-560,5-4-415,1-6-1815,1-1 3720,-1-2 0,-7 0 0,-2 0 0</inkml:trace>
+</inkml:ink>
+</file>
+
+<file path=ppt/ink/ink10.xml><?xml version="1.0" encoding="utf-8"?>
+<inkml:ink xmlns:inkml="http://www.w3.org/2003/InkML">
+  <inkml:definitions>
+    <inkml:context xml:id="ctx0">
+      <inkml:inkSource xml:id="inkSrc0">
+        <inkml:traceFormat>
+          <inkml:channel name="X" type="integer" min="-2.14748E9" max="2.14748E9" units="cm"/>
+          <inkml:channel name="Y" type="integer" min="-2.14748E9" max="2.14748E9" units="cm"/>
+          <inkml:channel name="F" type="integer" max="32767" units="dev"/>
+        </inkml:traceFormat>
+        <inkml:channelProperties>
+          <inkml:channelProperty channel="X" name="resolution" value="1000" units="1/cm"/>
+          <inkml:channelProperty channel="Y" name="resolution" value="1000" units="1/cm"/>
+          <inkml:channelProperty channel="F" name="resolution" value="0" units="1/dev"/>
+        </inkml:channelProperties>
+      </inkml:inkSource>
+      <inkml:timestamp xml:id="ts0" timeString="2022-04-02T07:17:42.564"/>
+    </inkml:context>
+    <inkml:brush xml:id="br0">
+      <inkml:brushProperty name="width" value="0.08571" units="cm"/>
+      <inkml:brushProperty name="height" value="0.08571" units="cm"/>
+      <inkml:brushProperty name="color" value="#008C3A"/>
+    </inkml:brush>
+  </inkml:definitions>
+  <inkml:trace contextRef="#ctx0" brushRef="#br0">47 38 10193,'-8'-6'3115,"2"1"-2510,6 5 112,0 0-504,-14-4-56,10 3-101,-10-4 23,14 5-23,17 0-12,2 0-10,18 0-34,-2-1-594,2 0-1255,3-2-1255,4 1 3104,0-3 0,-17 3 0,-6-1 0</inkml:trace>
+</inkml:ink>
+</file>
+
+<file path=ppt/ink/ink11.xml><?xml version="1.0" encoding="utf-8"?>
+<inkml:ink xmlns:inkml="http://www.w3.org/2003/InkML">
+  <inkml:definitions>
+    <inkml:context xml:id="ctx0">
+      <inkml:inkSource xml:id="inkSrc0">
+        <inkml:traceFormat>
+          <inkml:channel name="X" type="integer" min="-2.14748E9" max="2.14748E9" units="cm"/>
+          <inkml:channel name="Y" type="integer" min="-2.14748E9" max="2.14748E9" units="cm"/>
+          <inkml:channel name="F" type="integer" max="32767" units="dev"/>
+        </inkml:traceFormat>
+        <inkml:channelProperties>
+          <inkml:channelProperty channel="X" name="resolution" value="1000" units="1/cm"/>
+          <inkml:channelProperty channel="Y" name="resolution" value="1000" units="1/cm"/>
+          <inkml:channelProperty channel="F" name="resolution" value="0" units="1/dev"/>
+        </inkml:channelProperties>
+      </inkml:inkSource>
+      <inkml:timestamp xml:id="ts0" timeString="2022-04-02T07:17:43.554"/>
+    </inkml:context>
+    <inkml:brush xml:id="br0">
+      <inkml:brushProperty name="width" value="0.08571" units="cm"/>
+      <inkml:brushProperty name="height" value="0.08571" units="cm"/>
+      <inkml:brushProperty name="color" value="#008C3A"/>
+    </inkml:brush>
+  </inkml:definitions>
+  <inkml:trace contextRef="#ctx0" brushRef="#br0">1 579 14171,'40'-13'582,"0"-2"-448,-4-8-66,-1-4 22,-6 0 56,-6-5-57,-5-2 1,-6-2-34,-4-2-34,-5 5 1,-1 6-23,-2 9-34,0 9-100,0 5 100,-9 4-11,-4 0 23,-8 0-45,1 6-23,5 4-22,7 6-135,5 4 34,3-1-168,9 1-22,11-1-12,12 1-11,9-1 46,-2 2-1,-3 1 100,-8-2 136,-7 4 33,-10-2-23,-6 2 46,-5-2 89,-1 2 11,-13-5 34,-5-1 100,-12-2 203,1-6-23,4-1-3370,8-6 3403,6-2-145,8-1-67,2 0 0,10 0-123,12-1-1,17-12-11,16-3 3392,3-11-3403,0-1 23,-6 1-23,-8 0 33,-8 0-10,-11 1 55,-10-1 303,-7 1 33,-4 2-134,-2 1-89,0 7-11,-9 3-113,-5 6-67,-9 4 11,-6 1-11,0 2-11,-3 2-12,5 8-10,3 10 33,7 11 0,9 5 0,4 1 0,7-1 0,13-5-56,15-6-247,19-9-67,12-8-33,5-5 246,-1-3 157,-6-4 0,-9-7 23,-10-8 10,-10-8 202,-9-7 336,-8-7 57,-6-8-168,-5-9 77,-1-7-122,-2-3-90,0 3-23,-6 12-89,0 14-78,-4 17-135,2 12-112,2 7 67,-2 17 45,-2 16 11,0 22-11,3 18 11,3 4-11,5-2-145,12-6-348,8-11-169,14-11-189,4-12-863,4-10-830,-2-10-2061,-2-5 4605,-6-6 0,-15-1 0,-7 0 0</inkml:trace>
+</inkml:ink>
+</file>
+
+<file path=ppt/ink/ink12.xml><?xml version="1.0" encoding="utf-8"?>
+<inkml:ink xmlns:inkml="http://www.w3.org/2003/InkML">
+  <inkml:definitions>
+    <inkml:context xml:id="ctx0">
+      <inkml:inkSource xml:id="inkSrc0">
+        <inkml:traceFormat>
+          <inkml:channel name="X" type="integer" min="-2.14748E9" max="2.14748E9" units="cm"/>
+          <inkml:channel name="Y" type="integer" min="-2.14748E9" max="2.14748E9" units="cm"/>
+          <inkml:channel name="F" type="integer" max="32767" units="dev"/>
+        </inkml:traceFormat>
+        <inkml:channelProperties>
+          <inkml:channelProperty channel="X" name="resolution" value="1000" units="1/cm"/>
+          <inkml:channelProperty channel="Y" name="resolution" value="1000" units="1/cm"/>
+          <inkml:channelProperty channel="F" name="resolution" value="0" units="1/dev"/>
+        </inkml:channelProperties>
+      </inkml:inkSource>
+      <inkml:timestamp xml:id="ts0" timeString="2022-04-02T07:17:43.771"/>
+    </inkml:context>
+    <inkml:brush xml:id="br0">
+      <inkml:brushProperty name="width" value="0.08571" units="cm"/>
+      <inkml:brushProperty name="height" value="0.08571" units="cm"/>
+      <inkml:brushProperty name="color" value="#008C3A"/>
+    </inkml:brush>
+  </inkml:definitions>
+  <inkml:trace contextRef="#ctx0" brushRef="#br0">1 86 12871,'66'5'807,"3"0"-717,7-5-5751,1 0 4742,1-11-5400,-2-5 6671,-10-16 0,-28 14 0,-15 0 0</inkml:trace>
+</inkml:ink>
+</file>
+
+<file path=ppt/ink/ink13.xml><?xml version="1.0" encoding="utf-8"?>
+<inkml:ink xmlns:inkml="http://www.w3.org/2003/InkML">
+  <inkml:definitions>
+    <inkml:context xml:id="ctx0">
+      <inkml:inkSource xml:id="inkSrc0">
+        <inkml:traceFormat>
+          <inkml:channel name="X" type="integer" min="-2.14748E9" max="2.14748E9" units="cm"/>
+          <inkml:channel name="Y" type="integer" min="-2.14748E9" max="2.14748E9" units="cm"/>
+          <inkml:channel name="F" type="integer" max="32767" units="dev"/>
+        </inkml:traceFormat>
+        <inkml:channelProperties>
+          <inkml:channelProperty channel="X" name="resolution" value="1000" units="1/cm"/>
+          <inkml:channelProperty channel="Y" name="resolution" value="1000" units="1/cm"/>
+          <inkml:channelProperty channel="F" name="resolution" value="0" units="1/dev"/>
+        </inkml:channelProperties>
+      </inkml:inkSource>
+      <inkml:timestamp xml:id="ts0" timeString="2022-04-02T07:17:47.215"/>
+    </inkml:context>
+    <inkml:brush xml:id="br0">
+      <inkml:brushProperty name="width" value="0.08571" units="cm"/>
+      <inkml:brushProperty name="height" value="0.08571" units="cm"/>
+      <inkml:brushProperty name="color" value="#004F8B"/>
+    </inkml:brush>
+  </inkml:definitions>
+  <inkml:trace contextRef="#ctx0" brushRef="#br0">252 225 9263,'0'-7'2813,"0"1"-2119,0 6 203,0 0-707,0-13-11,-4 10-44,-7-9-46,-6 12-10,-11 9 10,1 6-55,-5 13-12,1 8-11,1 9-11,2 4 23,8 3 10,6-3-21,7-5-12,4-6 22,11-9 23,11-9-45,16-10-168,14-5-202,10-5 46,2-12-80,0-8 79,-4-14 258,-7-9 67,-9-4 0,-10-9 56,-12-6 246,-9-4 169,-5-1 11,-8 6-57,-10 9-144,-3 12-79,-7 14-102,2 9-100,3 11-67,-3 3 34,0 24 21,-5 11 12,0 29 0,2 8 12,9 3-12,5-4 22,7-7-11,3-9-11,0-8-11,6-13-11,4-6-34,7-11 22,3-6-11,2-5 23,3-3-34,6-6 0,2-8-12,3-5 23,-3-7 34,0 5-34,-10 4 0,-2 7-112,-9 5-78,-6 4 112,-1 1 11,-4 9-78,3 5-34,-1 11-23,0 0-11,1-1-257,2-4-12,1-4 259,7-6-13,2-5 135,7-3 135,4-2 11,-1-8 34,-1-6 156,-4-10 248,-5-5 256,-4 0-201,-5 4-78,-4 7-12,-3 6-269,0 7-134,0 2-223,0 3 223,0 12 11,-3 6 0,-1 15-11,0 1 0,1 0-213,3-6-145,11-5 43,6-10-32,13-6-123,6-5-68,-2-2 246,1-2 259,-7-7 33,-5-5 22,-9-12 57,-5-4 189,-7-6 215,-2-7 9,-8 0-32,-8-2-124,-10 5-67,-7 4-90,-1 12-156,-2 9-23,2 9 0,2 4-34,5 5 23,6 10-34,5 7 45,9 9 0,3 3 0,5-3 0,16 2-190,7-7-169,20-4-134,5-6 112,3-7 168,-3-4 213,-7-3 23,-8-3 10,-7-7 382,-10-5 133,-5-3 92,-7 1-81,-2 3-121,-3 4-180,0 3-258,0 3-45,0 3-34,0 6 79,-3 11 0,-3 9 12,-3 12-12,2-2 0,3-1 0,4-10 0,4-6-45,12-7-158,9-7-77,13-2 124,2-2 55,-4-11 101,-6-2 0,-9-14 45,-8 0-34,-5-8 67,-5-5 124,-1-4 34,-2-3-57,-2 3-78,-8 8-101,-6 7 0,-13 12-56,-6 9 45,-3 5-23,-4 9-11,5 9 23,6 8-1,10 8-33,11-2 12,6-2-69,14-5-122,11-5 11,17-6-12,10-6-10,5-4 67,-4-1 89,-4 0 23,-6-3-11,-7 1 44,-4-3 34,-5 3-57,-5 0 35,-6 2-12,-4 0-10,-5 0-12,-2 0 44,-1 5-10,0 5 0,-7 8 22,-8 7 0,-11 1 0,-7 3 22,-3-4-22,2-1 0,4-3-22,6-4-774,6-4-627,7-3-190,6-4-1144,2-3 2757,3-3 0,0 0 0</inkml:trace>
+</inkml:ink>
+</file>
+
+<file path=ppt/ink/ink14.xml><?xml version="1.0" encoding="utf-8"?>
+<inkml:ink xmlns:inkml="http://www.w3.org/2003/InkML">
+  <inkml:definitions>
+    <inkml:context xml:id="ctx0">
+      <inkml:inkSource xml:id="inkSrc0">
+        <inkml:traceFormat>
+          <inkml:channel name="X" type="integer" min="-2.14748E9" max="2.14748E9" units="cm"/>
+          <inkml:channel name="Y" type="integer" min="-2.14748E9" max="2.14748E9" units="cm"/>
+          <inkml:channel name="F" type="integer" max="32767" units="dev"/>
+        </inkml:traceFormat>
+        <inkml:channelProperties>
+          <inkml:channelProperty channel="X" name="resolution" value="1000" units="1/cm"/>
+          <inkml:channelProperty channel="Y" name="resolution" value="1000" units="1/cm"/>
+          <inkml:channelProperty channel="F" name="resolution" value="0" units="1/dev"/>
+        </inkml:channelProperties>
+      </inkml:inkSource>
+      <inkml:timestamp xml:id="ts0" timeString="2022-04-02T07:17:47.778"/>
+    </inkml:context>
+    <inkml:brush xml:id="br0">
+      <inkml:brushProperty name="width" value="0.08571" units="cm"/>
+      <inkml:brushProperty name="height" value="0.08571" units="cm"/>
+      <inkml:brushProperty name="color" value="#004F8B"/>
+    </inkml:brush>
+  </inkml:definitions>
+  <inkml:trace contextRef="#ctx0" brushRef="#br0">131 1 13263,'-65'46'45,"12"1"-23,45-9-11,3-1 12,5-4-23,2-5-168,10-5-258,8-6-22,13-9 358,8-3 90,-1-5 34,1-6 257,-7-9 280,-4-11 158,-5-10 189,-6-2-446,-3 2 43,-8 7-157,-3 7-167,-3 10-124,-2 5-67,0 6-224,0 1 224,-3 1 11,-5 12 11,-4 5-22,-5 8 12,5 0-12,1-9 0,8-4-12,0-8 12,3-2 56,0-3-56,6-3-22,8-9-12,13-7 12,8-8-79,1 5-22,-5 3-79,-5 9-66,-9 5-24,-3 3-168,-4 5 91,-2 9-45,-1 4-90,-2 8-214,-2-3-559,3-3-113,2-4-851,4-6 2241,1-3 0,-6-3 0,-1-2 0</inkml:trace>
+</inkml:ink>
+</file>
+
+<file path=ppt/ink/ink15.xml><?xml version="1.0" encoding="utf-8"?>
+<inkml:ink xmlns:inkml="http://www.w3.org/2003/InkML">
+  <inkml:definitions>
+    <inkml:context xml:id="ctx0">
+      <inkml:inkSource xml:id="inkSrc0">
+        <inkml:traceFormat>
+          <inkml:channel name="X" type="integer" min="-2.14748E9" max="2.14748E9" units="cm"/>
+          <inkml:channel name="Y" type="integer" min="-2.14748E9" max="2.14748E9" units="cm"/>
+          <inkml:channel name="F" type="integer" max="32767" units="dev"/>
+        </inkml:traceFormat>
+        <inkml:channelProperties>
+          <inkml:channelProperty channel="X" name="resolution" value="1000" units="1/cm"/>
+          <inkml:channelProperty channel="Y" name="resolution" value="1000" units="1/cm"/>
+          <inkml:channelProperty channel="F" name="resolution" value="0" units="1/dev"/>
+        </inkml:channelProperties>
+      </inkml:inkSource>
+      <inkml:timestamp xml:id="ts0" timeString="2022-04-02T07:17:48.010"/>
+    </inkml:context>
+    <inkml:brush xml:id="br0">
+      <inkml:brushProperty name="width" value="0.08571" units="cm"/>
+      <inkml:brushProperty name="height" value="0.08571" units="cm"/>
+      <inkml:brushProperty name="color" value="#004F8B"/>
+    </inkml:brush>
+  </inkml:definitions>
+  <inkml:trace contextRef="#ctx0" brushRef="#br0">20 17 13555,'-11'-9'-56,"2"1"-651,9 8-1152,12 0-1010,4 0 2869,12 0 0,-12 0 0,-3 0 0</inkml:trace>
+</inkml:ink>
+</file>
+
+<file path=ppt/ink/ink16.xml><?xml version="1.0" encoding="utf-8"?>
+<inkml:ink xmlns:inkml="http://www.w3.org/2003/InkML">
+  <inkml:definitions>
+    <inkml:context xml:id="ctx0">
+      <inkml:inkSource xml:id="inkSrc0">
+        <inkml:traceFormat>
+          <inkml:channel name="X" type="integer" min="-2.14748E9" max="2.14748E9" units="cm"/>
+          <inkml:channel name="Y" type="integer" min="-2.14748E9" max="2.14748E9" units="cm"/>
+          <inkml:channel name="F" type="integer" max="32767" units="dev"/>
+        </inkml:traceFormat>
+        <inkml:channelProperties>
+          <inkml:channelProperty channel="X" name="resolution" value="1000" units="1/cm"/>
+          <inkml:channelProperty channel="Y" name="resolution" value="1000" units="1/cm"/>
+          <inkml:channelProperty channel="F" name="resolution" value="0" units="1/dev"/>
+        </inkml:channelProperties>
+      </inkml:inkSource>
+      <inkml:timestamp xml:id="ts0" timeString="2022-04-02T07:17:48.769"/>
+    </inkml:context>
+    <inkml:brush xml:id="br0">
+      <inkml:brushProperty name="width" value="0.08571" units="cm"/>
+      <inkml:brushProperty name="height" value="0.08571" units="cm"/>
+      <inkml:brushProperty name="color" value="#004F8B"/>
+    </inkml:brush>
+  </inkml:definitions>
+  <inkml:trace contextRef="#ctx0" brushRef="#br0">266 126 9957,'0'-8'3710,"0"2"-2814,0 6 180,0 0-718,-7-44-123,-2 29-89,-9-31-113,-5 41-33,-3 3-56,-7 2 56,-3 8-11,2 9-34,1 12 34,9 11 11,9-1-235,8 2-291,7-7-506,13-3-279,9-9 516,18-10 437,7-6 347,3-6 11,-4-12 156,-8-5 651,-10-13 235,-11-4-67,-8 1-303,-5 1-45,-4 6-290,0 7-113,0 7-123,0 8-101,0 2-123,0 2 55,0 14 68,0 10 23,-3 24 10,0 12-21,-1 10-1,1 2 0,3 1-11,0-3 22,0-1-22,1-2 0,6-3 0,0-6-11,1-5-90,-3-9-33,-4-9 123,-1-10 11,-10-13 11,-7-6 23,-10-7 44,-5-19-22,4-16-22,4-27-34,10-17 0,7-9-34,12-3-22,14 8-190,14 14-360,14 17-705,11 18-1008,5 11-1760,6 11 4079,0 1 0,-30 8 0,-10 0 0</inkml:trace>
+</inkml:ink>
+</file>
+
+<file path=ppt/ink/ink17.xml><?xml version="1.0" encoding="utf-8"?>
+<inkml:ink xmlns:inkml="http://www.w3.org/2003/InkML">
+  <inkml:definitions>
+    <inkml:context xml:id="ctx0">
+      <inkml:inkSource xml:id="inkSrc0">
+        <inkml:traceFormat>
+          <inkml:channel name="X" type="integer" min="-2.14748E9" max="2.14748E9" units="cm"/>
+          <inkml:channel name="Y" type="integer" min="-2.14748E9" max="2.14748E9" units="cm"/>
+          <inkml:channel name="F" type="integer" max="32767" units="dev"/>
+        </inkml:traceFormat>
+        <inkml:channelProperties>
+          <inkml:channelProperty channel="X" name="resolution" value="1000" units="1/cm"/>
+          <inkml:channelProperty channel="Y" name="resolution" value="1000" units="1/cm"/>
+          <inkml:channelProperty channel="F" name="resolution" value="0" units="1/dev"/>
+        </inkml:channelProperties>
+      </inkml:inkSource>
+      <inkml:timestamp xml:id="ts0" timeString="2022-04-02T07:17:49.472"/>
+    </inkml:context>
+    <inkml:brush xml:id="br0">
+      <inkml:brushProperty name="width" value="0.08571" units="cm"/>
+      <inkml:brushProperty name="height" value="0.08571" units="cm"/>
+      <inkml:brushProperty name="color" value="#004F8B"/>
+    </inkml:brush>
+  </inkml:definitions>
+  <inkml:trace contextRef="#ctx0" brushRef="#br0">30 245 9868,'-5'-11'3160,"1"2"-2353,4 9 336,0 0-919,-9-25-135,7 19-89,-7-18 0,10 24-22,11 0 22,9 0 0,13 0 0,8 8-22,0 4-1,0 12 1,-6 4-23,-10 4 11,-7-1 12,-9-2 11,-5-5 11,-4-7 11,-1-7 11,0-5 90,0-4 784,0-1-672,0-7-168,-4-7 1,0-15-46,-1-10-11,2-11-11,3-8 0,0 1-113,0 3-380,6 13-639,4 15-1232,8 13-270,8 10 2645,2 17 0,-9-11 0,-5 11 0</inkml:trace>
+</inkml:ink>
+</file>
+
+<file path=ppt/ink/ink18.xml><?xml version="1.0" encoding="utf-8"?>
+<inkml:ink xmlns:inkml="http://www.w3.org/2003/InkML">
+  <inkml:definitions>
+    <inkml:context xml:id="ctx0">
+      <inkml:inkSource xml:id="inkSrc0">
+        <inkml:traceFormat>
+          <inkml:channel name="X" type="integer" min="-2.14748E9" max="2.14748E9" units="cm"/>
+          <inkml:channel name="Y" type="integer" min="-2.14748E9" max="2.14748E9" units="cm"/>
+          <inkml:channel name="F" type="integer" max="32767" units="dev"/>
+        </inkml:traceFormat>
+        <inkml:channelProperties>
+          <inkml:channelProperty channel="X" name="resolution" value="1000" units="1/cm"/>
+          <inkml:channelProperty channel="Y" name="resolution" value="1000" units="1/cm"/>
+          <inkml:channelProperty channel="F" name="resolution" value="0" units="1/dev"/>
+        </inkml:channelProperties>
+      </inkml:inkSource>
+      <inkml:timestamp xml:id="ts0" timeString="2022-04-02T07:17:50.214"/>
+    </inkml:context>
+    <inkml:brush xml:id="br0">
+      <inkml:brushProperty name="width" value="0.08571" units="cm"/>
+      <inkml:brushProperty name="height" value="0.08571" units="cm"/>
+      <inkml:brushProperty name="color" value="#004F8B"/>
+    </inkml:brush>
+  </inkml:definitions>
+  <inkml:trace contextRef="#ctx0" brushRef="#br0">197 31 13173,'-52'-1'5,"0"0"1,-31 6-6,77 25 0,3 0-22,3-1-101,1-5-23,11-7 146,7-9 11,13-3 23,1-5-12,1-2 1,-7-7 10,-5-7 91,-7-7 190,-8-3 168,-3 1-57,-4 2 34,0 2-88,0 7-170,-1 3-178,-1 7-23,0 1-124,-1 3 46,3 1 78,-2 13-11,2 8-34,0 12-225,0 1-122,0-1-44,3-7 156,7-3 168,5-6 112,5-7 33,1-5 46,-4-4 178,-1-5 359,-5-11-145,-1-10-56,-2-11-68,-3-3-78,0 5-112,-3 6-113,1 13-44,-3 6-78,2 7-45,-2 1 78,1 3 45,1 9 0,1 10 0,2 6 0,-1-1-34,0-7 34,-2-8 0,0-4 23,-2-6 10,1 0 23,2-2-56,4 0 0,3-12-11,4-5 11,3-12-33,3 0-46,-2 6-134,-3 8-156,-2 8 44,-2 6-157,2 9-168,0 6 45,2 10 0,-3 3-213,0 1-325,3-5 190,3-4-324,9-7-684,6-5 1961,7-6 0,-16-1 0,-5 0 0</inkml:trace>
+</inkml:ink>
+</file>
+
+<file path=ppt/ink/ink19.xml><?xml version="1.0" encoding="utf-8"?>
+<inkml:ink xmlns:inkml="http://www.w3.org/2003/InkML">
+  <inkml:definitions>
+    <inkml:context xml:id="ctx0">
+      <inkml:inkSource xml:id="inkSrc0">
+        <inkml:traceFormat>
+          <inkml:channel name="X" type="integer" min="-2.14748E9" max="2.14748E9" units="cm"/>
+          <inkml:channel name="Y" type="integer" min="-2.14748E9" max="2.14748E9" units="cm"/>
+          <inkml:channel name="F" type="integer" max="32767" units="dev"/>
+        </inkml:traceFormat>
+        <inkml:channelProperties>
+          <inkml:channelProperty channel="X" name="resolution" value="1000" units="1/cm"/>
+          <inkml:channelProperty channel="Y" name="resolution" value="1000" units="1/cm"/>
+          <inkml:channelProperty channel="F" name="resolution" value="0" units="1/dev"/>
+        </inkml:channelProperties>
+      </inkml:inkSource>
+      <inkml:timestamp xml:id="ts0" timeString="2022-04-02T07:17:51.528"/>
+    </inkml:context>
+    <inkml:brush xml:id="br0">
+      <inkml:brushProperty name="width" value="0.08571" units="cm"/>
+      <inkml:brushProperty name="height" value="0.08571" units="cm"/>
+      <inkml:brushProperty name="color" value="#004F8B"/>
+    </inkml:brush>
+  </inkml:definitions>
+  <inkml:trace contextRef="#ctx0" brushRef="#br0">279 374 13790,'-54'-60'325,"0"12"-337,16 51 24,-1 11-12,4 6 11,8 12-11,8-1 0,11-2 11,3-5-11,5-5-134,13-9-90,10-3-112,15-6 167,6-1 158,-4-10 11,-4-5 22,-10-15 102,-8-5 246,-5-7 33,-8-7 258,-2-6-56,-3-3-190,0 3-46,-4 9-212,-2 13-67,-2 15-90,1 10-135,1 6 79,-3 14 56,-3 14 0,-5 19 11,2 13-22,7 2 0,2 0-11,6-9-158,6-5-144,5-9-24,11-8 35,6-8 122,4-8 101,5-8 90,-4-2 22,1-3 1,-9-7 123,-4-7 224,-6-10 100,-8-4-134,-2-1-89,-4 7-90,0 3-112,-1 10-45,0 5-225,0 4 225,0 12 0,0 8 0,0 15-67,0 5-202,0-2-123,6-6 157,10-10-67,9-8-147,11-8 214,-1-4 223,-2-2 12,-5-8 23,-7-3 44,-4-12 123,-6-3 136,-6-8-57,-2-2-90,-3-1 135,0-1-180,-5 6-112,-4 6-22,-10 7 0,-5 9-11,-3 5-11,-2 4-1,4 1 12,-1 3 0,8 7-45,3 2 34,9 5-1,3-3-33,3-2 56,7-4 0,11-1 11,12-3 1,14-3-12,2-1 0,5 0 0,-5 0 0,-3 0 0,-6 0 0,-5 0 0,-8 0-45,-4 2-11,-7 4 22,-3 8 23,-4 5-11,-3 6 22,-1 0 11,-2-3-11,0-2 0,0-6 11,0-4-11,0-5 67,0-3 718,0-2-696,0-11 1,1-5-68,7-13-22,7-5 0,8-1 0,8 1-11,1 8-22,2 6-35,-3 11 1,0 5-101,-4 4 22,-4 3 12,-6 8 44,-3 5 0,-6 7 57,-3 0 22,-4-5 11,-1 0-12,0-6 12,0-3 0,0-4 34,0-4 324,0-1-302,0-6-44,0-6-12,2-9-12,11-9 12,5 0-56,14-3-22,-2 8-12,0 6-10,-9 11-91,-5 5 1,-6 3 100,-2 11 12,-4 6 22,-1 16-34,-3 5 23,0 1-56,0-1 0,0-6-147,1-5-100,8-6-201,9-8-572,14-4-1647,10-6 2790,2-1 0,-16-2 0,-9 0 0</inkml:trace>
+</inkml:ink>
+</file>
+
+<file path=ppt/ink/ink2.xml><?xml version="1.0" encoding="utf-8"?>
+<inkml:ink xmlns:inkml="http://www.w3.org/2003/InkML">
+  <inkml:definitions>
+    <inkml:context xml:id="ctx0">
+      <inkml:inkSource xml:id="inkSrc0">
+        <inkml:traceFormat>
+          <inkml:channel name="X" type="integer" min="-2.14748E9" max="2.14748E9" units="cm"/>
+          <inkml:channel name="Y" type="integer" min="-2.14748E9" max="2.14748E9" units="cm"/>
+          <inkml:channel name="F" type="integer" max="32767" units="dev"/>
+        </inkml:traceFormat>
+        <inkml:channelProperties>
+          <inkml:channelProperty channel="X" name="resolution" value="1000" units="1/cm"/>
+          <inkml:channelProperty channel="Y" name="resolution" value="1000" units="1/cm"/>
+          <inkml:channelProperty channel="F" name="resolution" value="0" units="1/dev"/>
+        </inkml:channelProperties>
+      </inkml:inkSource>
+      <inkml:timestamp xml:id="ts0" timeString="2022-04-02T07:17:37.554"/>
+    </inkml:context>
+    <inkml:brush xml:id="br0">
+      <inkml:brushProperty name="width" value="0.08571" units="cm"/>
+      <inkml:brushProperty name="height" value="0.08571" units="cm"/>
+      <inkml:brushProperty name="color" value="#008C3A"/>
+    </inkml:brush>
+  </inkml:definitions>
+  <inkml:trace contextRef="#ctx0" brushRef="#br0">1 10 10328,'0'-5'1938,"0"0"-7688,0 5 5806,0 27 1375,0-2-1408,0 25 836,0-13-971,0-4-1154,0-7-784,3-6 2898,2-8 0,-1-5 0,0-6 0</inkml:trace>
+</inkml:ink>
+</file>
+
+<file path=ppt/ink/ink20.xml><?xml version="1.0" encoding="utf-8"?>
+<inkml:ink xmlns:inkml="http://www.w3.org/2003/InkML">
+  <inkml:definitions>
+    <inkml:context xml:id="ctx0">
+      <inkml:inkSource xml:id="inkSrc0">
+        <inkml:traceFormat>
+          <inkml:channel name="X" type="integer" min="-2.14748E9" max="2.14748E9" units="cm"/>
+          <inkml:channel name="Y" type="integer" min="-2.14748E9" max="2.14748E9" units="cm"/>
+          <inkml:channel name="F" type="integer" max="32767" units="dev"/>
+        </inkml:traceFormat>
+        <inkml:channelProperties>
+          <inkml:channelProperty channel="X" name="resolution" value="1000" units="1/cm"/>
+          <inkml:channelProperty channel="Y" name="resolution" value="1000" units="1/cm"/>
+          <inkml:channelProperty channel="F" name="resolution" value="0" units="1/dev"/>
+        </inkml:channelProperties>
+      </inkml:inkSource>
+      <inkml:timestamp xml:id="ts0" timeString="2022-04-02T07:17:52.703"/>
+    </inkml:context>
+    <inkml:brush xml:id="br0">
+      <inkml:brushProperty name="width" value="0.08571" units="cm"/>
+      <inkml:brushProperty name="height" value="0.08571" units="cm"/>
+      <inkml:brushProperty name="color" value="#004F8B"/>
+    </inkml:brush>
+  </inkml:definitions>
+  <inkml:trace contextRef="#ctx0" brushRef="#br0">72 65 9521,'8'2'3070,"-3"-1"-2286,-5-1 616,0 0-872,-13-19-204,9 11-133,-10-14-90,13 18-79,1 1-22,0 1 0,0-1-11,10 0 11,5 1-11,12 0-1,3 2 1,-1 0-45,-2 0 0,-3 8-78,-6 4-45,-3 11-12,-7 2 102,-3 3 55,-4-1 12,-1-2-1,-1-1 23,-8-3 0,-5-3 0,-8-5 11,-1-2 23,2-7 11,4-1 56,3-3 145,6 0-33,1 0 0,4 0 111,1 0-357,10 0 10,5 0-21,10 0-35,8 0-89,2 0-56,2 0 0,-4 0-11,-3 6-11,-7 6-102,-3 9 34,-6 4 1,-6 3 178,-3-3 79,-3 1 45,-5-4 11,-13 0 0,-9-5 22,-14-2-10,-2-4 21,-3-6-10,0-2-1,3-3 34,3 0-56,8 0-740,8-8-2241,12-4 2981,6-12 0,6 10 0,0 1 0</inkml:trace>
+</inkml:ink>
+</file>
+
+<file path=ppt/ink/ink21.xml><?xml version="1.0" encoding="utf-8"?>
+<inkml:ink xmlns:inkml="http://www.w3.org/2003/InkML">
+  <inkml:definitions>
+    <inkml:context xml:id="ctx0">
+      <inkml:inkSource xml:id="inkSrc0">
+        <inkml:traceFormat>
+          <inkml:channel name="X" type="integer" min="-2.14748E9" max="2.14748E9" units="cm"/>
+          <inkml:channel name="Y" type="integer" min="-2.14748E9" max="2.14748E9" units="cm"/>
+          <inkml:channel name="F" type="integer" max="32767" units="dev"/>
+        </inkml:traceFormat>
+        <inkml:channelProperties>
+          <inkml:channelProperty channel="X" name="resolution" value="1000" units="1/cm"/>
+          <inkml:channelProperty channel="Y" name="resolution" value="1000" units="1/cm"/>
+          <inkml:channelProperty channel="F" name="resolution" value="0" units="1/dev"/>
+        </inkml:channelProperties>
+      </inkml:inkSource>
+      <inkml:timestamp xml:id="ts0" timeString="2022-04-02T07:17:54.564"/>
+    </inkml:context>
+    <inkml:brush xml:id="br0">
+      <inkml:brushProperty name="width" value="0.08571" units="cm"/>
+      <inkml:brushProperty name="height" value="0.08571" units="cm"/>
+      <inkml:brushProperty name="color" value="#004F8B"/>
+    </inkml:brush>
+  </inkml:definitions>
+  <inkml:trace contextRef="#ctx0" brushRef="#br0">168 296 8512,'1'-15'2309,"1"3"-1682,-2 12 269,0 0-604,-10-10-102,6 7-33,-11-8-56,8 11-90,-6 0 11,-2 5-22,-2 8 0,-2 10 23,0 11-23,1 5 22,1 4-22,8 0 11,3-3 0,5-4-11,1-5 34,13-7-34,9-9 0,19-6-213,13-6-78,7-3 45,5-7-34,-1-3-23,-5-11 90,-8-3 202,-11-3 11,-10-3 44,-11 0 103,-10 1 133,-6 2 22,-4 7-67,0 1-100,-7 5-91,-7 4-21,-9 4-12,-4 2 0,0 3-11,3 1-45,5 3 45,4 9 0,7 8-22,3 11 22,4 3-123,4 0-549,10-1-34,10-3 235,13-9 303,8-4 101,7-11 45,5-3 22,0-3 22,-6-9 202,-8-3 605,-11-14 191,-15-3-124,-7-3-22,-7-1-179,-2 3-348,-2 7-100,-1 5-180,-1 11-67,0 2-67,2 5 11,-2 0 56,0 8 0,-4 7 22,1 7-22,-1 3 0,3-5 11,2-6 0,1-2-11,2-9 12,0 1 66,0-4-78,0-5-67,13-8 11,5-10-23,13-3-122,2-1-113,-3 11-67,-4 6 11,-3 7-78,-5 9 34,-3 11-24,-4 8-32,-4 7 67,-1 0-57,0-4 68,3-4 235,2-7 112,2-9 45,2-3 0,1-5 11,4 0-11,-2-6 0,3-8 79,-2-10 324,-3-8 46,-4-9 167,-4-7-101,-5-8 191,-2-8 33,-1-3-268,0 2-56,0 13-102,0 13-156,-1 20-157,-1 10-56,-1 7-45,-3 11 101,-1 16 0,-3 20 34,1 16-23,3 7-11,3-3 0,1-5-168,4-9-358,8-11-561,3-7 0,9-11-717,0-7-830,-1-8 2634,0-4 0,-10-3 0,-2 0 0</inkml:trace>
+</inkml:ink>
+</file>
+
+<file path=ppt/ink/ink22.xml><?xml version="1.0" encoding="utf-8"?>
+<inkml:ink xmlns:inkml="http://www.w3.org/2003/InkML">
+  <inkml:definitions>
+    <inkml:context xml:id="ctx0">
+      <inkml:inkSource xml:id="inkSrc0">
+        <inkml:traceFormat>
+          <inkml:channel name="X" type="integer" min="-2.14748E9" max="2.14748E9" units="cm"/>
+          <inkml:channel name="Y" type="integer" min="-2.14748E9" max="2.14748E9" units="cm"/>
+          <inkml:channel name="F" type="integer" max="32767" units="dev"/>
+        </inkml:traceFormat>
+        <inkml:channelProperties>
+          <inkml:channelProperty channel="X" name="resolution" value="1000" units="1/cm"/>
+          <inkml:channelProperty channel="Y" name="resolution" value="1000" units="1/cm"/>
+          <inkml:channelProperty channel="F" name="resolution" value="0" units="1/dev"/>
+        </inkml:channelProperties>
+      </inkml:inkSource>
+      <inkml:timestamp xml:id="ts0" timeString="2022-04-02T07:17:54.790"/>
+    </inkml:context>
+    <inkml:brush xml:id="br0">
+      <inkml:brushProperty name="width" value="0.08571" units="cm"/>
+      <inkml:brushProperty name="height" value="0.08571" units="cm"/>
+      <inkml:brushProperty name="color" value="#004F8B"/>
+    </inkml:brush>
+  </inkml:definitions>
+  <inkml:trace contextRef="#ctx0" brushRef="#br0">1 8 12176,'18'-4'460,"14"1"-460,24 4-6042,7 0 4496,-3 2 288,-5-1 1258,-10 3 0,-20-3 0,-9 1 0</inkml:trace>
+</inkml:ink>
+</file>
+
+<file path=ppt/ink/ink23.xml><?xml version="1.0" encoding="utf-8"?>
+<inkml:ink xmlns:inkml="http://www.w3.org/2003/InkML">
+  <inkml:definitions>
+    <inkml:context xml:id="ctx0">
+      <inkml:inkSource xml:id="inkSrc0">
+        <inkml:traceFormat>
+          <inkml:channel name="X" type="integer" min="-2.14748E9" max="2.14748E9" units="cm"/>
+          <inkml:channel name="Y" type="integer" min="-2.14748E9" max="2.14748E9" units="cm"/>
+          <inkml:channel name="F" type="integer" max="32767" units="dev"/>
+        </inkml:traceFormat>
+        <inkml:channelProperties>
+          <inkml:channelProperty channel="X" name="resolution" value="1000" units="1/cm"/>
+          <inkml:channelProperty channel="Y" name="resolution" value="1000" units="1/cm"/>
+          <inkml:channelProperty channel="F" name="resolution" value="0" units="1/dev"/>
+        </inkml:channelProperties>
+      </inkml:inkSource>
+      <inkml:timestamp xml:id="ts0" timeString="2022-04-02T07:17:55.179"/>
+    </inkml:context>
+    <inkml:brush xml:id="br0">
+      <inkml:brushProperty name="width" value="0.08571" units="cm"/>
+      <inkml:brushProperty name="height" value="0.08571" units="cm"/>
+      <inkml:brushProperty name="color" value="#004F8B"/>
+    </inkml:brush>
+  </inkml:definitions>
+  <inkml:trace contextRef="#ctx0" brushRef="#br0">1 106 14227,'1'-21'-79,"7"5"57,20 22 11,2 7-1,0 11 1,-3 7 11,-3 6-11,-3-2 11,-5 1 11,-4-7-11,-4-5 0,-3-7 11,-4-9 1,1-3 1254,-2-5-1109,0-9-90,0-6-45,0-12-10,3-5-1,0-7-11,7-4 0,-1-1-45,2 1-627,-1 7-807,1 10-673,3 13-459,5 7 2611,4 6 0,-10 0 0,-2 0 0</inkml:trace>
+</inkml:ink>
+</file>
+
+<file path=ppt/ink/ink24.xml><?xml version="1.0" encoding="utf-8"?>
+<inkml:ink xmlns:inkml="http://www.w3.org/2003/InkML">
+  <inkml:definitions>
+    <inkml:context xml:id="ctx0">
+      <inkml:inkSource xml:id="inkSrc0">
+        <inkml:traceFormat>
+          <inkml:channel name="X" type="integer" min="-2.14748E9" max="2.14748E9" units="cm"/>
+          <inkml:channel name="Y" type="integer" min="-2.14748E9" max="2.14748E9" units="cm"/>
+          <inkml:channel name="F" type="integer" max="32767" units="dev"/>
+        </inkml:traceFormat>
+        <inkml:channelProperties>
+          <inkml:channelProperty channel="X" name="resolution" value="1000" units="1/cm"/>
+          <inkml:channelProperty channel="Y" name="resolution" value="1000" units="1/cm"/>
+          <inkml:channelProperty channel="F" name="resolution" value="0" units="1/dev"/>
+        </inkml:channelProperties>
+      </inkml:inkSource>
+      <inkml:timestamp xml:id="ts0" timeString="2022-04-02T07:17:55.812"/>
+    </inkml:context>
+    <inkml:brush xml:id="br0">
+      <inkml:brushProperty name="width" value="0.08571" units="cm"/>
+      <inkml:brushProperty name="height" value="0.08571" units="cm"/>
+      <inkml:brushProperty name="color" value="#004F8B"/>
+    </inkml:brush>
+  </inkml:definitions>
+  <inkml:trace contextRef="#ctx0" brushRef="#br0">85 123 10013,'-3'4'1659,"0"-1"-1659,3-3 33,-5 35-10,4-13-1,-3 29 1,4-26 10,1-4 80,10-8-113,6-6-135,8-4-246,4-3 179,-4 0 135,-3-7 56,-6-6 11,-8-11 22,-3-3 135,-4-7 269,-1-2-56,-3-2 67,-5-1-180,-6 6-156,-7 6-101,-4 10 0,-5 9-33,-1 5 33,-2 3-45,6 1 11,6 10 1,11 3 21,4 11-55,6-3-101,12 2-22,8-4-34,18-6 112,8-4 112,4-6 22,-1-3-11,-3-1 213,-5-1 258,-5-10 0,-4-3 168,-7-9-45,-2 4-45,-10 0-123,-3 7-146,-7 5-235,-2 4-212,-1 3 156,0 14 0,0 3 0,0 14 0,0-4 0,0-2-12,0-6 12,0-2-44,5-6-46,6-3-67,6-5-314,6-1-514,0-2-282,-1 0-637,-1 0-1021,-3-3 2925,-3-4 0,-7 3 0,-4-3 0</inkml:trace>
+</inkml:ink>
+</file>
+
+<file path=ppt/ink/ink25.xml><?xml version="1.0" encoding="utf-8"?>
+<inkml:ink xmlns:inkml="http://www.w3.org/2003/InkML">
+  <inkml:definitions>
+    <inkml:context xml:id="ctx0">
+      <inkml:inkSource xml:id="inkSrc0">
+        <inkml:traceFormat>
+          <inkml:channel name="X" type="integer" min="-2.14748E9" max="2.14748E9" units="cm"/>
+          <inkml:channel name="Y" type="integer" min="-2.14748E9" max="2.14748E9" units="cm"/>
+          <inkml:channel name="F" type="integer" max="32767" units="dev"/>
+        </inkml:traceFormat>
+        <inkml:channelProperties>
+          <inkml:channelProperty channel="X" name="resolution" value="1000" units="1/cm"/>
+          <inkml:channelProperty channel="Y" name="resolution" value="1000" units="1/cm"/>
+          <inkml:channelProperty channel="F" name="resolution" value="0" units="1/dev"/>
+        </inkml:channelProperties>
+      </inkml:inkSource>
+      <inkml:timestamp xml:id="ts0" timeString="2022-04-02T07:17:56.154"/>
+    </inkml:context>
+    <inkml:brush xml:id="br0">
+      <inkml:brushProperty name="width" value="0.08571" units="cm"/>
+      <inkml:brushProperty name="height" value="0.08571" units="cm"/>
+      <inkml:brushProperty name="color" value="#004F8B"/>
+    </inkml:brush>
+  </inkml:definitions>
+  <inkml:trace contextRef="#ctx0" brushRef="#br0">7 58 9991,'0'-9'3945,"0"1"-3206,0 8-11,0 0-616,-3-16-100,2 10 10,-2-11-22,3 15-5312,0 2 5312,3 0 0,-2 0 0,2 0 0</inkml:trace>
+</inkml:ink>
+</file>
+
+<file path=ppt/ink/ink26.xml><?xml version="1.0" encoding="utf-8"?>
+<inkml:ink xmlns:inkml="http://www.w3.org/2003/InkML">
+  <inkml:definitions>
+    <inkml:context xml:id="ctx0">
+      <inkml:inkSource xml:id="inkSrc0">
+        <inkml:traceFormat>
+          <inkml:channel name="X" type="integer" min="-2.14748E9" max="2.14748E9" units="cm"/>
+          <inkml:channel name="Y" type="integer" min="-2.14748E9" max="2.14748E9" units="cm"/>
+          <inkml:channel name="F" type="integer" max="32767" units="dev"/>
+        </inkml:traceFormat>
+        <inkml:channelProperties>
+          <inkml:channelProperty channel="X" name="resolution" value="1000" units="1/cm"/>
+          <inkml:channelProperty channel="Y" name="resolution" value="1000" units="1/cm"/>
+          <inkml:channelProperty channel="F" name="resolution" value="0" units="1/dev"/>
+        </inkml:channelProperties>
+      </inkml:inkSource>
+      <inkml:timestamp xml:id="ts0" timeString="2022-04-02T07:17:57.204"/>
+    </inkml:context>
+    <inkml:brush xml:id="br0">
+      <inkml:brushProperty name="width" value="0.08571" units="cm"/>
+      <inkml:brushProperty name="height" value="0.08571" units="cm"/>
+      <inkml:brushProperty name="color" value="#004F8B"/>
+    </inkml:brush>
+  </inkml:definitions>
+  <inkml:trace contextRef="#ctx0" brushRef="#br0">243 439 7650,'11'0'2263,"-2"0"-1546,-9 0 1434,0 0-1355,7-20 78,-5 11-101,5-18-291,-7 16-124,-9-2-11,-3 4-234,-11-2-35,-3 5-78,-3 1 0,-1 4-22,-1 1 11,1 7-12,2 10 12,4 14-11,4 9-147,10 3-290,4-4-90,6-6-258,19-8-134,7-10 145,25-6 180,4-6 404,-2-3 212,-6-9 44,-14-7 46,-9-13 324,-12-10 202,-6-7 248,-5-10-58,-1-9-3649,0-5 3280,0-2 0,-7 7-112,-1 13-89,-3 15-57,3 17-157,3 10-22,3 7 3269,-1 3-3370,-1 6 90,-5 18 11,-4 18 11,0 23-11,4 11 11,3 2-11,6-1-100,10-9-68,10-7-147,17-13 125,9-9-12,5-15 102,1-10 32,-1-10 68,-5-4 0,-5-6 12,-8-9 44,-7-10-12,-6-10 80,-6-4 10,-4-6-11,-5-1 0,-2 3-33,-3 4-56,0 12-34,-6 5-56,-5 11 22,-11 5 0,-6 4 23,-2 2-22,4 2-12,5 6-11,9 3-34,6 7-67,4 1 68,2 2-46,12-1-21,5-2-12,18-3 11,4-5 0,6-3-79,2-2-66,-1-4-101,3 2-101,-3-1 100,0 5-22,-5-2 101,-6 5 236,-11-1 33,-8 3 44,-9 0-10,-4 1 22,-3 3 0,-12 1 45,-8 0 56,-17 1 78,-7-1-45,-6-1-67,-3-2-22,-1-4-11,0-2-34,4-4-728,6-1-2466,6-3 3194,10 0 0,13 0 0,6 0 0</inkml:trace>
+</inkml:ink>
+</file>
+
+<file path=ppt/ink/ink27.xml><?xml version="1.0" encoding="utf-8"?>
+<inkml:ink xmlns:inkml="http://www.w3.org/2003/InkML">
+  <inkml:definitions>
+    <inkml:context xml:id="ctx0">
+      <inkml:inkSource xml:id="inkSrc0">
+        <inkml:traceFormat>
+          <inkml:channel name="X" type="integer" min="-2.14748E9" max="2.14748E9" units="cm"/>
+          <inkml:channel name="Y" type="integer" min="-2.14748E9" max="2.14748E9" units="cm"/>
+          <inkml:channel name="F" type="integer" max="32767" units="dev"/>
+        </inkml:traceFormat>
+        <inkml:channelProperties>
+          <inkml:channelProperty channel="X" name="resolution" value="1000" units="1/cm"/>
+          <inkml:channelProperty channel="Y" name="resolution" value="1000" units="1/cm"/>
+          <inkml:channelProperty channel="F" name="resolution" value="0" units="1/dev"/>
+        </inkml:channelProperties>
+      </inkml:inkSource>
+      <inkml:timestamp xml:id="ts0" timeString="2022-04-02T07:18:02.586"/>
+    </inkml:context>
+    <inkml:brush xml:id="br0">
+      <inkml:brushProperty name="width" value="0.08571" units="cm"/>
+      <inkml:brushProperty name="height" value="0.08571" units="cm"/>
+      <inkml:brushProperty name="color" value="#E71224"/>
+    </inkml:brush>
+  </inkml:definitions>
+  <inkml:trace contextRef="#ctx0" brushRef="#br0">79 32 14911,'-18'-21'-91,"4"11"-441,10 67 532,2-14-3915,-4 56 3725,2-50-119,1 7-1406,0-24-324,1-8-1759,-3-7 3845,-3-9 0,4-5 0,-2-3 0</inkml:trace>
+</inkml:ink>
+</file>
+
+<file path=ppt/ink/ink28.xml><?xml version="1.0" encoding="utf-8"?>
+<inkml:ink xmlns:inkml="http://www.w3.org/2003/InkML">
+  <inkml:definitions>
+    <inkml:context xml:id="ctx0">
+      <inkml:inkSource xml:id="inkSrc0">
+        <inkml:traceFormat>
+          <inkml:channel name="X" type="integer" min="-2.14748E9" max="2.14748E9" units="cm"/>
+          <inkml:channel name="Y" type="integer" min="-2.14748E9" max="2.14748E9" units="cm"/>
+          <inkml:channel name="F" type="integer" max="32767" units="dev"/>
+        </inkml:traceFormat>
+        <inkml:channelProperties>
+          <inkml:channelProperty channel="X" name="resolution" value="1000" units="1/cm"/>
+          <inkml:channelProperty channel="Y" name="resolution" value="1000" units="1/cm"/>
+          <inkml:channelProperty channel="F" name="resolution" value="0" units="1/dev"/>
+        </inkml:channelProperties>
+      </inkml:inkSource>
+      <inkml:timestamp xml:id="ts0" timeString="2022-04-02T07:18:02.824"/>
+    </inkml:context>
+    <inkml:brush xml:id="br0">
+      <inkml:brushProperty name="width" value="0.08571" units="cm"/>
+      <inkml:brushProperty name="height" value="0.08571" units="cm"/>
+      <inkml:brushProperty name="color" value="#E71224"/>
+    </inkml:brush>
+  </inkml:definitions>
+  <inkml:trace contextRef="#ctx0" brushRef="#br0">1 82 13184,'10'-15'505,"17"1"-449,40 4-56,9-4-56,1 2-415,-5 2-772,-11 5-696,-10 3-817,-15 2 2756,-11 0 0,-14 0 0,-7 0 0</inkml:trace>
+</inkml:ink>
+</file>
+
+<file path=ppt/ink/ink29.xml><?xml version="1.0" encoding="utf-8"?>
+<inkml:ink xmlns:inkml="http://www.w3.org/2003/InkML">
+  <inkml:definitions>
+    <inkml:context xml:id="ctx0">
+      <inkml:inkSource xml:id="inkSrc0">
+        <inkml:traceFormat>
+          <inkml:channel name="X" type="integer" min="-2.14748E9" max="2.14748E9" units="cm"/>
+          <inkml:channel name="Y" type="integer" min="-2.14748E9" max="2.14748E9" units="cm"/>
+          <inkml:channel name="F" type="integer" max="32767" units="dev"/>
+        </inkml:traceFormat>
+        <inkml:channelProperties>
+          <inkml:channelProperty channel="X" name="resolution" value="1000" units="1/cm"/>
+          <inkml:channelProperty channel="Y" name="resolution" value="1000" units="1/cm"/>
+          <inkml:channelProperty channel="F" name="resolution" value="0" units="1/dev"/>
+        </inkml:channelProperties>
+      </inkml:inkSource>
+      <inkml:timestamp xml:id="ts0" timeString="2022-04-02T07:18:03.044"/>
+    </inkml:context>
+    <inkml:brush xml:id="br0">
+      <inkml:brushProperty name="width" value="0.08571" units="cm"/>
+      <inkml:brushProperty name="height" value="0.08571" units="cm"/>
+      <inkml:brushProperty name="color" value="#E71224"/>
+    </inkml:brush>
+  </inkml:definitions>
+  <inkml:trace contextRef="#ctx0" brushRef="#br0">27 89 10114,'-15'0'2656,"3"0"-2141,12 0-88,0 0-215,11 0-144,20 0-24,22-8-44,21-3-448,3-6-594,-3 0-728,-10 5-371,-11 2 2141,-16 3 0,-17 3 0,-9 1 0</inkml:trace>
+</inkml:ink>
+</file>
+
+<file path=ppt/ink/ink3.xml><?xml version="1.0" encoding="utf-8"?>
+<inkml:ink xmlns:inkml="http://www.w3.org/2003/InkML">
+  <inkml:definitions>
+    <inkml:context xml:id="ctx0">
+      <inkml:inkSource xml:id="inkSrc0">
+        <inkml:traceFormat>
+          <inkml:channel name="X" type="integer" min="-2.14748E9" max="2.14748E9" units="cm"/>
+          <inkml:channel name="Y" type="integer" min="-2.14748E9" max="2.14748E9" units="cm"/>
+          <inkml:channel name="F" type="integer" max="32767" units="dev"/>
+        </inkml:traceFormat>
+        <inkml:channelProperties>
+          <inkml:channelProperty channel="X" name="resolution" value="1000" units="1/cm"/>
+          <inkml:channelProperty channel="Y" name="resolution" value="1000" units="1/cm"/>
+          <inkml:channelProperty channel="F" name="resolution" value="0" units="1/dev"/>
+        </inkml:channelProperties>
+      </inkml:inkSource>
+      <inkml:timestamp xml:id="ts0" timeString="2022-04-02T07:17:37.771"/>
+    </inkml:context>
+    <inkml:brush xml:id="br0">
+      <inkml:brushProperty name="width" value="0.08571" units="cm"/>
+      <inkml:brushProperty name="height" value="0.08571" units="cm"/>
+      <inkml:brushProperty name="color" value="#008C3A"/>
+    </inkml:brush>
+  </inkml:definitions>
+  <inkml:trace contextRef="#ctx0" brushRef="#br0">1 0 6574,'0'0'0</inkml:trace>
+</inkml:ink>
+</file>
+
+<file path=ppt/ink/ink30.xml><?xml version="1.0" encoding="utf-8"?>
+<inkml:ink xmlns:inkml="http://www.w3.org/2003/InkML">
+  <inkml:definitions>
+    <inkml:context xml:id="ctx0">
+      <inkml:inkSource xml:id="inkSrc0">
+        <inkml:traceFormat>
+          <inkml:channel name="X" type="integer" min="-2.14748E9" max="2.14748E9" units="cm"/>
+          <inkml:channel name="Y" type="integer" min="-2.14748E9" max="2.14748E9" units="cm"/>
+          <inkml:channel name="F" type="integer" max="32767" units="dev"/>
+        </inkml:traceFormat>
+        <inkml:channelProperties>
+          <inkml:channelProperty channel="X" name="resolution" value="1000" units="1/cm"/>
+          <inkml:channelProperty channel="Y" name="resolution" value="1000" units="1/cm"/>
+          <inkml:channelProperty channel="F" name="resolution" value="0" units="1/dev"/>
+        </inkml:channelProperties>
+      </inkml:inkSource>
+      <inkml:timestamp xml:id="ts0" timeString="2022-04-02T07:18:03.322"/>
+    </inkml:context>
+    <inkml:brush xml:id="br0">
+      <inkml:brushProperty name="width" value="0.08571" units="cm"/>
+      <inkml:brushProperty name="height" value="0.08571" units="cm"/>
+      <inkml:brushProperty name="color" value="#E71224"/>
+    </inkml:brush>
+  </inkml:definitions>
+  <inkml:trace contextRef="#ctx0" brushRef="#br0">0 31 10496,'0'-10'3798,"0"3"-3181,0 7-449,0 0-224,0-12-34,0 10 90,0 22 0,0 11 11,0 29 0,0-12 12,3 1-23,1-6-371,2-1-984,1-9-852,1-3-438,-1-9 2645,1-9 0,-5-6 0,0-6 0</inkml:trace>
+</inkml:ink>
+</file>
+
+<file path=ppt/ink/ink31.xml><?xml version="1.0" encoding="utf-8"?>
+<inkml:ink xmlns:inkml="http://www.w3.org/2003/InkML">
+  <inkml:definitions>
+    <inkml:context xml:id="ctx0">
+      <inkml:inkSource xml:id="inkSrc0">
+        <inkml:traceFormat>
+          <inkml:channel name="X" type="integer" min="-2.14748E9" max="2.14748E9" units="cm"/>
+          <inkml:channel name="Y" type="integer" min="-2.14748E9" max="2.14748E9" units="cm"/>
+          <inkml:channel name="F" type="integer" max="32767" units="dev"/>
+        </inkml:traceFormat>
+        <inkml:channelProperties>
+          <inkml:channelProperty channel="X" name="resolution" value="1000" units="1/cm"/>
+          <inkml:channelProperty channel="Y" name="resolution" value="1000" units="1/cm"/>
+          <inkml:channelProperty channel="F" name="resolution" value="0" units="1/dev"/>
+        </inkml:channelProperties>
+      </inkml:inkSource>
+      <inkml:timestamp xml:id="ts0" timeString="2022-04-02T07:18:03.542"/>
+    </inkml:context>
+    <inkml:brush xml:id="br0">
+      <inkml:brushProperty name="width" value="0.08571" units="cm"/>
+      <inkml:brushProperty name="height" value="0.08571" units="cm"/>
+      <inkml:brushProperty name="color" value="#E71224"/>
+    </inkml:brush>
+  </inkml:definitions>
+  <inkml:trace contextRef="#ctx0" brushRef="#br0">1 38 13252,'31'-8'157,"9"2"-359,17 3-616,2-1-750,-2-1-337,-7 0 1905,-8 2 0,-19 1 0,-9 0 0</inkml:trace>
+</inkml:ink>
+</file>
+
+<file path=ppt/ink/ink32.xml><?xml version="1.0" encoding="utf-8"?>
+<inkml:ink xmlns:inkml="http://www.w3.org/2003/InkML">
+  <inkml:definitions>
+    <inkml:context xml:id="ctx0">
+      <inkml:inkSource xml:id="inkSrc0">
+        <inkml:traceFormat>
+          <inkml:channel name="X" type="integer" min="-2.14748E9" max="2.14748E9" units="cm"/>
+          <inkml:channel name="Y" type="integer" min="-2.14748E9" max="2.14748E9" units="cm"/>
+          <inkml:channel name="F" type="integer" max="32767" units="dev"/>
+        </inkml:traceFormat>
+        <inkml:channelProperties>
+          <inkml:channelProperty channel="X" name="resolution" value="1000" units="1/cm"/>
+          <inkml:channelProperty channel="Y" name="resolution" value="1000" units="1/cm"/>
+          <inkml:channelProperty channel="F" name="resolution" value="0" units="1/dev"/>
+        </inkml:channelProperties>
+      </inkml:inkSource>
+      <inkml:timestamp xml:id="ts0" timeString="2022-04-02T07:18:04.291"/>
+    </inkml:context>
+    <inkml:brush xml:id="br0">
+      <inkml:brushProperty name="width" value="0.08571" units="cm"/>
+      <inkml:brushProperty name="height" value="0.08571" units="cm"/>
+      <inkml:brushProperty name="color" value="#E71224"/>
+    </inkml:brush>
+  </inkml:definitions>
+  <inkml:trace contextRef="#ctx0" brushRef="#br0">96 89 10563,'-9'-7'2711,"1"1"-2542,8 6-113,0 0-56,-10-2 11,8 5 23,-8 1-1,10 4 57,7 1-57,5-2-21,24-4-91,-14-1 79,9-2 0,-22-2 23,-5-6-12,-1-3-11,-3-7 201,0-1 202,-3 0 45,-5 4-144,-4 4-248,-6 6-56,-1 4-23,-3 1-10,-2 8 21,2 7-10,1 16 22,4 8 0,9 9 0,2 0 0,12 0 0,13-7-169,13-7-312,15-10 100,9-12 123,2-6 146,-1-6 68,-6-8 44,-11-6 11,-8-8 11,-14-7 79,-5-2 78,-8-3 56,-4 0 23,-1 0-1,0 5-21,-1 5-124,-5 7-112,-5 7 0,-5 5-33,-2 3 10,-2 2-11,2 0 0,0 5 1,6 2-23,3 5-23,6 0 1,1 1 56,2-4 10,9 0-10,8-6 11,11-1 11,8-2 33,2-5-10,0-5-12,-4-6-11,-4-1 22,-9 3 12,-6 6-34,-9 4-11,-3 3-157,-3 1 134,0 13 34,0 9 0,0 16 0,0 7-224,0 4-628,0 0-570,0-1-180,6-7-248,8-7 1850,12-10 0,-9-12 0,-1-6 0</inkml:trace>
+</inkml:ink>
+</file>
+
+<file path=ppt/ink/ink33.xml><?xml version="1.0" encoding="utf-8"?>
+<inkml:ink xmlns:inkml="http://www.w3.org/2003/InkML">
+  <inkml:definitions>
+    <inkml:context xml:id="ctx0">
+      <inkml:inkSource xml:id="inkSrc0">
+        <inkml:traceFormat>
+          <inkml:channel name="X" type="integer" min="-2.14748E9" max="2.14748E9" units="cm"/>
+          <inkml:channel name="Y" type="integer" min="-2.14748E9" max="2.14748E9" units="cm"/>
+          <inkml:channel name="F" type="integer" max="32767" units="dev"/>
+        </inkml:traceFormat>
+        <inkml:channelProperties>
+          <inkml:channelProperty channel="X" name="resolution" value="1000" units="1/cm"/>
+          <inkml:channelProperty channel="Y" name="resolution" value="1000" units="1/cm"/>
+          <inkml:channelProperty channel="F" name="resolution" value="0" units="1/dev"/>
+        </inkml:channelProperties>
+      </inkml:inkSource>
+      <inkml:timestamp xml:id="ts0" timeString="2022-04-02T07:18:04.965"/>
+    </inkml:context>
+    <inkml:brush xml:id="br0">
+      <inkml:brushProperty name="width" value="0.08571" units="cm"/>
+      <inkml:brushProperty name="height" value="0.08571" units="cm"/>
+      <inkml:brushProperty name="color" value="#E71224"/>
+    </inkml:brush>
+  </inkml:definitions>
+  <inkml:trace contextRef="#ctx0" brushRef="#br0">223 504 16636,'-20'-50'179,"-1"0"0,-16-29-179,14 77-11,0 2 0,-2 11 11,4 7-45,0 11 34,6 8-67,5-2-169,5 2-89,4-7-34,5-5-78,10-8 213,8-8 89,8-5 90,1-4 56,-1-10 23,-4-7 10,-2-12 102,-7-3 189,-5-1 12,-8 3-33,-2 2-57,-2 6-111,0 7-90,0 6-45,0 6-213,0 3 201,-2 12 12,0 8-168,1 13-112,-1 3-179,4-2-270,13-8-166,7-6 289,19-11 393,5-5 191,4-7 22,-3-10 45,-6-8 100,-8-11 282,-10-4 211,-10-5 203,-7 0-281,-4-6-90,-2-3-44,0-1-135,-3-2-11,-4 5-100,-2 7-68,-2 9-45,1 13-67,4 9-34,-1 7-67,3 3 79,-1 14 22,-2 10 0,2 21 0,2 10-56,1 3-179,2 1-146,6-4-56,6-4-123,8-8-135,6-6-291,3-12 123,3-6-358,-1-10-348,0-4-661,-5-4 2230,-4-2 0,-11 0 0,-5 0 0</inkml:trace>
+</inkml:ink>
+</file>
+
+<file path=ppt/ink/ink34.xml><?xml version="1.0" encoding="utf-8"?>
+<inkml:ink xmlns:inkml="http://www.w3.org/2003/InkML">
+  <inkml:definitions>
+    <inkml:context xml:id="ctx0">
+      <inkml:inkSource xml:id="inkSrc0">
+        <inkml:traceFormat>
+          <inkml:channel name="X" type="integer" min="-2.14748E9" max="2.14748E9" units="cm"/>
+          <inkml:channel name="Y" type="integer" min="-2.14748E9" max="2.14748E9" units="cm"/>
+          <inkml:channel name="F" type="integer" max="32767" units="dev"/>
+        </inkml:traceFormat>
+        <inkml:channelProperties>
+          <inkml:channelProperty channel="X" name="resolution" value="1000" units="1/cm"/>
+          <inkml:channelProperty channel="Y" name="resolution" value="1000" units="1/cm"/>
+          <inkml:channelProperty channel="F" name="resolution" value="0" units="1/dev"/>
+        </inkml:channelProperties>
+      </inkml:inkSource>
+      <inkml:timestamp xml:id="ts0" timeString="2022-04-02T07:18:05.196"/>
+    </inkml:context>
+    <inkml:brush xml:id="br0">
+      <inkml:brushProperty name="width" value="0.08571" units="cm"/>
+      <inkml:brushProperty name="height" value="0.08571" units="cm"/>
+      <inkml:brushProperty name="color" value="#E71224"/>
+    </inkml:brush>
+  </inkml:definitions>
+  <inkml:trace contextRef="#ctx0" brushRef="#br0">0 0 12456,'23'5'1927,"6"-1"-1792,20-1-79,7-1-56,2-2-11,5 0-1580,-2 0-2364,-1 0 3955,-8 0 0,-24 0 0,-9 0 0</inkml:trace>
+</inkml:ink>
+</file>
+
+<file path=ppt/ink/ink35.xml><?xml version="1.0" encoding="utf-8"?>
+<inkml:ink xmlns:inkml="http://www.w3.org/2003/InkML">
+  <inkml:definitions>
+    <inkml:context xml:id="ctx0">
+      <inkml:inkSource xml:id="inkSrc0">
+        <inkml:traceFormat>
+          <inkml:channel name="X" type="integer" min="-2.14748E9" max="2.14748E9" units="cm"/>
+          <inkml:channel name="Y" type="integer" min="-2.14748E9" max="2.14748E9" units="cm"/>
+          <inkml:channel name="F" type="integer" max="32767" units="dev"/>
+        </inkml:traceFormat>
+        <inkml:channelProperties>
+          <inkml:channelProperty channel="X" name="resolution" value="1000" units="1/cm"/>
+          <inkml:channelProperty channel="Y" name="resolution" value="1000" units="1/cm"/>
+          <inkml:channelProperty channel="F" name="resolution" value="0" units="1/dev"/>
+        </inkml:channelProperties>
+      </inkml:inkSource>
+      <inkml:timestamp xml:id="ts0" timeString="2022-04-02T07:18:06.570"/>
+    </inkml:context>
+    <inkml:brush xml:id="br0">
+      <inkml:brushProperty name="width" value="0.08571" units="cm"/>
+      <inkml:brushProperty name="height" value="0.08571" units="cm"/>
+      <inkml:brushProperty name="color" value="#E71224"/>
+    </inkml:brush>
+  </inkml:definitions>
+  <inkml:trace contextRef="#ctx0" brushRef="#br0">13 99 7750,'-2'-15'2869,"1"3"-1738,1 12 551,0 0-1089,0-20-67,0 15-133,0-14-113,0 19-11,-2 0-269,1 0 0,-3 0-45,3 1 45,-1 10 23,2 7-23,0 11 0,0 2 0,3 0-168,5-6-146,7-3-90,5-6 124,6-6 90,0-5 190,4-4 11,-4-4 45,-1-10 56,-7-8 392,-5-11 34,-5-1-56,-5 2-157,-1 9-180,-2 8-145,0 8 0,0 4-67,0 2-34,0 5 101,-3 11 0,2 9-67,-2 13-101,3-4-202,0 0 57,12-8-58,5-9 2,15-6 10,1-7 169,-1-3 168,-4-5 22,-5-9 22,-8-9-11,-7-7 23,-5-3 56,-3 0 89,0-2 78,-9 4-100,-1 5-146,-13 8-11,-3 8-11,-5 5 0,-4 4 0,0 0-34,6 7 0,4 3-22,10 4-45,7 0 33,5-3 79,3-1 0,8-5 23,8-2 22,12-3-1,10 0-32,3 0 32,2-3-32,1-2-12,0-4-12,2 1-44,-1 3-22,-6 1-23,-6 4 79,-7 7-23,-10 6 34,-6 8 11,-5 6-11,-5 1 11,0-4 0,0-4 0,0-6 22,0-6 56,0-4 1402,0-3-1312,0-10-12,0-8-66,0-11-56,10-8 55,4 3-89,12 1 0,-1 6-11,0 8-23,-6 6-22,-2 7 23,-1 3-23,-4 2 11,0 10-45,-5 5 79,-2 13-22,-3 6-35,-2 2 12,0-2 12,0-2-24,1-6-178,4-7-101,5-4-136,6-10-267,7 0-326,5-5-649,2 0-741,-4-6 2466,-6-6 0,-10 3 0,-6-1 0</inkml:trace>
+</inkml:ink>
+</file>
+
+<file path=ppt/ink/ink36.xml><?xml version="1.0" encoding="utf-8"?>
+<inkml:ink xmlns:inkml="http://www.w3.org/2003/InkML">
+  <inkml:definitions>
+    <inkml:context xml:id="ctx0">
+      <inkml:inkSource xml:id="inkSrc0">
+        <inkml:traceFormat>
+          <inkml:channel name="X" type="integer" min="-2.14748E9" max="2.14748E9" units="cm"/>
+          <inkml:channel name="Y" type="integer" min="-2.14748E9" max="2.14748E9" units="cm"/>
+          <inkml:channel name="F" type="integer" max="32767" units="dev"/>
+        </inkml:traceFormat>
+        <inkml:channelProperties>
+          <inkml:channelProperty channel="X" name="resolution" value="1000" units="1/cm"/>
+          <inkml:channelProperty channel="Y" name="resolution" value="1000" units="1/cm"/>
+          <inkml:channelProperty channel="F" name="resolution" value="0" units="1/dev"/>
+        </inkml:channelProperties>
+      </inkml:inkSource>
+      <inkml:timestamp xml:id="ts0" timeString="2022-04-02T07:18:06.808"/>
+    </inkml:context>
+    <inkml:brush xml:id="br0">
+      <inkml:brushProperty name="width" value="0.08571" units="cm"/>
+      <inkml:brushProperty name="height" value="0.08571" units="cm"/>
+      <inkml:brushProperty name="color" value="#E71224"/>
+    </inkml:brush>
+  </inkml:definitions>
+  <inkml:trace contextRef="#ctx0" brushRef="#br0">22 35 15571,'-13'-19'-2443,"4"3"-1792,24 16 4235,8 2 0,-4-2 0,-2 2 0</inkml:trace>
+</inkml:ink>
+</file>
+
+<file path=ppt/ink/ink37.xml><?xml version="1.0" encoding="utf-8"?>
+<inkml:ink xmlns:inkml="http://www.w3.org/2003/InkML">
+  <inkml:definitions>
+    <inkml:context xml:id="ctx0">
+      <inkml:inkSource xml:id="inkSrc0">
+        <inkml:traceFormat>
+          <inkml:channel name="X" type="integer" min="-2.14748E9" max="2.14748E9" units="cm"/>
+          <inkml:channel name="Y" type="integer" min="-2.14748E9" max="2.14748E9" units="cm"/>
+          <inkml:channel name="F" type="integer" max="32767" units="dev"/>
+        </inkml:traceFormat>
+        <inkml:channelProperties>
+          <inkml:channelProperty channel="X" name="resolution" value="1000" units="1/cm"/>
+          <inkml:channelProperty channel="Y" name="resolution" value="1000" units="1/cm"/>
+          <inkml:channelProperty channel="F" name="resolution" value="0" units="1/dev"/>
+        </inkml:channelProperties>
+      </inkml:inkSource>
+      <inkml:timestamp xml:id="ts0" timeString="2022-04-02T07:18:07.422"/>
+    </inkml:context>
+    <inkml:brush xml:id="br0">
+      <inkml:brushProperty name="width" value="0.08571" units="cm"/>
+      <inkml:brushProperty name="height" value="0.08571" units="cm"/>
+      <inkml:brushProperty name="color" value="#E71224"/>
+    </inkml:brush>
+  </inkml:definitions>
+  <inkml:trace contextRef="#ctx0" brushRef="#br0">13 11 8837,'-7'6'2734,"1"-2"-2005,6-4 155,0 0-805,10 0-68,5 0-11,11 0 0,3-1-22,3 0-751,-1 0-527,1 1-392,1 0-1479,2-3 3171,1-2 0,-16 0 0,-4 1 0</inkml:trace>
+</inkml:ink>
+</file>
+
+<file path=ppt/ink/ink38.xml><?xml version="1.0" encoding="utf-8"?>
+<inkml:ink xmlns:inkml="http://www.w3.org/2003/InkML">
+  <inkml:definitions>
+    <inkml:context xml:id="ctx0">
+      <inkml:inkSource xml:id="inkSrc0">
+        <inkml:traceFormat>
+          <inkml:channel name="X" type="integer" min="-2.14748E9" max="2.14748E9" units="cm"/>
+          <inkml:channel name="Y" type="integer" min="-2.14748E9" max="2.14748E9" units="cm"/>
+          <inkml:channel name="F" type="integer" max="32767" units="dev"/>
+        </inkml:traceFormat>
+        <inkml:channelProperties>
+          <inkml:channelProperty channel="X" name="resolution" value="1000" units="1/cm"/>
+          <inkml:channelProperty channel="Y" name="resolution" value="1000" units="1/cm"/>
+          <inkml:channelProperty channel="F" name="resolution" value="0" units="1/dev"/>
+        </inkml:channelProperties>
+      </inkml:inkSource>
+      <inkml:timestamp xml:id="ts0" timeString="2022-04-02T07:18:07.980"/>
+    </inkml:context>
+    <inkml:brush xml:id="br0">
+      <inkml:brushProperty name="width" value="0.08571" units="cm"/>
+      <inkml:brushProperty name="height" value="0.08571" units="cm"/>
+      <inkml:brushProperty name="color" value="#E71224"/>
+    </inkml:brush>
+  </inkml:definitions>
+  <inkml:trace contextRef="#ctx0" brushRef="#br0">20 69 10339,'-7'-15'3653,"1"3"-3105,6 12-54,0 0-494,-3-8-90,3 6 79,-3-2 11,3 17 11,0 8 23,0 11-34,4 3 0,0-1 22,4-2-11,-3-6-11,0-4 23,-2-9-23,0-6 45,-1-4 492,0-3-290,-2-7-57,0-10 112,0-13 1,0-9-45,0-4 0,-2 2-102,-1 5-66,1 10-45,-1 10-45,3 9-56,0 4-67,0 3 55,0 4 68,0 13 0,0 9-78,0 13-12,0 1-111,0-1-57,3-5 45,0-8 56,4-4 11,0-12-66,-4-3-57,0-6-516,-1-1-1601,-1 0-2679,6-1 5065,1-12 0,-2 9 0,0-8 0</inkml:trace>
+</inkml:ink>
+</file>
+
+<file path=ppt/ink/ink39.xml><?xml version="1.0" encoding="utf-8"?>
+<inkml:ink xmlns:inkml="http://www.w3.org/2003/InkML">
+  <inkml:definitions>
+    <inkml:context xml:id="ctx0">
+      <inkml:inkSource xml:id="inkSrc0">
+        <inkml:traceFormat>
+          <inkml:channel name="X" type="integer" min="-2.14748E9" max="2.14748E9" units="cm"/>
+          <inkml:channel name="Y" type="integer" min="-2.14748E9" max="2.14748E9" units="cm"/>
+          <inkml:channel name="F" type="integer" max="32767" units="dev"/>
+        </inkml:traceFormat>
+        <inkml:channelProperties>
+          <inkml:channelProperty channel="X" name="resolution" value="1000" units="1/cm"/>
+          <inkml:channelProperty channel="Y" name="resolution" value="1000" units="1/cm"/>
+          <inkml:channelProperty channel="F" name="resolution" value="0" units="1/dev"/>
+        </inkml:channelProperties>
+      </inkml:inkSource>
+      <inkml:timestamp xml:id="ts0" timeString="2022-04-02T07:18:08.778"/>
+    </inkml:context>
+    <inkml:brush xml:id="br0">
+      <inkml:brushProperty name="width" value="0.08571" units="cm"/>
+      <inkml:brushProperty name="height" value="0.08571" units="cm"/>
+      <inkml:brushProperty name="color" value="#E71224"/>
+    </inkml:brush>
+  </inkml:definitions>
+  <inkml:trace contextRef="#ctx0" brushRef="#br0">0 49 9577,'0'-15'3451,"0"3"-2599,0 12 10,0 0-773,0-11-89,0 9-100,0-6 100,0 25 22,0 12-11,0 17 0,0 5 12,0 4-12,0-4-11,0-3-56,0-9-840,0-7-404,0-8-672,0-7-571,0-8 2543,0-5 0,0-4 0,0 0 0</inkml:trace>
+</inkml:ink>
+</file>
+
+<file path=ppt/ink/ink4.xml><?xml version="1.0" encoding="utf-8"?>
+<inkml:ink xmlns:inkml="http://www.w3.org/2003/InkML">
+  <inkml:definitions>
+    <inkml:context xml:id="ctx0">
+      <inkml:inkSource xml:id="inkSrc0">
+        <inkml:traceFormat>
+          <inkml:channel name="X" type="integer" min="-2.14748E9" max="2.14748E9" units="cm"/>
+          <inkml:channel name="Y" type="integer" min="-2.14748E9" max="2.14748E9" units="cm"/>
+          <inkml:channel name="F" type="integer" max="32767" units="dev"/>
+        </inkml:traceFormat>
+        <inkml:channelProperties>
+          <inkml:channelProperty channel="X" name="resolution" value="1000" units="1/cm"/>
+          <inkml:channelProperty channel="Y" name="resolution" value="1000" units="1/cm"/>
+          <inkml:channelProperty channel="F" name="resolution" value="0" units="1/dev"/>
+        </inkml:channelProperties>
+      </inkml:inkSource>
+      <inkml:timestamp xml:id="ts0" timeString="2022-04-02T07:17:38.261"/>
+    </inkml:context>
+    <inkml:brush xml:id="br0">
+      <inkml:brushProperty name="width" value="0.08571" units="cm"/>
+      <inkml:brushProperty name="height" value="0.08571" units="cm"/>
+      <inkml:brushProperty name="color" value="#008C3A"/>
+    </inkml:brush>
+  </inkml:definitions>
+  <inkml:trace contextRef="#ctx0" brushRef="#br0">53 123 15146,'-29'-42'325,"7"9"-314,20 33-157,2 0 146,0 4 11,3 5-11,4 8 23,4 4-3404,6 3 3381,1 1 11,3-2-11,-2 0-11,1-4 0,-3-2 11,-1-3 0,-2-6 3403,-6-1-3403,-2-5 34,-3-1 33,1-1 22,-1 0-66,-1 0 10,1-9 79,-3-5-22,1-12 22,-1-4-78,0-4-12,0-4-22,0 3-22,0 3-124,0 10-739,0 8-1132,0 8-1087,0 4-985,8 2 4089,2 8 0,0-6 0,-2 5 0</inkml:trace>
+</inkml:ink>
+</file>
+
+<file path=ppt/ink/ink40.xml><?xml version="1.0" encoding="utf-8"?>
+<inkml:ink xmlns:inkml="http://www.w3.org/2003/InkML">
+  <inkml:definitions>
+    <inkml:context xml:id="ctx0">
+      <inkml:inkSource xml:id="inkSrc0">
+        <inkml:traceFormat>
+          <inkml:channel name="X" type="integer" min="-2.14748E9" max="2.14748E9" units="cm"/>
+          <inkml:channel name="Y" type="integer" min="-2.14748E9" max="2.14748E9" units="cm"/>
+          <inkml:channel name="F" type="integer" max="32767" units="dev"/>
+        </inkml:traceFormat>
+        <inkml:channelProperties>
+          <inkml:channelProperty channel="X" name="resolution" value="1000" units="1/cm"/>
+          <inkml:channelProperty channel="Y" name="resolution" value="1000" units="1/cm"/>
+          <inkml:channelProperty channel="F" name="resolution" value="0" units="1/dev"/>
+        </inkml:channelProperties>
+      </inkml:inkSource>
+      <inkml:timestamp xml:id="ts0" timeString="2022-04-02T07:18:09.014"/>
+    </inkml:context>
+    <inkml:brush xml:id="br0">
+      <inkml:brushProperty name="width" value="0.08571" units="cm"/>
+      <inkml:brushProperty name="height" value="0.08571" units="cm"/>
+      <inkml:brushProperty name="color" value="#E71224"/>
+    </inkml:brush>
+  </inkml:definitions>
+  <inkml:trace contextRef="#ctx0" brushRef="#br0">1 35 14227,'17'-9'324,"12"-1"-312,27 9-12,12-4-627,3 1-349,-1 0-861,-6 3-314,-11 1-4479,-14 0 6630,-13 7 0,-14-5 0,-7 6 0</inkml:trace>
+</inkml:ink>
+</file>
+
+<file path=ppt/ink/ink41.xml><?xml version="1.0" encoding="utf-8"?>
+<inkml:ink xmlns:inkml="http://www.w3.org/2003/InkML">
+  <inkml:definitions>
+    <inkml:context xml:id="ctx0">
+      <inkml:inkSource xml:id="inkSrc0">
+        <inkml:traceFormat>
+          <inkml:channel name="X" type="integer" min="-2.14748E9" max="2.14748E9" units="cm"/>
+          <inkml:channel name="Y" type="integer" min="-2.14748E9" max="2.14748E9" units="cm"/>
+          <inkml:channel name="F" type="integer" max="32767" units="dev"/>
+        </inkml:traceFormat>
+        <inkml:channelProperties>
+          <inkml:channelProperty channel="X" name="resolution" value="1000" units="1/cm"/>
+          <inkml:channelProperty channel="Y" name="resolution" value="1000" units="1/cm"/>
+          <inkml:channelProperty channel="F" name="resolution" value="0" units="1/dev"/>
+        </inkml:channelProperties>
+      </inkml:inkSource>
+      <inkml:timestamp xml:id="ts0" timeString="2022-04-02T07:18:09.244"/>
+    </inkml:context>
+    <inkml:brush xml:id="br0">
+      <inkml:brushProperty name="width" value="0.08571" units="cm"/>
+      <inkml:brushProperty name="height" value="0.08571" units="cm"/>
+      <inkml:brushProperty name="color" value="#E71224"/>
+    </inkml:brush>
+  </inkml:definitions>
+  <inkml:trace contextRef="#ctx0" brushRef="#br0">0 86 14115,'43'-5'324,"10"-3"-324,18-3-526,8-2-494,-3 1-761,-7 0-460,-10 5 2241,-14-3 0,-21 7 0,-9-1 0</inkml:trace>
+</inkml:ink>
+</file>
+
+<file path=ppt/ink/ink42.xml><?xml version="1.0" encoding="utf-8"?>
+<inkml:ink xmlns:inkml="http://www.w3.org/2003/InkML">
+  <inkml:definitions>
+    <inkml:context xml:id="ctx0">
+      <inkml:inkSource xml:id="inkSrc0">
+        <inkml:traceFormat>
+          <inkml:channel name="X" type="integer" min="-2.14748E9" max="2.14748E9" units="cm"/>
+          <inkml:channel name="Y" type="integer" min="-2.14748E9" max="2.14748E9" units="cm"/>
+          <inkml:channel name="F" type="integer" max="32767" units="dev"/>
+        </inkml:traceFormat>
+        <inkml:channelProperties>
+          <inkml:channelProperty channel="X" name="resolution" value="1000" units="1/cm"/>
+          <inkml:channelProperty channel="Y" name="resolution" value="1000" units="1/cm"/>
+          <inkml:channelProperty channel="F" name="resolution" value="0" units="1/dev"/>
+        </inkml:channelProperties>
+      </inkml:inkSource>
+      <inkml:timestamp xml:id="ts0" timeString="2022-04-02T07:18:09.497"/>
+    </inkml:context>
+    <inkml:brush xml:id="br0">
+      <inkml:brushProperty name="width" value="0.08571" units="cm"/>
+      <inkml:brushProperty name="height" value="0.08571" units="cm"/>
+      <inkml:brushProperty name="color" value="#E71224"/>
+    </inkml:brush>
+  </inkml:definitions>
+  <inkml:trace contextRef="#ctx0" brushRef="#br0">20 1 14227,'-11'27'56,"2"8"-45,9 11 0,0 4 0,0-1 34,0-4-45,0-4-593,0-9-786,2-5-761,1-8-1121,1-7 3261,0-6 0,-2-4 0,0-2 0</inkml:trace>
+</inkml:ink>
+</file>
+
+<file path=ppt/ink/ink43.xml><?xml version="1.0" encoding="utf-8"?>
+<inkml:ink xmlns:inkml="http://www.w3.org/2003/InkML">
+  <inkml:definitions>
+    <inkml:context xml:id="ctx0">
+      <inkml:inkSource xml:id="inkSrc0">
+        <inkml:traceFormat>
+          <inkml:channel name="X" type="integer" min="-2.14748E9" max="2.14748E9" units="cm"/>
+          <inkml:channel name="Y" type="integer" min="-2.14748E9" max="2.14748E9" units="cm"/>
+          <inkml:channel name="F" type="integer" max="32767" units="dev"/>
+        </inkml:traceFormat>
+        <inkml:channelProperties>
+          <inkml:channelProperty channel="X" name="resolution" value="1000" units="1/cm"/>
+          <inkml:channelProperty channel="Y" name="resolution" value="1000" units="1/cm"/>
+          <inkml:channelProperty channel="F" name="resolution" value="0" units="1/dev"/>
+        </inkml:channelProperties>
+      </inkml:inkSource>
+      <inkml:timestamp xml:id="ts0" timeString="2022-04-02T07:18:09.704"/>
+    </inkml:context>
+    <inkml:brush xml:id="br0">
+      <inkml:brushProperty name="width" value="0.08571" units="cm"/>
+      <inkml:brushProperty name="height" value="0.08571" units="cm"/>
+      <inkml:brushProperty name="color" value="#E71224"/>
+    </inkml:brush>
+  </inkml:definitions>
+  <inkml:trace contextRef="#ctx0" brushRef="#br0">22 24 9969,'-9'-5'2599,"2"0"-2207,7 5-145,0 0-180,-6-6 124,22 4-247,61-4-919,-15 6-17,-7 0 1,-2 0-1418,-3 0 2409,-8 0 0,-19 0 0,-9 0 0</inkml:trace>
+</inkml:ink>
+</file>
+
+<file path=ppt/ink/ink44.xml><?xml version="1.0" encoding="utf-8"?>
+<inkml:ink xmlns:inkml="http://www.w3.org/2003/InkML">
+  <inkml:definitions>
+    <inkml:context xml:id="ctx0">
+      <inkml:inkSource xml:id="inkSrc0">
+        <inkml:traceFormat>
+          <inkml:channel name="X" type="integer" min="-2.14748E9" max="2.14748E9" units="cm"/>
+          <inkml:channel name="Y" type="integer" min="-2.14748E9" max="2.14748E9" units="cm"/>
+          <inkml:channel name="F" type="integer" max="32767" units="dev"/>
+        </inkml:traceFormat>
+        <inkml:channelProperties>
+          <inkml:channelProperty channel="X" name="resolution" value="1000" units="1/cm"/>
+          <inkml:channelProperty channel="Y" name="resolution" value="1000" units="1/cm"/>
+          <inkml:channelProperty channel="F" name="resolution" value="0" units="1/dev"/>
+        </inkml:channelProperties>
+      </inkml:inkSource>
+      <inkml:timestamp xml:id="ts0" timeString="2022-04-02T07:18:10.462"/>
+    </inkml:context>
+    <inkml:brush xml:id="br0">
+      <inkml:brushProperty name="width" value="0.08571" units="cm"/>
+      <inkml:brushProperty name="height" value="0.08571" units="cm"/>
+      <inkml:brushProperty name="color" value="#E71224"/>
+    </inkml:brush>
+  </inkml:definitions>
+  <inkml:trace contextRef="#ctx0" brushRef="#br0">53 61 10114,'-9'-1'1906,"2"-1"-1794,7 2-45,0 0-56,-18 5 90,14 0-34,-11 5-22,26 1 33,5-6-22,7 0-22,-3-5 11,-4 0 44,-3 0-44,-6-3 134,-1-6 112,-4-3 360,-1-17-461,-4 12-11,-2-5-145,-3 17-34,-5 3 0,-1 2-11,-2 5-45,0 8 33,-1 11 12,5 12 0,4 4 11,5 2 11,3-1 0,5-2-22,9-4-123,13-8-213,12-10 257,7-9 68,4-5 22,-4-3 0,-5-10 22,-5-4 157,-11-11 112,-6-1 90,-8-1-45,-6-2 1,-2 3-147,-3-1-33,-1 7-123,-7 3-34,-2 6-12,-7 7-10,-1 2-23,0 2 34,0 0-34,2 3-168,1 4-79,6 5 24,2 2 77,5 0 23,0-4 56,4-4 0,10-1-11,5-3 56,16 0 56,0-2-34,5-8 45,-2-3 0,-3-9 11,-4-1 12,-4 1-12,-9 4 67,-3 5-67,-6 5-11,-4 3-123,-2 3 78,-1 0 45,0 12 0,0 6 0,0 13 0,2 5 12,3-3-24,3 0-44,5-2-941,5-5-1333,3-4 2330,5-10 0,-11-5 0,-2-6 0</inkml:trace>
+</inkml:ink>
+</file>
+
+<file path=ppt/ink/ink45.xml><?xml version="1.0" encoding="utf-8"?>
+<inkml:ink xmlns:inkml="http://www.w3.org/2003/InkML">
+  <inkml:definitions>
+    <inkml:context xml:id="ctx0">
+      <inkml:inkSource xml:id="inkSrc0">
+        <inkml:traceFormat>
+          <inkml:channel name="X" type="integer" min="-2.14748E9" max="2.14748E9" units="cm"/>
+          <inkml:channel name="Y" type="integer" min="-2.14748E9" max="2.14748E9" units="cm"/>
+          <inkml:channel name="F" type="integer" max="32767" units="dev"/>
+        </inkml:traceFormat>
+        <inkml:channelProperties>
+          <inkml:channelProperty channel="X" name="resolution" value="1000" units="1/cm"/>
+          <inkml:channelProperty channel="Y" name="resolution" value="1000" units="1/cm"/>
+          <inkml:channelProperty channel="F" name="resolution" value="0" units="1/dev"/>
+        </inkml:channelProperties>
+      </inkml:inkSource>
+      <inkml:timestamp xml:id="ts0" timeString="2022-04-02T07:18:11.512"/>
+    </inkml:context>
+    <inkml:brush xml:id="br0">
+      <inkml:brushProperty name="width" value="0.08571" units="cm"/>
+      <inkml:brushProperty name="height" value="0.08571" units="cm"/>
+      <inkml:brushProperty name="color" value="#E71224"/>
+    </inkml:brush>
+  </inkml:definitions>
+  <inkml:trace contextRef="#ctx0" brushRef="#br0">246 317 8602,'0'-15'2095,"0"2"-1490,0 13 516,0 0-696,-6-28-111,1 18-44,-7-23-91,0 26-78,-3 2-23,-6 2 0,-3 1-22,-3 2-44,0 0-12,-1 5 0,5 6 0,2 12 0,8 8-12,5 4 1,5 3-157,3-4-281,4-2 80,10-7-12,8-7 235,13-9 146,1-5 0,0-4 68,-3-6 10,-8-6 146,-6-10 202,-7-7 157,-4-2-191,-5 0 123,-1 7-246,-2 5-89,0 11-180,0 3-202,0 5 202,0 11 0,-2 8-11,-1 14-102,1 6-223,-1-2 0,3-4 67,4-7-22,10-7-34,13-9 22,12-5 169,6-5 100,1-11 34,-5-7 67,-6-14 225,-8-9 392,-7-7 21,-5-5 57,-7-3-112,-3-2-45,-4 2-101,-1 7-235,0 9-101,0 14-123,0 11-45,0 9-123,-1 4 33,-4 11 90,-2 18 23,-4 18-23,1 22 0,3 3-79,2 3-380,5-8-169,6-8-301,9-10-819,10-11-594,9-10-1065,3-13 3407,-1-7 0,-17-6 0,-4 0 0</inkml:trace>
+</inkml:ink>
+</file>
+
+<file path=ppt/ink/ink46.xml><?xml version="1.0" encoding="utf-8"?>
+<inkml:ink xmlns:inkml="http://www.w3.org/2003/InkML">
+  <inkml:definitions>
+    <inkml:context xml:id="ctx0">
+      <inkml:inkSource xml:id="inkSrc0">
+        <inkml:traceFormat>
+          <inkml:channel name="X" type="integer" min="-2.14748E9" max="2.14748E9" units="cm"/>
+          <inkml:channel name="Y" type="integer" min="-2.14748E9" max="2.14748E9" units="cm"/>
+          <inkml:channel name="F" type="integer" max="32767" units="dev"/>
+        </inkml:traceFormat>
+        <inkml:channelProperties>
+          <inkml:channelProperty channel="X" name="resolution" value="1000" units="1/cm"/>
+          <inkml:channelProperty channel="Y" name="resolution" value="1000" units="1/cm"/>
+          <inkml:channelProperty channel="F" name="resolution" value="0" units="1/dev"/>
+        </inkml:channelProperties>
+      </inkml:inkSource>
+      <inkml:timestamp xml:id="ts0" timeString="2022-04-02T07:18:12.622"/>
+    </inkml:context>
+    <inkml:brush xml:id="br0">
+      <inkml:brushProperty name="width" value="0.08571" units="cm"/>
+      <inkml:brushProperty name="height" value="0.08571" units="cm"/>
+      <inkml:brushProperty name="color" value="#E71224"/>
+    </inkml:brush>
+  </inkml:definitions>
+  <inkml:trace contextRef="#ctx0" brushRef="#br0">61 40 14137,'-37'-23'-11,"14"7"156,42 22 23,14 1-56,18 4-56,10-6-33,2-2-12,1-3 0,-8 0 0,-9 0 1,-11 0 44,-13-3 191,-9 1 111,-9-3-89,-2 3-235,-3 0-34,-1 10 33,-5 9-33,-3 9 0,-3 10 0,6 0 0,1 0-33,5-4-124,7-6-190,10-6-13,13-11 103,8-3 78,4-6 179,-3-1 56,-7-10 436,-7-6 103,-9-10-35,-6-2-179,-5 1-22,-4 2-57,-1 6-212,0 7-90,0 6-12,0 6-122,0 1 78,0 7 45,0 12-23,0 14-134,0 7-101,0 4 45,0-6 22,3-7 1,9-6 33,6-13 0,11-4 145,-2-7 23,0-2 23,-4-12-1,-3-5 12,-5-14-12,-4-2 45,-6-5 112,-2-1-55,-3 0 32,0 3-66,-1 5-90,-5 10 0,-5 10-56,-6 6 34,-5 6-68,-1 0-22,-2 9-34,7 1 46,3 7-57,7-2 67,5 0 68,2-3 22,1 2 22,5-7 12,9-2-1,7-4 57,12-1 0,0-1-34,6-6-23,-1-2-33,-2-1-22,-3 3-12,-5 4 12,-5 3-12,-5 3-11,-4 10 12,-5 6-34,-4 13-45,-4 0 11,-1 0 67,0-5 1,0-8 21,0-4 12,0-9 56,0-3 751,0-3-684,0-10-56,0-4-22,12-15-34,7-3-11,15-6-33,6 4 10,-1 5-10,-3 8-57,-8 9 23,-6 8 0,-8 2 44,-6 4-66,-3 12 77,-3 9 12,-2 11 0,0 5 23,0-4-34,0-3 11,0-6 0,0-6 0,0-6-213,4-8-347,9-3-662,6-3-761,7 0-639,-3-3 2622,-5-6 0,-8 3 0,-5-3 0</inkml:trace>
+</inkml:ink>
+</file>
+
+<file path=ppt/ink/ink47.xml><?xml version="1.0" encoding="utf-8"?>
+<inkml:ink xmlns:inkml="http://www.w3.org/2003/InkML">
+  <inkml:definitions>
+    <inkml:context xml:id="ctx0">
+      <inkml:inkSource xml:id="inkSrc0">
+        <inkml:traceFormat>
+          <inkml:channel name="X" type="integer" min="-2.14748E9" max="2.14748E9" units="cm"/>
+          <inkml:channel name="Y" type="integer" min="-2.14748E9" max="2.14748E9" units="cm"/>
+          <inkml:channel name="F" type="integer" max="32767" units="dev"/>
+        </inkml:traceFormat>
+        <inkml:channelProperties>
+          <inkml:channelProperty channel="X" name="resolution" value="1000" units="1/cm"/>
+          <inkml:channelProperty channel="Y" name="resolution" value="1000" units="1/cm"/>
+          <inkml:channelProperty channel="F" name="resolution" value="0" units="1/dev"/>
+        </inkml:channelProperties>
+      </inkml:inkSource>
+      <inkml:timestamp xml:id="ts0" timeString="2022-04-02T07:18:12.905"/>
+    </inkml:context>
+    <inkml:brush xml:id="br0">
+      <inkml:brushProperty name="width" value="0.08571" units="cm"/>
+      <inkml:brushProperty name="height" value="0.08571" units="cm"/>
+      <inkml:brushProperty name="color" value="#E71224"/>
+    </inkml:brush>
+  </inkml:definitions>
+  <inkml:trace contextRef="#ctx0" brushRef="#br0">49 38 11280,'-10'-6'3260,"1"2"-2486,9 4 133,0 0-526,-13-12-213,9 9-89,-9-9-79,13 12-1266,0 0-1704,13 0 2970,1 0 0,2 0 0,-6 0 0</inkml:trace>
+</inkml:ink>
+</file>
+
+<file path=ppt/ink/ink48.xml><?xml version="1.0" encoding="utf-8"?>
+<inkml:ink xmlns:inkml="http://www.w3.org/2003/InkML">
+  <inkml:definitions>
+    <inkml:context xml:id="ctx0">
+      <inkml:inkSource xml:id="inkSrc0">
+        <inkml:traceFormat>
+          <inkml:channel name="X" type="integer" min="-2.14748E9" max="2.14748E9" units="cm"/>
+          <inkml:channel name="Y" type="integer" min="-2.14748E9" max="2.14748E9" units="cm"/>
+          <inkml:channel name="F" type="integer" max="32767" units="dev"/>
+        </inkml:traceFormat>
+        <inkml:channelProperties>
+          <inkml:channelProperty channel="X" name="resolution" value="1000" units="1/cm"/>
+          <inkml:channelProperty channel="Y" name="resolution" value="1000" units="1/cm"/>
+          <inkml:channelProperty channel="F" name="resolution" value="0" units="1/dev"/>
+        </inkml:channelProperties>
+      </inkml:inkSource>
+      <inkml:timestamp xml:id="ts0" timeString="2022-04-02T07:18:13.636"/>
+    </inkml:context>
+    <inkml:brush xml:id="br0">
+      <inkml:brushProperty name="width" value="0.08571" units="cm"/>
+      <inkml:brushProperty name="height" value="0.08571" units="cm"/>
+      <inkml:brushProperty name="color" value="#E71224"/>
+    </inkml:brush>
+  </inkml:definitions>
+  <inkml:trace contextRef="#ctx0" brushRef="#br0">0 0 11112,'4'4'3014,"-1"-1"-1501,-3-3-1390,3 0-90,9 0-33,11 0-257,14 0-236,7-1-661,4 0-460,-2 0-862,-3-1 2476,-9 2 0,-15-2 0,-7 2 0</inkml:trace>
+</inkml:ink>
+</file>
+
+<file path=ppt/ink/ink49.xml><?xml version="1.0" encoding="utf-8"?>
+<inkml:ink xmlns:inkml="http://www.w3.org/2003/InkML">
+  <inkml:definitions>
+    <inkml:context xml:id="ctx0">
+      <inkml:inkSource xml:id="inkSrc0">
+        <inkml:traceFormat>
+          <inkml:channel name="X" type="integer" min="-2.14748E9" max="2.14748E9" units="cm"/>
+          <inkml:channel name="Y" type="integer" min="-2.14748E9" max="2.14748E9" units="cm"/>
+          <inkml:channel name="F" type="integer" max="32767" units="dev"/>
+        </inkml:traceFormat>
+        <inkml:channelProperties>
+          <inkml:channelProperty channel="X" name="resolution" value="1000" units="1/cm"/>
+          <inkml:channelProperty channel="Y" name="resolution" value="1000" units="1/cm"/>
+          <inkml:channelProperty channel="F" name="resolution" value="0" units="1/dev"/>
+        </inkml:channelProperties>
+      </inkml:inkSource>
+      <inkml:timestamp xml:id="ts0" timeString="2022-04-02T07:18:14.280"/>
+    </inkml:context>
+    <inkml:brush xml:id="br0">
+      <inkml:brushProperty name="width" value="0.08571" units="cm"/>
+      <inkml:brushProperty name="height" value="0.08571" units="cm"/>
+      <inkml:brushProperty name="color" value="#E71224"/>
+    </inkml:brush>
+  </inkml:definitions>
+  <inkml:trace contextRef="#ctx0" brushRef="#br0">37 134 9330,'-7'0'3608,"1"0"-2678,6 0 673,0 0-1122,-9-2-44,5-3-123,-5-4 11,8-4-202,1-1-11,0-3-67,0 3-34,0-1 0,3 3-11,6 0-56,5 4 0,10 1-56,3 3-100,4 3-102,3 1 67,-2 0-44,-1 4 89,-5 8 1,-6 6 10,-6 7 146,-7 3 45,-4 1-11,-3 3 11,-2 2 0,-8 0 11,-6 2 12,-10-5 22,0-3 11,-2-5 67,3-5 22,2-6 23,5-3 124,3-6-1,7 0-89,3-3-34,4 2 213,1-2-336,7 0-45,14 0-12,17-5-189,18-5-79,11-4-214,6-6-122,2 1-471,-1 2-683,-3 1-919,-7 8 2689,-10 0 0,-25 6 0,-10-2 0</inkml:trace>
+</inkml:ink>
+</file>
+
+<file path=ppt/ink/ink5.xml><?xml version="1.0" encoding="utf-8"?>
+<inkml:ink xmlns:inkml="http://www.w3.org/2003/InkML">
+  <inkml:definitions>
+    <inkml:context xml:id="ctx0">
+      <inkml:inkSource xml:id="inkSrc0">
+        <inkml:traceFormat>
+          <inkml:channel name="X" type="integer" min="-2.14748E9" max="2.14748E9" units="cm"/>
+          <inkml:channel name="Y" type="integer" min="-2.14748E9" max="2.14748E9" units="cm"/>
+          <inkml:channel name="F" type="integer" max="32767" units="dev"/>
+        </inkml:traceFormat>
+        <inkml:channelProperties>
+          <inkml:channelProperty channel="X" name="resolution" value="1000" units="1/cm"/>
+          <inkml:channelProperty channel="Y" name="resolution" value="1000" units="1/cm"/>
+          <inkml:channelProperty channel="F" name="resolution" value="0" units="1/dev"/>
+        </inkml:channelProperties>
+      </inkml:inkSource>
+      <inkml:timestamp xml:id="ts0" timeString="2022-04-02T07:17:39.084"/>
+    </inkml:context>
+    <inkml:brush xml:id="br0">
+      <inkml:brushProperty name="width" value="0.08571" units="cm"/>
+      <inkml:brushProperty name="height" value="0.08571" units="cm"/>
+      <inkml:brushProperty name="color" value="#008C3A"/>
+    </inkml:brush>
+  </inkml:definitions>
+  <inkml:trace contextRef="#ctx0" brushRef="#br0">115 110 10518,'-9'0'2028,"1"0"-1905,8 0-100,0 0-68,-10 0 45,8 1 11,-9 6 23,11 0-12,2 5 12,7-5-12,8-2-22,9-3-78,3-2-57,0 0 135,-6-4-11,-6-5 11,-6-7 0,-8-7 168,-1-2 56,-2 2 45,-11 1-33,-4 9-158,-13 3-11,-5 6-55,0 3-12,-1 2-12,4 12-21,4 6 22,7 14 11,10 4 0,4 4 0,7 0-12,13-1-88,7-6-293,20-7-10,8-8 78,7-9 269,3-5 56,-3-5 45,-6-8 134,-8-8 381,-9-10 292,-10-9 268,-6-1-369,-8-2-225,-5 4-122,-4 7-113,-1 6-156,0 8-135,0 8-34,0 2-67,0 3 79,0 6 22,-3 12 11,-2 12-11,-3 11 0,1-1-11,1-5-45,4-8-11,1-8-1,1-6 46,0-7 0,0-3 10,0-3-10,11-8-90,8-10 11,19-14-23,5-10 46,5-1 33,-5 3 34,-7 11-79,-12 12-78,-8 9-11,-6 7 67,-5 4 56,0 13 45,-2 8 11,-1 14 0,-1 3 0,-1-2-11,0-4-157,2-6-146,4-9 0,5-8-436,9-6-584,6-4-1747,4-2 3081,0-8 0,-13 7 0,-5-7 0</inkml:trace>
+</inkml:ink>
+</file>
+
+<file path=ppt/ink/ink50.xml><?xml version="1.0" encoding="utf-8"?>
+<inkml:ink xmlns:inkml="http://www.w3.org/2003/InkML">
+  <inkml:definitions>
+    <inkml:context xml:id="ctx0">
+      <inkml:inkSource xml:id="inkSrc0">
+        <inkml:traceFormat>
+          <inkml:channel name="X" type="integer" min="-2.14748E9" max="2.14748E9" units="cm"/>
+          <inkml:channel name="Y" type="integer" min="-2.14748E9" max="2.14748E9" units="cm"/>
+          <inkml:channel name="F" type="integer" max="32767" units="dev"/>
+        </inkml:traceFormat>
+        <inkml:channelProperties>
+          <inkml:channelProperty channel="X" name="resolution" value="1000" units="1/cm"/>
+          <inkml:channelProperty channel="Y" name="resolution" value="1000" units="1/cm"/>
+          <inkml:channelProperty channel="F" name="resolution" value="0" units="1/dev"/>
+        </inkml:channelProperties>
+      </inkml:inkSource>
+      <inkml:timestamp xml:id="ts0" timeString="2022-04-02T07:18:18.962"/>
+    </inkml:context>
+    <inkml:brush xml:id="br0">
+      <inkml:brushProperty name="width" value="0.08571" units="cm"/>
+      <inkml:brushProperty name="height" value="0.08571" units="cm"/>
+      <inkml:brushProperty name="color" value="#E71224"/>
+    </inkml:brush>
+  </inkml:definitions>
+  <inkml:trace contextRef="#ctx0" brushRef="#br0">56 45 10159,'-2'-8'3620,"0"2"-2691,2 6 147,0 0-975,-14-14-101,10 11-22,-12-11-79,16 16 90,-2 13 11,-1 12 33,1 22-22,-2 8 1,2 12-12,-1-2-392,2 3-1054,0-7-313,1-10-706,0-7-1546,0-17 4011,0-12 0,0-9 0,0-8 0</inkml:trace>
+</inkml:ink>
+</file>
+
+<file path=ppt/ink/ink51.xml><?xml version="1.0" encoding="utf-8"?>
+<inkml:ink xmlns:inkml="http://www.w3.org/2003/InkML">
+  <inkml:definitions>
+    <inkml:context xml:id="ctx0">
+      <inkml:inkSource xml:id="inkSrc0">
+        <inkml:traceFormat>
+          <inkml:channel name="X" type="integer" min="-2.14748E9" max="2.14748E9" units="cm"/>
+          <inkml:channel name="Y" type="integer" min="-2.14748E9" max="2.14748E9" units="cm"/>
+          <inkml:channel name="F" type="integer" max="32767" units="dev"/>
+        </inkml:traceFormat>
+        <inkml:channelProperties>
+          <inkml:channelProperty channel="X" name="resolution" value="1000" units="1/cm"/>
+          <inkml:channelProperty channel="Y" name="resolution" value="1000" units="1/cm"/>
+          <inkml:channelProperty channel="F" name="resolution" value="0" units="1/dev"/>
+        </inkml:channelProperties>
+      </inkml:inkSource>
+      <inkml:timestamp xml:id="ts0" timeString="2022-04-02T07:18:19.221"/>
+    </inkml:context>
+    <inkml:brush xml:id="br0">
+      <inkml:brushProperty name="width" value="0.08571" units="cm"/>
+      <inkml:brushProperty name="height" value="0.08571" units="cm"/>
+      <inkml:brushProperty name="color" value="#E71224"/>
+    </inkml:brush>
+  </inkml:definitions>
+  <inkml:trace contextRef="#ctx0" brushRef="#br0">0 89 14339,'80'-26'190,"0"3"-168,-4 9-22,1 3-694,-6 3-583,-9 3-695,-13 4-438,-14 1 2410,-12 12 0,-14-9 0,-4 9 0</inkml:trace>
+</inkml:ink>
+</file>
+
+<file path=ppt/ink/ink52.xml><?xml version="1.0" encoding="utf-8"?>
+<inkml:ink xmlns:inkml="http://www.w3.org/2003/InkML">
+  <inkml:definitions>
+    <inkml:context xml:id="ctx0">
+      <inkml:inkSource xml:id="inkSrc0">
+        <inkml:traceFormat>
+          <inkml:channel name="X" type="integer" min="-2.14748E9" max="2.14748E9" units="cm"/>
+          <inkml:channel name="Y" type="integer" min="-2.14748E9" max="2.14748E9" units="cm"/>
+          <inkml:channel name="F" type="integer" max="32767" units="dev"/>
+        </inkml:traceFormat>
+        <inkml:channelProperties>
+          <inkml:channelProperty channel="X" name="resolution" value="1000" units="1/cm"/>
+          <inkml:channelProperty channel="Y" name="resolution" value="1000" units="1/cm"/>
+          <inkml:channelProperty channel="F" name="resolution" value="0" units="1/dev"/>
+        </inkml:channelProperties>
+      </inkml:inkSource>
+      <inkml:timestamp xml:id="ts0" timeString="2022-04-02T07:18:19.451"/>
+    </inkml:context>
+    <inkml:brush xml:id="br0">
+      <inkml:brushProperty name="width" value="0.08571" units="cm"/>
+      <inkml:brushProperty name="height" value="0.08571" units="cm"/>
+      <inkml:brushProperty name="color" value="#E71224"/>
+    </inkml:brush>
+  </inkml:definitions>
+  <inkml:trace contextRef="#ctx0" brushRef="#br0">0 120 14350,'67'-13'269,"5"-3"-269,7-6-168,2 1-683,-10 3-449,-10 6-729,-14 3-559,-12 6 2588,-10 0 0,-13 2 0,-5 0 0</inkml:trace>
+</inkml:ink>
+</file>
+
+<file path=ppt/ink/ink53.xml><?xml version="1.0" encoding="utf-8"?>
+<inkml:ink xmlns:inkml="http://www.w3.org/2003/InkML">
+  <inkml:definitions>
+    <inkml:context xml:id="ctx0">
+      <inkml:inkSource xml:id="inkSrc0">
+        <inkml:traceFormat>
+          <inkml:channel name="X" type="integer" min="-2.14748E9" max="2.14748E9" units="cm"/>
+          <inkml:channel name="Y" type="integer" min="-2.14748E9" max="2.14748E9" units="cm"/>
+          <inkml:channel name="F" type="integer" max="32767" units="dev"/>
+        </inkml:traceFormat>
+        <inkml:channelProperties>
+          <inkml:channelProperty channel="X" name="resolution" value="1000" units="1/cm"/>
+          <inkml:channelProperty channel="Y" name="resolution" value="1000" units="1/cm"/>
+          <inkml:channelProperty channel="F" name="resolution" value="0" units="1/dev"/>
+        </inkml:channelProperties>
+      </inkml:inkSource>
+      <inkml:timestamp xml:id="ts0" timeString="2022-04-02T07:18:19.740"/>
+    </inkml:context>
+    <inkml:brush xml:id="br0">
+      <inkml:brushProperty name="width" value="0.08571" units="cm"/>
+      <inkml:brushProperty name="height" value="0.08571" units="cm"/>
+      <inkml:brushProperty name="color" value="#E71224"/>
+    </inkml:brush>
+  </inkml:definitions>
+  <inkml:trace contextRef="#ctx0" brushRef="#br0">20 0 15392,'-11'33'11,"2"8"12,9 16-12,0 8 0,0 0-11,0-2-168,0-7-1445,0-8-438,0-9-515,0-10 2566,0-10 0,0-9 0,0-7 0</inkml:trace>
+</inkml:ink>
+</file>
+
+<file path=ppt/ink/ink54.xml><?xml version="1.0" encoding="utf-8"?>
+<inkml:ink xmlns:inkml="http://www.w3.org/2003/InkML">
+  <inkml:definitions>
+    <inkml:context xml:id="ctx0">
+      <inkml:inkSource xml:id="inkSrc0">
+        <inkml:traceFormat>
+          <inkml:channel name="X" type="integer" min="-2.14748E9" max="2.14748E9" units="cm"/>
+          <inkml:channel name="Y" type="integer" min="-2.14748E9" max="2.14748E9" units="cm"/>
+          <inkml:channel name="F" type="integer" max="32767" units="dev"/>
+        </inkml:traceFormat>
+        <inkml:channelProperties>
+          <inkml:channelProperty channel="X" name="resolution" value="1000" units="1/cm"/>
+          <inkml:channelProperty channel="Y" name="resolution" value="1000" units="1/cm"/>
+          <inkml:channelProperty channel="F" name="resolution" value="0" units="1/dev"/>
+        </inkml:channelProperties>
+      </inkml:inkSource>
+      <inkml:timestamp xml:id="ts0" timeString="2022-04-02T07:18:19.951"/>
+    </inkml:context>
+    <inkml:brush xml:id="br0">
+      <inkml:brushProperty name="width" value="0.08571" units="cm"/>
+      <inkml:brushProperty name="height" value="0.08571" units="cm"/>
+      <inkml:brushProperty name="color" value="#E71224"/>
+    </inkml:brush>
+  </inkml:definitions>
+  <inkml:trace contextRef="#ctx0" brushRef="#br0">1 65 12132,'78'-12'134,"-5"2"-930,-15 0-862,-5 2-874,-8-1 2532,-8 1 0,-20 4 0,-5 1 0</inkml:trace>
+</inkml:ink>
+</file>
+
+<file path=ppt/ink/ink55.xml><?xml version="1.0" encoding="utf-8"?>
+<inkml:ink xmlns:inkml="http://www.w3.org/2003/InkML">
+  <inkml:definitions>
+    <inkml:context xml:id="ctx0">
+      <inkml:inkSource xml:id="inkSrc0">
+        <inkml:traceFormat>
+          <inkml:channel name="X" type="integer" min="-2.14748E9" max="2.14748E9" units="cm"/>
+          <inkml:channel name="Y" type="integer" min="-2.14748E9" max="2.14748E9" units="cm"/>
+          <inkml:channel name="F" type="integer" max="32767" units="dev"/>
+        </inkml:traceFormat>
+        <inkml:channelProperties>
+          <inkml:channelProperty channel="X" name="resolution" value="1000" units="1/cm"/>
+          <inkml:channelProperty channel="Y" name="resolution" value="1000" units="1/cm"/>
+          <inkml:channelProperty channel="F" name="resolution" value="0" units="1/dev"/>
+        </inkml:channelProperties>
+      </inkml:inkSource>
+      <inkml:timestamp xml:id="ts0" timeString="2022-04-02T07:18:20.695"/>
+    </inkml:context>
+    <inkml:brush xml:id="br0">
+      <inkml:brushProperty name="width" value="0.08571" units="cm"/>
+      <inkml:brushProperty name="height" value="0.08571" units="cm"/>
+      <inkml:brushProperty name="color" value="#E71224"/>
+    </inkml:brush>
+  </inkml:definitions>
+  <inkml:trace contextRef="#ctx0" brushRef="#br0">52 154 10103,'-2'74'348,"7"-17"-214,23-50-89,4-6 34,-1-1-23,-3-7-12,-5-7-21,-7-9 33,-6-4 190,-5-2 169,-4 3 246,-1-2-79,-4 2-33,-6 2-122,-5 0-114,-5 8-190,2 6-123,-3 6 0,0 4-56,-6 10 23,-1 11 21,2 17 1,4 11 11,11 6 0,5 0 0,6-4 11,10-10 1,12-9-12,17-11-179,17-11-213,8-6 235,6-7 111,-2-9 35,-8-8 11,-8-11 34,-16-4 56,-8-5 291,-13-2-180,-7-2 158,-6-1-68,-2 4-78,0 5-123,-1 6-45,-2 11-45,-5 4-56,-3 10-11,-3 2-1,-2 3-145,0 10-336,2 5 168,7 11 90,2 1-12,5-3 1,0-2 134,11-5-79,6-8 180,14-3 67,5-6 0,5-6 34,-4-6 33,-3-6 381,-9-2-56,-7 3 113,-10 5-237,-4 3-268,-4 6-201,0 1 201,0 13 11,0 8 0,0 16-11,0 6-235,0 2-449,0-3-380,0-5-258,9-6-684,5-11 2006,11-4 0,-10-9 0,-2-2 0</inkml:trace>
+</inkml:ink>
+</file>
+
+<file path=ppt/ink/ink56.xml><?xml version="1.0" encoding="utf-8"?>
+<inkml:ink xmlns:inkml="http://www.w3.org/2003/InkML">
+  <inkml:definitions>
+    <inkml:context xml:id="ctx0">
+      <inkml:inkSource xml:id="inkSrc0">
+        <inkml:traceFormat>
+          <inkml:channel name="X" type="integer" min="-2.14748E9" max="2.14748E9" units="cm"/>
+          <inkml:channel name="Y" type="integer" min="-2.14748E9" max="2.14748E9" units="cm"/>
+          <inkml:channel name="F" type="integer" max="32767" units="dev"/>
+        </inkml:traceFormat>
+        <inkml:channelProperties>
+          <inkml:channelProperty channel="X" name="resolution" value="1000" units="1/cm"/>
+          <inkml:channelProperty channel="Y" name="resolution" value="1000" units="1/cm"/>
+          <inkml:channelProperty channel="F" name="resolution" value="0" units="1/dev"/>
+        </inkml:channelProperties>
+      </inkml:inkSource>
+      <inkml:timestamp xml:id="ts0" timeString="2022-04-02T07:18:21.326"/>
+    </inkml:context>
+    <inkml:brush xml:id="br0">
+      <inkml:brushProperty name="width" value="0.08571" units="cm"/>
+      <inkml:brushProperty name="height" value="0.08571" units="cm"/>
+      <inkml:brushProperty name="color" value="#E71224"/>
+    </inkml:brush>
+  </inkml:definitions>
+  <inkml:trace contextRef="#ctx0" brushRef="#br0">223 423 10137,'0'-13'3418,"0"2"-2679,0 11 68,0 0-594,-45-44-146,22 33-67,-38-33-11,34 56-12,1 10 23,6 14-11,7 6 0,7 4-303,4-6-347,11-1-89,11-13 110,13-9 260,12-9 312,-1-7 68,-3-4 101,-8-9 224,-10-10 404,-8-9-46,-9-3-55,-3 3-203,-3 4-223,0 7-135,0 6-33,-1 7-34,-3 4-90,-2 3 45,-3 9-11,0 10-257,3 16-438,2 8-22,4 3-79,7-5-392,11-8 270,14-12 659,11-10 315,1-7 0,-1-4 80,-7-10 446,-10-7 325,-6-15 46,-10-7-180,-6-10 67,-2-7 270,-2-8-461,0-5-89,0-4-133,-3 0 99,-4 10-201,0 14-79,-3 18-123,5 16-67,1 9-89,2 6-79,0 3 134,2 19-22,0 18 34,0 30-314,0 16-480,0 11 132,0-1-258,8-4-234,1-14-68,10-13-223,1-18-158,4-14-1356,0-15 2981,0-9 0,-11-6 0,-3-3 0</inkml:trace>
+</inkml:ink>
+</file>
+
+<file path=ppt/ink/ink57.xml><?xml version="1.0" encoding="utf-8"?>
+<inkml:ink xmlns:inkml="http://www.w3.org/2003/InkML">
+  <inkml:definitions>
+    <inkml:context xml:id="ctx0">
+      <inkml:inkSource xml:id="inkSrc0">
+        <inkml:traceFormat>
+          <inkml:channel name="X" type="integer" min="-2.14748E9" max="2.14748E9" units="cm"/>
+          <inkml:channel name="Y" type="integer" min="-2.14748E9" max="2.14748E9" units="cm"/>
+          <inkml:channel name="F" type="integer" max="32767" units="dev"/>
+        </inkml:traceFormat>
+        <inkml:channelProperties>
+          <inkml:channelProperty channel="X" name="resolution" value="1000" units="1/cm"/>
+          <inkml:channelProperty channel="Y" name="resolution" value="1000" units="1/cm"/>
+          <inkml:channelProperty channel="F" name="resolution" value="0" units="1/dev"/>
+        </inkml:channelProperties>
+      </inkml:inkSource>
+      <inkml:timestamp xml:id="ts0" timeString="2022-04-02T07:18:21.570"/>
+    </inkml:context>
+    <inkml:brush xml:id="br0">
+      <inkml:brushProperty name="width" value="0.08571" units="cm"/>
+      <inkml:brushProperty name="height" value="0.08571" units="cm"/>
+      <inkml:brushProperty name="color" value="#E71224"/>
+    </inkml:brush>
+  </inkml:definitions>
+  <inkml:trace contextRef="#ctx0" brushRef="#br0">20 35 9778,'-11'0'852,"2"0"-773,9 0 1142,0 0-717,44 0-325,-3 0-134,44 0-45,-10-2-784,1-3-1704,0-2 2488,-10-3 0,-30 4 0,-11 2 0</inkml:trace>
+</inkml:ink>
+</file>
+
+<file path=ppt/ink/ink58.xml><?xml version="1.0" encoding="utf-8"?>
+<inkml:ink xmlns:inkml="http://www.w3.org/2003/InkML">
+  <inkml:definitions>
+    <inkml:context xml:id="ctx0">
+      <inkml:inkSource xml:id="inkSrc0">
+        <inkml:traceFormat>
+          <inkml:channel name="X" type="integer" min="-2.14748E9" max="2.14748E9" units="cm"/>
+          <inkml:channel name="Y" type="integer" min="-2.14748E9" max="2.14748E9" units="cm"/>
+          <inkml:channel name="F" type="integer" max="32767" units="dev"/>
+        </inkml:traceFormat>
+        <inkml:channelProperties>
+          <inkml:channelProperty channel="X" name="resolution" value="1000" units="1/cm"/>
+          <inkml:channelProperty channel="Y" name="resolution" value="1000" units="1/cm"/>
+          <inkml:channelProperty channel="F" name="resolution" value="0" units="1/dev"/>
+        </inkml:channelProperties>
+      </inkml:inkSource>
+      <inkml:timestamp xml:id="ts0" timeString="2022-04-02T07:18:22.830"/>
+    </inkml:context>
+    <inkml:brush xml:id="br0">
+      <inkml:brushProperty name="width" value="0.08571" units="cm"/>
+      <inkml:brushProperty name="height" value="0.08571" units="cm"/>
+      <inkml:brushProperty name="color" value="#E71224"/>
+    </inkml:brush>
+  </inkml:definitions>
+  <inkml:trace contextRef="#ctx0" brushRef="#br0">43 164 14809,'-20'-23'169,"4"5"-304,15 22 135,0 12 11,-2 14-11,3 13 0,-1 4-146,1 0-503,1-9 66,10-6 325,6-11 79,9-10-56,5-6 167,-1-3 68,-1-10 12,-4-10 223,-5-11 326,-9-11-2,-4 0 46,-6 2-201,-1 6-124,0 8-145,0 9-57,0 7-78,0 5-101,0 3-33,0 4 134,0 12 0,0 11-45,0 9-347,0 1 44,0-6 46,9-5-23,5-9 168,9-7 23,3-5 44,-1-4 68,-4-4 44,-3-9-22,-6-13 56,-4-11 11,-5-8 68,-2-2 111,-1-2 101,-2 5-156,-9 3-57,-5 10-134,-10 7 0,1 9-22,-5 7-1,3 4-44,-3 3 33,7 6-22,2 8-56,6 7-156,5 6 55,6-1 101,2-4 34,2-3 55,0-6 1,9-2 22,3-6 33,13-2 1,6-3 11,5-2-23,4-6 1,2-1 44,-3-8-56,-2 6-11,-5 2-112,-7 5 45,-4 3 33,-5 5 34,-2 11-22,-3 10 22,-4 9-11,-3 3 11,-2-2 0,-2-3 0,0-9-12,0-5 12,0-10 45,0-3 78,0-3 572,0-2-280,0-6-281,0-9-100,1-13 67,8-11 22,7-6-123,10-4 22,5 6-22,2 4 0,0 11-67,-5 13-11,-5 7 10,-4 6 12,-5 2-11,-3 12 0,-3 8 11,-4 13 34,-1 6-58,-3-1-9,0-4 33,0-4-135,0-9-133,1-4-57,4-7-157,2-5-515,7-2-482,1-3-987,3 0 2522,-4-10 0,-6 7 0,-5-7 0</inkml:trace>
+</inkml:ink>
+</file>
+
+<file path=ppt/ink/ink59.xml><?xml version="1.0" encoding="utf-8"?>
+<inkml:ink xmlns:inkml="http://www.w3.org/2003/InkML">
+  <inkml:definitions>
+    <inkml:context xml:id="ctx0">
+      <inkml:inkSource xml:id="inkSrc0">
+        <inkml:traceFormat>
+          <inkml:channel name="X" type="integer" min="-2.14748E9" max="2.14748E9" units="cm"/>
+          <inkml:channel name="Y" type="integer" min="-2.14748E9" max="2.14748E9" units="cm"/>
+          <inkml:channel name="F" type="integer" max="32767" units="dev"/>
+        </inkml:traceFormat>
+        <inkml:channelProperties>
+          <inkml:channelProperty channel="X" name="resolution" value="1000" units="1/cm"/>
+          <inkml:channelProperty channel="Y" name="resolution" value="1000" units="1/cm"/>
+          <inkml:channelProperty channel="F" name="resolution" value="0" units="1/dev"/>
+        </inkml:channelProperties>
+      </inkml:inkSource>
+      <inkml:timestamp xml:id="ts0" timeString="2022-04-02T07:18:23.042"/>
+    </inkml:context>
+    <inkml:brush xml:id="br0">
+      <inkml:brushProperty name="width" value="0.08571" units="cm"/>
+      <inkml:brushProperty name="height" value="0.08571" units="cm"/>
+      <inkml:brushProperty name="color" value="#E71224"/>
+    </inkml:brush>
+  </inkml:definitions>
+  <inkml:trace contextRef="#ctx0" brushRef="#br0">15 21 15415,'-14'-12'-9681,"17"3"9681,18 12 0,-2-2 0,-2 2 0</inkml:trace>
+</inkml:ink>
+</file>
+
+<file path=ppt/ink/ink6.xml><?xml version="1.0" encoding="utf-8"?>
+<inkml:ink xmlns:inkml="http://www.w3.org/2003/InkML">
+  <inkml:definitions>
+    <inkml:context xml:id="ctx0">
+      <inkml:inkSource xml:id="inkSrc0">
+        <inkml:traceFormat>
+          <inkml:channel name="X" type="integer" min="-2.14748E9" max="2.14748E9" units="cm"/>
+          <inkml:channel name="Y" type="integer" min="-2.14748E9" max="2.14748E9" units="cm"/>
+          <inkml:channel name="F" type="integer" max="32767" units="dev"/>
+        </inkml:traceFormat>
+        <inkml:channelProperties>
+          <inkml:channelProperty channel="X" name="resolution" value="1000" units="1/cm"/>
+          <inkml:channelProperty channel="Y" name="resolution" value="1000" units="1/cm"/>
+          <inkml:channelProperty channel="F" name="resolution" value="0" units="1/dev"/>
+        </inkml:channelProperties>
+      </inkml:inkSource>
+      <inkml:timestamp xml:id="ts0" timeString="2022-04-02T07:17:39.778"/>
+    </inkml:context>
+    <inkml:brush xml:id="br0">
+      <inkml:brushProperty name="width" value="0.08571" units="cm"/>
+      <inkml:brushProperty name="height" value="0.08571" units="cm"/>
+      <inkml:brushProperty name="color" value="#008C3A"/>
+    </inkml:brush>
+  </inkml:definitions>
+  <inkml:trace contextRef="#ctx0" brushRef="#br0">0 20 11616,'4'-7'516,"-1"1"-460,-3 6-5435,0 0 5379,1-3 0,0 2 0,0-2 0</inkml:trace>
+</inkml:ink>
+</file>
+
+<file path=ppt/ink/ink60.xml><?xml version="1.0" encoding="utf-8"?>
+<inkml:ink xmlns:inkml="http://www.w3.org/2003/InkML">
+  <inkml:definitions>
+    <inkml:context xml:id="ctx0">
+      <inkml:inkSource xml:id="inkSrc0">
+        <inkml:traceFormat>
+          <inkml:channel name="X" type="integer" min="-2.14748E9" max="2.14748E9" units="cm"/>
+          <inkml:channel name="Y" type="integer" min="-2.14748E9" max="2.14748E9" units="cm"/>
+          <inkml:channel name="F" type="integer" max="32767" units="dev"/>
+        </inkml:traceFormat>
+        <inkml:channelProperties>
+          <inkml:channelProperty channel="X" name="resolution" value="1000" units="1/cm"/>
+          <inkml:channelProperty channel="Y" name="resolution" value="1000" units="1/cm"/>
+          <inkml:channelProperty channel="F" name="resolution" value="0" units="1/dev"/>
+        </inkml:channelProperties>
+      </inkml:inkSource>
+      <inkml:timestamp xml:id="ts0" timeString="2022-04-02T07:18:23.730"/>
+    </inkml:context>
+    <inkml:brush xml:id="br0">
+      <inkml:brushProperty name="width" value="0.08571" units="cm"/>
+      <inkml:brushProperty name="height" value="0.08571" units="cm"/>
+      <inkml:brushProperty name="color" value="#E71224"/>
+    </inkml:brush>
+  </inkml:definitions>
+  <inkml:trace contextRef="#ctx0" brushRef="#br0">37 102 10373,'-8'-5'3159,"3"0"-2375,5 5 247,0 0-739,-11-14-68,9 11-90,-8-11-33,10 14-90,0 0 56,4 0-67,10-1 0,10-4-280,12-2-414,3-2-628,3 2-505,-3 1-773,-2-1 2600,-3-2 0,-15 4 0,-6 0 0</inkml:trace>
+</inkml:ink>
+</file>
+
+<file path=ppt/ink/ink61.xml><?xml version="1.0" encoding="utf-8"?>
+<inkml:ink xmlns:inkml="http://www.w3.org/2003/InkML">
+  <inkml:definitions>
+    <inkml:context xml:id="ctx0">
+      <inkml:inkSource xml:id="inkSrc0">
+        <inkml:traceFormat>
+          <inkml:channel name="X" type="integer" min="-2.14748E9" max="2.14748E9" units="cm"/>
+          <inkml:channel name="Y" type="integer" min="-2.14748E9" max="2.14748E9" units="cm"/>
+          <inkml:channel name="F" type="integer" max="32767" units="dev"/>
+        </inkml:traceFormat>
+        <inkml:channelProperties>
+          <inkml:channelProperty channel="X" name="resolution" value="1000" units="1/cm"/>
+          <inkml:channelProperty channel="Y" name="resolution" value="1000" units="1/cm"/>
+          <inkml:channelProperty channel="F" name="resolution" value="0" units="1/dev"/>
+        </inkml:channelProperties>
+      </inkml:inkSource>
+      <inkml:timestamp xml:id="ts0" timeString="2022-04-02T07:18:24.421"/>
+    </inkml:context>
+    <inkml:brush xml:id="br0">
+      <inkml:brushProperty name="width" value="0.08571" units="cm"/>
+      <inkml:brushProperty name="height" value="0.08571" units="cm"/>
+      <inkml:brushProperty name="color" value="#E71224"/>
+    </inkml:brush>
+  </inkml:definitions>
+  <inkml:trace contextRef="#ctx0" brushRef="#br0">102 48 9453,'-11'0'3250,"2"0"-2398,9 0 447,0 0-862,-7-10-190,5 7-23,-5-7-67,7 10-101,0 0-12,1-4-44,8 2-22,5-4 22,10 2-45,2-1-22,1 3-67,-2 1-90,-4 1-79,-1 4 1,-5 8-57,-2 9 11,-4 9 225,-3 5 56,-4 2 56,-7-2-11,-10-3 22,-7-5 11,-8-6 0,4-3 0,1-6 0,7-3 12,5-3 66,5-4 292,5 0 1221,2-2-1590,8-4-12,5-1 0,9-2-23,4 0-55,4 4 44,2 1-111,4 2-180,2 2-168,3 12-202,-1 7 68,2 15 167,-4 3 1,-8 1 33,-9-1 213,-11-5 146,-6 0 56,-14-7 22,-14 0 101,-20-6 146,-15-2-34,-10-7 11,-2-6 34,4-3-90,9-3-89,14 0-34,10-4-56,14-6-460,10-8-2060,6-5 2520,15-3 0,-7 11 0,7 3 0</inkml:trace>
+</inkml:ink>
+</file>
+
+<file path=ppt/ink/ink62.xml><?xml version="1.0" encoding="utf-8"?>
+<inkml:ink xmlns:inkml="http://www.w3.org/2003/InkML">
+  <inkml:definitions>
+    <inkml:context xml:id="ctx0">
+      <inkml:inkSource xml:id="inkSrc0">
+        <inkml:traceFormat>
+          <inkml:channel name="X" type="integer" min="-2.14748E9" max="2.14748E9" units="cm"/>
+          <inkml:channel name="Y" type="integer" min="-2.14748E9" max="2.14748E9" units="cm"/>
+          <inkml:channel name="F" type="integer" max="32767" units="dev"/>
+        </inkml:traceFormat>
+        <inkml:channelProperties>
+          <inkml:channelProperty channel="X" name="resolution" value="1000" units="1/cm"/>
+          <inkml:channelProperty channel="Y" name="resolution" value="1000" units="1/cm"/>
+          <inkml:channelProperty channel="F" name="resolution" value="0" units="1/dev"/>
+        </inkml:channelProperties>
+      </inkml:inkSource>
+      <inkml:timestamp xml:id="ts0" timeString="2022-04-02T07:18:26.419"/>
+    </inkml:context>
+    <inkml:brush xml:id="br0">
+      <inkml:brushProperty name="width" value="0.08571" units="cm"/>
+      <inkml:brushProperty name="height" value="0.08571" units="cm"/>
+      <inkml:brushProperty name="color" value="#E71224"/>
+    </inkml:brush>
+  </inkml:definitions>
+  <inkml:trace contextRef="#ctx0" brushRef="#br0">17 100 9453,'0'-17'3675,"0"3"-2621,0 14 694,0 0-1625,0-30-123,0 22 0,-1-22-101,0 30 34,-2 7 67,3 11 45,-1 11-34,-1 10-11,0 4 0,0 0-179,1-2-672,0-6-438,0-2-448,0-8-549,1-4-1232,0-8 3518,0-6 0,0-4 0,0-3 0</inkml:trace>
+</inkml:ink>
+</file>
+
+<file path=ppt/ink/ink63.xml><?xml version="1.0" encoding="utf-8"?>
+<inkml:ink xmlns:inkml="http://www.w3.org/2003/InkML">
+  <inkml:definitions>
+    <inkml:context xml:id="ctx0">
+      <inkml:inkSource xml:id="inkSrc0">
+        <inkml:traceFormat>
+          <inkml:channel name="X" type="integer" min="-2.14748E9" max="2.14748E9" units="cm"/>
+          <inkml:channel name="Y" type="integer" min="-2.14748E9" max="2.14748E9" units="cm"/>
+          <inkml:channel name="F" type="integer" max="32767" units="dev"/>
+        </inkml:traceFormat>
+        <inkml:channelProperties>
+          <inkml:channelProperty channel="X" name="resolution" value="1000" units="1/cm"/>
+          <inkml:channelProperty channel="Y" name="resolution" value="1000" units="1/cm"/>
+          <inkml:channelProperty channel="F" name="resolution" value="0" units="1/dev"/>
+        </inkml:channelProperties>
+      </inkml:inkSource>
+      <inkml:timestamp xml:id="ts0" timeString="2022-04-02T07:18:26.666"/>
+    </inkml:context>
+    <inkml:brush xml:id="br0">
+      <inkml:brushProperty name="width" value="0.08571" units="cm"/>
+      <inkml:brushProperty name="height" value="0.08571" units="cm"/>
+      <inkml:brushProperty name="color" value="#E71224"/>
+    </inkml:brush>
+  </inkml:definitions>
+  <inkml:trace contextRef="#ctx0" brushRef="#br0">76 45 14462,'-45'-15'437,"14"3"-280,58 12-112,18 0 0,27-2-45,10-1-337,0-2-693,-8 1-293,-11 1-514,-13 3-1,-11 3 1838,-14 8 0,-12-5 0,-8 4 0</inkml:trace>
+</inkml:ink>
+</file>
+
+<file path=ppt/ink/ink64.xml><?xml version="1.0" encoding="utf-8"?>
+<inkml:ink xmlns:inkml="http://www.w3.org/2003/InkML">
+  <inkml:definitions>
+    <inkml:context xml:id="ctx0">
+      <inkml:inkSource xml:id="inkSrc0">
+        <inkml:traceFormat>
+          <inkml:channel name="X" type="integer" min="-2.14748E9" max="2.14748E9" units="cm"/>
+          <inkml:channel name="Y" type="integer" min="-2.14748E9" max="2.14748E9" units="cm"/>
+          <inkml:channel name="F" type="integer" max="32767" units="dev"/>
+        </inkml:traceFormat>
+        <inkml:channelProperties>
+          <inkml:channelProperty channel="X" name="resolution" value="1000" units="1/cm"/>
+          <inkml:channelProperty channel="Y" name="resolution" value="1000" units="1/cm"/>
+          <inkml:channelProperty channel="F" name="resolution" value="0" units="1/dev"/>
+        </inkml:channelProperties>
+      </inkml:inkSource>
+      <inkml:timestamp xml:id="ts0" timeString="2022-04-02T07:18:26.898"/>
+    </inkml:context>
+    <inkml:brush xml:id="br0">
+      <inkml:brushProperty name="width" value="0.08571" units="cm"/>
+      <inkml:brushProperty name="height" value="0.08571" units="cm"/>
+      <inkml:brushProperty name="color" value="#E71224"/>
+    </inkml:brush>
+  </inkml:definitions>
+  <inkml:trace contextRef="#ctx0" brushRef="#br0">0 133 14731,'85'-24'33,"-1"-1"-55,-12 6-415,-3-1-650,-8 6-279,-10 2-327,-9 5-973,-6 2 2666,-8 2 0,-13 1 0,-4 0 0</inkml:trace>
+</inkml:ink>
+</file>
+
+<file path=ppt/ink/ink65.xml><?xml version="1.0" encoding="utf-8"?>
+<inkml:ink xmlns:inkml="http://www.w3.org/2003/InkML">
+  <inkml:definitions>
+    <inkml:context xml:id="ctx0">
+      <inkml:inkSource xml:id="inkSrc0">
+        <inkml:traceFormat>
+          <inkml:channel name="X" type="integer" min="-2.14748E9" max="2.14748E9" units="cm"/>
+          <inkml:channel name="Y" type="integer" min="-2.14748E9" max="2.14748E9" units="cm"/>
+          <inkml:channel name="F" type="integer" max="32767" units="dev"/>
+        </inkml:traceFormat>
+        <inkml:channelProperties>
+          <inkml:channelProperty channel="X" name="resolution" value="1000" units="1/cm"/>
+          <inkml:channelProperty channel="Y" name="resolution" value="1000" units="1/cm"/>
+          <inkml:channelProperty channel="F" name="resolution" value="0" units="1/dev"/>
+        </inkml:channelProperties>
+      </inkml:inkSource>
+      <inkml:timestamp xml:id="ts0" timeString="2022-04-02T07:18:27.444"/>
+    </inkml:context>
+    <inkml:brush xml:id="br0">
+      <inkml:brushProperty name="width" value="0.08571" units="cm"/>
+      <inkml:brushProperty name="height" value="0.08571" units="cm"/>
+      <inkml:brushProperty name="color" value="#E71224"/>
+    </inkml:brush>
+  </inkml:definitions>
+  <inkml:trace contextRef="#ctx0" brushRef="#br0">1 68 10081,'0'-12'4190,"0"3"-3338,0 9-336,0 0-516,0-24-90,0 18 45,0-11 45,0 39 11,0 13 1,0 16 32,0 1-32,0 2-12,3-6-213,2-4-662,3-5-436,2-6-492,0-6-640,0-5 2443,-3-10 0,-3-4 0,-2-7 0</inkml:trace>
+</inkml:ink>
+</file>
+
+<file path=ppt/ink/ink66.xml><?xml version="1.0" encoding="utf-8"?>
+<inkml:ink xmlns:inkml="http://www.w3.org/2003/InkML">
+  <inkml:definitions>
+    <inkml:context xml:id="ctx0">
+      <inkml:inkSource xml:id="inkSrc0">
+        <inkml:traceFormat>
+          <inkml:channel name="X" type="integer" min="-2.14748E9" max="2.14748E9" units="cm"/>
+          <inkml:channel name="Y" type="integer" min="-2.14748E9" max="2.14748E9" units="cm"/>
+          <inkml:channel name="F" type="integer" max="32767" units="dev"/>
+        </inkml:traceFormat>
+        <inkml:channelProperties>
+          <inkml:channelProperty channel="X" name="resolution" value="1000" units="1/cm"/>
+          <inkml:channelProperty channel="Y" name="resolution" value="1000" units="1/cm"/>
+          <inkml:channelProperty channel="F" name="resolution" value="0" units="1/dev"/>
+        </inkml:channelProperties>
+      </inkml:inkSource>
+      <inkml:timestamp xml:id="ts0" timeString="2022-04-02T07:18:27.662"/>
+    </inkml:context>
+    <inkml:brush xml:id="br0">
+      <inkml:brushProperty name="width" value="0.08571" units="cm"/>
+      <inkml:brushProperty name="height" value="0.08571" units="cm"/>
+      <inkml:brushProperty name="color" value="#E71224"/>
+    </inkml:brush>
+  </inkml:definitions>
+  <inkml:trace contextRef="#ctx0" brushRef="#br0">20 41 10036,'-11'-4'2286,"3"1"-1905,8 3-124,0 0-100,23-10-90,10 6-11,28-9-56,3 11-840,-1-1-504,-7 3-438,-9-2-1489,-9 2 3271,-7 0 0,-16 0 0,-4 0 0</inkml:trace>
+</inkml:ink>
+</file>
+
+<file path=ppt/ink/ink67.xml><?xml version="1.0" encoding="utf-8"?>
+<inkml:ink xmlns:inkml="http://www.w3.org/2003/InkML">
+  <inkml:definitions>
+    <inkml:context xml:id="ctx0">
+      <inkml:inkSource xml:id="inkSrc0">
+        <inkml:traceFormat>
+          <inkml:channel name="X" type="integer" min="-2.14748E9" max="2.14748E9" units="cm"/>
+          <inkml:channel name="Y" type="integer" min="-2.14748E9" max="2.14748E9" units="cm"/>
+          <inkml:channel name="F" type="integer" max="32767" units="dev"/>
+        </inkml:traceFormat>
+        <inkml:channelProperties>
+          <inkml:channelProperty channel="X" name="resolution" value="1000" units="1/cm"/>
+          <inkml:channelProperty channel="Y" name="resolution" value="1000" units="1/cm"/>
+          <inkml:channelProperty channel="F" name="resolution" value="0" units="1/dev"/>
+        </inkml:channelProperties>
+      </inkml:inkSource>
+      <inkml:timestamp xml:id="ts0" timeString="2022-04-02T07:18:28.387"/>
+    </inkml:context>
+    <inkml:brush xml:id="br0">
+      <inkml:brushProperty name="width" value="0.08571" units="cm"/>
+      <inkml:brushProperty name="height" value="0.08571" units="cm"/>
+      <inkml:brushProperty name="color" value="#E71224"/>
+    </inkml:brush>
+  </inkml:definitions>
+  <inkml:trace contextRef="#ctx0" brushRef="#br0">17 110 10697,'-14'27'303,"11"-5"-158,20-14-33,13-4-89,5-1 33,1-3-45,-7 0-11,-4-6 0,-9-6 11,-8-7 303,-3-5 347,-5 0-168,0-1-135,-3 4-167,-5 1-56,-4 8-90,-6 5-23,-2 4-44,0 3 22,-4 6-23,4 7 23,-1 12 0,6 6 0,5 6 0,6 0 12,2 4-1,12-1 22,10-6-10,17-4-23,9-9-112,6-7 56,2-8-12,-1-5 34,14-13 34,-25-4 46,6-15-1,-30-1 55,-6-4 136,-7 0 21,-4 0-100,-1 4 89,0 3-179,-6 8-67,-1 5-11,-6 8-67,-2 4 22,0 4 22,-1 8-22,0 5-235,5 9-56,3 5 157,7-5-35,1 2 158,9-8 11,7-3-23,13-8 79,8-2 11,3-3 34,1-6-45,-2-2 45,-4-5-23,-10 2 113,-8 1 22,-10 7-157,-4 0-135,-3 3 135,0 7-22,0 10 11,0 10-236,0 8-839,0 0-562,0-1-794,4-5 2442,10-7 0,-6-10 0,5-6 0</inkml:trace>
+</inkml:ink>
+</file>
+
+<file path=ppt/ink/ink68.xml><?xml version="1.0" encoding="utf-8"?>
+<inkml:ink xmlns:inkml="http://www.w3.org/2003/InkML">
+  <inkml:definitions>
+    <inkml:context xml:id="ctx0">
+      <inkml:inkSource xml:id="inkSrc0">
+        <inkml:traceFormat>
+          <inkml:channel name="X" type="integer" min="-2.14748E9" max="2.14748E9" units="cm"/>
+          <inkml:channel name="Y" type="integer" min="-2.14748E9" max="2.14748E9" units="cm"/>
+          <inkml:channel name="F" type="integer" max="32767" units="dev"/>
+        </inkml:traceFormat>
+        <inkml:channelProperties>
+          <inkml:channelProperty channel="X" name="resolution" value="1000" units="1/cm"/>
+          <inkml:channelProperty channel="Y" name="resolution" value="1000" units="1/cm"/>
+          <inkml:channelProperty channel="F" name="resolution" value="0" units="1/dev"/>
+        </inkml:channelProperties>
+      </inkml:inkSource>
+      <inkml:timestamp xml:id="ts0" timeString="2022-04-02T07:18:29.018"/>
+    </inkml:context>
+    <inkml:brush xml:id="br0">
+      <inkml:brushProperty name="width" value="0.08571" units="cm"/>
+      <inkml:brushProperty name="height" value="0.08571" units="cm"/>
+      <inkml:brushProperty name="color" value="#E71224"/>
+    </inkml:brush>
+  </inkml:definitions>
+  <inkml:trace contextRef="#ctx0" brushRef="#br0">236 412 13745,'-48'-19'28,"0"0"0,-33 1-28,56 35 34,6 14-34,10 0-11,4 1-68,5-5-279,2 0-293,12-6-189,10-6 325,11-6 425,4-6 90,-4-3 56,-7-8 179,-9-7 281,-9-8 55,-5-6-134,-4 3-111,-1 5-91,0 5-78,0 6-157,0 4 0,0 3-135,0 3 113,0 6-57,0 9-347,0 10-224,0 8 1,9-3-113,9-4-46,15-7 136,10-11 560,5-3 68,0-5 44,-7-3 56,-4-8 302,-13-7 595,-7-9 32,-10-7 46,-4-7-111,-3-8 121,-2-12-323,-5-6-69,-2-3-133,-6 3-158,2 12-122,1 16-158,4 15-78,0 15-78,5 6-46,-3 9 124,-1 19-11,-1 19 11,-1 25-33,4 6-281,2 3-123,3-7-179,10-8-270,6-11-312,14-9-270,4-11-269,2-8-1176,0-12 2913,-4-6 0,-15-4 0,-5-2 0</inkml:trace>
+</inkml:ink>
+</file>
+
+<file path=ppt/ink/ink69.xml><?xml version="1.0" encoding="utf-8"?>
+<inkml:ink xmlns:inkml="http://www.w3.org/2003/InkML">
+  <inkml:definitions>
+    <inkml:context xml:id="ctx0">
+      <inkml:inkSource xml:id="inkSrc0">
+        <inkml:traceFormat>
+          <inkml:channel name="X" type="integer" min="-2.14748E9" max="2.14748E9" units="cm"/>
+          <inkml:channel name="Y" type="integer" min="-2.14748E9" max="2.14748E9" units="cm"/>
+          <inkml:channel name="F" type="integer" max="32767" units="dev"/>
+        </inkml:traceFormat>
+        <inkml:channelProperties>
+          <inkml:channelProperty channel="X" name="resolution" value="1000" units="1/cm"/>
+          <inkml:channelProperty channel="Y" name="resolution" value="1000" units="1/cm"/>
+          <inkml:channelProperty channel="F" name="resolution" value="0" units="1/dev"/>
+        </inkml:channelProperties>
+      </inkml:inkSource>
+      <inkml:timestamp xml:id="ts0" timeString="2022-04-02T07:18:30.145"/>
+    </inkml:context>
+    <inkml:brush xml:id="br0">
+      <inkml:brushProperty name="width" value="0.08571" units="cm"/>
+      <inkml:brushProperty name="height" value="0.08571" units="cm"/>
+      <inkml:brushProperty name="color" value="#E71224"/>
+    </inkml:brush>
+  </inkml:definitions>
+  <inkml:trace contextRef="#ctx0" brushRef="#br0">1 106 11549,'6'8'583,"12"0"-326,29 5-78,9-4-89,5-2 33,0-5-11,1-1 90,-9-1 112,-6-1 201,-9-6 146,-12-2 57,-5-5-136,-12 2-67,-3 4-212,-6 1-124,0 5-268,0 1 78,-3 13-12,-4 5-78,1 15-146,0 4 1,5 0-56,1-2 134,5-7 44,10-6 124,9-9 0,5-6 0,1-5 23,-4-1 33,-1-6-11,-5-6 100,-3-8 146,-4-8-11,-4-1-77,-4 3-69,-4 3-56,-1 7-66,0 8-12,0 3-269,0 5 224,0 12-56,0 9-280,0 14 101,3 4-79,6-1-89,8-7 268,9-6 35,4-9-1,1-8-33,2-5 56,-6-3 67,-1-9 56,-8-7 11,-5-13 45,-5-7 11,-5-3 146,-1-5 89,-2-1-166,-2 1-24,-5 1-112,-8 10-23,-6 8 1,-6 13-34,2 6-68,-1 6-459,3 7 68,5 9-23,3 12-112,7 3 314,3 1 180,3-6 100,2-6 56,6-6 44,6-6 24,11-4 44,10-3 168,3-1 112,8-8-124,-3-1-122,2-8-68,-4 2-21,-3 2-57,-6 5-113,-4 5 80,-8 1 33,-3 2-11,-7 0-1,-3 6 12,-4 3 0,-1 5 23,0 0-23,0-4 0,0-5 0,0-2 1456,0-3-1377,6-7-57,7-7-22,9-10-11,10-4 0,2 2-79,-1 6 68,-4 6-57,-9 8 1,-5 3 22,-6 3-11,-5 1-23,-1 10 79,-3 7 22,0 11-22,0 2 22,0 0-11,0-4 0,0-3-11,1-7-202,5-4-246,5-6-202,6-4-751,3-1-672,5-2-1322,-5 0 3406,-4-11 0,-8 9 0,-5-9 0</inkml:trace>
+</inkml:ink>
+</file>
+
+<file path=ppt/ink/ink7.xml><?xml version="1.0" encoding="utf-8"?>
+<inkml:ink xmlns:inkml="http://www.w3.org/2003/InkML">
+  <inkml:definitions>
+    <inkml:context xml:id="ctx0">
+      <inkml:inkSource xml:id="inkSrc0">
+        <inkml:traceFormat>
+          <inkml:channel name="X" type="integer" min="-2.14748E9" max="2.14748E9" units="cm"/>
+          <inkml:channel name="Y" type="integer" min="-2.14748E9" max="2.14748E9" units="cm"/>
+          <inkml:channel name="F" type="integer" max="32767" units="dev"/>
+        </inkml:traceFormat>
+        <inkml:channelProperties>
+          <inkml:channelProperty channel="X" name="resolution" value="1000" units="1/cm"/>
+          <inkml:channelProperty channel="Y" name="resolution" value="1000" units="1/cm"/>
+          <inkml:channelProperty channel="F" name="resolution" value="0" units="1/dev"/>
+        </inkml:channelProperties>
+      </inkml:inkSource>
+      <inkml:timestamp xml:id="ts0" timeString="2022-04-02T07:17:40.853"/>
+    </inkml:context>
+    <inkml:brush xml:id="br0">
+      <inkml:brushProperty name="width" value="0.08571" units="cm"/>
+      <inkml:brushProperty name="height" value="0.08571" units="cm"/>
+      <inkml:brushProperty name="color" value="#008C3A"/>
+    </inkml:brush>
+  </inkml:definitions>
+  <inkml:trace contextRef="#ctx0" brushRef="#br0">364 344 8781,'0'-4'2723,"0"1"-863,0 3-1434,-28-35 89,10 22-168,-28-26-168,14 32-55,-5 3-56,-1 2-68,1 0-45,2 5 22,4 12 23,3 8-11,10 13 0,7 3-102,6 2-424,14-5-146,12-5 290,16-14 146,15-8 91,5-7 144,-1-13 12,-7-5 12,-13-15-12,-10-4 78,-14-9 392,-7-4 13,-5-8-103,0-1 113,-1-1-111,-5 10-80,-1 9-89,-5 14-67,4 13-146,1 5-101,4 7 45,-1 7 56,0 14 11,-2 14 0,2 16-11,1 7 0,3-1-101,13-3-594,6-3-447,19-8-46,5-4-672,6-8-314,2-9 2174,1-7 0,-23-8 0,-5-4 0</inkml:trace>
+</inkml:ink>
+</file>
+
+<file path=ppt/ink/ink70.xml><?xml version="1.0" encoding="utf-8"?>
+<inkml:ink xmlns:inkml="http://www.w3.org/2003/InkML">
+  <inkml:definitions>
+    <inkml:context xml:id="ctx0">
+      <inkml:inkSource xml:id="inkSrc0">
+        <inkml:traceFormat>
+          <inkml:channel name="X" type="integer" min="-2.14748E9" max="2.14748E9" units="cm"/>
+          <inkml:channel name="Y" type="integer" min="-2.14748E9" max="2.14748E9" units="cm"/>
+          <inkml:channel name="F" type="integer" max="32767" units="dev"/>
+        </inkml:traceFormat>
+        <inkml:channelProperties>
+          <inkml:channelProperty channel="X" name="resolution" value="1000" units="1/cm"/>
+          <inkml:channelProperty channel="Y" name="resolution" value="1000" units="1/cm"/>
+          <inkml:channelProperty channel="F" name="resolution" value="0" units="1/dev"/>
+        </inkml:channelProperties>
+      </inkml:inkSource>
+      <inkml:timestamp xml:id="ts0" timeString="2022-04-02T07:18:30.338"/>
+    </inkml:context>
+    <inkml:brush xml:id="br0">
+      <inkml:brushProperty name="width" value="0.08571" units="cm"/>
+      <inkml:brushProperty name="height" value="0.08571" units="cm"/>
+      <inkml:brushProperty name="color" value="#E71224"/>
+    </inkml:brush>
+  </inkml:definitions>
+  <inkml:trace contextRef="#ctx0" brushRef="#br0">1 17 12927,'28'-9'-803,"-12"1"0,-5 8 0</inkml:trace>
+</inkml:ink>
+</file>
+
+<file path=ppt/ink/ink71.xml><?xml version="1.0" encoding="utf-8"?>
+<inkml:ink xmlns:inkml="http://www.w3.org/2003/InkML">
+  <inkml:definitions>
+    <inkml:context xml:id="ctx0">
+      <inkml:inkSource xml:id="inkSrc0">
+        <inkml:traceFormat>
+          <inkml:channel name="X" type="integer" min="-2.14748E9" max="2.14748E9" units="cm"/>
+          <inkml:channel name="Y" type="integer" min="-2.14748E9" max="2.14748E9" units="cm"/>
+          <inkml:channel name="F" type="integer" max="32767" units="dev"/>
+        </inkml:traceFormat>
+        <inkml:channelProperties>
+          <inkml:channelProperty channel="X" name="resolution" value="1000" units="1/cm"/>
+          <inkml:channelProperty channel="Y" name="resolution" value="1000" units="1/cm"/>
+          <inkml:channelProperty channel="F" name="resolution" value="0" units="1/dev"/>
+        </inkml:channelProperties>
+      </inkml:inkSource>
+      <inkml:timestamp xml:id="ts0" timeString="2022-04-02T07:18:30.961"/>
+    </inkml:context>
+    <inkml:brush xml:id="br0">
+      <inkml:brushProperty name="width" value="0.08571" units="cm"/>
+      <inkml:brushProperty name="height" value="0.08571" units="cm"/>
+      <inkml:brushProperty name="color" value="#E71224"/>
+    </inkml:brush>
+  </inkml:definitions>
+  <inkml:trace contextRef="#ctx0" brushRef="#br0">1 21 15202,'0'-12'739,"0"3"-605,0 9-100,13 0-23,9 0-11,19 0-168,7 0-919,3 0-1008,-2 0-1300,-3 0 3395,-5 0 0,-18 0 0,-7 0 0</inkml:trace>
+</inkml:ink>
+</file>
+
+<file path=ppt/ink/ink72.xml><?xml version="1.0" encoding="utf-8"?>
+<inkml:ink xmlns:inkml="http://www.w3.org/2003/InkML">
+  <inkml:definitions>
+    <inkml:context xml:id="ctx0">
+      <inkml:inkSource xml:id="inkSrc0">
+        <inkml:traceFormat>
+          <inkml:channel name="X" type="integer" min="-2.14748E9" max="2.14748E9" units="cm"/>
+          <inkml:channel name="Y" type="integer" min="-2.14748E9" max="2.14748E9" units="cm"/>
+          <inkml:channel name="F" type="integer" max="32767" units="dev"/>
+        </inkml:traceFormat>
+        <inkml:channelProperties>
+          <inkml:channelProperty channel="X" name="resolution" value="1000" units="1/cm"/>
+          <inkml:channelProperty channel="Y" name="resolution" value="1000" units="1/cm"/>
+          <inkml:channelProperty channel="F" name="resolution" value="0" units="1/dev"/>
+        </inkml:channelProperties>
+      </inkml:inkSource>
+      <inkml:timestamp xml:id="ts0" timeString="2022-04-02T07:18:31.396"/>
+    </inkml:context>
+    <inkml:brush xml:id="br0">
+      <inkml:brushProperty name="width" value="0.08571" units="cm"/>
+      <inkml:brushProperty name="height" value="0.08571" units="cm"/>
+      <inkml:brushProperty name="color" value="#E71224"/>
+    </inkml:brush>
+  </inkml:definitions>
+  <inkml:trace contextRef="#ctx0" brushRef="#br0">12 31 11190,'-2'-17'2466,"1"4"-2343,1 13-134,0 0 11,-2 6 22,2 9 34,-1 11-34,1 11 46,0 4-46,0 4 12,0-3 55,0-2-78,0-6 90,0-6-11,0-5 178,-2-8 24,2-5 190,-2-6 11,1-3 1400,1-1-1904,19-6 11,7 0-56,25-4-134,2 1-225,4 4-257,-1 2-280,1 1-695,-6 2-472,-1 0-625,-9 0 2744,-7 0 0,-17 0 0,-7 0 0</inkml:trace>
+</inkml:ink>
+</file>
+
+<file path=ppt/ink/ink73.xml><?xml version="1.0" encoding="utf-8"?>
+<inkml:ink xmlns:inkml="http://www.w3.org/2003/InkML">
+  <inkml:definitions>
+    <inkml:context xml:id="ctx0">
+      <inkml:inkSource xml:id="inkSrc0">
+        <inkml:traceFormat>
+          <inkml:channel name="X" type="integer" min="-2.14748E9" max="2.14748E9" units="cm"/>
+          <inkml:channel name="Y" type="integer" min="-2.14748E9" max="2.14748E9" units="cm"/>
+          <inkml:channel name="F" type="integer" max="32767" units="dev"/>
+        </inkml:traceFormat>
+        <inkml:channelProperties>
+          <inkml:channelProperty channel="X" name="resolution" value="1000" units="1/cm"/>
+          <inkml:channelProperty channel="Y" name="resolution" value="1000" units="1/cm"/>
+          <inkml:channelProperty channel="F" name="resolution" value="0" units="1/dev"/>
+        </inkml:channelProperties>
+      </inkml:inkSource>
+      <inkml:timestamp xml:id="ts0" timeString="2022-04-02T07:18:31.670"/>
+    </inkml:context>
+    <inkml:brush xml:id="br0">
+      <inkml:brushProperty name="width" value="0.08571" units="cm"/>
+      <inkml:brushProperty name="height" value="0.08571" units="cm"/>
+      <inkml:brushProperty name="color" value="#E71224"/>
+    </inkml:brush>
+  </inkml:definitions>
+  <inkml:trace contextRef="#ctx0" brushRef="#br0">53 10 10417,'-9'-5'3048,"2"0"-2689,7 5-348,0 0-11,-12 14 22,6 9 34,-8 16-56,11 9 23,2 2-1,1-1 12,0 0-1,0-6-33,0-1-526,0-7-1121,0-3-1503,0-6 3150,0-8 0,0-7 0,0-7 0</inkml:trace>
+</inkml:ink>
+</file>
+
+<file path=ppt/ink/ink74.xml><?xml version="1.0" encoding="utf-8"?>
+<inkml:ink xmlns:inkml="http://www.w3.org/2003/InkML">
+  <inkml:definitions>
+    <inkml:context xml:id="ctx0">
+      <inkml:inkSource xml:id="inkSrc0">
+        <inkml:traceFormat>
+          <inkml:channel name="X" type="integer" min="-2.14748E9" max="2.14748E9" units="cm"/>
+          <inkml:channel name="Y" type="integer" min="-2.14748E9" max="2.14748E9" units="cm"/>
+          <inkml:channel name="F" type="integer" max="32767" units="dev"/>
+        </inkml:traceFormat>
+        <inkml:channelProperties>
+          <inkml:channelProperty channel="X" name="resolution" value="1000" units="1/cm"/>
+          <inkml:channelProperty channel="Y" name="resolution" value="1000" units="1/cm"/>
+          <inkml:channelProperty channel="F" name="resolution" value="0" units="1/dev"/>
+        </inkml:channelProperties>
+      </inkml:inkSource>
+      <inkml:timestamp xml:id="ts0" timeString="2022-04-02T07:18:36.295"/>
+    </inkml:context>
+    <inkml:brush xml:id="br0">
+      <inkml:brushProperty name="width" value="0.08571" units="cm"/>
+      <inkml:brushProperty name="height" value="0.08571" units="cm"/>
+      <inkml:brushProperty name="color" value="#008C3A"/>
+    </inkml:brush>
+  </inkml:definitions>
+  <inkml:trace contextRef="#ctx0" brushRef="#br0">0 508 12714,'0'-23'661,"0"5"-582,0 18-146,0 0 67,0 9 0,0 7 33,5 16-33,3 9 12,7 7 21,5 8-33,1 2 0,4 2 34,1 4-34,3-4 22,4 2 1,1-2-23,4-1 0,1 0 0,2-4 33,2-1-22,4-8 23,4 0-34,8-7 11,9 0 12,12-3-422,12-2 410,-41-18 1,2 0-7,2-2 1,2 0-6,3 0 0,0 0 0,3-2 0,2-1 0,1-1 0,2 0 11,1-1 0,0-1-1442,2-2 1,0-2 1435,0 1 1,1-1-6,-1-1 0,0 0-242,0-1 1,-1 0 241,-1 0 0,0-1 0,-2 0 0,0 0 5,-2-1 1,-1 0-138,0 0 0,-2 0 132,-2 0 0,-2 0 0,0-2 0,-1-1 6,-3 0 0,0-3-6,-2-2 0,1-2 11,-2-1 0,1-1-11,-1-2 0,0-2 0,-1 0 0,-1 0 28,1-3 0,0-1-28,-3-1 0,-1-1 52,0-1 0,-2 0-63,42-28-1,-5 0-21,-2-7-12,-2-2 11,-2-4 45,-38 30 1,-2-2-35,31-34 46,-4-5-23,-9 2 22,-6-2 12,-6 0-23,-8 2 112,-4 2 2567,-6 6-2365,-5 5-101,-5 11 699,-2 5-755,-6 8-34,3 5-67,-4 5 563,0 5-518,0-2-34,-1 2 23,0-1 255,1-2-323,-3 0 79,1 0-56,-2-1-33,0 3-1,0 1-11,0 6-11,0 4 0,0 7-22,0 2-1827,0 2 426,0 9-1154,0 5 2577,-7 11 0,5-10 0,-6-3 0</inkml:trace>
+</inkml:ink>
+</file>
+
+<file path=ppt/ink/ink75.xml><?xml version="1.0" encoding="utf-8"?>
+<inkml:ink xmlns:inkml="http://www.w3.org/2003/InkML">
+  <inkml:definitions>
+    <inkml:context xml:id="ctx0">
+      <inkml:inkSource xml:id="inkSrc0">
+        <inkml:traceFormat>
+          <inkml:channel name="X" type="integer" min="-2.14748E9" max="2.14748E9" units="cm"/>
+          <inkml:channel name="Y" type="integer" min="-2.14748E9" max="2.14748E9" units="cm"/>
+          <inkml:channel name="F" type="integer" max="32767" units="dev"/>
+        </inkml:traceFormat>
+        <inkml:channelProperties>
+          <inkml:channelProperty channel="X" name="resolution" value="1000" units="1/cm"/>
+          <inkml:channelProperty channel="Y" name="resolution" value="1000" units="1/cm"/>
+          <inkml:channelProperty channel="F" name="resolution" value="0" units="1/dev"/>
+        </inkml:channelProperties>
+      </inkml:inkSource>
+      <inkml:timestamp xml:id="ts0" timeString="2022-04-02T07:18:37.080"/>
+    </inkml:context>
+    <inkml:brush xml:id="br0">
+      <inkml:brushProperty name="width" value="0.08571" units="cm"/>
+      <inkml:brushProperty name="height" value="0.08571" units="cm"/>
+      <inkml:brushProperty name="color" value="#008C3A"/>
+    </inkml:brush>
+  </inkml:definitions>
+  <inkml:trace contextRef="#ctx0" brushRef="#br0">17 521 9621,'-10'0'2331,"3"0"-1849,7 0 952,0 0-1333,9-3 11,6-6 34,10-5 10,8-6-55,-2-5 101,5-4-34,0-5 1,2-7 88,3-5-122,0-5 21,1-4-21,-2 2-1,-4 7 79,-8 8-101,-8 12-34,-9 10 12,-6 6-45,-4 7-45,-1 1-157,0 2 101,3 0 34,2 6 22,6 6 11,4 12-11,3 7-23,1 7 23,-2 1 12,0 2 10,-2 0-33,1-1 22,-1 0-11,1-3 0,2-1-11,1-4-90,3-3-157,2-3-257,0-7-426,0-4-1154,-3-5-1603,-2-3 3698,-6-4 0,-7-1 0,-3-2 0</inkml:trace>
+</inkml:ink>
+</file>
+
+<file path=ppt/ink/ink76.xml><?xml version="1.0" encoding="utf-8"?>
+<inkml:ink xmlns:inkml="http://www.w3.org/2003/InkML">
+  <inkml:definitions>
+    <inkml:context xml:id="ctx0">
+      <inkml:inkSource xml:id="inkSrc0">
+        <inkml:traceFormat>
+          <inkml:channel name="X" type="integer" min="-2.14748E9" max="2.14748E9" units="cm"/>
+          <inkml:channel name="Y" type="integer" min="-2.14748E9" max="2.14748E9" units="cm"/>
+          <inkml:channel name="F" type="integer" max="32767" units="dev"/>
+        </inkml:traceFormat>
+        <inkml:channelProperties>
+          <inkml:channelProperty channel="X" name="resolution" value="1000" units="1/cm"/>
+          <inkml:channelProperty channel="Y" name="resolution" value="1000" units="1/cm"/>
+          <inkml:channelProperty channel="F" name="resolution" value="0" units="1/dev"/>
+        </inkml:channelProperties>
+      </inkml:inkSource>
+      <inkml:timestamp xml:id="ts0" timeString="2022-04-02T07:18:38.204"/>
+    </inkml:context>
+    <inkml:brush xml:id="br0">
+      <inkml:brushProperty name="width" value="0.08571" units="cm"/>
+      <inkml:brushProperty name="height" value="0.08571" units="cm"/>
+      <inkml:brushProperty name="color" value="#008C3A"/>
+    </inkml:brush>
+  </inkml:definitions>
+  <inkml:trace contextRef="#ctx0" brushRef="#br0">17 698 8837,'-5'0'1681,"0"0"-673,5 0 79,-1 0-516,-1 0-77,0-2-147,1 0 79,1-1 78,0 0-56,0-4-313,0-2-46,0-7-77,0-9 55,0-11-45,0-12-22,0-13 56,0-12-33,0-11 10,1-4-10,7 8-23,1 13 0,3 21 0,-3 18 0,-5 15-12,-1 8-55,-3 3-190,0 2 212,7 0 0,8 26 56,3-4-22,5 27 11,-4-10 0,0 9 0,1 1 11,0 1-11,1-1 0,-1-9-78,1-6-169,-2-11-157,1-6-133,0-5-461,5-4-1119,4-4-1211,8-1 3328,3-3 0,-17 0 0,-4 0 0</inkml:trace>
+</inkml:ink>
+</file>
+
+<file path=ppt/ink/ink77.xml><?xml version="1.0" encoding="utf-8"?>
+<inkml:ink xmlns:inkml="http://www.w3.org/2003/InkML">
+  <inkml:definitions>
+    <inkml:context xml:id="ctx0">
+      <inkml:inkSource xml:id="inkSrc0">
+        <inkml:traceFormat>
+          <inkml:channel name="X" type="integer" min="-2.14748E9" max="2.14748E9" units="cm"/>
+          <inkml:channel name="Y" type="integer" min="-2.14748E9" max="2.14748E9" units="cm"/>
+          <inkml:channel name="F" type="integer" max="32767" units="dev"/>
+        </inkml:traceFormat>
+        <inkml:channelProperties>
+          <inkml:channelProperty channel="X" name="resolution" value="1000" units="1/cm"/>
+          <inkml:channelProperty channel="Y" name="resolution" value="1000" units="1/cm"/>
+          <inkml:channelProperty channel="F" name="resolution" value="0" units="1/dev"/>
+        </inkml:channelProperties>
+      </inkml:inkSource>
+      <inkml:timestamp xml:id="ts0" timeString="2022-04-02T07:18:39.262"/>
+    </inkml:context>
+    <inkml:brush xml:id="br0">
+      <inkml:brushProperty name="width" value="0.08571" units="cm"/>
+      <inkml:brushProperty name="height" value="0.08571" units="cm"/>
+      <inkml:brushProperty name="color" value="#008C3A"/>
+    </inkml:brush>
+  </inkml:definitions>
+  <inkml:trace contextRef="#ctx0" brushRef="#br0">20 276 9913,'-6'-7'2275,"2"1"-1984,4 6-336,0 0 45,-4 9 45,3 14-12,-4 17-10,5 15-12,0 5-11,0-2 34,0-3-34,0-9 44,3-10-44,1-11 12,1-11 21,-2-7 124,0-5 56,-1 0-68,1-8-77,-1-14 67,-1-15 78,-1-18-68,0-11-22,0-8 68,0-5-23,0 2 0,0 11-79,0 12 113,0 21-180,0 13-22,0 11-168,0 6-22,0 1 145,0 6 45,0 9-45,0 11-89,0 6 22,3 1 11,1-5 12,5-4-12,2-7 90,3-7 11,3-5 11,2-4 34,6-7-23,0-12-22,1-12 34,-2-14 33,-2-6 56,-1 1 123,-7 2 113,-2 11-124,-8 14-235,-1 11-34,-3 8-167,0 6 189,0 17 12,0 14 12,-2 19-12,0 8 0,0 1-124,1-1-514,1-4-315,3-5-1052,8-6-192,7-8 2197,10-6 0,-11-17 0,-2-5 0</inkml:trace>
+</inkml:ink>
+</file>
+
+<file path=ppt/ink/ink78.xml><?xml version="1.0" encoding="utf-8"?>
+<inkml:ink xmlns:inkml="http://www.w3.org/2003/InkML">
+  <inkml:definitions>
+    <inkml:context xml:id="ctx0">
+      <inkml:inkSource xml:id="inkSrc0">
+        <inkml:traceFormat>
+          <inkml:channel name="X" type="integer" min="-2.14748E9" max="2.14748E9" units="cm"/>
+          <inkml:channel name="Y" type="integer" min="-2.14748E9" max="2.14748E9" units="cm"/>
+          <inkml:channel name="F" type="integer" max="32767" units="dev"/>
+        </inkml:traceFormat>
+        <inkml:channelProperties>
+          <inkml:channelProperty channel="X" name="resolution" value="1000" units="1/cm"/>
+          <inkml:channelProperty channel="Y" name="resolution" value="1000" units="1/cm"/>
+          <inkml:channelProperty channel="F" name="resolution" value="0" units="1/dev"/>
+        </inkml:channelProperties>
+      </inkml:inkSource>
+      <inkml:timestamp xml:id="ts0" timeString="2022-04-02T07:18:39.914"/>
+    </inkml:context>
+    <inkml:brush xml:id="br0">
+      <inkml:brushProperty name="width" value="0.08571" units="cm"/>
+      <inkml:brushProperty name="height" value="0.08571" units="cm"/>
+      <inkml:brushProperty name="color" value="#008C3A"/>
+    </inkml:brush>
+  </inkml:definitions>
+  <inkml:trace contextRef="#ctx0" brushRef="#br0">279 395 13835,'-52'-31'26,"1"0"0,3-1 0,8 14-138,18 29 112,-2 5-56,5 14-22,6 3-68,5 4 135,7-2-135,4-1-101,9-4 34,8-7 180,12-6 66,1-10 46,2-4 55,-4-3-55,-2-12-1,-8-5 124,-3-14 246,-8-3-22,-4 3-124,-4 2 147,-2 9-281,0 8-146,0 4-22,0 6-347,0 0 314,0 10 21,0 6-201,0 8 0,3 6 79,6-4 22,6-4 33,10-6 23,6-7 23,4-4 10,4-3 23,0-6 0,-4-9 45,-2-10-23,-10-12 146,-7-7 269,-6-9 124,-7-10-68,-2-1-124,-1 0-89,0 10 1,0 15-169,-3 16-112,0 13-157,-2 7 34,-1 16 123,0 15 11,1 23-11,2 13 11,2 5-3403,1-5 3348,0-6-69,5-7-324,7-10-268,8-6-203,6-10-224,4-5-1075,3-8-1143,0-5 3350,-1-4 0,-14-3 0,-5 0 0</inkml:trace>
+</inkml:ink>
+</file>
+
+<file path=ppt/ink/ink79.xml><?xml version="1.0" encoding="utf-8"?>
+<inkml:ink xmlns:inkml="http://www.w3.org/2003/InkML">
+  <inkml:definitions>
+    <inkml:context xml:id="ctx0">
+      <inkml:inkSource xml:id="inkSrc0">
+        <inkml:traceFormat>
+          <inkml:channel name="X" type="integer" min="-2.14748E9" max="2.14748E9" units="cm"/>
+          <inkml:channel name="Y" type="integer" min="-2.14748E9" max="2.14748E9" units="cm"/>
+          <inkml:channel name="F" type="integer" max="32767" units="dev"/>
+        </inkml:traceFormat>
+        <inkml:channelProperties>
+          <inkml:channelProperty channel="X" name="resolution" value="1000" units="1/cm"/>
+          <inkml:channelProperty channel="Y" name="resolution" value="1000" units="1/cm"/>
+          <inkml:channelProperty channel="F" name="resolution" value="0" units="1/dev"/>
+        </inkml:channelProperties>
+      </inkml:inkSource>
+      <inkml:timestamp xml:id="ts0" timeString="2022-04-02T07:18:41.320"/>
+    </inkml:context>
+    <inkml:brush xml:id="br0">
+      <inkml:brushProperty name="width" value="0.08571" units="cm"/>
+      <inkml:brushProperty name="height" value="0.08571" units="cm"/>
+      <inkml:brushProperty name="color" value="#008C3A"/>
+    </inkml:brush>
+  </inkml:definitions>
+  <inkml:trace contextRef="#ctx0" brushRef="#br0">33 279 9823,'-18'-2'2118,"3"1"-1815,15 1 156,0 0-269,13-5-100,17 4 55,18-3-133,17 4 55,0 0-56,-1 0 11,-3 0-22,-10-2 23,-7 0-46,-14-1 46,-9-1-23,-13 1 146,-4 0 123,-2-2 22,-2 1-45,2-1-22,-2 3 427,0 1-562,-7 1-44,-6 9-22,-5 6-1,-3 15-22,6 6-56,2 3 56,8 3 34,2-4-34,3-1 22,7-10 0,6-7 34,14-10-56,6-5-44,6-4-136,4-5-44,-3-11 67,-1-10 45,-10-14 45,-3-5 44,-6-10 46,-5-6-23,-2-4 44,-5-2 1,-1 9 157,-4 10 157,-2 15-157,-1 13-102,0 9-100,0 7-44,-4 1-57,-3 4 22,-8 16 35,-1 11 21,-3 20 23,5 8 0,4 1 0,5-2 11,4-3-22,1-8-11,0-10 22,0-8 0,0-11 22,0-8 45,0-5 79,0-3 56,2 0-135,5-6-45,8-9 1,5-11-23,6-9-23,3 1 1,1 3 22,0 8-11,-6 6-135,-4 8 0,-6 4-55,-4 5-114,1 0 2,-2 2 212,1 10-11,-4 5-112,-1 10 101,-3 2 33,-1-3-33,1 1 45,1-5-169,4-3 56,2-2 46,6-7 33,0-3 11,6-4 34,0-3 67,4 0 0,1-7 0,-2-6 112,-3-9 100,-6-5 204,-4-3 166,-6 1-22,-2 2-67,-3 6-134,0 5-124,0 7-157,0 4-78,0 4-67,0 1 11,-4 0 0,-2 12 23,-4 6 10,5 13-33,1 3-213,4-2-44,0-3 21,4-2-22,7-7 57,9-5 223,8-9 34,3-3 11,2-3 34,-3-7 45,-4-9 111,-6-8 326,-7-7-34,-5 2-168,-5 3-11,-1 6-169,-2 8-134,0 4-11,0 6-168,0 1 168,-8 8 12,-1 6-12,-6 7 0,2 0 0,5-4 0,2-7-12,4-4 12,0-4-201,2-1-202,8-12-135,5-4 347,12-13-89,3 0 56,2 4 112,-5 8-34,-9 9-89,-3 5 101,-8 3 89,-2 8 23,0 4-23,-3 9-90,3 3-157,-1-2-290,3-2-147,-2-3-10,4-5-79,-2-3-695,0-6 1513,0-1 0,-4-2 0,1 0 0</inkml:trace>
+</inkml:ink>
+</file>
+
+<file path=ppt/ink/ink8.xml><?xml version="1.0" encoding="utf-8"?>
+<inkml:ink xmlns:inkml="http://www.w3.org/2003/InkML">
+  <inkml:definitions>
+    <inkml:context xml:id="ctx0">
+      <inkml:inkSource xml:id="inkSrc0">
+        <inkml:traceFormat>
+          <inkml:channel name="X" type="integer" min="-2.14748E9" max="2.14748E9" units="cm"/>
+          <inkml:channel name="Y" type="integer" min="-2.14748E9" max="2.14748E9" units="cm"/>
+          <inkml:channel name="F" type="integer" max="32767" units="dev"/>
+        </inkml:traceFormat>
+        <inkml:channelProperties>
+          <inkml:channelProperty channel="X" name="resolution" value="1000" units="1/cm"/>
+          <inkml:channelProperty channel="Y" name="resolution" value="1000" units="1/cm"/>
+          <inkml:channelProperty channel="F" name="resolution" value="0" units="1/dev"/>
+        </inkml:channelProperties>
+      </inkml:inkSource>
+      <inkml:timestamp xml:id="ts0" timeString="2022-04-02T07:17:41.454"/>
+    </inkml:context>
+    <inkml:brush xml:id="br0">
+      <inkml:brushProperty name="width" value="0.08571" units="cm"/>
+      <inkml:brushProperty name="height" value="0.08571" units="cm"/>
+      <inkml:brushProperty name="color" value="#008C3A"/>
+    </inkml:brush>
+  </inkml:definitions>
+  <inkml:trace contextRef="#ctx0" brushRef="#br0">265 449 14256,'-50'-34'5,"0"0"1,-36-13-4,59 64-2,3 11 1,8 8-1,7 2-11,6-1-190,6-4-358,12-3 155,11-11 135,13-5 213,6-9 22,-1-4 23,-6-1 11,-5-10 56,-12-4 146,-8-13 269,-7 0-90,-4-1-90,-2 3 22,0 8-178,0 3-135,-3 8-45,2 2-101,-3 3 46,2 2 88,0 12 1,1 6-168,1 11-235,0-1 55,11-5 79,8-7 78,16-9-67,5-3 146,1-5 123,-5-5 0,-5-6 67,-9-10 292,-8-10 190,-7-8-112,-4-10 179,-3-9 45,0-10-190,-5-2-102,-2 1-55,-4 11-123,-1 15-90,1 16-101,4 16-112,1 6-12,4 14 124,0 21 11,2 19-11,0 21 0,0 7-112,11-3-336,3-6-123,10-11-415,3-10-303,-1-12-280,1-10-750,0-9 2319,-4-8 0,-9-5 0,-7-3 0</inkml:trace>
+</inkml:ink>
+</file>
+
+<file path=ppt/ink/ink80.xml><?xml version="1.0" encoding="utf-8"?>
+<inkml:ink xmlns:inkml="http://www.w3.org/2003/InkML">
+  <inkml:definitions>
+    <inkml:context xml:id="ctx0">
+      <inkml:inkSource xml:id="inkSrc0">
+        <inkml:traceFormat>
+          <inkml:channel name="X" type="integer" min="-2.14748E9" max="2.14748E9" units="cm"/>
+          <inkml:channel name="Y" type="integer" min="-2.14748E9" max="2.14748E9" units="cm"/>
+          <inkml:channel name="F" type="integer" max="32767" units="dev"/>
+        </inkml:traceFormat>
+        <inkml:channelProperties>
+          <inkml:channelProperty channel="X" name="resolution" value="1000" units="1/cm"/>
+          <inkml:channelProperty channel="Y" name="resolution" value="1000" units="1/cm"/>
+          <inkml:channelProperty channel="F" name="resolution" value="0" units="1/dev"/>
+        </inkml:channelProperties>
+      </inkml:inkSource>
+      <inkml:timestamp xml:id="ts0" timeString="2022-04-02T07:18:41.543"/>
+    </inkml:context>
+    <inkml:brush xml:id="br0">
+      <inkml:brushProperty name="width" value="0.08571" units="cm"/>
+      <inkml:brushProperty name="height" value="0.08571" units="cm"/>
+      <inkml:brushProperty name="color" value="#008C3A"/>
+    </inkml:brush>
+  </inkml:definitions>
+  <inkml:trace contextRef="#ctx0" brushRef="#br0">12 16 13218,'-11'-13'-840,"13"10"-213,21 15-539,15 11-1086,5 2 2678,3 1 0,-20-11 0,-6-4 0</inkml:trace>
+</inkml:ink>
+</file>
+
+<file path=ppt/ink/ink81.xml><?xml version="1.0" encoding="utf-8"?>
+<inkml:ink xmlns:inkml="http://www.w3.org/2003/InkML">
+  <inkml:definitions>
+    <inkml:context xml:id="ctx0">
+      <inkml:inkSource xml:id="inkSrc0">
+        <inkml:traceFormat>
+          <inkml:channel name="X" type="integer" min="-2.14748E9" max="2.14748E9" units="cm"/>
+          <inkml:channel name="Y" type="integer" min="-2.14748E9" max="2.14748E9" units="cm"/>
+          <inkml:channel name="F" type="integer" max="32767" units="dev"/>
+        </inkml:traceFormat>
+        <inkml:channelProperties>
+          <inkml:channelProperty channel="X" name="resolution" value="1000" units="1/cm"/>
+          <inkml:channelProperty channel="Y" name="resolution" value="1000" units="1/cm"/>
+          <inkml:channelProperty channel="F" name="resolution" value="0" units="1/dev"/>
+        </inkml:channelProperties>
+      </inkml:inkSource>
+      <inkml:timestamp xml:id="ts0" timeString="2022-04-02T07:18:42.211"/>
+    </inkml:context>
+    <inkml:brush xml:id="br0">
+      <inkml:brushProperty name="width" value="0.08571" units="cm"/>
+      <inkml:brushProperty name="height" value="0.08571" units="cm"/>
+      <inkml:brushProperty name="color" value="#008C3A"/>
+    </inkml:brush>
+  </inkml:definitions>
+  <inkml:trace contextRef="#ctx0" brushRef="#br0">213 113 15191,'-11'-54'806,"-1"11"-705,-4 38-68,-2 3-21,2 1-24,-2 1-55,1 3 34,2 8 10,2 7-44,5 8-146,3 1-392,4 0-168,1-1 101,6-5-102,7-5 741,8-9 33,8-2 0,-3-5 101,-2-8 179,-5-6 180,-5-11 144,-4-6 237,-5-2-303,-2 4-180,-3 5-67,0 7-89,0 8-202,0 5-157,0 4 112,0 18 45,0 9 0,-3 24 11,1 6-11,-3 9 12,3-1-12,1 5 33,1-4-22,0-1-11,0-5 0,0-4-11,0-8 34,0-5-35,-2-8 12,-2-5 0,-5-8 0,-5-5 57,-6-6 10,-3-6 0,-6-4 45,2-10-56,-2-13 0,5-18-33,5-16 44,7-10-67,6-6-22,5 0-46,6 4-133,11 10-304,10 9-884,8 16-169,5 11-604,-1 14-774,2 5 2936,-3 3 0,-17 0 0,-4 0 0</inkml:trace>
+</inkml:ink>
+</file>
+
+<file path=ppt/ink/ink82.xml><?xml version="1.0" encoding="utf-8"?>
+<inkml:ink xmlns:inkml="http://www.w3.org/2003/InkML">
+  <inkml:definitions>
+    <inkml:context xml:id="ctx0">
+      <inkml:inkSource xml:id="inkSrc0">
+        <inkml:traceFormat>
+          <inkml:channel name="X" type="integer" min="-2.14748E9" max="2.14748E9" units="cm"/>
+          <inkml:channel name="Y" type="integer" min="-2.14748E9" max="2.14748E9" units="cm"/>
+          <inkml:channel name="F" type="integer" max="32767" units="dev"/>
+        </inkml:traceFormat>
+        <inkml:channelProperties>
+          <inkml:channelProperty channel="X" name="resolution" value="1000" units="1/cm"/>
+          <inkml:channelProperty channel="Y" name="resolution" value="1000" units="1/cm"/>
+          <inkml:channelProperty channel="F" name="resolution" value="0" units="1/dev"/>
+        </inkml:channelProperties>
+      </inkml:inkSource>
+      <inkml:timestamp xml:id="ts0" timeString="2022-04-02T07:18:42.518"/>
+    </inkml:context>
+    <inkml:brush xml:id="br0">
+      <inkml:brushProperty name="width" value="0.08571" units="cm"/>
+      <inkml:brushProperty name="height" value="0.08571" units="cm"/>
+      <inkml:brushProperty name="color" value="#008C3A"/>
+    </inkml:brush>
+  </inkml:definitions>
+  <inkml:trace contextRef="#ctx0" brushRef="#br0">3 11 10496,'6'0'2039,"-2"0"-1670,-4 0-335,50-11-23,-31 15-11,37-3 0,-43 22 0,-8 3 23,-1 3 44,-4-2-67,-4-3 0,-10-1-605,-8-5-1042,-9-3-874,-2-8 2521,4-2 0,12-5 0,7 0 0</inkml:trace>
+</inkml:ink>
+</file>
+
+<file path=ppt/ink/ink83.xml><?xml version="1.0" encoding="utf-8"?>
+<inkml:ink xmlns:inkml="http://www.w3.org/2003/InkML">
+  <inkml:definitions>
+    <inkml:context xml:id="ctx0">
+      <inkml:inkSource xml:id="inkSrc0">
+        <inkml:traceFormat>
+          <inkml:channel name="X" type="integer" min="-2.14748E9" max="2.14748E9" units="cm"/>
+          <inkml:channel name="Y" type="integer" min="-2.14748E9" max="2.14748E9" units="cm"/>
+          <inkml:channel name="F" type="integer" max="32767" units="dev"/>
+        </inkml:traceFormat>
+        <inkml:channelProperties>
+          <inkml:channelProperty channel="X" name="resolution" value="1000" units="1/cm"/>
+          <inkml:channelProperty channel="Y" name="resolution" value="1000" units="1/cm"/>
+          <inkml:channelProperty channel="F" name="resolution" value="0" units="1/dev"/>
+        </inkml:channelProperties>
+      </inkml:inkSource>
+      <inkml:timestamp xml:id="ts0" timeString="2022-04-02T07:18:42.757"/>
+    </inkml:context>
+    <inkml:brush xml:id="br0">
+      <inkml:brushProperty name="width" value="0.08571" units="cm"/>
+      <inkml:brushProperty name="height" value="0.08571" units="cm"/>
+      <inkml:brushProperty name="color" value="#008C3A"/>
+    </inkml:brush>
+  </inkml:definitions>
+  <inkml:trace contextRef="#ctx0" brushRef="#br0">0 35 11291,'0'-8'3350,"0"2"-3036,0 6 11,0 0-325,0-9-45,2 7-874,3-7-1703,2 9 2622,-2 0 0,-1 0 0,-4 0 0</inkml:trace>
+</inkml:ink>
+</file>
+
+<file path=ppt/ink/ink84.xml><?xml version="1.0" encoding="utf-8"?>
+<inkml:ink xmlns:inkml="http://www.w3.org/2003/InkML">
+  <inkml:definitions>
+    <inkml:context xml:id="ctx0">
+      <inkml:inkSource xml:id="inkSrc0">
+        <inkml:traceFormat>
+          <inkml:channel name="X" type="integer" min="-2.14748E9" max="2.14748E9" units="cm"/>
+          <inkml:channel name="Y" type="integer" min="-2.14748E9" max="2.14748E9" units="cm"/>
+          <inkml:channel name="F" type="integer" max="32767" units="dev"/>
+        </inkml:traceFormat>
+        <inkml:channelProperties>
+          <inkml:channelProperty channel="X" name="resolution" value="1000" units="1/cm"/>
+          <inkml:channelProperty channel="Y" name="resolution" value="1000" units="1/cm"/>
+          <inkml:channelProperty channel="F" name="resolution" value="0" units="1/dev"/>
+        </inkml:channelProperties>
+      </inkml:inkSource>
+      <inkml:timestamp xml:id="ts0" timeString="2022-04-02T07:18:43.695"/>
+    </inkml:context>
+    <inkml:brush xml:id="br0">
+      <inkml:brushProperty name="width" value="0.08571" units="cm"/>
+      <inkml:brushProperty name="height" value="0.08571" units="cm"/>
+      <inkml:brushProperty name="color" value="#008C3A"/>
+    </inkml:brush>
+  </inkml:definitions>
+  <inkml:trace contextRef="#ctx0" brushRef="#br0">1 446 10103,'5'0'2600,"0"0"795,-5 0-3059,1 0-67,2-2-112,4-6-56,4-3-56,7-10-3415,4-5 3392,7-8-10,1-5 21,1-7-10,0-3-12,-6-3 0,-3 3 0,-7 8-11,-6 8-11,-5 14 3369,-4 8-3414,0 8-33,0 1-34,-7 2 11,-5 5 0,-8 6-68,0 10 34,2 5-33,8 3-11,4-2-90,4-1 44,4 1-156,11-3 0,8 0-23,16-4 46,3-1-1,3-4-56,-4 0 90,-6-1 33,-5 1 225,-10 1 11,-8 1 67,-6 1 0,-4-2 56,-10 1-23,-8-4 12,-13-1 0,-5 0-45,2-5 0,4 0 0,6-5-325,7-1-639,9-1-907,4 0-1098,4-6 2969,2-8 0,-1 5 0,2-3 0</inkml:trace>
+</inkml:ink>
+</file>
+
+<file path=ppt/ink/ink85.xml><?xml version="1.0" encoding="utf-8"?>
+<inkml:ink xmlns:inkml="http://www.w3.org/2003/InkML">
+  <inkml:definitions>
+    <inkml:context xml:id="ctx0">
+      <inkml:inkSource xml:id="inkSrc0">
+        <inkml:traceFormat>
+          <inkml:channel name="X" type="integer" min="-2.14748E9" max="2.14748E9" units="cm"/>
+          <inkml:channel name="Y" type="integer" min="-2.14748E9" max="2.14748E9" units="cm"/>
+          <inkml:channel name="F" type="integer" max="32767" units="dev"/>
+        </inkml:traceFormat>
+        <inkml:channelProperties>
+          <inkml:channelProperty channel="X" name="resolution" value="1000" units="1/cm"/>
+          <inkml:channelProperty channel="Y" name="resolution" value="1000" units="1/cm"/>
+          <inkml:channelProperty channel="F" name="resolution" value="0" units="1/dev"/>
+        </inkml:channelProperties>
+      </inkml:inkSource>
+      <inkml:timestamp xml:id="ts0" timeString="2022-04-02T07:18:44.169"/>
+    </inkml:context>
+    <inkml:brush xml:id="br0">
+      <inkml:brushProperty name="width" value="0.08571" units="cm"/>
+      <inkml:brushProperty name="height" value="0.08571" units="cm"/>
+      <inkml:brushProperty name="color" value="#008C3A"/>
+    </inkml:brush>
+  </inkml:definitions>
+  <inkml:trace contextRef="#ctx0" brushRef="#br0">106 249 10047,'0'-9'2880,"0"1"-2544,0 8-224,0 0-11,-26 9-101,15 10 0,-18 11 45,24 6-22,4-2 21,1-5 1,11-4 90,8-9-68,13-6 34,7-7-34,-1-3-22,0-3 33,-5-7-56,-7-7 12,-5-9-12,-6-4 1,-5-6 55,-6-2 236,-2-4-22,-2-1-24,-2-1-133,-11 3-57,-5 3 34,-16 8-101,-1 8-11,-4 8 0,0 7-67,2 6-11,3 7-45,6 9 55,7 10-66,8 6 112,6 1 22,6-3 78,20-3 34,9-6-45,24-8-11,5-5 0,3-6-112,-4-1-650,-1 0-1255,-2 0-1591,-1 0 3552,-4-5 0,-20 4 0,-9-3 0</inkml:trace>
+</inkml:ink>
+</file>
+
+<file path=ppt/ink/ink86.xml><?xml version="1.0" encoding="utf-8"?>
+<inkml:ink xmlns:inkml="http://www.w3.org/2003/InkML">
+  <inkml:definitions>
+    <inkml:context xml:id="ctx0">
+      <inkml:inkSource xml:id="inkSrc0">
+        <inkml:traceFormat>
+          <inkml:channel name="X" type="integer" min="-2.14748E9" max="2.14748E9" units="cm"/>
+          <inkml:channel name="Y" type="integer" min="-2.14748E9" max="2.14748E9" units="cm"/>
+          <inkml:channel name="F" type="integer" max="32767" units="dev"/>
+        </inkml:traceFormat>
+        <inkml:channelProperties>
+          <inkml:channelProperty channel="X" name="resolution" value="1000" units="1/cm"/>
+          <inkml:channelProperty channel="Y" name="resolution" value="1000" units="1/cm"/>
+          <inkml:channelProperty channel="F" name="resolution" value="0" units="1/dev"/>
+        </inkml:channelProperties>
+      </inkml:inkSource>
+      <inkml:timestamp xml:id="ts0" timeString="2022-04-02T07:18:45.045"/>
+    </inkml:context>
+    <inkml:brush xml:id="br0">
+      <inkml:brushProperty name="width" value="0.08571" units="cm"/>
+      <inkml:brushProperty name="height" value="0.08571" units="cm"/>
+      <inkml:brushProperty name="color" value="#008C3A"/>
+    </inkml:brush>
+  </inkml:definitions>
+  <inkml:trace contextRef="#ctx0" brushRef="#br0">13 419 15504,'-7'-5'459,"1"-3"-425,8-3 0,8-6-12,7-3-11,11-6 23,4-4 22,-2-6-45,0-2 0,-6-6 0,0 3-11,-6-1 12,-5 7 10,-3 8-22,-7 8-22,-1 9-57,-2 4 57,0 4-45,0 0-34,-3 2-34,-5 0 57,-4 8 0,-5 6 33,2 7-22,2 6-45,5-1 22,3-2-56,4 1-202,1-4 35,3 2 66,6-2 68,9 2-22,7-3-23,3 1 56,-1-4 56,-6 2-35,-3-2 69,-5 0 33,-5 0-33,-3 2 44,-4-2 34,-1 1-22,-2-1 44,-11-1-22,-6-1 11,-7-4-22,-3-3 11,4-5-537,0-1-875,3-2-1166,2 0 2578,1-8 0,9 6 0,5-5 0</inkml:trace>
+</inkml:ink>
+</file>
+
+<file path=ppt/ink/ink87.xml><?xml version="1.0" encoding="utf-8"?>
+<inkml:ink xmlns:inkml="http://www.w3.org/2003/InkML">
+  <inkml:definitions>
+    <inkml:context xml:id="ctx0">
+      <inkml:inkSource xml:id="inkSrc0">
+        <inkml:traceFormat>
+          <inkml:channel name="X" type="integer" min="-2.14748E9" max="2.14748E9" units="cm"/>
+          <inkml:channel name="Y" type="integer" min="-2.14748E9" max="2.14748E9" units="cm"/>
+          <inkml:channel name="F" type="integer" max="32767" units="dev"/>
+        </inkml:traceFormat>
+        <inkml:channelProperties>
+          <inkml:channelProperty channel="X" name="resolution" value="1000" units="1/cm"/>
+          <inkml:channelProperty channel="Y" name="resolution" value="1000" units="1/cm"/>
+          <inkml:channelProperty channel="F" name="resolution" value="0" units="1/dev"/>
+        </inkml:channelProperties>
+      </inkml:inkSource>
+      <inkml:timestamp xml:id="ts0" timeString="2022-04-02T07:18:45.346"/>
+    </inkml:context>
+    <inkml:brush xml:id="br0">
+      <inkml:brushProperty name="width" value="0.08571" units="cm"/>
+      <inkml:brushProperty name="height" value="0.08571" units="cm"/>
+      <inkml:brushProperty name="color" value="#008C3A"/>
+    </inkml:brush>
+  </inkml:definitions>
+  <inkml:trace contextRef="#ctx0" brushRef="#br0">1 34 10619,'0'-14'4033,"0"4"-3539,0 10-427,0 0-190,0-9 123,0 25 11,0 3 0,0 33-11,0 6 34,1 5-1,2-2-33,2-1 0,3-4 0,-2-8-190,1-4-807,-3-10-259,-1-5-738,0-9-404,-2-7 2398,0-7 0,-1-5 0,0-1 0</inkml:trace>
+</inkml:ink>
+</file>
+
+<file path=ppt/ink/ink88.xml><?xml version="1.0" encoding="utf-8"?>
+<inkml:ink xmlns:inkml="http://www.w3.org/2003/InkML">
+  <inkml:definitions>
+    <inkml:context xml:id="ctx0">
+      <inkml:inkSource xml:id="inkSrc0">
+        <inkml:traceFormat>
+          <inkml:channel name="X" type="integer" min="-2.14748E9" max="2.14748E9" units="cm"/>
+          <inkml:channel name="Y" type="integer" min="-2.14748E9" max="2.14748E9" units="cm"/>
+          <inkml:channel name="F" type="integer" max="32767" units="dev"/>
+        </inkml:traceFormat>
+        <inkml:channelProperties>
+          <inkml:channelProperty channel="X" name="resolution" value="1000" units="1/cm"/>
+          <inkml:channelProperty channel="Y" name="resolution" value="1000" units="1/cm"/>
+          <inkml:channelProperty channel="F" name="resolution" value="0" units="1/dev"/>
+        </inkml:channelProperties>
+      </inkml:inkSource>
+      <inkml:timestamp xml:id="ts0" timeString="2022-04-02T07:18:46.020"/>
+    </inkml:context>
+    <inkml:brush xml:id="br0">
+      <inkml:brushProperty name="width" value="0.08571" units="cm"/>
+      <inkml:brushProperty name="height" value="0.08571" units="cm"/>
+      <inkml:brushProperty name="color" value="#008C3A"/>
+    </inkml:brush>
+  </inkml:definitions>
+  <inkml:trace contextRef="#ctx0" brushRef="#br0">55 123 12972,'-33'-22'-224,"11"4"481,35 18-178,12 0 44,10 1-34,9 0-44,0 0-22,2-1 56,-2 0-46,-6 0 12,-3-3 45,-9-1 78,-9-3 156,-7 2 91,-6 0-202,-3 3 45,-1 1-258,-1 10-45,-3 5 34,1 13-35,-1 6 24,3 3 22,1 1-11,0-2 11,7-3-224,2-8 134,9-4-134,0-9 11,2-5-111,1-4 55,1-2 44,1-6 68,-3-8 124,-4-7-1,-6-9-67,-6-4 34,-2-3 67,-2-3 247,0 3-91,-7 2 2,-5 6-136,-10 5 12,-2 7 0,-4 7-34,3 3 0,-1 6 0,9-1-45,3 2-67,9 0 10,2 3 80,3 10-23,0 8 45,1 9-101,8 2-89,8-5-113,11-3-44,8-7-34,8-8-90,4-5 292,6-4-213,-3-3-225,-2-7 113,-8-5-145,-8-8-1503,-10 1 2152,-8 0 0,-9 11 0,-3 2 0</inkml:trace>
+</inkml:ink>
+</file>
+
+<file path=ppt/ink/ink89.xml><?xml version="1.0" encoding="utf-8"?>
+<inkml:ink xmlns:inkml="http://www.w3.org/2003/InkML">
+  <inkml:definitions>
+    <inkml:context xml:id="ctx0">
+      <inkml:inkSource xml:id="inkSrc0">
+        <inkml:traceFormat>
+          <inkml:channel name="X" type="integer" min="-2.14748E9" max="2.14748E9" units="cm"/>
+          <inkml:channel name="Y" type="integer" min="-2.14748E9" max="2.14748E9" units="cm"/>
+          <inkml:channel name="F" type="integer" max="32767" units="dev"/>
+        </inkml:traceFormat>
+        <inkml:channelProperties>
+          <inkml:channelProperty channel="X" name="resolution" value="1000" units="1/cm"/>
+          <inkml:channelProperty channel="Y" name="resolution" value="1000" units="1/cm"/>
+          <inkml:channelProperty channel="F" name="resolution" value="0" units="1/dev"/>
+        </inkml:channelProperties>
+      </inkml:inkSource>
+      <inkml:timestamp xml:id="ts0" timeString="2022-04-02T07:18:46.357"/>
+    </inkml:context>
+    <inkml:brush xml:id="br0">
+      <inkml:brushProperty name="width" value="0.08571" units="cm"/>
+      <inkml:brushProperty name="height" value="0.08571" units="cm"/>
+      <inkml:brushProperty name="color" value="#008C3A"/>
+    </inkml:brush>
+  </inkml:definitions>
+  <inkml:trace contextRef="#ctx0" brushRef="#br0">17 18 11033,'-4'-10'2880,"1"3"-2824,3 7-56,0 0 56,-4 25 45,3 14-12,-4 29 1,5 9-34,0 3 34,0 1-79,0 0 45,0-3-56,2-5 67,1-6-67,1-8 0,1-9 0,-4-11-459,1-9-539,-2-9-1119,0-8-875,0-6 2992,1-4 0,0-3 0,0 0 0</inkml:trace>
+</inkml:ink>
+</file>
+
+<file path=ppt/ink/ink9.xml><?xml version="1.0" encoding="utf-8"?>
+<inkml:ink xmlns:inkml="http://www.w3.org/2003/InkML">
+  <inkml:definitions>
+    <inkml:context xml:id="ctx0">
+      <inkml:inkSource xml:id="inkSrc0">
+        <inkml:traceFormat>
+          <inkml:channel name="X" type="integer" min="-2.14748E9" max="2.14748E9" units="cm"/>
+          <inkml:channel name="Y" type="integer" min="-2.14748E9" max="2.14748E9" units="cm"/>
+          <inkml:channel name="F" type="integer" max="32767" units="dev"/>
+        </inkml:traceFormat>
+        <inkml:channelProperties>
+          <inkml:channelProperty channel="X" name="resolution" value="1000" units="1/cm"/>
+          <inkml:channelProperty channel="Y" name="resolution" value="1000" units="1/cm"/>
+          <inkml:channelProperty channel="F" name="resolution" value="0" units="1/dev"/>
+        </inkml:channelProperties>
+      </inkml:inkSource>
+      <inkml:timestamp xml:id="ts0" timeString="2022-04-02T07:17:42.032"/>
+    </inkml:context>
+    <inkml:brush xml:id="br0">
+      <inkml:brushProperty name="width" value="0.08571" units="cm"/>
+      <inkml:brushProperty name="height" value="0.08571" units="cm"/>
+      <inkml:brushProperty name="color" value="#008C3A"/>
+    </inkml:brush>
+  </inkml:definitions>
+  <inkml:trace contextRef="#ctx0" brushRef="#br0">0 27 11806,'16'-1'863,"9"1"-639,22 7-33,9-4-12,3-1-22,5-2-33,-2 0-35,-2 0 46,-11 0 33,-11 0 201,-17-2 157,-10-1 13,-8-1-214,-3-1-191,0 3-11,0 1-123,-6 1-33,-4 0 10,-10 0-22,-3 3 45,-5 10 0,3 8-11,1 10 0,9 4 11,5 0-112,7-3-123,8-5-202,13-6-79,10-8 102,14-6 358,3-4 56,-5-3 56,-5-3-56,-11-7 33,-7-5 79,-10-11 269,-3-4 23,-4-5-68,0-2 0,-1 2-190,-5 6-68,-3 7-78,-4 10-11,3 6-56,0 4-12,4 4 57,1 13 11,1 12 11,3 14 0,1 9 0,9-5-124,9-3-570,15-10-965,16-8-1422,6-9 3081,5-8 0,-25-4 0,-9-3 0</inkml:trace>
+</inkml:ink>
+</file>
+
+<file path=ppt/ink/ink90.xml><?xml version="1.0" encoding="utf-8"?>
+<inkml:ink xmlns:inkml="http://www.w3.org/2003/InkML">
+  <inkml:definitions>
+    <inkml:context xml:id="ctx0">
+      <inkml:inkSource xml:id="inkSrc0">
+        <inkml:traceFormat>
+          <inkml:channel name="X" type="integer" min="-2.14748E9" max="2.14748E9" units="cm"/>
+          <inkml:channel name="Y" type="integer" min="-2.14748E9" max="2.14748E9" units="cm"/>
+          <inkml:channel name="F" type="integer" max="32767" units="dev"/>
+        </inkml:traceFormat>
+        <inkml:channelProperties>
+          <inkml:channelProperty channel="X" name="resolution" value="1000" units="1/cm"/>
+          <inkml:channelProperty channel="Y" name="resolution" value="1000" units="1/cm"/>
+          <inkml:channelProperty channel="F" name="resolution" value="0" units="1/dev"/>
+        </inkml:channelProperties>
+      </inkml:inkSource>
+      <inkml:timestamp xml:id="ts0" timeString="2022-04-02T07:18:46.778"/>
+    </inkml:context>
+    <inkml:brush xml:id="br0">
+      <inkml:brushProperty name="width" value="0.08571" units="cm"/>
+      <inkml:brushProperty name="height" value="0.08571" units="cm"/>
+      <inkml:brushProperty name="color" value="#008C3A"/>
+    </inkml:brush>
+  </inkml:definitions>
+  <inkml:trace contextRef="#ctx0" brushRef="#br0">68 160 9084,'-7'-9'3014,"1"1"-2208,6 8 517,0 0-786,-10-38-88,7 26-259,-7-30 12,10 35-79,0 1-89,0-3-34,0 2-11,8-3-1,5 5-10,10 0-23,10 3 0,0 2 1,5 0-1,-1 3 22,-3 7-111,-2 7 0,-9 8-12,-6 3 56,-9 1-10,-5 2 100,-3-3 11,-14-2 67,-6-5-22,-18-4 0,-8-6-56,-2-5-78,-1-4-281,7-1-78,8-1-471,11 0-840,10-1-1232,7-4 2980,6-2 0,0 1 0,2 2 0</inkml:trace>
+</inkml:ink>
 </file>
 
 <file path=ppt/notesMasters/notesMaster1.xml><?xml version="1.0" encoding="utf-8"?>
@@ -7980,25 +10500,6 @@
           </a:p>
         </p:txBody>
       </p:sp>
-      <p:sp>
-        <p:nvSpPr>
-          <p:cNvPr id="3" name="Content Placeholder 2"/>
-          <p:cNvSpPr>
-            <a:spLocks noGrp="1"/>
-          </p:cNvSpPr>
-          <p:nvPr>
-            <p:ph idx="1"/>
-          </p:nvPr>
-        </p:nvSpPr>
-        <p:spPr/>
-        <p:txBody>
-          <a:bodyPr/>
-          <a:lstStyle/>
-          <a:p>
-            <a:endParaRPr lang="en-IN"/>
-          </a:p>
-        </p:txBody>
-      </p:sp>
       <p:pic>
         <p:nvPicPr>
           <p:cNvPr id="4" name="Picture 3"/>
@@ -8808,25 +11309,6 @@
           </a:p>
         </p:txBody>
       </p:sp>
-      <p:sp>
-        <p:nvSpPr>
-          <p:cNvPr id="3" name="Content Placeholder 2"/>
-          <p:cNvSpPr>
-            <a:spLocks noGrp="1"/>
-          </p:cNvSpPr>
-          <p:nvPr>
-            <p:ph idx="1"/>
-          </p:nvPr>
-        </p:nvSpPr>
-        <p:spPr/>
-        <p:txBody>
-          <a:bodyPr/>
-          <a:lstStyle/>
-          <a:p>
-            <a:endParaRPr lang="en-IN"/>
-          </a:p>
-        </p:txBody>
-      </p:sp>
       <p:pic>
         <p:nvPicPr>
           <p:cNvPr id="4" name="Picture 3"/>
@@ -8881,44 +11363,6 @@
           <a:chExt cx="0" cy="0"/>
         </a:xfrm>
       </p:grpSpPr>
-      <p:sp>
-        <p:nvSpPr>
-          <p:cNvPr id="2" name="Title 1"/>
-          <p:cNvSpPr>
-            <a:spLocks noGrp="1"/>
-          </p:cNvSpPr>
-          <p:nvPr>
-            <p:ph type="title"/>
-          </p:nvPr>
-        </p:nvSpPr>
-        <p:spPr/>
-        <p:txBody>
-          <a:bodyPr/>
-          <a:lstStyle/>
-          <a:p>
-            <a:endParaRPr lang="en-IN"/>
-          </a:p>
-        </p:txBody>
-      </p:sp>
-      <p:sp>
-        <p:nvSpPr>
-          <p:cNvPr id="3" name="Content Placeholder 2"/>
-          <p:cNvSpPr>
-            <a:spLocks noGrp="1"/>
-          </p:cNvSpPr>
-          <p:nvPr>
-            <p:ph idx="1"/>
-          </p:nvPr>
-        </p:nvSpPr>
-        <p:spPr/>
-        <p:txBody>
-          <a:bodyPr/>
-          <a:lstStyle/>
-          <a:p>
-            <a:endParaRPr lang="en-IN"/>
-          </a:p>
-        </p:txBody>
-      </p:sp>
       <p:pic>
         <p:nvPicPr>
           <p:cNvPr id="5" name="Picture 4"/>
@@ -8935,8 +11379,8 @@
         </p:blipFill>
         <p:spPr>
           <a:xfrm>
-            <a:off x="28207" y="0"/>
-            <a:ext cx="9257080" cy="5949280"/>
+            <a:off x="59671" y="0"/>
+            <a:ext cx="8472769" cy="5445224"/>
           </a:xfrm>
           <a:prstGeom prst="rect">
             <a:avLst/>
@@ -8973,47 +11417,15 @@
           <a:chExt cx="0" cy="0"/>
         </a:xfrm>
       </p:grpSpPr>
-      <p:sp>
-        <p:nvSpPr>
-          <p:cNvPr id="2" name="Title 1"/>
-          <p:cNvSpPr>
-            <a:spLocks noGrp="1"/>
-          </p:cNvSpPr>
-          <p:nvPr>
-            <p:ph type="title"/>
-          </p:nvPr>
-        </p:nvSpPr>
-        <p:spPr/>
-        <p:txBody>
-          <a:bodyPr/>
-          <a:lstStyle/>
-          <a:p>
-            <a:endParaRPr lang="en-IN"/>
-          </a:p>
-        </p:txBody>
-      </p:sp>
-      <p:sp>
-        <p:nvSpPr>
-          <p:cNvPr id="3" name="Content Placeholder 2"/>
-          <p:cNvSpPr>
-            <a:spLocks noGrp="1"/>
-          </p:cNvSpPr>
-          <p:nvPr>
-            <p:ph idx="1"/>
-          </p:nvPr>
-        </p:nvSpPr>
-        <p:spPr/>
-        <p:txBody>
-          <a:bodyPr/>
-          <a:lstStyle/>
-          <a:p>
-            <a:endParaRPr lang="en-IN"/>
-          </a:p>
-        </p:txBody>
-      </p:sp>
       <p:pic>
         <p:nvPicPr>
-          <p:cNvPr id="4" name="Picture 3"/>
+          <p:cNvPr id="5" name="Picture 4">
+            <a:extLst>
+              <a:ext uri="{FF2B5EF4-FFF2-40B4-BE49-F238E27FC236}">
+                <a16:creationId xmlns:a16="http://schemas.microsoft.com/office/drawing/2014/main" id="{C0DBE622-9CA0-6744-8C65-742B82ED5D0E}"/>
+              </a:ext>
+            </a:extLst>
+          </p:cNvPr>
           <p:cNvPicPr>
             <a:picLocks noChangeAspect="1"/>
           </p:cNvPicPr>
@@ -9084,25 +11496,6 @@
               <a:rPr lang="en-IN" dirty="0"/>
               <a:t>Iteration -2 </a:t>
             </a:r>
-          </a:p>
-        </p:txBody>
-      </p:sp>
-      <p:sp>
-        <p:nvSpPr>
-          <p:cNvPr id="3" name="Content Placeholder 2"/>
-          <p:cNvSpPr>
-            <a:spLocks noGrp="1"/>
-          </p:cNvSpPr>
-          <p:nvPr>
-            <p:ph idx="1"/>
-          </p:nvPr>
-        </p:nvSpPr>
-        <p:spPr/>
-        <p:txBody>
-          <a:bodyPr/>
-          <a:lstStyle/>
-          <a:p>
-            <a:endParaRPr lang="en-IN"/>
           </a:p>
         </p:txBody>
       </p:sp>
@@ -9274,25 +11667,6 @@
           </a:p>
         </p:txBody>
       </p:sp>
-      <p:sp>
-        <p:nvSpPr>
-          <p:cNvPr id="3" name="Content Placeholder 2"/>
-          <p:cNvSpPr>
-            <a:spLocks noGrp="1"/>
-          </p:cNvSpPr>
-          <p:nvPr>
-            <p:ph idx="1"/>
-          </p:nvPr>
-        </p:nvSpPr>
-        <p:spPr/>
-        <p:txBody>
-          <a:bodyPr/>
-          <a:lstStyle/>
-          <a:p>
-            <a:endParaRPr lang="en-IN"/>
-          </a:p>
-        </p:txBody>
-      </p:sp>
       <p:pic>
         <p:nvPicPr>
           <p:cNvPr id="4" name="Picture 3"/>
@@ -9369,25 +11743,6 @@
           </a:p>
         </p:txBody>
       </p:sp>
-      <p:sp>
-        <p:nvSpPr>
-          <p:cNvPr id="3" name="Content Placeholder 2"/>
-          <p:cNvSpPr>
-            <a:spLocks noGrp="1"/>
-          </p:cNvSpPr>
-          <p:nvPr>
-            <p:ph idx="1"/>
-          </p:nvPr>
-        </p:nvSpPr>
-        <p:spPr/>
-        <p:txBody>
-          <a:bodyPr/>
-          <a:lstStyle/>
-          <a:p>
-            <a:endParaRPr lang="en-IN"/>
-          </a:p>
-        </p:txBody>
-      </p:sp>
       <p:pic>
         <p:nvPicPr>
           <p:cNvPr id="4" name="Picture 3"/>
@@ -9442,44 +11797,6 @@
           <a:chExt cx="0" cy="0"/>
         </a:xfrm>
       </p:grpSpPr>
-      <p:sp>
-        <p:nvSpPr>
-          <p:cNvPr id="2" name="Title 1"/>
-          <p:cNvSpPr>
-            <a:spLocks noGrp="1"/>
-          </p:cNvSpPr>
-          <p:nvPr>
-            <p:ph type="title"/>
-          </p:nvPr>
-        </p:nvSpPr>
-        <p:spPr/>
-        <p:txBody>
-          <a:bodyPr/>
-          <a:lstStyle/>
-          <a:p>
-            <a:endParaRPr lang="en-IN"/>
-          </a:p>
-        </p:txBody>
-      </p:sp>
-      <p:sp>
-        <p:nvSpPr>
-          <p:cNvPr id="3" name="Content Placeholder 2"/>
-          <p:cNvSpPr>
-            <a:spLocks noGrp="1"/>
-          </p:cNvSpPr>
-          <p:nvPr>
-            <p:ph idx="1"/>
-          </p:nvPr>
-        </p:nvSpPr>
-        <p:spPr/>
-        <p:txBody>
-          <a:bodyPr/>
-          <a:lstStyle/>
-          <a:p>
-            <a:endParaRPr lang="en-IN"/>
-          </a:p>
-        </p:txBody>
-      </p:sp>
       <p:pic>
         <p:nvPicPr>
           <p:cNvPr id="5" name="Picture 4"/>
@@ -9504,6 +11821,2589 @@
           </a:prstGeom>
         </p:spPr>
       </p:pic>
+      <p:grpSp>
+        <p:nvGrpSpPr>
+          <p:cNvPr id="18" name="Group 17">
+            <a:extLst>
+              <a:ext uri="{FF2B5EF4-FFF2-40B4-BE49-F238E27FC236}">
+                <a16:creationId xmlns:a16="http://schemas.microsoft.com/office/drawing/2014/main" id="{D3F42F90-4607-444F-85FF-6C38DBA923F5}"/>
+              </a:ext>
+            </a:extLst>
+          </p:cNvPr>
+          <p:cNvGrpSpPr/>
+          <p:nvPr/>
+        </p:nvGrpSpPr>
+        <p:grpSpPr>
+          <a:xfrm>
+            <a:off x="732965" y="17108"/>
+            <a:ext cx="2319120" cy="276120"/>
+            <a:chOff x="732965" y="17108"/>
+            <a:chExt cx="2319120" cy="276120"/>
+          </a:xfrm>
+        </p:grpSpPr>
+        <mc:AlternateContent xmlns:mc="http://schemas.openxmlformats.org/markup-compatibility/2006">
+          <mc:Choice xmlns:p14="http://schemas.microsoft.com/office/powerpoint/2010/main" Requires="p14">
+            <p:contentPart p14:bwMode="auto" r:id="rId3">
+              <p14:nvContentPartPr>
+                <p14:cNvPr id="4" name="Ink 3">
+                  <a:extLst>
+                    <a:ext uri="{FF2B5EF4-FFF2-40B4-BE49-F238E27FC236}">
+                      <a16:creationId xmlns:a16="http://schemas.microsoft.com/office/drawing/2014/main" id="{7A47EE3D-6308-6E4C-B4C6-A69A2A548A38}"/>
+                    </a:ext>
+                  </a:extLst>
+                </p14:cNvPr>
+                <p14:cNvContentPartPr/>
+                <p14:nvPr/>
+              </p14:nvContentPartPr>
+              <p14:xfrm>
+                <a:off x="732965" y="52748"/>
+                <a:ext cx="248040" cy="240480"/>
+              </p14:xfrm>
+            </p:contentPart>
+          </mc:Choice>
+          <mc:Fallback>
+            <p:pic>
+              <p:nvPicPr>
+                <p:cNvPr id="4" name="Ink 3">
+                  <a:extLst>
+                    <a:ext uri="{FF2B5EF4-FFF2-40B4-BE49-F238E27FC236}">
+                      <a16:creationId xmlns:a16="http://schemas.microsoft.com/office/drawing/2014/main" id="{7A47EE3D-6308-6E4C-B4C6-A69A2A548A38}"/>
+                    </a:ext>
+                  </a:extLst>
+                </p:cNvPr>
+                <p:cNvPicPr/>
+                <p:nvPr/>
+              </p:nvPicPr>
+              <p:blipFill>
+                <a:blip r:embed="rId4"/>
+                <a:stretch>
+                  <a:fillRect/>
+                </a:stretch>
+              </p:blipFill>
+              <p:spPr>
+                <a:xfrm>
+                  <a:off x="717845" y="37628"/>
+                  <a:ext cx="278280" cy="271080"/>
+                </a:xfrm>
+                <a:prstGeom prst="rect">
+                  <a:avLst/>
+                </a:prstGeom>
+              </p:spPr>
+            </p:pic>
+          </mc:Fallback>
+        </mc:AlternateContent>
+        <mc:AlternateContent xmlns:mc="http://schemas.openxmlformats.org/markup-compatibility/2006">
+          <mc:Choice xmlns:p14="http://schemas.microsoft.com/office/powerpoint/2010/main" Requires="p14">
+            <p:contentPart p14:bwMode="auto" r:id="rId5">
+              <p14:nvContentPartPr>
+                <p14:cNvPr id="6" name="Ink 5">
+                  <a:extLst>
+                    <a:ext uri="{FF2B5EF4-FFF2-40B4-BE49-F238E27FC236}">
+                      <a16:creationId xmlns:a16="http://schemas.microsoft.com/office/drawing/2014/main" id="{0C5C0594-D3B8-D148-845D-426E7A826149}"/>
+                    </a:ext>
+                  </a:extLst>
+                </p14:cNvPr>
+                <p14:cNvContentPartPr/>
+                <p14:nvPr/>
+              </p14:nvContentPartPr>
+              <p14:xfrm>
+                <a:off x="1046525" y="176588"/>
+                <a:ext cx="6120" cy="86040"/>
+              </p14:xfrm>
+            </p:contentPart>
+          </mc:Choice>
+          <mc:Fallback>
+            <p:pic>
+              <p:nvPicPr>
+                <p:cNvPr id="6" name="Ink 5">
+                  <a:extLst>
+                    <a:ext uri="{FF2B5EF4-FFF2-40B4-BE49-F238E27FC236}">
+                      <a16:creationId xmlns:a16="http://schemas.microsoft.com/office/drawing/2014/main" id="{0C5C0594-D3B8-D148-845D-426E7A826149}"/>
+                    </a:ext>
+                  </a:extLst>
+                </p:cNvPr>
+                <p:cNvPicPr/>
+                <p:nvPr/>
+              </p:nvPicPr>
+              <p:blipFill>
+                <a:blip r:embed="rId6"/>
+                <a:stretch>
+                  <a:fillRect/>
+                </a:stretch>
+              </p:blipFill>
+              <p:spPr>
+                <a:xfrm>
+                  <a:off x="1031405" y="161108"/>
+                  <a:ext cx="36720" cy="116640"/>
+                </a:xfrm>
+                <a:prstGeom prst="rect">
+                  <a:avLst/>
+                </a:prstGeom>
+              </p:spPr>
+            </p:pic>
+          </mc:Fallback>
+        </mc:AlternateContent>
+        <mc:AlternateContent xmlns:mc="http://schemas.openxmlformats.org/markup-compatibility/2006">
+          <mc:Choice xmlns:p14="http://schemas.microsoft.com/office/powerpoint/2010/main" Requires="p14">
+            <p:contentPart p14:bwMode="auto" r:id="rId7">
+              <p14:nvContentPartPr>
+                <p14:cNvPr id="7" name="Ink 6">
+                  <a:extLst>
+                    <a:ext uri="{FF2B5EF4-FFF2-40B4-BE49-F238E27FC236}">
+                      <a16:creationId xmlns:a16="http://schemas.microsoft.com/office/drawing/2014/main" id="{4C983992-F904-7D40-B19F-60EC7688D66C}"/>
+                    </a:ext>
+                  </a:extLst>
+                </p14:cNvPr>
+                <p14:cNvContentPartPr/>
+                <p14:nvPr/>
+              </p14:nvContentPartPr>
+              <p14:xfrm>
+                <a:off x="1046525" y="176588"/>
+                <a:ext cx="360" cy="360"/>
+              </p14:xfrm>
+            </p:contentPart>
+          </mc:Choice>
+          <mc:Fallback>
+            <p:pic>
+              <p:nvPicPr>
+                <p:cNvPr id="7" name="Ink 6">
+                  <a:extLst>
+                    <a:ext uri="{FF2B5EF4-FFF2-40B4-BE49-F238E27FC236}">
+                      <a16:creationId xmlns:a16="http://schemas.microsoft.com/office/drawing/2014/main" id="{4C983992-F904-7D40-B19F-60EC7688D66C}"/>
+                    </a:ext>
+                  </a:extLst>
+                </p:cNvPr>
+                <p:cNvPicPr/>
+                <p:nvPr/>
+              </p:nvPicPr>
+              <p:blipFill>
+                <a:blip r:embed="rId8"/>
+                <a:stretch>
+                  <a:fillRect/>
+                </a:stretch>
+              </p:blipFill>
+              <p:spPr>
+                <a:xfrm>
+                  <a:off x="1031405" y="161108"/>
+                  <a:ext cx="30960" cy="30960"/>
+                </a:xfrm>
+                <a:prstGeom prst="rect">
+                  <a:avLst/>
+                </a:prstGeom>
+              </p:spPr>
+            </p:pic>
+          </mc:Fallback>
+        </mc:AlternateContent>
+        <mc:AlternateContent xmlns:mc="http://schemas.openxmlformats.org/markup-compatibility/2006">
+          <mc:Choice xmlns:p14="http://schemas.microsoft.com/office/powerpoint/2010/main" Requires="p14">
+            <p:contentPart p14:bwMode="auto" r:id="rId9">
+              <p14:nvContentPartPr>
+                <p14:cNvPr id="8" name="Ink 7">
+                  <a:extLst>
+                    <a:ext uri="{FF2B5EF4-FFF2-40B4-BE49-F238E27FC236}">
+                      <a16:creationId xmlns:a16="http://schemas.microsoft.com/office/drawing/2014/main" id="{CC6B7DD0-5001-044B-8480-C209A346D85B}"/>
+                    </a:ext>
+                  </a:extLst>
+                </p14:cNvPr>
+                <p14:cNvContentPartPr/>
+                <p14:nvPr/>
+              </p14:nvContentPartPr>
+              <p14:xfrm>
+                <a:off x="1099805" y="125108"/>
+                <a:ext cx="82800" cy="94680"/>
+              </p14:xfrm>
+            </p:contentPart>
+          </mc:Choice>
+          <mc:Fallback>
+            <p:pic>
+              <p:nvPicPr>
+                <p:cNvPr id="8" name="Ink 7">
+                  <a:extLst>
+                    <a:ext uri="{FF2B5EF4-FFF2-40B4-BE49-F238E27FC236}">
+                      <a16:creationId xmlns:a16="http://schemas.microsoft.com/office/drawing/2014/main" id="{CC6B7DD0-5001-044B-8480-C209A346D85B}"/>
+                    </a:ext>
+                  </a:extLst>
+                </p:cNvPr>
+                <p:cNvPicPr/>
+                <p:nvPr/>
+              </p:nvPicPr>
+              <p:blipFill>
+                <a:blip r:embed="rId10"/>
+                <a:stretch>
+                  <a:fillRect/>
+                </a:stretch>
+              </p:blipFill>
+              <p:spPr>
+                <a:xfrm>
+                  <a:off x="1084325" y="109628"/>
+                  <a:ext cx="113400" cy="125280"/>
+                </a:xfrm>
+                <a:prstGeom prst="rect">
+                  <a:avLst/>
+                </a:prstGeom>
+              </p:spPr>
+            </p:pic>
+          </mc:Fallback>
+        </mc:AlternateContent>
+        <mc:AlternateContent xmlns:mc="http://schemas.openxmlformats.org/markup-compatibility/2006">
+          <mc:Choice xmlns:p14="http://schemas.microsoft.com/office/powerpoint/2010/main" Requires="p14">
+            <p:contentPart p14:bwMode="auto" r:id="rId11">
+              <p14:nvContentPartPr>
+                <p14:cNvPr id="9" name="Ink 8">
+                  <a:extLst>
+                    <a:ext uri="{FF2B5EF4-FFF2-40B4-BE49-F238E27FC236}">
+                      <a16:creationId xmlns:a16="http://schemas.microsoft.com/office/drawing/2014/main" id="{1754DCEF-04DC-E14C-8458-690D22530B1B}"/>
+                    </a:ext>
+                  </a:extLst>
+                </p14:cNvPr>
+                <p14:cNvContentPartPr/>
+                <p14:nvPr/>
+              </p14:nvContentPartPr>
+              <p14:xfrm>
+                <a:off x="1220045" y="138428"/>
+                <a:ext cx="330480" cy="116640"/>
+              </p14:xfrm>
+            </p:contentPart>
+          </mc:Choice>
+          <mc:Fallback>
+            <p:pic>
+              <p:nvPicPr>
+                <p:cNvPr id="9" name="Ink 8">
+                  <a:extLst>
+                    <a:ext uri="{FF2B5EF4-FFF2-40B4-BE49-F238E27FC236}">
+                      <a16:creationId xmlns:a16="http://schemas.microsoft.com/office/drawing/2014/main" id="{1754DCEF-04DC-E14C-8458-690D22530B1B}"/>
+                    </a:ext>
+                  </a:extLst>
+                </p:cNvPr>
+                <p:cNvPicPr/>
+                <p:nvPr/>
+              </p:nvPicPr>
+              <p:blipFill>
+                <a:blip r:embed="rId12"/>
+                <a:stretch>
+                  <a:fillRect/>
+                </a:stretch>
+              </p:blipFill>
+              <p:spPr>
+                <a:xfrm>
+                  <a:off x="1204565" y="123308"/>
+                  <a:ext cx="360720" cy="147240"/>
+                </a:xfrm>
+                <a:prstGeom prst="rect">
+                  <a:avLst/>
+                </a:prstGeom>
+              </p:spPr>
+            </p:pic>
+          </mc:Fallback>
+        </mc:AlternateContent>
+        <mc:AlternateContent xmlns:mc="http://schemas.openxmlformats.org/markup-compatibility/2006">
+          <mc:Choice xmlns:p14="http://schemas.microsoft.com/office/powerpoint/2010/main" Requires="p14">
+            <p:contentPart p14:bwMode="auto" r:id="rId13">
+              <p14:nvContentPartPr>
+                <p14:cNvPr id="10" name="Ink 9">
+                  <a:extLst>
+                    <a:ext uri="{FF2B5EF4-FFF2-40B4-BE49-F238E27FC236}">
+                      <a16:creationId xmlns:a16="http://schemas.microsoft.com/office/drawing/2014/main" id="{1636FF62-6E6F-9649-AB59-153D4AA6E6F4}"/>
+                    </a:ext>
+                  </a:extLst>
+                </p14:cNvPr>
+                <p14:cNvContentPartPr/>
+                <p14:nvPr/>
+              </p14:nvContentPartPr>
+              <p14:xfrm>
+                <a:off x="1000805" y="103148"/>
+                <a:ext cx="3960" cy="7560"/>
+              </p14:xfrm>
+            </p:contentPart>
+          </mc:Choice>
+          <mc:Fallback>
+            <p:pic>
+              <p:nvPicPr>
+                <p:cNvPr id="10" name="Ink 9">
+                  <a:extLst>
+                    <a:ext uri="{FF2B5EF4-FFF2-40B4-BE49-F238E27FC236}">
+                      <a16:creationId xmlns:a16="http://schemas.microsoft.com/office/drawing/2014/main" id="{1636FF62-6E6F-9649-AB59-153D4AA6E6F4}"/>
+                    </a:ext>
+                  </a:extLst>
+                </p:cNvPr>
+                <p:cNvPicPr/>
+                <p:nvPr/>
+              </p:nvPicPr>
+              <p:blipFill>
+                <a:blip r:embed="rId14"/>
+                <a:stretch>
+                  <a:fillRect/>
+                </a:stretch>
+              </p:blipFill>
+              <p:spPr>
+                <a:xfrm>
+                  <a:off x="985325" y="87668"/>
+                  <a:ext cx="34560" cy="38160"/>
+                </a:xfrm>
+                <a:prstGeom prst="rect">
+                  <a:avLst/>
+                </a:prstGeom>
+              </p:spPr>
+            </p:pic>
+          </mc:Fallback>
+        </mc:AlternateContent>
+        <mc:AlternateContent xmlns:mc="http://schemas.openxmlformats.org/markup-compatibility/2006">
+          <mc:Choice xmlns:p14="http://schemas.microsoft.com/office/powerpoint/2010/main" Requires="p14">
+            <p:contentPart p14:bwMode="auto" r:id="rId15">
+              <p14:nvContentPartPr>
+                <p14:cNvPr id="12" name="Ink 11">
+                  <a:extLst>
+                    <a:ext uri="{FF2B5EF4-FFF2-40B4-BE49-F238E27FC236}">
+                      <a16:creationId xmlns:a16="http://schemas.microsoft.com/office/drawing/2014/main" id="{5A11BA7F-CDA7-F447-B55C-61952F02B9CC}"/>
+                    </a:ext>
+                  </a:extLst>
+                </p14:cNvPr>
+                <p14:cNvContentPartPr/>
+                <p14:nvPr/>
+              </p14:nvContentPartPr>
+              <p14:xfrm>
+                <a:off x="1637285" y="61388"/>
+                <a:ext cx="220680" cy="177840"/>
+              </p14:xfrm>
+            </p:contentPart>
+          </mc:Choice>
+          <mc:Fallback>
+            <p:pic>
+              <p:nvPicPr>
+                <p:cNvPr id="12" name="Ink 11">
+                  <a:extLst>
+                    <a:ext uri="{FF2B5EF4-FFF2-40B4-BE49-F238E27FC236}">
+                      <a16:creationId xmlns:a16="http://schemas.microsoft.com/office/drawing/2014/main" id="{5A11BA7F-CDA7-F447-B55C-61952F02B9CC}"/>
+                    </a:ext>
+                  </a:extLst>
+                </p:cNvPr>
+                <p:cNvPicPr/>
+                <p:nvPr/>
+              </p:nvPicPr>
+              <p:blipFill>
+                <a:blip r:embed="rId16"/>
+                <a:stretch>
+                  <a:fillRect/>
+                </a:stretch>
+              </p:blipFill>
+              <p:spPr>
+                <a:xfrm>
+                  <a:off x="1621805" y="46268"/>
+                  <a:ext cx="251280" cy="208440"/>
+                </a:xfrm>
+                <a:prstGeom prst="rect">
+                  <a:avLst/>
+                </a:prstGeom>
+              </p:spPr>
+            </p:pic>
+          </mc:Fallback>
+        </mc:AlternateContent>
+        <mc:AlternateContent xmlns:mc="http://schemas.openxmlformats.org/markup-compatibility/2006">
+          <mc:Choice xmlns:p14="http://schemas.microsoft.com/office/powerpoint/2010/main" Requires="p14">
+            <p:contentPart p14:bwMode="auto" r:id="rId17">
+              <p14:nvContentPartPr>
+                <p14:cNvPr id="13" name="Ink 12">
+                  <a:extLst>
+                    <a:ext uri="{FF2B5EF4-FFF2-40B4-BE49-F238E27FC236}">
+                      <a16:creationId xmlns:a16="http://schemas.microsoft.com/office/drawing/2014/main" id="{DB171AD0-DDB8-0D4C-B607-7872AEDE3D88}"/>
+                    </a:ext>
+                  </a:extLst>
+                </p14:cNvPr>
+                <p14:cNvContentPartPr/>
+                <p14:nvPr/>
+              </p14:nvContentPartPr>
+              <p14:xfrm>
+                <a:off x="1834205" y="21068"/>
+                <a:ext cx="240840" cy="213480"/>
+              </p14:xfrm>
+            </p:contentPart>
+          </mc:Choice>
+          <mc:Fallback>
+            <p:pic>
+              <p:nvPicPr>
+                <p:cNvPr id="13" name="Ink 12">
+                  <a:extLst>
+                    <a:ext uri="{FF2B5EF4-FFF2-40B4-BE49-F238E27FC236}">
+                      <a16:creationId xmlns:a16="http://schemas.microsoft.com/office/drawing/2014/main" id="{DB171AD0-DDB8-0D4C-B607-7872AEDE3D88}"/>
+                    </a:ext>
+                  </a:extLst>
+                </p:cNvPr>
+                <p:cNvPicPr/>
+                <p:nvPr/>
+              </p:nvPicPr>
+              <p:blipFill>
+                <a:blip r:embed="rId18"/>
+                <a:stretch>
+                  <a:fillRect/>
+                </a:stretch>
+              </p:blipFill>
+              <p:spPr>
+                <a:xfrm>
+                  <a:off x="1818725" y="5588"/>
+                  <a:ext cx="271440" cy="244080"/>
+                </a:xfrm>
+                <a:prstGeom prst="rect">
+                  <a:avLst/>
+                </a:prstGeom>
+              </p:spPr>
+            </p:pic>
+          </mc:Fallback>
+        </mc:AlternateContent>
+        <mc:AlternateContent xmlns:mc="http://schemas.openxmlformats.org/markup-compatibility/2006">
+          <mc:Choice xmlns:p14="http://schemas.microsoft.com/office/powerpoint/2010/main" Requires="p14">
+            <p:contentPart p14:bwMode="auto" r:id="rId19">
+              <p14:nvContentPartPr>
+                <p14:cNvPr id="14" name="Ink 13">
+                  <a:extLst>
+                    <a:ext uri="{FF2B5EF4-FFF2-40B4-BE49-F238E27FC236}">
+                      <a16:creationId xmlns:a16="http://schemas.microsoft.com/office/drawing/2014/main" id="{53055EB4-5DA4-0B40-9FC6-29570E1FEEFD}"/>
+                    </a:ext>
+                  </a:extLst>
+                </p14:cNvPr>
+                <p14:cNvContentPartPr/>
+                <p14:nvPr/>
+              </p14:nvContentPartPr>
+              <p14:xfrm>
+                <a:off x="1972085" y="125108"/>
+                <a:ext cx="299880" cy="109440"/>
+              </p14:xfrm>
+            </p:contentPart>
+          </mc:Choice>
+          <mc:Fallback>
+            <p:pic>
+              <p:nvPicPr>
+                <p:cNvPr id="14" name="Ink 13">
+                  <a:extLst>
+                    <a:ext uri="{FF2B5EF4-FFF2-40B4-BE49-F238E27FC236}">
+                      <a16:creationId xmlns:a16="http://schemas.microsoft.com/office/drawing/2014/main" id="{53055EB4-5DA4-0B40-9FC6-29570E1FEEFD}"/>
+                    </a:ext>
+                  </a:extLst>
+                </p:cNvPr>
+                <p:cNvPicPr/>
+                <p:nvPr/>
+              </p:nvPicPr>
+              <p:blipFill>
+                <a:blip r:embed="rId20"/>
+                <a:stretch>
+                  <a:fillRect/>
+                </a:stretch>
+              </p:blipFill>
+              <p:spPr>
+                <a:xfrm>
+                  <a:off x="1956605" y="109628"/>
+                  <a:ext cx="330120" cy="140040"/>
+                </a:xfrm>
+                <a:prstGeom prst="rect">
+                  <a:avLst/>
+                </a:prstGeom>
+              </p:spPr>
+            </p:pic>
+          </mc:Fallback>
+        </mc:AlternateContent>
+        <mc:AlternateContent xmlns:mc="http://schemas.openxmlformats.org/markup-compatibility/2006">
+          <mc:Choice xmlns:p14="http://schemas.microsoft.com/office/powerpoint/2010/main" Requires="p14">
+            <p:contentPart p14:bwMode="auto" r:id="rId21">
+              <p14:nvContentPartPr>
+                <p14:cNvPr id="15" name="Ink 14">
+                  <a:extLst>
+                    <a:ext uri="{FF2B5EF4-FFF2-40B4-BE49-F238E27FC236}">
+                      <a16:creationId xmlns:a16="http://schemas.microsoft.com/office/drawing/2014/main" id="{1D909D3F-A41B-6643-AA84-5A0AF3E94148}"/>
+                    </a:ext>
+                  </a:extLst>
+                </p14:cNvPr>
+                <p14:cNvContentPartPr/>
+                <p14:nvPr/>
+              </p14:nvContentPartPr>
+              <p14:xfrm>
+                <a:off x="2360885" y="164348"/>
+                <a:ext cx="115920" cy="14040"/>
+              </p14:xfrm>
+            </p:contentPart>
+          </mc:Choice>
+          <mc:Fallback>
+            <p:pic>
+              <p:nvPicPr>
+                <p:cNvPr id="15" name="Ink 14">
+                  <a:extLst>
+                    <a:ext uri="{FF2B5EF4-FFF2-40B4-BE49-F238E27FC236}">
+                      <a16:creationId xmlns:a16="http://schemas.microsoft.com/office/drawing/2014/main" id="{1D909D3F-A41B-6643-AA84-5A0AF3E94148}"/>
+                    </a:ext>
+                  </a:extLst>
+                </p:cNvPr>
+                <p:cNvPicPr/>
+                <p:nvPr/>
+              </p:nvPicPr>
+              <p:blipFill>
+                <a:blip r:embed="rId22"/>
+                <a:stretch>
+                  <a:fillRect/>
+                </a:stretch>
+              </p:blipFill>
+              <p:spPr>
+                <a:xfrm>
+                  <a:off x="2345765" y="148868"/>
+                  <a:ext cx="146520" cy="44280"/>
+                </a:xfrm>
+                <a:prstGeom prst="rect">
+                  <a:avLst/>
+                </a:prstGeom>
+              </p:spPr>
+            </p:pic>
+          </mc:Fallback>
+        </mc:AlternateContent>
+        <mc:AlternateContent xmlns:mc="http://schemas.openxmlformats.org/markup-compatibility/2006">
+          <mc:Choice xmlns:p14="http://schemas.microsoft.com/office/powerpoint/2010/main" Requires="p14">
+            <p:contentPart p14:bwMode="auto" r:id="rId23">
+              <p14:nvContentPartPr>
+                <p14:cNvPr id="16" name="Ink 15">
+                  <a:extLst>
+                    <a:ext uri="{FF2B5EF4-FFF2-40B4-BE49-F238E27FC236}">
+                      <a16:creationId xmlns:a16="http://schemas.microsoft.com/office/drawing/2014/main" id="{DF20A6AF-86CD-874E-90EE-C6810AE5AF95}"/>
+                    </a:ext>
+                  </a:extLst>
+                </p14:cNvPr>
+                <p14:cNvContentPartPr/>
+                <p14:nvPr/>
+              </p14:nvContentPartPr>
+              <p14:xfrm>
+                <a:off x="2568245" y="17108"/>
+                <a:ext cx="422280" cy="233280"/>
+              </p14:xfrm>
+            </p:contentPart>
+          </mc:Choice>
+          <mc:Fallback>
+            <p:pic>
+              <p:nvPicPr>
+                <p:cNvPr id="16" name="Ink 15">
+                  <a:extLst>
+                    <a:ext uri="{FF2B5EF4-FFF2-40B4-BE49-F238E27FC236}">
+                      <a16:creationId xmlns:a16="http://schemas.microsoft.com/office/drawing/2014/main" id="{DF20A6AF-86CD-874E-90EE-C6810AE5AF95}"/>
+                    </a:ext>
+                  </a:extLst>
+                </p:cNvPr>
+                <p:cNvPicPr/>
+                <p:nvPr/>
+              </p:nvPicPr>
+              <p:blipFill>
+                <a:blip r:embed="rId24"/>
+                <a:stretch>
+                  <a:fillRect/>
+                </a:stretch>
+              </p:blipFill>
+              <p:spPr>
+                <a:xfrm>
+                  <a:off x="2553125" y="1988"/>
+                  <a:ext cx="452880" cy="263520"/>
+                </a:xfrm>
+                <a:prstGeom prst="rect">
+                  <a:avLst/>
+                </a:prstGeom>
+              </p:spPr>
+            </p:pic>
+          </mc:Fallback>
+        </mc:AlternateContent>
+        <mc:AlternateContent xmlns:mc="http://schemas.openxmlformats.org/markup-compatibility/2006">
+          <mc:Choice xmlns:p14="http://schemas.microsoft.com/office/powerpoint/2010/main" Requires="p14">
+            <p:contentPart p14:bwMode="auto" r:id="rId25">
+              <p14:nvContentPartPr>
+                <p14:cNvPr id="17" name="Ink 16">
+                  <a:extLst>
+                    <a:ext uri="{FF2B5EF4-FFF2-40B4-BE49-F238E27FC236}">
+                      <a16:creationId xmlns:a16="http://schemas.microsoft.com/office/drawing/2014/main" id="{6BC5C8F7-D974-B842-86D2-71A439D178EB}"/>
+                    </a:ext>
+                  </a:extLst>
+                </p14:cNvPr>
+                <p14:cNvContentPartPr/>
+                <p14:nvPr/>
+              </p14:nvContentPartPr>
+              <p14:xfrm>
+                <a:off x="2846525" y="95588"/>
+                <a:ext cx="205560" cy="34560"/>
+              </p14:xfrm>
+            </p:contentPart>
+          </mc:Choice>
+          <mc:Fallback>
+            <p:pic>
+              <p:nvPicPr>
+                <p:cNvPr id="17" name="Ink 16">
+                  <a:extLst>
+                    <a:ext uri="{FF2B5EF4-FFF2-40B4-BE49-F238E27FC236}">
+                      <a16:creationId xmlns:a16="http://schemas.microsoft.com/office/drawing/2014/main" id="{6BC5C8F7-D974-B842-86D2-71A439D178EB}"/>
+                    </a:ext>
+                  </a:extLst>
+                </p:cNvPr>
+                <p:cNvPicPr/>
+                <p:nvPr/>
+              </p:nvPicPr>
+              <p:blipFill>
+                <a:blip r:embed="rId26"/>
+                <a:stretch>
+                  <a:fillRect/>
+                </a:stretch>
+              </p:blipFill>
+              <p:spPr>
+                <a:xfrm>
+                  <a:off x="2831405" y="80468"/>
+                  <a:ext cx="235800" cy="65160"/>
+                </a:xfrm>
+                <a:prstGeom prst="rect">
+                  <a:avLst/>
+                </a:prstGeom>
+              </p:spPr>
+            </p:pic>
+          </mc:Fallback>
+        </mc:AlternateContent>
+      </p:grpSp>
+      <p:grpSp>
+        <p:nvGrpSpPr>
+          <p:cNvPr id="34" name="Group 33">
+            <a:extLst>
+              <a:ext uri="{FF2B5EF4-FFF2-40B4-BE49-F238E27FC236}">
+                <a16:creationId xmlns:a16="http://schemas.microsoft.com/office/drawing/2014/main" id="{07B3A3C2-68AB-D24D-A451-56E3C696326D}"/>
+              </a:ext>
+            </a:extLst>
+          </p:cNvPr>
+          <p:cNvGrpSpPr/>
+          <p:nvPr/>
+        </p:nvGrpSpPr>
+        <p:grpSpPr>
+          <a:xfrm>
+            <a:off x="4301285" y="-15652"/>
+            <a:ext cx="3827520" cy="457200"/>
+            <a:chOff x="4301285" y="-15652"/>
+            <a:chExt cx="3827520" cy="457200"/>
+          </a:xfrm>
+        </p:grpSpPr>
+        <mc:AlternateContent xmlns:mc="http://schemas.openxmlformats.org/markup-compatibility/2006">
+          <mc:Choice xmlns:p14="http://schemas.microsoft.com/office/powerpoint/2010/main" Requires="p14">
+            <p:contentPart p14:bwMode="auto" r:id="rId27">
+              <p14:nvContentPartPr>
+                <p14:cNvPr id="19" name="Ink 18">
+                  <a:extLst>
+                    <a:ext uri="{FF2B5EF4-FFF2-40B4-BE49-F238E27FC236}">
+                      <a16:creationId xmlns:a16="http://schemas.microsoft.com/office/drawing/2014/main" id="{84B9DCA4-FAB9-064D-A7EB-2E88C560AEA1}"/>
+                    </a:ext>
+                  </a:extLst>
+                </p14:cNvPr>
+                <p14:cNvContentPartPr/>
+                <p14:nvPr/>
+              </p14:nvContentPartPr>
+              <p14:xfrm>
+                <a:off x="4301285" y="22148"/>
+                <a:ext cx="534240" cy="226800"/>
+              </p14:xfrm>
+            </p:contentPart>
+          </mc:Choice>
+          <mc:Fallback>
+            <p:pic>
+              <p:nvPicPr>
+                <p:cNvPr id="19" name="Ink 18">
+                  <a:extLst>
+                    <a:ext uri="{FF2B5EF4-FFF2-40B4-BE49-F238E27FC236}">
+                      <a16:creationId xmlns:a16="http://schemas.microsoft.com/office/drawing/2014/main" id="{84B9DCA4-FAB9-064D-A7EB-2E88C560AEA1}"/>
+                    </a:ext>
+                  </a:extLst>
+                </p:cNvPr>
+                <p:cNvPicPr/>
+                <p:nvPr/>
+              </p:nvPicPr>
+              <p:blipFill>
+                <a:blip r:embed="rId28"/>
+                <a:stretch>
+                  <a:fillRect/>
+                </a:stretch>
+              </p:blipFill>
+              <p:spPr>
+                <a:xfrm>
+                  <a:off x="4285805" y="7028"/>
+                  <a:ext cx="564840" cy="257400"/>
+                </a:xfrm>
+                <a:prstGeom prst="rect">
+                  <a:avLst/>
+                </a:prstGeom>
+              </p:spPr>
+            </p:pic>
+          </mc:Fallback>
+        </mc:AlternateContent>
+        <mc:AlternateContent xmlns:mc="http://schemas.openxmlformats.org/markup-compatibility/2006">
+          <mc:Choice xmlns:p14="http://schemas.microsoft.com/office/powerpoint/2010/main" Requires="p14">
+            <p:contentPart p14:bwMode="auto" r:id="rId29">
+              <p14:nvContentPartPr>
+                <p14:cNvPr id="20" name="Ink 19">
+                  <a:extLst>
+                    <a:ext uri="{FF2B5EF4-FFF2-40B4-BE49-F238E27FC236}">
+                      <a16:creationId xmlns:a16="http://schemas.microsoft.com/office/drawing/2014/main" id="{43FD7B47-DE8F-B64B-8137-5DD6DCE65065}"/>
+                    </a:ext>
+                  </a:extLst>
+                </p14:cNvPr>
+                <p14:cNvContentPartPr/>
+                <p14:nvPr/>
+              </p14:nvContentPartPr>
+              <p14:xfrm>
+                <a:off x="4834085" y="140948"/>
+                <a:ext cx="198360" cy="101880"/>
+              </p14:xfrm>
+            </p:contentPart>
+          </mc:Choice>
+          <mc:Fallback>
+            <p:pic>
+              <p:nvPicPr>
+                <p:cNvPr id="20" name="Ink 19">
+                  <a:extLst>
+                    <a:ext uri="{FF2B5EF4-FFF2-40B4-BE49-F238E27FC236}">
+                      <a16:creationId xmlns:a16="http://schemas.microsoft.com/office/drawing/2014/main" id="{43FD7B47-DE8F-B64B-8137-5DD6DCE65065}"/>
+                    </a:ext>
+                  </a:extLst>
+                </p:cNvPr>
+                <p:cNvPicPr/>
+                <p:nvPr/>
+              </p:nvPicPr>
+              <p:blipFill>
+                <a:blip r:embed="rId30"/>
+                <a:stretch>
+                  <a:fillRect/>
+                </a:stretch>
+              </p:blipFill>
+              <p:spPr>
+                <a:xfrm>
+                  <a:off x="4818605" y="125828"/>
+                  <a:ext cx="228960" cy="132480"/>
+                </a:xfrm>
+                <a:prstGeom prst="rect">
+                  <a:avLst/>
+                </a:prstGeom>
+              </p:spPr>
+            </p:pic>
+          </mc:Fallback>
+        </mc:AlternateContent>
+        <mc:AlternateContent xmlns:mc="http://schemas.openxmlformats.org/markup-compatibility/2006">
+          <mc:Choice xmlns:p14="http://schemas.microsoft.com/office/powerpoint/2010/main" Requires="p14">
+            <p:contentPart p14:bwMode="auto" r:id="rId31">
+              <p14:nvContentPartPr>
+                <p14:cNvPr id="21" name="Ink 20">
+                  <a:extLst>
+                    <a:ext uri="{FF2B5EF4-FFF2-40B4-BE49-F238E27FC236}">
+                      <a16:creationId xmlns:a16="http://schemas.microsoft.com/office/drawing/2014/main" id="{8B8EEA4D-F1AE-0C4A-8B1E-0C6A14F96FF8}"/>
+                    </a:ext>
+                  </a:extLst>
+                </p14:cNvPr>
+                <p14:cNvContentPartPr/>
+                <p14:nvPr/>
+              </p14:nvContentPartPr>
+              <p14:xfrm>
+                <a:off x="4855325" y="84788"/>
+                <a:ext cx="30960" cy="6480"/>
+              </p14:xfrm>
+            </p:contentPart>
+          </mc:Choice>
+          <mc:Fallback>
+            <p:pic>
+              <p:nvPicPr>
+                <p:cNvPr id="21" name="Ink 20">
+                  <a:extLst>
+                    <a:ext uri="{FF2B5EF4-FFF2-40B4-BE49-F238E27FC236}">
+                      <a16:creationId xmlns:a16="http://schemas.microsoft.com/office/drawing/2014/main" id="{8B8EEA4D-F1AE-0C4A-8B1E-0C6A14F96FF8}"/>
+                    </a:ext>
+                  </a:extLst>
+                </p:cNvPr>
+                <p:cNvPicPr/>
+                <p:nvPr/>
+              </p:nvPicPr>
+              <p:blipFill>
+                <a:blip r:embed="rId32"/>
+                <a:stretch>
+                  <a:fillRect/>
+                </a:stretch>
+              </p:blipFill>
+              <p:spPr>
+                <a:xfrm>
+                  <a:off x="4839845" y="69308"/>
+                  <a:ext cx="61560" cy="37080"/>
+                </a:xfrm>
+                <a:prstGeom prst="rect">
+                  <a:avLst/>
+                </a:prstGeom>
+              </p:spPr>
+            </p:pic>
+          </mc:Fallback>
+        </mc:AlternateContent>
+        <mc:AlternateContent xmlns:mc="http://schemas.openxmlformats.org/markup-compatibility/2006">
+          <mc:Choice xmlns:p14="http://schemas.microsoft.com/office/powerpoint/2010/main" Requires="p14">
+            <p:contentPart p14:bwMode="auto" r:id="rId33">
+              <p14:nvContentPartPr>
+                <p14:cNvPr id="22" name="Ink 21">
+                  <a:extLst>
+                    <a:ext uri="{FF2B5EF4-FFF2-40B4-BE49-F238E27FC236}">
+                      <a16:creationId xmlns:a16="http://schemas.microsoft.com/office/drawing/2014/main" id="{AF638040-4C43-6841-BBC1-C551AEAD26C7}"/>
+                    </a:ext>
+                  </a:extLst>
+                </p14:cNvPr>
+                <p14:cNvContentPartPr/>
+                <p14:nvPr/>
+              </p14:nvContentPartPr>
+              <p14:xfrm>
+                <a:off x="5055485" y="109268"/>
+                <a:ext cx="217440" cy="332280"/>
+              </p14:xfrm>
+            </p:contentPart>
+          </mc:Choice>
+          <mc:Fallback>
+            <p:pic>
+              <p:nvPicPr>
+                <p:cNvPr id="22" name="Ink 21">
+                  <a:extLst>
+                    <a:ext uri="{FF2B5EF4-FFF2-40B4-BE49-F238E27FC236}">
+                      <a16:creationId xmlns:a16="http://schemas.microsoft.com/office/drawing/2014/main" id="{AF638040-4C43-6841-BBC1-C551AEAD26C7}"/>
+                    </a:ext>
+                  </a:extLst>
+                </p:cNvPr>
+                <p:cNvPicPr/>
+                <p:nvPr/>
+              </p:nvPicPr>
+              <p:blipFill>
+                <a:blip r:embed="rId34"/>
+                <a:stretch>
+                  <a:fillRect/>
+                </a:stretch>
+              </p:blipFill>
+              <p:spPr>
+                <a:xfrm>
+                  <a:off x="5040365" y="93788"/>
+                  <a:ext cx="247680" cy="362880"/>
+                </a:xfrm>
+                <a:prstGeom prst="rect">
+                  <a:avLst/>
+                </a:prstGeom>
+              </p:spPr>
+            </p:pic>
+          </mc:Fallback>
+        </mc:AlternateContent>
+        <mc:AlternateContent xmlns:mc="http://schemas.openxmlformats.org/markup-compatibility/2006">
+          <mc:Choice xmlns:p14="http://schemas.microsoft.com/office/powerpoint/2010/main" Requires="p14">
+            <p:contentPart p14:bwMode="auto" r:id="rId35">
+              <p14:nvContentPartPr>
+                <p14:cNvPr id="23" name="Ink 22">
+                  <a:extLst>
+                    <a:ext uri="{FF2B5EF4-FFF2-40B4-BE49-F238E27FC236}">
+                      <a16:creationId xmlns:a16="http://schemas.microsoft.com/office/drawing/2014/main" id="{BB58AD48-1CEF-AD48-91F7-D0A629F0B42F}"/>
+                    </a:ext>
+                  </a:extLst>
+                </p14:cNvPr>
+                <p14:cNvContentPartPr/>
+                <p14:nvPr/>
+              </p14:nvContentPartPr>
+              <p14:xfrm>
+                <a:off x="5490365" y="97028"/>
+                <a:ext cx="142920" cy="141120"/>
+              </p14:xfrm>
+            </p:contentPart>
+          </mc:Choice>
+          <mc:Fallback>
+            <p:pic>
+              <p:nvPicPr>
+                <p:cNvPr id="23" name="Ink 22">
+                  <a:extLst>
+                    <a:ext uri="{FF2B5EF4-FFF2-40B4-BE49-F238E27FC236}">
+                      <a16:creationId xmlns:a16="http://schemas.microsoft.com/office/drawing/2014/main" id="{BB58AD48-1CEF-AD48-91F7-D0A629F0B42F}"/>
+                    </a:ext>
+                  </a:extLst>
+                </p:cNvPr>
+                <p:cNvPicPr/>
+                <p:nvPr/>
+              </p:nvPicPr>
+              <p:blipFill>
+                <a:blip r:embed="rId36"/>
+                <a:stretch>
+                  <a:fillRect/>
+                </a:stretch>
+              </p:blipFill>
+              <p:spPr>
+                <a:xfrm>
+                  <a:off x="5475245" y="81548"/>
+                  <a:ext cx="173520" cy="171720"/>
+                </a:xfrm>
+                <a:prstGeom prst="rect">
+                  <a:avLst/>
+                </a:prstGeom>
+              </p:spPr>
+            </p:pic>
+          </mc:Fallback>
+        </mc:AlternateContent>
+        <mc:AlternateContent xmlns:mc="http://schemas.openxmlformats.org/markup-compatibility/2006">
+          <mc:Choice xmlns:p14="http://schemas.microsoft.com/office/powerpoint/2010/main" Requires="p14">
+            <p:contentPart p14:bwMode="auto" r:id="rId37">
+              <p14:nvContentPartPr>
+                <p14:cNvPr id="24" name="Ink 23">
+                  <a:extLst>
+                    <a:ext uri="{FF2B5EF4-FFF2-40B4-BE49-F238E27FC236}">
+                      <a16:creationId xmlns:a16="http://schemas.microsoft.com/office/drawing/2014/main" id="{29941257-A0C8-DB42-9027-086E037F7C23}"/>
+                    </a:ext>
+                  </a:extLst>
+                </p14:cNvPr>
+                <p14:cNvContentPartPr/>
+                <p14:nvPr/>
+              </p14:nvContentPartPr>
+              <p14:xfrm>
+                <a:off x="5644805" y="148508"/>
+                <a:ext cx="265680" cy="82440"/>
+              </p14:xfrm>
+            </p:contentPart>
+          </mc:Choice>
+          <mc:Fallback>
+            <p:pic>
+              <p:nvPicPr>
+                <p:cNvPr id="24" name="Ink 23">
+                  <a:extLst>
+                    <a:ext uri="{FF2B5EF4-FFF2-40B4-BE49-F238E27FC236}">
+                      <a16:creationId xmlns:a16="http://schemas.microsoft.com/office/drawing/2014/main" id="{29941257-A0C8-DB42-9027-086E037F7C23}"/>
+                    </a:ext>
+                  </a:extLst>
+                </p:cNvPr>
+                <p:cNvPicPr/>
+                <p:nvPr/>
+              </p:nvPicPr>
+              <p:blipFill>
+                <a:blip r:embed="rId38"/>
+                <a:stretch>
+                  <a:fillRect/>
+                </a:stretch>
+              </p:blipFill>
+              <p:spPr>
+                <a:xfrm>
+                  <a:off x="5629685" y="133028"/>
+                  <a:ext cx="296280" cy="113040"/>
+                </a:xfrm>
+                <a:prstGeom prst="rect">
+                  <a:avLst/>
+                </a:prstGeom>
+              </p:spPr>
+            </p:pic>
+          </mc:Fallback>
+        </mc:AlternateContent>
+        <mc:AlternateContent xmlns:mc="http://schemas.openxmlformats.org/markup-compatibility/2006">
+          <mc:Choice xmlns:p14="http://schemas.microsoft.com/office/powerpoint/2010/main" Requires="p14">
+            <p:contentPart p14:bwMode="auto" r:id="rId39">
+              <p14:nvContentPartPr>
+                <p14:cNvPr id="25" name="Ink 24">
+                  <a:extLst>
+                    <a:ext uri="{FF2B5EF4-FFF2-40B4-BE49-F238E27FC236}">
+                      <a16:creationId xmlns:a16="http://schemas.microsoft.com/office/drawing/2014/main" id="{6A339419-69A5-2843-8558-2B627E340048}"/>
+                    </a:ext>
+                  </a:extLst>
+                </p14:cNvPr>
+                <p14:cNvContentPartPr/>
+                <p14:nvPr/>
+              </p14:nvContentPartPr>
+              <p14:xfrm>
+                <a:off x="5861885" y="45548"/>
+                <a:ext cx="569520" cy="191520"/>
+              </p14:xfrm>
+            </p:contentPart>
+          </mc:Choice>
+          <mc:Fallback>
+            <p:pic>
+              <p:nvPicPr>
+                <p:cNvPr id="25" name="Ink 24">
+                  <a:extLst>
+                    <a:ext uri="{FF2B5EF4-FFF2-40B4-BE49-F238E27FC236}">
+                      <a16:creationId xmlns:a16="http://schemas.microsoft.com/office/drawing/2014/main" id="{6A339419-69A5-2843-8558-2B627E340048}"/>
+                    </a:ext>
+                  </a:extLst>
+                </p:cNvPr>
+                <p:cNvPicPr/>
+                <p:nvPr/>
+              </p:nvPicPr>
+              <p:blipFill>
+                <a:blip r:embed="rId40"/>
+                <a:stretch>
+                  <a:fillRect/>
+                </a:stretch>
+              </p:blipFill>
+              <p:spPr>
+                <a:xfrm>
+                  <a:off x="5846765" y="30068"/>
+                  <a:ext cx="600120" cy="221760"/>
+                </a:xfrm>
+                <a:prstGeom prst="rect">
+                  <a:avLst/>
+                </a:prstGeom>
+              </p:spPr>
+            </p:pic>
+          </mc:Fallback>
+        </mc:AlternateContent>
+        <mc:AlternateContent xmlns:mc="http://schemas.openxmlformats.org/markup-compatibility/2006">
+          <mc:Choice xmlns:p14="http://schemas.microsoft.com/office/powerpoint/2010/main" Requires="p14">
+            <p:contentPart p14:bwMode="auto" r:id="rId41">
+              <p14:nvContentPartPr>
+                <p14:cNvPr id="26" name="Ink 25">
+                  <a:extLst>
+                    <a:ext uri="{FF2B5EF4-FFF2-40B4-BE49-F238E27FC236}">
+                      <a16:creationId xmlns:a16="http://schemas.microsoft.com/office/drawing/2014/main" id="{55EC916D-2DE2-F74C-9B73-960253B129E1}"/>
+                    </a:ext>
+                  </a:extLst>
+                </p14:cNvPr>
+                <p14:cNvContentPartPr/>
+                <p14:nvPr/>
+              </p14:nvContentPartPr>
+              <p14:xfrm>
+                <a:off x="6596285" y="70028"/>
+                <a:ext cx="138240" cy="173160"/>
+              </p14:xfrm>
+            </p:contentPart>
+          </mc:Choice>
+          <mc:Fallback>
+            <p:pic>
+              <p:nvPicPr>
+                <p:cNvPr id="26" name="Ink 25">
+                  <a:extLst>
+                    <a:ext uri="{FF2B5EF4-FFF2-40B4-BE49-F238E27FC236}">
+                      <a16:creationId xmlns:a16="http://schemas.microsoft.com/office/drawing/2014/main" id="{55EC916D-2DE2-F74C-9B73-960253B129E1}"/>
+                    </a:ext>
+                  </a:extLst>
+                </p:cNvPr>
+                <p:cNvPicPr/>
+                <p:nvPr/>
+              </p:nvPicPr>
+              <p:blipFill>
+                <a:blip r:embed="rId42"/>
+                <a:stretch>
+                  <a:fillRect/>
+                </a:stretch>
+              </p:blipFill>
+              <p:spPr>
+                <a:xfrm>
+                  <a:off x="6580805" y="54548"/>
+                  <a:ext cx="168840" cy="203400"/>
+                </a:xfrm>
+                <a:prstGeom prst="rect">
+                  <a:avLst/>
+                </a:prstGeom>
+              </p:spPr>
+            </p:pic>
+          </mc:Fallback>
+        </mc:AlternateContent>
+        <mc:AlternateContent xmlns:mc="http://schemas.openxmlformats.org/markup-compatibility/2006">
+          <mc:Choice xmlns:p14="http://schemas.microsoft.com/office/powerpoint/2010/main" Requires="p14">
+            <p:contentPart p14:bwMode="auto" r:id="rId43">
+              <p14:nvContentPartPr>
+                <p14:cNvPr id="28" name="Ink 27">
+                  <a:extLst>
+                    <a:ext uri="{FF2B5EF4-FFF2-40B4-BE49-F238E27FC236}">
+                      <a16:creationId xmlns:a16="http://schemas.microsoft.com/office/drawing/2014/main" id="{D764CE11-3868-E74D-8524-D255F73F9175}"/>
+                    </a:ext>
+                  </a:extLst>
+                </p14:cNvPr>
+                <p14:cNvContentPartPr/>
+                <p14:nvPr/>
+              </p14:nvContentPartPr>
+              <p14:xfrm>
+                <a:off x="6941525" y="24668"/>
+                <a:ext cx="449280" cy="217080"/>
+              </p14:xfrm>
+            </p:contentPart>
+          </mc:Choice>
+          <mc:Fallback>
+            <p:pic>
+              <p:nvPicPr>
+                <p:cNvPr id="28" name="Ink 27">
+                  <a:extLst>
+                    <a:ext uri="{FF2B5EF4-FFF2-40B4-BE49-F238E27FC236}">
+                      <a16:creationId xmlns:a16="http://schemas.microsoft.com/office/drawing/2014/main" id="{D764CE11-3868-E74D-8524-D255F73F9175}"/>
+                    </a:ext>
+                  </a:extLst>
+                </p:cNvPr>
+                <p:cNvPicPr/>
+                <p:nvPr/>
+              </p:nvPicPr>
+              <p:blipFill>
+                <a:blip r:embed="rId44"/>
+                <a:stretch>
+                  <a:fillRect/>
+                </a:stretch>
+              </p:blipFill>
+              <p:spPr>
+                <a:xfrm>
+                  <a:off x="6926405" y="9188"/>
+                  <a:ext cx="479880" cy="247680"/>
+                </a:xfrm>
+                <a:prstGeom prst="rect">
+                  <a:avLst/>
+                </a:prstGeom>
+              </p:spPr>
+            </p:pic>
+          </mc:Fallback>
+        </mc:AlternateContent>
+        <mc:AlternateContent xmlns:mc="http://schemas.openxmlformats.org/markup-compatibility/2006">
+          <mc:Choice xmlns:p14="http://schemas.microsoft.com/office/powerpoint/2010/main" Requires="p14">
+            <p:contentPart p14:bwMode="auto" r:id="rId45">
+              <p14:nvContentPartPr>
+                <p14:cNvPr id="29" name="Ink 28">
+                  <a:extLst>
+                    <a:ext uri="{FF2B5EF4-FFF2-40B4-BE49-F238E27FC236}">
+                      <a16:creationId xmlns:a16="http://schemas.microsoft.com/office/drawing/2014/main" id="{A3F663AB-69F1-6B42-B41E-4ABB3EC820BF}"/>
+                    </a:ext>
+                  </a:extLst>
+                </p14:cNvPr>
+                <p14:cNvContentPartPr/>
+                <p14:nvPr/>
+              </p14:nvContentPartPr>
+              <p14:xfrm>
+                <a:off x="7256165" y="117548"/>
+                <a:ext cx="133560" cy="6480"/>
+              </p14:xfrm>
+            </p:contentPart>
+          </mc:Choice>
+          <mc:Fallback>
+            <p:pic>
+              <p:nvPicPr>
+                <p:cNvPr id="29" name="Ink 28">
+                  <a:extLst>
+                    <a:ext uri="{FF2B5EF4-FFF2-40B4-BE49-F238E27FC236}">
+                      <a16:creationId xmlns:a16="http://schemas.microsoft.com/office/drawing/2014/main" id="{A3F663AB-69F1-6B42-B41E-4ABB3EC820BF}"/>
+                    </a:ext>
+                  </a:extLst>
+                </p:cNvPr>
+                <p:cNvPicPr/>
+                <p:nvPr/>
+              </p:nvPicPr>
+              <p:blipFill>
+                <a:blip r:embed="rId46"/>
+                <a:stretch>
+                  <a:fillRect/>
+                </a:stretch>
+              </p:blipFill>
+              <p:spPr>
+                <a:xfrm>
+                  <a:off x="7241045" y="102428"/>
+                  <a:ext cx="164160" cy="37080"/>
+                </a:xfrm>
+                <a:prstGeom prst="rect">
+                  <a:avLst/>
+                </a:prstGeom>
+              </p:spPr>
+            </p:pic>
+          </mc:Fallback>
+        </mc:AlternateContent>
+        <mc:AlternateContent xmlns:mc="http://schemas.openxmlformats.org/markup-compatibility/2006">
+          <mc:Choice xmlns:p14="http://schemas.microsoft.com/office/powerpoint/2010/main" Requires="p14">
+            <p:contentPart p14:bwMode="auto" r:id="rId47">
+              <p14:nvContentPartPr>
+                <p14:cNvPr id="30" name="Ink 29">
+                  <a:extLst>
+                    <a:ext uri="{FF2B5EF4-FFF2-40B4-BE49-F238E27FC236}">
+                      <a16:creationId xmlns:a16="http://schemas.microsoft.com/office/drawing/2014/main" id="{FD55DCBA-EA2A-E74C-B185-4BE64BD07B0C}"/>
+                    </a:ext>
+                  </a:extLst>
+                </p14:cNvPr>
+                <p14:cNvContentPartPr/>
+                <p14:nvPr/>
+              </p14:nvContentPartPr>
+              <p14:xfrm>
+                <a:off x="7385765" y="98108"/>
+                <a:ext cx="126360" cy="120240"/>
+              </p14:xfrm>
+            </p:contentPart>
+          </mc:Choice>
+          <mc:Fallback>
+            <p:pic>
+              <p:nvPicPr>
+                <p:cNvPr id="30" name="Ink 29">
+                  <a:extLst>
+                    <a:ext uri="{FF2B5EF4-FFF2-40B4-BE49-F238E27FC236}">
+                      <a16:creationId xmlns:a16="http://schemas.microsoft.com/office/drawing/2014/main" id="{FD55DCBA-EA2A-E74C-B185-4BE64BD07B0C}"/>
+                    </a:ext>
+                  </a:extLst>
+                </p:cNvPr>
+                <p:cNvPicPr/>
+                <p:nvPr/>
+              </p:nvPicPr>
+              <p:blipFill>
+                <a:blip r:embed="rId48"/>
+                <a:stretch>
+                  <a:fillRect/>
+                </a:stretch>
+              </p:blipFill>
+              <p:spPr>
+                <a:xfrm>
+                  <a:off x="7370645" y="82988"/>
+                  <a:ext cx="156960" cy="150840"/>
+                </a:xfrm>
+                <a:prstGeom prst="rect">
+                  <a:avLst/>
+                </a:prstGeom>
+              </p:spPr>
+            </p:pic>
+          </mc:Fallback>
+        </mc:AlternateContent>
+        <mc:AlternateContent xmlns:mc="http://schemas.openxmlformats.org/markup-compatibility/2006">
+          <mc:Choice xmlns:p14="http://schemas.microsoft.com/office/powerpoint/2010/main" Requires="p14">
+            <p:contentPart p14:bwMode="auto" r:id="rId49">
+              <p14:nvContentPartPr>
+                <p14:cNvPr id="31" name="Ink 30">
+                  <a:extLst>
+                    <a:ext uri="{FF2B5EF4-FFF2-40B4-BE49-F238E27FC236}">
+                      <a16:creationId xmlns:a16="http://schemas.microsoft.com/office/drawing/2014/main" id="{727C5417-1213-954A-BAA8-FC8D8CEA89B3}"/>
+                    </a:ext>
+                  </a:extLst>
+                </p14:cNvPr>
+                <p14:cNvContentPartPr/>
+                <p14:nvPr/>
+              </p14:nvContentPartPr>
+              <p14:xfrm>
+                <a:off x="7524005" y="105308"/>
+                <a:ext cx="220680" cy="110520"/>
+              </p14:xfrm>
+            </p:contentPart>
+          </mc:Choice>
+          <mc:Fallback>
+            <p:pic>
+              <p:nvPicPr>
+                <p:cNvPr id="31" name="Ink 30">
+                  <a:extLst>
+                    <a:ext uri="{FF2B5EF4-FFF2-40B4-BE49-F238E27FC236}">
+                      <a16:creationId xmlns:a16="http://schemas.microsoft.com/office/drawing/2014/main" id="{727C5417-1213-954A-BAA8-FC8D8CEA89B3}"/>
+                    </a:ext>
+                  </a:extLst>
+                </p:cNvPr>
+                <p:cNvPicPr/>
+                <p:nvPr/>
+              </p:nvPicPr>
+              <p:blipFill>
+                <a:blip r:embed="rId50"/>
+                <a:stretch>
+                  <a:fillRect/>
+                </a:stretch>
+              </p:blipFill>
+              <p:spPr>
+                <a:xfrm>
+                  <a:off x="7508525" y="90188"/>
+                  <a:ext cx="251280" cy="141120"/>
+                </a:xfrm>
+                <a:prstGeom prst="rect">
+                  <a:avLst/>
+                </a:prstGeom>
+              </p:spPr>
+            </p:pic>
+          </mc:Fallback>
+        </mc:AlternateContent>
+        <mc:AlternateContent xmlns:mc="http://schemas.openxmlformats.org/markup-compatibility/2006">
+          <mc:Choice xmlns:p14="http://schemas.microsoft.com/office/powerpoint/2010/main" Requires="p14">
+            <p:contentPart p14:bwMode="auto" r:id="rId51">
+              <p14:nvContentPartPr>
+                <p14:cNvPr id="32" name="Ink 31">
+                  <a:extLst>
+                    <a:ext uri="{FF2B5EF4-FFF2-40B4-BE49-F238E27FC236}">
+                      <a16:creationId xmlns:a16="http://schemas.microsoft.com/office/drawing/2014/main" id="{B42694FA-A134-7048-99F9-BE9FC0579DA3}"/>
+                    </a:ext>
+                  </a:extLst>
+                </p14:cNvPr>
+                <p14:cNvContentPartPr/>
+                <p14:nvPr/>
+              </p14:nvContentPartPr>
+              <p14:xfrm>
+                <a:off x="7666565" y="43028"/>
+                <a:ext cx="2520" cy="21240"/>
+              </p14:xfrm>
+            </p:contentPart>
+          </mc:Choice>
+          <mc:Fallback>
+            <p:pic>
+              <p:nvPicPr>
+                <p:cNvPr id="32" name="Ink 31">
+                  <a:extLst>
+                    <a:ext uri="{FF2B5EF4-FFF2-40B4-BE49-F238E27FC236}">
+                      <a16:creationId xmlns:a16="http://schemas.microsoft.com/office/drawing/2014/main" id="{B42694FA-A134-7048-99F9-BE9FC0579DA3}"/>
+                    </a:ext>
+                  </a:extLst>
+                </p:cNvPr>
+                <p:cNvPicPr/>
+                <p:nvPr/>
+              </p:nvPicPr>
+              <p:blipFill>
+                <a:blip r:embed="rId52"/>
+                <a:stretch>
+                  <a:fillRect/>
+                </a:stretch>
+              </p:blipFill>
+              <p:spPr>
+                <a:xfrm>
+                  <a:off x="7651445" y="27908"/>
+                  <a:ext cx="33120" cy="51840"/>
+                </a:xfrm>
+                <a:prstGeom prst="rect">
+                  <a:avLst/>
+                </a:prstGeom>
+              </p:spPr>
+            </p:pic>
+          </mc:Fallback>
+        </mc:AlternateContent>
+        <mc:AlternateContent xmlns:mc="http://schemas.openxmlformats.org/markup-compatibility/2006">
+          <mc:Choice xmlns:p14="http://schemas.microsoft.com/office/powerpoint/2010/main" Requires="p14">
+            <p:contentPart p14:bwMode="auto" r:id="rId53">
+              <p14:nvContentPartPr>
+                <p14:cNvPr id="33" name="Ink 32">
+                  <a:extLst>
+                    <a:ext uri="{FF2B5EF4-FFF2-40B4-BE49-F238E27FC236}">
+                      <a16:creationId xmlns:a16="http://schemas.microsoft.com/office/drawing/2014/main" id="{579EA79F-9FEE-254F-97D8-049898CBDA09}"/>
+                    </a:ext>
+                  </a:extLst>
+                </p14:cNvPr>
+                <p14:cNvContentPartPr/>
+                <p14:nvPr/>
+              </p14:nvContentPartPr>
+              <p14:xfrm>
+                <a:off x="7754765" y="-15652"/>
+                <a:ext cx="374040" cy="228240"/>
+              </p14:xfrm>
+            </p:contentPart>
+          </mc:Choice>
+          <mc:Fallback>
+            <p:pic>
+              <p:nvPicPr>
+                <p:cNvPr id="33" name="Ink 32">
+                  <a:extLst>
+                    <a:ext uri="{FF2B5EF4-FFF2-40B4-BE49-F238E27FC236}">
+                      <a16:creationId xmlns:a16="http://schemas.microsoft.com/office/drawing/2014/main" id="{579EA79F-9FEE-254F-97D8-049898CBDA09}"/>
+                    </a:ext>
+                  </a:extLst>
+                </p:cNvPr>
+                <p:cNvPicPr/>
+                <p:nvPr/>
+              </p:nvPicPr>
+              <p:blipFill>
+                <a:blip r:embed="rId54"/>
+                <a:stretch>
+                  <a:fillRect/>
+                </a:stretch>
+              </p:blipFill>
+              <p:spPr>
+                <a:xfrm>
+                  <a:off x="7739645" y="-31132"/>
+                  <a:ext cx="404640" cy="258840"/>
+                </a:xfrm>
+                <a:prstGeom prst="rect">
+                  <a:avLst/>
+                </a:prstGeom>
+              </p:spPr>
+            </p:pic>
+          </mc:Fallback>
+        </mc:AlternateContent>
+      </p:grpSp>
+      <p:grpSp>
+        <p:nvGrpSpPr>
+          <p:cNvPr id="59" name="Group 58">
+            <a:extLst>
+              <a:ext uri="{FF2B5EF4-FFF2-40B4-BE49-F238E27FC236}">
+                <a16:creationId xmlns:a16="http://schemas.microsoft.com/office/drawing/2014/main" id="{6123354C-9CE5-F94D-AF0B-3151687DCD9B}"/>
+              </a:ext>
+            </a:extLst>
+          </p:cNvPr>
+          <p:cNvGrpSpPr/>
+          <p:nvPr/>
+        </p:nvGrpSpPr>
+        <p:grpSpPr>
+          <a:xfrm>
+            <a:off x="1759685" y="3218948"/>
+            <a:ext cx="1482120" cy="248760"/>
+            <a:chOff x="1759685" y="3218948"/>
+            <a:chExt cx="1482120" cy="248760"/>
+          </a:xfrm>
+        </p:grpSpPr>
+        <mc:AlternateContent xmlns:mc="http://schemas.openxmlformats.org/markup-compatibility/2006">
+          <mc:Choice xmlns:p14="http://schemas.microsoft.com/office/powerpoint/2010/main" Requires="p14">
+            <p:contentPart p14:bwMode="auto" r:id="rId55">
+              <p14:nvContentPartPr>
+                <p14:cNvPr id="35" name="Ink 34">
+                  <a:extLst>
+                    <a:ext uri="{FF2B5EF4-FFF2-40B4-BE49-F238E27FC236}">
+                      <a16:creationId xmlns:a16="http://schemas.microsoft.com/office/drawing/2014/main" id="{A2EAE018-40C6-CA4B-8ED9-15FCCB31CD1C}"/>
+                    </a:ext>
+                  </a:extLst>
+                </p14:cNvPr>
+                <p14:cNvContentPartPr/>
+                <p14:nvPr/>
+              </p14:nvContentPartPr>
+              <p14:xfrm>
+                <a:off x="1860125" y="3283388"/>
+                <a:ext cx="28800" cy="140400"/>
+              </p14:xfrm>
+            </p:contentPart>
+          </mc:Choice>
+          <mc:Fallback>
+            <p:pic>
+              <p:nvPicPr>
+                <p:cNvPr id="35" name="Ink 34">
+                  <a:extLst>
+                    <a:ext uri="{FF2B5EF4-FFF2-40B4-BE49-F238E27FC236}">
+                      <a16:creationId xmlns:a16="http://schemas.microsoft.com/office/drawing/2014/main" id="{A2EAE018-40C6-CA4B-8ED9-15FCCB31CD1C}"/>
+                    </a:ext>
+                  </a:extLst>
+                </p:cNvPr>
+                <p:cNvPicPr/>
+                <p:nvPr/>
+              </p:nvPicPr>
+              <p:blipFill>
+                <a:blip r:embed="rId56"/>
+                <a:stretch>
+                  <a:fillRect/>
+                </a:stretch>
+              </p:blipFill>
+              <p:spPr>
+                <a:xfrm>
+                  <a:off x="1844645" y="3268268"/>
+                  <a:ext cx="59040" cy="170640"/>
+                </a:xfrm>
+                <a:prstGeom prst="rect">
+                  <a:avLst/>
+                </a:prstGeom>
+              </p:spPr>
+            </p:pic>
+          </mc:Fallback>
+        </mc:AlternateContent>
+        <mc:AlternateContent xmlns:mc="http://schemas.openxmlformats.org/markup-compatibility/2006">
+          <mc:Choice xmlns:p14="http://schemas.microsoft.com/office/powerpoint/2010/main" Requires="p14">
+            <p:contentPart p14:bwMode="auto" r:id="rId57">
+              <p14:nvContentPartPr>
+                <p14:cNvPr id="36" name="Ink 35">
+                  <a:extLst>
+                    <a:ext uri="{FF2B5EF4-FFF2-40B4-BE49-F238E27FC236}">
+                      <a16:creationId xmlns:a16="http://schemas.microsoft.com/office/drawing/2014/main" id="{2786D946-0DED-F742-912E-57EF5BD443E3}"/>
+                    </a:ext>
+                  </a:extLst>
+                </p14:cNvPr>
+                <p14:cNvContentPartPr/>
+                <p14:nvPr/>
+              </p14:nvContentPartPr>
+              <p14:xfrm>
+                <a:off x="1759685" y="3288788"/>
+                <a:ext cx="186480" cy="29880"/>
+              </p14:xfrm>
+            </p:contentPart>
+          </mc:Choice>
+          <mc:Fallback>
+            <p:pic>
+              <p:nvPicPr>
+                <p:cNvPr id="36" name="Ink 35">
+                  <a:extLst>
+                    <a:ext uri="{FF2B5EF4-FFF2-40B4-BE49-F238E27FC236}">
+                      <a16:creationId xmlns:a16="http://schemas.microsoft.com/office/drawing/2014/main" id="{2786D946-0DED-F742-912E-57EF5BD443E3}"/>
+                    </a:ext>
+                  </a:extLst>
+                </p:cNvPr>
+                <p:cNvPicPr/>
+                <p:nvPr/>
+              </p:nvPicPr>
+              <p:blipFill>
+                <a:blip r:embed="rId58"/>
+                <a:stretch>
+                  <a:fillRect/>
+                </a:stretch>
+              </p:blipFill>
+              <p:spPr>
+                <a:xfrm>
+                  <a:off x="1744565" y="3273308"/>
+                  <a:ext cx="217080" cy="60120"/>
+                </a:xfrm>
+                <a:prstGeom prst="rect">
+                  <a:avLst/>
+                </a:prstGeom>
+              </p:spPr>
+            </p:pic>
+          </mc:Fallback>
+        </mc:AlternateContent>
+        <mc:AlternateContent xmlns:mc="http://schemas.openxmlformats.org/markup-compatibility/2006">
+          <mc:Choice xmlns:p14="http://schemas.microsoft.com/office/powerpoint/2010/main" Requires="p14">
+            <p:contentPart p14:bwMode="auto" r:id="rId59">
+              <p14:nvContentPartPr>
+                <p14:cNvPr id="37" name="Ink 36">
+                  <a:extLst>
+                    <a:ext uri="{FF2B5EF4-FFF2-40B4-BE49-F238E27FC236}">
+                      <a16:creationId xmlns:a16="http://schemas.microsoft.com/office/drawing/2014/main" id="{8B592B87-D725-C643-9DB0-222388BB40E4}"/>
+                    </a:ext>
+                  </a:extLst>
+                </p14:cNvPr>
+                <p14:cNvContentPartPr/>
+                <p14:nvPr/>
+              </p14:nvContentPartPr>
+              <p14:xfrm>
+                <a:off x="1770485" y="3435668"/>
+                <a:ext cx="181800" cy="32040"/>
+              </p14:xfrm>
+            </p:contentPart>
+          </mc:Choice>
+          <mc:Fallback>
+            <p:pic>
+              <p:nvPicPr>
+                <p:cNvPr id="37" name="Ink 36">
+                  <a:extLst>
+                    <a:ext uri="{FF2B5EF4-FFF2-40B4-BE49-F238E27FC236}">
+                      <a16:creationId xmlns:a16="http://schemas.microsoft.com/office/drawing/2014/main" id="{8B592B87-D725-C643-9DB0-222388BB40E4}"/>
+                    </a:ext>
+                  </a:extLst>
+                </p:cNvPr>
+                <p:cNvPicPr/>
+                <p:nvPr/>
+              </p:nvPicPr>
+              <p:blipFill>
+                <a:blip r:embed="rId60"/>
+                <a:stretch>
+                  <a:fillRect/>
+                </a:stretch>
+              </p:blipFill>
+              <p:spPr>
+                <a:xfrm>
+                  <a:off x="1755365" y="3420548"/>
+                  <a:ext cx="212400" cy="62640"/>
+                </a:xfrm>
+                <a:prstGeom prst="rect">
+                  <a:avLst/>
+                </a:prstGeom>
+              </p:spPr>
+            </p:pic>
+          </mc:Fallback>
+        </mc:AlternateContent>
+        <mc:AlternateContent xmlns:mc="http://schemas.openxmlformats.org/markup-compatibility/2006">
+          <mc:Choice xmlns:p14="http://schemas.microsoft.com/office/powerpoint/2010/main" Requires="p14">
+            <p:contentPart p14:bwMode="auto" r:id="rId61">
+              <p14:nvContentPartPr>
+                <p14:cNvPr id="38" name="Ink 37">
+                  <a:extLst>
+                    <a:ext uri="{FF2B5EF4-FFF2-40B4-BE49-F238E27FC236}">
+                      <a16:creationId xmlns:a16="http://schemas.microsoft.com/office/drawing/2014/main" id="{C079049C-24A7-D54C-BBCF-6DAB637C0845}"/>
+                    </a:ext>
+                  </a:extLst>
+                </p14:cNvPr>
+                <p14:cNvContentPartPr/>
+                <p14:nvPr/>
+              </p14:nvContentPartPr>
+              <p14:xfrm>
+                <a:off x="1985045" y="3294908"/>
+                <a:ext cx="18000" cy="142560"/>
+              </p14:xfrm>
+            </p:contentPart>
+          </mc:Choice>
+          <mc:Fallback>
+            <p:pic>
+              <p:nvPicPr>
+                <p:cNvPr id="38" name="Ink 37">
+                  <a:extLst>
+                    <a:ext uri="{FF2B5EF4-FFF2-40B4-BE49-F238E27FC236}">
+                      <a16:creationId xmlns:a16="http://schemas.microsoft.com/office/drawing/2014/main" id="{C079049C-24A7-D54C-BBCF-6DAB637C0845}"/>
+                    </a:ext>
+                  </a:extLst>
+                </p:cNvPr>
+                <p:cNvPicPr/>
+                <p:nvPr/>
+              </p:nvPicPr>
+              <p:blipFill>
+                <a:blip r:embed="rId62"/>
+                <a:stretch>
+                  <a:fillRect/>
+                </a:stretch>
+              </p:blipFill>
+              <p:spPr>
+                <a:xfrm>
+                  <a:off x="1969565" y="3279428"/>
+                  <a:ext cx="48600" cy="172800"/>
+                </a:xfrm>
+                <a:prstGeom prst="rect">
+                  <a:avLst/>
+                </a:prstGeom>
+              </p:spPr>
+            </p:pic>
+          </mc:Fallback>
+        </mc:AlternateContent>
+        <mc:AlternateContent xmlns:mc="http://schemas.openxmlformats.org/markup-compatibility/2006">
+          <mc:Choice xmlns:p14="http://schemas.microsoft.com/office/powerpoint/2010/main" Requires="p14">
+            <p:contentPart p14:bwMode="auto" r:id="rId63">
+              <p14:nvContentPartPr>
+                <p14:cNvPr id="39" name="Ink 38">
+                  <a:extLst>
+                    <a:ext uri="{FF2B5EF4-FFF2-40B4-BE49-F238E27FC236}">
+                      <a16:creationId xmlns:a16="http://schemas.microsoft.com/office/drawing/2014/main" id="{41B2FCD0-496F-434D-82E3-66BF34FD9052}"/>
+                    </a:ext>
+                  </a:extLst>
+                </p14:cNvPr>
+                <p14:cNvContentPartPr/>
+                <p14:nvPr/>
+              </p14:nvContentPartPr>
+              <p14:xfrm>
+                <a:off x="1962365" y="3335228"/>
+                <a:ext cx="134640" cy="13680"/>
+              </p14:xfrm>
+            </p:contentPart>
+          </mc:Choice>
+          <mc:Fallback>
+            <p:pic>
+              <p:nvPicPr>
+                <p:cNvPr id="39" name="Ink 38">
+                  <a:extLst>
+                    <a:ext uri="{FF2B5EF4-FFF2-40B4-BE49-F238E27FC236}">
+                      <a16:creationId xmlns:a16="http://schemas.microsoft.com/office/drawing/2014/main" id="{41B2FCD0-496F-434D-82E3-66BF34FD9052}"/>
+                    </a:ext>
+                  </a:extLst>
+                </p:cNvPr>
+                <p:cNvPicPr/>
+                <p:nvPr/>
+              </p:nvPicPr>
+              <p:blipFill>
+                <a:blip r:embed="rId64"/>
+                <a:stretch>
+                  <a:fillRect/>
+                </a:stretch>
+              </p:blipFill>
+              <p:spPr>
+                <a:xfrm>
+                  <a:off x="1947245" y="3320108"/>
+                  <a:ext cx="165240" cy="44280"/>
+                </a:xfrm>
+                <a:prstGeom prst="rect">
+                  <a:avLst/>
+                </a:prstGeom>
+              </p:spPr>
+            </p:pic>
+          </mc:Fallback>
+        </mc:AlternateContent>
+        <mc:AlternateContent xmlns:mc="http://schemas.openxmlformats.org/markup-compatibility/2006">
+          <mc:Choice xmlns:p14="http://schemas.microsoft.com/office/powerpoint/2010/main" Requires="p14">
+            <p:contentPart p14:bwMode="auto" r:id="rId65">
+              <p14:nvContentPartPr>
+                <p14:cNvPr id="40" name="Ink 39">
+                  <a:extLst>
+                    <a:ext uri="{FF2B5EF4-FFF2-40B4-BE49-F238E27FC236}">
+                      <a16:creationId xmlns:a16="http://schemas.microsoft.com/office/drawing/2014/main" id="{33F1EEC3-DDA9-0A46-8C85-DEA84B504739}"/>
+                    </a:ext>
+                  </a:extLst>
+                </p14:cNvPr>
+                <p14:cNvContentPartPr/>
+                <p14:nvPr/>
+              </p14:nvContentPartPr>
+              <p14:xfrm>
+                <a:off x="2077925" y="3303188"/>
+                <a:ext cx="236160" cy="158400"/>
+              </p14:xfrm>
+            </p:contentPart>
+          </mc:Choice>
+          <mc:Fallback>
+            <p:pic>
+              <p:nvPicPr>
+                <p:cNvPr id="40" name="Ink 39">
+                  <a:extLst>
+                    <a:ext uri="{FF2B5EF4-FFF2-40B4-BE49-F238E27FC236}">
+                      <a16:creationId xmlns:a16="http://schemas.microsoft.com/office/drawing/2014/main" id="{33F1EEC3-DDA9-0A46-8C85-DEA84B504739}"/>
+                    </a:ext>
+                  </a:extLst>
+                </p:cNvPr>
+                <p:cNvPicPr/>
+                <p:nvPr/>
+              </p:nvPicPr>
+              <p:blipFill>
+                <a:blip r:embed="rId66"/>
+                <a:stretch>
+                  <a:fillRect/>
+                </a:stretch>
+              </p:blipFill>
+              <p:spPr>
+                <a:xfrm>
+                  <a:off x="2062805" y="3288068"/>
+                  <a:ext cx="266760" cy="189000"/>
+                </a:xfrm>
+                <a:prstGeom prst="rect">
+                  <a:avLst/>
+                </a:prstGeom>
+              </p:spPr>
+            </p:pic>
+          </mc:Fallback>
+        </mc:AlternateContent>
+        <mc:AlternateContent xmlns:mc="http://schemas.openxmlformats.org/markup-compatibility/2006">
+          <mc:Choice xmlns:p14="http://schemas.microsoft.com/office/powerpoint/2010/main" Requires="p14">
+            <p:contentPart p14:bwMode="auto" r:id="rId67">
+              <p14:nvContentPartPr>
+                <p14:cNvPr id="41" name="Ink 40">
+                  <a:extLst>
+                    <a:ext uri="{FF2B5EF4-FFF2-40B4-BE49-F238E27FC236}">
+                      <a16:creationId xmlns:a16="http://schemas.microsoft.com/office/drawing/2014/main" id="{4CD6454A-490F-1A4E-AEDB-A5C674CB8D2D}"/>
+                    </a:ext>
+                  </a:extLst>
+                </p14:cNvPr>
+                <p14:cNvContentPartPr/>
+                <p14:nvPr/>
+              </p14:nvContentPartPr>
+              <p14:xfrm>
+                <a:off x="2356205" y="3218948"/>
+                <a:ext cx="261000" cy="207360"/>
+              </p14:xfrm>
+            </p:contentPart>
+          </mc:Choice>
+          <mc:Fallback>
+            <p:pic>
+              <p:nvPicPr>
+                <p:cNvPr id="41" name="Ink 40">
+                  <a:extLst>
+                    <a:ext uri="{FF2B5EF4-FFF2-40B4-BE49-F238E27FC236}">
+                      <a16:creationId xmlns:a16="http://schemas.microsoft.com/office/drawing/2014/main" id="{4CD6454A-490F-1A4E-AEDB-A5C674CB8D2D}"/>
+                    </a:ext>
+                  </a:extLst>
+                </p:cNvPr>
+                <p:cNvPicPr/>
+                <p:nvPr/>
+              </p:nvPicPr>
+              <p:blipFill>
+                <a:blip r:embed="rId68"/>
+                <a:stretch>
+                  <a:fillRect/>
+                </a:stretch>
+              </p:blipFill>
+              <p:spPr>
+                <a:xfrm>
+                  <a:off x="2341085" y="3203468"/>
+                  <a:ext cx="291240" cy="237960"/>
+                </a:xfrm>
+                <a:prstGeom prst="rect">
+                  <a:avLst/>
+                </a:prstGeom>
+              </p:spPr>
+            </p:pic>
+          </mc:Fallback>
+        </mc:AlternateContent>
+        <mc:AlternateContent xmlns:mc="http://schemas.openxmlformats.org/markup-compatibility/2006">
+          <mc:Choice xmlns:p14="http://schemas.microsoft.com/office/powerpoint/2010/main" Requires="p14">
+            <p:contentPart p14:bwMode="auto" r:id="rId69">
+              <p14:nvContentPartPr>
+                <p14:cNvPr id="42" name="Ink 41">
+                  <a:extLst>
+                    <a:ext uri="{FF2B5EF4-FFF2-40B4-BE49-F238E27FC236}">
+                      <a16:creationId xmlns:a16="http://schemas.microsoft.com/office/drawing/2014/main" id="{173188A7-8DE3-E74F-A687-5807B075F83A}"/>
+                    </a:ext>
+                  </a:extLst>
+                </p14:cNvPr>
+                <p14:cNvContentPartPr/>
+                <p14:nvPr/>
+              </p14:nvContentPartPr>
+              <p14:xfrm>
+                <a:off x="2415245" y="3313268"/>
+                <a:ext cx="179640" cy="5400"/>
+              </p14:xfrm>
+            </p:contentPart>
+          </mc:Choice>
+          <mc:Fallback>
+            <p:pic>
+              <p:nvPicPr>
+                <p:cNvPr id="42" name="Ink 41">
+                  <a:extLst>
+                    <a:ext uri="{FF2B5EF4-FFF2-40B4-BE49-F238E27FC236}">
+                      <a16:creationId xmlns:a16="http://schemas.microsoft.com/office/drawing/2014/main" id="{173188A7-8DE3-E74F-A687-5807B075F83A}"/>
+                    </a:ext>
+                  </a:extLst>
+                </p:cNvPr>
+                <p:cNvPicPr/>
+                <p:nvPr/>
+              </p:nvPicPr>
+              <p:blipFill>
+                <a:blip r:embed="rId70"/>
+                <a:stretch>
+                  <a:fillRect/>
+                </a:stretch>
+              </p:blipFill>
+              <p:spPr>
+                <a:xfrm>
+                  <a:off x="2399765" y="3297788"/>
+                  <a:ext cx="209880" cy="35640"/>
+                </a:xfrm>
+                <a:prstGeom prst="rect">
+                  <a:avLst/>
+                </a:prstGeom>
+              </p:spPr>
+            </p:pic>
+          </mc:Fallback>
+        </mc:AlternateContent>
+        <mc:AlternateContent xmlns:mc="http://schemas.openxmlformats.org/markup-compatibility/2006">
+          <mc:Choice xmlns:p14="http://schemas.microsoft.com/office/powerpoint/2010/main" Requires="p14">
+            <p:contentPart p14:bwMode="auto" r:id="rId71">
+              <p14:nvContentPartPr>
+                <p14:cNvPr id="43" name="Ink 42">
+                  <a:extLst>
+                    <a:ext uri="{FF2B5EF4-FFF2-40B4-BE49-F238E27FC236}">
+                      <a16:creationId xmlns:a16="http://schemas.microsoft.com/office/drawing/2014/main" id="{7BEBC325-5BE0-7948-B3BB-48DF0A285033}"/>
+                    </a:ext>
+                  </a:extLst>
+                </p14:cNvPr>
+                <p14:cNvContentPartPr/>
+                <p14:nvPr/>
+              </p14:nvContentPartPr>
+              <p14:xfrm>
+                <a:off x="2646365" y="3316868"/>
+                <a:ext cx="365760" cy="94680"/>
+              </p14:xfrm>
+            </p:contentPart>
+          </mc:Choice>
+          <mc:Fallback>
+            <p:pic>
+              <p:nvPicPr>
+                <p:cNvPr id="43" name="Ink 42">
+                  <a:extLst>
+                    <a:ext uri="{FF2B5EF4-FFF2-40B4-BE49-F238E27FC236}">
+                      <a16:creationId xmlns:a16="http://schemas.microsoft.com/office/drawing/2014/main" id="{7BEBC325-5BE0-7948-B3BB-48DF0A285033}"/>
+                    </a:ext>
+                  </a:extLst>
+                </p:cNvPr>
+                <p:cNvPicPr/>
+                <p:nvPr/>
+              </p:nvPicPr>
+              <p:blipFill>
+                <a:blip r:embed="rId72"/>
+                <a:stretch>
+                  <a:fillRect/>
+                </a:stretch>
+              </p:blipFill>
+              <p:spPr>
+                <a:xfrm>
+                  <a:off x="2630885" y="3301748"/>
+                  <a:ext cx="396360" cy="125280"/>
+                </a:xfrm>
+                <a:prstGeom prst="rect">
+                  <a:avLst/>
+                </a:prstGeom>
+              </p:spPr>
+            </p:pic>
+          </mc:Fallback>
+        </mc:AlternateContent>
+        <mc:AlternateContent xmlns:mc="http://schemas.openxmlformats.org/markup-compatibility/2006">
+          <mc:Choice xmlns:p14="http://schemas.microsoft.com/office/powerpoint/2010/main" Requires="p14">
+            <p:contentPart p14:bwMode="auto" r:id="rId73">
+              <p14:nvContentPartPr>
+                <p14:cNvPr id="44" name="Ink 43">
+                  <a:extLst>
+                    <a:ext uri="{FF2B5EF4-FFF2-40B4-BE49-F238E27FC236}">
+                      <a16:creationId xmlns:a16="http://schemas.microsoft.com/office/drawing/2014/main" id="{5BA86C07-7804-4147-BD5D-2218F83F6E7D}"/>
+                    </a:ext>
+                  </a:extLst>
+                </p14:cNvPr>
+                <p14:cNvContentPartPr/>
+                <p14:nvPr/>
+              </p14:nvContentPartPr>
+              <p14:xfrm>
+                <a:off x="2663285" y="3247028"/>
+                <a:ext cx="27000" cy="12600"/>
+              </p14:xfrm>
+            </p:contentPart>
+          </mc:Choice>
+          <mc:Fallback>
+            <p:pic>
+              <p:nvPicPr>
+                <p:cNvPr id="44" name="Ink 43">
+                  <a:extLst>
+                    <a:ext uri="{FF2B5EF4-FFF2-40B4-BE49-F238E27FC236}">
+                      <a16:creationId xmlns:a16="http://schemas.microsoft.com/office/drawing/2014/main" id="{5BA86C07-7804-4147-BD5D-2218F83F6E7D}"/>
+                    </a:ext>
+                  </a:extLst>
+                </p:cNvPr>
+                <p:cNvPicPr/>
+                <p:nvPr/>
+              </p:nvPicPr>
+              <p:blipFill>
+                <a:blip r:embed="rId74"/>
+                <a:stretch>
+                  <a:fillRect/>
+                </a:stretch>
+              </p:blipFill>
+              <p:spPr>
+                <a:xfrm>
+                  <a:off x="2648165" y="3231908"/>
+                  <a:ext cx="57600" cy="43200"/>
+                </a:xfrm>
+                <a:prstGeom prst="rect">
+                  <a:avLst/>
+                </a:prstGeom>
+              </p:spPr>
+            </p:pic>
+          </mc:Fallback>
+        </mc:AlternateContent>
+        <mc:AlternateContent xmlns:mc="http://schemas.openxmlformats.org/markup-compatibility/2006">
+          <mc:Choice xmlns:p14="http://schemas.microsoft.com/office/powerpoint/2010/main" Requires="p14">
+            <p:contentPart p14:bwMode="auto" r:id="rId75">
+              <p14:nvContentPartPr>
+                <p14:cNvPr id="45" name="Ink 44">
+                  <a:extLst>
+                    <a:ext uri="{FF2B5EF4-FFF2-40B4-BE49-F238E27FC236}">
+                      <a16:creationId xmlns:a16="http://schemas.microsoft.com/office/drawing/2014/main" id="{76EF0160-88A2-8F4C-A289-67BC0F91C416}"/>
+                    </a:ext>
+                  </a:extLst>
+                </p14:cNvPr>
+                <p14:cNvContentPartPr/>
+                <p14:nvPr/>
+              </p14:nvContentPartPr>
+              <p14:xfrm>
+                <a:off x="3021125" y="3330188"/>
+                <a:ext cx="113400" cy="7560"/>
+              </p14:xfrm>
+            </p:contentPart>
+          </mc:Choice>
+          <mc:Fallback>
+            <p:pic>
+              <p:nvPicPr>
+                <p:cNvPr id="45" name="Ink 44">
+                  <a:extLst>
+                    <a:ext uri="{FF2B5EF4-FFF2-40B4-BE49-F238E27FC236}">
+                      <a16:creationId xmlns:a16="http://schemas.microsoft.com/office/drawing/2014/main" id="{76EF0160-88A2-8F4C-A289-67BC0F91C416}"/>
+                    </a:ext>
+                  </a:extLst>
+                </p:cNvPr>
+                <p:cNvPicPr/>
+                <p:nvPr/>
+              </p:nvPicPr>
+              <p:blipFill>
+                <a:blip r:embed="rId76"/>
+                <a:stretch>
+                  <a:fillRect/>
+                </a:stretch>
+              </p:blipFill>
+              <p:spPr>
+                <a:xfrm>
+                  <a:off x="3005645" y="3315068"/>
+                  <a:ext cx="144000" cy="38160"/>
+                </a:xfrm>
+                <a:prstGeom prst="rect">
+                  <a:avLst/>
+                </a:prstGeom>
+              </p:spPr>
+            </p:pic>
+          </mc:Fallback>
+        </mc:AlternateContent>
+        <mc:AlternateContent xmlns:mc="http://schemas.openxmlformats.org/markup-compatibility/2006">
+          <mc:Choice xmlns:p14="http://schemas.microsoft.com/office/powerpoint/2010/main" Requires="p14">
+            <p:contentPart p14:bwMode="auto" r:id="rId77">
+              <p14:nvContentPartPr>
+                <p14:cNvPr id="46" name="Ink 45">
+                  <a:extLst>
+                    <a:ext uri="{FF2B5EF4-FFF2-40B4-BE49-F238E27FC236}">
+                      <a16:creationId xmlns:a16="http://schemas.microsoft.com/office/drawing/2014/main" id="{08FE75FA-56F6-724D-9666-4E09DC744830}"/>
+                    </a:ext>
+                  </a:extLst>
+                </p14:cNvPr>
+                <p14:cNvContentPartPr/>
+                <p14:nvPr/>
+              </p14:nvContentPartPr>
+              <p14:xfrm>
+                <a:off x="3211925" y="3260348"/>
+                <a:ext cx="29880" cy="95760"/>
+              </p14:xfrm>
+            </p:contentPart>
+          </mc:Choice>
+          <mc:Fallback>
+            <p:pic>
+              <p:nvPicPr>
+                <p:cNvPr id="46" name="Ink 45">
+                  <a:extLst>
+                    <a:ext uri="{FF2B5EF4-FFF2-40B4-BE49-F238E27FC236}">
+                      <a16:creationId xmlns:a16="http://schemas.microsoft.com/office/drawing/2014/main" id="{08FE75FA-56F6-724D-9666-4E09DC744830}"/>
+                    </a:ext>
+                  </a:extLst>
+                </p:cNvPr>
+                <p:cNvPicPr/>
+                <p:nvPr/>
+              </p:nvPicPr>
+              <p:blipFill>
+                <a:blip r:embed="rId78"/>
+                <a:stretch>
+                  <a:fillRect/>
+                </a:stretch>
+              </p:blipFill>
+              <p:spPr>
+                <a:xfrm>
+                  <a:off x="3196805" y="3245228"/>
+                  <a:ext cx="60480" cy="126360"/>
+                </a:xfrm>
+                <a:prstGeom prst="rect">
+                  <a:avLst/>
+                </a:prstGeom>
+              </p:spPr>
+            </p:pic>
+          </mc:Fallback>
+        </mc:AlternateContent>
+      </p:grpSp>
+      <p:grpSp>
+        <p:nvGrpSpPr>
+          <p:cNvPr id="58" name="Group 57">
+            <a:extLst>
+              <a:ext uri="{FF2B5EF4-FFF2-40B4-BE49-F238E27FC236}">
+                <a16:creationId xmlns:a16="http://schemas.microsoft.com/office/drawing/2014/main" id="{EDC56C5C-3D4F-F64A-9E4D-6FE77E8BC55D}"/>
+              </a:ext>
+            </a:extLst>
+          </p:cNvPr>
+          <p:cNvGrpSpPr/>
+          <p:nvPr/>
+        </p:nvGrpSpPr>
+        <p:grpSpPr>
+          <a:xfrm>
+            <a:off x="4518005" y="3237308"/>
+            <a:ext cx="1785960" cy="215640"/>
+            <a:chOff x="4518005" y="3237308"/>
+            <a:chExt cx="1785960" cy="215640"/>
+          </a:xfrm>
+        </p:grpSpPr>
+        <mc:AlternateContent xmlns:mc="http://schemas.openxmlformats.org/markup-compatibility/2006">
+          <mc:Choice xmlns:p14="http://schemas.microsoft.com/office/powerpoint/2010/main" Requires="p14">
+            <p:contentPart p14:bwMode="auto" r:id="rId79">
+              <p14:nvContentPartPr>
+                <p14:cNvPr id="47" name="Ink 46">
+                  <a:extLst>
+                    <a:ext uri="{FF2B5EF4-FFF2-40B4-BE49-F238E27FC236}">
+                      <a16:creationId xmlns:a16="http://schemas.microsoft.com/office/drawing/2014/main" id="{39FED7CD-600B-AD48-B162-F7921BFA2B92}"/>
+                    </a:ext>
+                  </a:extLst>
+                </p14:cNvPr>
+                <p14:cNvContentPartPr/>
+                <p14:nvPr/>
+              </p14:nvContentPartPr>
+              <p14:xfrm>
+                <a:off x="4602965" y="3279788"/>
+                <a:ext cx="360" cy="152280"/>
+              </p14:xfrm>
+            </p:contentPart>
+          </mc:Choice>
+          <mc:Fallback>
+            <p:pic>
+              <p:nvPicPr>
+                <p:cNvPr id="47" name="Ink 46">
+                  <a:extLst>
+                    <a:ext uri="{FF2B5EF4-FFF2-40B4-BE49-F238E27FC236}">
+                      <a16:creationId xmlns:a16="http://schemas.microsoft.com/office/drawing/2014/main" id="{39FED7CD-600B-AD48-B162-F7921BFA2B92}"/>
+                    </a:ext>
+                  </a:extLst>
+                </p:cNvPr>
+                <p:cNvPicPr/>
+                <p:nvPr/>
+              </p:nvPicPr>
+              <p:blipFill>
+                <a:blip r:embed="rId80"/>
+                <a:stretch>
+                  <a:fillRect/>
+                </a:stretch>
+              </p:blipFill>
+              <p:spPr>
+                <a:xfrm>
+                  <a:off x="4587845" y="3264668"/>
+                  <a:ext cx="30960" cy="182880"/>
+                </a:xfrm>
+                <a:prstGeom prst="rect">
+                  <a:avLst/>
+                </a:prstGeom>
+              </p:spPr>
+            </p:pic>
+          </mc:Fallback>
+        </mc:AlternateContent>
+        <mc:AlternateContent xmlns:mc="http://schemas.openxmlformats.org/markup-compatibility/2006">
+          <mc:Choice xmlns:p14="http://schemas.microsoft.com/office/powerpoint/2010/main" Requires="p14">
+            <p:contentPart p14:bwMode="auto" r:id="rId81">
+              <p14:nvContentPartPr>
+                <p14:cNvPr id="48" name="Ink 47">
+                  <a:extLst>
+                    <a:ext uri="{FF2B5EF4-FFF2-40B4-BE49-F238E27FC236}">
+                      <a16:creationId xmlns:a16="http://schemas.microsoft.com/office/drawing/2014/main" id="{175E6B25-A030-7844-927C-2A79FE8A3D38}"/>
+                    </a:ext>
+                  </a:extLst>
+                </p14:cNvPr>
+                <p14:cNvContentPartPr/>
+                <p14:nvPr/>
+              </p14:nvContentPartPr>
+              <p14:xfrm>
+                <a:off x="4518005" y="3297068"/>
+                <a:ext cx="184320" cy="12600"/>
+              </p14:xfrm>
+            </p:contentPart>
+          </mc:Choice>
+          <mc:Fallback>
+            <p:pic>
+              <p:nvPicPr>
+                <p:cNvPr id="48" name="Ink 47">
+                  <a:extLst>
+                    <a:ext uri="{FF2B5EF4-FFF2-40B4-BE49-F238E27FC236}">
+                      <a16:creationId xmlns:a16="http://schemas.microsoft.com/office/drawing/2014/main" id="{175E6B25-A030-7844-927C-2A79FE8A3D38}"/>
+                    </a:ext>
+                  </a:extLst>
+                </p:cNvPr>
+                <p:cNvPicPr/>
+                <p:nvPr/>
+              </p:nvPicPr>
+              <p:blipFill>
+                <a:blip r:embed="rId82"/>
+                <a:stretch>
+                  <a:fillRect/>
+                </a:stretch>
+              </p:blipFill>
+              <p:spPr>
+                <a:xfrm>
+                  <a:off x="4502885" y="3281948"/>
+                  <a:ext cx="214560" cy="43200"/>
+                </a:xfrm>
+                <a:prstGeom prst="rect">
+                  <a:avLst/>
+                </a:prstGeom>
+              </p:spPr>
+            </p:pic>
+          </mc:Fallback>
+        </mc:AlternateContent>
+        <mc:AlternateContent xmlns:mc="http://schemas.openxmlformats.org/markup-compatibility/2006">
+          <mc:Choice xmlns:p14="http://schemas.microsoft.com/office/powerpoint/2010/main" Requires="p14">
+            <p:contentPart p14:bwMode="auto" r:id="rId83">
+              <p14:nvContentPartPr>
+                <p14:cNvPr id="49" name="Ink 48">
+                  <a:extLst>
+                    <a:ext uri="{FF2B5EF4-FFF2-40B4-BE49-F238E27FC236}">
+                      <a16:creationId xmlns:a16="http://schemas.microsoft.com/office/drawing/2014/main" id="{F11346AF-6534-DC45-AC90-E4FBFD813800}"/>
+                    </a:ext>
+                  </a:extLst>
+                </p14:cNvPr>
+                <p14:cNvContentPartPr/>
+                <p14:nvPr/>
+              </p14:nvContentPartPr>
+              <p14:xfrm>
+                <a:off x="4538165" y="3421988"/>
+                <a:ext cx="192600" cy="30960"/>
+              </p14:xfrm>
+            </p:contentPart>
+          </mc:Choice>
+          <mc:Fallback>
+            <p:pic>
+              <p:nvPicPr>
+                <p:cNvPr id="49" name="Ink 48">
+                  <a:extLst>
+                    <a:ext uri="{FF2B5EF4-FFF2-40B4-BE49-F238E27FC236}">
+                      <a16:creationId xmlns:a16="http://schemas.microsoft.com/office/drawing/2014/main" id="{F11346AF-6534-DC45-AC90-E4FBFD813800}"/>
+                    </a:ext>
+                  </a:extLst>
+                </p:cNvPr>
+                <p:cNvPicPr/>
+                <p:nvPr/>
+              </p:nvPicPr>
+              <p:blipFill>
+                <a:blip r:embed="rId84"/>
+                <a:stretch>
+                  <a:fillRect/>
+                </a:stretch>
+              </p:blipFill>
+              <p:spPr>
+                <a:xfrm>
+                  <a:off x="4523045" y="3406868"/>
+                  <a:ext cx="222840" cy="61560"/>
+                </a:xfrm>
+                <a:prstGeom prst="rect">
+                  <a:avLst/>
+                </a:prstGeom>
+              </p:spPr>
+            </p:pic>
+          </mc:Fallback>
+        </mc:AlternateContent>
+        <mc:AlternateContent xmlns:mc="http://schemas.openxmlformats.org/markup-compatibility/2006">
+          <mc:Choice xmlns:p14="http://schemas.microsoft.com/office/powerpoint/2010/main" Requires="p14">
+            <p:contentPart p14:bwMode="auto" r:id="rId85">
+              <p14:nvContentPartPr>
+                <p14:cNvPr id="50" name="Ink 49">
+                  <a:extLst>
+                    <a:ext uri="{FF2B5EF4-FFF2-40B4-BE49-F238E27FC236}">
+                      <a16:creationId xmlns:a16="http://schemas.microsoft.com/office/drawing/2014/main" id="{C421F9F1-4771-FE49-9091-A24CC3DAF0E1}"/>
+                    </a:ext>
+                  </a:extLst>
+                </p14:cNvPr>
+                <p14:cNvContentPartPr/>
+                <p14:nvPr/>
+              </p14:nvContentPartPr>
+              <p14:xfrm>
+                <a:off x="4748045" y="3295988"/>
+                <a:ext cx="7560" cy="141120"/>
+              </p14:xfrm>
+            </p:contentPart>
+          </mc:Choice>
+          <mc:Fallback>
+            <p:pic>
+              <p:nvPicPr>
+                <p:cNvPr id="50" name="Ink 49">
+                  <a:extLst>
+                    <a:ext uri="{FF2B5EF4-FFF2-40B4-BE49-F238E27FC236}">
+                      <a16:creationId xmlns:a16="http://schemas.microsoft.com/office/drawing/2014/main" id="{C421F9F1-4771-FE49-9091-A24CC3DAF0E1}"/>
+                    </a:ext>
+                  </a:extLst>
+                </p:cNvPr>
+                <p:cNvPicPr/>
+                <p:nvPr/>
+              </p:nvPicPr>
+              <p:blipFill>
+                <a:blip r:embed="rId86"/>
+                <a:stretch>
+                  <a:fillRect/>
+                </a:stretch>
+              </p:blipFill>
+              <p:spPr>
+                <a:xfrm>
+                  <a:off x="4732565" y="3280868"/>
+                  <a:ext cx="37800" cy="171720"/>
+                </a:xfrm>
+                <a:prstGeom prst="rect">
+                  <a:avLst/>
+                </a:prstGeom>
+              </p:spPr>
+            </p:pic>
+          </mc:Fallback>
+        </mc:AlternateContent>
+        <mc:AlternateContent xmlns:mc="http://schemas.openxmlformats.org/markup-compatibility/2006">
+          <mc:Choice xmlns:p14="http://schemas.microsoft.com/office/powerpoint/2010/main" Requires="p14">
+            <p:contentPart p14:bwMode="auto" r:id="rId87">
+              <p14:nvContentPartPr>
+                <p14:cNvPr id="51" name="Ink 50">
+                  <a:extLst>
+                    <a:ext uri="{FF2B5EF4-FFF2-40B4-BE49-F238E27FC236}">
+                      <a16:creationId xmlns:a16="http://schemas.microsoft.com/office/drawing/2014/main" id="{80D77BE8-C285-CE4F-8B04-B24118081A4F}"/>
+                    </a:ext>
+                  </a:extLst>
+                </p14:cNvPr>
+                <p14:cNvContentPartPr/>
+                <p14:nvPr/>
+              </p14:nvContentPartPr>
+              <p14:xfrm>
+                <a:off x="4715285" y="3341348"/>
+                <a:ext cx="141480" cy="9000"/>
+              </p14:xfrm>
+            </p:contentPart>
+          </mc:Choice>
+          <mc:Fallback>
+            <p:pic>
+              <p:nvPicPr>
+                <p:cNvPr id="51" name="Ink 50">
+                  <a:extLst>
+                    <a:ext uri="{FF2B5EF4-FFF2-40B4-BE49-F238E27FC236}">
+                      <a16:creationId xmlns:a16="http://schemas.microsoft.com/office/drawing/2014/main" id="{80D77BE8-C285-CE4F-8B04-B24118081A4F}"/>
+                    </a:ext>
+                  </a:extLst>
+                </p:cNvPr>
+                <p:cNvPicPr/>
+                <p:nvPr/>
+              </p:nvPicPr>
+              <p:blipFill>
+                <a:blip r:embed="rId88"/>
+                <a:stretch>
+                  <a:fillRect/>
+                </a:stretch>
+              </p:blipFill>
+              <p:spPr>
+                <a:xfrm>
+                  <a:off x="4699805" y="3326228"/>
+                  <a:ext cx="172080" cy="39240"/>
+                </a:xfrm>
+                <a:prstGeom prst="rect">
+                  <a:avLst/>
+                </a:prstGeom>
+              </p:spPr>
+            </p:pic>
+          </mc:Fallback>
+        </mc:AlternateContent>
+        <mc:AlternateContent xmlns:mc="http://schemas.openxmlformats.org/markup-compatibility/2006">
+          <mc:Choice xmlns:p14="http://schemas.microsoft.com/office/powerpoint/2010/main" Requires="p14">
+            <p:contentPart p14:bwMode="auto" r:id="rId89">
+              <p14:nvContentPartPr>
+                <p14:cNvPr id="52" name="Ink 51">
+                  <a:extLst>
+                    <a:ext uri="{FF2B5EF4-FFF2-40B4-BE49-F238E27FC236}">
+                      <a16:creationId xmlns:a16="http://schemas.microsoft.com/office/drawing/2014/main" id="{8CF95550-2F04-DD4E-A258-1B362950D511}"/>
+                    </a:ext>
+                  </a:extLst>
+                </p14:cNvPr>
+                <p14:cNvContentPartPr/>
+                <p14:nvPr/>
+              </p14:nvContentPartPr>
+              <p14:xfrm>
+                <a:off x="4848125" y="3294908"/>
+                <a:ext cx="232560" cy="119160"/>
+              </p14:xfrm>
+            </p:contentPart>
+          </mc:Choice>
+          <mc:Fallback>
+            <p:pic>
+              <p:nvPicPr>
+                <p:cNvPr id="52" name="Ink 51">
+                  <a:extLst>
+                    <a:ext uri="{FF2B5EF4-FFF2-40B4-BE49-F238E27FC236}">
+                      <a16:creationId xmlns:a16="http://schemas.microsoft.com/office/drawing/2014/main" id="{8CF95550-2F04-DD4E-A258-1B362950D511}"/>
+                    </a:ext>
+                  </a:extLst>
+                </p:cNvPr>
+                <p:cNvPicPr/>
+                <p:nvPr/>
+              </p:nvPicPr>
+              <p:blipFill>
+                <a:blip r:embed="rId90"/>
+                <a:stretch>
+                  <a:fillRect/>
+                </a:stretch>
+              </p:blipFill>
+              <p:spPr>
+                <a:xfrm>
+                  <a:off x="4832645" y="3279428"/>
+                  <a:ext cx="263160" cy="149760"/>
+                </a:xfrm>
+                <a:prstGeom prst="rect">
+                  <a:avLst/>
+                </a:prstGeom>
+              </p:spPr>
+            </p:pic>
+          </mc:Fallback>
+        </mc:AlternateContent>
+        <mc:AlternateContent xmlns:mc="http://schemas.openxmlformats.org/markup-compatibility/2006">
+          <mc:Choice xmlns:p14="http://schemas.microsoft.com/office/powerpoint/2010/main" Requires="p14">
+            <p:contentPart p14:bwMode="auto" r:id="rId91">
+              <p14:nvContentPartPr>
+                <p14:cNvPr id="53" name="Ink 52">
+                  <a:extLst>
+                    <a:ext uri="{FF2B5EF4-FFF2-40B4-BE49-F238E27FC236}">
+                      <a16:creationId xmlns:a16="http://schemas.microsoft.com/office/drawing/2014/main" id="{12D2927B-BC15-5247-B7AA-0FB2CB6F8D86}"/>
+                    </a:ext>
+                  </a:extLst>
+                </p14:cNvPr>
+                <p14:cNvContentPartPr/>
+                <p14:nvPr/>
+              </p14:nvContentPartPr>
+              <p14:xfrm>
+                <a:off x="5110925" y="3237308"/>
+                <a:ext cx="254880" cy="195120"/>
+              </p14:xfrm>
+            </p:contentPart>
+          </mc:Choice>
+          <mc:Fallback>
+            <p:pic>
+              <p:nvPicPr>
+                <p:cNvPr id="53" name="Ink 52">
+                  <a:extLst>
+                    <a:ext uri="{FF2B5EF4-FFF2-40B4-BE49-F238E27FC236}">
+                      <a16:creationId xmlns:a16="http://schemas.microsoft.com/office/drawing/2014/main" id="{12D2927B-BC15-5247-B7AA-0FB2CB6F8D86}"/>
+                    </a:ext>
+                  </a:extLst>
+                </p:cNvPr>
+                <p:cNvPicPr/>
+                <p:nvPr/>
+              </p:nvPicPr>
+              <p:blipFill>
+                <a:blip r:embed="rId92"/>
+                <a:stretch>
+                  <a:fillRect/>
+                </a:stretch>
+              </p:blipFill>
+              <p:spPr>
+                <a:xfrm>
+                  <a:off x="5095805" y="3221828"/>
+                  <a:ext cx="285480" cy="225720"/>
+                </a:xfrm>
+                <a:prstGeom prst="rect">
+                  <a:avLst/>
+                </a:prstGeom>
+              </p:spPr>
+            </p:pic>
+          </mc:Fallback>
+        </mc:AlternateContent>
+        <mc:AlternateContent xmlns:mc="http://schemas.openxmlformats.org/markup-compatibility/2006">
+          <mc:Choice xmlns:p14="http://schemas.microsoft.com/office/powerpoint/2010/main" Requires="p14">
+            <p:contentPart p14:bwMode="auto" r:id="rId93">
+              <p14:nvContentPartPr>
+                <p14:cNvPr id="54" name="Ink 53">
+                  <a:extLst>
+                    <a:ext uri="{FF2B5EF4-FFF2-40B4-BE49-F238E27FC236}">
+                      <a16:creationId xmlns:a16="http://schemas.microsoft.com/office/drawing/2014/main" id="{2AE52D71-6334-1C46-A59B-79181599177F}"/>
+                    </a:ext>
+                  </a:extLst>
+                </p14:cNvPr>
+                <p14:cNvContentPartPr/>
+                <p14:nvPr/>
+              </p14:nvContentPartPr>
+              <p14:xfrm>
+                <a:off x="5256725" y="3310028"/>
+                <a:ext cx="528840" cy="126000"/>
+              </p14:xfrm>
+            </p:contentPart>
+          </mc:Choice>
+          <mc:Fallback>
+            <p:pic>
+              <p:nvPicPr>
+                <p:cNvPr id="54" name="Ink 53">
+                  <a:extLst>
+                    <a:ext uri="{FF2B5EF4-FFF2-40B4-BE49-F238E27FC236}">
+                      <a16:creationId xmlns:a16="http://schemas.microsoft.com/office/drawing/2014/main" id="{2AE52D71-6334-1C46-A59B-79181599177F}"/>
+                    </a:ext>
+                  </a:extLst>
+                </p:cNvPr>
+                <p:cNvPicPr/>
+                <p:nvPr/>
+              </p:nvPicPr>
+              <p:blipFill>
+                <a:blip r:embed="rId94"/>
+                <a:stretch>
+                  <a:fillRect/>
+                </a:stretch>
+              </p:blipFill>
+              <p:spPr>
+                <a:xfrm>
+                  <a:off x="5241605" y="3294908"/>
+                  <a:ext cx="559080" cy="156600"/>
+                </a:xfrm>
+                <a:prstGeom prst="rect">
+                  <a:avLst/>
+                </a:prstGeom>
+              </p:spPr>
+            </p:pic>
+          </mc:Fallback>
+        </mc:AlternateContent>
+        <mc:AlternateContent xmlns:mc="http://schemas.openxmlformats.org/markup-compatibility/2006">
+          <mc:Choice xmlns:p14="http://schemas.microsoft.com/office/powerpoint/2010/main" Requires="p14">
+            <p:contentPart p14:bwMode="auto" r:id="rId95">
+              <p14:nvContentPartPr>
+                <p14:cNvPr id="55" name="Ink 54">
+                  <a:extLst>
+                    <a:ext uri="{FF2B5EF4-FFF2-40B4-BE49-F238E27FC236}">
+                      <a16:creationId xmlns:a16="http://schemas.microsoft.com/office/drawing/2014/main" id="{EDB486D0-D225-764B-B925-144F70560C8B}"/>
+                    </a:ext>
+                  </a:extLst>
+                </p14:cNvPr>
+                <p14:cNvContentPartPr/>
+                <p14:nvPr/>
+              </p14:nvContentPartPr>
+              <p14:xfrm>
+                <a:off x="5483525" y="3240908"/>
+                <a:ext cx="19080" cy="13680"/>
+              </p14:xfrm>
+            </p:contentPart>
+          </mc:Choice>
+          <mc:Fallback>
+            <p:pic>
+              <p:nvPicPr>
+                <p:cNvPr id="55" name="Ink 54">
+                  <a:extLst>
+                    <a:ext uri="{FF2B5EF4-FFF2-40B4-BE49-F238E27FC236}">
+                      <a16:creationId xmlns:a16="http://schemas.microsoft.com/office/drawing/2014/main" id="{EDB486D0-D225-764B-B925-144F70560C8B}"/>
+                    </a:ext>
+                  </a:extLst>
+                </p:cNvPr>
+                <p:cNvPicPr/>
+                <p:nvPr/>
+              </p:nvPicPr>
+              <p:blipFill>
+                <a:blip r:embed="rId96"/>
+                <a:stretch>
+                  <a:fillRect/>
+                </a:stretch>
+              </p:blipFill>
+              <p:spPr>
+                <a:xfrm>
+                  <a:off x="5468405" y="3225788"/>
+                  <a:ext cx="49680" cy="44280"/>
+                </a:xfrm>
+                <a:prstGeom prst="rect">
+                  <a:avLst/>
+                </a:prstGeom>
+              </p:spPr>
+            </p:pic>
+          </mc:Fallback>
+        </mc:AlternateContent>
+        <mc:AlternateContent xmlns:mc="http://schemas.openxmlformats.org/markup-compatibility/2006">
+          <mc:Choice xmlns:p14="http://schemas.microsoft.com/office/powerpoint/2010/main" Requires="p14">
+            <p:contentPart p14:bwMode="auto" r:id="rId97">
+              <p14:nvContentPartPr>
+                <p14:cNvPr id="56" name="Ink 55">
+                  <a:extLst>
+                    <a:ext uri="{FF2B5EF4-FFF2-40B4-BE49-F238E27FC236}">
+                      <a16:creationId xmlns:a16="http://schemas.microsoft.com/office/drawing/2014/main" id="{1BB6D9BB-8B4C-E34B-B6A7-B2EDB747A938}"/>
+                    </a:ext>
+                  </a:extLst>
+                </p14:cNvPr>
+                <p14:cNvContentPartPr/>
+                <p14:nvPr/>
+              </p14:nvContentPartPr>
+              <p14:xfrm>
+                <a:off x="5870165" y="3341348"/>
+                <a:ext cx="118080" cy="2880"/>
+              </p14:xfrm>
+            </p:contentPart>
+          </mc:Choice>
+          <mc:Fallback>
+            <p:pic>
+              <p:nvPicPr>
+                <p:cNvPr id="56" name="Ink 55">
+                  <a:extLst>
+                    <a:ext uri="{FF2B5EF4-FFF2-40B4-BE49-F238E27FC236}">
+                      <a16:creationId xmlns:a16="http://schemas.microsoft.com/office/drawing/2014/main" id="{1BB6D9BB-8B4C-E34B-B6A7-B2EDB747A938}"/>
+                    </a:ext>
+                  </a:extLst>
+                </p:cNvPr>
+                <p:cNvPicPr/>
+                <p:nvPr/>
+              </p:nvPicPr>
+              <p:blipFill>
+                <a:blip r:embed="rId98"/>
+                <a:stretch>
+                  <a:fillRect/>
+                </a:stretch>
+              </p:blipFill>
+              <p:spPr>
+                <a:xfrm>
+                  <a:off x="5854685" y="3326228"/>
+                  <a:ext cx="148680" cy="33120"/>
+                </a:xfrm>
+                <a:prstGeom prst="rect">
+                  <a:avLst/>
+                </a:prstGeom>
+              </p:spPr>
+            </p:pic>
+          </mc:Fallback>
+        </mc:AlternateContent>
+        <mc:AlternateContent xmlns:mc="http://schemas.openxmlformats.org/markup-compatibility/2006">
+          <mc:Choice xmlns:p14="http://schemas.microsoft.com/office/powerpoint/2010/main" Requires="p14">
+            <p:contentPart p14:bwMode="auto" r:id="rId99">
+              <p14:nvContentPartPr>
+                <p14:cNvPr id="57" name="Ink 56">
+                  <a:extLst>
+                    <a:ext uri="{FF2B5EF4-FFF2-40B4-BE49-F238E27FC236}">
+                      <a16:creationId xmlns:a16="http://schemas.microsoft.com/office/drawing/2014/main" id="{29CB0F60-D9DF-414C-85EC-DC5A9E73A49E}"/>
+                    </a:ext>
+                  </a:extLst>
+                </p14:cNvPr>
+                <p14:cNvContentPartPr/>
+                <p14:nvPr/>
+              </p14:nvContentPartPr>
+              <p14:xfrm>
+                <a:off x="6044405" y="3278708"/>
+                <a:ext cx="259560" cy="137520"/>
+              </p14:xfrm>
+            </p:contentPart>
+          </mc:Choice>
+          <mc:Fallback>
+            <p:pic>
+              <p:nvPicPr>
+                <p:cNvPr id="57" name="Ink 56">
+                  <a:extLst>
+                    <a:ext uri="{FF2B5EF4-FFF2-40B4-BE49-F238E27FC236}">
+                      <a16:creationId xmlns:a16="http://schemas.microsoft.com/office/drawing/2014/main" id="{29CB0F60-D9DF-414C-85EC-DC5A9E73A49E}"/>
+                    </a:ext>
+                  </a:extLst>
+                </p:cNvPr>
+                <p:cNvPicPr/>
+                <p:nvPr/>
+              </p:nvPicPr>
+              <p:blipFill>
+                <a:blip r:embed="rId100"/>
+                <a:stretch>
+                  <a:fillRect/>
+                </a:stretch>
+              </p:blipFill>
+              <p:spPr>
+                <a:xfrm>
+                  <a:off x="6029285" y="3263588"/>
+                  <a:ext cx="290160" cy="168120"/>
+                </a:xfrm>
+                <a:prstGeom prst="rect">
+                  <a:avLst/>
+                </a:prstGeom>
+              </p:spPr>
+            </p:pic>
+          </mc:Fallback>
+        </mc:AlternateContent>
+      </p:grpSp>
     </p:spTree>
     <p:extLst>
       <p:ext uri="{BB962C8B-B14F-4D97-AF65-F5344CB8AC3E}">
@@ -9553,25 +14453,6 @@
           </a:p>
         </p:txBody>
       </p:sp>
-      <p:sp>
-        <p:nvSpPr>
-          <p:cNvPr id="3" name="Content Placeholder 2"/>
-          <p:cNvSpPr>
-            <a:spLocks noGrp="1"/>
-          </p:cNvSpPr>
-          <p:nvPr>
-            <p:ph idx="1"/>
-          </p:nvPr>
-        </p:nvSpPr>
-        <p:spPr/>
-        <p:txBody>
-          <a:bodyPr/>
-          <a:lstStyle/>
-          <a:p>
-            <a:endParaRPr lang="en-IN"/>
-          </a:p>
-        </p:txBody>
-      </p:sp>
       <p:pic>
         <p:nvPicPr>
           <p:cNvPr id="4" name="Picture 3"/>
@@ -9596,6 +14477,2160 @@
           </a:prstGeom>
         </p:spPr>
       </p:pic>
+      <p:grpSp>
+        <p:nvGrpSpPr>
+          <p:cNvPr id="17" name="Group 16">
+            <a:extLst>
+              <a:ext uri="{FF2B5EF4-FFF2-40B4-BE49-F238E27FC236}">
+                <a16:creationId xmlns:a16="http://schemas.microsoft.com/office/drawing/2014/main" id="{2562FBC7-6BC4-CE40-979E-C1C2040A3F86}"/>
+              </a:ext>
+            </a:extLst>
+          </p:cNvPr>
+          <p:cNvGrpSpPr/>
+          <p:nvPr/>
+        </p:nvGrpSpPr>
+        <p:grpSpPr>
+          <a:xfrm>
+            <a:off x="1091525" y="1314188"/>
+            <a:ext cx="1689480" cy="274680"/>
+            <a:chOff x="1091525" y="1314188"/>
+            <a:chExt cx="1689480" cy="274680"/>
+          </a:xfrm>
+        </p:grpSpPr>
+        <mc:AlternateContent xmlns:mc="http://schemas.openxmlformats.org/markup-compatibility/2006">
+          <mc:Choice xmlns:p14="http://schemas.microsoft.com/office/powerpoint/2010/main" Requires="p14">
+            <p:contentPart p14:bwMode="auto" r:id="rId3">
+              <p14:nvContentPartPr>
+                <p14:cNvPr id="5" name="Ink 4">
+                  <a:extLst>
+                    <a:ext uri="{FF2B5EF4-FFF2-40B4-BE49-F238E27FC236}">
+                      <a16:creationId xmlns:a16="http://schemas.microsoft.com/office/drawing/2014/main" id="{9D78FC4D-B885-9946-8BBB-1CAB67F227BA}"/>
+                    </a:ext>
+                  </a:extLst>
+                </p14:cNvPr>
+                <p14:cNvContentPartPr/>
+                <p14:nvPr/>
+              </p14:nvContentPartPr>
+              <p14:xfrm>
+                <a:off x="1184765" y="1346228"/>
+                <a:ext cx="20520" cy="206280"/>
+              </p14:xfrm>
+            </p:contentPart>
+          </mc:Choice>
+          <mc:Fallback>
+            <p:pic>
+              <p:nvPicPr>
+                <p:cNvPr id="5" name="Ink 4">
+                  <a:extLst>
+                    <a:ext uri="{FF2B5EF4-FFF2-40B4-BE49-F238E27FC236}">
+                      <a16:creationId xmlns:a16="http://schemas.microsoft.com/office/drawing/2014/main" id="{9D78FC4D-B885-9946-8BBB-1CAB67F227BA}"/>
+                    </a:ext>
+                  </a:extLst>
+                </p:cNvPr>
+                <p:cNvPicPr/>
+                <p:nvPr/>
+              </p:nvPicPr>
+              <p:blipFill>
+                <a:blip r:embed="rId4"/>
+                <a:stretch>
+                  <a:fillRect/>
+                </a:stretch>
+              </p:blipFill>
+              <p:spPr>
+                <a:xfrm>
+                  <a:off x="1169285" y="1330748"/>
+                  <a:ext cx="50760" cy="236520"/>
+                </a:xfrm>
+                <a:prstGeom prst="rect">
+                  <a:avLst/>
+                </a:prstGeom>
+              </p:spPr>
+            </p:pic>
+          </mc:Fallback>
+        </mc:AlternateContent>
+        <mc:AlternateContent xmlns:mc="http://schemas.openxmlformats.org/markup-compatibility/2006">
+          <mc:Choice xmlns:p14="http://schemas.microsoft.com/office/powerpoint/2010/main" Requires="p14">
+            <p:contentPart p14:bwMode="auto" r:id="rId5">
+              <p14:nvContentPartPr>
+                <p14:cNvPr id="6" name="Ink 5">
+                  <a:extLst>
+                    <a:ext uri="{FF2B5EF4-FFF2-40B4-BE49-F238E27FC236}">
+                      <a16:creationId xmlns:a16="http://schemas.microsoft.com/office/drawing/2014/main" id="{DADE0A1F-C024-084E-9971-E7C403AAB659}"/>
+                    </a:ext>
+                  </a:extLst>
+                </p14:cNvPr>
+                <p14:cNvContentPartPr/>
+                <p14:nvPr/>
+              </p14:nvContentPartPr>
+              <p14:xfrm>
+                <a:off x="1091525" y="1363148"/>
+                <a:ext cx="204120" cy="32040"/>
+              </p14:xfrm>
+            </p:contentPart>
+          </mc:Choice>
+          <mc:Fallback>
+            <p:pic>
+              <p:nvPicPr>
+                <p:cNvPr id="6" name="Ink 5">
+                  <a:extLst>
+                    <a:ext uri="{FF2B5EF4-FFF2-40B4-BE49-F238E27FC236}">
+                      <a16:creationId xmlns:a16="http://schemas.microsoft.com/office/drawing/2014/main" id="{DADE0A1F-C024-084E-9971-E7C403AAB659}"/>
+                    </a:ext>
+                  </a:extLst>
+                </p:cNvPr>
+                <p:cNvPicPr/>
+                <p:nvPr/>
+              </p:nvPicPr>
+              <p:blipFill>
+                <a:blip r:embed="rId6"/>
+                <a:stretch>
+                  <a:fillRect/>
+                </a:stretch>
+              </p:blipFill>
+              <p:spPr>
+                <a:xfrm>
+                  <a:off x="1076045" y="1348028"/>
+                  <a:ext cx="234720" cy="62640"/>
+                </a:xfrm>
+                <a:prstGeom prst="rect">
+                  <a:avLst/>
+                </a:prstGeom>
+              </p:spPr>
+            </p:pic>
+          </mc:Fallback>
+        </mc:AlternateContent>
+        <mc:AlternateContent xmlns:mc="http://schemas.openxmlformats.org/markup-compatibility/2006">
+          <mc:Choice xmlns:p14="http://schemas.microsoft.com/office/powerpoint/2010/main" Requires="p14">
+            <p:contentPart p14:bwMode="auto" r:id="rId7">
+              <p14:nvContentPartPr>
+                <p14:cNvPr id="7" name="Ink 6">
+                  <a:extLst>
+                    <a:ext uri="{FF2B5EF4-FFF2-40B4-BE49-F238E27FC236}">
+                      <a16:creationId xmlns:a16="http://schemas.microsoft.com/office/drawing/2014/main" id="{860B930A-F27E-3744-97CF-F9007B7EC708}"/>
+                    </a:ext>
+                  </a:extLst>
+                </p14:cNvPr>
+                <p14:cNvContentPartPr/>
+                <p14:nvPr/>
+              </p14:nvContentPartPr>
+              <p14:xfrm>
+                <a:off x="1104485" y="1545668"/>
+                <a:ext cx="200880" cy="43200"/>
+              </p14:xfrm>
+            </p:contentPart>
+          </mc:Choice>
+          <mc:Fallback>
+            <p:pic>
+              <p:nvPicPr>
+                <p:cNvPr id="7" name="Ink 6">
+                  <a:extLst>
+                    <a:ext uri="{FF2B5EF4-FFF2-40B4-BE49-F238E27FC236}">
+                      <a16:creationId xmlns:a16="http://schemas.microsoft.com/office/drawing/2014/main" id="{860B930A-F27E-3744-97CF-F9007B7EC708}"/>
+                    </a:ext>
+                  </a:extLst>
+                </p:cNvPr>
+                <p:cNvPicPr/>
+                <p:nvPr/>
+              </p:nvPicPr>
+              <p:blipFill>
+                <a:blip r:embed="rId8"/>
+                <a:stretch>
+                  <a:fillRect/>
+                </a:stretch>
+              </p:blipFill>
+              <p:spPr>
+                <a:xfrm>
+                  <a:off x="1089005" y="1530548"/>
+                  <a:ext cx="231120" cy="73800"/>
+                </a:xfrm>
+                <a:prstGeom prst="rect">
+                  <a:avLst/>
+                </a:prstGeom>
+              </p:spPr>
+            </p:pic>
+          </mc:Fallback>
+        </mc:AlternateContent>
+        <mc:AlternateContent xmlns:mc="http://schemas.openxmlformats.org/markup-compatibility/2006">
+          <mc:Choice xmlns:p14="http://schemas.microsoft.com/office/powerpoint/2010/main" Requires="p14">
+            <p:contentPart p14:bwMode="auto" r:id="rId9">
+              <p14:nvContentPartPr>
+                <p14:cNvPr id="8" name="Ink 7">
+                  <a:extLst>
+                    <a:ext uri="{FF2B5EF4-FFF2-40B4-BE49-F238E27FC236}">
+                      <a16:creationId xmlns:a16="http://schemas.microsoft.com/office/drawing/2014/main" id="{A53E4D6D-526D-EE41-BBCB-6B79C4976D74}"/>
+                    </a:ext>
+                  </a:extLst>
+                </p14:cNvPr>
+                <p14:cNvContentPartPr/>
+                <p14:nvPr/>
+              </p14:nvContentPartPr>
+              <p14:xfrm>
+                <a:off x="1332005" y="1389068"/>
+                <a:ext cx="7560" cy="190080"/>
+              </p14:xfrm>
+            </p:contentPart>
+          </mc:Choice>
+          <mc:Fallback>
+            <p:pic>
+              <p:nvPicPr>
+                <p:cNvPr id="8" name="Ink 7">
+                  <a:extLst>
+                    <a:ext uri="{FF2B5EF4-FFF2-40B4-BE49-F238E27FC236}">
+                      <a16:creationId xmlns:a16="http://schemas.microsoft.com/office/drawing/2014/main" id="{A53E4D6D-526D-EE41-BBCB-6B79C4976D74}"/>
+                    </a:ext>
+                  </a:extLst>
+                </p:cNvPr>
+                <p:cNvPicPr/>
+                <p:nvPr/>
+              </p:nvPicPr>
+              <p:blipFill>
+                <a:blip r:embed="rId10"/>
+                <a:stretch>
+                  <a:fillRect/>
+                </a:stretch>
+              </p:blipFill>
+              <p:spPr>
+                <a:xfrm>
+                  <a:off x="1316525" y="1373948"/>
+                  <a:ext cx="37800" cy="220680"/>
+                </a:xfrm>
+                <a:prstGeom prst="rect">
+                  <a:avLst/>
+                </a:prstGeom>
+              </p:spPr>
+            </p:pic>
+          </mc:Fallback>
+        </mc:AlternateContent>
+        <mc:AlternateContent xmlns:mc="http://schemas.openxmlformats.org/markup-compatibility/2006">
+          <mc:Choice xmlns:p14="http://schemas.microsoft.com/office/powerpoint/2010/main" Requires="p14">
+            <p:contentPart p14:bwMode="auto" r:id="rId11">
+              <p14:nvContentPartPr>
+                <p14:cNvPr id="9" name="Ink 8">
+                  <a:extLst>
+                    <a:ext uri="{FF2B5EF4-FFF2-40B4-BE49-F238E27FC236}">
+                      <a16:creationId xmlns:a16="http://schemas.microsoft.com/office/drawing/2014/main" id="{380DFFC6-49F4-A942-A4D2-B81C7B22EDA9}"/>
+                    </a:ext>
+                  </a:extLst>
+                </p14:cNvPr>
+                <p14:cNvContentPartPr/>
+                <p14:nvPr/>
+              </p14:nvContentPartPr>
+              <p14:xfrm>
+                <a:off x="1303565" y="1451348"/>
+                <a:ext cx="134640" cy="23760"/>
+              </p14:xfrm>
+            </p:contentPart>
+          </mc:Choice>
+          <mc:Fallback>
+            <p:pic>
+              <p:nvPicPr>
+                <p:cNvPr id="9" name="Ink 8">
+                  <a:extLst>
+                    <a:ext uri="{FF2B5EF4-FFF2-40B4-BE49-F238E27FC236}">
+                      <a16:creationId xmlns:a16="http://schemas.microsoft.com/office/drawing/2014/main" id="{380DFFC6-49F4-A942-A4D2-B81C7B22EDA9}"/>
+                    </a:ext>
+                  </a:extLst>
+                </p:cNvPr>
+                <p:cNvPicPr/>
+                <p:nvPr/>
+              </p:nvPicPr>
+              <p:blipFill>
+                <a:blip r:embed="rId12"/>
+                <a:stretch>
+                  <a:fillRect/>
+                </a:stretch>
+              </p:blipFill>
+              <p:spPr>
+                <a:xfrm>
+                  <a:off x="1288445" y="1436228"/>
+                  <a:ext cx="165240" cy="54000"/>
+                </a:xfrm>
+                <a:prstGeom prst="rect">
+                  <a:avLst/>
+                </a:prstGeom>
+              </p:spPr>
+            </p:pic>
+          </mc:Fallback>
+        </mc:AlternateContent>
+        <mc:AlternateContent xmlns:mc="http://schemas.openxmlformats.org/markup-compatibility/2006">
+          <mc:Choice xmlns:p14="http://schemas.microsoft.com/office/powerpoint/2010/main" Requires="p14">
+            <p:contentPart p14:bwMode="auto" r:id="rId13">
+              <p14:nvContentPartPr>
+                <p14:cNvPr id="10" name="Ink 9">
+                  <a:extLst>
+                    <a:ext uri="{FF2B5EF4-FFF2-40B4-BE49-F238E27FC236}">
+                      <a16:creationId xmlns:a16="http://schemas.microsoft.com/office/drawing/2014/main" id="{4EB8EE1A-BF85-0848-8848-8EBED6BCEE44}"/>
+                    </a:ext>
+                  </a:extLst>
+                </p14:cNvPr>
+                <p14:cNvContentPartPr/>
+                <p14:nvPr/>
+              </p14:nvContentPartPr>
+              <p14:xfrm>
+                <a:off x="1404005" y="1398788"/>
+                <a:ext cx="278640" cy="152280"/>
+              </p14:xfrm>
+            </p:contentPart>
+          </mc:Choice>
+          <mc:Fallback>
+            <p:pic>
+              <p:nvPicPr>
+                <p:cNvPr id="10" name="Ink 9">
+                  <a:extLst>
+                    <a:ext uri="{FF2B5EF4-FFF2-40B4-BE49-F238E27FC236}">
+                      <a16:creationId xmlns:a16="http://schemas.microsoft.com/office/drawing/2014/main" id="{4EB8EE1A-BF85-0848-8848-8EBED6BCEE44}"/>
+                    </a:ext>
+                  </a:extLst>
+                </p:cNvPr>
+                <p:cNvPicPr/>
+                <p:nvPr/>
+              </p:nvPicPr>
+              <p:blipFill>
+                <a:blip r:embed="rId14"/>
+                <a:stretch>
+                  <a:fillRect/>
+                </a:stretch>
+              </p:blipFill>
+              <p:spPr>
+                <a:xfrm>
+                  <a:off x="1388525" y="1383668"/>
+                  <a:ext cx="308880" cy="182880"/>
+                </a:xfrm>
+                <a:prstGeom prst="rect">
+                  <a:avLst/>
+                </a:prstGeom>
+              </p:spPr>
+            </p:pic>
+          </mc:Fallback>
+        </mc:AlternateContent>
+        <mc:AlternateContent xmlns:mc="http://schemas.openxmlformats.org/markup-compatibility/2006">
+          <mc:Choice xmlns:p14="http://schemas.microsoft.com/office/powerpoint/2010/main" Requires="p14">
+            <p:contentPart p14:bwMode="auto" r:id="rId15">
+              <p14:nvContentPartPr>
+                <p14:cNvPr id="11" name="Ink 10">
+                  <a:extLst>
+                    <a:ext uri="{FF2B5EF4-FFF2-40B4-BE49-F238E27FC236}">
+                      <a16:creationId xmlns:a16="http://schemas.microsoft.com/office/drawing/2014/main" id="{5CC994BD-2689-6C4B-B98F-C6FD6A972D21}"/>
+                    </a:ext>
+                  </a:extLst>
+                </p14:cNvPr>
+                <p14:cNvContentPartPr/>
+                <p14:nvPr/>
+              </p14:nvContentPartPr>
+              <p14:xfrm>
+                <a:off x="1689125" y="1314188"/>
+                <a:ext cx="226800" cy="273600"/>
+              </p14:xfrm>
+            </p:contentPart>
+          </mc:Choice>
+          <mc:Fallback>
+            <p:pic>
+              <p:nvPicPr>
+                <p:cNvPr id="11" name="Ink 10">
+                  <a:extLst>
+                    <a:ext uri="{FF2B5EF4-FFF2-40B4-BE49-F238E27FC236}">
+                      <a16:creationId xmlns:a16="http://schemas.microsoft.com/office/drawing/2014/main" id="{5CC994BD-2689-6C4B-B98F-C6FD6A972D21}"/>
+                    </a:ext>
+                  </a:extLst>
+                </p:cNvPr>
+                <p:cNvPicPr/>
+                <p:nvPr/>
+              </p:nvPicPr>
+              <p:blipFill>
+                <a:blip r:embed="rId16"/>
+                <a:stretch>
+                  <a:fillRect/>
+                </a:stretch>
+              </p:blipFill>
+              <p:spPr>
+                <a:xfrm>
+                  <a:off x="1673645" y="1299068"/>
+                  <a:ext cx="257040" cy="303840"/>
+                </a:xfrm>
+                <a:prstGeom prst="rect">
+                  <a:avLst/>
+                </a:prstGeom>
+              </p:spPr>
+            </p:pic>
+          </mc:Fallback>
+        </mc:AlternateContent>
+        <mc:AlternateContent xmlns:mc="http://schemas.openxmlformats.org/markup-compatibility/2006">
+          <mc:Choice xmlns:p14="http://schemas.microsoft.com/office/powerpoint/2010/main" Requires="p14">
+            <p:contentPart p14:bwMode="auto" r:id="rId17">
+              <p14:nvContentPartPr>
+                <p14:cNvPr id="12" name="Ink 11">
+                  <a:extLst>
+                    <a:ext uri="{FF2B5EF4-FFF2-40B4-BE49-F238E27FC236}">
+                      <a16:creationId xmlns:a16="http://schemas.microsoft.com/office/drawing/2014/main" id="{15C37E03-7664-1D4F-85F3-1646609783C4}"/>
+                    </a:ext>
+                  </a:extLst>
+                </p14:cNvPr>
+                <p14:cNvContentPartPr/>
+                <p14:nvPr/>
+              </p14:nvContentPartPr>
+              <p14:xfrm>
+                <a:off x="1761125" y="1404908"/>
+                <a:ext cx="189000" cy="12600"/>
+              </p14:xfrm>
+            </p:contentPart>
+          </mc:Choice>
+          <mc:Fallback>
+            <p:pic>
+              <p:nvPicPr>
+                <p:cNvPr id="12" name="Ink 11">
+                  <a:extLst>
+                    <a:ext uri="{FF2B5EF4-FFF2-40B4-BE49-F238E27FC236}">
+                      <a16:creationId xmlns:a16="http://schemas.microsoft.com/office/drawing/2014/main" id="{15C37E03-7664-1D4F-85F3-1646609783C4}"/>
+                    </a:ext>
+                  </a:extLst>
+                </p:cNvPr>
+                <p:cNvPicPr/>
+                <p:nvPr/>
+              </p:nvPicPr>
+              <p:blipFill>
+                <a:blip r:embed="rId18"/>
+                <a:stretch>
+                  <a:fillRect/>
+                </a:stretch>
+              </p:blipFill>
+              <p:spPr>
+                <a:xfrm>
+                  <a:off x="1745645" y="1389788"/>
+                  <a:ext cx="219600" cy="43200"/>
+                </a:xfrm>
+                <a:prstGeom prst="rect">
+                  <a:avLst/>
+                </a:prstGeom>
+              </p:spPr>
+            </p:pic>
+          </mc:Fallback>
+        </mc:AlternateContent>
+        <mc:AlternateContent xmlns:mc="http://schemas.openxmlformats.org/markup-compatibility/2006">
+          <mc:Choice xmlns:p14="http://schemas.microsoft.com/office/powerpoint/2010/main" Requires="p14">
+            <p:contentPart p14:bwMode="auto" r:id="rId19">
+              <p14:nvContentPartPr>
+                <p14:cNvPr id="13" name="Ink 12">
+                  <a:extLst>
+                    <a:ext uri="{FF2B5EF4-FFF2-40B4-BE49-F238E27FC236}">
+                      <a16:creationId xmlns:a16="http://schemas.microsoft.com/office/drawing/2014/main" id="{E9C23F45-ADF7-D14A-817D-A1F8ED03D764}"/>
+                    </a:ext>
+                  </a:extLst>
+                </p14:cNvPr>
+                <p14:cNvContentPartPr/>
+                <p14:nvPr/>
+              </p14:nvContentPartPr>
+              <p14:xfrm>
+                <a:off x="2046245" y="1385468"/>
+                <a:ext cx="315000" cy="150840"/>
+              </p14:xfrm>
+            </p:contentPart>
+          </mc:Choice>
+          <mc:Fallback>
+            <p:pic>
+              <p:nvPicPr>
+                <p:cNvPr id="13" name="Ink 12">
+                  <a:extLst>
+                    <a:ext uri="{FF2B5EF4-FFF2-40B4-BE49-F238E27FC236}">
+                      <a16:creationId xmlns:a16="http://schemas.microsoft.com/office/drawing/2014/main" id="{E9C23F45-ADF7-D14A-817D-A1F8ED03D764}"/>
+                    </a:ext>
+                  </a:extLst>
+                </p:cNvPr>
+                <p:cNvPicPr/>
+                <p:nvPr/>
+              </p:nvPicPr>
+              <p:blipFill>
+                <a:blip r:embed="rId20"/>
+                <a:stretch>
+                  <a:fillRect/>
+                </a:stretch>
+              </p:blipFill>
+              <p:spPr>
+                <a:xfrm>
+                  <a:off x="2031125" y="1369988"/>
+                  <a:ext cx="345600" cy="181440"/>
+                </a:xfrm>
+                <a:prstGeom prst="rect">
+                  <a:avLst/>
+                </a:prstGeom>
+              </p:spPr>
+            </p:pic>
+          </mc:Fallback>
+        </mc:AlternateContent>
+        <mc:AlternateContent xmlns:mc="http://schemas.openxmlformats.org/markup-compatibility/2006">
+          <mc:Choice xmlns:p14="http://schemas.microsoft.com/office/powerpoint/2010/main" Requires="p14">
+            <p:contentPart p14:bwMode="auto" r:id="rId21">
+              <p14:nvContentPartPr>
+                <p14:cNvPr id="14" name="Ink 13">
+                  <a:extLst>
+                    <a:ext uri="{FF2B5EF4-FFF2-40B4-BE49-F238E27FC236}">
+                      <a16:creationId xmlns:a16="http://schemas.microsoft.com/office/drawing/2014/main" id="{95E6D398-DED2-7C4B-AD2C-9FE1E73F146F}"/>
+                    </a:ext>
+                  </a:extLst>
+                </p14:cNvPr>
+                <p14:cNvContentPartPr/>
+                <p14:nvPr/>
+              </p14:nvContentPartPr>
+              <p14:xfrm>
+                <a:off x="2079725" y="1342628"/>
+                <a:ext cx="21960" cy="7560"/>
+              </p14:xfrm>
+            </p:contentPart>
+          </mc:Choice>
+          <mc:Fallback>
+            <p:pic>
+              <p:nvPicPr>
+                <p:cNvPr id="14" name="Ink 13">
+                  <a:extLst>
+                    <a:ext uri="{FF2B5EF4-FFF2-40B4-BE49-F238E27FC236}">
+                      <a16:creationId xmlns:a16="http://schemas.microsoft.com/office/drawing/2014/main" id="{95E6D398-DED2-7C4B-AD2C-9FE1E73F146F}"/>
+                    </a:ext>
+                  </a:extLst>
+                </p:cNvPr>
+                <p:cNvPicPr/>
+                <p:nvPr/>
+              </p:nvPicPr>
+              <p:blipFill>
+                <a:blip r:embed="rId22"/>
+                <a:stretch>
+                  <a:fillRect/>
+                </a:stretch>
+              </p:blipFill>
+              <p:spPr>
+                <a:xfrm>
+                  <a:off x="2064605" y="1327148"/>
+                  <a:ext cx="52560" cy="38160"/>
+                </a:xfrm>
+                <a:prstGeom prst="rect">
+                  <a:avLst/>
+                </a:prstGeom>
+              </p:spPr>
+            </p:pic>
+          </mc:Fallback>
+        </mc:AlternateContent>
+        <mc:AlternateContent xmlns:mc="http://schemas.openxmlformats.org/markup-compatibility/2006">
+          <mc:Choice xmlns:p14="http://schemas.microsoft.com/office/powerpoint/2010/main" Requires="p14">
+            <p:contentPart p14:bwMode="auto" r:id="rId23">
+              <p14:nvContentPartPr>
+                <p14:cNvPr id="15" name="Ink 14">
+                  <a:extLst>
+                    <a:ext uri="{FF2B5EF4-FFF2-40B4-BE49-F238E27FC236}">
+                      <a16:creationId xmlns:a16="http://schemas.microsoft.com/office/drawing/2014/main" id="{E8F9283F-A986-6246-84B3-FC9D178A91D2}"/>
+                    </a:ext>
+                  </a:extLst>
+                </p14:cNvPr>
+                <p14:cNvContentPartPr/>
+                <p14:nvPr/>
+              </p14:nvContentPartPr>
+              <p14:xfrm>
+                <a:off x="2442245" y="1403828"/>
+                <a:ext cx="108720" cy="37080"/>
+              </p14:xfrm>
+            </p:contentPart>
+          </mc:Choice>
+          <mc:Fallback>
+            <p:pic>
+              <p:nvPicPr>
+                <p:cNvPr id="15" name="Ink 14">
+                  <a:extLst>
+                    <a:ext uri="{FF2B5EF4-FFF2-40B4-BE49-F238E27FC236}">
+                      <a16:creationId xmlns:a16="http://schemas.microsoft.com/office/drawing/2014/main" id="{E8F9283F-A986-6246-84B3-FC9D178A91D2}"/>
+                    </a:ext>
+                  </a:extLst>
+                </p:cNvPr>
+                <p:cNvPicPr/>
+                <p:nvPr/>
+              </p:nvPicPr>
+              <p:blipFill>
+                <a:blip r:embed="rId24"/>
+                <a:stretch>
+                  <a:fillRect/>
+                </a:stretch>
+              </p:blipFill>
+              <p:spPr>
+                <a:xfrm>
+                  <a:off x="2427125" y="1388348"/>
+                  <a:ext cx="139320" cy="67680"/>
+                </a:xfrm>
+                <a:prstGeom prst="rect">
+                  <a:avLst/>
+                </a:prstGeom>
+              </p:spPr>
+            </p:pic>
+          </mc:Fallback>
+        </mc:AlternateContent>
+        <mc:AlternateContent xmlns:mc="http://schemas.openxmlformats.org/markup-compatibility/2006">
+          <mc:Choice xmlns:p14="http://schemas.microsoft.com/office/powerpoint/2010/main" Requires="p14">
+            <p:contentPart p14:bwMode="auto" r:id="rId25">
+              <p14:nvContentPartPr>
+                <p14:cNvPr id="16" name="Ink 15">
+                  <a:extLst>
+                    <a:ext uri="{FF2B5EF4-FFF2-40B4-BE49-F238E27FC236}">
+                      <a16:creationId xmlns:a16="http://schemas.microsoft.com/office/drawing/2014/main" id="{56356B22-26F4-B54B-A72B-5D63634A5C2B}"/>
+                    </a:ext>
+                  </a:extLst>
+                </p14:cNvPr>
+                <p14:cNvContentPartPr/>
+                <p14:nvPr/>
+              </p14:nvContentPartPr>
+              <p14:xfrm>
+                <a:off x="2590925" y="1335068"/>
+                <a:ext cx="190080" cy="234360"/>
+              </p14:xfrm>
+            </p:contentPart>
+          </mc:Choice>
+          <mc:Fallback>
+            <p:pic>
+              <p:nvPicPr>
+                <p:cNvPr id="16" name="Ink 15">
+                  <a:extLst>
+                    <a:ext uri="{FF2B5EF4-FFF2-40B4-BE49-F238E27FC236}">
+                      <a16:creationId xmlns:a16="http://schemas.microsoft.com/office/drawing/2014/main" id="{56356B22-26F4-B54B-A72B-5D63634A5C2B}"/>
+                    </a:ext>
+                  </a:extLst>
+                </p:cNvPr>
+                <p:cNvPicPr/>
+                <p:nvPr/>
+              </p:nvPicPr>
+              <p:blipFill>
+                <a:blip r:embed="rId26"/>
+                <a:stretch>
+                  <a:fillRect/>
+                </a:stretch>
+              </p:blipFill>
+              <p:spPr>
+                <a:xfrm>
+                  <a:off x="2575445" y="1319948"/>
+                  <a:ext cx="220680" cy="264960"/>
+                </a:xfrm>
+                <a:prstGeom prst="rect">
+                  <a:avLst/>
+                </a:prstGeom>
+              </p:spPr>
+            </p:pic>
+          </mc:Fallback>
+        </mc:AlternateContent>
+      </p:grpSp>
+      <p:grpSp>
+        <p:nvGrpSpPr>
+          <p:cNvPr id="30" name="Group 29">
+            <a:extLst>
+              <a:ext uri="{FF2B5EF4-FFF2-40B4-BE49-F238E27FC236}">
+                <a16:creationId xmlns:a16="http://schemas.microsoft.com/office/drawing/2014/main" id="{3FC7C928-5FF0-5843-A899-A2C760DA8A58}"/>
+              </a:ext>
+            </a:extLst>
+          </p:cNvPr>
+          <p:cNvGrpSpPr/>
+          <p:nvPr/>
+        </p:nvGrpSpPr>
+        <p:grpSpPr>
+          <a:xfrm>
+            <a:off x="5959445" y="1161188"/>
+            <a:ext cx="1813320" cy="276120"/>
+            <a:chOff x="5959445" y="1161188"/>
+            <a:chExt cx="1813320" cy="276120"/>
+          </a:xfrm>
+        </p:grpSpPr>
+        <mc:AlternateContent xmlns:mc="http://schemas.openxmlformats.org/markup-compatibility/2006">
+          <mc:Choice xmlns:p14="http://schemas.microsoft.com/office/powerpoint/2010/main" Requires="p14">
+            <p:contentPart p14:bwMode="auto" r:id="rId27">
+              <p14:nvContentPartPr>
+                <p14:cNvPr id="18" name="Ink 17">
+                  <a:extLst>
+                    <a:ext uri="{FF2B5EF4-FFF2-40B4-BE49-F238E27FC236}">
+                      <a16:creationId xmlns:a16="http://schemas.microsoft.com/office/drawing/2014/main" id="{004305BC-068D-6D41-B4B5-DF6AF3B70EE8}"/>
+                    </a:ext>
+                  </a:extLst>
+                </p14:cNvPr>
+                <p14:cNvContentPartPr/>
+                <p14:nvPr/>
+              </p14:nvContentPartPr>
+              <p14:xfrm>
+                <a:off x="6073925" y="1262708"/>
+                <a:ext cx="6120" cy="128880"/>
+              </p14:xfrm>
+            </p:contentPart>
+          </mc:Choice>
+          <mc:Fallback>
+            <p:pic>
+              <p:nvPicPr>
+                <p:cNvPr id="18" name="Ink 17">
+                  <a:extLst>
+                    <a:ext uri="{FF2B5EF4-FFF2-40B4-BE49-F238E27FC236}">
+                      <a16:creationId xmlns:a16="http://schemas.microsoft.com/office/drawing/2014/main" id="{004305BC-068D-6D41-B4B5-DF6AF3B70EE8}"/>
+                    </a:ext>
+                  </a:extLst>
+                </p:cNvPr>
+                <p:cNvPicPr/>
+                <p:nvPr/>
+              </p:nvPicPr>
+              <p:blipFill>
+                <a:blip r:embed="rId28"/>
+                <a:stretch>
+                  <a:fillRect/>
+                </a:stretch>
+              </p:blipFill>
+              <p:spPr>
+                <a:xfrm>
+                  <a:off x="6058805" y="1247588"/>
+                  <a:ext cx="36720" cy="159480"/>
+                </a:xfrm>
+                <a:prstGeom prst="rect">
+                  <a:avLst/>
+                </a:prstGeom>
+              </p:spPr>
+            </p:pic>
+          </mc:Fallback>
+        </mc:AlternateContent>
+        <mc:AlternateContent xmlns:mc="http://schemas.openxmlformats.org/markup-compatibility/2006">
+          <mc:Choice xmlns:p14="http://schemas.microsoft.com/office/powerpoint/2010/main" Requires="p14">
+            <p:contentPart p14:bwMode="auto" r:id="rId29">
+              <p14:nvContentPartPr>
+                <p14:cNvPr id="19" name="Ink 18">
+                  <a:extLst>
+                    <a:ext uri="{FF2B5EF4-FFF2-40B4-BE49-F238E27FC236}">
+                      <a16:creationId xmlns:a16="http://schemas.microsoft.com/office/drawing/2014/main" id="{6FD7C9EF-EEA0-8F4D-976E-B61BBCA0CA20}"/>
+                    </a:ext>
+                  </a:extLst>
+                </p14:cNvPr>
+                <p14:cNvContentPartPr/>
+                <p14:nvPr/>
+              </p14:nvContentPartPr>
+              <p14:xfrm>
+                <a:off x="5959445" y="1265228"/>
+                <a:ext cx="208080" cy="16200"/>
+              </p14:xfrm>
+            </p:contentPart>
+          </mc:Choice>
+          <mc:Fallback>
+            <p:pic>
+              <p:nvPicPr>
+                <p:cNvPr id="19" name="Ink 18">
+                  <a:extLst>
+                    <a:ext uri="{FF2B5EF4-FFF2-40B4-BE49-F238E27FC236}">
+                      <a16:creationId xmlns:a16="http://schemas.microsoft.com/office/drawing/2014/main" id="{6FD7C9EF-EEA0-8F4D-976E-B61BBCA0CA20}"/>
+                    </a:ext>
+                  </a:extLst>
+                </p:cNvPr>
+                <p:cNvPicPr/>
+                <p:nvPr/>
+              </p:nvPicPr>
+              <p:blipFill>
+                <a:blip r:embed="rId30"/>
+                <a:stretch>
+                  <a:fillRect/>
+                </a:stretch>
+              </p:blipFill>
+              <p:spPr>
+                <a:xfrm>
+                  <a:off x="5944325" y="1250108"/>
+                  <a:ext cx="238680" cy="46800"/>
+                </a:xfrm>
+                <a:prstGeom prst="rect">
+                  <a:avLst/>
+                </a:prstGeom>
+              </p:spPr>
+            </p:pic>
+          </mc:Fallback>
+        </mc:AlternateContent>
+        <mc:AlternateContent xmlns:mc="http://schemas.openxmlformats.org/markup-compatibility/2006">
+          <mc:Choice xmlns:p14="http://schemas.microsoft.com/office/powerpoint/2010/main" Requires="p14">
+            <p:contentPart p14:bwMode="auto" r:id="rId31">
+              <p14:nvContentPartPr>
+                <p14:cNvPr id="20" name="Ink 19">
+                  <a:extLst>
+                    <a:ext uri="{FF2B5EF4-FFF2-40B4-BE49-F238E27FC236}">
+                      <a16:creationId xmlns:a16="http://schemas.microsoft.com/office/drawing/2014/main" id="{259F41E2-4470-3A49-A087-23484E23FD7B}"/>
+                    </a:ext>
+                  </a:extLst>
+                </p14:cNvPr>
+                <p14:cNvContentPartPr/>
+                <p14:nvPr/>
+              </p14:nvContentPartPr>
+              <p14:xfrm>
+                <a:off x="5990405" y="1389068"/>
+                <a:ext cx="199440" cy="48240"/>
+              </p14:xfrm>
+            </p:contentPart>
+          </mc:Choice>
+          <mc:Fallback>
+            <p:pic>
+              <p:nvPicPr>
+                <p:cNvPr id="20" name="Ink 19">
+                  <a:extLst>
+                    <a:ext uri="{FF2B5EF4-FFF2-40B4-BE49-F238E27FC236}">
+                      <a16:creationId xmlns:a16="http://schemas.microsoft.com/office/drawing/2014/main" id="{259F41E2-4470-3A49-A087-23484E23FD7B}"/>
+                    </a:ext>
+                  </a:extLst>
+                </p:cNvPr>
+                <p:cNvPicPr/>
+                <p:nvPr/>
+              </p:nvPicPr>
+              <p:blipFill>
+                <a:blip r:embed="rId32"/>
+                <a:stretch>
+                  <a:fillRect/>
+                </a:stretch>
+              </p:blipFill>
+              <p:spPr>
+                <a:xfrm>
+                  <a:off x="5974925" y="1373948"/>
+                  <a:ext cx="230040" cy="78480"/>
+                </a:xfrm>
+                <a:prstGeom prst="rect">
+                  <a:avLst/>
+                </a:prstGeom>
+              </p:spPr>
+            </p:pic>
+          </mc:Fallback>
+        </mc:AlternateContent>
+        <mc:AlternateContent xmlns:mc="http://schemas.openxmlformats.org/markup-compatibility/2006">
+          <mc:Choice xmlns:p14="http://schemas.microsoft.com/office/powerpoint/2010/main" Requires="p14">
+            <p:contentPart p14:bwMode="auto" r:id="rId33">
+              <p14:nvContentPartPr>
+                <p14:cNvPr id="21" name="Ink 20">
+                  <a:extLst>
+                    <a:ext uri="{FF2B5EF4-FFF2-40B4-BE49-F238E27FC236}">
+                      <a16:creationId xmlns:a16="http://schemas.microsoft.com/office/drawing/2014/main" id="{D061EE90-E941-D44F-8E9A-8318CCB03A49}"/>
+                    </a:ext>
+                  </a:extLst>
+                </p14:cNvPr>
+                <p14:cNvContentPartPr/>
+                <p14:nvPr/>
+              </p14:nvContentPartPr>
+              <p14:xfrm>
+                <a:off x="6271925" y="1219148"/>
+                <a:ext cx="21600" cy="161640"/>
+              </p14:xfrm>
+            </p:contentPart>
+          </mc:Choice>
+          <mc:Fallback>
+            <p:pic>
+              <p:nvPicPr>
+                <p:cNvPr id="21" name="Ink 20">
+                  <a:extLst>
+                    <a:ext uri="{FF2B5EF4-FFF2-40B4-BE49-F238E27FC236}">
+                      <a16:creationId xmlns:a16="http://schemas.microsoft.com/office/drawing/2014/main" id="{D061EE90-E941-D44F-8E9A-8318CCB03A49}"/>
+                    </a:ext>
+                  </a:extLst>
+                </p:cNvPr>
+                <p:cNvPicPr/>
+                <p:nvPr/>
+              </p:nvPicPr>
+              <p:blipFill>
+                <a:blip r:embed="rId34"/>
+                <a:stretch>
+                  <a:fillRect/>
+                </a:stretch>
+              </p:blipFill>
+              <p:spPr>
+                <a:xfrm>
+                  <a:off x="6256805" y="1203668"/>
+                  <a:ext cx="52200" cy="192240"/>
+                </a:xfrm>
+                <a:prstGeom prst="rect">
+                  <a:avLst/>
+                </a:prstGeom>
+              </p:spPr>
+            </p:pic>
+          </mc:Fallback>
+        </mc:AlternateContent>
+        <mc:AlternateContent xmlns:mc="http://schemas.openxmlformats.org/markup-compatibility/2006">
+          <mc:Choice xmlns:p14="http://schemas.microsoft.com/office/powerpoint/2010/main" Requires="p14">
+            <p:contentPart p14:bwMode="auto" r:id="rId35">
+              <p14:nvContentPartPr>
+                <p14:cNvPr id="22" name="Ink 21">
+                  <a:extLst>
+                    <a:ext uri="{FF2B5EF4-FFF2-40B4-BE49-F238E27FC236}">
+                      <a16:creationId xmlns:a16="http://schemas.microsoft.com/office/drawing/2014/main" id="{FFA67E04-AB3B-2E4D-B948-92C6FACA4E78}"/>
+                    </a:ext>
+                  </a:extLst>
+                </p14:cNvPr>
+                <p14:cNvContentPartPr/>
+                <p14:nvPr/>
+              </p14:nvContentPartPr>
+              <p14:xfrm>
+                <a:off x="6210725" y="1291148"/>
+                <a:ext cx="159480" cy="15120"/>
+              </p14:xfrm>
+            </p:contentPart>
+          </mc:Choice>
+          <mc:Fallback>
+            <p:pic>
+              <p:nvPicPr>
+                <p:cNvPr id="22" name="Ink 21">
+                  <a:extLst>
+                    <a:ext uri="{FF2B5EF4-FFF2-40B4-BE49-F238E27FC236}">
+                      <a16:creationId xmlns:a16="http://schemas.microsoft.com/office/drawing/2014/main" id="{FFA67E04-AB3B-2E4D-B948-92C6FACA4E78}"/>
+                    </a:ext>
+                  </a:extLst>
+                </p:cNvPr>
+                <p:cNvPicPr/>
+                <p:nvPr/>
+              </p:nvPicPr>
+              <p:blipFill>
+                <a:blip r:embed="rId36"/>
+                <a:stretch>
+                  <a:fillRect/>
+                </a:stretch>
+              </p:blipFill>
+              <p:spPr>
+                <a:xfrm>
+                  <a:off x="6195605" y="1275668"/>
+                  <a:ext cx="190080" cy="45720"/>
+                </a:xfrm>
+                <a:prstGeom prst="rect">
+                  <a:avLst/>
+                </a:prstGeom>
+              </p:spPr>
+            </p:pic>
+          </mc:Fallback>
+        </mc:AlternateContent>
+        <mc:AlternateContent xmlns:mc="http://schemas.openxmlformats.org/markup-compatibility/2006">
+          <mc:Choice xmlns:p14="http://schemas.microsoft.com/office/powerpoint/2010/main" Requires="p14">
+            <p:contentPart p14:bwMode="auto" r:id="rId37">
+              <p14:nvContentPartPr>
+                <p14:cNvPr id="23" name="Ink 22">
+                  <a:extLst>
+                    <a:ext uri="{FF2B5EF4-FFF2-40B4-BE49-F238E27FC236}">
+                      <a16:creationId xmlns:a16="http://schemas.microsoft.com/office/drawing/2014/main" id="{825B6852-1DD3-9745-802E-611FA459C518}"/>
+                    </a:ext>
+                  </a:extLst>
+                </p14:cNvPr>
+                <p14:cNvContentPartPr/>
+                <p14:nvPr/>
+              </p14:nvContentPartPr>
+              <p14:xfrm>
+                <a:off x="6359045" y="1259108"/>
+                <a:ext cx="258840" cy="126360"/>
+              </p14:xfrm>
+            </p:contentPart>
+          </mc:Choice>
+          <mc:Fallback>
+            <p:pic>
+              <p:nvPicPr>
+                <p:cNvPr id="23" name="Ink 22">
+                  <a:extLst>
+                    <a:ext uri="{FF2B5EF4-FFF2-40B4-BE49-F238E27FC236}">
+                      <a16:creationId xmlns:a16="http://schemas.microsoft.com/office/drawing/2014/main" id="{825B6852-1DD3-9745-802E-611FA459C518}"/>
+                    </a:ext>
+                  </a:extLst>
+                </p:cNvPr>
+                <p:cNvPicPr/>
+                <p:nvPr/>
+              </p:nvPicPr>
+              <p:blipFill>
+                <a:blip r:embed="rId38"/>
+                <a:stretch>
+                  <a:fillRect/>
+                </a:stretch>
+              </p:blipFill>
+              <p:spPr>
+                <a:xfrm>
+                  <a:off x="6343565" y="1243988"/>
+                  <a:ext cx="289440" cy="156960"/>
+                </a:xfrm>
+                <a:prstGeom prst="rect">
+                  <a:avLst/>
+                </a:prstGeom>
+              </p:spPr>
+            </p:pic>
+          </mc:Fallback>
+        </mc:AlternateContent>
+        <mc:AlternateContent xmlns:mc="http://schemas.openxmlformats.org/markup-compatibility/2006">
+          <mc:Choice xmlns:p14="http://schemas.microsoft.com/office/powerpoint/2010/main" Requires="p14">
+            <p:contentPart p14:bwMode="auto" r:id="rId39">
+              <p14:nvContentPartPr>
+                <p14:cNvPr id="24" name="Ink 23">
+                  <a:extLst>
+                    <a:ext uri="{FF2B5EF4-FFF2-40B4-BE49-F238E27FC236}">
+                      <a16:creationId xmlns:a16="http://schemas.microsoft.com/office/drawing/2014/main" id="{44B333C6-E183-174E-B913-997FF1B6932A}"/>
+                    </a:ext>
+                  </a:extLst>
+                </p14:cNvPr>
+                <p14:cNvContentPartPr/>
+                <p14:nvPr/>
+              </p14:nvContentPartPr>
+              <p14:xfrm>
+                <a:off x="6636245" y="1161188"/>
+                <a:ext cx="233640" cy="217080"/>
+              </p14:xfrm>
+            </p:contentPart>
+          </mc:Choice>
+          <mc:Fallback>
+            <p:pic>
+              <p:nvPicPr>
+                <p:cNvPr id="24" name="Ink 23">
+                  <a:extLst>
+                    <a:ext uri="{FF2B5EF4-FFF2-40B4-BE49-F238E27FC236}">
+                      <a16:creationId xmlns:a16="http://schemas.microsoft.com/office/drawing/2014/main" id="{44B333C6-E183-174E-B913-997FF1B6932A}"/>
+                    </a:ext>
+                  </a:extLst>
+                </p:cNvPr>
+                <p:cNvPicPr/>
+                <p:nvPr/>
+              </p:nvPicPr>
+              <p:blipFill>
+                <a:blip r:embed="rId40"/>
+                <a:stretch>
+                  <a:fillRect/>
+                </a:stretch>
+              </p:blipFill>
+              <p:spPr>
+                <a:xfrm>
+                  <a:off x="6621125" y="1146068"/>
+                  <a:ext cx="264240" cy="247680"/>
+                </a:xfrm>
+                <a:prstGeom prst="rect">
+                  <a:avLst/>
+                </a:prstGeom>
+              </p:spPr>
+            </p:pic>
+          </mc:Fallback>
+        </mc:AlternateContent>
+        <mc:AlternateContent xmlns:mc="http://schemas.openxmlformats.org/markup-compatibility/2006">
+          <mc:Choice xmlns:p14="http://schemas.microsoft.com/office/powerpoint/2010/main" Requires="p14">
+            <p:contentPart p14:bwMode="auto" r:id="rId41">
+              <p14:nvContentPartPr>
+                <p14:cNvPr id="25" name="Ink 24">
+                  <a:extLst>
+                    <a:ext uri="{FF2B5EF4-FFF2-40B4-BE49-F238E27FC236}">
+                      <a16:creationId xmlns:a16="http://schemas.microsoft.com/office/drawing/2014/main" id="{9785F67A-D970-4141-A63B-068A19CEF999}"/>
+                    </a:ext>
+                  </a:extLst>
+                </p14:cNvPr>
+                <p14:cNvContentPartPr/>
+                <p14:nvPr/>
+              </p14:nvContentPartPr>
+              <p14:xfrm>
+                <a:off x="6731645" y="1238228"/>
+                <a:ext cx="548640" cy="137520"/>
+              </p14:xfrm>
+            </p:contentPart>
+          </mc:Choice>
+          <mc:Fallback>
+            <p:pic>
+              <p:nvPicPr>
+                <p:cNvPr id="25" name="Ink 24">
+                  <a:extLst>
+                    <a:ext uri="{FF2B5EF4-FFF2-40B4-BE49-F238E27FC236}">
+                      <a16:creationId xmlns:a16="http://schemas.microsoft.com/office/drawing/2014/main" id="{9785F67A-D970-4141-A63B-068A19CEF999}"/>
+                    </a:ext>
+                  </a:extLst>
+                </p:cNvPr>
+                <p:cNvPicPr/>
+                <p:nvPr/>
+              </p:nvPicPr>
+              <p:blipFill>
+                <a:blip r:embed="rId42"/>
+                <a:stretch>
+                  <a:fillRect/>
+                </a:stretch>
+              </p:blipFill>
+              <p:spPr>
+                <a:xfrm>
+                  <a:off x="6716525" y="1223108"/>
+                  <a:ext cx="578880" cy="168120"/>
+                </a:xfrm>
+                <a:prstGeom prst="rect">
+                  <a:avLst/>
+                </a:prstGeom>
+              </p:spPr>
+            </p:pic>
+          </mc:Fallback>
+        </mc:AlternateContent>
+        <mc:AlternateContent xmlns:mc="http://schemas.openxmlformats.org/markup-compatibility/2006">
+          <mc:Choice xmlns:p14="http://schemas.microsoft.com/office/powerpoint/2010/main" Requires="p14">
+            <p:contentPart p14:bwMode="auto" r:id="rId43">
+              <p14:nvContentPartPr>
+                <p14:cNvPr id="26" name="Ink 25">
+                  <a:extLst>
+                    <a:ext uri="{FF2B5EF4-FFF2-40B4-BE49-F238E27FC236}">
+                      <a16:creationId xmlns:a16="http://schemas.microsoft.com/office/drawing/2014/main" id="{DB957B5B-EA83-8A4F-B430-1F0F9BD1DD78}"/>
+                    </a:ext>
+                  </a:extLst>
+                </p14:cNvPr>
+                <p14:cNvContentPartPr/>
+                <p14:nvPr/>
+              </p14:nvContentPartPr>
+              <p14:xfrm>
+                <a:off x="6920285" y="1175948"/>
+                <a:ext cx="20520" cy="6480"/>
+              </p14:xfrm>
+            </p:contentPart>
+          </mc:Choice>
+          <mc:Fallback>
+            <p:pic>
+              <p:nvPicPr>
+                <p:cNvPr id="26" name="Ink 25">
+                  <a:extLst>
+                    <a:ext uri="{FF2B5EF4-FFF2-40B4-BE49-F238E27FC236}">
+                      <a16:creationId xmlns:a16="http://schemas.microsoft.com/office/drawing/2014/main" id="{DB957B5B-EA83-8A4F-B430-1F0F9BD1DD78}"/>
+                    </a:ext>
+                  </a:extLst>
+                </p:cNvPr>
+                <p:cNvPicPr/>
+                <p:nvPr/>
+              </p:nvPicPr>
+              <p:blipFill>
+                <a:blip r:embed="rId44"/>
+                <a:stretch>
+                  <a:fillRect/>
+                </a:stretch>
+              </p:blipFill>
+              <p:spPr>
+                <a:xfrm>
+                  <a:off x="6905165" y="1160828"/>
+                  <a:ext cx="50760" cy="37080"/>
+                </a:xfrm>
+                <a:prstGeom prst="rect">
+                  <a:avLst/>
+                </a:prstGeom>
+              </p:spPr>
+            </p:pic>
+          </mc:Fallback>
+        </mc:AlternateContent>
+        <mc:AlternateContent xmlns:mc="http://schemas.openxmlformats.org/markup-compatibility/2006">
+          <mc:Choice xmlns:p14="http://schemas.microsoft.com/office/powerpoint/2010/main" Requires="p14">
+            <p:contentPart p14:bwMode="auto" r:id="rId45">
+              <p14:nvContentPartPr>
+                <p14:cNvPr id="27" name="Ink 26">
+                  <a:extLst>
+                    <a:ext uri="{FF2B5EF4-FFF2-40B4-BE49-F238E27FC236}">
+                      <a16:creationId xmlns:a16="http://schemas.microsoft.com/office/drawing/2014/main" id="{40C21DFC-8EE3-1C49-976A-BFA3FCD9576F}"/>
+                    </a:ext>
+                  </a:extLst>
+                </p14:cNvPr>
+                <p14:cNvContentPartPr/>
+                <p14:nvPr/>
+              </p14:nvContentPartPr>
+              <p14:xfrm>
+                <a:off x="7384685" y="1248308"/>
+                <a:ext cx="126360" cy="7560"/>
+              </p14:xfrm>
+            </p:contentPart>
+          </mc:Choice>
+          <mc:Fallback>
+            <p:pic>
+              <p:nvPicPr>
+                <p:cNvPr id="27" name="Ink 26">
+                  <a:extLst>
+                    <a:ext uri="{FF2B5EF4-FFF2-40B4-BE49-F238E27FC236}">
+                      <a16:creationId xmlns:a16="http://schemas.microsoft.com/office/drawing/2014/main" id="{40C21DFC-8EE3-1C49-976A-BFA3FCD9576F}"/>
+                    </a:ext>
+                  </a:extLst>
+                </p:cNvPr>
+                <p:cNvPicPr/>
+                <p:nvPr/>
+              </p:nvPicPr>
+              <p:blipFill>
+                <a:blip r:embed="rId46"/>
+                <a:stretch>
+                  <a:fillRect/>
+                </a:stretch>
+              </p:blipFill>
+              <p:spPr>
+                <a:xfrm>
+                  <a:off x="7369565" y="1232828"/>
+                  <a:ext cx="156960" cy="38160"/>
+                </a:xfrm>
+                <a:prstGeom prst="rect">
+                  <a:avLst/>
+                </a:prstGeom>
+              </p:spPr>
+            </p:pic>
+          </mc:Fallback>
+        </mc:AlternateContent>
+        <mc:AlternateContent xmlns:mc="http://schemas.openxmlformats.org/markup-compatibility/2006">
+          <mc:Choice xmlns:p14="http://schemas.microsoft.com/office/powerpoint/2010/main" Requires="p14">
+            <p:contentPart p14:bwMode="auto" r:id="rId47">
+              <p14:nvContentPartPr>
+                <p14:cNvPr id="28" name="Ink 27">
+                  <a:extLst>
+                    <a:ext uri="{FF2B5EF4-FFF2-40B4-BE49-F238E27FC236}">
+                      <a16:creationId xmlns:a16="http://schemas.microsoft.com/office/drawing/2014/main" id="{EDE9985D-A33E-DD44-81AA-1D1662E5ECE0}"/>
+                    </a:ext>
+                  </a:extLst>
+                </p14:cNvPr>
+                <p14:cNvContentPartPr/>
+                <p14:nvPr/>
+              </p14:nvContentPartPr>
+              <p14:xfrm>
+                <a:off x="7584485" y="1179548"/>
+                <a:ext cx="188280" cy="132840"/>
+              </p14:xfrm>
+            </p:contentPart>
+          </mc:Choice>
+          <mc:Fallback>
+            <p:pic>
+              <p:nvPicPr>
+                <p:cNvPr id="28" name="Ink 27">
+                  <a:extLst>
+                    <a:ext uri="{FF2B5EF4-FFF2-40B4-BE49-F238E27FC236}">
+                      <a16:creationId xmlns:a16="http://schemas.microsoft.com/office/drawing/2014/main" id="{EDE9985D-A33E-DD44-81AA-1D1662E5ECE0}"/>
+                    </a:ext>
+                  </a:extLst>
+                </p:cNvPr>
+                <p:cNvPicPr/>
+                <p:nvPr/>
+              </p:nvPicPr>
+              <p:blipFill>
+                <a:blip r:embed="rId48"/>
+                <a:stretch>
+                  <a:fillRect/>
+                </a:stretch>
+              </p:blipFill>
+              <p:spPr>
+                <a:xfrm>
+                  <a:off x="7569365" y="1164428"/>
+                  <a:ext cx="218880" cy="163080"/>
+                </a:xfrm>
+                <a:prstGeom prst="rect">
+                  <a:avLst/>
+                </a:prstGeom>
+              </p:spPr>
+            </p:pic>
+          </mc:Fallback>
+        </mc:AlternateContent>
+        <mc:AlternateContent xmlns:mc="http://schemas.openxmlformats.org/markup-compatibility/2006">
+          <mc:Choice xmlns:p14="http://schemas.microsoft.com/office/powerpoint/2010/main" Requires="p14">
+            <p:contentPart p14:bwMode="auto" r:id="rId49">
+              <p14:nvContentPartPr>
+                <p14:cNvPr id="29" name="Ink 28">
+                  <a:extLst>
+                    <a:ext uri="{FF2B5EF4-FFF2-40B4-BE49-F238E27FC236}">
+                      <a16:creationId xmlns:a16="http://schemas.microsoft.com/office/drawing/2014/main" id="{4A8CEE16-B9C3-1645-8CAB-319CAAF130C7}"/>
+                    </a:ext>
+                  </a:extLst>
+                </p14:cNvPr>
+                <p14:cNvContentPartPr/>
+                <p14:nvPr/>
+              </p14:nvContentPartPr>
+              <p14:xfrm>
+                <a:off x="7667645" y="1211588"/>
+                <a:ext cx="19080" cy="174240"/>
+              </p14:xfrm>
+            </p:contentPart>
+          </mc:Choice>
+          <mc:Fallback>
+            <p:pic>
+              <p:nvPicPr>
+                <p:cNvPr id="29" name="Ink 28">
+                  <a:extLst>
+                    <a:ext uri="{FF2B5EF4-FFF2-40B4-BE49-F238E27FC236}">
+                      <a16:creationId xmlns:a16="http://schemas.microsoft.com/office/drawing/2014/main" id="{4A8CEE16-B9C3-1645-8CAB-319CAAF130C7}"/>
+                    </a:ext>
+                  </a:extLst>
+                </p:cNvPr>
+                <p:cNvPicPr/>
+                <p:nvPr/>
+              </p:nvPicPr>
+              <p:blipFill>
+                <a:blip r:embed="rId50"/>
+                <a:stretch>
+                  <a:fillRect/>
+                </a:stretch>
+              </p:blipFill>
+              <p:spPr>
+                <a:xfrm>
+                  <a:off x="7652525" y="1196108"/>
+                  <a:ext cx="49680" cy="204840"/>
+                </a:xfrm>
+                <a:prstGeom prst="rect">
+                  <a:avLst/>
+                </a:prstGeom>
+              </p:spPr>
+            </p:pic>
+          </mc:Fallback>
+        </mc:AlternateContent>
+      </p:grpSp>
+      <p:grpSp>
+        <p:nvGrpSpPr>
+          <p:cNvPr id="50" name="Group 49">
+            <a:extLst>
+              <a:ext uri="{FF2B5EF4-FFF2-40B4-BE49-F238E27FC236}">
+                <a16:creationId xmlns:a16="http://schemas.microsoft.com/office/drawing/2014/main" id="{6652EDD1-C972-9145-8641-87EBC79E8E89}"/>
+              </a:ext>
+            </a:extLst>
+          </p:cNvPr>
+          <p:cNvGrpSpPr/>
+          <p:nvPr/>
+        </p:nvGrpSpPr>
+        <p:grpSpPr>
+          <a:xfrm>
+            <a:off x="3788285" y="5142788"/>
+            <a:ext cx="2564280" cy="1163880"/>
+            <a:chOff x="3788285" y="5142788"/>
+            <a:chExt cx="2564280" cy="1163880"/>
+          </a:xfrm>
+        </p:grpSpPr>
+        <mc:AlternateContent xmlns:mc="http://schemas.openxmlformats.org/markup-compatibility/2006">
+          <mc:Choice xmlns:p14="http://schemas.microsoft.com/office/powerpoint/2010/main" Requires="p14">
+            <p:contentPart p14:bwMode="auto" r:id="rId51">
+              <p14:nvContentPartPr>
+                <p14:cNvPr id="31" name="Ink 30">
+                  <a:extLst>
+                    <a:ext uri="{FF2B5EF4-FFF2-40B4-BE49-F238E27FC236}">
+                      <a16:creationId xmlns:a16="http://schemas.microsoft.com/office/drawing/2014/main" id="{C500D9D9-6677-B84B-91A7-B9E2090221B7}"/>
+                    </a:ext>
+                  </a:extLst>
+                </p14:cNvPr>
+                <p14:cNvContentPartPr/>
+                <p14:nvPr/>
+              </p14:nvContentPartPr>
+              <p14:xfrm>
+                <a:off x="3812045" y="5142788"/>
+                <a:ext cx="1635120" cy="605520"/>
+              </p14:xfrm>
+            </p:contentPart>
+          </mc:Choice>
+          <mc:Fallback>
+            <p:pic>
+              <p:nvPicPr>
+                <p:cNvPr id="31" name="Ink 30">
+                  <a:extLst>
+                    <a:ext uri="{FF2B5EF4-FFF2-40B4-BE49-F238E27FC236}">
+                      <a16:creationId xmlns:a16="http://schemas.microsoft.com/office/drawing/2014/main" id="{C500D9D9-6677-B84B-91A7-B9E2090221B7}"/>
+                    </a:ext>
+                  </a:extLst>
+                </p:cNvPr>
+                <p:cNvPicPr/>
+                <p:nvPr/>
+              </p:nvPicPr>
+              <p:blipFill>
+                <a:blip r:embed="rId52"/>
+                <a:stretch>
+                  <a:fillRect/>
+                </a:stretch>
+              </p:blipFill>
+              <p:spPr>
+                <a:xfrm>
+                  <a:off x="3796925" y="5127668"/>
+                  <a:ext cx="1665720" cy="636120"/>
+                </a:xfrm>
+                <a:prstGeom prst="rect">
+                  <a:avLst/>
+                </a:prstGeom>
+              </p:spPr>
+            </p:pic>
+          </mc:Fallback>
+        </mc:AlternateContent>
+        <mc:AlternateContent xmlns:mc="http://schemas.openxmlformats.org/markup-compatibility/2006">
+          <mc:Choice xmlns:p14="http://schemas.microsoft.com/office/powerpoint/2010/main" Requires="p14">
+            <p:contentPart p14:bwMode="auto" r:id="rId53">
+              <p14:nvContentPartPr>
+                <p14:cNvPr id="32" name="Ink 31">
+                  <a:extLst>
+                    <a:ext uri="{FF2B5EF4-FFF2-40B4-BE49-F238E27FC236}">
+                      <a16:creationId xmlns:a16="http://schemas.microsoft.com/office/drawing/2014/main" id="{E02E4B1A-6757-9345-AE75-F1F2EBC34F40}"/>
+                    </a:ext>
+                  </a:extLst>
+                </p14:cNvPr>
+                <p14:cNvContentPartPr/>
+                <p14:nvPr/>
+              </p14:nvContentPartPr>
+              <p14:xfrm>
+                <a:off x="5233685" y="5158988"/>
+                <a:ext cx="305640" cy="190080"/>
+              </p14:xfrm>
+            </p:contentPart>
+          </mc:Choice>
+          <mc:Fallback>
+            <p:pic>
+              <p:nvPicPr>
+                <p:cNvPr id="32" name="Ink 31">
+                  <a:extLst>
+                    <a:ext uri="{FF2B5EF4-FFF2-40B4-BE49-F238E27FC236}">
+                      <a16:creationId xmlns:a16="http://schemas.microsoft.com/office/drawing/2014/main" id="{E02E4B1A-6757-9345-AE75-F1F2EBC34F40}"/>
+                    </a:ext>
+                  </a:extLst>
+                </p:cNvPr>
+                <p:cNvPicPr/>
+                <p:nvPr/>
+              </p:nvPicPr>
+              <p:blipFill>
+                <a:blip r:embed="rId54"/>
+                <a:stretch>
+                  <a:fillRect/>
+                </a:stretch>
+              </p:blipFill>
+              <p:spPr>
+                <a:xfrm>
+                  <a:off x="5218205" y="5143508"/>
+                  <a:ext cx="336240" cy="220680"/>
+                </a:xfrm>
+                <a:prstGeom prst="rect">
+                  <a:avLst/>
+                </a:prstGeom>
+              </p:spPr>
+            </p:pic>
+          </mc:Fallback>
+        </mc:AlternateContent>
+        <mc:AlternateContent xmlns:mc="http://schemas.openxmlformats.org/markup-compatibility/2006">
+          <mc:Choice xmlns:p14="http://schemas.microsoft.com/office/powerpoint/2010/main" Requires="p14">
+            <p:contentPart p14:bwMode="auto" r:id="rId55">
+              <p14:nvContentPartPr>
+                <p14:cNvPr id="34" name="Ink 33">
+                  <a:extLst>
+                    <a:ext uri="{FF2B5EF4-FFF2-40B4-BE49-F238E27FC236}">
+                      <a16:creationId xmlns:a16="http://schemas.microsoft.com/office/drawing/2014/main" id="{418D0632-8F3D-E144-B81D-6461FCAB1F99}"/>
+                    </a:ext>
+                  </a:extLst>
+                </p14:cNvPr>
+                <p14:cNvContentPartPr/>
+                <p14:nvPr/>
+              </p14:nvContentPartPr>
+              <p14:xfrm>
+                <a:off x="3788285" y="5314508"/>
+                <a:ext cx="173520" cy="251280"/>
+              </p14:xfrm>
+            </p:contentPart>
+          </mc:Choice>
+          <mc:Fallback>
+            <p:pic>
+              <p:nvPicPr>
+                <p:cNvPr id="34" name="Ink 33">
+                  <a:extLst>
+                    <a:ext uri="{FF2B5EF4-FFF2-40B4-BE49-F238E27FC236}">
+                      <a16:creationId xmlns:a16="http://schemas.microsoft.com/office/drawing/2014/main" id="{418D0632-8F3D-E144-B81D-6461FCAB1F99}"/>
+                    </a:ext>
+                  </a:extLst>
+                </p:cNvPr>
+                <p:cNvPicPr/>
+                <p:nvPr/>
+              </p:nvPicPr>
+              <p:blipFill>
+                <a:blip r:embed="rId56"/>
+                <a:stretch>
+                  <a:fillRect/>
+                </a:stretch>
+              </p:blipFill>
+              <p:spPr>
+                <a:xfrm>
+                  <a:off x="3773165" y="5299388"/>
+                  <a:ext cx="204120" cy="281880"/>
+                </a:xfrm>
+                <a:prstGeom prst="rect">
+                  <a:avLst/>
+                </a:prstGeom>
+              </p:spPr>
+            </p:pic>
+          </mc:Fallback>
+        </mc:AlternateContent>
+        <mc:AlternateContent xmlns:mc="http://schemas.openxmlformats.org/markup-compatibility/2006">
+          <mc:Choice xmlns:p14="http://schemas.microsoft.com/office/powerpoint/2010/main" Requires="p14">
+            <p:contentPart p14:bwMode="auto" r:id="rId57">
+              <p14:nvContentPartPr>
+                <p14:cNvPr id="36" name="Ink 35">
+                  <a:extLst>
+                    <a:ext uri="{FF2B5EF4-FFF2-40B4-BE49-F238E27FC236}">
+                      <a16:creationId xmlns:a16="http://schemas.microsoft.com/office/drawing/2014/main" id="{C89269DA-638C-B547-9B6E-EBC84CD65C17}"/>
+                    </a:ext>
+                  </a:extLst>
+                </p14:cNvPr>
+                <p14:cNvContentPartPr/>
+                <p14:nvPr/>
+              </p14:nvContentPartPr>
+              <p14:xfrm>
+                <a:off x="3867485" y="5940188"/>
+                <a:ext cx="131400" cy="250200"/>
+              </p14:xfrm>
+            </p:contentPart>
+          </mc:Choice>
+          <mc:Fallback>
+            <p:pic>
+              <p:nvPicPr>
+                <p:cNvPr id="36" name="Ink 35">
+                  <a:extLst>
+                    <a:ext uri="{FF2B5EF4-FFF2-40B4-BE49-F238E27FC236}">
+                      <a16:creationId xmlns:a16="http://schemas.microsoft.com/office/drawing/2014/main" id="{C89269DA-638C-B547-9B6E-EBC84CD65C17}"/>
+                    </a:ext>
+                  </a:extLst>
+                </p:cNvPr>
+                <p:cNvPicPr/>
+                <p:nvPr/>
+              </p:nvPicPr>
+              <p:blipFill>
+                <a:blip r:embed="rId58"/>
+                <a:stretch>
+                  <a:fillRect/>
+                </a:stretch>
+              </p:blipFill>
+              <p:spPr>
+                <a:xfrm>
+                  <a:off x="3852005" y="5925068"/>
+                  <a:ext cx="161640" cy="280800"/>
+                </a:xfrm>
+                <a:prstGeom prst="rect">
+                  <a:avLst/>
+                </a:prstGeom>
+              </p:spPr>
+            </p:pic>
+          </mc:Fallback>
+        </mc:AlternateContent>
+        <mc:AlternateContent xmlns:mc="http://schemas.openxmlformats.org/markup-compatibility/2006">
+          <mc:Choice xmlns:p14="http://schemas.microsoft.com/office/powerpoint/2010/main" Requires="p14">
+            <p:contentPart p14:bwMode="auto" r:id="rId59">
+              <p14:nvContentPartPr>
+                <p14:cNvPr id="37" name="Ink 36">
+                  <a:extLst>
+                    <a:ext uri="{FF2B5EF4-FFF2-40B4-BE49-F238E27FC236}">
+                      <a16:creationId xmlns:a16="http://schemas.microsoft.com/office/drawing/2014/main" id="{2D7BFEC0-2992-A043-8C6E-9BA3F5017B5E}"/>
+                    </a:ext>
+                  </a:extLst>
+                </p14:cNvPr>
+                <p14:cNvContentPartPr/>
+                <p14:nvPr/>
+              </p14:nvContentPartPr>
+              <p14:xfrm>
+                <a:off x="4019405" y="5930468"/>
+                <a:ext cx="273960" cy="201240"/>
+              </p14:xfrm>
+            </p:contentPart>
+          </mc:Choice>
+          <mc:Fallback>
+            <p:pic>
+              <p:nvPicPr>
+                <p:cNvPr id="37" name="Ink 36">
+                  <a:extLst>
+                    <a:ext uri="{FF2B5EF4-FFF2-40B4-BE49-F238E27FC236}">
+                      <a16:creationId xmlns:a16="http://schemas.microsoft.com/office/drawing/2014/main" id="{2D7BFEC0-2992-A043-8C6E-9BA3F5017B5E}"/>
+                    </a:ext>
+                  </a:extLst>
+                </p:cNvPr>
+                <p:cNvPicPr/>
+                <p:nvPr/>
+              </p:nvPicPr>
+              <p:blipFill>
+                <a:blip r:embed="rId60"/>
+                <a:stretch>
+                  <a:fillRect/>
+                </a:stretch>
+              </p:blipFill>
+              <p:spPr>
+                <a:xfrm>
+                  <a:off x="4004285" y="5915348"/>
+                  <a:ext cx="304200" cy="231840"/>
+                </a:xfrm>
+                <a:prstGeom prst="rect">
+                  <a:avLst/>
+                </a:prstGeom>
+              </p:spPr>
+            </p:pic>
+          </mc:Fallback>
+        </mc:AlternateContent>
+        <mc:AlternateContent xmlns:mc="http://schemas.openxmlformats.org/markup-compatibility/2006">
+          <mc:Choice xmlns:p14="http://schemas.microsoft.com/office/powerpoint/2010/main" Requires="p14">
+            <p:contentPart p14:bwMode="auto" r:id="rId61">
+              <p14:nvContentPartPr>
+                <p14:cNvPr id="38" name="Ink 37">
+                  <a:extLst>
+                    <a:ext uri="{FF2B5EF4-FFF2-40B4-BE49-F238E27FC236}">
+                      <a16:creationId xmlns:a16="http://schemas.microsoft.com/office/drawing/2014/main" id="{599C84B0-816C-EE40-8E6C-0CDE97F637C0}"/>
+                    </a:ext>
+                  </a:extLst>
+                </p14:cNvPr>
+                <p14:cNvContentPartPr/>
+                <p14:nvPr/>
+              </p14:nvContentPartPr>
+              <p14:xfrm>
+                <a:off x="4181045" y="5923268"/>
+                <a:ext cx="548640" cy="195120"/>
+              </p14:xfrm>
+            </p:contentPart>
+          </mc:Choice>
+          <mc:Fallback>
+            <p:pic>
+              <p:nvPicPr>
+                <p:cNvPr id="38" name="Ink 37">
+                  <a:extLst>
+                    <a:ext uri="{FF2B5EF4-FFF2-40B4-BE49-F238E27FC236}">
+                      <a16:creationId xmlns:a16="http://schemas.microsoft.com/office/drawing/2014/main" id="{599C84B0-816C-EE40-8E6C-0CDE97F637C0}"/>
+                    </a:ext>
+                  </a:extLst>
+                </p:cNvPr>
+                <p:cNvPicPr/>
+                <p:nvPr/>
+              </p:nvPicPr>
+              <p:blipFill>
+                <a:blip r:embed="rId62"/>
+                <a:stretch>
+                  <a:fillRect/>
+                </a:stretch>
+              </p:blipFill>
+              <p:spPr>
+                <a:xfrm>
+                  <a:off x="4165565" y="5907788"/>
+                  <a:ext cx="578880" cy="225720"/>
+                </a:xfrm>
+                <a:prstGeom prst="rect">
+                  <a:avLst/>
+                </a:prstGeom>
+              </p:spPr>
+            </p:pic>
+          </mc:Fallback>
+        </mc:AlternateContent>
+        <mc:AlternateContent xmlns:mc="http://schemas.openxmlformats.org/markup-compatibility/2006">
+          <mc:Choice xmlns:p14="http://schemas.microsoft.com/office/powerpoint/2010/main" Requires="p14">
+            <p:contentPart p14:bwMode="auto" r:id="rId63">
+              <p14:nvContentPartPr>
+                <p14:cNvPr id="39" name="Ink 38">
+                  <a:extLst>
+                    <a:ext uri="{FF2B5EF4-FFF2-40B4-BE49-F238E27FC236}">
+                      <a16:creationId xmlns:a16="http://schemas.microsoft.com/office/drawing/2014/main" id="{8A1BA35A-D60C-124F-B946-4DEBF6DF5595}"/>
+                    </a:ext>
+                  </a:extLst>
+                </p14:cNvPr>
+                <p14:cNvContentPartPr/>
+                <p14:nvPr/>
+              </p14:nvContentPartPr>
+              <p14:xfrm>
+                <a:off x="4581005" y="5948108"/>
+                <a:ext cx="71640" cy="40680"/>
+              </p14:xfrm>
+            </p:contentPart>
+          </mc:Choice>
+          <mc:Fallback>
+            <p:pic>
+              <p:nvPicPr>
+                <p:cNvPr id="39" name="Ink 38">
+                  <a:extLst>
+                    <a:ext uri="{FF2B5EF4-FFF2-40B4-BE49-F238E27FC236}">
+                      <a16:creationId xmlns:a16="http://schemas.microsoft.com/office/drawing/2014/main" id="{8A1BA35A-D60C-124F-B946-4DEBF6DF5595}"/>
+                    </a:ext>
+                  </a:extLst>
+                </p:cNvPr>
+                <p:cNvPicPr/>
+                <p:nvPr/>
+              </p:nvPicPr>
+              <p:blipFill>
+                <a:blip r:embed="rId64"/>
+                <a:stretch>
+                  <a:fillRect/>
+                </a:stretch>
+              </p:blipFill>
+              <p:spPr>
+                <a:xfrm>
+                  <a:off x="4565885" y="5932628"/>
+                  <a:ext cx="102240" cy="70920"/>
+                </a:xfrm>
+                <a:prstGeom prst="rect">
+                  <a:avLst/>
+                </a:prstGeom>
+              </p:spPr>
+            </p:pic>
+          </mc:Fallback>
+        </mc:AlternateContent>
+        <mc:AlternateContent xmlns:mc="http://schemas.openxmlformats.org/markup-compatibility/2006">
+          <mc:Choice xmlns:p14="http://schemas.microsoft.com/office/powerpoint/2010/main" Requires="p14">
+            <p:contentPart p14:bwMode="auto" r:id="rId65">
+              <p14:nvContentPartPr>
+                <p14:cNvPr id="40" name="Ink 39">
+                  <a:extLst>
+                    <a:ext uri="{FF2B5EF4-FFF2-40B4-BE49-F238E27FC236}">
+                      <a16:creationId xmlns:a16="http://schemas.microsoft.com/office/drawing/2014/main" id="{A39D66EF-7579-CD4D-BDC9-1C527DCAC45C}"/>
+                    </a:ext>
+                  </a:extLst>
+                </p14:cNvPr>
+                <p14:cNvContentPartPr/>
+                <p14:nvPr/>
+              </p14:nvContentPartPr>
+              <p14:xfrm>
+                <a:off x="4753805" y="6013628"/>
+                <a:ext cx="98280" cy="293040"/>
+              </p14:xfrm>
+            </p:contentPart>
+          </mc:Choice>
+          <mc:Fallback>
+            <p:pic>
+              <p:nvPicPr>
+                <p:cNvPr id="40" name="Ink 39">
+                  <a:extLst>
+                    <a:ext uri="{FF2B5EF4-FFF2-40B4-BE49-F238E27FC236}">
+                      <a16:creationId xmlns:a16="http://schemas.microsoft.com/office/drawing/2014/main" id="{A39D66EF-7579-CD4D-BDC9-1C527DCAC45C}"/>
+                    </a:ext>
+                  </a:extLst>
+                </p:cNvPr>
+                <p:cNvPicPr/>
+                <p:nvPr/>
+              </p:nvPicPr>
+              <p:blipFill>
+                <a:blip r:embed="rId66"/>
+                <a:stretch>
+                  <a:fillRect/>
+                </a:stretch>
+              </p:blipFill>
+              <p:spPr>
+                <a:xfrm>
+                  <a:off x="4738685" y="5998508"/>
+                  <a:ext cx="128520" cy="323640"/>
+                </a:xfrm>
+                <a:prstGeom prst="rect">
+                  <a:avLst/>
+                </a:prstGeom>
+              </p:spPr>
+            </p:pic>
+          </mc:Fallback>
+        </mc:AlternateContent>
+        <mc:AlternateContent xmlns:mc="http://schemas.openxmlformats.org/markup-compatibility/2006">
+          <mc:Choice xmlns:p14="http://schemas.microsoft.com/office/powerpoint/2010/main" Requires="p14">
+            <p:contentPart p14:bwMode="auto" r:id="rId67">
+              <p14:nvContentPartPr>
+                <p14:cNvPr id="41" name="Ink 40">
+                  <a:extLst>
+                    <a:ext uri="{FF2B5EF4-FFF2-40B4-BE49-F238E27FC236}">
+                      <a16:creationId xmlns:a16="http://schemas.microsoft.com/office/drawing/2014/main" id="{CA7E6B74-D028-A04F-86B9-9F785083E013}"/>
+                    </a:ext>
+                  </a:extLst>
+                </p14:cNvPr>
+                <p14:cNvContentPartPr/>
+                <p14:nvPr/>
+              </p14:nvContentPartPr>
+              <p14:xfrm>
+                <a:off x="4975565" y="6083468"/>
+                <a:ext cx="57960" cy="72720"/>
+              </p14:xfrm>
+            </p:contentPart>
+          </mc:Choice>
+          <mc:Fallback>
+            <p:pic>
+              <p:nvPicPr>
+                <p:cNvPr id="41" name="Ink 40">
+                  <a:extLst>
+                    <a:ext uri="{FF2B5EF4-FFF2-40B4-BE49-F238E27FC236}">
+                      <a16:creationId xmlns:a16="http://schemas.microsoft.com/office/drawing/2014/main" id="{CA7E6B74-D028-A04F-86B9-9F785083E013}"/>
+                    </a:ext>
+                  </a:extLst>
+                </p:cNvPr>
+                <p:cNvPicPr/>
+                <p:nvPr/>
+              </p:nvPicPr>
+              <p:blipFill>
+                <a:blip r:embed="rId68"/>
+                <a:stretch>
+                  <a:fillRect/>
+                </a:stretch>
+              </p:blipFill>
+              <p:spPr>
+                <a:xfrm>
+                  <a:off x="4960085" y="6068348"/>
+                  <a:ext cx="88560" cy="103320"/>
+                </a:xfrm>
+                <a:prstGeom prst="rect">
+                  <a:avLst/>
+                </a:prstGeom>
+              </p:spPr>
+            </p:pic>
+          </mc:Fallback>
+        </mc:AlternateContent>
+        <mc:AlternateContent xmlns:mc="http://schemas.openxmlformats.org/markup-compatibility/2006">
+          <mc:Choice xmlns:p14="http://schemas.microsoft.com/office/powerpoint/2010/main" Requires="p14">
+            <p:contentPart p14:bwMode="auto" r:id="rId69">
+              <p14:nvContentPartPr>
+                <p14:cNvPr id="42" name="Ink 41">
+                  <a:extLst>
+                    <a:ext uri="{FF2B5EF4-FFF2-40B4-BE49-F238E27FC236}">
+                      <a16:creationId xmlns:a16="http://schemas.microsoft.com/office/drawing/2014/main" id="{28949660-9401-3E49-9909-5DDC7C5EA3E8}"/>
+                    </a:ext>
+                  </a:extLst>
+                </p14:cNvPr>
+                <p14:cNvContentPartPr/>
+                <p14:nvPr/>
+              </p14:nvContentPartPr>
+              <p14:xfrm>
+                <a:off x="5007245" y="5976908"/>
+                <a:ext cx="8640" cy="12600"/>
+              </p14:xfrm>
+            </p:contentPart>
+          </mc:Choice>
+          <mc:Fallback>
+            <p:pic>
+              <p:nvPicPr>
+                <p:cNvPr id="42" name="Ink 41">
+                  <a:extLst>
+                    <a:ext uri="{FF2B5EF4-FFF2-40B4-BE49-F238E27FC236}">
+                      <a16:creationId xmlns:a16="http://schemas.microsoft.com/office/drawing/2014/main" id="{28949660-9401-3E49-9909-5DDC7C5EA3E8}"/>
+                    </a:ext>
+                  </a:extLst>
+                </p:cNvPr>
+                <p:cNvPicPr/>
+                <p:nvPr/>
+              </p:nvPicPr>
+              <p:blipFill>
+                <a:blip r:embed="rId70"/>
+                <a:stretch>
+                  <a:fillRect/>
+                </a:stretch>
+              </p:blipFill>
+              <p:spPr>
+                <a:xfrm>
+                  <a:off x="4992125" y="5961788"/>
+                  <a:ext cx="39240" cy="43200"/>
+                </a:xfrm>
+                <a:prstGeom prst="rect">
+                  <a:avLst/>
+                </a:prstGeom>
+              </p:spPr>
+            </p:pic>
+          </mc:Fallback>
+        </mc:AlternateContent>
+        <mc:AlternateContent xmlns:mc="http://schemas.openxmlformats.org/markup-compatibility/2006">
+          <mc:Choice xmlns:p14="http://schemas.microsoft.com/office/powerpoint/2010/main" Requires="p14">
+            <p:contentPart p14:bwMode="auto" r:id="rId71">
+              <p14:nvContentPartPr>
+                <p14:cNvPr id="43" name="Ink 42">
+                  <a:extLst>
+                    <a:ext uri="{FF2B5EF4-FFF2-40B4-BE49-F238E27FC236}">
+                      <a16:creationId xmlns:a16="http://schemas.microsoft.com/office/drawing/2014/main" id="{13BFFBD5-5DC0-4946-AD84-BF3CC8FE8B28}"/>
+                    </a:ext>
+                  </a:extLst>
+                </p14:cNvPr>
+                <p14:cNvContentPartPr/>
+                <p14:nvPr/>
+              </p14:nvContentPartPr>
+              <p14:xfrm>
+                <a:off x="5244125" y="5911028"/>
+                <a:ext cx="166680" cy="164520"/>
+              </p14:xfrm>
+            </p:contentPart>
+          </mc:Choice>
+          <mc:Fallback>
+            <p:pic>
+              <p:nvPicPr>
+                <p:cNvPr id="43" name="Ink 42">
+                  <a:extLst>
+                    <a:ext uri="{FF2B5EF4-FFF2-40B4-BE49-F238E27FC236}">
+                      <a16:creationId xmlns:a16="http://schemas.microsoft.com/office/drawing/2014/main" id="{13BFFBD5-5DC0-4946-AD84-BF3CC8FE8B28}"/>
+                    </a:ext>
+                  </a:extLst>
+                </p:cNvPr>
+                <p:cNvPicPr/>
+                <p:nvPr/>
+              </p:nvPicPr>
+              <p:blipFill>
+                <a:blip r:embed="rId72"/>
+                <a:stretch>
+                  <a:fillRect/>
+                </a:stretch>
+              </p:blipFill>
+              <p:spPr>
+                <a:xfrm>
+                  <a:off x="5229005" y="5895548"/>
+                  <a:ext cx="196920" cy="195120"/>
+                </a:xfrm>
+                <a:prstGeom prst="rect">
+                  <a:avLst/>
+                </a:prstGeom>
+              </p:spPr>
+            </p:pic>
+          </mc:Fallback>
+        </mc:AlternateContent>
+        <mc:AlternateContent xmlns:mc="http://schemas.openxmlformats.org/markup-compatibility/2006">
+          <mc:Choice xmlns:p14="http://schemas.microsoft.com/office/powerpoint/2010/main" Requires="p14">
+            <p:contentPart p14:bwMode="auto" r:id="rId73">
+              <p14:nvContentPartPr>
+                <p14:cNvPr id="44" name="Ink 43">
+                  <a:extLst>
+                    <a:ext uri="{FF2B5EF4-FFF2-40B4-BE49-F238E27FC236}">
+                      <a16:creationId xmlns:a16="http://schemas.microsoft.com/office/drawing/2014/main" id="{1D33FDF3-423D-B442-A9FF-89F2C60A3A1A}"/>
+                    </a:ext>
+                  </a:extLst>
+                </p14:cNvPr>
+                <p14:cNvContentPartPr/>
+                <p14:nvPr/>
+              </p14:nvContentPartPr>
+              <p14:xfrm>
+                <a:off x="5430245" y="5882588"/>
+                <a:ext cx="190080" cy="159480"/>
+              </p14:xfrm>
+            </p:contentPart>
+          </mc:Choice>
+          <mc:Fallback>
+            <p:pic>
+              <p:nvPicPr>
+                <p:cNvPr id="44" name="Ink 43">
+                  <a:extLst>
+                    <a:ext uri="{FF2B5EF4-FFF2-40B4-BE49-F238E27FC236}">
+                      <a16:creationId xmlns:a16="http://schemas.microsoft.com/office/drawing/2014/main" id="{1D33FDF3-423D-B442-A9FF-89F2C60A3A1A}"/>
+                    </a:ext>
+                  </a:extLst>
+                </p:cNvPr>
+                <p:cNvPicPr/>
+                <p:nvPr/>
+              </p:nvPicPr>
+              <p:blipFill>
+                <a:blip r:embed="rId74"/>
+                <a:stretch>
+                  <a:fillRect/>
+                </a:stretch>
+              </p:blipFill>
+              <p:spPr>
+                <a:xfrm>
+                  <a:off x="5415125" y="5867468"/>
+                  <a:ext cx="220680" cy="190080"/>
+                </a:xfrm>
+                <a:prstGeom prst="rect">
+                  <a:avLst/>
+                </a:prstGeom>
+              </p:spPr>
+            </p:pic>
+          </mc:Fallback>
+        </mc:AlternateContent>
+        <mc:AlternateContent xmlns:mc="http://schemas.openxmlformats.org/markup-compatibility/2006">
+          <mc:Choice xmlns:p14="http://schemas.microsoft.com/office/powerpoint/2010/main" Requires="p14">
+            <p:contentPart p14:bwMode="auto" r:id="rId75">
+              <p14:nvContentPartPr>
+                <p14:cNvPr id="45" name="Ink 44">
+                  <a:extLst>
+                    <a:ext uri="{FF2B5EF4-FFF2-40B4-BE49-F238E27FC236}">
+                      <a16:creationId xmlns:a16="http://schemas.microsoft.com/office/drawing/2014/main" id="{3622A329-59CB-6C41-BD2E-3A7D1F51A578}"/>
+                    </a:ext>
+                  </a:extLst>
+                </p14:cNvPr>
+                <p14:cNvContentPartPr/>
+                <p14:nvPr/>
+              </p14:nvContentPartPr>
+              <p14:xfrm>
+                <a:off x="5810045" y="5908508"/>
+                <a:ext cx="121680" cy="175320"/>
+              </p14:xfrm>
+            </p:contentPart>
+          </mc:Choice>
+          <mc:Fallback>
+            <p:pic>
+              <p:nvPicPr>
+                <p:cNvPr id="45" name="Ink 44">
+                  <a:extLst>
+                    <a:ext uri="{FF2B5EF4-FFF2-40B4-BE49-F238E27FC236}">
+                      <a16:creationId xmlns:a16="http://schemas.microsoft.com/office/drawing/2014/main" id="{3622A329-59CB-6C41-BD2E-3A7D1F51A578}"/>
+                    </a:ext>
+                  </a:extLst>
+                </p:cNvPr>
+                <p:cNvPicPr/>
+                <p:nvPr/>
+              </p:nvPicPr>
+              <p:blipFill>
+                <a:blip r:embed="rId76"/>
+                <a:stretch>
+                  <a:fillRect/>
+                </a:stretch>
+              </p:blipFill>
+              <p:spPr>
+                <a:xfrm>
+                  <a:off x="5794565" y="5893388"/>
+                  <a:ext cx="152280" cy="205920"/>
+                </a:xfrm>
+                <a:prstGeom prst="rect">
+                  <a:avLst/>
+                </a:prstGeom>
+              </p:spPr>
+            </p:pic>
+          </mc:Fallback>
+        </mc:AlternateContent>
+        <mc:AlternateContent xmlns:mc="http://schemas.openxmlformats.org/markup-compatibility/2006">
+          <mc:Choice xmlns:p14="http://schemas.microsoft.com/office/powerpoint/2010/main" Requires="p14">
+            <p:contentPart p14:bwMode="auto" r:id="rId77">
+              <p14:nvContentPartPr>
+                <p14:cNvPr id="46" name="Ink 45">
+                  <a:extLst>
+                    <a:ext uri="{FF2B5EF4-FFF2-40B4-BE49-F238E27FC236}">
+                      <a16:creationId xmlns:a16="http://schemas.microsoft.com/office/drawing/2014/main" id="{1316A0AF-25A0-DF48-8061-C192F9CB18ED}"/>
+                    </a:ext>
+                  </a:extLst>
+                </p14:cNvPr>
+                <p14:cNvContentPartPr/>
+                <p14:nvPr/>
+              </p14:nvContentPartPr>
+              <p14:xfrm>
+                <a:off x="6017405" y="5842628"/>
+                <a:ext cx="15840" cy="209520"/>
+              </p14:xfrm>
+            </p:contentPart>
+          </mc:Choice>
+          <mc:Fallback>
+            <p:pic>
+              <p:nvPicPr>
+                <p:cNvPr id="46" name="Ink 45">
+                  <a:extLst>
+                    <a:ext uri="{FF2B5EF4-FFF2-40B4-BE49-F238E27FC236}">
+                      <a16:creationId xmlns:a16="http://schemas.microsoft.com/office/drawing/2014/main" id="{1316A0AF-25A0-DF48-8061-C192F9CB18ED}"/>
+                    </a:ext>
+                  </a:extLst>
+                </p:cNvPr>
+                <p:cNvPicPr/>
+                <p:nvPr/>
+              </p:nvPicPr>
+              <p:blipFill>
+                <a:blip r:embed="rId78"/>
+                <a:stretch>
+                  <a:fillRect/>
+                </a:stretch>
+              </p:blipFill>
+              <p:spPr>
+                <a:xfrm>
+                  <a:off x="6002285" y="5827508"/>
+                  <a:ext cx="46080" cy="239760"/>
+                </a:xfrm>
+                <a:prstGeom prst="rect">
+                  <a:avLst/>
+                </a:prstGeom>
+              </p:spPr>
+            </p:pic>
+          </mc:Fallback>
+        </mc:AlternateContent>
+        <mc:AlternateContent xmlns:mc="http://schemas.openxmlformats.org/markup-compatibility/2006">
+          <mc:Choice xmlns:p14="http://schemas.microsoft.com/office/powerpoint/2010/main" Requires="p14">
+            <p:contentPart p14:bwMode="auto" r:id="rId79">
+              <p14:nvContentPartPr>
+                <p14:cNvPr id="47" name="Ink 46">
+                  <a:extLst>
+                    <a:ext uri="{FF2B5EF4-FFF2-40B4-BE49-F238E27FC236}">
+                      <a16:creationId xmlns:a16="http://schemas.microsoft.com/office/drawing/2014/main" id="{DE2159D9-AF2D-954C-839E-5D29588B89E5}"/>
+                    </a:ext>
+                  </a:extLst>
+                </p14:cNvPr>
+                <p14:cNvContentPartPr/>
+                <p14:nvPr/>
+              </p14:nvContentPartPr>
+              <p14:xfrm>
+                <a:off x="5968445" y="5907068"/>
+                <a:ext cx="300600" cy="124200"/>
+              </p14:xfrm>
+            </p:contentPart>
+          </mc:Choice>
+          <mc:Fallback>
+            <p:pic>
+              <p:nvPicPr>
+                <p:cNvPr id="47" name="Ink 46">
+                  <a:extLst>
+                    <a:ext uri="{FF2B5EF4-FFF2-40B4-BE49-F238E27FC236}">
+                      <a16:creationId xmlns:a16="http://schemas.microsoft.com/office/drawing/2014/main" id="{DE2159D9-AF2D-954C-839E-5D29588B89E5}"/>
+                    </a:ext>
+                  </a:extLst>
+                </p:cNvPr>
+                <p:cNvPicPr/>
+                <p:nvPr/>
+              </p:nvPicPr>
+              <p:blipFill>
+                <a:blip r:embed="rId80"/>
+                <a:stretch>
+                  <a:fillRect/>
+                </a:stretch>
+              </p:blipFill>
+              <p:spPr>
+                <a:xfrm>
+                  <a:off x="5952965" y="5891948"/>
+                  <a:ext cx="331200" cy="154440"/>
+                </a:xfrm>
+                <a:prstGeom prst="rect">
+                  <a:avLst/>
+                </a:prstGeom>
+              </p:spPr>
+            </p:pic>
+          </mc:Fallback>
+        </mc:AlternateContent>
+        <mc:AlternateContent xmlns:mc="http://schemas.openxmlformats.org/markup-compatibility/2006">
+          <mc:Choice xmlns:p14="http://schemas.microsoft.com/office/powerpoint/2010/main" Requires="p14">
+            <p:contentPart p14:bwMode="auto" r:id="rId81">
+              <p14:nvContentPartPr>
+                <p14:cNvPr id="48" name="Ink 47">
+                  <a:extLst>
+                    <a:ext uri="{FF2B5EF4-FFF2-40B4-BE49-F238E27FC236}">
+                      <a16:creationId xmlns:a16="http://schemas.microsoft.com/office/drawing/2014/main" id="{D351511F-0F03-A843-B234-72FF37B76858}"/>
+                    </a:ext>
+                  </a:extLst>
+                </p14:cNvPr>
+                <p14:cNvContentPartPr/>
+                <p14:nvPr/>
+              </p14:nvContentPartPr>
+              <p14:xfrm>
+                <a:off x="6244925" y="5817788"/>
+                <a:ext cx="7560" cy="321120"/>
+              </p14:xfrm>
+            </p:contentPart>
+          </mc:Choice>
+          <mc:Fallback>
+            <p:pic>
+              <p:nvPicPr>
+                <p:cNvPr id="48" name="Ink 47">
+                  <a:extLst>
+                    <a:ext uri="{FF2B5EF4-FFF2-40B4-BE49-F238E27FC236}">
+                      <a16:creationId xmlns:a16="http://schemas.microsoft.com/office/drawing/2014/main" id="{D351511F-0F03-A843-B234-72FF37B76858}"/>
+                    </a:ext>
+                  </a:extLst>
+                </p:cNvPr>
+                <p:cNvPicPr/>
+                <p:nvPr/>
+              </p:nvPicPr>
+              <p:blipFill>
+                <a:blip r:embed="rId82"/>
+                <a:stretch>
+                  <a:fillRect/>
+                </a:stretch>
+              </p:blipFill>
+              <p:spPr>
+                <a:xfrm>
+                  <a:off x="6229805" y="5802668"/>
+                  <a:ext cx="37800" cy="351720"/>
+                </a:xfrm>
+                <a:prstGeom prst="rect">
+                  <a:avLst/>
+                </a:prstGeom>
+              </p:spPr>
+            </p:pic>
+          </mc:Fallback>
+        </mc:AlternateContent>
+        <mc:AlternateContent xmlns:mc="http://schemas.openxmlformats.org/markup-compatibility/2006">
+          <mc:Choice xmlns:p14="http://schemas.microsoft.com/office/powerpoint/2010/main" Requires="p14">
+            <p:contentPart p14:bwMode="auto" r:id="rId83">
+              <p14:nvContentPartPr>
+                <p14:cNvPr id="49" name="Ink 48">
+                  <a:extLst>
+                    <a:ext uri="{FF2B5EF4-FFF2-40B4-BE49-F238E27FC236}">
+                      <a16:creationId xmlns:a16="http://schemas.microsoft.com/office/drawing/2014/main" id="{73B0E9AC-0454-A846-B2E8-D1F6FA485972}"/>
+                    </a:ext>
+                  </a:extLst>
+                </p14:cNvPr>
+                <p14:cNvContentPartPr/>
+                <p14:nvPr/>
+              </p14:nvContentPartPr>
+              <p14:xfrm>
+                <a:off x="6232325" y="5904908"/>
+                <a:ext cx="120240" cy="92160"/>
+              </p14:xfrm>
+            </p:contentPart>
+          </mc:Choice>
+          <mc:Fallback>
+            <p:pic>
+              <p:nvPicPr>
+                <p:cNvPr id="49" name="Ink 48">
+                  <a:extLst>
+                    <a:ext uri="{FF2B5EF4-FFF2-40B4-BE49-F238E27FC236}">
+                      <a16:creationId xmlns:a16="http://schemas.microsoft.com/office/drawing/2014/main" id="{73B0E9AC-0454-A846-B2E8-D1F6FA485972}"/>
+                    </a:ext>
+                  </a:extLst>
+                </p:cNvPr>
+                <p:cNvPicPr/>
+                <p:nvPr/>
+              </p:nvPicPr>
+              <p:blipFill>
+                <a:blip r:embed="rId84"/>
+                <a:stretch>
+                  <a:fillRect/>
+                </a:stretch>
+              </p:blipFill>
+              <p:spPr>
+                <a:xfrm>
+                  <a:off x="6217205" y="5889428"/>
+                  <a:ext cx="150480" cy="122760"/>
+                </a:xfrm>
+                <a:prstGeom prst="rect">
+                  <a:avLst/>
+                </a:prstGeom>
+              </p:spPr>
+            </p:pic>
+          </mc:Fallback>
+        </mc:AlternateContent>
+      </p:grpSp>
     </p:spTree>
     <p:extLst>
       <p:ext uri="{BB962C8B-B14F-4D97-AF65-F5344CB8AC3E}">
@@ -26436,25 +33471,6 @@
           </a:p>
         </p:txBody>
       </p:sp>
-      <p:sp>
-        <p:nvSpPr>
-          <p:cNvPr id="3" name="Content Placeholder 2"/>
-          <p:cNvSpPr>
-            <a:spLocks noGrp="1"/>
-          </p:cNvSpPr>
-          <p:nvPr>
-            <p:ph idx="1"/>
-          </p:nvPr>
-        </p:nvSpPr>
-        <p:spPr/>
-        <p:txBody>
-          <a:bodyPr/>
-          <a:lstStyle/>
-          <a:p>
-            <a:endParaRPr lang="en-IN"/>
-          </a:p>
-        </p:txBody>
-      </p:sp>
       <p:pic>
         <p:nvPicPr>
           <p:cNvPr id="4" name="Picture 3"/>
@@ -26644,25 +33660,6 @@
           </a:p>
         </p:txBody>
       </p:sp>
-      <p:sp>
-        <p:nvSpPr>
-          <p:cNvPr id="3" name="Content Placeholder 2"/>
-          <p:cNvSpPr>
-            <a:spLocks noGrp="1"/>
-          </p:cNvSpPr>
-          <p:nvPr>
-            <p:ph idx="1"/>
-          </p:nvPr>
-        </p:nvSpPr>
-        <p:spPr/>
-        <p:txBody>
-          <a:bodyPr/>
-          <a:lstStyle/>
-          <a:p>
-            <a:endParaRPr lang="en-IN"/>
-          </a:p>
-        </p:txBody>
-      </p:sp>
       <p:pic>
         <p:nvPicPr>
           <p:cNvPr id="4" name="Picture 3"/>
@@ -26736,25 +33733,6 @@
           </a:p>
         </p:txBody>
       </p:sp>
-      <p:sp>
-        <p:nvSpPr>
-          <p:cNvPr id="3" name="Content Placeholder 2"/>
-          <p:cNvSpPr>
-            <a:spLocks noGrp="1"/>
-          </p:cNvSpPr>
-          <p:nvPr>
-            <p:ph idx="1"/>
-          </p:nvPr>
-        </p:nvSpPr>
-        <p:spPr/>
-        <p:txBody>
-          <a:bodyPr/>
-          <a:lstStyle/>
-          <a:p>
-            <a:endParaRPr lang="en-IN"/>
-          </a:p>
-        </p:txBody>
-      </p:sp>
       <p:pic>
         <p:nvPicPr>
           <p:cNvPr id="4" name="Picture 3"/>
@@ -26817,25 +33795,6 @@
           </p:cNvSpPr>
           <p:nvPr>
             <p:ph type="title"/>
-          </p:nvPr>
-        </p:nvSpPr>
-        <p:spPr/>
-        <p:txBody>
-          <a:bodyPr/>
-          <a:lstStyle/>
-          <a:p>
-            <a:endParaRPr lang="en-IN"/>
-          </a:p>
-        </p:txBody>
-      </p:sp>
-      <p:sp>
-        <p:nvSpPr>
-          <p:cNvPr id="3" name="Content Placeholder 2"/>
-          <p:cNvSpPr>
-            <a:spLocks noGrp="1"/>
-          </p:cNvSpPr>
-          <p:nvPr>
-            <p:ph idx="1"/>
           </p:nvPr>
         </p:nvSpPr>
         <p:spPr/>

--- a/CSI3010 Data Warehousing Data Mining/reference materials/module-5 cluster analysis and outlier analysis/16_K-Means Clustering.pptx
+++ b/CSI3010 Data Warehousing Data Mining/reference materials/module-5 cluster analysis and outlier analysis/16_K-Means Clustering.pptx
@@ -194,7 +194,35 @@
           <inkml:channelProperty channel="F" name="resolution" value="0" units="1/dev"/>
         </inkml:channelProperties>
       </inkml:inkSource>
-      <inkml:timestamp xml:id="ts0" timeString="2022-04-02T07:17:37.332"/>
+      <inkml:timestamp xml:id="ts0" timeString="2022-05-16T17:57:55.351"/>
+    </inkml:context>
+    <inkml:brush xml:id="br0">
+      <inkml:brushProperty name="width" value="0.1" units="cm"/>
+      <inkml:brushProperty name="height" value="0.1" units="cm"/>
+      <inkml:brushProperty name="color" value="#FF0066"/>
+    </inkml:brush>
+  </inkml:definitions>
+  <inkml:trace contextRef="#ctx0" brushRef="#br0">0 24 24575,'13'0'0,"2"0"0,19 0 0,33 0-4916,-16 0 1,3 0 4170,4 0 0,3 0 745,14 0 0,4 0 746,4 0 1,3 0-747,7 0 0,2 0 0,-24 0 0,0 0 0,1 0 52,-3 0 1,0 0 0,1 0-53,3 1 0,0 0 0,1 0 0,1 0 0,0 1 0,0 0 0,2-1 0,0 1 0,-1 0 0,0 0 0,0-1 0,-1 1 0,-1-1 0,-1-1 0,1 1 0,2-1 0,-1 0 0,1 0 0,0 0 0,-1 0 0,2 0 0,-1 0 0,1 0 0,0 0 0,0 0 0,-1 0 0,1 0 0,-2 0 0,-1 0 0,0 0 0,0 0 0,0 0 0,-1 0 0,0-1 0,-1 0 0,0 0 0,-1-1 0,-1 0 0,-1 0 0,31 0 0,-2-1 0,-4 1 0,-2 0 0,-16 1 0,-5 1 0,-17 0 0,-5 0 5354,14 0-5354,-28 0 1487,7 0-1487,12 0 2829,10 0-2829,14 0 0,14 2 0,-37 1 0,4 0-213,9 3 1,2 0 212,8 2 0,1 1-586,6 0 0,1 0 586,3 1 0,0-1 0,-2-1 0,0-1 0,2-1 0,0-2-949,0-1 0,1-1 949,-2-1 0,2-1 0,6 0 0,1 0 0,-3 0 0,2 0-804,-16 0 1,3 0 0,-5 0 803,0 0 0,0 0 0,-7-1 0,4 0 0,-6-1-359,-2-2 0,-2-1 359,20-2 0,3-1 0,-1-1 0,-1 0-234,-2 0 0,-1 0 234,1 0 0,-3 0 0,-11 2 0,-1 0 249,5 0 0,-1 1-249,-8 0 0,0 2 0,0 1 0,-1 1 1148,-6-1 1,-3 1-1149,37 2 0,-27 0 0,15 0 0,1 0 0,1 0-25,-32 0 1,1 0 24,17 0 0,9 0 0,-4 0 0,4 2 0,1 1 0,-1 1 0,8 2 0,3 0-820,-10 1 1,3 1 0,1 0 0,1 0 819,2 1 0,1 1 0,0-1 0,0 1 0,-3-1 0,1 0 0,-2 0 0,0 0 0,-6-1 0,-1-1 0,-1 0 0,-1-1 0,19 2 0,-2-2 0,1 0-603,1 0 1,0-2 0,0 1 602,4-2 0,0 0 0,-1-1 0,-1 0 0,-2-1 0,0-1 0,-3 1 0,-1-2 0,-1 1 0,-4 0 0,-2 1 0,-1-2 0,-4 1 0,-1-1 0,-2 0 0,26-2 0,-6 0 0,-19-2 0,-7 1 0,28-5 0,-41 4 0,-5 4 0,20 1 0,15 0 162,-33 0 1,1 0-163,5 0 0,1 0 0,5 0 0,2 0 0,6 0 0,3 0 0,8 0 0,3 0 1032,12 0 1,5 0-1033,-25 0 0,2 1 0,2 1-356,6 0 1,2 0 0,3 2 355,-14 0 0,3 1 0,1 0 0,-1 1 0,3 0 0,0 1 0,0 1 0,0-1-711,-2 1 1,0 1 0,0 0 0,-1-1 710,0 1 0,-1 0 0,0 0 0,-2 0 0,14 1 0,-1 0 0,1 0 0,-18-3 0,1 0 0,0 0 0,2-1 0,6 0 0,1 1 0,1-1 0,0 0 0,1 0 0,0-1 0,1 1 0,-2 0 0,-2 0 0,-1 0 0,-1-1 0,-1 1 0,17 0 0,-2 0 0,-1 0 0,-6-2 0,-2 0 0,0-1 0,0-1 0,0 0 0,2-1-460,3 0 0,0-1 1,0 0 459,-7 0 0,-1 0 0,0 0 0,-3 1 0,-1-1 0,2-1 0,13-4 0,2-2 0,-7 1 0,0 3 0,-2-2 141,-5-3 0,4-2 1,-9 1-142,-9 0 0,-4 0 0,18-3 0,1 1 0,-5 1 0,-2 1 0,-3 0 0,0 2 0,-3 2 0,-1 1 0,-2 2 0,-1 0 0,-6-1 0,-1 2 0,-4 1 0,-1 0 1414,-2 0 0,-2 0-1414,39 0 3399,-6 0-3399,-17-1 3311,-17-2-3311,-14 0 0,-15 0 0,-11 1 0</inkml:trace>
+</inkml:ink>
+</file>
+
+<file path=ppt/ink/ink10.xml><?xml version="1.0" encoding="utf-8"?>
+<inkml:ink xmlns:inkml="http://www.w3.org/2003/InkML">
+  <inkml:definitions>
+    <inkml:context xml:id="ctx0">
+      <inkml:inkSource xml:id="inkSrc0">
+        <inkml:traceFormat>
+          <inkml:channel name="X" type="integer" min="-2.14748E9" max="2.14748E9" units="cm"/>
+          <inkml:channel name="Y" type="integer" min="-2.14748E9" max="2.14748E9" units="cm"/>
+          <inkml:channel name="F" type="integer" max="32767" units="dev"/>
+        </inkml:traceFormat>
+        <inkml:channelProperties>
+          <inkml:channelProperty channel="X" name="resolution" value="1000" units="1/cm"/>
+          <inkml:channelProperty channel="Y" name="resolution" value="1000" units="1/cm"/>
+          <inkml:channelProperty channel="F" name="resolution" value="0" units="1/dev"/>
+        </inkml:channelProperties>
+      </inkml:inkSource>
+      <inkml:timestamp xml:id="ts0" timeString="2022-04-02T07:17:39.084"/>
     </inkml:context>
     <inkml:brush xml:id="br0">
       <inkml:brushProperty name="width" value="0.08571" units="cm"/>
@@ -202,11 +230,123 @@
       <inkml:brushProperty name="color" value="#008C3A"/>
     </inkml:brush>
   </inkml:definitions>
-  <inkml:trace contextRef="#ctx0" brushRef="#br0">391 144 7526,'1'-4'1961,"1"1"-695,-2 3 1333,4-38-2004,-3 24-136,4-30-45,-5 36-77,-5-2-68,-2 3-157,-6-2-67,-2 6-34,-7 0-11,-3 3 0,-11 1-45,-3 13 45,-7 11-22,1 16-12,1 11 34,8 8 0,5 7 0,11 4-11,7-1-56,8-1-146,4-10-191,17-9-111,7-11 67,19-14 89,6-9 168,2-10 124,-1-4 56,5-16 44,-19-2-21,-1-15 88,-25 0 125,-4-3 145,-3 0-90,-2 4 11,-6 3-146,-1 8 1,-5 6-90,2 6-56,2 4-34,4 3-44,1 0-157,3 0 56,3 4-101,11 5 112,8 2 0,13-1 56,4-5 78,-1-3 34,0-2 11,-7-11 12,-3-4-1,-8-10 191,-6-1 212,-6 4 46,-4 3-112,-3 9-146,-1 2-180,0 6-156,0 0 22,0 8 101,-3 12 12,-2 14-1,0 11-11,-1 3 0,4-3 0,0-4-213,2-7-258,2-5-190,4-6-269,4-8-560,5-4-415,1-6-1815,1-1 3720,-1-2 0,-7 0 0,-2 0 0</inkml:trace>
+  <inkml:trace contextRef="#ctx0" brushRef="#br0">115 110 10518,'-9'0'2028,"1"0"-1905,8 0-100,0 0-68,-10 0 45,8 1 11,-9 6 23,11 0-12,2 5 12,7-5-12,8-2-22,9-3-78,3-2-57,0 0 135,-6-4-11,-6-5 11,-6-7 0,-8-7 168,-1-2 56,-2 2 45,-11 1-33,-4 9-158,-13 3-11,-5 6-55,0 3-12,-1 2-12,4 12-21,4 6 22,7 14 11,10 4 0,4 4 0,7 0-12,13-1-88,7-6-293,20-7-10,8-8 78,7-9 269,3-5 56,-3-5 45,-6-8 134,-8-8 381,-9-10 292,-10-9 268,-6-1-369,-8-2-225,-5 4-122,-4 7-113,-1 6-156,0 8-135,0 8-34,0 2-67,0 3 79,0 6 22,-3 12 11,-2 12-11,-3 11 0,1-1-11,1-5-45,4-8-11,1-8-1,1-6 46,0-7 0,0-3 10,0-3-10,11-8-90,8-10 11,19-14-23,5-10 46,5-1 33,-5 3 34,-7 11-79,-12 12-78,-8 9-11,-6 7 67,-5 4 56,0 13 45,-2 8 11,-1 14 0,-1 3 0,-1-2-11,0-4-157,2-6-146,4-9 0,5-8-436,9-6-584,6-4-1747,4-2 3081,0-8 0,-13 7 0,-5-7 0</inkml:trace>
 </inkml:ink>
 </file>
 
-<file path=ppt/ink/ink10.xml><?xml version="1.0" encoding="utf-8"?>
+<file path=ppt/ink/ink11.xml><?xml version="1.0" encoding="utf-8"?>
+<inkml:ink xmlns:inkml="http://www.w3.org/2003/InkML">
+  <inkml:definitions>
+    <inkml:context xml:id="ctx0">
+      <inkml:inkSource xml:id="inkSrc0">
+        <inkml:traceFormat>
+          <inkml:channel name="X" type="integer" min="-2.14748E9" max="2.14748E9" units="cm"/>
+          <inkml:channel name="Y" type="integer" min="-2.14748E9" max="2.14748E9" units="cm"/>
+          <inkml:channel name="F" type="integer" max="32767" units="dev"/>
+        </inkml:traceFormat>
+        <inkml:channelProperties>
+          <inkml:channelProperty channel="X" name="resolution" value="1000" units="1/cm"/>
+          <inkml:channelProperty channel="Y" name="resolution" value="1000" units="1/cm"/>
+          <inkml:channelProperty channel="F" name="resolution" value="0" units="1/dev"/>
+        </inkml:channelProperties>
+      </inkml:inkSource>
+      <inkml:timestamp xml:id="ts0" timeString="2022-04-02T07:17:39.778"/>
+    </inkml:context>
+    <inkml:brush xml:id="br0">
+      <inkml:brushProperty name="width" value="0.08571" units="cm"/>
+      <inkml:brushProperty name="height" value="0.08571" units="cm"/>
+      <inkml:brushProperty name="color" value="#008C3A"/>
+    </inkml:brush>
+  </inkml:definitions>
+  <inkml:trace contextRef="#ctx0" brushRef="#br0">0 20 11616,'4'-7'516,"-1"1"-460,-3 6-5435,0 0 5379,1-3 0,0 2 0,0-2 0</inkml:trace>
+</inkml:ink>
+</file>
+
+<file path=ppt/ink/ink12.xml><?xml version="1.0" encoding="utf-8"?>
+<inkml:ink xmlns:inkml="http://www.w3.org/2003/InkML">
+  <inkml:definitions>
+    <inkml:context xml:id="ctx0">
+      <inkml:inkSource xml:id="inkSrc0">
+        <inkml:traceFormat>
+          <inkml:channel name="X" type="integer" min="-2.14748E9" max="2.14748E9" units="cm"/>
+          <inkml:channel name="Y" type="integer" min="-2.14748E9" max="2.14748E9" units="cm"/>
+          <inkml:channel name="F" type="integer" max="32767" units="dev"/>
+        </inkml:traceFormat>
+        <inkml:channelProperties>
+          <inkml:channelProperty channel="X" name="resolution" value="1000" units="1/cm"/>
+          <inkml:channelProperty channel="Y" name="resolution" value="1000" units="1/cm"/>
+          <inkml:channelProperty channel="F" name="resolution" value="0" units="1/dev"/>
+        </inkml:channelProperties>
+      </inkml:inkSource>
+      <inkml:timestamp xml:id="ts0" timeString="2022-04-02T07:17:40.853"/>
+    </inkml:context>
+    <inkml:brush xml:id="br0">
+      <inkml:brushProperty name="width" value="0.08571" units="cm"/>
+      <inkml:brushProperty name="height" value="0.08571" units="cm"/>
+      <inkml:brushProperty name="color" value="#008C3A"/>
+    </inkml:brush>
+  </inkml:definitions>
+  <inkml:trace contextRef="#ctx0" brushRef="#br0">364 344 8781,'0'-4'2723,"0"1"-863,0 3-1434,-28-35 89,10 22-168,-28-26-168,14 32-55,-5 3-56,-1 2-68,1 0-45,2 5 22,4 12 23,3 8-11,10 13 0,7 3-102,6 2-424,14-5-146,12-5 290,16-14 146,15-8 91,5-7 144,-1-13 12,-7-5 12,-13-15-12,-10-4 78,-14-9 392,-7-4 13,-5-8-103,0-1 113,-1-1-111,-5 10-80,-1 9-89,-5 14-67,4 13-146,1 5-101,4 7 45,-1 7 56,0 14 11,-2 14 0,2 16-11,1 7 0,3-1-101,13-3-594,6-3-447,19-8-46,5-4-672,6-8-314,2-9 2174,1-7 0,-23-8 0,-5-4 0</inkml:trace>
+</inkml:ink>
+</file>
+
+<file path=ppt/ink/ink13.xml><?xml version="1.0" encoding="utf-8"?>
+<inkml:ink xmlns:inkml="http://www.w3.org/2003/InkML">
+  <inkml:definitions>
+    <inkml:context xml:id="ctx0">
+      <inkml:inkSource xml:id="inkSrc0">
+        <inkml:traceFormat>
+          <inkml:channel name="X" type="integer" min="-2.14748E9" max="2.14748E9" units="cm"/>
+          <inkml:channel name="Y" type="integer" min="-2.14748E9" max="2.14748E9" units="cm"/>
+          <inkml:channel name="F" type="integer" max="32767" units="dev"/>
+        </inkml:traceFormat>
+        <inkml:channelProperties>
+          <inkml:channelProperty channel="X" name="resolution" value="1000" units="1/cm"/>
+          <inkml:channelProperty channel="Y" name="resolution" value="1000" units="1/cm"/>
+          <inkml:channelProperty channel="F" name="resolution" value="0" units="1/dev"/>
+        </inkml:channelProperties>
+      </inkml:inkSource>
+      <inkml:timestamp xml:id="ts0" timeString="2022-04-02T07:17:41.454"/>
+    </inkml:context>
+    <inkml:brush xml:id="br0">
+      <inkml:brushProperty name="width" value="0.08571" units="cm"/>
+      <inkml:brushProperty name="height" value="0.08571" units="cm"/>
+      <inkml:brushProperty name="color" value="#008C3A"/>
+    </inkml:brush>
+  </inkml:definitions>
+  <inkml:trace contextRef="#ctx0" brushRef="#br0">265 449 14256,'-50'-34'5,"0"0"1,-36-13-4,59 64-2,3 11 1,8 8-1,7 2-11,6-1-190,6-4-358,12-3 155,11-11 135,13-5 213,6-9 22,-1-4 23,-6-1 11,-5-10 56,-12-4 146,-8-13 269,-7 0-90,-4-1-90,-2 3 22,0 8-178,0 3-135,-3 8-45,2 2-101,-3 3 46,2 2 88,0 12 1,1 6-168,1 11-235,0-1 55,11-5 79,8-7 78,16-9-67,5-3 146,1-5 123,-5-5 0,-5-6 67,-9-10 292,-8-10 190,-7-8-112,-4-10 179,-3-9 45,0-10-190,-5-2-102,-2 1-55,-4 11-123,-1 15-90,1 16-101,4 16-112,1 6-12,4 14 124,0 21 11,2 19-11,0 21 0,0 7-112,11-3-336,3-6-123,10-11-415,3-10-303,-1-12-280,1-10-750,0-9 2319,-4-8 0,-9-5 0,-7-3 0</inkml:trace>
+</inkml:ink>
+</file>
+
+<file path=ppt/ink/ink14.xml><?xml version="1.0" encoding="utf-8"?>
+<inkml:ink xmlns:inkml="http://www.w3.org/2003/InkML">
+  <inkml:definitions>
+    <inkml:context xml:id="ctx0">
+      <inkml:inkSource xml:id="inkSrc0">
+        <inkml:traceFormat>
+          <inkml:channel name="X" type="integer" min="-2.14748E9" max="2.14748E9" units="cm"/>
+          <inkml:channel name="Y" type="integer" min="-2.14748E9" max="2.14748E9" units="cm"/>
+          <inkml:channel name="F" type="integer" max="32767" units="dev"/>
+        </inkml:traceFormat>
+        <inkml:channelProperties>
+          <inkml:channelProperty channel="X" name="resolution" value="1000" units="1/cm"/>
+          <inkml:channelProperty channel="Y" name="resolution" value="1000" units="1/cm"/>
+          <inkml:channelProperty channel="F" name="resolution" value="0" units="1/dev"/>
+        </inkml:channelProperties>
+      </inkml:inkSource>
+      <inkml:timestamp xml:id="ts0" timeString="2022-04-02T07:17:42.032"/>
+    </inkml:context>
+    <inkml:brush xml:id="br0">
+      <inkml:brushProperty name="width" value="0.08571" units="cm"/>
+      <inkml:brushProperty name="height" value="0.08571" units="cm"/>
+      <inkml:brushProperty name="color" value="#008C3A"/>
+    </inkml:brush>
+  </inkml:definitions>
+  <inkml:trace contextRef="#ctx0" brushRef="#br0">0 27 11806,'16'-1'863,"9"1"-639,22 7-33,9-4-12,3-1-22,5-2-33,-2 0-35,-2 0 46,-11 0 33,-11 0 201,-17-2 157,-10-1 13,-8-1-214,-3-1-191,0 3-11,0 1-123,-6 1-33,-4 0 10,-10 0-22,-3 3 45,-5 10 0,3 8-11,1 10 0,9 4 11,5 0-112,7-3-123,8-5-202,13-6-79,10-8 102,14-6 358,3-4 56,-5-3 56,-5-3-56,-11-7 33,-7-5 79,-10-11 269,-3-4 23,-4-5-68,0-2 0,-1 2-190,-5 6-68,-3 7-78,-4 10-11,3 6-56,0 4-12,4 4 57,1 13 11,1 12 11,3 14 0,1 9 0,9-5-124,9-3-570,15-10-965,16-8-1422,6-9 3081,5-8 0,-25-4 0,-9-3 0</inkml:trace>
+</inkml:ink>
+</file>
+
+<file path=ppt/ink/ink15.xml><?xml version="1.0" encoding="utf-8"?>
 <inkml:ink xmlns:inkml="http://www.w3.org/2003/InkML">
   <inkml:definitions>
     <inkml:context xml:id="ctx0">
@@ -234,7 +374,7 @@
 </inkml:ink>
 </file>
 
-<file path=ppt/ink/ink11.xml><?xml version="1.0" encoding="utf-8"?>
+<file path=ppt/ink/ink16.xml><?xml version="1.0" encoding="utf-8"?>
 <inkml:ink xmlns:inkml="http://www.w3.org/2003/InkML">
   <inkml:definitions>
     <inkml:context xml:id="ctx0">
@@ -262,7 +402,7 @@
 </inkml:ink>
 </file>
 
-<file path=ppt/ink/ink12.xml><?xml version="1.0" encoding="utf-8"?>
+<file path=ppt/ink/ink17.xml><?xml version="1.0" encoding="utf-8"?>
 <inkml:ink xmlns:inkml="http://www.w3.org/2003/InkML">
   <inkml:definitions>
     <inkml:context xml:id="ctx0">
@@ -290,7 +430,7 @@
 </inkml:ink>
 </file>
 
-<file path=ppt/ink/ink13.xml><?xml version="1.0" encoding="utf-8"?>
+<file path=ppt/ink/ink18.xml><?xml version="1.0" encoding="utf-8"?>
 <inkml:ink xmlns:inkml="http://www.w3.org/2003/InkML">
   <inkml:definitions>
     <inkml:context xml:id="ctx0">
@@ -318,7 +458,7 @@
 </inkml:ink>
 </file>
 
-<file path=ppt/ink/ink14.xml><?xml version="1.0" encoding="utf-8"?>
+<file path=ppt/ink/ink19.xml><?xml version="1.0" encoding="utf-8"?>
 <inkml:ink xmlns:inkml="http://www.w3.org/2003/InkML">
   <inkml:definitions>
     <inkml:context xml:id="ctx0">
@@ -346,7 +486,35 @@
 </inkml:ink>
 </file>
 
-<file path=ppt/ink/ink15.xml><?xml version="1.0" encoding="utf-8"?>
+<file path=ppt/ink/ink2.xml><?xml version="1.0" encoding="utf-8"?>
+<inkml:ink xmlns:inkml="http://www.w3.org/2003/InkML">
+  <inkml:definitions>
+    <inkml:context xml:id="ctx0">
+      <inkml:inkSource xml:id="inkSrc0">
+        <inkml:traceFormat>
+          <inkml:channel name="X" type="integer" min="-2.14748E9" max="2.14748E9" units="cm"/>
+          <inkml:channel name="Y" type="integer" min="-2.14748E9" max="2.14748E9" units="cm"/>
+          <inkml:channel name="F" type="integer" max="32767" units="dev"/>
+        </inkml:traceFormat>
+        <inkml:channelProperties>
+          <inkml:channelProperty channel="X" name="resolution" value="1000" units="1/cm"/>
+          <inkml:channelProperty channel="Y" name="resolution" value="1000" units="1/cm"/>
+          <inkml:channelProperty channel="F" name="resolution" value="0" units="1/dev"/>
+        </inkml:channelProperties>
+      </inkml:inkSource>
+      <inkml:timestamp xml:id="ts0" timeString="2022-05-16T17:58:08.610"/>
+    </inkml:context>
+    <inkml:brush xml:id="br0">
+      <inkml:brushProperty name="width" value="0.1" units="cm"/>
+      <inkml:brushProperty name="height" value="0.1" units="cm"/>
+      <inkml:brushProperty name="color" value="#008C3A"/>
+    </inkml:brush>
+  </inkml:definitions>
+  <inkml:trace contextRef="#ctx0" brushRef="#br0">1 456 24575,'16'0'0,"3"0"0,9 0 0,1 0 0,3 0 0,0 0 0,1 0 0,0 0 0,4 0 0,2 0 0,0 0 0,1 0 0,-3 0 0,-3 0 0,-7 0 0,-4 0 0,-7 0 0,-3 0 0,-1 0 0,-1 0 0,-2 0 0,3 0 0,3 0 0,7 0 0,14 0 0,2 0 0,25 0 0,-9 0 0,14 0 0,-5 0 0,1 0 0,3 0 0,1 0 0,-4 0 0,-5 0 0,-1 0 0,4 0 0,8 0 0,7 0 0,7 0 0,8 0 0,8 0 0,-45 0 0,1 0 0,3 0 0,0 0-281,-2 0 0,-1 0 281,-1-1 0,-2 0 0,-1-1 0,0 0 0,-1 0 0,0 0 0,1-1 0,1 0 0,4 0 0,0 0 0,1 1 0,-1 0 0,-1 0 0,0 0 0,-1 1 0,0-1 0,-3 0 0,0 0 0,0-1 0,0 1 0,6-1 0,-1-1 0,-3 2 0,0-1 0,-2-1 0,-1 0 0,46-4 0,-12 0 0,-1 1 0,-12 0 0,-10 0 0,-14 3 0,-16 1 0,-10 3 0,-6 0 0,10 0-6222,14 0 6222,3 0-357,34 0 357,-28 0 0,4 0 0,9 0 0,3 0 0,11 0 0,2 0-1172,2 1 1,2 1 1171,6 2 0,3 0 0,-25 1 0,2-1 0,1 1-565,6 1 0,2 1 1,-1 0 564,2-1 0,-1 1 0,1 0 0,2-1 0,-1 1 0,1 0 703,4 0 1,-1 0-1,1 0-703,1 0 0,1 0 0,-1 0 0,2-1 0,-1 0 0,0-1 0,-2 0 0,-1-1 0,-1-1 0,-6-1 0,-1 0 0,2-1 0,13 0 0,3-1 0,-7-1-543,2 1 1,-1 0 542,-6 0 0,4 0 0,-10 0 1048,-14 0 1,-6 0-1049,9 0 0,-1 0 0,35 0 0,-18 7 0,1 9 0,3 4 0,-32-9 0,1 0 0,37 13 0,1 0 766,-32-10 0,-1-1-766,9 2 0,1 1 0,-7-2 0,0-1 0,1 0 0,-2-1 0,-10-4 0,0-1 0,2-1 0,0 0 0,42 1 0,-8-3 2718,-3-4-2718,-3 0 0,-3-1 2244,-8-5-2244,-10-4 159,-7-5-159,-10 0 998,-7 6-998,2 4 0,13 0 0,23-6 0,14-1 0,4-3-528,-38 4 0,2-1 528,10 0 0,6-1 0,-8 1 0,29-9 0,-29 8 0,3 0 0,-1 0 0,1 1 0,4-1 0,1 1 0,6 0 0,-1 1 0,-6 1 0,-2 0 0,-5 2 0,-3 0-267,-4 0 1,-2 0 266,43-6 0,-8 3 0,-12 2 0,-14 3 0,-20 0 0,-9 1 0,7 2 1419,11 1-1419,16-1 0,31-5 0,-34 1 0,5 0-470,17-1 0,4 0 470,-22 3 0,2 0 0,0 0-813,3 0 0,0 0 0,0 1 813,0 1 0,0 1 0,0 0-867,0 0 0,0 0 1,0 1 866,0-1 0,1 0 0,-1 1 0,0-1 0,1 1 0,0-1 0,-1-2 0,0 1 0,0-2 0,-1 0 0,0-1 0,-1-1 0,-1-1 0,-2 0 0,0-2 0,30-7 0,-2-1 0,-7-2 0,-3-1 0,-12 0 0,-2 0-308,-9 0 1,-4 0 307,30-13 1063,-31 12-1063,-12 9 2121,-6 11-2121,12 2 0,14 2 0,28 8 0,-34 1 0,4 2-425,15 4 1,6 2 424,-21-5 0,2 0 0,1 1 0,3 0 0,1 0 0,0-1 0,2 0 0,0-2 0,1 0 0,-3-1 0,-1-1 0,1-1-549,-1 0 1,-1-1 0,4 0 548,14 1 0,4-1 0,-7 0 0,-2 1 0,-1-2 0,-5 0 0,5 0 0,-4-2 0,8-1 0,-5-3 0,-14 1 0,1 0-604,23-1 1,-3-2 603,-35 2 0,-2-2 0,13-1 0,0-3 0,-8 0 0,-4-1 0,32-6 0,-15 1 0,18 8 0,-24 3 0,-8 0 0,2 0 2225,34 4-2225,-20 0 0,6 1 0,4 1 0,2 2 0,13 3 0,6 1-1092,-13 0 0,4 2 0,3 0 1092,-19-3 0,0 1 0,2 0 0,2 1 0,11 2 0,1 0 0,2 0 0,0 1-421,-16-2 0,0-1 0,1 1 0,-1 0 0,0-1 421,18 4 0,0 0 0,0 0 0,3 1-639,-14-2 1,2 0-1,0 1 1,1 0-1,0 0 639,3 1 0,-1 0 0,1 0 0,0 1 0,-1-1 0,-1 1 0,-1 0 0,0 0 0,-2 0 0,-1 0-423,14 4 0,-2 0 1,-3 1-1,-3-2 423,-12-1 0,-2 0 0,-4-2 0,-7-1 0,13 4 0,-10-2 0,-22-6 0,1 0 0</inkml:trace>
+</inkml:ink>
+</file>
+
+<file path=ppt/ink/ink20.xml><?xml version="1.0" encoding="utf-8"?>
 <inkml:ink xmlns:inkml="http://www.w3.org/2003/InkML">
   <inkml:definitions>
     <inkml:context xml:id="ctx0">
@@ -374,7 +542,7 @@
 </inkml:ink>
 </file>
 
-<file path=ppt/ink/ink16.xml><?xml version="1.0" encoding="utf-8"?>
+<file path=ppt/ink/ink21.xml><?xml version="1.0" encoding="utf-8"?>
 <inkml:ink xmlns:inkml="http://www.w3.org/2003/InkML">
   <inkml:definitions>
     <inkml:context xml:id="ctx0">
@@ -402,7 +570,7 @@
 </inkml:ink>
 </file>
 
-<file path=ppt/ink/ink17.xml><?xml version="1.0" encoding="utf-8"?>
+<file path=ppt/ink/ink22.xml><?xml version="1.0" encoding="utf-8"?>
 <inkml:ink xmlns:inkml="http://www.w3.org/2003/InkML">
   <inkml:definitions>
     <inkml:context xml:id="ctx0">
@@ -430,7 +598,7 @@
 </inkml:ink>
 </file>
 
-<file path=ppt/ink/ink18.xml><?xml version="1.0" encoding="utf-8"?>
+<file path=ppt/ink/ink23.xml><?xml version="1.0" encoding="utf-8"?>
 <inkml:ink xmlns:inkml="http://www.w3.org/2003/InkML">
   <inkml:definitions>
     <inkml:context xml:id="ctx0">
@@ -458,7 +626,7 @@
 </inkml:ink>
 </file>
 
-<file path=ppt/ink/ink19.xml><?xml version="1.0" encoding="utf-8"?>
+<file path=ppt/ink/ink24.xml><?xml version="1.0" encoding="utf-8"?>
 <inkml:ink xmlns:inkml="http://www.w3.org/2003/InkML">
   <inkml:definitions>
     <inkml:context xml:id="ctx0">
@@ -486,7 +654,1379 @@
 </inkml:ink>
 </file>
 
-<file path=ppt/ink/ink2.xml><?xml version="1.0" encoding="utf-8"?>
+<file path=ppt/ink/ink25.xml><?xml version="1.0" encoding="utf-8"?>
+<inkml:ink xmlns:inkml="http://www.w3.org/2003/InkML">
+  <inkml:definitions>
+    <inkml:context xml:id="ctx0">
+      <inkml:inkSource xml:id="inkSrc0">
+        <inkml:traceFormat>
+          <inkml:channel name="X" type="integer" min="-2.14748E9" max="2.14748E9" units="cm"/>
+          <inkml:channel name="Y" type="integer" min="-2.14748E9" max="2.14748E9" units="cm"/>
+          <inkml:channel name="F" type="integer" max="32767" units="dev"/>
+        </inkml:traceFormat>
+        <inkml:channelProperties>
+          <inkml:channelProperty channel="X" name="resolution" value="1000" units="1/cm"/>
+          <inkml:channelProperty channel="Y" name="resolution" value="1000" units="1/cm"/>
+          <inkml:channelProperty channel="F" name="resolution" value="0" units="1/dev"/>
+        </inkml:channelProperties>
+      </inkml:inkSource>
+      <inkml:timestamp xml:id="ts0" timeString="2022-04-02T07:17:52.703"/>
+    </inkml:context>
+    <inkml:brush xml:id="br0">
+      <inkml:brushProperty name="width" value="0.08571" units="cm"/>
+      <inkml:brushProperty name="height" value="0.08571" units="cm"/>
+      <inkml:brushProperty name="color" value="#004F8B"/>
+    </inkml:brush>
+  </inkml:definitions>
+  <inkml:trace contextRef="#ctx0" brushRef="#br0">72 65 9521,'8'2'3070,"-3"-1"-2286,-5-1 616,0 0-872,-13-19-204,9 11-133,-10-14-90,13 18-79,1 1-22,0 1 0,0-1-11,10 0 11,5 1-11,12 0-1,3 2 1,-1 0-45,-2 0 0,-3 8-78,-6 4-45,-3 11-12,-7 2 102,-3 3 55,-4-1 12,-1-2-1,-1-1 23,-8-3 0,-5-3 0,-8-5 11,-1-2 23,2-7 11,4-1 56,3-3 145,6 0-33,1 0 0,4 0 111,1 0-357,10 0 10,5 0-21,10 0-35,8 0-89,2 0-56,2 0 0,-4 0-11,-3 6-11,-7 6-102,-3 9 34,-6 4 1,-6 3 178,-3-3 79,-3 1 45,-5-4 11,-13 0 0,-9-5 22,-14-2-10,-2-4 21,-3-6-10,0-2-1,3-3 34,3 0-56,8 0-740,8-8-2241,12-4 2981,6-12 0,6 10 0,0 1 0</inkml:trace>
+</inkml:ink>
+</file>
+
+<file path=ppt/ink/ink26.xml><?xml version="1.0" encoding="utf-8"?>
+<inkml:ink xmlns:inkml="http://www.w3.org/2003/InkML">
+  <inkml:definitions>
+    <inkml:context xml:id="ctx0">
+      <inkml:inkSource xml:id="inkSrc0">
+        <inkml:traceFormat>
+          <inkml:channel name="X" type="integer" min="-2.14748E9" max="2.14748E9" units="cm"/>
+          <inkml:channel name="Y" type="integer" min="-2.14748E9" max="2.14748E9" units="cm"/>
+          <inkml:channel name="F" type="integer" max="32767" units="dev"/>
+        </inkml:traceFormat>
+        <inkml:channelProperties>
+          <inkml:channelProperty channel="X" name="resolution" value="1000" units="1/cm"/>
+          <inkml:channelProperty channel="Y" name="resolution" value="1000" units="1/cm"/>
+          <inkml:channelProperty channel="F" name="resolution" value="0" units="1/dev"/>
+        </inkml:channelProperties>
+      </inkml:inkSource>
+      <inkml:timestamp xml:id="ts0" timeString="2022-04-02T07:17:54.564"/>
+    </inkml:context>
+    <inkml:brush xml:id="br0">
+      <inkml:brushProperty name="width" value="0.08571" units="cm"/>
+      <inkml:brushProperty name="height" value="0.08571" units="cm"/>
+      <inkml:brushProperty name="color" value="#004F8B"/>
+    </inkml:brush>
+  </inkml:definitions>
+  <inkml:trace contextRef="#ctx0" brushRef="#br0">168 296 8512,'1'-15'2309,"1"3"-1682,-2 12 269,0 0-604,-10-10-102,6 7-33,-11-8-56,8 11-90,-6 0 11,-2 5-22,-2 8 0,-2 10 23,0 11-23,1 5 22,1 4-22,8 0 11,3-3 0,5-4-11,1-5 34,13-7-34,9-9 0,19-6-213,13-6-78,7-3 45,5-7-34,-1-3-23,-5-11 90,-8-3 202,-11-3 11,-10-3 44,-11 0 103,-10 1 133,-6 2 22,-4 7-67,0 1-100,-7 5-91,-7 4-21,-9 4-12,-4 2 0,0 3-11,3 1-45,5 3 45,4 9 0,7 8-22,3 11 22,4 3-123,4 0-549,10-1-34,10-3 235,13-9 303,8-4 101,7-11 45,5-3 22,0-3 22,-6-9 202,-8-3 605,-11-14 191,-15-3-124,-7-3-22,-7-1-179,-2 3-348,-2 7-100,-1 5-180,-1 11-67,0 2-67,2 5 11,-2 0 56,0 8 0,-4 7 22,1 7-22,-1 3 0,3-5 11,2-6 0,1-2-11,2-9 12,0 1 66,0-4-78,0-5-67,13-8 11,5-10-23,13-3-122,2-1-113,-3 11-67,-4 6 11,-3 7-78,-5 9 34,-3 11-24,-4 8-32,-4 7 67,-1 0-57,0-4 68,3-4 235,2-7 112,2-9 45,2-3 0,1-5 11,4 0-11,-2-6 0,3-8 79,-2-10 324,-3-8 46,-4-9 167,-4-7-101,-5-8 191,-2-8 33,-1-3-268,0 2-56,0 13-102,0 13-156,-1 20-157,-1 10-56,-1 7-45,-3 11 101,-1 16 0,-3 20 34,1 16-23,3 7-11,3-3 0,1-5-168,4-9-358,8-11-561,3-7 0,9-11-717,0-7-830,-1-8 2634,0-4 0,-10-3 0,-2 0 0</inkml:trace>
+</inkml:ink>
+</file>
+
+<file path=ppt/ink/ink27.xml><?xml version="1.0" encoding="utf-8"?>
+<inkml:ink xmlns:inkml="http://www.w3.org/2003/InkML">
+  <inkml:definitions>
+    <inkml:context xml:id="ctx0">
+      <inkml:inkSource xml:id="inkSrc0">
+        <inkml:traceFormat>
+          <inkml:channel name="X" type="integer" min="-2.14748E9" max="2.14748E9" units="cm"/>
+          <inkml:channel name="Y" type="integer" min="-2.14748E9" max="2.14748E9" units="cm"/>
+          <inkml:channel name="F" type="integer" max="32767" units="dev"/>
+        </inkml:traceFormat>
+        <inkml:channelProperties>
+          <inkml:channelProperty channel="X" name="resolution" value="1000" units="1/cm"/>
+          <inkml:channelProperty channel="Y" name="resolution" value="1000" units="1/cm"/>
+          <inkml:channelProperty channel="F" name="resolution" value="0" units="1/dev"/>
+        </inkml:channelProperties>
+      </inkml:inkSource>
+      <inkml:timestamp xml:id="ts0" timeString="2022-04-02T07:17:54.790"/>
+    </inkml:context>
+    <inkml:brush xml:id="br0">
+      <inkml:brushProperty name="width" value="0.08571" units="cm"/>
+      <inkml:brushProperty name="height" value="0.08571" units="cm"/>
+      <inkml:brushProperty name="color" value="#004F8B"/>
+    </inkml:brush>
+  </inkml:definitions>
+  <inkml:trace contextRef="#ctx0" brushRef="#br0">1 8 12176,'18'-4'460,"14"1"-460,24 4-6042,7 0 4496,-3 2 288,-5-1 1258,-10 3 0,-20-3 0,-9 1 0</inkml:trace>
+</inkml:ink>
+</file>
+
+<file path=ppt/ink/ink28.xml><?xml version="1.0" encoding="utf-8"?>
+<inkml:ink xmlns:inkml="http://www.w3.org/2003/InkML">
+  <inkml:definitions>
+    <inkml:context xml:id="ctx0">
+      <inkml:inkSource xml:id="inkSrc0">
+        <inkml:traceFormat>
+          <inkml:channel name="X" type="integer" min="-2.14748E9" max="2.14748E9" units="cm"/>
+          <inkml:channel name="Y" type="integer" min="-2.14748E9" max="2.14748E9" units="cm"/>
+          <inkml:channel name="F" type="integer" max="32767" units="dev"/>
+        </inkml:traceFormat>
+        <inkml:channelProperties>
+          <inkml:channelProperty channel="X" name="resolution" value="1000" units="1/cm"/>
+          <inkml:channelProperty channel="Y" name="resolution" value="1000" units="1/cm"/>
+          <inkml:channelProperty channel="F" name="resolution" value="0" units="1/dev"/>
+        </inkml:channelProperties>
+      </inkml:inkSource>
+      <inkml:timestamp xml:id="ts0" timeString="2022-04-02T07:17:55.179"/>
+    </inkml:context>
+    <inkml:brush xml:id="br0">
+      <inkml:brushProperty name="width" value="0.08571" units="cm"/>
+      <inkml:brushProperty name="height" value="0.08571" units="cm"/>
+      <inkml:brushProperty name="color" value="#004F8B"/>
+    </inkml:brush>
+  </inkml:definitions>
+  <inkml:trace contextRef="#ctx0" brushRef="#br0">1 106 14227,'1'-21'-79,"7"5"57,20 22 11,2 7-1,0 11 1,-3 7 11,-3 6-11,-3-2 11,-5 1 11,-4-7-11,-4-5 0,-3-7 11,-4-9 1,1-3 1254,-2-5-1109,0-9-90,0-6-45,0-12-10,3-5-1,0-7-11,7-4 0,-1-1-45,2 1-627,-1 7-807,1 10-673,3 13-459,5 7 2611,4 6 0,-10 0 0,-2 0 0</inkml:trace>
+</inkml:ink>
+</file>
+
+<file path=ppt/ink/ink29.xml><?xml version="1.0" encoding="utf-8"?>
+<inkml:ink xmlns:inkml="http://www.w3.org/2003/InkML">
+  <inkml:definitions>
+    <inkml:context xml:id="ctx0">
+      <inkml:inkSource xml:id="inkSrc0">
+        <inkml:traceFormat>
+          <inkml:channel name="X" type="integer" min="-2.14748E9" max="2.14748E9" units="cm"/>
+          <inkml:channel name="Y" type="integer" min="-2.14748E9" max="2.14748E9" units="cm"/>
+          <inkml:channel name="F" type="integer" max="32767" units="dev"/>
+        </inkml:traceFormat>
+        <inkml:channelProperties>
+          <inkml:channelProperty channel="X" name="resolution" value="1000" units="1/cm"/>
+          <inkml:channelProperty channel="Y" name="resolution" value="1000" units="1/cm"/>
+          <inkml:channelProperty channel="F" name="resolution" value="0" units="1/dev"/>
+        </inkml:channelProperties>
+      </inkml:inkSource>
+      <inkml:timestamp xml:id="ts0" timeString="2022-04-02T07:17:55.812"/>
+    </inkml:context>
+    <inkml:brush xml:id="br0">
+      <inkml:brushProperty name="width" value="0.08571" units="cm"/>
+      <inkml:brushProperty name="height" value="0.08571" units="cm"/>
+      <inkml:brushProperty name="color" value="#004F8B"/>
+    </inkml:brush>
+  </inkml:definitions>
+  <inkml:trace contextRef="#ctx0" brushRef="#br0">85 123 10013,'-3'4'1659,"0"-1"-1659,3-3 33,-5 35-10,4-13-1,-3 29 1,4-26 10,1-4 80,10-8-113,6-6-135,8-4-246,4-3 179,-4 0 135,-3-7 56,-6-6 11,-8-11 22,-3-3 135,-4-7 269,-1-2-56,-3-2 67,-5-1-180,-6 6-156,-7 6-101,-4 10 0,-5 9-33,-1 5 33,-2 3-45,6 1 11,6 10 1,11 3 21,4 11-55,6-3-101,12 2-22,8-4-34,18-6 112,8-4 112,4-6 22,-1-3-11,-3-1 213,-5-1 258,-5-10 0,-4-3 168,-7-9-45,-2 4-45,-10 0-123,-3 7-146,-7 5-235,-2 4-212,-1 3 156,0 14 0,0 3 0,0 14 0,0-4 0,0-2-12,0-6 12,0-2-44,5-6-46,6-3-67,6-5-314,6-1-514,0-2-282,-1 0-637,-1 0-1021,-3-3 2925,-3-4 0,-7 3 0,-4-3 0</inkml:trace>
+</inkml:ink>
+</file>
+
+<file path=ppt/ink/ink3.xml><?xml version="1.0" encoding="utf-8"?>
+<inkml:ink xmlns:inkml="http://www.w3.org/2003/InkML">
+  <inkml:definitions>
+    <inkml:context xml:id="ctx0">
+      <inkml:inkSource xml:id="inkSrc0">
+        <inkml:traceFormat>
+          <inkml:channel name="X" type="integer" min="-2.14748E9" max="2.14748E9" units="cm"/>
+          <inkml:channel name="Y" type="integer" min="-2.14748E9" max="2.14748E9" units="cm"/>
+          <inkml:channel name="F" type="integer" max="32767" units="dev"/>
+        </inkml:traceFormat>
+        <inkml:channelProperties>
+          <inkml:channelProperty channel="X" name="resolution" value="1000" units="1/cm"/>
+          <inkml:channelProperty channel="Y" name="resolution" value="1000" units="1/cm"/>
+          <inkml:channelProperty channel="F" name="resolution" value="0" units="1/dev"/>
+        </inkml:channelProperties>
+      </inkml:inkSource>
+      <inkml:timestamp xml:id="ts0" timeString="2022-05-16T17:58:16.093"/>
+    </inkml:context>
+    <inkml:brush xml:id="br0">
+      <inkml:brushProperty name="width" value="0.1" units="cm"/>
+      <inkml:brushProperty name="height" value="0.1" units="cm"/>
+      <inkml:brushProperty name="color" value="#008C3A"/>
+    </inkml:brush>
+  </inkml:definitions>
+  <inkml:trace contextRef="#ctx0" brushRef="#br0">0 313 24575,'23'0'0,"13"0"0,23 0 0,27 0 0,-32 0 0,2 0 0,10 0 0,2 0-319,6 0 1,2 0 318,4 0 0,1 0 0,-1 0 0,0 0 0,-2 0 0,0 0 0,-3-1 0,1-1 0,-1 0 0,0 0-366,2 0 0,-1-1 366,0 1 0,0 0-990,5 2 1,1-1 989,7 1 0,2 0 0,5 0 0,3 0-784,-31 0 1,1 0 0,0 0 783,1 0 0,1 0 0,-1 0 0,-1 0 0,-1 0 0,0 0 0,32 0 0,0 0 0,-2 0 0,1 0 0,-23 0 0,2 0 0,-5 0 0,3 2 0,-1 0-597,26 2 1,-4 1 596,-40 1 0,-3 1 0,15 1 0,1 1 0,-9-1 0,-3 0 633,37 4-633,-22-5 0,-11-4 0,1-3 0,12 0 0,0 0 0,4 0 310,-30 0 1,3 0-311,27 0 0,11 0 0,-10 0 0,-20 0 0,-1 0 0,16 0 0,9 0 0,-1 0-1113,-8 0 0,-1 0 0,5 0 1113,-5 0 0,3 0 0,3 0 0,0 0 0,3 0 0,2 0 0,0 0 0,-1 0-42,-5 0 1,0-1-1,-2 0 1,-1-1 41,15-1 0,-2-2 0,-2-2 0,-2 0 0,-2-2 0,-1-1 0,-12 1 0,-2-2 0,1 0 0,9-2 0,0-1 0,0 0 0,-7 1 0,-1-1 0,-1 1 0,30-7 0,-2 1 0,-1 0 0,-4 0-281,-25 4 1,-4 2 280,-5 1 0,-2-1 246,-6 2 0,-1 0-246,47-8 0,2 1 0,-15 5 5582,-23 3-5582,-5 4 0,-2 4 0,11 2 0,1 8 0,2 3 1129,25 5-1129,-8 4 0,4 3 0,-20-5 0,2 1 0,22 5 0,5 1-793,-29-9 0,1 0 1,0-1 792,4 0 0,0 0 0,2-1 0,2-1 0,0 0 0,2-1 0,1 0 0,1-1 0,1 0 0,1-1 0,0-1 0,1-1 0,1-1 0,0-1 0,-1-1 0,0 0 0,0-2 0,0-1 0,-3 0 0,0-2 0,0 1 0,-2-1 0,-1 0 0,0 0 0,-4-1 0,-1 1 0,-2-2-674,30-3 0,-2-2 674,-8-4 0,-4-3 0,-13-1 0,-4-1-230,-8-1 0,-5 1 230,29-7 816,-26 11-816,-9 6 0,0 7 3105,20 5-3105,15 6 0,-25 0 0,7 3-560,-2-1 0,4 3 0,4 0 560,13 3 0,4 0 0,1 0 0,-18-4 0,0 0 0,1 0 0,-1-1 0,23 4 0,-1-1 0,-2 0 0,-6-3 0,-3-1 0,1 0 0,1 0 0,1-2 0,0 1 0,7 0 0,1 0 0,0 0 0,0-1 0,0 0 0,0-1 0,-2-1 0,-1-1 0,0 1 0,-2-2 0,0-1 0,-1 0 0,-4-1 0,1 0 0,-2-1 0,-2-1 0,-1 0 0,-4-1 267,17 1 0,-9-1-267,-23-1 0,-7 0 0,11-2 0,-22 0 0,19 0 0,14 0 0,20 3-833,-31 1 0,5 1 833,13 2 0,7 3 0,-11 1 0,5 1 0,2 1 231,-14-2 1,2 0 0,2 1-1,-1 0-231,5 1 0,2 0 0,-1 1 0,0-1-926,-4 0 1,-1 0 0,1 0 0,1-1 925,12 3 0,2-1 0,-1 0 0,-9-1 0,-9-1 0,-7-1 0,5 2 0,4 0 0,6 1 0,0 1 0,-8-2 0,25 7 0,-4-1-678,-15-4 0,4 1 0,-1 0 678,-4 0 0,1-1 0,-2 0 0,-3-3 0,-1 0 0,0-1 0,0 1 0,0 0 0,-1-1-183,-4-1 1,-2-1 0,-2 1 182,21 2 0,-1-1 157,1 1 0,-2-2-157,-12-1 0,-2-1 1173,-5 0 1,-1 0-1174,4 1 0,-3-1 0,31 3 0,-32-3 0,-21-5 0</inkml:trace>
+</inkml:ink>
+</file>
+
+<file path=ppt/ink/ink30.xml><?xml version="1.0" encoding="utf-8"?>
+<inkml:ink xmlns:inkml="http://www.w3.org/2003/InkML">
+  <inkml:definitions>
+    <inkml:context xml:id="ctx0">
+      <inkml:inkSource xml:id="inkSrc0">
+        <inkml:traceFormat>
+          <inkml:channel name="X" type="integer" min="-2.14748E9" max="2.14748E9" units="cm"/>
+          <inkml:channel name="Y" type="integer" min="-2.14748E9" max="2.14748E9" units="cm"/>
+          <inkml:channel name="F" type="integer" max="32767" units="dev"/>
+        </inkml:traceFormat>
+        <inkml:channelProperties>
+          <inkml:channelProperty channel="X" name="resolution" value="1000" units="1/cm"/>
+          <inkml:channelProperty channel="Y" name="resolution" value="1000" units="1/cm"/>
+          <inkml:channelProperty channel="F" name="resolution" value="0" units="1/dev"/>
+        </inkml:channelProperties>
+      </inkml:inkSource>
+      <inkml:timestamp xml:id="ts0" timeString="2022-04-02T07:17:56.154"/>
+    </inkml:context>
+    <inkml:brush xml:id="br0">
+      <inkml:brushProperty name="width" value="0.08571" units="cm"/>
+      <inkml:brushProperty name="height" value="0.08571" units="cm"/>
+      <inkml:brushProperty name="color" value="#004F8B"/>
+    </inkml:brush>
+  </inkml:definitions>
+  <inkml:trace contextRef="#ctx0" brushRef="#br0">7 58 9991,'0'-9'3945,"0"1"-3206,0 8-11,0 0-616,-3-16-100,2 10 10,-2-11-22,3 15-5312,0 2 5312,3 0 0,-2 0 0,2 0 0</inkml:trace>
+</inkml:ink>
+</file>
+
+<file path=ppt/ink/ink31.xml><?xml version="1.0" encoding="utf-8"?>
+<inkml:ink xmlns:inkml="http://www.w3.org/2003/InkML">
+  <inkml:definitions>
+    <inkml:context xml:id="ctx0">
+      <inkml:inkSource xml:id="inkSrc0">
+        <inkml:traceFormat>
+          <inkml:channel name="X" type="integer" min="-2.14748E9" max="2.14748E9" units="cm"/>
+          <inkml:channel name="Y" type="integer" min="-2.14748E9" max="2.14748E9" units="cm"/>
+          <inkml:channel name="F" type="integer" max="32767" units="dev"/>
+        </inkml:traceFormat>
+        <inkml:channelProperties>
+          <inkml:channelProperty channel="X" name="resolution" value="1000" units="1/cm"/>
+          <inkml:channelProperty channel="Y" name="resolution" value="1000" units="1/cm"/>
+          <inkml:channelProperty channel="F" name="resolution" value="0" units="1/dev"/>
+        </inkml:channelProperties>
+      </inkml:inkSource>
+      <inkml:timestamp xml:id="ts0" timeString="2022-04-02T07:17:57.204"/>
+    </inkml:context>
+    <inkml:brush xml:id="br0">
+      <inkml:brushProperty name="width" value="0.08571" units="cm"/>
+      <inkml:brushProperty name="height" value="0.08571" units="cm"/>
+      <inkml:brushProperty name="color" value="#004F8B"/>
+    </inkml:brush>
+  </inkml:definitions>
+  <inkml:trace contextRef="#ctx0" brushRef="#br0">243 439 7650,'11'0'2263,"-2"0"-1546,-9 0 1434,0 0-1355,7-20 78,-5 11-101,5-18-291,-7 16-124,-9-2-11,-3 4-234,-11-2-35,-3 5-78,-3 1 0,-1 4-22,-1 1 11,1 7-12,2 10 12,4 14-11,4 9-147,10 3-290,4-4-90,6-6-258,19-8-134,7-10 145,25-6 180,4-6 404,-2-3 212,-6-9 44,-14-7 46,-9-13 324,-12-10 202,-6-7 248,-5-10-58,-1-9-3649,0-5 3280,0-2 0,-7 7-112,-1 13-89,-3 15-57,3 17-157,3 10-22,3 7 3269,-1 3-3370,-1 6 90,-5 18 11,-4 18 11,0 23-11,4 11 11,3 2-11,6-1-100,10-9-68,10-7-147,17-13 125,9-9-12,5-15 102,1-10 32,-1-10 68,-5-4 0,-5-6 12,-8-9 44,-7-10-12,-6-10 80,-6-4 10,-4-6-11,-5-1 0,-2 3-33,-3 4-56,0 12-34,-6 5-56,-5 11 22,-11 5 0,-6 4 23,-2 2-22,4 2-12,5 6-11,9 3-34,6 7-67,4 1 68,2 2-46,12-1-21,5-2-12,18-3 11,4-5 0,6-3-79,2-2-66,-1-4-101,3 2-101,-3-1 100,0 5-22,-5-2 101,-6 5 236,-11-1 33,-8 3 44,-9 0-10,-4 1 22,-3 3 0,-12 1 45,-8 0 56,-17 1 78,-7-1-45,-6-1-67,-3-2-22,-1-4-11,0-2-34,4-4-728,6-1-2466,6-3 3194,10 0 0,13 0 0,6 0 0</inkml:trace>
+</inkml:ink>
+</file>
+
+<file path=ppt/ink/ink32.xml><?xml version="1.0" encoding="utf-8"?>
+<inkml:ink xmlns:inkml="http://www.w3.org/2003/InkML">
+  <inkml:definitions>
+    <inkml:context xml:id="ctx0">
+      <inkml:inkSource xml:id="inkSrc0">
+        <inkml:traceFormat>
+          <inkml:channel name="X" type="integer" min="-2.14748E9" max="2.14748E9" units="cm"/>
+          <inkml:channel name="Y" type="integer" min="-2.14748E9" max="2.14748E9" units="cm"/>
+          <inkml:channel name="F" type="integer" max="32767" units="dev"/>
+        </inkml:traceFormat>
+        <inkml:channelProperties>
+          <inkml:channelProperty channel="X" name="resolution" value="1000" units="1/cm"/>
+          <inkml:channelProperty channel="Y" name="resolution" value="1000" units="1/cm"/>
+          <inkml:channelProperty channel="F" name="resolution" value="0" units="1/dev"/>
+        </inkml:channelProperties>
+      </inkml:inkSource>
+      <inkml:timestamp xml:id="ts0" timeString="2022-04-02T07:18:02.586"/>
+    </inkml:context>
+    <inkml:brush xml:id="br0">
+      <inkml:brushProperty name="width" value="0.08571" units="cm"/>
+      <inkml:brushProperty name="height" value="0.08571" units="cm"/>
+      <inkml:brushProperty name="color" value="#E71224"/>
+    </inkml:brush>
+  </inkml:definitions>
+  <inkml:trace contextRef="#ctx0" brushRef="#br0">79 32 14911,'-18'-21'-91,"4"11"-441,10 67 532,2-14-3915,-4 56 3725,2-50-119,1 7-1406,0-24-324,1-8-1759,-3-7 3845,-3-9 0,4-5 0,-2-3 0</inkml:trace>
+</inkml:ink>
+</file>
+
+<file path=ppt/ink/ink33.xml><?xml version="1.0" encoding="utf-8"?>
+<inkml:ink xmlns:inkml="http://www.w3.org/2003/InkML">
+  <inkml:definitions>
+    <inkml:context xml:id="ctx0">
+      <inkml:inkSource xml:id="inkSrc0">
+        <inkml:traceFormat>
+          <inkml:channel name="X" type="integer" min="-2.14748E9" max="2.14748E9" units="cm"/>
+          <inkml:channel name="Y" type="integer" min="-2.14748E9" max="2.14748E9" units="cm"/>
+          <inkml:channel name="F" type="integer" max="32767" units="dev"/>
+        </inkml:traceFormat>
+        <inkml:channelProperties>
+          <inkml:channelProperty channel="X" name="resolution" value="1000" units="1/cm"/>
+          <inkml:channelProperty channel="Y" name="resolution" value="1000" units="1/cm"/>
+          <inkml:channelProperty channel="F" name="resolution" value="0" units="1/dev"/>
+        </inkml:channelProperties>
+      </inkml:inkSource>
+      <inkml:timestamp xml:id="ts0" timeString="2022-04-02T07:18:02.824"/>
+    </inkml:context>
+    <inkml:brush xml:id="br0">
+      <inkml:brushProperty name="width" value="0.08571" units="cm"/>
+      <inkml:brushProperty name="height" value="0.08571" units="cm"/>
+      <inkml:brushProperty name="color" value="#E71224"/>
+    </inkml:brush>
+  </inkml:definitions>
+  <inkml:trace contextRef="#ctx0" brushRef="#br0">1 82 13184,'10'-15'505,"17"1"-449,40 4-56,9-4-56,1 2-415,-5 2-772,-11 5-696,-10 3-817,-15 2 2756,-11 0 0,-14 0 0,-7 0 0</inkml:trace>
+</inkml:ink>
+</file>
+
+<file path=ppt/ink/ink34.xml><?xml version="1.0" encoding="utf-8"?>
+<inkml:ink xmlns:inkml="http://www.w3.org/2003/InkML">
+  <inkml:definitions>
+    <inkml:context xml:id="ctx0">
+      <inkml:inkSource xml:id="inkSrc0">
+        <inkml:traceFormat>
+          <inkml:channel name="X" type="integer" min="-2.14748E9" max="2.14748E9" units="cm"/>
+          <inkml:channel name="Y" type="integer" min="-2.14748E9" max="2.14748E9" units="cm"/>
+          <inkml:channel name="F" type="integer" max="32767" units="dev"/>
+        </inkml:traceFormat>
+        <inkml:channelProperties>
+          <inkml:channelProperty channel="X" name="resolution" value="1000" units="1/cm"/>
+          <inkml:channelProperty channel="Y" name="resolution" value="1000" units="1/cm"/>
+          <inkml:channelProperty channel="F" name="resolution" value="0" units="1/dev"/>
+        </inkml:channelProperties>
+      </inkml:inkSource>
+      <inkml:timestamp xml:id="ts0" timeString="2022-04-02T07:18:03.044"/>
+    </inkml:context>
+    <inkml:brush xml:id="br0">
+      <inkml:brushProperty name="width" value="0.08571" units="cm"/>
+      <inkml:brushProperty name="height" value="0.08571" units="cm"/>
+      <inkml:brushProperty name="color" value="#E71224"/>
+    </inkml:brush>
+  </inkml:definitions>
+  <inkml:trace contextRef="#ctx0" brushRef="#br0">27 89 10114,'-15'0'2656,"3"0"-2141,12 0-88,0 0-215,11 0-144,20 0-24,22-8-44,21-3-448,3-6-594,-3 0-728,-10 5-371,-11 2 2141,-16 3 0,-17 3 0,-9 1 0</inkml:trace>
+</inkml:ink>
+</file>
+
+<file path=ppt/ink/ink35.xml><?xml version="1.0" encoding="utf-8"?>
+<inkml:ink xmlns:inkml="http://www.w3.org/2003/InkML">
+  <inkml:definitions>
+    <inkml:context xml:id="ctx0">
+      <inkml:inkSource xml:id="inkSrc0">
+        <inkml:traceFormat>
+          <inkml:channel name="X" type="integer" min="-2.14748E9" max="2.14748E9" units="cm"/>
+          <inkml:channel name="Y" type="integer" min="-2.14748E9" max="2.14748E9" units="cm"/>
+          <inkml:channel name="F" type="integer" max="32767" units="dev"/>
+        </inkml:traceFormat>
+        <inkml:channelProperties>
+          <inkml:channelProperty channel="X" name="resolution" value="1000" units="1/cm"/>
+          <inkml:channelProperty channel="Y" name="resolution" value="1000" units="1/cm"/>
+          <inkml:channelProperty channel="F" name="resolution" value="0" units="1/dev"/>
+        </inkml:channelProperties>
+      </inkml:inkSource>
+      <inkml:timestamp xml:id="ts0" timeString="2022-04-02T07:18:03.322"/>
+    </inkml:context>
+    <inkml:brush xml:id="br0">
+      <inkml:brushProperty name="width" value="0.08571" units="cm"/>
+      <inkml:brushProperty name="height" value="0.08571" units="cm"/>
+      <inkml:brushProperty name="color" value="#E71224"/>
+    </inkml:brush>
+  </inkml:definitions>
+  <inkml:trace contextRef="#ctx0" brushRef="#br0">0 31 10496,'0'-10'3798,"0"3"-3181,0 7-449,0 0-224,0-12-34,0 10 90,0 22 0,0 11 11,0 29 0,0-12 12,3 1-23,1-6-371,2-1-984,1-9-852,1-3-438,-1-9 2645,1-9 0,-5-6 0,0-6 0</inkml:trace>
+</inkml:ink>
+</file>
+
+<file path=ppt/ink/ink36.xml><?xml version="1.0" encoding="utf-8"?>
+<inkml:ink xmlns:inkml="http://www.w3.org/2003/InkML">
+  <inkml:definitions>
+    <inkml:context xml:id="ctx0">
+      <inkml:inkSource xml:id="inkSrc0">
+        <inkml:traceFormat>
+          <inkml:channel name="X" type="integer" min="-2.14748E9" max="2.14748E9" units="cm"/>
+          <inkml:channel name="Y" type="integer" min="-2.14748E9" max="2.14748E9" units="cm"/>
+          <inkml:channel name="F" type="integer" max="32767" units="dev"/>
+        </inkml:traceFormat>
+        <inkml:channelProperties>
+          <inkml:channelProperty channel="X" name="resolution" value="1000" units="1/cm"/>
+          <inkml:channelProperty channel="Y" name="resolution" value="1000" units="1/cm"/>
+          <inkml:channelProperty channel="F" name="resolution" value="0" units="1/dev"/>
+        </inkml:channelProperties>
+      </inkml:inkSource>
+      <inkml:timestamp xml:id="ts0" timeString="2022-04-02T07:18:03.542"/>
+    </inkml:context>
+    <inkml:brush xml:id="br0">
+      <inkml:brushProperty name="width" value="0.08571" units="cm"/>
+      <inkml:brushProperty name="height" value="0.08571" units="cm"/>
+      <inkml:brushProperty name="color" value="#E71224"/>
+    </inkml:brush>
+  </inkml:definitions>
+  <inkml:trace contextRef="#ctx0" brushRef="#br0">1 38 13252,'31'-8'157,"9"2"-359,17 3-616,2-1-750,-2-1-337,-7 0 1905,-8 2 0,-19 1 0,-9 0 0</inkml:trace>
+</inkml:ink>
+</file>
+
+<file path=ppt/ink/ink37.xml><?xml version="1.0" encoding="utf-8"?>
+<inkml:ink xmlns:inkml="http://www.w3.org/2003/InkML">
+  <inkml:definitions>
+    <inkml:context xml:id="ctx0">
+      <inkml:inkSource xml:id="inkSrc0">
+        <inkml:traceFormat>
+          <inkml:channel name="X" type="integer" min="-2.14748E9" max="2.14748E9" units="cm"/>
+          <inkml:channel name="Y" type="integer" min="-2.14748E9" max="2.14748E9" units="cm"/>
+          <inkml:channel name="F" type="integer" max="32767" units="dev"/>
+        </inkml:traceFormat>
+        <inkml:channelProperties>
+          <inkml:channelProperty channel="X" name="resolution" value="1000" units="1/cm"/>
+          <inkml:channelProperty channel="Y" name="resolution" value="1000" units="1/cm"/>
+          <inkml:channelProperty channel="F" name="resolution" value="0" units="1/dev"/>
+        </inkml:channelProperties>
+      </inkml:inkSource>
+      <inkml:timestamp xml:id="ts0" timeString="2022-04-02T07:18:04.291"/>
+    </inkml:context>
+    <inkml:brush xml:id="br0">
+      <inkml:brushProperty name="width" value="0.08571" units="cm"/>
+      <inkml:brushProperty name="height" value="0.08571" units="cm"/>
+      <inkml:brushProperty name="color" value="#E71224"/>
+    </inkml:brush>
+  </inkml:definitions>
+  <inkml:trace contextRef="#ctx0" brushRef="#br0">96 89 10563,'-9'-7'2711,"1"1"-2542,8 6-113,0 0-56,-10-2 11,8 5 23,-8 1-1,10 4 57,7 1-57,5-2-21,24-4-91,-14-1 79,9-2 0,-22-2 23,-5-6-12,-1-3-11,-3-7 201,0-1 202,-3 0 45,-5 4-144,-4 4-248,-6 6-56,-1 4-23,-3 1-10,-2 8 21,2 7-10,1 16 22,4 8 0,9 9 0,2 0 0,12 0 0,13-7-169,13-7-312,15-10 100,9-12 123,2-6 146,-1-6 68,-6-8 44,-11-6 11,-8-8 11,-14-7 79,-5-2 78,-8-3 56,-4 0 23,-1 0-1,0 5-21,-1 5-124,-5 7-112,-5 7 0,-5 5-33,-2 3 10,-2 2-11,2 0 0,0 5 1,6 2-23,3 5-23,6 0 1,1 1 56,2-4 10,9 0-10,8-6 11,11-1 11,8-2 33,2-5-10,0-5-12,-4-6-11,-4-1 22,-9 3 12,-6 6-34,-9 4-11,-3 3-157,-3 1 134,0 13 34,0 9 0,0 16 0,0 7-224,0 4-628,0 0-570,0-1-180,6-7-248,8-7 1850,12-10 0,-9-12 0,-1-6 0</inkml:trace>
+</inkml:ink>
+</file>
+
+<file path=ppt/ink/ink38.xml><?xml version="1.0" encoding="utf-8"?>
+<inkml:ink xmlns:inkml="http://www.w3.org/2003/InkML">
+  <inkml:definitions>
+    <inkml:context xml:id="ctx0">
+      <inkml:inkSource xml:id="inkSrc0">
+        <inkml:traceFormat>
+          <inkml:channel name="X" type="integer" min="-2.14748E9" max="2.14748E9" units="cm"/>
+          <inkml:channel name="Y" type="integer" min="-2.14748E9" max="2.14748E9" units="cm"/>
+          <inkml:channel name="F" type="integer" max="32767" units="dev"/>
+        </inkml:traceFormat>
+        <inkml:channelProperties>
+          <inkml:channelProperty channel="X" name="resolution" value="1000" units="1/cm"/>
+          <inkml:channelProperty channel="Y" name="resolution" value="1000" units="1/cm"/>
+          <inkml:channelProperty channel="F" name="resolution" value="0" units="1/dev"/>
+        </inkml:channelProperties>
+      </inkml:inkSource>
+      <inkml:timestamp xml:id="ts0" timeString="2022-04-02T07:18:04.965"/>
+    </inkml:context>
+    <inkml:brush xml:id="br0">
+      <inkml:brushProperty name="width" value="0.08571" units="cm"/>
+      <inkml:brushProperty name="height" value="0.08571" units="cm"/>
+      <inkml:brushProperty name="color" value="#E71224"/>
+    </inkml:brush>
+  </inkml:definitions>
+  <inkml:trace contextRef="#ctx0" brushRef="#br0">223 504 16636,'-20'-50'179,"-1"0"0,-16-29-179,14 77-11,0 2 0,-2 11 11,4 7-45,0 11 34,6 8-67,5-2-169,5 2-89,4-7-34,5-5-78,10-8 213,8-8 89,8-5 90,1-4 56,-1-10 23,-4-7 10,-2-12 102,-7-3 189,-5-1 12,-8 3-33,-2 2-57,-2 6-111,0 7-90,0 6-45,0 6-213,0 3 201,-2 12 12,0 8-168,1 13-112,-1 3-179,4-2-270,13-8-166,7-6 289,19-11 393,5-5 191,4-7 22,-3-10 45,-6-8 100,-8-11 282,-10-4 211,-10-5 203,-7 0-281,-4-6-90,-2-3-44,0-1-135,-3-2-11,-4 5-100,-2 7-68,-2 9-45,1 13-67,4 9-34,-1 7-67,3 3 79,-1 14 22,-2 10 0,2 21 0,2 10-56,1 3-179,2 1-146,6-4-56,6-4-123,8-8-135,6-6-291,3-12 123,3-6-358,-1-10-348,0-4-661,-5-4 2230,-4-2 0,-11 0 0,-5 0 0</inkml:trace>
+</inkml:ink>
+</file>
+
+<file path=ppt/ink/ink39.xml><?xml version="1.0" encoding="utf-8"?>
+<inkml:ink xmlns:inkml="http://www.w3.org/2003/InkML">
+  <inkml:definitions>
+    <inkml:context xml:id="ctx0">
+      <inkml:inkSource xml:id="inkSrc0">
+        <inkml:traceFormat>
+          <inkml:channel name="X" type="integer" min="-2.14748E9" max="2.14748E9" units="cm"/>
+          <inkml:channel name="Y" type="integer" min="-2.14748E9" max="2.14748E9" units="cm"/>
+          <inkml:channel name="F" type="integer" max="32767" units="dev"/>
+        </inkml:traceFormat>
+        <inkml:channelProperties>
+          <inkml:channelProperty channel="X" name="resolution" value="1000" units="1/cm"/>
+          <inkml:channelProperty channel="Y" name="resolution" value="1000" units="1/cm"/>
+          <inkml:channelProperty channel="F" name="resolution" value="0" units="1/dev"/>
+        </inkml:channelProperties>
+      </inkml:inkSource>
+      <inkml:timestamp xml:id="ts0" timeString="2022-04-02T07:18:05.196"/>
+    </inkml:context>
+    <inkml:brush xml:id="br0">
+      <inkml:brushProperty name="width" value="0.08571" units="cm"/>
+      <inkml:brushProperty name="height" value="0.08571" units="cm"/>
+      <inkml:brushProperty name="color" value="#E71224"/>
+    </inkml:brush>
+  </inkml:definitions>
+  <inkml:trace contextRef="#ctx0" brushRef="#br0">0 0 12456,'23'5'1927,"6"-1"-1792,20-1-79,7-1-56,2-2-11,5 0-1580,-2 0-2364,-1 0 3955,-8 0 0,-24 0 0,-9 0 0</inkml:trace>
+</inkml:ink>
+</file>
+
+<file path=ppt/ink/ink4.xml><?xml version="1.0" encoding="utf-8"?>
+<inkml:ink xmlns:inkml="http://www.w3.org/2003/InkML">
+  <inkml:definitions>
+    <inkml:context xml:id="ctx0">
+      <inkml:inkSource xml:id="inkSrc0">
+        <inkml:traceFormat>
+          <inkml:channel name="X" type="integer" min="-2.14748E9" max="2.14748E9" units="cm"/>
+          <inkml:channel name="Y" type="integer" min="-2.14748E9" max="2.14748E9" units="cm"/>
+          <inkml:channel name="F" type="integer" max="32767" units="dev"/>
+        </inkml:traceFormat>
+        <inkml:channelProperties>
+          <inkml:channelProperty channel="X" name="resolution" value="1000" units="1/cm"/>
+          <inkml:channelProperty channel="Y" name="resolution" value="1000" units="1/cm"/>
+          <inkml:channelProperty channel="F" name="resolution" value="0" units="1/dev"/>
+        </inkml:channelProperties>
+      </inkml:inkSource>
+      <inkml:timestamp xml:id="ts0" timeString="2022-05-16T17:58:39.303"/>
+    </inkml:context>
+    <inkml:brush xml:id="br0">
+      <inkml:brushProperty name="width" value="0.1" units="cm"/>
+      <inkml:brushProperty name="height" value="0.1" units="cm"/>
+      <inkml:brushProperty name="color" value="#FFC114"/>
+    </inkml:brush>
+  </inkml:definitions>
+  <inkml:trace contextRef="#ctx0" brushRef="#br0">1 217 24575,'0'50'0,"0"5"0,0 14 0,0 21 0,0-39 0,0 2-577,0 1 0,0 2 577,0 1 0,0 0 0,0-2 0,0 1 0,0 2 0,0 0 0,0 1 0,0-2 0,0-4 0,0-2 0,0 44 0,0-9 0,0-6 0,0-7 377,0-15-377,0-13 192,0-11-192,0-12 0,0-7 0,0-5 585,0-1-585,1-4 0,7-2 0,19-3 0,29 0 0,33 0 0,-30 0 0,4 0-384,9 1 1,2-2 383,10 0 0,3-2-1184,7-2 0,3-2 1184,-27 1 0,0 0 0,2 0-902,4-2 1,0 0 0,1 0 901,2 1 0,1-1 0,0 0 0,0 1 0,2 0 0,-1 0 0,-1 1 0,1 0 0,-1 0 0,-1 1 0,0 1 0,-1 0 0,-1 1 0,0 1 0,0 0 0,-1 1 0,0 1 0,-1-1-610,-2 1 1,0 0 0,-1 0 609,26 0 0,-3 0-457,-9 0 1,-3 0 456,-8 0 0,-3 0 677,-7 0 1,-3 0-678,-1 0 0,-3 0 0,39 0 2448,-33 0-2448,-24 0 2241,-16 0-2241,5 0 2127,17 0-2127,24 0 0,-10 0 0,9 0-1265,22 0 1,7 0 1264,-22 0 0,2 0 0,1 0 0,5 0 0,1 0 0,0 0 0,-6 0 0,-1 0 0,0 0 0,-4 1 0,1 0 0,-2 1 0,0 0 0,0 1 0,-1 0 0,-1 1 0,-2 1 0,1 0 0,-2 1 0,-1 0 0,-1 0 0,29 3 0,-2 1 0,-1-1 0,-1 0-960,-1 1 1,-2-1 959,-11-2 0,-2 1-575,-8-2 0,-3 1 575,-8-3 0,-2 0-323,43 1 323,-5-1 2369,-10-4-2369,-38 0 2029,-1 0-2029,-2-2 1474,31-5-1474,27-1 0,-46 3 0,2 0 0,5-1 0,2 0-854,14-1 1,4 0 853,13 0 0,4-1 0,-25 3 0,2 0 0,1 0 0,-1 0 0,1 1 0,-1 1 0,-3 0 0,-1 1 0,0 0 0,-1 1 0,1-1 0,0 1-994,3 0 1,0 1 0,0 0 993,4 0 0,-1 0 0,2 0 0,1 0 0,1 0 0,2 0 0,15 0 0,2 0 0,-6 0 0,5 0 0,-3 0-683,-8 0 1,3 0 0,-9 0 682,-13 0 0,-5 0 0,16 0 0,-3 0 0,-21 0 0,-4 0 0,23 0 0,-5 0 0,0 0 0,28 0 0,-35 0 0,4 0 138,13 0 1,3 0-139,10 0 0,5 0-328,-18 0 0,5 0 1,3 0 327,-1 0 0,5 0 0,0 0 0,-8 0 0,-5 0 0,-5 0 0,4 0-177,3 0 1,6 0-1,-1 0 1,-9 0 176,15 0 0,-4 0 0,-8 0 0,4 0 0,1 0 0,3 0 0,0 0 0,-1 0 0,-5 0 0,0 0 0,-1 0 0,-3 0 0,-1 0 0,-3 0-437,18 0 0,-2 0 437,-8 0 0,-3 0 0,-9 0 0,-3 0 0,-3 0 0,0 0 0,2 0 0,-1 0 0,-7 0 0,-2 0 998,44 0-998,-17-1 0,-12-2 0,-7-2 3452,-4-3-3452,-6-2 3441,-2-3-3441,1-3 0,-1-1 0,0 1 1499,6 0-1499,2 0 0,4 2 0,6-1 0,0 3 0,6 1 0,1 3 0,-2 4 88,0 3-88,-7 1 0,-4 0 0,-2 0 0,-9 0 0,0 0 0,-7 0 0,-8 0 0,-4 2 0,-8 3 0,-3 5 0,-8-1 0,-2-2 0,-10-14 0,0-8 0,10-33 0,-6 20 0,19-48 0,-17 54 0,8-27 0,-13 35 0,-1-3 0,-2 1 0,0 3 0,0 1 0,0-1 0,0-10 0,0-12 0,-1-9 0,-3-3 0,-3 5 0,-5-3 0,-5-9 0,-2-6 0,-2-2 0,2 8 0,4 11 0,3 9 0,3 8 0,3 5 0,1 5 0,-2 0 0,-6-7 0,-6-7 0,-4-7 0,0 0 0,3 8 0,4 4 0,4 5 0,2 4 0,4 3 0,3 6 0,1 0 0,-1 2 0,0-6 0,-4-16 0,3 8 0,-4-14 0,6 16 0,-1-7 0,0-4 0,3-4 0,0 1 0,0 3 0,0 4 0,0 5 0,0 3 0,0 5 0,0 4 0,0 3 0,0 2 0</inkml:trace>
+</inkml:ink>
+</file>
+
+<file path=ppt/ink/ink40.xml><?xml version="1.0" encoding="utf-8"?>
+<inkml:ink xmlns:inkml="http://www.w3.org/2003/InkML">
+  <inkml:definitions>
+    <inkml:context xml:id="ctx0">
+      <inkml:inkSource xml:id="inkSrc0">
+        <inkml:traceFormat>
+          <inkml:channel name="X" type="integer" min="-2.14748E9" max="2.14748E9" units="cm"/>
+          <inkml:channel name="Y" type="integer" min="-2.14748E9" max="2.14748E9" units="cm"/>
+          <inkml:channel name="F" type="integer" max="32767" units="dev"/>
+        </inkml:traceFormat>
+        <inkml:channelProperties>
+          <inkml:channelProperty channel="X" name="resolution" value="1000" units="1/cm"/>
+          <inkml:channelProperty channel="Y" name="resolution" value="1000" units="1/cm"/>
+          <inkml:channelProperty channel="F" name="resolution" value="0" units="1/dev"/>
+        </inkml:channelProperties>
+      </inkml:inkSource>
+      <inkml:timestamp xml:id="ts0" timeString="2022-04-02T07:18:06.570"/>
+    </inkml:context>
+    <inkml:brush xml:id="br0">
+      <inkml:brushProperty name="width" value="0.08571" units="cm"/>
+      <inkml:brushProperty name="height" value="0.08571" units="cm"/>
+      <inkml:brushProperty name="color" value="#E71224"/>
+    </inkml:brush>
+  </inkml:definitions>
+  <inkml:trace contextRef="#ctx0" brushRef="#br0">13 99 7750,'-2'-15'2869,"1"3"-1738,1 12 551,0 0-1089,0-20-67,0 15-133,0-14-113,0 19-11,-2 0-269,1 0 0,-3 0-45,3 1 45,-1 10 23,2 7-23,0 11 0,0 2 0,3 0-168,5-6-146,7-3-90,5-6 124,6-6 90,0-5 190,4-4 11,-4-4 45,-1-10 56,-7-8 392,-5-11 34,-5-1-56,-5 2-157,-1 9-180,-2 8-145,0 8 0,0 4-67,0 2-34,0 5 101,-3 11 0,2 9-67,-2 13-101,3-4-202,0 0 57,12-8-58,5-9 2,15-6 10,1-7 169,-1-3 168,-4-5 22,-5-9 22,-8-9-11,-7-7 23,-5-3 56,-3 0 89,0-2 78,-9 4-100,-1 5-146,-13 8-11,-3 8-11,-5 5 0,-4 4 0,0 0-34,6 7 0,4 3-22,10 4-45,7 0 33,5-3 79,3-1 0,8-5 23,8-2 22,12-3-1,10 0-32,3 0 32,2-3-32,1-2-12,0-4-12,2 1-44,-1 3-22,-6 1-23,-6 4 79,-7 7-23,-10 6 34,-6 8 11,-5 6-11,-5 1 11,0-4 0,0-4 0,0-6 22,0-6 56,0-4 1402,0-3-1312,0-10-12,0-8-66,0-11-56,10-8 55,4 3-89,12 1 0,-1 6-11,0 8-23,-6 6-22,-2 7 23,-1 3-23,-4 2 11,0 10-45,-5 5 79,-2 13-22,-3 6-35,-2 2 12,0-2 12,0-2-24,1-6-178,4-7-101,5-4-136,6-10-267,7 0-326,5-5-649,2 0-741,-4-6 2466,-6-6 0,-10 3 0,-6-1 0</inkml:trace>
+</inkml:ink>
+</file>
+
+<file path=ppt/ink/ink41.xml><?xml version="1.0" encoding="utf-8"?>
+<inkml:ink xmlns:inkml="http://www.w3.org/2003/InkML">
+  <inkml:definitions>
+    <inkml:context xml:id="ctx0">
+      <inkml:inkSource xml:id="inkSrc0">
+        <inkml:traceFormat>
+          <inkml:channel name="X" type="integer" min="-2.14748E9" max="2.14748E9" units="cm"/>
+          <inkml:channel name="Y" type="integer" min="-2.14748E9" max="2.14748E9" units="cm"/>
+          <inkml:channel name="F" type="integer" max="32767" units="dev"/>
+        </inkml:traceFormat>
+        <inkml:channelProperties>
+          <inkml:channelProperty channel="X" name="resolution" value="1000" units="1/cm"/>
+          <inkml:channelProperty channel="Y" name="resolution" value="1000" units="1/cm"/>
+          <inkml:channelProperty channel="F" name="resolution" value="0" units="1/dev"/>
+        </inkml:channelProperties>
+      </inkml:inkSource>
+      <inkml:timestamp xml:id="ts0" timeString="2022-04-02T07:18:06.808"/>
+    </inkml:context>
+    <inkml:brush xml:id="br0">
+      <inkml:brushProperty name="width" value="0.08571" units="cm"/>
+      <inkml:brushProperty name="height" value="0.08571" units="cm"/>
+      <inkml:brushProperty name="color" value="#E71224"/>
+    </inkml:brush>
+  </inkml:definitions>
+  <inkml:trace contextRef="#ctx0" brushRef="#br0">22 35 15571,'-13'-19'-2443,"4"3"-1792,24 16 4235,8 2 0,-4-2 0,-2 2 0</inkml:trace>
+</inkml:ink>
+</file>
+
+<file path=ppt/ink/ink42.xml><?xml version="1.0" encoding="utf-8"?>
+<inkml:ink xmlns:inkml="http://www.w3.org/2003/InkML">
+  <inkml:definitions>
+    <inkml:context xml:id="ctx0">
+      <inkml:inkSource xml:id="inkSrc0">
+        <inkml:traceFormat>
+          <inkml:channel name="X" type="integer" min="-2.14748E9" max="2.14748E9" units="cm"/>
+          <inkml:channel name="Y" type="integer" min="-2.14748E9" max="2.14748E9" units="cm"/>
+          <inkml:channel name="F" type="integer" max="32767" units="dev"/>
+        </inkml:traceFormat>
+        <inkml:channelProperties>
+          <inkml:channelProperty channel="X" name="resolution" value="1000" units="1/cm"/>
+          <inkml:channelProperty channel="Y" name="resolution" value="1000" units="1/cm"/>
+          <inkml:channelProperty channel="F" name="resolution" value="0" units="1/dev"/>
+        </inkml:channelProperties>
+      </inkml:inkSource>
+      <inkml:timestamp xml:id="ts0" timeString="2022-04-02T07:18:07.422"/>
+    </inkml:context>
+    <inkml:brush xml:id="br0">
+      <inkml:brushProperty name="width" value="0.08571" units="cm"/>
+      <inkml:brushProperty name="height" value="0.08571" units="cm"/>
+      <inkml:brushProperty name="color" value="#E71224"/>
+    </inkml:brush>
+  </inkml:definitions>
+  <inkml:trace contextRef="#ctx0" brushRef="#br0">13 11 8837,'-7'6'2734,"1"-2"-2005,6-4 155,0 0-805,10 0-68,5 0-11,11 0 0,3-1-22,3 0-751,-1 0-527,1 1-392,1 0-1479,2-3 3171,1-2 0,-16 0 0,-4 1 0</inkml:trace>
+</inkml:ink>
+</file>
+
+<file path=ppt/ink/ink43.xml><?xml version="1.0" encoding="utf-8"?>
+<inkml:ink xmlns:inkml="http://www.w3.org/2003/InkML">
+  <inkml:definitions>
+    <inkml:context xml:id="ctx0">
+      <inkml:inkSource xml:id="inkSrc0">
+        <inkml:traceFormat>
+          <inkml:channel name="X" type="integer" min="-2.14748E9" max="2.14748E9" units="cm"/>
+          <inkml:channel name="Y" type="integer" min="-2.14748E9" max="2.14748E9" units="cm"/>
+          <inkml:channel name="F" type="integer" max="32767" units="dev"/>
+        </inkml:traceFormat>
+        <inkml:channelProperties>
+          <inkml:channelProperty channel="X" name="resolution" value="1000" units="1/cm"/>
+          <inkml:channelProperty channel="Y" name="resolution" value="1000" units="1/cm"/>
+          <inkml:channelProperty channel="F" name="resolution" value="0" units="1/dev"/>
+        </inkml:channelProperties>
+      </inkml:inkSource>
+      <inkml:timestamp xml:id="ts0" timeString="2022-04-02T07:18:07.980"/>
+    </inkml:context>
+    <inkml:brush xml:id="br0">
+      <inkml:brushProperty name="width" value="0.08571" units="cm"/>
+      <inkml:brushProperty name="height" value="0.08571" units="cm"/>
+      <inkml:brushProperty name="color" value="#E71224"/>
+    </inkml:brush>
+  </inkml:definitions>
+  <inkml:trace contextRef="#ctx0" brushRef="#br0">20 69 10339,'-7'-15'3653,"1"3"-3105,6 12-54,0 0-494,-3-8-90,3 6 79,-3-2 11,3 17 11,0 8 23,0 11-34,4 3 0,0-1 22,4-2-11,-3-6-11,0-4 23,-2-9-23,0-6 45,-1-4 492,0-3-290,-2-7-57,0-10 112,0-13 1,0-9-45,0-4 0,-2 2-102,-1 5-66,1 10-45,-1 10-45,3 9-56,0 4-67,0 3 55,0 4 68,0 13 0,0 9-78,0 13-12,0 1-111,0-1-57,3-5 45,0-8 56,4-4 11,0-12-66,-4-3-57,0-6-516,-1-1-1601,-1 0-2679,6-1 5065,1-12 0,-2 9 0,0-8 0</inkml:trace>
+</inkml:ink>
+</file>
+
+<file path=ppt/ink/ink44.xml><?xml version="1.0" encoding="utf-8"?>
+<inkml:ink xmlns:inkml="http://www.w3.org/2003/InkML">
+  <inkml:definitions>
+    <inkml:context xml:id="ctx0">
+      <inkml:inkSource xml:id="inkSrc0">
+        <inkml:traceFormat>
+          <inkml:channel name="X" type="integer" min="-2.14748E9" max="2.14748E9" units="cm"/>
+          <inkml:channel name="Y" type="integer" min="-2.14748E9" max="2.14748E9" units="cm"/>
+          <inkml:channel name="F" type="integer" max="32767" units="dev"/>
+        </inkml:traceFormat>
+        <inkml:channelProperties>
+          <inkml:channelProperty channel="X" name="resolution" value="1000" units="1/cm"/>
+          <inkml:channelProperty channel="Y" name="resolution" value="1000" units="1/cm"/>
+          <inkml:channelProperty channel="F" name="resolution" value="0" units="1/dev"/>
+        </inkml:channelProperties>
+      </inkml:inkSource>
+      <inkml:timestamp xml:id="ts0" timeString="2022-04-02T07:18:08.778"/>
+    </inkml:context>
+    <inkml:brush xml:id="br0">
+      <inkml:brushProperty name="width" value="0.08571" units="cm"/>
+      <inkml:brushProperty name="height" value="0.08571" units="cm"/>
+      <inkml:brushProperty name="color" value="#E71224"/>
+    </inkml:brush>
+  </inkml:definitions>
+  <inkml:trace contextRef="#ctx0" brushRef="#br0">0 49 9577,'0'-15'3451,"0"3"-2599,0 12 10,0 0-773,0-11-89,0 9-100,0-6 100,0 25 22,0 12-11,0 17 0,0 5 12,0 4-12,0-4-11,0-3-56,0-9-840,0-7-404,0-8-672,0-7-571,0-8 2543,0-5 0,0-4 0,0 0 0</inkml:trace>
+</inkml:ink>
+</file>
+
+<file path=ppt/ink/ink45.xml><?xml version="1.0" encoding="utf-8"?>
+<inkml:ink xmlns:inkml="http://www.w3.org/2003/InkML">
+  <inkml:definitions>
+    <inkml:context xml:id="ctx0">
+      <inkml:inkSource xml:id="inkSrc0">
+        <inkml:traceFormat>
+          <inkml:channel name="X" type="integer" min="-2.14748E9" max="2.14748E9" units="cm"/>
+          <inkml:channel name="Y" type="integer" min="-2.14748E9" max="2.14748E9" units="cm"/>
+          <inkml:channel name="F" type="integer" max="32767" units="dev"/>
+        </inkml:traceFormat>
+        <inkml:channelProperties>
+          <inkml:channelProperty channel="X" name="resolution" value="1000" units="1/cm"/>
+          <inkml:channelProperty channel="Y" name="resolution" value="1000" units="1/cm"/>
+          <inkml:channelProperty channel="F" name="resolution" value="0" units="1/dev"/>
+        </inkml:channelProperties>
+      </inkml:inkSource>
+      <inkml:timestamp xml:id="ts0" timeString="2022-04-02T07:18:09.014"/>
+    </inkml:context>
+    <inkml:brush xml:id="br0">
+      <inkml:brushProperty name="width" value="0.08571" units="cm"/>
+      <inkml:brushProperty name="height" value="0.08571" units="cm"/>
+      <inkml:brushProperty name="color" value="#E71224"/>
+    </inkml:brush>
+  </inkml:definitions>
+  <inkml:trace contextRef="#ctx0" brushRef="#br0">1 35 14227,'17'-9'324,"12"-1"-312,27 9-12,12-4-627,3 1-349,-1 0-861,-6 3-314,-11 1-4479,-14 0 6630,-13 7 0,-14-5 0,-7 6 0</inkml:trace>
+</inkml:ink>
+</file>
+
+<file path=ppt/ink/ink46.xml><?xml version="1.0" encoding="utf-8"?>
+<inkml:ink xmlns:inkml="http://www.w3.org/2003/InkML">
+  <inkml:definitions>
+    <inkml:context xml:id="ctx0">
+      <inkml:inkSource xml:id="inkSrc0">
+        <inkml:traceFormat>
+          <inkml:channel name="X" type="integer" min="-2.14748E9" max="2.14748E9" units="cm"/>
+          <inkml:channel name="Y" type="integer" min="-2.14748E9" max="2.14748E9" units="cm"/>
+          <inkml:channel name="F" type="integer" max="32767" units="dev"/>
+        </inkml:traceFormat>
+        <inkml:channelProperties>
+          <inkml:channelProperty channel="X" name="resolution" value="1000" units="1/cm"/>
+          <inkml:channelProperty channel="Y" name="resolution" value="1000" units="1/cm"/>
+          <inkml:channelProperty channel="F" name="resolution" value="0" units="1/dev"/>
+        </inkml:channelProperties>
+      </inkml:inkSource>
+      <inkml:timestamp xml:id="ts0" timeString="2022-04-02T07:18:09.244"/>
+    </inkml:context>
+    <inkml:brush xml:id="br0">
+      <inkml:brushProperty name="width" value="0.08571" units="cm"/>
+      <inkml:brushProperty name="height" value="0.08571" units="cm"/>
+      <inkml:brushProperty name="color" value="#E71224"/>
+    </inkml:brush>
+  </inkml:definitions>
+  <inkml:trace contextRef="#ctx0" brushRef="#br0">0 86 14115,'43'-5'324,"10"-3"-324,18-3-526,8-2-494,-3 1-761,-7 0-460,-10 5 2241,-14-3 0,-21 7 0,-9-1 0</inkml:trace>
+</inkml:ink>
+</file>
+
+<file path=ppt/ink/ink47.xml><?xml version="1.0" encoding="utf-8"?>
+<inkml:ink xmlns:inkml="http://www.w3.org/2003/InkML">
+  <inkml:definitions>
+    <inkml:context xml:id="ctx0">
+      <inkml:inkSource xml:id="inkSrc0">
+        <inkml:traceFormat>
+          <inkml:channel name="X" type="integer" min="-2.14748E9" max="2.14748E9" units="cm"/>
+          <inkml:channel name="Y" type="integer" min="-2.14748E9" max="2.14748E9" units="cm"/>
+          <inkml:channel name="F" type="integer" max="32767" units="dev"/>
+        </inkml:traceFormat>
+        <inkml:channelProperties>
+          <inkml:channelProperty channel="X" name="resolution" value="1000" units="1/cm"/>
+          <inkml:channelProperty channel="Y" name="resolution" value="1000" units="1/cm"/>
+          <inkml:channelProperty channel="F" name="resolution" value="0" units="1/dev"/>
+        </inkml:channelProperties>
+      </inkml:inkSource>
+      <inkml:timestamp xml:id="ts0" timeString="2022-04-02T07:18:09.497"/>
+    </inkml:context>
+    <inkml:brush xml:id="br0">
+      <inkml:brushProperty name="width" value="0.08571" units="cm"/>
+      <inkml:brushProperty name="height" value="0.08571" units="cm"/>
+      <inkml:brushProperty name="color" value="#E71224"/>
+    </inkml:brush>
+  </inkml:definitions>
+  <inkml:trace contextRef="#ctx0" brushRef="#br0">20 1 14227,'-11'27'56,"2"8"-45,9 11 0,0 4 0,0-1 34,0-4-45,0-4-593,0-9-786,2-5-761,1-8-1121,1-7 3261,0-6 0,-2-4 0,0-2 0</inkml:trace>
+</inkml:ink>
+</file>
+
+<file path=ppt/ink/ink48.xml><?xml version="1.0" encoding="utf-8"?>
+<inkml:ink xmlns:inkml="http://www.w3.org/2003/InkML">
+  <inkml:definitions>
+    <inkml:context xml:id="ctx0">
+      <inkml:inkSource xml:id="inkSrc0">
+        <inkml:traceFormat>
+          <inkml:channel name="X" type="integer" min="-2.14748E9" max="2.14748E9" units="cm"/>
+          <inkml:channel name="Y" type="integer" min="-2.14748E9" max="2.14748E9" units="cm"/>
+          <inkml:channel name="F" type="integer" max="32767" units="dev"/>
+        </inkml:traceFormat>
+        <inkml:channelProperties>
+          <inkml:channelProperty channel="X" name="resolution" value="1000" units="1/cm"/>
+          <inkml:channelProperty channel="Y" name="resolution" value="1000" units="1/cm"/>
+          <inkml:channelProperty channel="F" name="resolution" value="0" units="1/dev"/>
+        </inkml:channelProperties>
+      </inkml:inkSource>
+      <inkml:timestamp xml:id="ts0" timeString="2022-04-02T07:18:09.704"/>
+    </inkml:context>
+    <inkml:brush xml:id="br0">
+      <inkml:brushProperty name="width" value="0.08571" units="cm"/>
+      <inkml:brushProperty name="height" value="0.08571" units="cm"/>
+      <inkml:brushProperty name="color" value="#E71224"/>
+    </inkml:brush>
+  </inkml:definitions>
+  <inkml:trace contextRef="#ctx0" brushRef="#br0">22 24 9969,'-9'-5'2599,"2"0"-2207,7 5-145,0 0-180,-6-6 124,22 4-247,61-4-919,-15 6-17,-7 0 1,-2 0-1418,-3 0 2409,-8 0 0,-19 0 0,-9 0 0</inkml:trace>
+</inkml:ink>
+</file>
+
+<file path=ppt/ink/ink49.xml><?xml version="1.0" encoding="utf-8"?>
+<inkml:ink xmlns:inkml="http://www.w3.org/2003/InkML">
+  <inkml:definitions>
+    <inkml:context xml:id="ctx0">
+      <inkml:inkSource xml:id="inkSrc0">
+        <inkml:traceFormat>
+          <inkml:channel name="X" type="integer" min="-2.14748E9" max="2.14748E9" units="cm"/>
+          <inkml:channel name="Y" type="integer" min="-2.14748E9" max="2.14748E9" units="cm"/>
+          <inkml:channel name="F" type="integer" max="32767" units="dev"/>
+        </inkml:traceFormat>
+        <inkml:channelProperties>
+          <inkml:channelProperty channel="X" name="resolution" value="1000" units="1/cm"/>
+          <inkml:channelProperty channel="Y" name="resolution" value="1000" units="1/cm"/>
+          <inkml:channelProperty channel="F" name="resolution" value="0" units="1/dev"/>
+        </inkml:channelProperties>
+      </inkml:inkSource>
+      <inkml:timestamp xml:id="ts0" timeString="2022-04-02T07:18:10.462"/>
+    </inkml:context>
+    <inkml:brush xml:id="br0">
+      <inkml:brushProperty name="width" value="0.08571" units="cm"/>
+      <inkml:brushProperty name="height" value="0.08571" units="cm"/>
+      <inkml:brushProperty name="color" value="#E71224"/>
+    </inkml:brush>
+  </inkml:definitions>
+  <inkml:trace contextRef="#ctx0" brushRef="#br0">53 61 10114,'-9'-1'1906,"2"-1"-1794,7 2-45,0 0-56,-18 5 90,14 0-34,-11 5-22,26 1 33,5-6-22,7 0-22,-3-5 11,-4 0 44,-3 0-44,-6-3 134,-1-6 112,-4-3 360,-1-17-461,-4 12-11,-2-5-145,-3 17-34,-5 3 0,-1 2-11,-2 5-45,0 8 33,-1 11 12,5 12 0,4 4 11,5 2 11,3-1 0,5-2-22,9-4-123,13-8-213,12-10 257,7-9 68,4-5 22,-4-3 0,-5-10 22,-5-4 157,-11-11 112,-6-1 90,-8-1-45,-6-2 1,-2 3-147,-3-1-33,-1 7-123,-7 3-34,-2 6-12,-7 7-10,-1 2-23,0 2 34,0 0-34,2 3-168,1 4-79,6 5 24,2 2 77,5 0 23,0-4 56,4-4 0,10-1-11,5-3 56,16 0 56,0-2-34,5-8 45,-2-3 0,-3-9 11,-4-1 12,-4 1-12,-9 4 67,-3 5-67,-6 5-11,-4 3-123,-2 3 78,-1 0 45,0 12 0,0 6 0,0 13 0,2 5 12,3-3-24,3 0-44,5-2-941,5-5-1333,3-4 2330,5-10 0,-11-5 0,-2-6 0</inkml:trace>
+</inkml:ink>
+</file>
+
+<file path=ppt/ink/ink5.xml><?xml version="1.0" encoding="utf-8"?>
+<inkml:ink xmlns:inkml="http://www.w3.org/2003/InkML">
+  <inkml:definitions>
+    <inkml:context xml:id="ctx0">
+      <inkml:inkSource xml:id="inkSrc0">
+        <inkml:traceFormat>
+          <inkml:channel name="X" type="integer" min="-2.14748E9" max="2.14748E9" units="cm"/>
+          <inkml:channel name="Y" type="integer" min="-2.14748E9" max="2.14748E9" units="cm"/>
+          <inkml:channel name="F" type="integer" max="32767" units="dev"/>
+        </inkml:traceFormat>
+        <inkml:channelProperties>
+          <inkml:channelProperty channel="X" name="resolution" value="1000" units="1/cm"/>
+          <inkml:channelProperty channel="Y" name="resolution" value="1000" units="1/cm"/>
+          <inkml:channelProperty channel="F" name="resolution" value="0" units="1/dev"/>
+        </inkml:channelProperties>
+      </inkml:inkSource>
+      <inkml:timestamp xml:id="ts0" timeString="2022-05-16T17:58:46.860"/>
+    </inkml:context>
+    <inkml:brush xml:id="br0">
+      <inkml:brushProperty name="width" value="0.1" units="cm"/>
+      <inkml:brushProperty name="height" value="0.1" units="cm"/>
+      <inkml:brushProperty name="color" value="#FFC114"/>
+    </inkml:brush>
+  </inkml:definitions>
+  <inkml:trace contextRef="#ctx0" brushRef="#br0">0 128 24575,'54'0'0,"16"0"0,-21 0 0,3 0 0,11 0 0,4 0 0,11 0 0,4 0-2571,8 0 1,4 0 2570,-27 0 0,0 0 0,2 0 0,5 0 0,0 0 0,1 0 0,0 0 0,0 0 0,1 0 0,0 0 0,1 0 0,0 0 0,0 0 0,0 0 0,0 0 0,-1 0 0,1 0 0,-2 0 0,0 0 0,-1 0 0,0 0 0,-4 0 0,0 0 0,-1 0 0,30 0 0,-2 0 0,-3 0 0,-2 0 0,-1-1 0,-2-1 0,-3 0 0,-1 0-101,-6-1 0,-1-2 101,-5-1 0,0-1 0,-2-2 0,-3 0 237,-5 0 1,-2-2-238,-6 0 0,-3 0 0,26-6 0,-23 4 2427,-14 6-2427,0 5 1545,17 2-1545,16 0 0,20 0-361,-38 0 1,4 0 360,12 0 0,5 0 0,12 1 0,5 0 0,-25 2 0,3 0 0,1 1-1058,4 2 1,1 2 0,1 0 1057,4 2 0,0 1 0,1 1 0,4 1 0,1 1 0,0 0 0,2 0 0,0 0 0,0-1 0,1-1 0,1-1 0,-1 1 0,-2-1 0,0-1 0,-1 1 0,-3-2 0,-2 0 0,0 1 0,-2-2 0,-2 1 0,0 0 0,-5-1 0,-1 1 0,-2-1 0,25 2 0,-3 0 0,-12-1 0,-2-1-506,-8 1 0,-2 0 506,-11-1 0,-4-1 0,35 6 0,-33-5 1257,-27-4-1257,4-4 3223,18-1-3223,31-3 0,-28 1 0,3 0 329,8-1 1,2 0-330,7 1 0,2 0-950,0 1 1,1 0 949,0 1 0,2 1 0,2 0 0,2 0 0,3 0 0,2 0 0,3 0 0,1 0 0,4 1 0,-1 2 0,-4 0 0,-2 2 0,-8 0 0,-2 2 0,-7 1 0,-2 0-108,-9 0 0,-2 0 108,35 5 0,-29-4 0,-22-5 0,-2-5 0,22-5 0,19-4 0,12-5-106,-38 4 0,2-1 106,10-2 0,2-2-160,12-3 0,3-1 160,8 0 0,2 0 0,0 0 0,0 1 0,-2 1 0,0 2 0,-6 1 0,-2 1 0,-4 0 0,-3 1 0,-3 3 0,-2 0-493,-2 1 1,0 2 492,0 1 0,0 2 0,-5 1 0,0 1 0,15-1 0,-3 2 0,-25 0 0,-2 2 0,16-2 0,-4 2 0,10-1 0,-12 0 0,-1 0 0,11 0-27,-14 0 1,-2 0 26,2-4 741,19 1-741,-8-4 2136,-1 0-2136,0 4 0,-4-3 0,13 2 0,4 0 0,6 1 0,3 3 809,-9 0-809,-3 0 0,-5 0 65,-5 0-65,-5 0 0,-5 0 0,-5 0 0,-4 0 0,-2 0 0,-2 0 596,-1 0-596,-1 0 0,0 0 0,3 0 0,2 0 0,2 0 0,2 2 0,-1 4 0,-1 3 0,1 3 0,0 0 0,-3 1 0,-1-3 0,-3-4 0,-3-2 0,-1-4 0,-4 0 0,13 0 0,-18 0 0,13 0 0,-21 0 0,5 0 0,0 0 0,0 0 0,-6 0 0,-4 0 0,-6 0 0,-2 0 0,0 0 0,-1 0 0,0 0 0,-2 0 0,1 0 0,0 0 0,1 0 0,1 0 0,-1 0 0,1 0 0,0 0 0,-2 0 0,-3 0 0,-2 0 0</inkml:trace>
+</inkml:ink>
+</file>
+
+<file path=ppt/ink/ink50.xml><?xml version="1.0" encoding="utf-8"?>
+<inkml:ink xmlns:inkml="http://www.w3.org/2003/InkML">
+  <inkml:definitions>
+    <inkml:context xml:id="ctx0">
+      <inkml:inkSource xml:id="inkSrc0">
+        <inkml:traceFormat>
+          <inkml:channel name="X" type="integer" min="-2.14748E9" max="2.14748E9" units="cm"/>
+          <inkml:channel name="Y" type="integer" min="-2.14748E9" max="2.14748E9" units="cm"/>
+          <inkml:channel name="F" type="integer" max="32767" units="dev"/>
+        </inkml:traceFormat>
+        <inkml:channelProperties>
+          <inkml:channelProperty channel="X" name="resolution" value="1000" units="1/cm"/>
+          <inkml:channelProperty channel="Y" name="resolution" value="1000" units="1/cm"/>
+          <inkml:channelProperty channel="F" name="resolution" value="0" units="1/dev"/>
+        </inkml:channelProperties>
+      </inkml:inkSource>
+      <inkml:timestamp xml:id="ts0" timeString="2022-04-02T07:18:11.512"/>
+    </inkml:context>
+    <inkml:brush xml:id="br0">
+      <inkml:brushProperty name="width" value="0.08571" units="cm"/>
+      <inkml:brushProperty name="height" value="0.08571" units="cm"/>
+      <inkml:brushProperty name="color" value="#E71224"/>
+    </inkml:brush>
+  </inkml:definitions>
+  <inkml:trace contextRef="#ctx0" brushRef="#br0">246 317 8602,'0'-15'2095,"0"2"-1490,0 13 516,0 0-696,-6-28-111,1 18-44,-7-23-91,0 26-78,-3 2-23,-6 2 0,-3 1-22,-3 2-44,0 0-12,-1 5 0,5 6 0,2 12 0,8 8-12,5 4 1,5 3-157,3-4-281,4-2 80,10-7-12,8-7 235,13-9 146,1-5 0,0-4 68,-3-6 10,-8-6 146,-6-10 202,-7-7 157,-4-2-191,-5 0 123,-1 7-246,-2 5-89,0 11-180,0 3-202,0 5 202,0 11 0,-2 8-11,-1 14-102,1 6-223,-1-2 0,3-4 67,4-7-22,10-7-34,13-9 22,12-5 169,6-5 100,1-11 34,-5-7 67,-6-14 225,-8-9 392,-7-7 21,-5-5 57,-7-3-112,-3-2-45,-4 2-101,-1 7-235,0 9-101,0 14-123,0 11-45,0 9-123,-1 4 33,-4 11 90,-2 18 23,-4 18-23,1 22 0,3 3-79,2 3-380,5-8-169,6-8-301,9-10-819,10-11-594,9-10-1065,3-13 3407,-1-7 0,-17-6 0,-4 0 0</inkml:trace>
+</inkml:ink>
+</file>
+
+<file path=ppt/ink/ink51.xml><?xml version="1.0" encoding="utf-8"?>
+<inkml:ink xmlns:inkml="http://www.w3.org/2003/InkML">
+  <inkml:definitions>
+    <inkml:context xml:id="ctx0">
+      <inkml:inkSource xml:id="inkSrc0">
+        <inkml:traceFormat>
+          <inkml:channel name="X" type="integer" min="-2.14748E9" max="2.14748E9" units="cm"/>
+          <inkml:channel name="Y" type="integer" min="-2.14748E9" max="2.14748E9" units="cm"/>
+          <inkml:channel name="F" type="integer" max="32767" units="dev"/>
+        </inkml:traceFormat>
+        <inkml:channelProperties>
+          <inkml:channelProperty channel="X" name="resolution" value="1000" units="1/cm"/>
+          <inkml:channelProperty channel="Y" name="resolution" value="1000" units="1/cm"/>
+          <inkml:channelProperty channel="F" name="resolution" value="0" units="1/dev"/>
+        </inkml:channelProperties>
+      </inkml:inkSource>
+      <inkml:timestamp xml:id="ts0" timeString="2022-04-02T07:18:12.622"/>
+    </inkml:context>
+    <inkml:brush xml:id="br0">
+      <inkml:brushProperty name="width" value="0.08571" units="cm"/>
+      <inkml:brushProperty name="height" value="0.08571" units="cm"/>
+      <inkml:brushProperty name="color" value="#E71224"/>
+    </inkml:brush>
+  </inkml:definitions>
+  <inkml:trace contextRef="#ctx0" brushRef="#br0">61 40 14137,'-37'-23'-11,"14"7"156,42 22 23,14 1-56,18 4-56,10-6-33,2-2-12,1-3 0,-8 0 0,-9 0 1,-11 0 44,-13-3 191,-9 1 111,-9-3-89,-2 3-235,-3 0-34,-1 10 33,-5 9-33,-3 9 0,-3 10 0,6 0 0,1 0-33,5-4-124,7-6-190,10-6-13,13-11 103,8-3 78,4-6 179,-3-1 56,-7-10 436,-7-6 103,-9-10-35,-6-2-179,-5 1-22,-4 2-57,-1 6-212,0 7-90,0 6-12,0 6-122,0 1 78,0 7 45,0 12-23,0 14-134,0 7-101,0 4 45,0-6 22,3-7 1,9-6 33,6-13 0,11-4 145,-2-7 23,0-2 23,-4-12-1,-3-5 12,-5-14-12,-4-2 45,-6-5 112,-2-1-55,-3 0 32,0 3-66,-1 5-90,-5 10 0,-5 10-56,-6 6 34,-5 6-68,-1 0-22,-2 9-34,7 1 46,3 7-57,7-2 67,5 0 68,2-3 22,1 2 22,5-7 12,9-2-1,7-4 57,12-1 0,0-1-34,6-6-23,-1-2-33,-2-1-22,-3 3-12,-5 4 12,-5 3-12,-5 3-11,-4 10 12,-5 6-34,-4 13-45,-4 0 11,-1 0 67,0-5 1,0-8 21,0-4 12,0-9 56,0-3 751,0-3-684,0-10-56,0-4-22,12-15-34,7-3-11,15-6-33,6 4 10,-1 5-10,-3 8-57,-8 9 23,-6 8 0,-8 2 44,-6 4-66,-3 12 77,-3 9 12,-2 11 0,0 5 23,0-4-34,0-3 11,0-6 0,0-6 0,0-6-213,4-8-347,9-3-662,6-3-761,7 0-639,-3-3 2622,-5-6 0,-8 3 0,-5-3 0</inkml:trace>
+</inkml:ink>
+</file>
+
+<file path=ppt/ink/ink52.xml><?xml version="1.0" encoding="utf-8"?>
+<inkml:ink xmlns:inkml="http://www.w3.org/2003/InkML">
+  <inkml:definitions>
+    <inkml:context xml:id="ctx0">
+      <inkml:inkSource xml:id="inkSrc0">
+        <inkml:traceFormat>
+          <inkml:channel name="X" type="integer" min="-2.14748E9" max="2.14748E9" units="cm"/>
+          <inkml:channel name="Y" type="integer" min="-2.14748E9" max="2.14748E9" units="cm"/>
+          <inkml:channel name="F" type="integer" max="32767" units="dev"/>
+        </inkml:traceFormat>
+        <inkml:channelProperties>
+          <inkml:channelProperty channel="X" name="resolution" value="1000" units="1/cm"/>
+          <inkml:channelProperty channel="Y" name="resolution" value="1000" units="1/cm"/>
+          <inkml:channelProperty channel="F" name="resolution" value="0" units="1/dev"/>
+        </inkml:channelProperties>
+      </inkml:inkSource>
+      <inkml:timestamp xml:id="ts0" timeString="2022-04-02T07:18:12.905"/>
+    </inkml:context>
+    <inkml:brush xml:id="br0">
+      <inkml:brushProperty name="width" value="0.08571" units="cm"/>
+      <inkml:brushProperty name="height" value="0.08571" units="cm"/>
+      <inkml:brushProperty name="color" value="#E71224"/>
+    </inkml:brush>
+  </inkml:definitions>
+  <inkml:trace contextRef="#ctx0" brushRef="#br0">49 38 11280,'-10'-6'3260,"1"2"-2486,9 4 133,0 0-526,-13-12-213,9 9-89,-9-9-79,13 12-1266,0 0-1704,13 0 2970,1 0 0,2 0 0,-6 0 0</inkml:trace>
+</inkml:ink>
+</file>
+
+<file path=ppt/ink/ink53.xml><?xml version="1.0" encoding="utf-8"?>
+<inkml:ink xmlns:inkml="http://www.w3.org/2003/InkML">
+  <inkml:definitions>
+    <inkml:context xml:id="ctx0">
+      <inkml:inkSource xml:id="inkSrc0">
+        <inkml:traceFormat>
+          <inkml:channel name="X" type="integer" min="-2.14748E9" max="2.14748E9" units="cm"/>
+          <inkml:channel name="Y" type="integer" min="-2.14748E9" max="2.14748E9" units="cm"/>
+          <inkml:channel name="F" type="integer" max="32767" units="dev"/>
+        </inkml:traceFormat>
+        <inkml:channelProperties>
+          <inkml:channelProperty channel="X" name="resolution" value="1000" units="1/cm"/>
+          <inkml:channelProperty channel="Y" name="resolution" value="1000" units="1/cm"/>
+          <inkml:channelProperty channel="F" name="resolution" value="0" units="1/dev"/>
+        </inkml:channelProperties>
+      </inkml:inkSource>
+      <inkml:timestamp xml:id="ts0" timeString="2022-04-02T07:18:13.636"/>
+    </inkml:context>
+    <inkml:brush xml:id="br0">
+      <inkml:brushProperty name="width" value="0.08571" units="cm"/>
+      <inkml:brushProperty name="height" value="0.08571" units="cm"/>
+      <inkml:brushProperty name="color" value="#E71224"/>
+    </inkml:brush>
+  </inkml:definitions>
+  <inkml:trace contextRef="#ctx0" brushRef="#br0">0 0 11112,'4'4'3014,"-1"-1"-1501,-3-3-1390,3 0-90,9 0-33,11 0-257,14 0-236,7-1-661,4 0-460,-2 0-862,-3-1 2476,-9 2 0,-15-2 0,-7 2 0</inkml:trace>
+</inkml:ink>
+</file>
+
+<file path=ppt/ink/ink54.xml><?xml version="1.0" encoding="utf-8"?>
+<inkml:ink xmlns:inkml="http://www.w3.org/2003/InkML">
+  <inkml:definitions>
+    <inkml:context xml:id="ctx0">
+      <inkml:inkSource xml:id="inkSrc0">
+        <inkml:traceFormat>
+          <inkml:channel name="X" type="integer" min="-2.14748E9" max="2.14748E9" units="cm"/>
+          <inkml:channel name="Y" type="integer" min="-2.14748E9" max="2.14748E9" units="cm"/>
+          <inkml:channel name="F" type="integer" max="32767" units="dev"/>
+        </inkml:traceFormat>
+        <inkml:channelProperties>
+          <inkml:channelProperty channel="X" name="resolution" value="1000" units="1/cm"/>
+          <inkml:channelProperty channel="Y" name="resolution" value="1000" units="1/cm"/>
+          <inkml:channelProperty channel="F" name="resolution" value="0" units="1/dev"/>
+        </inkml:channelProperties>
+      </inkml:inkSource>
+      <inkml:timestamp xml:id="ts0" timeString="2022-04-02T07:18:14.280"/>
+    </inkml:context>
+    <inkml:brush xml:id="br0">
+      <inkml:brushProperty name="width" value="0.08571" units="cm"/>
+      <inkml:brushProperty name="height" value="0.08571" units="cm"/>
+      <inkml:brushProperty name="color" value="#E71224"/>
+    </inkml:brush>
+  </inkml:definitions>
+  <inkml:trace contextRef="#ctx0" brushRef="#br0">37 134 9330,'-7'0'3608,"1"0"-2678,6 0 673,0 0-1122,-9-2-44,5-3-123,-5-4 11,8-4-202,1-1-11,0-3-67,0 3-34,0-1 0,3 3-11,6 0-56,5 4 0,10 1-56,3 3-100,4 3-102,3 1 67,-2 0-44,-1 4 89,-5 8 1,-6 6 10,-6 7 146,-7 3 45,-4 1-11,-3 3 11,-2 2 0,-8 0 11,-6 2 12,-10-5 22,0-3 11,-2-5 67,3-5 22,2-6 23,5-3 124,3-6-1,7 0-89,3-3-34,4 2 213,1-2-336,7 0-45,14 0-12,17-5-189,18-5-79,11-4-214,6-6-122,2 1-471,-1 2-683,-3 1-919,-7 8 2689,-10 0 0,-25 6 0,-10-2 0</inkml:trace>
+</inkml:ink>
+</file>
+
+<file path=ppt/ink/ink55.xml><?xml version="1.0" encoding="utf-8"?>
+<inkml:ink xmlns:inkml="http://www.w3.org/2003/InkML">
+  <inkml:definitions>
+    <inkml:context xml:id="ctx0">
+      <inkml:inkSource xml:id="inkSrc0">
+        <inkml:traceFormat>
+          <inkml:channel name="X" type="integer" min="-2.14748E9" max="2.14748E9" units="cm"/>
+          <inkml:channel name="Y" type="integer" min="-2.14748E9" max="2.14748E9" units="cm"/>
+          <inkml:channel name="F" type="integer" max="32767" units="dev"/>
+        </inkml:traceFormat>
+        <inkml:channelProperties>
+          <inkml:channelProperty channel="X" name="resolution" value="1000" units="1/cm"/>
+          <inkml:channelProperty channel="Y" name="resolution" value="1000" units="1/cm"/>
+          <inkml:channelProperty channel="F" name="resolution" value="0" units="1/dev"/>
+        </inkml:channelProperties>
+      </inkml:inkSource>
+      <inkml:timestamp xml:id="ts0" timeString="2022-04-02T07:18:18.962"/>
+    </inkml:context>
+    <inkml:brush xml:id="br0">
+      <inkml:brushProperty name="width" value="0.08571" units="cm"/>
+      <inkml:brushProperty name="height" value="0.08571" units="cm"/>
+      <inkml:brushProperty name="color" value="#E71224"/>
+    </inkml:brush>
+  </inkml:definitions>
+  <inkml:trace contextRef="#ctx0" brushRef="#br0">56 45 10159,'-2'-8'3620,"0"2"-2691,2 6 147,0 0-975,-14-14-101,10 11-22,-12-11-79,16 16 90,-2 13 11,-1 12 33,1 22-22,-2 8 1,2 12-12,-1-2-392,2 3-1054,0-7-313,1-10-706,0-7-1546,0-17 4011,0-12 0,0-9 0,0-8 0</inkml:trace>
+</inkml:ink>
+</file>
+
+<file path=ppt/ink/ink56.xml><?xml version="1.0" encoding="utf-8"?>
+<inkml:ink xmlns:inkml="http://www.w3.org/2003/InkML">
+  <inkml:definitions>
+    <inkml:context xml:id="ctx0">
+      <inkml:inkSource xml:id="inkSrc0">
+        <inkml:traceFormat>
+          <inkml:channel name="X" type="integer" min="-2.14748E9" max="2.14748E9" units="cm"/>
+          <inkml:channel name="Y" type="integer" min="-2.14748E9" max="2.14748E9" units="cm"/>
+          <inkml:channel name="F" type="integer" max="32767" units="dev"/>
+        </inkml:traceFormat>
+        <inkml:channelProperties>
+          <inkml:channelProperty channel="X" name="resolution" value="1000" units="1/cm"/>
+          <inkml:channelProperty channel="Y" name="resolution" value="1000" units="1/cm"/>
+          <inkml:channelProperty channel="F" name="resolution" value="0" units="1/dev"/>
+        </inkml:channelProperties>
+      </inkml:inkSource>
+      <inkml:timestamp xml:id="ts0" timeString="2022-04-02T07:18:19.221"/>
+    </inkml:context>
+    <inkml:brush xml:id="br0">
+      <inkml:brushProperty name="width" value="0.08571" units="cm"/>
+      <inkml:brushProperty name="height" value="0.08571" units="cm"/>
+      <inkml:brushProperty name="color" value="#E71224"/>
+    </inkml:brush>
+  </inkml:definitions>
+  <inkml:trace contextRef="#ctx0" brushRef="#br0">0 89 14339,'80'-26'190,"0"3"-168,-4 9-22,1 3-694,-6 3-583,-9 3-695,-13 4-438,-14 1 2410,-12 12 0,-14-9 0,-4 9 0</inkml:trace>
+</inkml:ink>
+</file>
+
+<file path=ppt/ink/ink57.xml><?xml version="1.0" encoding="utf-8"?>
+<inkml:ink xmlns:inkml="http://www.w3.org/2003/InkML">
+  <inkml:definitions>
+    <inkml:context xml:id="ctx0">
+      <inkml:inkSource xml:id="inkSrc0">
+        <inkml:traceFormat>
+          <inkml:channel name="X" type="integer" min="-2.14748E9" max="2.14748E9" units="cm"/>
+          <inkml:channel name="Y" type="integer" min="-2.14748E9" max="2.14748E9" units="cm"/>
+          <inkml:channel name="F" type="integer" max="32767" units="dev"/>
+        </inkml:traceFormat>
+        <inkml:channelProperties>
+          <inkml:channelProperty channel="X" name="resolution" value="1000" units="1/cm"/>
+          <inkml:channelProperty channel="Y" name="resolution" value="1000" units="1/cm"/>
+          <inkml:channelProperty channel="F" name="resolution" value="0" units="1/dev"/>
+        </inkml:channelProperties>
+      </inkml:inkSource>
+      <inkml:timestamp xml:id="ts0" timeString="2022-04-02T07:18:19.451"/>
+    </inkml:context>
+    <inkml:brush xml:id="br0">
+      <inkml:brushProperty name="width" value="0.08571" units="cm"/>
+      <inkml:brushProperty name="height" value="0.08571" units="cm"/>
+      <inkml:brushProperty name="color" value="#E71224"/>
+    </inkml:brush>
+  </inkml:definitions>
+  <inkml:trace contextRef="#ctx0" brushRef="#br0">0 120 14350,'67'-13'269,"5"-3"-269,7-6-168,2 1-683,-10 3-449,-10 6-729,-14 3-559,-12 6 2588,-10 0 0,-13 2 0,-5 0 0</inkml:trace>
+</inkml:ink>
+</file>
+
+<file path=ppt/ink/ink58.xml><?xml version="1.0" encoding="utf-8"?>
+<inkml:ink xmlns:inkml="http://www.w3.org/2003/InkML">
+  <inkml:definitions>
+    <inkml:context xml:id="ctx0">
+      <inkml:inkSource xml:id="inkSrc0">
+        <inkml:traceFormat>
+          <inkml:channel name="X" type="integer" min="-2.14748E9" max="2.14748E9" units="cm"/>
+          <inkml:channel name="Y" type="integer" min="-2.14748E9" max="2.14748E9" units="cm"/>
+          <inkml:channel name="F" type="integer" max="32767" units="dev"/>
+        </inkml:traceFormat>
+        <inkml:channelProperties>
+          <inkml:channelProperty channel="X" name="resolution" value="1000" units="1/cm"/>
+          <inkml:channelProperty channel="Y" name="resolution" value="1000" units="1/cm"/>
+          <inkml:channelProperty channel="F" name="resolution" value="0" units="1/dev"/>
+        </inkml:channelProperties>
+      </inkml:inkSource>
+      <inkml:timestamp xml:id="ts0" timeString="2022-04-02T07:18:19.740"/>
+    </inkml:context>
+    <inkml:brush xml:id="br0">
+      <inkml:brushProperty name="width" value="0.08571" units="cm"/>
+      <inkml:brushProperty name="height" value="0.08571" units="cm"/>
+      <inkml:brushProperty name="color" value="#E71224"/>
+    </inkml:brush>
+  </inkml:definitions>
+  <inkml:trace contextRef="#ctx0" brushRef="#br0">20 0 15392,'-11'33'11,"2"8"12,9 16-12,0 8 0,0 0-11,0-2-168,0-7-1445,0-8-438,0-9-515,0-10 2566,0-10 0,0-9 0,0-7 0</inkml:trace>
+</inkml:ink>
+</file>
+
+<file path=ppt/ink/ink59.xml><?xml version="1.0" encoding="utf-8"?>
+<inkml:ink xmlns:inkml="http://www.w3.org/2003/InkML">
+  <inkml:definitions>
+    <inkml:context xml:id="ctx0">
+      <inkml:inkSource xml:id="inkSrc0">
+        <inkml:traceFormat>
+          <inkml:channel name="X" type="integer" min="-2.14748E9" max="2.14748E9" units="cm"/>
+          <inkml:channel name="Y" type="integer" min="-2.14748E9" max="2.14748E9" units="cm"/>
+          <inkml:channel name="F" type="integer" max="32767" units="dev"/>
+        </inkml:traceFormat>
+        <inkml:channelProperties>
+          <inkml:channelProperty channel="X" name="resolution" value="1000" units="1/cm"/>
+          <inkml:channelProperty channel="Y" name="resolution" value="1000" units="1/cm"/>
+          <inkml:channelProperty channel="F" name="resolution" value="0" units="1/dev"/>
+        </inkml:channelProperties>
+      </inkml:inkSource>
+      <inkml:timestamp xml:id="ts0" timeString="2022-04-02T07:18:19.951"/>
+    </inkml:context>
+    <inkml:brush xml:id="br0">
+      <inkml:brushProperty name="width" value="0.08571" units="cm"/>
+      <inkml:brushProperty name="height" value="0.08571" units="cm"/>
+      <inkml:brushProperty name="color" value="#E71224"/>
+    </inkml:brush>
+  </inkml:definitions>
+  <inkml:trace contextRef="#ctx0" brushRef="#br0">1 65 12132,'78'-12'134,"-5"2"-930,-15 0-862,-5 2-874,-8-1 2532,-8 1 0,-20 4 0,-5 1 0</inkml:trace>
+</inkml:ink>
+</file>
+
+<file path=ppt/ink/ink6.xml><?xml version="1.0" encoding="utf-8"?>
+<inkml:ink xmlns:inkml="http://www.w3.org/2003/InkML">
+  <inkml:definitions>
+    <inkml:context xml:id="ctx0">
+      <inkml:inkSource xml:id="inkSrc0">
+        <inkml:traceFormat>
+          <inkml:channel name="X" type="integer" min="-2.14748E9" max="2.14748E9" units="cm"/>
+          <inkml:channel name="Y" type="integer" min="-2.14748E9" max="2.14748E9" units="cm"/>
+          <inkml:channel name="F" type="integer" max="32767" units="dev"/>
+        </inkml:traceFormat>
+        <inkml:channelProperties>
+          <inkml:channelProperty channel="X" name="resolution" value="1000" units="1/cm"/>
+          <inkml:channelProperty channel="Y" name="resolution" value="1000" units="1/cm"/>
+          <inkml:channelProperty channel="F" name="resolution" value="0" units="1/dev"/>
+        </inkml:channelProperties>
+      </inkml:inkSource>
+      <inkml:timestamp xml:id="ts0" timeString="2022-04-02T07:17:37.332"/>
+    </inkml:context>
+    <inkml:brush xml:id="br0">
+      <inkml:brushProperty name="width" value="0.08571" units="cm"/>
+      <inkml:brushProperty name="height" value="0.08571" units="cm"/>
+      <inkml:brushProperty name="color" value="#008C3A"/>
+    </inkml:brush>
+  </inkml:definitions>
+  <inkml:trace contextRef="#ctx0" brushRef="#br0">391 144 7526,'1'-4'1961,"1"1"-695,-2 3 1333,4-38-2004,-3 24-136,4-30-45,-5 36-77,-5-2-68,-2 3-157,-6-2-67,-2 6-34,-7 0-11,-3 3 0,-11 1-45,-3 13 45,-7 11-22,1 16-12,1 11 34,8 8 0,5 7 0,11 4-11,7-1-56,8-1-146,4-10-191,17-9-111,7-11 67,19-14 89,6-9 168,2-10 124,-1-4 56,5-16 44,-19-2-21,-1-15 88,-25 0 125,-4-3 145,-3 0-90,-2 4 11,-6 3-146,-1 8 1,-5 6-90,2 6-56,2 4-34,4 3-44,1 0-157,3 0 56,3 4-101,11 5 112,8 2 0,13-1 56,4-5 78,-1-3 34,0-2 11,-7-11 12,-3-4-1,-8-10 191,-6-1 212,-6 4 46,-4 3-112,-3 9-146,-1 2-180,0 6-156,0 0 22,0 8 101,-3 12 12,-2 14-1,0 11-11,-1 3 0,4-3 0,0-4-213,2-7-258,2-5-190,4-6-269,4-8-560,5-4-415,1-6-1815,1-1 3720,-1-2 0,-7 0 0,-2 0 0</inkml:trace>
+</inkml:ink>
+</file>
+
+<file path=ppt/ink/ink60.xml><?xml version="1.0" encoding="utf-8"?>
+<inkml:ink xmlns:inkml="http://www.w3.org/2003/InkML">
+  <inkml:definitions>
+    <inkml:context xml:id="ctx0">
+      <inkml:inkSource xml:id="inkSrc0">
+        <inkml:traceFormat>
+          <inkml:channel name="X" type="integer" min="-2.14748E9" max="2.14748E9" units="cm"/>
+          <inkml:channel name="Y" type="integer" min="-2.14748E9" max="2.14748E9" units="cm"/>
+          <inkml:channel name="F" type="integer" max="32767" units="dev"/>
+        </inkml:traceFormat>
+        <inkml:channelProperties>
+          <inkml:channelProperty channel="X" name="resolution" value="1000" units="1/cm"/>
+          <inkml:channelProperty channel="Y" name="resolution" value="1000" units="1/cm"/>
+          <inkml:channelProperty channel="F" name="resolution" value="0" units="1/dev"/>
+        </inkml:channelProperties>
+      </inkml:inkSource>
+      <inkml:timestamp xml:id="ts0" timeString="2022-04-02T07:18:20.695"/>
+    </inkml:context>
+    <inkml:brush xml:id="br0">
+      <inkml:brushProperty name="width" value="0.08571" units="cm"/>
+      <inkml:brushProperty name="height" value="0.08571" units="cm"/>
+      <inkml:brushProperty name="color" value="#E71224"/>
+    </inkml:brush>
+  </inkml:definitions>
+  <inkml:trace contextRef="#ctx0" brushRef="#br0">52 154 10103,'-2'74'348,"7"-17"-214,23-50-89,4-6 34,-1-1-23,-3-7-12,-5-7-21,-7-9 33,-6-4 190,-5-2 169,-4 3 246,-1-2-79,-4 2-33,-6 2-122,-5 0-114,-5 8-190,2 6-123,-3 6 0,0 4-56,-6 10 23,-1 11 21,2 17 1,4 11 11,11 6 0,5 0 0,6-4 11,10-10 1,12-9-12,17-11-179,17-11-213,8-6 235,6-7 111,-2-9 35,-8-8 11,-8-11 34,-16-4 56,-8-5 291,-13-2-180,-7-2 158,-6-1-68,-2 4-78,0 5-123,-1 6-45,-2 11-45,-5 4-56,-3 10-11,-3 2-1,-2 3-145,0 10-336,2 5 168,7 11 90,2 1-12,5-3 1,0-2 134,11-5-79,6-8 180,14-3 67,5-6 0,5-6 34,-4-6 33,-3-6 381,-9-2-56,-7 3 113,-10 5-237,-4 3-268,-4 6-201,0 1 201,0 13 11,0 8 0,0 16-11,0 6-235,0 2-449,0-3-380,0-5-258,9-6-684,5-11 2006,11-4 0,-10-9 0,-2-2 0</inkml:trace>
+</inkml:ink>
+</file>
+
+<file path=ppt/ink/ink61.xml><?xml version="1.0" encoding="utf-8"?>
+<inkml:ink xmlns:inkml="http://www.w3.org/2003/InkML">
+  <inkml:definitions>
+    <inkml:context xml:id="ctx0">
+      <inkml:inkSource xml:id="inkSrc0">
+        <inkml:traceFormat>
+          <inkml:channel name="X" type="integer" min="-2.14748E9" max="2.14748E9" units="cm"/>
+          <inkml:channel name="Y" type="integer" min="-2.14748E9" max="2.14748E9" units="cm"/>
+          <inkml:channel name="F" type="integer" max="32767" units="dev"/>
+        </inkml:traceFormat>
+        <inkml:channelProperties>
+          <inkml:channelProperty channel="X" name="resolution" value="1000" units="1/cm"/>
+          <inkml:channelProperty channel="Y" name="resolution" value="1000" units="1/cm"/>
+          <inkml:channelProperty channel="F" name="resolution" value="0" units="1/dev"/>
+        </inkml:channelProperties>
+      </inkml:inkSource>
+      <inkml:timestamp xml:id="ts0" timeString="2022-04-02T07:18:21.326"/>
+    </inkml:context>
+    <inkml:brush xml:id="br0">
+      <inkml:brushProperty name="width" value="0.08571" units="cm"/>
+      <inkml:brushProperty name="height" value="0.08571" units="cm"/>
+      <inkml:brushProperty name="color" value="#E71224"/>
+    </inkml:brush>
+  </inkml:definitions>
+  <inkml:trace contextRef="#ctx0" brushRef="#br0">223 423 10137,'0'-13'3418,"0"2"-2679,0 11 68,0 0-594,-45-44-146,22 33-67,-38-33-11,34 56-12,1 10 23,6 14-11,7 6 0,7 4-303,4-6-347,11-1-89,11-13 110,13-9 260,12-9 312,-1-7 68,-3-4 101,-8-9 224,-10-10 404,-8-9-46,-9-3-55,-3 3-203,-3 4-223,0 7-135,0 6-33,-1 7-34,-3 4-90,-2 3 45,-3 9-11,0 10-257,3 16-438,2 8-22,4 3-79,7-5-392,11-8 270,14-12 659,11-10 315,1-7 0,-1-4 80,-7-10 446,-10-7 325,-6-15 46,-10-7-180,-6-10 67,-2-7 270,-2-8-461,0-5-89,0-4-133,-3 0 99,-4 10-201,0 14-79,-3 18-123,5 16-67,1 9-89,2 6-79,0 3 134,2 19-22,0 18 34,0 30-314,0 16-480,0 11 132,0-1-258,8-4-234,1-14-68,10-13-223,1-18-158,4-14-1356,0-15 2981,0-9 0,-11-6 0,-3-3 0</inkml:trace>
+</inkml:ink>
+</file>
+
+<file path=ppt/ink/ink62.xml><?xml version="1.0" encoding="utf-8"?>
+<inkml:ink xmlns:inkml="http://www.w3.org/2003/InkML">
+  <inkml:definitions>
+    <inkml:context xml:id="ctx0">
+      <inkml:inkSource xml:id="inkSrc0">
+        <inkml:traceFormat>
+          <inkml:channel name="X" type="integer" min="-2.14748E9" max="2.14748E9" units="cm"/>
+          <inkml:channel name="Y" type="integer" min="-2.14748E9" max="2.14748E9" units="cm"/>
+          <inkml:channel name="F" type="integer" max="32767" units="dev"/>
+        </inkml:traceFormat>
+        <inkml:channelProperties>
+          <inkml:channelProperty channel="X" name="resolution" value="1000" units="1/cm"/>
+          <inkml:channelProperty channel="Y" name="resolution" value="1000" units="1/cm"/>
+          <inkml:channelProperty channel="F" name="resolution" value="0" units="1/dev"/>
+        </inkml:channelProperties>
+      </inkml:inkSource>
+      <inkml:timestamp xml:id="ts0" timeString="2022-04-02T07:18:21.570"/>
+    </inkml:context>
+    <inkml:brush xml:id="br0">
+      <inkml:brushProperty name="width" value="0.08571" units="cm"/>
+      <inkml:brushProperty name="height" value="0.08571" units="cm"/>
+      <inkml:brushProperty name="color" value="#E71224"/>
+    </inkml:brush>
+  </inkml:definitions>
+  <inkml:trace contextRef="#ctx0" brushRef="#br0">20 35 9778,'-11'0'852,"2"0"-773,9 0 1142,0 0-717,44 0-325,-3 0-134,44 0-45,-10-2-784,1-3-1704,0-2 2488,-10-3 0,-30 4 0,-11 2 0</inkml:trace>
+</inkml:ink>
+</file>
+
+<file path=ppt/ink/ink63.xml><?xml version="1.0" encoding="utf-8"?>
+<inkml:ink xmlns:inkml="http://www.w3.org/2003/InkML">
+  <inkml:definitions>
+    <inkml:context xml:id="ctx0">
+      <inkml:inkSource xml:id="inkSrc0">
+        <inkml:traceFormat>
+          <inkml:channel name="X" type="integer" min="-2.14748E9" max="2.14748E9" units="cm"/>
+          <inkml:channel name="Y" type="integer" min="-2.14748E9" max="2.14748E9" units="cm"/>
+          <inkml:channel name="F" type="integer" max="32767" units="dev"/>
+        </inkml:traceFormat>
+        <inkml:channelProperties>
+          <inkml:channelProperty channel="X" name="resolution" value="1000" units="1/cm"/>
+          <inkml:channelProperty channel="Y" name="resolution" value="1000" units="1/cm"/>
+          <inkml:channelProperty channel="F" name="resolution" value="0" units="1/dev"/>
+        </inkml:channelProperties>
+      </inkml:inkSource>
+      <inkml:timestamp xml:id="ts0" timeString="2022-04-02T07:18:22.830"/>
+    </inkml:context>
+    <inkml:brush xml:id="br0">
+      <inkml:brushProperty name="width" value="0.08571" units="cm"/>
+      <inkml:brushProperty name="height" value="0.08571" units="cm"/>
+      <inkml:brushProperty name="color" value="#E71224"/>
+    </inkml:brush>
+  </inkml:definitions>
+  <inkml:trace contextRef="#ctx0" brushRef="#br0">43 164 14809,'-20'-23'169,"4"5"-304,15 22 135,0 12 11,-2 14-11,3 13 0,-1 4-146,1 0-503,1-9 66,10-6 325,6-11 79,9-10-56,5-6 167,-1-3 68,-1-10 12,-4-10 223,-5-11 326,-9-11-2,-4 0 46,-6 2-201,-1 6-124,0 8-145,0 9-57,0 7-78,0 5-101,0 3-33,0 4 134,0 12 0,0 11-45,0 9-347,0 1 44,0-6 46,9-5-23,5-9 168,9-7 23,3-5 44,-1-4 68,-4-4 44,-3-9-22,-6-13 56,-4-11 11,-5-8 68,-2-2 111,-1-2 101,-2 5-156,-9 3-57,-5 10-134,-10 7 0,1 9-22,-5 7-1,3 4-44,-3 3 33,7 6-22,2 8-56,6 7-156,5 6 55,6-1 101,2-4 34,2-3 55,0-6 1,9-2 22,3-6 33,13-2 1,6-3 11,5-2-23,4-6 1,2-1 44,-3-8-56,-2 6-11,-5 2-112,-7 5 45,-4 3 33,-5 5 34,-2 11-22,-3 10 22,-4 9-11,-3 3 11,-2-2 0,-2-3 0,0-9-12,0-5 12,0-10 45,0-3 78,0-3 572,0-2-280,0-6-281,0-9-100,1-13 67,8-11 22,7-6-123,10-4 22,5 6-22,2 4 0,0 11-67,-5 13-11,-5 7 10,-4 6 12,-5 2-11,-3 12 0,-3 8 11,-4 13 34,-1 6-58,-3-1-9,0-4 33,0-4-135,0-9-133,1-4-57,4-7-157,2-5-515,7-2-482,1-3-987,3 0 2522,-4-10 0,-6 7 0,-5-7 0</inkml:trace>
+</inkml:ink>
+</file>
+
+<file path=ppt/ink/ink64.xml><?xml version="1.0" encoding="utf-8"?>
+<inkml:ink xmlns:inkml="http://www.w3.org/2003/InkML">
+  <inkml:definitions>
+    <inkml:context xml:id="ctx0">
+      <inkml:inkSource xml:id="inkSrc0">
+        <inkml:traceFormat>
+          <inkml:channel name="X" type="integer" min="-2.14748E9" max="2.14748E9" units="cm"/>
+          <inkml:channel name="Y" type="integer" min="-2.14748E9" max="2.14748E9" units="cm"/>
+          <inkml:channel name="F" type="integer" max="32767" units="dev"/>
+        </inkml:traceFormat>
+        <inkml:channelProperties>
+          <inkml:channelProperty channel="X" name="resolution" value="1000" units="1/cm"/>
+          <inkml:channelProperty channel="Y" name="resolution" value="1000" units="1/cm"/>
+          <inkml:channelProperty channel="F" name="resolution" value="0" units="1/dev"/>
+        </inkml:channelProperties>
+      </inkml:inkSource>
+      <inkml:timestamp xml:id="ts0" timeString="2022-04-02T07:18:23.042"/>
+    </inkml:context>
+    <inkml:brush xml:id="br0">
+      <inkml:brushProperty name="width" value="0.08571" units="cm"/>
+      <inkml:brushProperty name="height" value="0.08571" units="cm"/>
+      <inkml:brushProperty name="color" value="#E71224"/>
+    </inkml:brush>
+  </inkml:definitions>
+  <inkml:trace contextRef="#ctx0" brushRef="#br0">15 21 15415,'-14'-12'-9681,"17"3"9681,18 12 0,-2-2 0,-2 2 0</inkml:trace>
+</inkml:ink>
+</file>
+
+<file path=ppt/ink/ink65.xml><?xml version="1.0" encoding="utf-8"?>
+<inkml:ink xmlns:inkml="http://www.w3.org/2003/InkML">
+  <inkml:definitions>
+    <inkml:context xml:id="ctx0">
+      <inkml:inkSource xml:id="inkSrc0">
+        <inkml:traceFormat>
+          <inkml:channel name="X" type="integer" min="-2.14748E9" max="2.14748E9" units="cm"/>
+          <inkml:channel name="Y" type="integer" min="-2.14748E9" max="2.14748E9" units="cm"/>
+          <inkml:channel name="F" type="integer" max="32767" units="dev"/>
+        </inkml:traceFormat>
+        <inkml:channelProperties>
+          <inkml:channelProperty channel="X" name="resolution" value="1000" units="1/cm"/>
+          <inkml:channelProperty channel="Y" name="resolution" value="1000" units="1/cm"/>
+          <inkml:channelProperty channel="F" name="resolution" value="0" units="1/dev"/>
+        </inkml:channelProperties>
+      </inkml:inkSource>
+      <inkml:timestamp xml:id="ts0" timeString="2022-04-02T07:18:23.730"/>
+    </inkml:context>
+    <inkml:brush xml:id="br0">
+      <inkml:brushProperty name="width" value="0.08571" units="cm"/>
+      <inkml:brushProperty name="height" value="0.08571" units="cm"/>
+      <inkml:brushProperty name="color" value="#E71224"/>
+    </inkml:brush>
+  </inkml:definitions>
+  <inkml:trace contextRef="#ctx0" brushRef="#br0">37 102 10373,'-8'-5'3159,"3"0"-2375,5 5 247,0 0-739,-11-14-68,9 11-90,-8-11-33,10 14-90,0 0 56,4 0-67,10-1 0,10-4-280,12-2-414,3-2-628,3 2-505,-3 1-773,-2-1 2600,-3-2 0,-15 4 0,-6 0 0</inkml:trace>
+</inkml:ink>
+</file>
+
+<file path=ppt/ink/ink66.xml><?xml version="1.0" encoding="utf-8"?>
+<inkml:ink xmlns:inkml="http://www.w3.org/2003/InkML">
+  <inkml:definitions>
+    <inkml:context xml:id="ctx0">
+      <inkml:inkSource xml:id="inkSrc0">
+        <inkml:traceFormat>
+          <inkml:channel name="X" type="integer" min="-2.14748E9" max="2.14748E9" units="cm"/>
+          <inkml:channel name="Y" type="integer" min="-2.14748E9" max="2.14748E9" units="cm"/>
+          <inkml:channel name="F" type="integer" max="32767" units="dev"/>
+        </inkml:traceFormat>
+        <inkml:channelProperties>
+          <inkml:channelProperty channel="X" name="resolution" value="1000" units="1/cm"/>
+          <inkml:channelProperty channel="Y" name="resolution" value="1000" units="1/cm"/>
+          <inkml:channelProperty channel="F" name="resolution" value="0" units="1/dev"/>
+        </inkml:channelProperties>
+      </inkml:inkSource>
+      <inkml:timestamp xml:id="ts0" timeString="2022-04-02T07:18:24.421"/>
+    </inkml:context>
+    <inkml:brush xml:id="br0">
+      <inkml:brushProperty name="width" value="0.08571" units="cm"/>
+      <inkml:brushProperty name="height" value="0.08571" units="cm"/>
+      <inkml:brushProperty name="color" value="#E71224"/>
+    </inkml:brush>
+  </inkml:definitions>
+  <inkml:trace contextRef="#ctx0" brushRef="#br0">102 48 9453,'-11'0'3250,"2"0"-2398,9 0 447,0 0-862,-7-10-190,5 7-23,-5-7-67,7 10-101,0 0-12,1-4-44,8 2-22,5-4 22,10 2-45,2-1-22,1 3-67,-2 1-90,-4 1-79,-1 4 1,-5 8-57,-2 9 11,-4 9 225,-3 5 56,-4 2 56,-7-2-11,-10-3 22,-7-5 11,-8-6 0,4-3 0,1-6 0,7-3 12,5-3 66,5-4 292,5 0 1221,2-2-1590,8-4-12,5-1 0,9-2-23,4 0-55,4 4 44,2 1-111,4 2-180,2 2-168,3 12-202,-1 7 68,2 15 167,-4 3 1,-8 1 33,-9-1 213,-11-5 146,-6 0 56,-14-7 22,-14 0 101,-20-6 146,-15-2-34,-10-7 11,-2-6 34,4-3-90,9-3-89,14 0-34,10-4-56,14-6-460,10-8-2060,6-5 2520,15-3 0,-7 11 0,7 3 0</inkml:trace>
+</inkml:ink>
+</file>
+
+<file path=ppt/ink/ink67.xml><?xml version="1.0" encoding="utf-8"?>
+<inkml:ink xmlns:inkml="http://www.w3.org/2003/InkML">
+  <inkml:definitions>
+    <inkml:context xml:id="ctx0">
+      <inkml:inkSource xml:id="inkSrc0">
+        <inkml:traceFormat>
+          <inkml:channel name="X" type="integer" min="-2.14748E9" max="2.14748E9" units="cm"/>
+          <inkml:channel name="Y" type="integer" min="-2.14748E9" max="2.14748E9" units="cm"/>
+          <inkml:channel name="F" type="integer" max="32767" units="dev"/>
+        </inkml:traceFormat>
+        <inkml:channelProperties>
+          <inkml:channelProperty channel="X" name="resolution" value="1000" units="1/cm"/>
+          <inkml:channelProperty channel="Y" name="resolution" value="1000" units="1/cm"/>
+          <inkml:channelProperty channel="F" name="resolution" value="0" units="1/dev"/>
+        </inkml:channelProperties>
+      </inkml:inkSource>
+      <inkml:timestamp xml:id="ts0" timeString="2022-04-02T07:18:26.419"/>
+    </inkml:context>
+    <inkml:brush xml:id="br0">
+      <inkml:brushProperty name="width" value="0.08571" units="cm"/>
+      <inkml:brushProperty name="height" value="0.08571" units="cm"/>
+      <inkml:brushProperty name="color" value="#E71224"/>
+    </inkml:brush>
+  </inkml:definitions>
+  <inkml:trace contextRef="#ctx0" brushRef="#br0">17 100 9453,'0'-17'3675,"0"3"-2621,0 14 694,0 0-1625,0-30-123,0 22 0,-1-22-101,0 30 34,-2 7 67,3 11 45,-1 11-34,-1 10-11,0 4 0,0 0-179,1-2-672,0-6-438,0-2-448,0-8-549,1-4-1232,0-8 3518,0-6 0,0-4 0,0-3 0</inkml:trace>
+</inkml:ink>
+</file>
+
+<file path=ppt/ink/ink68.xml><?xml version="1.0" encoding="utf-8"?>
+<inkml:ink xmlns:inkml="http://www.w3.org/2003/InkML">
+  <inkml:definitions>
+    <inkml:context xml:id="ctx0">
+      <inkml:inkSource xml:id="inkSrc0">
+        <inkml:traceFormat>
+          <inkml:channel name="X" type="integer" min="-2.14748E9" max="2.14748E9" units="cm"/>
+          <inkml:channel name="Y" type="integer" min="-2.14748E9" max="2.14748E9" units="cm"/>
+          <inkml:channel name="F" type="integer" max="32767" units="dev"/>
+        </inkml:traceFormat>
+        <inkml:channelProperties>
+          <inkml:channelProperty channel="X" name="resolution" value="1000" units="1/cm"/>
+          <inkml:channelProperty channel="Y" name="resolution" value="1000" units="1/cm"/>
+          <inkml:channelProperty channel="F" name="resolution" value="0" units="1/dev"/>
+        </inkml:channelProperties>
+      </inkml:inkSource>
+      <inkml:timestamp xml:id="ts0" timeString="2022-04-02T07:18:26.666"/>
+    </inkml:context>
+    <inkml:brush xml:id="br0">
+      <inkml:brushProperty name="width" value="0.08571" units="cm"/>
+      <inkml:brushProperty name="height" value="0.08571" units="cm"/>
+      <inkml:brushProperty name="color" value="#E71224"/>
+    </inkml:brush>
+  </inkml:definitions>
+  <inkml:trace contextRef="#ctx0" brushRef="#br0">76 45 14462,'-45'-15'437,"14"3"-280,58 12-112,18 0 0,27-2-45,10-1-337,0-2-693,-8 1-293,-11 1-514,-13 3-1,-11 3 1838,-14 8 0,-12-5 0,-8 4 0</inkml:trace>
+</inkml:ink>
+</file>
+
+<file path=ppt/ink/ink69.xml><?xml version="1.0" encoding="utf-8"?>
+<inkml:ink xmlns:inkml="http://www.w3.org/2003/InkML">
+  <inkml:definitions>
+    <inkml:context xml:id="ctx0">
+      <inkml:inkSource xml:id="inkSrc0">
+        <inkml:traceFormat>
+          <inkml:channel name="X" type="integer" min="-2.14748E9" max="2.14748E9" units="cm"/>
+          <inkml:channel name="Y" type="integer" min="-2.14748E9" max="2.14748E9" units="cm"/>
+          <inkml:channel name="F" type="integer" max="32767" units="dev"/>
+        </inkml:traceFormat>
+        <inkml:channelProperties>
+          <inkml:channelProperty channel="X" name="resolution" value="1000" units="1/cm"/>
+          <inkml:channelProperty channel="Y" name="resolution" value="1000" units="1/cm"/>
+          <inkml:channelProperty channel="F" name="resolution" value="0" units="1/dev"/>
+        </inkml:channelProperties>
+      </inkml:inkSource>
+      <inkml:timestamp xml:id="ts0" timeString="2022-04-02T07:18:26.898"/>
+    </inkml:context>
+    <inkml:brush xml:id="br0">
+      <inkml:brushProperty name="width" value="0.08571" units="cm"/>
+      <inkml:brushProperty name="height" value="0.08571" units="cm"/>
+      <inkml:brushProperty name="color" value="#E71224"/>
+    </inkml:brush>
+  </inkml:definitions>
+  <inkml:trace contextRef="#ctx0" brushRef="#br0">0 133 14731,'85'-24'33,"-1"-1"-55,-12 6-415,-3-1-650,-8 6-279,-10 2-327,-9 5-973,-6 2 2666,-8 2 0,-13 1 0,-4 0 0</inkml:trace>
+</inkml:ink>
+</file>
+
+<file path=ppt/ink/ink7.xml><?xml version="1.0" encoding="utf-8"?>
 <inkml:ink xmlns:inkml="http://www.w3.org/2003/InkML">
   <inkml:definitions>
     <inkml:context xml:id="ctx0">
@@ -514,7 +2054,7 @@
 </inkml:ink>
 </file>
 
-<file path=ppt/ink/ink20.xml><?xml version="1.0" encoding="utf-8"?>
+<file path=ppt/ink/ink70.xml><?xml version="1.0" encoding="utf-8"?>
 <inkml:ink xmlns:inkml="http://www.w3.org/2003/InkML">
   <inkml:definitions>
     <inkml:context xml:id="ctx0">
@@ -530,19 +2070,19 @@
           <inkml:channelProperty channel="F" name="resolution" value="0" units="1/dev"/>
         </inkml:channelProperties>
       </inkml:inkSource>
-      <inkml:timestamp xml:id="ts0" timeString="2022-04-02T07:17:52.703"/>
+      <inkml:timestamp xml:id="ts0" timeString="2022-04-02T07:18:27.444"/>
     </inkml:context>
     <inkml:brush xml:id="br0">
       <inkml:brushProperty name="width" value="0.08571" units="cm"/>
       <inkml:brushProperty name="height" value="0.08571" units="cm"/>
-      <inkml:brushProperty name="color" value="#004F8B"/>
+      <inkml:brushProperty name="color" value="#E71224"/>
     </inkml:brush>
   </inkml:definitions>
-  <inkml:trace contextRef="#ctx0" brushRef="#br0">72 65 9521,'8'2'3070,"-3"-1"-2286,-5-1 616,0 0-872,-13-19-204,9 11-133,-10-14-90,13 18-79,1 1-22,0 1 0,0-1-11,10 0 11,5 1-11,12 0-1,3 2 1,-1 0-45,-2 0 0,-3 8-78,-6 4-45,-3 11-12,-7 2 102,-3 3 55,-4-1 12,-1-2-1,-1-1 23,-8-3 0,-5-3 0,-8-5 11,-1-2 23,2-7 11,4-1 56,3-3 145,6 0-33,1 0 0,4 0 111,1 0-357,10 0 10,5 0-21,10 0-35,8 0-89,2 0-56,2 0 0,-4 0-11,-3 6-11,-7 6-102,-3 9 34,-6 4 1,-6 3 178,-3-3 79,-3 1 45,-5-4 11,-13 0 0,-9-5 22,-14-2-10,-2-4 21,-3-6-10,0-2-1,3-3 34,3 0-56,8 0-740,8-8-2241,12-4 2981,6-12 0,6 10 0,0 1 0</inkml:trace>
+  <inkml:trace contextRef="#ctx0" brushRef="#br0">1 68 10081,'0'-12'4190,"0"3"-3338,0 9-336,0 0-516,0-24-90,0 18 45,0-11 45,0 39 11,0 13 1,0 16 32,0 1-32,0 2-12,3-6-213,2-4-662,3-5-436,2-6-492,0-6-640,0-5 2443,-3-10 0,-3-4 0,-2-7 0</inkml:trace>
 </inkml:ink>
 </file>
 
-<file path=ppt/ink/ink21.xml><?xml version="1.0" encoding="utf-8"?>
+<file path=ppt/ink/ink71.xml><?xml version="1.0" encoding="utf-8"?>
 <inkml:ink xmlns:inkml="http://www.w3.org/2003/InkML">
   <inkml:definitions>
     <inkml:context xml:id="ctx0">
@@ -558,19 +2098,19 @@
           <inkml:channelProperty channel="F" name="resolution" value="0" units="1/dev"/>
         </inkml:channelProperties>
       </inkml:inkSource>
-      <inkml:timestamp xml:id="ts0" timeString="2022-04-02T07:17:54.564"/>
+      <inkml:timestamp xml:id="ts0" timeString="2022-04-02T07:18:27.662"/>
     </inkml:context>
     <inkml:brush xml:id="br0">
       <inkml:brushProperty name="width" value="0.08571" units="cm"/>
       <inkml:brushProperty name="height" value="0.08571" units="cm"/>
-      <inkml:brushProperty name="color" value="#004F8B"/>
+      <inkml:brushProperty name="color" value="#E71224"/>
     </inkml:brush>
   </inkml:definitions>
-  <inkml:trace contextRef="#ctx0" brushRef="#br0">168 296 8512,'1'-15'2309,"1"3"-1682,-2 12 269,0 0-604,-10-10-102,6 7-33,-11-8-56,8 11-90,-6 0 11,-2 5-22,-2 8 0,-2 10 23,0 11-23,1 5 22,1 4-22,8 0 11,3-3 0,5-4-11,1-5 34,13-7-34,9-9 0,19-6-213,13-6-78,7-3 45,5-7-34,-1-3-23,-5-11 90,-8-3 202,-11-3 11,-10-3 44,-11 0 103,-10 1 133,-6 2 22,-4 7-67,0 1-100,-7 5-91,-7 4-21,-9 4-12,-4 2 0,0 3-11,3 1-45,5 3 45,4 9 0,7 8-22,3 11 22,4 3-123,4 0-549,10-1-34,10-3 235,13-9 303,8-4 101,7-11 45,5-3 22,0-3 22,-6-9 202,-8-3 605,-11-14 191,-15-3-124,-7-3-22,-7-1-179,-2 3-348,-2 7-100,-1 5-180,-1 11-67,0 2-67,2 5 11,-2 0 56,0 8 0,-4 7 22,1 7-22,-1 3 0,3-5 11,2-6 0,1-2-11,2-9 12,0 1 66,0-4-78,0-5-67,13-8 11,5-10-23,13-3-122,2-1-113,-3 11-67,-4 6 11,-3 7-78,-5 9 34,-3 11-24,-4 8-32,-4 7 67,-1 0-57,0-4 68,3-4 235,2-7 112,2-9 45,2-3 0,1-5 11,4 0-11,-2-6 0,3-8 79,-2-10 324,-3-8 46,-4-9 167,-4-7-101,-5-8 191,-2-8 33,-1-3-268,0 2-56,0 13-102,0 13-156,-1 20-157,-1 10-56,-1 7-45,-3 11 101,-1 16 0,-3 20 34,1 16-23,3 7-11,3-3 0,1-5-168,4-9-358,8-11-561,3-7 0,9-11-717,0-7-830,-1-8 2634,0-4 0,-10-3 0,-2 0 0</inkml:trace>
+  <inkml:trace contextRef="#ctx0" brushRef="#br0">20 41 10036,'-11'-4'2286,"3"1"-1905,8 3-124,0 0-100,23-10-90,10 6-11,28-9-56,3 11-840,-1-1-504,-7 3-438,-9-2-1489,-9 2 3271,-7 0 0,-16 0 0,-4 0 0</inkml:trace>
 </inkml:ink>
 </file>
 
-<file path=ppt/ink/ink22.xml><?xml version="1.0" encoding="utf-8"?>
+<file path=ppt/ink/ink72.xml><?xml version="1.0" encoding="utf-8"?>
 <inkml:ink xmlns:inkml="http://www.w3.org/2003/InkML">
   <inkml:definitions>
     <inkml:context xml:id="ctx0">
@@ -586,19 +2126,19 @@
           <inkml:channelProperty channel="F" name="resolution" value="0" units="1/dev"/>
         </inkml:channelProperties>
       </inkml:inkSource>
-      <inkml:timestamp xml:id="ts0" timeString="2022-04-02T07:17:54.790"/>
+      <inkml:timestamp xml:id="ts0" timeString="2022-04-02T07:18:28.387"/>
     </inkml:context>
     <inkml:brush xml:id="br0">
       <inkml:brushProperty name="width" value="0.08571" units="cm"/>
       <inkml:brushProperty name="height" value="0.08571" units="cm"/>
-      <inkml:brushProperty name="color" value="#004F8B"/>
+      <inkml:brushProperty name="color" value="#E71224"/>
     </inkml:brush>
   </inkml:definitions>
-  <inkml:trace contextRef="#ctx0" brushRef="#br0">1 8 12176,'18'-4'460,"14"1"-460,24 4-6042,7 0 4496,-3 2 288,-5-1 1258,-10 3 0,-20-3 0,-9 1 0</inkml:trace>
+  <inkml:trace contextRef="#ctx0" brushRef="#br0">17 110 10697,'-14'27'303,"11"-5"-158,20-14-33,13-4-89,5-1 33,1-3-45,-7 0-11,-4-6 0,-9-6 11,-8-7 303,-3-5 347,-5 0-168,0-1-135,-3 4-167,-5 1-56,-4 8-90,-6 5-23,-2 4-44,0 3 22,-4 6-23,4 7 23,-1 12 0,6 6 0,5 6 0,6 0 12,2 4-1,12-1 22,10-6-10,17-4-23,9-9-112,6-7 56,2-8-12,-1-5 34,14-13 34,-25-4 46,6-15-1,-30-1 55,-6-4 136,-7 0 21,-4 0-100,-1 4 89,0 3-179,-6 8-67,-1 5-11,-6 8-67,-2 4 22,0 4 22,-1 8-22,0 5-235,5 9-56,3 5 157,7-5-35,1 2 158,9-8 11,7-3-23,13-8 79,8-2 11,3-3 34,1-6-45,-2-2 45,-4-5-23,-10 2 113,-8 1 22,-10 7-157,-4 0-135,-3 3 135,0 7-22,0 10 11,0 10-236,0 8-839,0 0-562,0-1-794,4-5 2442,10-7 0,-6-10 0,5-6 0</inkml:trace>
 </inkml:ink>
 </file>
 
-<file path=ppt/ink/ink23.xml><?xml version="1.0" encoding="utf-8"?>
+<file path=ppt/ink/ink73.xml><?xml version="1.0" encoding="utf-8"?>
 <inkml:ink xmlns:inkml="http://www.w3.org/2003/InkML">
   <inkml:definitions>
     <inkml:context xml:id="ctx0">
@@ -614,19 +2154,19 @@
           <inkml:channelProperty channel="F" name="resolution" value="0" units="1/dev"/>
         </inkml:channelProperties>
       </inkml:inkSource>
-      <inkml:timestamp xml:id="ts0" timeString="2022-04-02T07:17:55.179"/>
+      <inkml:timestamp xml:id="ts0" timeString="2022-04-02T07:18:29.018"/>
     </inkml:context>
     <inkml:brush xml:id="br0">
       <inkml:brushProperty name="width" value="0.08571" units="cm"/>
       <inkml:brushProperty name="height" value="0.08571" units="cm"/>
-      <inkml:brushProperty name="color" value="#004F8B"/>
+      <inkml:brushProperty name="color" value="#E71224"/>
     </inkml:brush>
   </inkml:definitions>
-  <inkml:trace contextRef="#ctx0" brushRef="#br0">1 106 14227,'1'-21'-79,"7"5"57,20 22 11,2 7-1,0 11 1,-3 7 11,-3 6-11,-3-2 11,-5 1 11,-4-7-11,-4-5 0,-3-7 11,-4-9 1,1-3 1254,-2-5-1109,0-9-90,0-6-45,0-12-10,3-5-1,0-7-11,7-4 0,-1-1-45,2 1-627,-1 7-807,1 10-673,3 13-459,5 7 2611,4 6 0,-10 0 0,-2 0 0</inkml:trace>
+  <inkml:trace contextRef="#ctx0" brushRef="#br0">236 412 13745,'-48'-19'28,"0"0"0,-33 1-28,56 35 34,6 14-34,10 0-11,4 1-68,5-5-279,2 0-293,12-6-189,10-6 325,11-6 425,4-6 90,-4-3 56,-7-8 179,-9-7 281,-9-8 55,-5-6-134,-4 3-111,-1 5-91,0 5-78,0 6-157,0 4 0,0 3-135,0 3 113,0 6-57,0 9-347,0 10-224,0 8 1,9-3-113,9-4-46,15-7 136,10-11 560,5-3 68,0-5 44,-7-3 56,-4-8 302,-13-7 595,-7-9 32,-10-7 46,-4-7-111,-3-8 121,-2-12-323,-5-6-69,-2-3-133,-6 3-158,2 12-122,1 16-158,4 15-78,0 15-78,5 6-46,-3 9 124,-1 19-11,-1 19 11,-1 25-33,4 6-281,2 3-123,3-7-179,10-8-270,6-11-312,14-9-270,4-11-269,2-8-1176,0-12 2913,-4-6 0,-15-4 0,-5-2 0</inkml:trace>
 </inkml:ink>
 </file>
 
-<file path=ppt/ink/ink24.xml><?xml version="1.0" encoding="utf-8"?>
+<file path=ppt/ink/ink74.xml><?xml version="1.0" encoding="utf-8"?>
 <inkml:ink xmlns:inkml="http://www.w3.org/2003/InkML">
   <inkml:definitions>
     <inkml:context xml:id="ctx0">
@@ -642,19 +2182,19 @@
           <inkml:channelProperty channel="F" name="resolution" value="0" units="1/dev"/>
         </inkml:channelProperties>
       </inkml:inkSource>
-      <inkml:timestamp xml:id="ts0" timeString="2022-04-02T07:17:55.812"/>
+      <inkml:timestamp xml:id="ts0" timeString="2022-04-02T07:18:30.145"/>
     </inkml:context>
     <inkml:brush xml:id="br0">
       <inkml:brushProperty name="width" value="0.08571" units="cm"/>
       <inkml:brushProperty name="height" value="0.08571" units="cm"/>
-      <inkml:brushProperty name="color" value="#004F8B"/>
+      <inkml:brushProperty name="color" value="#E71224"/>
     </inkml:brush>
   </inkml:definitions>
-  <inkml:trace contextRef="#ctx0" brushRef="#br0">85 123 10013,'-3'4'1659,"0"-1"-1659,3-3 33,-5 35-10,4-13-1,-3 29 1,4-26 10,1-4 80,10-8-113,6-6-135,8-4-246,4-3 179,-4 0 135,-3-7 56,-6-6 11,-8-11 22,-3-3 135,-4-7 269,-1-2-56,-3-2 67,-5-1-180,-6 6-156,-7 6-101,-4 10 0,-5 9-33,-1 5 33,-2 3-45,6 1 11,6 10 1,11 3 21,4 11-55,6-3-101,12 2-22,8-4-34,18-6 112,8-4 112,4-6 22,-1-3-11,-3-1 213,-5-1 258,-5-10 0,-4-3 168,-7-9-45,-2 4-45,-10 0-123,-3 7-146,-7 5-235,-2 4-212,-1 3 156,0 14 0,0 3 0,0 14 0,0-4 0,0-2-12,0-6 12,0-2-44,5-6-46,6-3-67,6-5-314,6-1-514,0-2-282,-1 0-637,-1 0-1021,-3-3 2925,-3-4 0,-7 3 0,-4-3 0</inkml:trace>
+  <inkml:trace contextRef="#ctx0" brushRef="#br0">1 106 11549,'6'8'583,"12"0"-326,29 5-78,9-4-89,5-2 33,0-5-11,1-1 90,-9-1 112,-6-1 201,-9-6 146,-12-2 57,-5-5-136,-12 2-67,-3 4-212,-6 1-124,0 5-268,0 1 78,-3 13-12,-4 5-78,1 15-146,0 4 1,5 0-56,1-2 134,5-7 44,10-6 124,9-9 0,5-6 0,1-5 23,-4-1 33,-1-6-11,-5-6 100,-3-8 146,-4-8-11,-4-1-77,-4 3-69,-4 3-56,-1 7-66,0 8-12,0 3-269,0 5 224,0 12-56,0 9-280,0 14 101,3 4-79,6-1-89,8-7 268,9-6 35,4-9-1,1-8-33,2-5 56,-6-3 67,-1-9 56,-8-7 11,-5-13 45,-5-7 11,-5-3 146,-1-5 89,-2-1-166,-2 1-24,-5 1-112,-8 10-23,-6 8 1,-6 13-34,2 6-68,-1 6-459,3 7 68,5 9-23,3 12-112,7 3 314,3 1 180,3-6 100,2-6 56,6-6 44,6-6 24,11-4 44,10-3 168,3-1 112,8-8-124,-3-1-122,2-8-68,-4 2-21,-3 2-57,-6 5-113,-4 5 80,-8 1 33,-3 2-11,-7 0-1,-3 6 12,-4 3 0,-1 5 23,0 0-23,0-4 0,0-5 0,0-2 1456,0-3-1377,6-7-57,7-7-22,9-10-11,10-4 0,2 2-79,-1 6 68,-4 6-57,-9 8 1,-5 3 22,-6 3-11,-5 1-23,-1 10 79,-3 7 22,0 11-22,0 2 22,0 0-11,0-4 0,0-3-11,1-7-202,5-4-246,5-6-202,6-4-751,3-1-672,5-2-1322,-5 0 3406,-4-11 0,-8 9 0,-5-9 0</inkml:trace>
 </inkml:ink>
 </file>
 
-<file path=ppt/ink/ink25.xml><?xml version="1.0" encoding="utf-8"?>
+<file path=ppt/ink/ink75.xml><?xml version="1.0" encoding="utf-8"?>
 <inkml:ink xmlns:inkml="http://www.w3.org/2003/InkML">
   <inkml:definitions>
     <inkml:context xml:id="ctx0">
@@ -670,19 +2210,19 @@
           <inkml:channelProperty channel="F" name="resolution" value="0" units="1/dev"/>
         </inkml:channelProperties>
       </inkml:inkSource>
-      <inkml:timestamp xml:id="ts0" timeString="2022-04-02T07:17:56.154"/>
+      <inkml:timestamp xml:id="ts0" timeString="2022-04-02T07:18:30.338"/>
     </inkml:context>
     <inkml:brush xml:id="br0">
       <inkml:brushProperty name="width" value="0.08571" units="cm"/>
       <inkml:brushProperty name="height" value="0.08571" units="cm"/>
-      <inkml:brushProperty name="color" value="#004F8B"/>
+      <inkml:brushProperty name="color" value="#E71224"/>
     </inkml:brush>
   </inkml:definitions>
-  <inkml:trace contextRef="#ctx0" brushRef="#br0">7 58 9991,'0'-9'3945,"0"1"-3206,0 8-11,0 0-616,-3-16-100,2 10 10,-2-11-22,3 15-5312,0 2 5312,3 0 0,-2 0 0,2 0 0</inkml:trace>
+  <inkml:trace contextRef="#ctx0" brushRef="#br0">1 17 12927,'28'-9'-803,"-12"1"0,-5 8 0</inkml:trace>
 </inkml:ink>
 </file>
 
-<file path=ppt/ink/ink26.xml><?xml version="1.0" encoding="utf-8"?>
+<file path=ppt/ink/ink76.xml><?xml version="1.0" encoding="utf-8"?>
 <inkml:ink xmlns:inkml="http://www.w3.org/2003/InkML">
   <inkml:definitions>
     <inkml:context xml:id="ctx0">
@@ -698,19 +2238,19 @@
           <inkml:channelProperty channel="F" name="resolution" value="0" units="1/dev"/>
         </inkml:channelProperties>
       </inkml:inkSource>
-      <inkml:timestamp xml:id="ts0" timeString="2022-04-02T07:17:57.204"/>
+      <inkml:timestamp xml:id="ts0" timeString="2022-04-02T07:18:30.961"/>
     </inkml:context>
     <inkml:brush xml:id="br0">
       <inkml:brushProperty name="width" value="0.08571" units="cm"/>
       <inkml:brushProperty name="height" value="0.08571" units="cm"/>
-      <inkml:brushProperty name="color" value="#004F8B"/>
+      <inkml:brushProperty name="color" value="#E71224"/>
     </inkml:brush>
   </inkml:definitions>
-  <inkml:trace contextRef="#ctx0" brushRef="#br0">243 439 7650,'11'0'2263,"-2"0"-1546,-9 0 1434,0 0-1355,7-20 78,-5 11-101,5-18-291,-7 16-124,-9-2-11,-3 4-234,-11-2-35,-3 5-78,-3 1 0,-1 4-22,-1 1 11,1 7-12,2 10 12,4 14-11,4 9-147,10 3-290,4-4-90,6-6-258,19-8-134,7-10 145,25-6 180,4-6 404,-2-3 212,-6-9 44,-14-7 46,-9-13 324,-12-10 202,-6-7 248,-5-10-58,-1-9-3649,0-5 3280,0-2 0,-7 7-112,-1 13-89,-3 15-57,3 17-157,3 10-22,3 7 3269,-1 3-3370,-1 6 90,-5 18 11,-4 18 11,0 23-11,4 11 11,3 2-11,6-1-100,10-9-68,10-7-147,17-13 125,9-9-12,5-15 102,1-10 32,-1-10 68,-5-4 0,-5-6 12,-8-9 44,-7-10-12,-6-10 80,-6-4 10,-4-6-11,-5-1 0,-2 3-33,-3 4-56,0 12-34,-6 5-56,-5 11 22,-11 5 0,-6 4 23,-2 2-22,4 2-12,5 6-11,9 3-34,6 7-67,4 1 68,2 2-46,12-1-21,5-2-12,18-3 11,4-5 0,6-3-79,2-2-66,-1-4-101,3 2-101,-3-1 100,0 5-22,-5-2 101,-6 5 236,-11-1 33,-8 3 44,-9 0-10,-4 1 22,-3 3 0,-12 1 45,-8 0 56,-17 1 78,-7-1-45,-6-1-67,-3-2-22,-1-4-11,0-2-34,4-4-728,6-1-2466,6-3 3194,10 0 0,13 0 0,6 0 0</inkml:trace>
+  <inkml:trace contextRef="#ctx0" brushRef="#br0">1 21 15202,'0'-12'739,"0"3"-605,0 9-100,13 0-23,9 0-11,19 0-168,7 0-919,3 0-1008,-2 0-1300,-3 0 3395,-5 0 0,-18 0 0,-7 0 0</inkml:trace>
 </inkml:ink>
 </file>
 
-<file path=ppt/ink/ink27.xml><?xml version="1.0" encoding="utf-8"?>
+<file path=ppt/ink/ink77.xml><?xml version="1.0" encoding="utf-8"?>
 <inkml:ink xmlns:inkml="http://www.w3.org/2003/InkML">
   <inkml:definitions>
     <inkml:context xml:id="ctx0">
@@ -726,7 +2266,7 @@
           <inkml:channelProperty channel="F" name="resolution" value="0" units="1/dev"/>
         </inkml:channelProperties>
       </inkml:inkSource>
-      <inkml:timestamp xml:id="ts0" timeString="2022-04-02T07:18:02.586"/>
+      <inkml:timestamp xml:id="ts0" timeString="2022-04-02T07:18:31.396"/>
     </inkml:context>
     <inkml:brush xml:id="br0">
       <inkml:brushProperty name="width" value="0.08571" units="cm"/>
@@ -734,11 +2274,11 @@
       <inkml:brushProperty name="color" value="#E71224"/>
     </inkml:brush>
   </inkml:definitions>
-  <inkml:trace contextRef="#ctx0" brushRef="#br0">79 32 14911,'-18'-21'-91,"4"11"-441,10 67 532,2-14-3915,-4 56 3725,2-50-119,1 7-1406,0-24-324,1-8-1759,-3-7 3845,-3-9 0,4-5 0,-2-3 0</inkml:trace>
+  <inkml:trace contextRef="#ctx0" brushRef="#br0">12 31 11190,'-2'-17'2466,"1"4"-2343,1 13-134,0 0 11,-2 6 22,2 9 34,-1 11-34,1 11 46,0 4-46,0 4 12,0-3 55,0-2-78,0-6 90,0-6-11,0-5 178,-2-8 24,2-5 190,-2-6 11,1-3 1400,1-1-1904,19-6 11,7 0-56,25-4-134,2 1-225,4 4-257,-1 2-280,1 1-695,-6 2-472,-1 0-625,-9 0 2744,-7 0 0,-17 0 0,-7 0 0</inkml:trace>
 </inkml:ink>
 </file>
 
-<file path=ppt/ink/ink28.xml><?xml version="1.0" encoding="utf-8"?>
+<file path=ppt/ink/ink78.xml><?xml version="1.0" encoding="utf-8"?>
 <inkml:ink xmlns:inkml="http://www.w3.org/2003/InkML">
   <inkml:definitions>
     <inkml:context xml:id="ctx0">
@@ -754,7 +2294,7 @@
           <inkml:channelProperty channel="F" name="resolution" value="0" units="1/dev"/>
         </inkml:channelProperties>
       </inkml:inkSource>
-      <inkml:timestamp xml:id="ts0" timeString="2022-04-02T07:18:02.824"/>
+      <inkml:timestamp xml:id="ts0" timeString="2022-04-02T07:18:31.670"/>
     </inkml:context>
     <inkml:brush xml:id="br0">
       <inkml:brushProperty name="width" value="0.08571" units="cm"/>
@@ -762,11 +2302,11 @@
       <inkml:brushProperty name="color" value="#E71224"/>
     </inkml:brush>
   </inkml:definitions>
-  <inkml:trace contextRef="#ctx0" brushRef="#br0">1 82 13184,'10'-15'505,"17"1"-449,40 4-56,9-4-56,1 2-415,-5 2-772,-11 5-696,-10 3-817,-15 2 2756,-11 0 0,-14 0 0,-7 0 0</inkml:trace>
+  <inkml:trace contextRef="#ctx0" brushRef="#br0">53 10 10417,'-9'-5'3048,"2"0"-2689,7 5-348,0 0-11,-12 14 22,6 9 34,-8 16-56,11 9 23,2 2-1,1-1 12,0 0-1,0-6-33,0-1-526,0-7-1121,0-3-1503,0-6 3150,0-8 0,0-7 0,0-7 0</inkml:trace>
 </inkml:ink>
 </file>
 
-<file path=ppt/ink/ink29.xml><?xml version="1.0" encoding="utf-8"?>
+<file path=ppt/ink/ink79.xml><?xml version="1.0" encoding="utf-8"?>
 <inkml:ink xmlns:inkml="http://www.w3.org/2003/InkML">
   <inkml:definitions>
     <inkml:context xml:id="ctx0">
@@ -782,19 +2322,19 @@
           <inkml:channelProperty channel="F" name="resolution" value="0" units="1/dev"/>
         </inkml:channelProperties>
       </inkml:inkSource>
-      <inkml:timestamp xml:id="ts0" timeString="2022-04-02T07:18:03.044"/>
+      <inkml:timestamp xml:id="ts0" timeString="2022-04-02T07:18:36.295"/>
     </inkml:context>
     <inkml:brush xml:id="br0">
       <inkml:brushProperty name="width" value="0.08571" units="cm"/>
       <inkml:brushProperty name="height" value="0.08571" units="cm"/>
-      <inkml:brushProperty name="color" value="#E71224"/>
+      <inkml:brushProperty name="color" value="#008C3A"/>
     </inkml:brush>
   </inkml:definitions>
-  <inkml:trace contextRef="#ctx0" brushRef="#br0">27 89 10114,'-15'0'2656,"3"0"-2141,12 0-88,0 0-215,11 0-144,20 0-24,22-8-44,21-3-448,3-6-594,-3 0-728,-10 5-371,-11 2 2141,-16 3 0,-17 3 0,-9 1 0</inkml:trace>
+  <inkml:trace contextRef="#ctx0" brushRef="#br0">0 508 12714,'0'-23'661,"0"5"-582,0 18-146,0 0 67,0 9 0,0 7 33,5 16-33,3 9 12,7 7 21,5 8-33,1 2 0,4 2 34,1 4-34,3-4 22,4 2 1,1-2-23,4-1 0,1 0 0,2-4 33,2-1-22,4-8 23,4 0-34,8-7 11,9 0 12,12-3-422,12-2 410,-41-18 1,2 0-7,2-2 1,2 0-6,3 0 0,0 0 0,3-2 0,2-1 0,1-1 0,2 0 11,1-1 0,0-1-1442,2-2 1,0-2 1435,0 1 1,1-1-6,-1-1 0,0 0-242,0-1 1,-1 0 241,-1 0 0,0-1 0,-2 0 0,0 0 5,-2-1 1,-1 0-138,0 0 0,-2 0 132,-2 0 0,-2 0 0,0-2 0,-1-1 6,-3 0 0,0-3-6,-2-2 0,1-2 11,-2-1 0,1-1-11,-1-2 0,0-2 0,-1 0 0,-1 0 28,1-3 0,0-1-28,-3-1 0,-1-1 52,0-1 0,-2 0-63,42-28-1,-5 0-21,-2-7-12,-2-2 11,-2-4 45,-38 30 1,-2-2-35,31-34 46,-4-5-23,-9 2 22,-6-2 12,-6 0-23,-8 2 112,-4 2 2567,-6 6-2365,-5 5-101,-5 11 699,-2 5-755,-6 8-34,3 5-67,-4 5 563,0 5-518,0-2-34,-1 2 23,0-1 255,1-2-323,-3 0 79,1 0-56,-2-1-33,0 3-1,0 1-11,0 6-11,0 4 0,0 7-22,0 2-1827,0 2 426,0 9-1154,0 5 2577,-7 11 0,5-10 0,-6-3 0</inkml:trace>
 </inkml:ink>
 </file>
 
-<file path=ppt/ink/ink3.xml><?xml version="1.0" encoding="utf-8"?>
+<file path=ppt/ink/ink8.xml><?xml version="1.0" encoding="utf-8"?>
 <inkml:ink xmlns:inkml="http://www.w3.org/2003/InkML">
   <inkml:definitions>
     <inkml:context xml:id="ctx0">
@@ -822,7 +2362,7 @@
 </inkml:ink>
 </file>
 
-<file path=ppt/ink/ink30.xml><?xml version="1.0" encoding="utf-8"?>
+<file path=ppt/ink/ink80.xml><?xml version="1.0" encoding="utf-8"?>
 <inkml:ink xmlns:inkml="http://www.w3.org/2003/InkML">
   <inkml:definitions>
     <inkml:context xml:id="ctx0">
@@ -838,19 +2378,19 @@
           <inkml:channelProperty channel="F" name="resolution" value="0" units="1/dev"/>
         </inkml:channelProperties>
       </inkml:inkSource>
-      <inkml:timestamp xml:id="ts0" timeString="2022-04-02T07:18:03.322"/>
+      <inkml:timestamp xml:id="ts0" timeString="2022-04-02T07:18:37.080"/>
     </inkml:context>
     <inkml:brush xml:id="br0">
       <inkml:brushProperty name="width" value="0.08571" units="cm"/>
       <inkml:brushProperty name="height" value="0.08571" units="cm"/>
-      <inkml:brushProperty name="color" value="#E71224"/>
+      <inkml:brushProperty name="color" value="#008C3A"/>
     </inkml:brush>
   </inkml:definitions>
-  <inkml:trace contextRef="#ctx0" brushRef="#br0">0 31 10496,'0'-10'3798,"0"3"-3181,0 7-449,0 0-224,0-12-34,0 10 90,0 22 0,0 11 11,0 29 0,0-12 12,3 1-23,1-6-371,2-1-984,1-9-852,1-3-438,-1-9 2645,1-9 0,-5-6 0,0-6 0</inkml:trace>
+  <inkml:trace contextRef="#ctx0" brushRef="#br0">17 521 9621,'-10'0'2331,"3"0"-1849,7 0 952,0 0-1333,9-3 11,6-6 34,10-5 10,8-6-55,-2-5 101,5-4-34,0-5 1,2-7 88,3-5-122,0-5 21,1-4-21,-2 2-1,-4 7 79,-8 8-101,-8 12-34,-9 10 12,-6 6-45,-4 7-45,-1 1-157,0 2 101,3 0 34,2 6 22,6 6 11,4 12-11,3 7-23,1 7 23,-2 1 12,0 2 10,-2 0-33,1-1 22,-1 0-11,1-3 0,2-1-11,1-4-90,3-3-157,2-3-257,0-7-426,0-4-1154,-3-5-1603,-2-3 3698,-6-4 0,-7-1 0,-3-2 0</inkml:trace>
 </inkml:ink>
 </file>
 
-<file path=ppt/ink/ink31.xml><?xml version="1.0" encoding="utf-8"?>
+<file path=ppt/ink/ink81.xml><?xml version="1.0" encoding="utf-8"?>
 <inkml:ink xmlns:inkml="http://www.w3.org/2003/InkML">
   <inkml:definitions>
     <inkml:context xml:id="ctx0">
@@ -866,19 +2406,19 @@
           <inkml:channelProperty channel="F" name="resolution" value="0" units="1/dev"/>
         </inkml:channelProperties>
       </inkml:inkSource>
-      <inkml:timestamp xml:id="ts0" timeString="2022-04-02T07:18:03.542"/>
+      <inkml:timestamp xml:id="ts0" timeString="2022-04-02T07:18:38.204"/>
     </inkml:context>
     <inkml:brush xml:id="br0">
       <inkml:brushProperty name="width" value="0.08571" units="cm"/>
       <inkml:brushProperty name="height" value="0.08571" units="cm"/>
-      <inkml:brushProperty name="color" value="#E71224"/>
+      <inkml:brushProperty name="color" value="#008C3A"/>
     </inkml:brush>
   </inkml:definitions>
-  <inkml:trace contextRef="#ctx0" brushRef="#br0">1 38 13252,'31'-8'157,"9"2"-359,17 3-616,2-1-750,-2-1-337,-7 0 1905,-8 2 0,-19 1 0,-9 0 0</inkml:trace>
+  <inkml:trace contextRef="#ctx0" brushRef="#br0">17 698 8837,'-5'0'1681,"0"0"-673,5 0 79,-1 0-516,-1 0-77,0-2-147,1 0 79,1-1 78,0 0-56,0-4-313,0-2-46,0-7-77,0-9 55,0-11-45,0-12-22,0-13 56,0-12-33,0-11 10,1-4-10,7 8-23,1 13 0,3 21 0,-3 18 0,-5 15-12,-1 8-55,-3 3-190,0 2 212,7 0 0,8 26 56,3-4-22,5 27 11,-4-10 0,0 9 0,1 1 11,0 1-11,1-1 0,-1-9-78,1-6-169,-2-11-157,1-6-133,0-5-461,5-4-1119,4-4-1211,8-1 3328,3-3 0,-17 0 0,-4 0 0</inkml:trace>
 </inkml:ink>
 </file>
 
-<file path=ppt/ink/ink32.xml><?xml version="1.0" encoding="utf-8"?>
+<file path=ppt/ink/ink82.xml><?xml version="1.0" encoding="utf-8"?>
 <inkml:ink xmlns:inkml="http://www.w3.org/2003/InkML">
   <inkml:definitions>
     <inkml:context xml:id="ctx0">
@@ -894,19 +2434,19 @@
           <inkml:channelProperty channel="F" name="resolution" value="0" units="1/dev"/>
         </inkml:channelProperties>
       </inkml:inkSource>
-      <inkml:timestamp xml:id="ts0" timeString="2022-04-02T07:18:04.291"/>
+      <inkml:timestamp xml:id="ts0" timeString="2022-04-02T07:18:39.262"/>
     </inkml:context>
     <inkml:brush xml:id="br0">
       <inkml:brushProperty name="width" value="0.08571" units="cm"/>
       <inkml:brushProperty name="height" value="0.08571" units="cm"/>
-      <inkml:brushProperty name="color" value="#E71224"/>
+      <inkml:brushProperty name="color" value="#008C3A"/>
     </inkml:brush>
   </inkml:definitions>
-  <inkml:trace contextRef="#ctx0" brushRef="#br0">96 89 10563,'-9'-7'2711,"1"1"-2542,8 6-113,0 0-56,-10-2 11,8 5 23,-8 1-1,10 4 57,7 1-57,5-2-21,24-4-91,-14-1 79,9-2 0,-22-2 23,-5-6-12,-1-3-11,-3-7 201,0-1 202,-3 0 45,-5 4-144,-4 4-248,-6 6-56,-1 4-23,-3 1-10,-2 8 21,2 7-10,1 16 22,4 8 0,9 9 0,2 0 0,12 0 0,13-7-169,13-7-312,15-10 100,9-12 123,2-6 146,-1-6 68,-6-8 44,-11-6 11,-8-8 11,-14-7 79,-5-2 78,-8-3 56,-4 0 23,-1 0-1,0 5-21,-1 5-124,-5 7-112,-5 7 0,-5 5-33,-2 3 10,-2 2-11,2 0 0,0 5 1,6 2-23,3 5-23,6 0 1,1 1 56,2-4 10,9 0-10,8-6 11,11-1 11,8-2 33,2-5-10,0-5-12,-4-6-11,-4-1 22,-9 3 12,-6 6-34,-9 4-11,-3 3-157,-3 1 134,0 13 34,0 9 0,0 16 0,0 7-224,0 4-628,0 0-570,0-1-180,6-7-248,8-7 1850,12-10 0,-9-12 0,-1-6 0</inkml:trace>
+  <inkml:trace contextRef="#ctx0" brushRef="#br0">20 276 9913,'-6'-7'2275,"2"1"-1984,4 6-336,0 0 45,-4 9 45,3 14-12,-4 17-10,5 15-12,0 5-11,0-2 34,0-3-34,0-9 44,3-10-44,1-11 12,1-11 21,-2-7 124,0-5 56,-1 0-68,1-8-77,-1-14 67,-1-15 78,-1-18-68,0-11-22,0-8 68,0-5-23,0 2 0,0 11-79,0 12 113,0 21-180,0 13-22,0 11-168,0 6-22,0 1 145,0 6 45,0 9-45,0 11-89,0 6 22,3 1 11,1-5 12,5-4-12,2-7 90,3-7 11,3-5 11,2-4 34,6-7-23,0-12-22,1-12 34,-2-14 33,-2-6 56,-1 1 123,-7 2 113,-2 11-124,-8 14-235,-1 11-34,-3 8-167,0 6 189,0 17 12,0 14 12,-2 19-12,0 8 0,0 1-124,1-1-514,1-4-315,3-5-1052,8-6-192,7-8 2197,10-6 0,-11-17 0,-2-5 0</inkml:trace>
 </inkml:ink>
 </file>
 
-<file path=ppt/ink/ink33.xml><?xml version="1.0" encoding="utf-8"?>
+<file path=ppt/ink/ink83.xml><?xml version="1.0" encoding="utf-8"?>
 <inkml:ink xmlns:inkml="http://www.w3.org/2003/InkML">
   <inkml:definitions>
     <inkml:context xml:id="ctx0">
@@ -922,19 +2462,19 @@
           <inkml:channelProperty channel="F" name="resolution" value="0" units="1/dev"/>
         </inkml:channelProperties>
       </inkml:inkSource>
-      <inkml:timestamp xml:id="ts0" timeString="2022-04-02T07:18:04.965"/>
+      <inkml:timestamp xml:id="ts0" timeString="2022-04-02T07:18:39.914"/>
     </inkml:context>
     <inkml:brush xml:id="br0">
       <inkml:brushProperty name="width" value="0.08571" units="cm"/>
       <inkml:brushProperty name="height" value="0.08571" units="cm"/>
-      <inkml:brushProperty name="color" value="#E71224"/>
+      <inkml:brushProperty name="color" value="#008C3A"/>
     </inkml:brush>
   </inkml:definitions>
-  <inkml:trace contextRef="#ctx0" brushRef="#br0">223 504 16636,'-20'-50'179,"-1"0"0,-16-29-179,14 77-11,0 2 0,-2 11 11,4 7-45,0 11 34,6 8-67,5-2-169,5 2-89,4-7-34,5-5-78,10-8 213,8-8 89,8-5 90,1-4 56,-1-10 23,-4-7 10,-2-12 102,-7-3 189,-5-1 12,-8 3-33,-2 2-57,-2 6-111,0 7-90,0 6-45,0 6-213,0 3 201,-2 12 12,0 8-168,1 13-112,-1 3-179,4-2-270,13-8-166,7-6 289,19-11 393,5-5 191,4-7 22,-3-10 45,-6-8 100,-8-11 282,-10-4 211,-10-5 203,-7 0-281,-4-6-90,-2-3-44,0-1-135,-3-2-11,-4 5-100,-2 7-68,-2 9-45,1 13-67,4 9-34,-1 7-67,3 3 79,-1 14 22,-2 10 0,2 21 0,2 10-56,1 3-179,2 1-146,6-4-56,6-4-123,8-8-135,6-6-291,3-12 123,3-6-358,-1-10-348,0-4-661,-5-4 2230,-4-2 0,-11 0 0,-5 0 0</inkml:trace>
+  <inkml:trace contextRef="#ctx0" brushRef="#br0">279 395 13835,'-52'-31'26,"1"0"0,3-1 0,8 14-138,18 29 112,-2 5-56,5 14-22,6 3-68,5 4 135,7-2-135,4-1-101,9-4 34,8-7 180,12-6 66,1-10 46,2-4 55,-4-3-55,-2-12-1,-8-5 124,-3-14 246,-8-3-22,-4 3-124,-4 2 147,-2 9-281,0 8-146,0 4-22,0 6-347,0 0 314,0 10 21,0 6-201,0 8 0,3 6 79,6-4 22,6-4 33,10-6 23,6-7 23,4-4 10,4-3 23,0-6 0,-4-9 45,-2-10-23,-10-12 146,-7-7 269,-6-9 124,-7-10-68,-2-1-124,-1 0-89,0 10 1,0 15-169,-3 16-112,0 13-157,-2 7 34,-1 16 123,0 15 11,1 23-11,2 13 11,2 5-3403,1-5 3348,0-6-69,5-7-324,7-10-268,8-6-203,6-10-224,4-5-1075,3-8-1143,0-5 3350,-1-4 0,-14-3 0,-5 0 0</inkml:trace>
 </inkml:ink>
 </file>
 
-<file path=ppt/ink/ink34.xml><?xml version="1.0" encoding="utf-8"?>
+<file path=ppt/ink/ink84.xml><?xml version="1.0" encoding="utf-8"?>
 <inkml:ink xmlns:inkml="http://www.w3.org/2003/InkML">
   <inkml:definitions>
     <inkml:context xml:id="ctx0">
@@ -950,19 +2490,19 @@
           <inkml:channelProperty channel="F" name="resolution" value="0" units="1/dev"/>
         </inkml:channelProperties>
       </inkml:inkSource>
-      <inkml:timestamp xml:id="ts0" timeString="2022-04-02T07:18:05.196"/>
+      <inkml:timestamp xml:id="ts0" timeString="2022-04-02T07:18:41.320"/>
     </inkml:context>
     <inkml:brush xml:id="br0">
       <inkml:brushProperty name="width" value="0.08571" units="cm"/>
       <inkml:brushProperty name="height" value="0.08571" units="cm"/>
-      <inkml:brushProperty name="color" value="#E71224"/>
+      <inkml:brushProperty name="color" value="#008C3A"/>
     </inkml:brush>
   </inkml:definitions>
-  <inkml:trace contextRef="#ctx0" brushRef="#br0">0 0 12456,'23'5'1927,"6"-1"-1792,20-1-79,7-1-56,2-2-11,5 0-1580,-2 0-2364,-1 0 3955,-8 0 0,-24 0 0,-9 0 0</inkml:trace>
+  <inkml:trace contextRef="#ctx0" brushRef="#br0">33 279 9823,'-18'-2'2118,"3"1"-1815,15 1 156,0 0-269,13-5-100,17 4 55,18-3-133,17 4 55,0 0-56,-1 0 11,-3 0-22,-10-2 23,-7 0-46,-14-1 46,-9-1-23,-13 1 146,-4 0 123,-2-2 22,-2 1-45,2-1-22,-2 3 427,0 1-562,-7 1-44,-6 9-22,-5 6-1,-3 15-22,6 6-56,2 3 56,8 3 34,2-4-34,3-1 22,7-10 0,6-7 34,14-10-56,6-5-44,6-4-136,4-5-44,-3-11 67,-1-10 45,-10-14 45,-3-5 44,-6-10 46,-5-6-23,-2-4 44,-5-2 1,-1 9 157,-4 10 157,-2 15-157,-1 13-102,0 9-100,0 7-44,-4 1-57,-3 4 22,-8 16 35,-1 11 21,-3 20 23,5 8 0,4 1 0,5-2 11,4-3-22,1-8-11,0-10 22,0-8 0,0-11 22,0-8 45,0-5 79,0-3 56,2 0-135,5-6-45,8-9 1,5-11-23,6-9-23,3 1 1,1 3 22,0 8-11,-6 6-135,-4 8 0,-6 4-55,-4 5-114,1 0 2,-2 2 212,1 10-11,-4 5-112,-1 10 101,-3 2 33,-1-3-33,1 1 45,1-5-169,4-3 56,2-2 46,6-7 33,0-3 11,6-4 34,0-3 67,4 0 0,1-7 0,-2-6 112,-3-9 100,-6-5 204,-4-3 166,-6 1-22,-2 2-67,-3 6-134,0 5-124,0 7-157,0 4-78,0 4-67,0 1 11,-4 0 0,-2 12 23,-4 6 10,5 13-33,1 3-213,4-2-44,0-3 21,4-2-22,7-7 57,9-5 223,8-9 34,3-3 11,2-3 34,-3-7 45,-4-9 111,-6-8 326,-7-7-34,-5 2-168,-5 3-11,-1 6-169,-2 8-134,0 4-11,0 6-168,0 1 168,-8 8 12,-1 6-12,-6 7 0,2 0 0,5-4 0,2-7-12,4-4 12,0-4-201,2-1-202,8-12-135,5-4 347,12-13-89,3 0 56,2 4 112,-5 8-34,-9 9-89,-3 5 101,-8 3 89,-2 8 23,0 4-23,-3 9-90,3 3-157,-1-2-290,3-2-147,-2-3-10,4-5-79,-2-3-695,0-6 1513,0-1 0,-4-2 0,1 0 0</inkml:trace>
 </inkml:ink>
 </file>
 
-<file path=ppt/ink/ink35.xml><?xml version="1.0" encoding="utf-8"?>
+<file path=ppt/ink/ink85.xml><?xml version="1.0" encoding="utf-8"?>
 <inkml:ink xmlns:inkml="http://www.w3.org/2003/InkML">
   <inkml:definitions>
     <inkml:context xml:id="ctx0">
@@ -978,19 +2518,19 @@
           <inkml:channelProperty channel="F" name="resolution" value="0" units="1/dev"/>
         </inkml:channelProperties>
       </inkml:inkSource>
-      <inkml:timestamp xml:id="ts0" timeString="2022-04-02T07:18:06.570"/>
+      <inkml:timestamp xml:id="ts0" timeString="2022-04-02T07:18:41.543"/>
     </inkml:context>
     <inkml:brush xml:id="br0">
       <inkml:brushProperty name="width" value="0.08571" units="cm"/>
       <inkml:brushProperty name="height" value="0.08571" units="cm"/>
-      <inkml:brushProperty name="color" value="#E71224"/>
+      <inkml:brushProperty name="color" value="#008C3A"/>
     </inkml:brush>
   </inkml:definitions>
-  <inkml:trace contextRef="#ctx0" brushRef="#br0">13 99 7750,'-2'-15'2869,"1"3"-1738,1 12 551,0 0-1089,0-20-67,0 15-133,0-14-113,0 19-11,-2 0-269,1 0 0,-3 0-45,3 1 45,-1 10 23,2 7-23,0 11 0,0 2 0,3 0-168,5-6-146,7-3-90,5-6 124,6-6 90,0-5 190,4-4 11,-4-4 45,-1-10 56,-7-8 392,-5-11 34,-5-1-56,-5 2-157,-1 9-180,-2 8-145,0 8 0,0 4-67,0 2-34,0 5 101,-3 11 0,2 9-67,-2 13-101,3-4-202,0 0 57,12-8-58,5-9 2,15-6 10,1-7 169,-1-3 168,-4-5 22,-5-9 22,-8-9-11,-7-7 23,-5-3 56,-3 0 89,0-2 78,-9 4-100,-1 5-146,-13 8-11,-3 8-11,-5 5 0,-4 4 0,0 0-34,6 7 0,4 3-22,10 4-45,7 0 33,5-3 79,3-1 0,8-5 23,8-2 22,12-3-1,10 0-32,3 0 32,2-3-32,1-2-12,0-4-12,2 1-44,-1 3-22,-6 1-23,-6 4 79,-7 7-23,-10 6 34,-6 8 11,-5 6-11,-5 1 11,0-4 0,0-4 0,0-6 22,0-6 56,0-4 1402,0-3-1312,0-10-12,0-8-66,0-11-56,10-8 55,4 3-89,12 1 0,-1 6-11,0 8-23,-6 6-22,-2 7 23,-1 3-23,-4 2 11,0 10-45,-5 5 79,-2 13-22,-3 6-35,-2 2 12,0-2 12,0-2-24,1-6-178,4-7-101,5-4-136,6-10-267,7 0-326,5-5-649,2 0-741,-4-6 2466,-6-6 0,-10 3 0,-6-1 0</inkml:trace>
+  <inkml:trace contextRef="#ctx0" brushRef="#br0">12 16 13218,'-11'-13'-840,"13"10"-213,21 15-539,15 11-1086,5 2 2678,3 1 0,-20-11 0,-6-4 0</inkml:trace>
 </inkml:ink>
 </file>
 
-<file path=ppt/ink/ink36.xml><?xml version="1.0" encoding="utf-8"?>
+<file path=ppt/ink/ink86.xml><?xml version="1.0" encoding="utf-8"?>
 <inkml:ink xmlns:inkml="http://www.w3.org/2003/InkML">
   <inkml:definitions>
     <inkml:context xml:id="ctx0">
@@ -1006,19 +2546,19 @@
           <inkml:channelProperty channel="F" name="resolution" value="0" units="1/dev"/>
         </inkml:channelProperties>
       </inkml:inkSource>
-      <inkml:timestamp xml:id="ts0" timeString="2022-04-02T07:18:06.808"/>
+      <inkml:timestamp xml:id="ts0" timeString="2022-04-02T07:18:42.211"/>
     </inkml:context>
     <inkml:brush xml:id="br0">
       <inkml:brushProperty name="width" value="0.08571" units="cm"/>
       <inkml:brushProperty name="height" value="0.08571" units="cm"/>
-      <inkml:brushProperty name="color" value="#E71224"/>
+      <inkml:brushProperty name="color" value="#008C3A"/>
     </inkml:brush>
   </inkml:definitions>
-  <inkml:trace contextRef="#ctx0" brushRef="#br0">22 35 15571,'-13'-19'-2443,"4"3"-1792,24 16 4235,8 2 0,-4-2 0,-2 2 0</inkml:trace>
+  <inkml:trace contextRef="#ctx0" brushRef="#br0">213 113 15191,'-11'-54'806,"-1"11"-705,-4 38-68,-2 3-21,2 1-24,-2 1-55,1 3 34,2 8 10,2 7-44,5 8-146,3 1-392,4 0-168,1-1 101,6-5-102,7-5 741,8-9 33,8-2 0,-3-5 101,-2-8 179,-5-6 180,-5-11 144,-4-6 237,-5-2-303,-2 4-180,-3 5-67,0 7-89,0 8-202,0 5-157,0 4 112,0 18 45,0 9 0,-3 24 11,1 6-11,-3 9 12,3-1-12,1 5 33,1-4-22,0-1-11,0-5 0,0-4-11,0-8 34,0-5-35,-2-8 12,-2-5 0,-5-8 0,-5-5 57,-6-6 10,-3-6 0,-6-4 45,2-10-56,-2-13 0,5-18-33,5-16 44,7-10-67,6-6-22,5 0-46,6 4-133,11 10-304,10 9-884,8 16-169,5 11-604,-1 14-774,2 5 2936,-3 3 0,-17 0 0,-4 0 0</inkml:trace>
 </inkml:ink>
 </file>
 
-<file path=ppt/ink/ink37.xml><?xml version="1.0" encoding="utf-8"?>
+<file path=ppt/ink/ink87.xml><?xml version="1.0" encoding="utf-8"?>
 <inkml:ink xmlns:inkml="http://www.w3.org/2003/InkML">
   <inkml:definitions>
     <inkml:context xml:id="ctx0">
@@ -1034,19 +2574,19 @@
           <inkml:channelProperty channel="F" name="resolution" value="0" units="1/dev"/>
         </inkml:channelProperties>
       </inkml:inkSource>
-      <inkml:timestamp xml:id="ts0" timeString="2022-04-02T07:18:07.422"/>
+      <inkml:timestamp xml:id="ts0" timeString="2022-04-02T07:18:42.518"/>
     </inkml:context>
     <inkml:brush xml:id="br0">
       <inkml:brushProperty name="width" value="0.08571" units="cm"/>
       <inkml:brushProperty name="height" value="0.08571" units="cm"/>
-      <inkml:brushProperty name="color" value="#E71224"/>
+      <inkml:brushProperty name="color" value="#008C3A"/>
     </inkml:brush>
   </inkml:definitions>
-  <inkml:trace contextRef="#ctx0" brushRef="#br0">13 11 8837,'-7'6'2734,"1"-2"-2005,6-4 155,0 0-805,10 0-68,5 0-11,11 0 0,3-1-22,3 0-751,-1 0-527,1 1-392,1 0-1479,2-3 3171,1-2 0,-16 0 0,-4 1 0</inkml:trace>
+  <inkml:trace contextRef="#ctx0" brushRef="#br0">3 11 10496,'6'0'2039,"-2"0"-1670,-4 0-335,50-11-23,-31 15-11,37-3 0,-43 22 0,-8 3 23,-1 3 44,-4-2-67,-4-3 0,-10-1-605,-8-5-1042,-9-3-874,-2-8 2521,4-2 0,12-5 0,7 0 0</inkml:trace>
 </inkml:ink>
 </file>
 
-<file path=ppt/ink/ink38.xml><?xml version="1.0" encoding="utf-8"?>
+<file path=ppt/ink/ink88.xml><?xml version="1.0" encoding="utf-8"?>
 <inkml:ink xmlns:inkml="http://www.w3.org/2003/InkML">
   <inkml:definitions>
     <inkml:context xml:id="ctx0">
@@ -1062,19 +2602,19 @@
           <inkml:channelProperty channel="F" name="resolution" value="0" units="1/dev"/>
         </inkml:channelProperties>
       </inkml:inkSource>
-      <inkml:timestamp xml:id="ts0" timeString="2022-04-02T07:18:07.980"/>
+      <inkml:timestamp xml:id="ts0" timeString="2022-04-02T07:18:42.757"/>
     </inkml:context>
     <inkml:brush xml:id="br0">
       <inkml:brushProperty name="width" value="0.08571" units="cm"/>
       <inkml:brushProperty name="height" value="0.08571" units="cm"/>
-      <inkml:brushProperty name="color" value="#E71224"/>
+      <inkml:brushProperty name="color" value="#008C3A"/>
     </inkml:brush>
   </inkml:definitions>
-  <inkml:trace contextRef="#ctx0" brushRef="#br0">20 69 10339,'-7'-15'3653,"1"3"-3105,6 12-54,0 0-494,-3-8-90,3 6 79,-3-2 11,3 17 11,0 8 23,0 11-34,4 3 0,0-1 22,4-2-11,-3-6-11,0-4 23,-2-9-23,0-6 45,-1-4 492,0-3-290,-2-7-57,0-10 112,0-13 1,0-9-45,0-4 0,-2 2-102,-1 5-66,1 10-45,-1 10-45,3 9-56,0 4-67,0 3 55,0 4 68,0 13 0,0 9-78,0 13-12,0 1-111,0-1-57,3-5 45,0-8 56,4-4 11,0-12-66,-4-3-57,0-6-516,-1-1-1601,-1 0-2679,6-1 5065,1-12 0,-2 9 0,0-8 0</inkml:trace>
+  <inkml:trace contextRef="#ctx0" brushRef="#br0">0 35 11291,'0'-8'3350,"0"2"-3036,0 6 11,0 0-325,0-9-45,2 7-874,3-7-1703,2 9 2622,-2 0 0,-1 0 0,-4 0 0</inkml:trace>
 </inkml:ink>
 </file>
 
-<file path=ppt/ink/ink39.xml><?xml version="1.0" encoding="utf-8"?>
+<file path=ppt/ink/ink89.xml><?xml version="1.0" encoding="utf-8"?>
 <inkml:ink xmlns:inkml="http://www.w3.org/2003/InkML">
   <inkml:definitions>
     <inkml:context xml:id="ctx0">
@@ -1090,19 +2630,19 @@
           <inkml:channelProperty channel="F" name="resolution" value="0" units="1/dev"/>
         </inkml:channelProperties>
       </inkml:inkSource>
-      <inkml:timestamp xml:id="ts0" timeString="2022-04-02T07:18:08.778"/>
+      <inkml:timestamp xml:id="ts0" timeString="2022-04-02T07:18:43.695"/>
     </inkml:context>
     <inkml:brush xml:id="br0">
       <inkml:brushProperty name="width" value="0.08571" units="cm"/>
       <inkml:brushProperty name="height" value="0.08571" units="cm"/>
-      <inkml:brushProperty name="color" value="#E71224"/>
+      <inkml:brushProperty name="color" value="#008C3A"/>
     </inkml:brush>
   </inkml:definitions>
-  <inkml:trace contextRef="#ctx0" brushRef="#br0">0 49 9577,'0'-15'3451,"0"3"-2599,0 12 10,0 0-773,0-11-89,0 9-100,0-6 100,0 25 22,0 12-11,0 17 0,0 5 12,0 4-12,0-4-11,0-3-56,0-9-840,0-7-404,0-8-672,0-7-571,0-8 2543,0-5 0,0-4 0,0 0 0</inkml:trace>
+  <inkml:trace contextRef="#ctx0" brushRef="#br0">1 446 10103,'5'0'2600,"0"0"795,-5 0-3059,1 0-67,2-2-112,4-6-56,4-3-56,7-10-3415,4-5 3392,7-8-10,1-5 21,1-7-10,0-3-12,-6-3 0,-3 3 0,-7 8-11,-6 8-11,-5 14 3369,-4 8-3414,0 8-33,0 1-34,-7 2 11,-5 5 0,-8 6-68,0 10 34,2 5-33,8 3-11,4-2-90,4-1 44,4 1-156,11-3 0,8 0-23,16-4 46,3-1-1,3-4-56,-4 0 90,-6-1 33,-5 1 225,-10 1 11,-8 1 67,-6 1 0,-4-2 56,-10 1-23,-8-4 12,-13-1 0,-5 0-45,2-5 0,4 0 0,6-5-325,7-1-639,9-1-907,4 0-1098,4-6 2969,2-8 0,-1 5 0,2-3 0</inkml:trace>
 </inkml:ink>
 </file>
 
-<file path=ppt/ink/ink4.xml><?xml version="1.0" encoding="utf-8"?>
+<file path=ppt/ink/ink9.xml><?xml version="1.0" encoding="utf-8"?>
 <inkml:ink xmlns:inkml="http://www.w3.org/2003/InkML">
   <inkml:definitions>
     <inkml:context xml:id="ctx0">
@@ -1130,1379 +2670,7 @@
 </inkml:ink>
 </file>
 
-<file path=ppt/ink/ink40.xml><?xml version="1.0" encoding="utf-8"?>
-<inkml:ink xmlns:inkml="http://www.w3.org/2003/InkML">
-  <inkml:definitions>
-    <inkml:context xml:id="ctx0">
-      <inkml:inkSource xml:id="inkSrc0">
-        <inkml:traceFormat>
-          <inkml:channel name="X" type="integer" min="-2.14748E9" max="2.14748E9" units="cm"/>
-          <inkml:channel name="Y" type="integer" min="-2.14748E9" max="2.14748E9" units="cm"/>
-          <inkml:channel name="F" type="integer" max="32767" units="dev"/>
-        </inkml:traceFormat>
-        <inkml:channelProperties>
-          <inkml:channelProperty channel="X" name="resolution" value="1000" units="1/cm"/>
-          <inkml:channelProperty channel="Y" name="resolution" value="1000" units="1/cm"/>
-          <inkml:channelProperty channel="F" name="resolution" value="0" units="1/dev"/>
-        </inkml:channelProperties>
-      </inkml:inkSource>
-      <inkml:timestamp xml:id="ts0" timeString="2022-04-02T07:18:09.014"/>
-    </inkml:context>
-    <inkml:brush xml:id="br0">
-      <inkml:brushProperty name="width" value="0.08571" units="cm"/>
-      <inkml:brushProperty name="height" value="0.08571" units="cm"/>
-      <inkml:brushProperty name="color" value="#E71224"/>
-    </inkml:brush>
-  </inkml:definitions>
-  <inkml:trace contextRef="#ctx0" brushRef="#br0">1 35 14227,'17'-9'324,"12"-1"-312,27 9-12,12-4-627,3 1-349,-1 0-861,-6 3-314,-11 1-4479,-14 0 6630,-13 7 0,-14-5 0,-7 6 0</inkml:trace>
-</inkml:ink>
-</file>
-
-<file path=ppt/ink/ink41.xml><?xml version="1.0" encoding="utf-8"?>
-<inkml:ink xmlns:inkml="http://www.w3.org/2003/InkML">
-  <inkml:definitions>
-    <inkml:context xml:id="ctx0">
-      <inkml:inkSource xml:id="inkSrc0">
-        <inkml:traceFormat>
-          <inkml:channel name="X" type="integer" min="-2.14748E9" max="2.14748E9" units="cm"/>
-          <inkml:channel name="Y" type="integer" min="-2.14748E9" max="2.14748E9" units="cm"/>
-          <inkml:channel name="F" type="integer" max="32767" units="dev"/>
-        </inkml:traceFormat>
-        <inkml:channelProperties>
-          <inkml:channelProperty channel="X" name="resolution" value="1000" units="1/cm"/>
-          <inkml:channelProperty channel="Y" name="resolution" value="1000" units="1/cm"/>
-          <inkml:channelProperty channel="F" name="resolution" value="0" units="1/dev"/>
-        </inkml:channelProperties>
-      </inkml:inkSource>
-      <inkml:timestamp xml:id="ts0" timeString="2022-04-02T07:18:09.244"/>
-    </inkml:context>
-    <inkml:brush xml:id="br0">
-      <inkml:brushProperty name="width" value="0.08571" units="cm"/>
-      <inkml:brushProperty name="height" value="0.08571" units="cm"/>
-      <inkml:brushProperty name="color" value="#E71224"/>
-    </inkml:brush>
-  </inkml:definitions>
-  <inkml:trace contextRef="#ctx0" brushRef="#br0">0 86 14115,'43'-5'324,"10"-3"-324,18-3-526,8-2-494,-3 1-761,-7 0-460,-10 5 2241,-14-3 0,-21 7 0,-9-1 0</inkml:trace>
-</inkml:ink>
-</file>
-
-<file path=ppt/ink/ink42.xml><?xml version="1.0" encoding="utf-8"?>
-<inkml:ink xmlns:inkml="http://www.w3.org/2003/InkML">
-  <inkml:definitions>
-    <inkml:context xml:id="ctx0">
-      <inkml:inkSource xml:id="inkSrc0">
-        <inkml:traceFormat>
-          <inkml:channel name="X" type="integer" min="-2.14748E9" max="2.14748E9" units="cm"/>
-          <inkml:channel name="Y" type="integer" min="-2.14748E9" max="2.14748E9" units="cm"/>
-          <inkml:channel name="F" type="integer" max="32767" units="dev"/>
-        </inkml:traceFormat>
-        <inkml:channelProperties>
-          <inkml:channelProperty channel="X" name="resolution" value="1000" units="1/cm"/>
-          <inkml:channelProperty channel="Y" name="resolution" value="1000" units="1/cm"/>
-          <inkml:channelProperty channel="F" name="resolution" value="0" units="1/dev"/>
-        </inkml:channelProperties>
-      </inkml:inkSource>
-      <inkml:timestamp xml:id="ts0" timeString="2022-04-02T07:18:09.497"/>
-    </inkml:context>
-    <inkml:brush xml:id="br0">
-      <inkml:brushProperty name="width" value="0.08571" units="cm"/>
-      <inkml:brushProperty name="height" value="0.08571" units="cm"/>
-      <inkml:brushProperty name="color" value="#E71224"/>
-    </inkml:brush>
-  </inkml:definitions>
-  <inkml:trace contextRef="#ctx0" brushRef="#br0">20 1 14227,'-11'27'56,"2"8"-45,9 11 0,0 4 0,0-1 34,0-4-45,0-4-593,0-9-786,2-5-761,1-8-1121,1-7 3261,0-6 0,-2-4 0,0-2 0</inkml:trace>
-</inkml:ink>
-</file>
-
-<file path=ppt/ink/ink43.xml><?xml version="1.0" encoding="utf-8"?>
-<inkml:ink xmlns:inkml="http://www.w3.org/2003/InkML">
-  <inkml:definitions>
-    <inkml:context xml:id="ctx0">
-      <inkml:inkSource xml:id="inkSrc0">
-        <inkml:traceFormat>
-          <inkml:channel name="X" type="integer" min="-2.14748E9" max="2.14748E9" units="cm"/>
-          <inkml:channel name="Y" type="integer" min="-2.14748E9" max="2.14748E9" units="cm"/>
-          <inkml:channel name="F" type="integer" max="32767" units="dev"/>
-        </inkml:traceFormat>
-        <inkml:channelProperties>
-          <inkml:channelProperty channel="X" name="resolution" value="1000" units="1/cm"/>
-          <inkml:channelProperty channel="Y" name="resolution" value="1000" units="1/cm"/>
-          <inkml:channelProperty channel="F" name="resolution" value="0" units="1/dev"/>
-        </inkml:channelProperties>
-      </inkml:inkSource>
-      <inkml:timestamp xml:id="ts0" timeString="2022-04-02T07:18:09.704"/>
-    </inkml:context>
-    <inkml:brush xml:id="br0">
-      <inkml:brushProperty name="width" value="0.08571" units="cm"/>
-      <inkml:brushProperty name="height" value="0.08571" units="cm"/>
-      <inkml:brushProperty name="color" value="#E71224"/>
-    </inkml:brush>
-  </inkml:definitions>
-  <inkml:trace contextRef="#ctx0" brushRef="#br0">22 24 9969,'-9'-5'2599,"2"0"-2207,7 5-145,0 0-180,-6-6 124,22 4-247,61-4-919,-15 6-17,-7 0 1,-2 0-1418,-3 0 2409,-8 0 0,-19 0 0,-9 0 0</inkml:trace>
-</inkml:ink>
-</file>
-
-<file path=ppt/ink/ink44.xml><?xml version="1.0" encoding="utf-8"?>
-<inkml:ink xmlns:inkml="http://www.w3.org/2003/InkML">
-  <inkml:definitions>
-    <inkml:context xml:id="ctx0">
-      <inkml:inkSource xml:id="inkSrc0">
-        <inkml:traceFormat>
-          <inkml:channel name="X" type="integer" min="-2.14748E9" max="2.14748E9" units="cm"/>
-          <inkml:channel name="Y" type="integer" min="-2.14748E9" max="2.14748E9" units="cm"/>
-          <inkml:channel name="F" type="integer" max="32767" units="dev"/>
-        </inkml:traceFormat>
-        <inkml:channelProperties>
-          <inkml:channelProperty channel="X" name="resolution" value="1000" units="1/cm"/>
-          <inkml:channelProperty channel="Y" name="resolution" value="1000" units="1/cm"/>
-          <inkml:channelProperty channel="F" name="resolution" value="0" units="1/dev"/>
-        </inkml:channelProperties>
-      </inkml:inkSource>
-      <inkml:timestamp xml:id="ts0" timeString="2022-04-02T07:18:10.462"/>
-    </inkml:context>
-    <inkml:brush xml:id="br0">
-      <inkml:brushProperty name="width" value="0.08571" units="cm"/>
-      <inkml:brushProperty name="height" value="0.08571" units="cm"/>
-      <inkml:brushProperty name="color" value="#E71224"/>
-    </inkml:brush>
-  </inkml:definitions>
-  <inkml:trace contextRef="#ctx0" brushRef="#br0">53 61 10114,'-9'-1'1906,"2"-1"-1794,7 2-45,0 0-56,-18 5 90,14 0-34,-11 5-22,26 1 33,5-6-22,7 0-22,-3-5 11,-4 0 44,-3 0-44,-6-3 134,-1-6 112,-4-3 360,-1-17-461,-4 12-11,-2-5-145,-3 17-34,-5 3 0,-1 2-11,-2 5-45,0 8 33,-1 11 12,5 12 0,4 4 11,5 2 11,3-1 0,5-2-22,9-4-123,13-8-213,12-10 257,7-9 68,4-5 22,-4-3 0,-5-10 22,-5-4 157,-11-11 112,-6-1 90,-8-1-45,-6-2 1,-2 3-147,-3-1-33,-1 7-123,-7 3-34,-2 6-12,-7 7-10,-1 2-23,0 2 34,0 0-34,2 3-168,1 4-79,6 5 24,2 2 77,5 0 23,0-4 56,4-4 0,10-1-11,5-3 56,16 0 56,0-2-34,5-8 45,-2-3 0,-3-9 11,-4-1 12,-4 1-12,-9 4 67,-3 5-67,-6 5-11,-4 3-123,-2 3 78,-1 0 45,0 12 0,0 6 0,0 13 0,2 5 12,3-3-24,3 0-44,5-2-941,5-5-1333,3-4 2330,5-10 0,-11-5 0,-2-6 0</inkml:trace>
-</inkml:ink>
-</file>
-
-<file path=ppt/ink/ink45.xml><?xml version="1.0" encoding="utf-8"?>
-<inkml:ink xmlns:inkml="http://www.w3.org/2003/InkML">
-  <inkml:definitions>
-    <inkml:context xml:id="ctx0">
-      <inkml:inkSource xml:id="inkSrc0">
-        <inkml:traceFormat>
-          <inkml:channel name="X" type="integer" min="-2.14748E9" max="2.14748E9" units="cm"/>
-          <inkml:channel name="Y" type="integer" min="-2.14748E9" max="2.14748E9" units="cm"/>
-          <inkml:channel name="F" type="integer" max="32767" units="dev"/>
-        </inkml:traceFormat>
-        <inkml:channelProperties>
-          <inkml:channelProperty channel="X" name="resolution" value="1000" units="1/cm"/>
-          <inkml:channelProperty channel="Y" name="resolution" value="1000" units="1/cm"/>
-          <inkml:channelProperty channel="F" name="resolution" value="0" units="1/dev"/>
-        </inkml:channelProperties>
-      </inkml:inkSource>
-      <inkml:timestamp xml:id="ts0" timeString="2022-04-02T07:18:11.512"/>
-    </inkml:context>
-    <inkml:brush xml:id="br0">
-      <inkml:brushProperty name="width" value="0.08571" units="cm"/>
-      <inkml:brushProperty name="height" value="0.08571" units="cm"/>
-      <inkml:brushProperty name="color" value="#E71224"/>
-    </inkml:brush>
-  </inkml:definitions>
-  <inkml:trace contextRef="#ctx0" brushRef="#br0">246 317 8602,'0'-15'2095,"0"2"-1490,0 13 516,0 0-696,-6-28-111,1 18-44,-7-23-91,0 26-78,-3 2-23,-6 2 0,-3 1-22,-3 2-44,0 0-12,-1 5 0,5 6 0,2 12 0,8 8-12,5 4 1,5 3-157,3-4-281,4-2 80,10-7-12,8-7 235,13-9 146,1-5 0,0-4 68,-3-6 10,-8-6 146,-6-10 202,-7-7 157,-4-2-191,-5 0 123,-1 7-246,-2 5-89,0 11-180,0 3-202,0 5 202,0 11 0,-2 8-11,-1 14-102,1 6-223,-1-2 0,3-4 67,4-7-22,10-7-34,13-9 22,12-5 169,6-5 100,1-11 34,-5-7 67,-6-14 225,-8-9 392,-7-7 21,-5-5 57,-7-3-112,-3-2-45,-4 2-101,-1 7-235,0 9-101,0 14-123,0 11-45,0 9-123,-1 4 33,-4 11 90,-2 18 23,-4 18-23,1 22 0,3 3-79,2 3-380,5-8-169,6-8-301,9-10-819,10-11-594,9-10-1065,3-13 3407,-1-7 0,-17-6 0,-4 0 0</inkml:trace>
-</inkml:ink>
-</file>
-
-<file path=ppt/ink/ink46.xml><?xml version="1.0" encoding="utf-8"?>
-<inkml:ink xmlns:inkml="http://www.w3.org/2003/InkML">
-  <inkml:definitions>
-    <inkml:context xml:id="ctx0">
-      <inkml:inkSource xml:id="inkSrc0">
-        <inkml:traceFormat>
-          <inkml:channel name="X" type="integer" min="-2.14748E9" max="2.14748E9" units="cm"/>
-          <inkml:channel name="Y" type="integer" min="-2.14748E9" max="2.14748E9" units="cm"/>
-          <inkml:channel name="F" type="integer" max="32767" units="dev"/>
-        </inkml:traceFormat>
-        <inkml:channelProperties>
-          <inkml:channelProperty channel="X" name="resolution" value="1000" units="1/cm"/>
-          <inkml:channelProperty channel="Y" name="resolution" value="1000" units="1/cm"/>
-          <inkml:channelProperty channel="F" name="resolution" value="0" units="1/dev"/>
-        </inkml:channelProperties>
-      </inkml:inkSource>
-      <inkml:timestamp xml:id="ts0" timeString="2022-04-02T07:18:12.622"/>
-    </inkml:context>
-    <inkml:brush xml:id="br0">
-      <inkml:brushProperty name="width" value="0.08571" units="cm"/>
-      <inkml:brushProperty name="height" value="0.08571" units="cm"/>
-      <inkml:brushProperty name="color" value="#E71224"/>
-    </inkml:brush>
-  </inkml:definitions>
-  <inkml:trace contextRef="#ctx0" brushRef="#br0">61 40 14137,'-37'-23'-11,"14"7"156,42 22 23,14 1-56,18 4-56,10-6-33,2-2-12,1-3 0,-8 0 0,-9 0 1,-11 0 44,-13-3 191,-9 1 111,-9-3-89,-2 3-235,-3 0-34,-1 10 33,-5 9-33,-3 9 0,-3 10 0,6 0 0,1 0-33,5-4-124,7-6-190,10-6-13,13-11 103,8-3 78,4-6 179,-3-1 56,-7-10 436,-7-6 103,-9-10-35,-6-2-179,-5 1-22,-4 2-57,-1 6-212,0 7-90,0 6-12,0 6-122,0 1 78,0 7 45,0 12-23,0 14-134,0 7-101,0 4 45,0-6 22,3-7 1,9-6 33,6-13 0,11-4 145,-2-7 23,0-2 23,-4-12-1,-3-5 12,-5-14-12,-4-2 45,-6-5 112,-2-1-55,-3 0 32,0 3-66,-1 5-90,-5 10 0,-5 10-56,-6 6 34,-5 6-68,-1 0-22,-2 9-34,7 1 46,3 7-57,7-2 67,5 0 68,2-3 22,1 2 22,5-7 12,9-2-1,7-4 57,12-1 0,0-1-34,6-6-23,-1-2-33,-2-1-22,-3 3-12,-5 4 12,-5 3-12,-5 3-11,-4 10 12,-5 6-34,-4 13-45,-4 0 11,-1 0 67,0-5 1,0-8 21,0-4 12,0-9 56,0-3 751,0-3-684,0-10-56,0-4-22,12-15-34,7-3-11,15-6-33,6 4 10,-1 5-10,-3 8-57,-8 9 23,-6 8 0,-8 2 44,-6 4-66,-3 12 77,-3 9 12,-2 11 0,0 5 23,0-4-34,0-3 11,0-6 0,0-6 0,0-6-213,4-8-347,9-3-662,6-3-761,7 0-639,-3-3 2622,-5-6 0,-8 3 0,-5-3 0</inkml:trace>
-</inkml:ink>
-</file>
-
-<file path=ppt/ink/ink47.xml><?xml version="1.0" encoding="utf-8"?>
-<inkml:ink xmlns:inkml="http://www.w3.org/2003/InkML">
-  <inkml:definitions>
-    <inkml:context xml:id="ctx0">
-      <inkml:inkSource xml:id="inkSrc0">
-        <inkml:traceFormat>
-          <inkml:channel name="X" type="integer" min="-2.14748E9" max="2.14748E9" units="cm"/>
-          <inkml:channel name="Y" type="integer" min="-2.14748E9" max="2.14748E9" units="cm"/>
-          <inkml:channel name="F" type="integer" max="32767" units="dev"/>
-        </inkml:traceFormat>
-        <inkml:channelProperties>
-          <inkml:channelProperty channel="X" name="resolution" value="1000" units="1/cm"/>
-          <inkml:channelProperty channel="Y" name="resolution" value="1000" units="1/cm"/>
-          <inkml:channelProperty channel="F" name="resolution" value="0" units="1/dev"/>
-        </inkml:channelProperties>
-      </inkml:inkSource>
-      <inkml:timestamp xml:id="ts0" timeString="2022-04-02T07:18:12.905"/>
-    </inkml:context>
-    <inkml:brush xml:id="br0">
-      <inkml:brushProperty name="width" value="0.08571" units="cm"/>
-      <inkml:brushProperty name="height" value="0.08571" units="cm"/>
-      <inkml:brushProperty name="color" value="#E71224"/>
-    </inkml:brush>
-  </inkml:definitions>
-  <inkml:trace contextRef="#ctx0" brushRef="#br0">49 38 11280,'-10'-6'3260,"1"2"-2486,9 4 133,0 0-526,-13-12-213,9 9-89,-9-9-79,13 12-1266,0 0-1704,13 0 2970,1 0 0,2 0 0,-6 0 0</inkml:trace>
-</inkml:ink>
-</file>
-
-<file path=ppt/ink/ink48.xml><?xml version="1.0" encoding="utf-8"?>
-<inkml:ink xmlns:inkml="http://www.w3.org/2003/InkML">
-  <inkml:definitions>
-    <inkml:context xml:id="ctx0">
-      <inkml:inkSource xml:id="inkSrc0">
-        <inkml:traceFormat>
-          <inkml:channel name="X" type="integer" min="-2.14748E9" max="2.14748E9" units="cm"/>
-          <inkml:channel name="Y" type="integer" min="-2.14748E9" max="2.14748E9" units="cm"/>
-          <inkml:channel name="F" type="integer" max="32767" units="dev"/>
-        </inkml:traceFormat>
-        <inkml:channelProperties>
-          <inkml:channelProperty channel="X" name="resolution" value="1000" units="1/cm"/>
-          <inkml:channelProperty channel="Y" name="resolution" value="1000" units="1/cm"/>
-          <inkml:channelProperty channel="F" name="resolution" value="0" units="1/dev"/>
-        </inkml:channelProperties>
-      </inkml:inkSource>
-      <inkml:timestamp xml:id="ts0" timeString="2022-04-02T07:18:13.636"/>
-    </inkml:context>
-    <inkml:brush xml:id="br0">
-      <inkml:brushProperty name="width" value="0.08571" units="cm"/>
-      <inkml:brushProperty name="height" value="0.08571" units="cm"/>
-      <inkml:brushProperty name="color" value="#E71224"/>
-    </inkml:brush>
-  </inkml:definitions>
-  <inkml:trace contextRef="#ctx0" brushRef="#br0">0 0 11112,'4'4'3014,"-1"-1"-1501,-3-3-1390,3 0-90,9 0-33,11 0-257,14 0-236,7-1-661,4 0-460,-2 0-862,-3-1 2476,-9 2 0,-15-2 0,-7 2 0</inkml:trace>
-</inkml:ink>
-</file>
-
-<file path=ppt/ink/ink49.xml><?xml version="1.0" encoding="utf-8"?>
-<inkml:ink xmlns:inkml="http://www.w3.org/2003/InkML">
-  <inkml:definitions>
-    <inkml:context xml:id="ctx0">
-      <inkml:inkSource xml:id="inkSrc0">
-        <inkml:traceFormat>
-          <inkml:channel name="X" type="integer" min="-2.14748E9" max="2.14748E9" units="cm"/>
-          <inkml:channel name="Y" type="integer" min="-2.14748E9" max="2.14748E9" units="cm"/>
-          <inkml:channel name="F" type="integer" max="32767" units="dev"/>
-        </inkml:traceFormat>
-        <inkml:channelProperties>
-          <inkml:channelProperty channel="X" name="resolution" value="1000" units="1/cm"/>
-          <inkml:channelProperty channel="Y" name="resolution" value="1000" units="1/cm"/>
-          <inkml:channelProperty channel="F" name="resolution" value="0" units="1/dev"/>
-        </inkml:channelProperties>
-      </inkml:inkSource>
-      <inkml:timestamp xml:id="ts0" timeString="2022-04-02T07:18:14.280"/>
-    </inkml:context>
-    <inkml:brush xml:id="br0">
-      <inkml:brushProperty name="width" value="0.08571" units="cm"/>
-      <inkml:brushProperty name="height" value="0.08571" units="cm"/>
-      <inkml:brushProperty name="color" value="#E71224"/>
-    </inkml:brush>
-  </inkml:definitions>
-  <inkml:trace contextRef="#ctx0" brushRef="#br0">37 134 9330,'-7'0'3608,"1"0"-2678,6 0 673,0 0-1122,-9-2-44,5-3-123,-5-4 11,8-4-202,1-1-11,0-3-67,0 3-34,0-1 0,3 3-11,6 0-56,5 4 0,10 1-56,3 3-100,4 3-102,3 1 67,-2 0-44,-1 4 89,-5 8 1,-6 6 10,-6 7 146,-7 3 45,-4 1-11,-3 3 11,-2 2 0,-8 0 11,-6 2 12,-10-5 22,0-3 11,-2-5 67,3-5 22,2-6 23,5-3 124,3-6-1,7 0-89,3-3-34,4 2 213,1-2-336,7 0-45,14 0-12,17-5-189,18-5-79,11-4-214,6-6-122,2 1-471,-1 2-683,-3 1-919,-7 8 2689,-10 0 0,-25 6 0,-10-2 0</inkml:trace>
-</inkml:ink>
-</file>
-
-<file path=ppt/ink/ink5.xml><?xml version="1.0" encoding="utf-8"?>
-<inkml:ink xmlns:inkml="http://www.w3.org/2003/InkML">
-  <inkml:definitions>
-    <inkml:context xml:id="ctx0">
-      <inkml:inkSource xml:id="inkSrc0">
-        <inkml:traceFormat>
-          <inkml:channel name="X" type="integer" min="-2.14748E9" max="2.14748E9" units="cm"/>
-          <inkml:channel name="Y" type="integer" min="-2.14748E9" max="2.14748E9" units="cm"/>
-          <inkml:channel name="F" type="integer" max="32767" units="dev"/>
-        </inkml:traceFormat>
-        <inkml:channelProperties>
-          <inkml:channelProperty channel="X" name="resolution" value="1000" units="1/cm"/>
-          <inkml:channelProperty channel="Y" name="resolution" value="1000" units="1/cm"/>
-          <inkml:channelProperty channel="F" name="resolution" value="0" units="1/dev"/>
-        </inkml:channelProperties>
-      </inkml:inkSource>
-      <inkml:timestamp xml:id="ts0" timeString="2022-04-02T07:17:39.084"/>
-    </inkml:context>
-    <inkml:brush xml:id="br0">
-      <inkml:brushProperty name="width" value="0.08571" units="cm"/>
-      <inkml:brushProperty name="height" value="0.08571" units="cm"/>
-      <inkml:brushProperty name="color" value="#008C3A"/>
-    </inkml:brush>
-  </inkml:definitions>
-  <inkml:trace contextRef="#ctx0" brushRef="#br0">115 110 10518,'-9'0'2028,"1"0"-1905,8 0-100,0 0-68,-10 0 45,8 1 11,-9 6 23,11 0-12,2 5 12,7-5-12,8-2-22,9-3-78,3-2-57,0 0 135,-6-4-11,-6-5 11,-6-7 0,-8-7 168,-1-2 56,-2 2 45,-11 1-33,-4 9-158,-13 3-11,-5 6-55,0 3-12,-1 2-12,4 12-21,4 6 22,7 14 11,10 4 0,4 4 0,7 0-12,13-1-88,7-6-293,20-7-10,8-8 78,7-9 269,3-5 56,-3-5 45,-6-8 134,-8-8 381,-9-10 292,-10-9 268,-6-1-369,-8-2-225,-5 4-122,-4 7-113,-1 6-156,0 8-135,0 8-34,0 2-67,0 3 79,0 6 22,-3 12 11,-2 12-11,-3 11 0,1-1-11,1-5-45,4-8-11,1-8-1,1-6 46,0-7 0,0-3 10,0-3-10,11-8-90,8-10 11,19-14-23,5-10 46,5-1 33,-5 3 34,-7 11-79,-12 12-78,-8 9-11,-6 7 67,-5 4 56,0 13 45,-2 8 11,-1 14 0,-1 3 0,-1-2-11,0-4-157,2-6-146,4-9 0,5-8-436,9-6-584,6-4-1747,4-2 3081,0-8 0,-13 7 0,-5-7 0</inkml:trace>
-</inkml:ink>
-</file>
-
-<file path=ppt/ink/ink50.xml><?xml version="1.0" encoding="utf-8"?>
-<inkml:ink xmlns:inkml="http://www.w3.org/2003/InkML">
-  <inkml:definitions>
-    <inkml:context xml:id="ctx0">
-      <inkml:inkSource xml:id="inkSrc0">
-        <inkml:traceFormat>
-          <inkml:channel name="X" type="integer" min="-2.14748E9" max="2.14748E9" units="cm"/>
-          <inkml:channel name="Y" type="integer" min="-2.14748E9" max="2.14748E9" units="cm"/>
-          <inkml:channel name="F" type="integer" max="32767" units="dev"/>
-        </inkml:traceFormat>
-        <inkml:channelProperties>
-          <inkml:channelProperty channel="X" name="resolution" value="1000" units="1/cm"/>
-          <inkml:channelProperty channel="Y" name="resolution" value="1000" units="1/cm"/>
-          <inkml:channelProperty channel="F" name="resolution" value="0" units="1/dev"/>
-        </inkml:channelProperties>
-      </inkml:inkSource>
-      <inkml:timestamp xml:id="ts0" timeString="2022-04-02T07:18:18.962"/>
-    </inkml:context>
-    <inkml:brush xml:id="br0">
-      <inkml:brushProperty name="width" value="0.08571" units="cm"/>
-      <inkml:brushProperty name="height" value="0.08571" units="cm"/>
-      <inkml:brushProperty name="color" value="#E71224"/>
-    </inkml:brush>
-  </inkml:definitions>
-  <inkml:trace contextRef="#ctx0" brushRef="#br0">56 45 10159,'-2'-8'3620,"0"2"-2691,2 6 147,0 0-975,-14-14-101,10 11-22,-12-11-79,16 16 90,-2 13 11,-1 12 33,1 22-22,-2 8 1,2 12-12,-1-2-392,2 3-1054,0-7-313,1-10-706,0-7-1546,0-17 4011,0-12 0,0-9 0,0-8 0</inkml:trace>
-</inkml:ink>
-</file>
-
-<file path=ppt/ink/ink51.xml><?xml version="1.0" encoding="utf-8"?>
-<inkml:ink xmlns:inkml="http://www.w3.org/2003/InkML">
-  <inkml:definitions>
-    <inkml:context xml:id="ctx0">
-      <inkml:inkSource xml:id="inkSrc0">
-        <inkml:traceFormat>
-          <inkml:channel name="X" type="integer" min="-2.14748E9" max="2.14748E9" units="cm"/>
-          <inkml:channel name="Y" type="integer" min="-2.14748E9" max="2.14748E9" units="cm"/>
-          <inkml:channel name="F" type="integer" max="32767" units="dev"/>
-        </inkml:traceFormat>
-        <inkml:channelProperties>
-          <inkml:channelProperty channel="X" name="resolution" value="1000" units="1/cm"/>
-          <inkml:channelProperty channel="Y" name="resolution" value="1000" units="1/cm"/>
-          <inkml:channelProperty channel="F" name="resolution" value="0" units="1/dev"/>
-        </inkml:channelProperties>
-      </inkml:inkSource>
-      <inkml:timestamp xml:id="ts0" timeString="2022-04-02T07:18:19.221"/>
-    </inkml:context>
-    <inkml:brush xml:id="br0">
-      <inkml:brushProperty name="width" value="0.08571" units="cm"/>
-      <inkml:brushProperty name="height" value="0.08571" units="cm"/>
-      <inkml:brushProperty name="color" value="#E71224"/>
-    </inkml:brush>
-  </inkml:definitions>
-  <inkml:trace contextRef="#ctx0" brushRef="#br0">0 89 14339,'80'-26'190,"0"3"-168,-4 9-22,1 3-694,-6 3-583,-9 3-695,-13 4-438,-14 1 2410,-12 12 0,-14-9 0,-4 9 0</inkml:trace>
-</inkml:ink>
-</file>
-
-<file path=ppt/ink/ink52.xml><?xml version="1.0" encoding="utf-8"?>
-<inkml:ink xmlns:inkml="http://www.w3.org/2003/InkML">
-  <inkml:definitions>
-    <inkml:context xml:id="ctx0">
-      <inkml:inkSource xml:id="inkSrc0">
-        <inkml:traceFormat>
-          <inkml:channel name="X" type="integer" min="-2.14748E9" max="2.14748E9" units="cm"/>
-          <inkml:channel name="Y" type="integer" min="-2.14748E9" max="2.14748E9" units="cm"/>
-          <inkml:channel name="F" type="integer" max="32767" units="dev"/>
-        </inkml:traceFormat>
-        <inkml:channelProperties>
-          <inkml:channelProperty channel="X" name="resolution" value="1000" units="1/cm"/>
-          <inkml:channelProperty channel="Y" name="resolution" value="1000" units="1/cm"/>
-          <inkml:channelProperty channel="F" name="resolution" value="0" units="1/dev"/>
-        </inkml:channelProperties>
-      </inkml:inkSource>
-      <inkml:timestamp xml:id="ts0" timeString="2022-04-02T07:18:19.451"/>
-    </inkml:context>
-    <inkml:brush xml:id="br0">
-      <inkml:brushProperty name="width" value="0.08571" units="cm"/>
-      <inkml:brushProperty name="height" value="0.08571" units="cm"/>
-      <inkml:brushProperty name="color" value="#E71224"/>
-    </inkml:brush>
-  </inkml:definitions>
-  <inkml:trace contextRef="#ctx0" brushRef="#br0">0 120 14350,'67'-13'269,"5"-3"-269,7-6-168,2 1-683,-10 3-449,-10 6-729,-14 3-559,-12 6 2588,-10 0 0,-13 2 0,-5 0 0</inkml:trace>
-</inkml:ink>
-</file>
-
-<file path=ppt/ink/ink53.xml><?xml version="1.0" encoding="utf-8"?>
-<inkml:ink xmlns:inkml="http://www.w3.org/2003/InkML">
-  <inkml:definitions>
-    <inkml:context xml:id="ctx0">
-      <inkml:inkSource xml:id="inkSrc0">
-        <inkml:traceFormat>
-          <inkml:channel name="X" type="integer" min="-2.14748E9" max="2.14748E9" units="cm"/>
-          <inkml:channel name="Y" type="integer" min="-2.14748E9" max="2.14748E9" units="cm"/>
-          <inkml:channel name="F" type="integer" max="32767" units="dev"/>
-        </inkml:traceFormat>
-        <inkml:channelProperties>
-          <inkml:channelProperty channel="X" name="resolution" value="1000" units="1/cm"/>
-          <inkml:channelProperty channel="Y" name="resolution" value="1000" units="1/cm"/>
-          <inkml:channelProperty channel="F" name="resolution" value="0" units="1/dev"/>
-        </inkml:channelProperties>
-      </inkml:inkSource>
-      <inkml:timestamp xml:id="ts0" timeString="2022-04-02T07:18:19.740"/>
-    </inkml:context>
-    <inkml:brush xml:id="br0">
-      <inkml:brushProperty name="width" value="0.08571" units="cm"/>
-      <inkml:brushProperty name="height" value="0.08571" units="cm"/>
-      <inkml:brushProperty name="color" value="#E71224"/>
-    </inkml:brush>
-  </inkml:definitions>
-  <inkml:trace contextRef="#ctx0" brushRef="#br0">20 0 15392,'-11'33'11,"2"8"12,9 16-12,0 8 0,0 0-11,0-2-168,0-7-1445,0-8-438,0-9-515,0-10 2566,0-10 0,0-9 0,0-7 0</inkml:trace>
-</inkml:ink>
-</file>
-
-<file path=ppt/ink/ink54.xml><?xml version="1.0" encoding="utf-8"?>
-<inkml:ink xmlns:inkml="http://www.w3.org/2003/InkML">
-  <inkml:definitions>
-    <inkml:context xml:id="ctx0">
-      <inkml:inkSource xml:id="inkSrc0">
-        <inkml:traceFormat>
-          <inkml:channel name="X" type="integer" min="-2.14748E9" max="2.14748E9" units="cm"/>
-          <inkml:channel name="Y" type="integer" min="-2.14748E9" max="2.14748E9" units="cm"/>
-          <inkml:channel name="F" type="integer" max="32767" units="dev"/>
-        </inkml:traceFormat>
-        <inkml:channelProperties>
-          <inkml:channelProperty channel="X" name="resolution" value="1000" units="1/cm"/>
-          <inkml:channelProperty channel="Y" name="resolution" value="1000" units="1/cm"/>
-          <inkml:channelProperty channel="F" name="resolution" value="0" units="1/dev"/>
-        </inkml:channelProperties>
-      </inkml:inkSource>
-      <inkml:timestamp xml:id="ts0" timeString="2022-04-02T07:18:19.951"/>
-    </inkml:context>
-    <inkml:brush xml:id="br0">
-      <inkml:brushProperty name="width" value="0.08571" units="cm"/>
-      <inkml:brushProperty name="height" value="0.08571" units="cm"/>
-      <inkml:brushProperty name="color" value="#E71224"/>
-    </inkml:brush>
-  </inkml:definitions>
-  <inkml:trace contextRef="#ctx0" brushRef="#br0">1 65 12132,'78'-12'134,"-5"2"-930,-15 0-862,-5 2-874,-8-1 2532,-8 1 0,-20 4 0,-5 1 0</inkml:trace>
-</inkml:ink>
-</file>
-
-<file path=ppt/ink/ink55.xml><?xml version="1.0" encoding="utf-8"?>
-<inkml:ink xmlns:inkml="http://www.w3.org/2003/InkML">
-  <inkml:definitions>
-    <inkml:context xml:id="ctx0">
-      <inkml:inkSource xml:id="inkSrc0">
-        <inkml:traceFormat>
-          <inkml:channel name="X" type="integer" min="-2.14748E9" max="2.14748E9" units="cm"/>
-          <inkml:channel name="Y" type="integer" min="-2.14748E9" max="2.14748E9" units="cm"/>
-          <inkml:channel name="F" type="integer" max="32767" units="dev"/>
-        </inkml:traceFormat>
-        <inkml:channelProperties>
-          <inkml:channelProperty channel="X" name="resolution" value="1000" units="1/cm"/>
-          <inkml:channelProperty channel="Y" name="resolution" value="1000" units="1/cm"/>
-          <inkml:channelProperty channel="F" name="resolution" value="0" units="1/dev"/>
-        </inkml:channelProperties>
-      </inkml:inkSource>
-      <inkml:timestamp xml:id="ts0" timeString="2022-04-02T07:18:20.695"/>
-    </inkml:context>
-    <inkml:brush xml:id="br0">
-      <inkml:brushProperty name="width" value="0.08571" units="cm"/>
-      <inkml:brushProperty name="height" value="0.08571" units="cm"/>
-      <inkml:brushProperty name="color" value="#E71224"/>
-    </inkml:brush>
-  </inkml:definitions>
-  <inkml:trace contextRef="#ctx0" brushRef="#br0">52 154 10103,'-2'74'348,"7"-17"-214,23-50-89,4-6 34,-1-1-23,-3-7-12,-5-7-21,-7-9 33,-6-4 190,-5-2 169,-4 3 246,-1-2-79,-4 2-33,-6 2-122,-5 0-114,-5 8-190,2 6-123,-3 6 0,0 4-56,-6 10 23,-1 11 21,2 17 1,4 11 11,11 6 0,5 0 0,6-4 11,10-10 1,12-9-12,17-11-179,17-11-213,8-6 235,6-7 111,-2-9 35,-8-8 11,-8-11 34,-16-4 56,-8-5 291,-13-2-180,-7-2 158,-6-1-68,-2 4-78,0 5-123,-1 6-45,-2 11-45,-5 4-56,-3 10-11,-3 2-1,-2 3-145,0 10-336,2 5 168,7 11 90,2 1-12,5-3 1,0-2 134,11-5-79,6-8 180,14-3 67,5-6 0,5-6 34,-4-6 33,-3-6 381,-9-2-56,-7 3 113,-10 5-237,-4 3-268,-4 6-201,0 1 201,0 13 11,0 8 0,0 16-11,0 6-235,0 2-449,0-3-380,0-5-258,9-6-684,5-11 2006,11-4 0,-10-9 0,-2-2 0</inkml:trace>
-</inkml:ink>
-</file>
-
-<file path=ppt/ink/ink56.xml><?xml version="1.0" encoding="utf-8"?>
-<inkml:ink xmlns:inkml="http://www.w3.org/2003/InkML">
-  <inkml:definitions>
-    <inkml:context xml:id="ctx0">
-      <inkml:inkSource xml:id="inkSrc0">
-        <inkml:traceFormat>
-          <inkml:channel name="X" type="integer" min="-2.14748E9" max="2.14748E9" units="cm"/>
-          <inkml:channel name="Y" type="integer" min="-2.14748E9" max="2.14748E9" units="cm"/>
-          <inkml:channel name="F" type="integer" max="32767" units="dev"/>
-        </inkml:traceFormat>
-        <inkml:channelProperties>
-          <inkml:channelProperty channel="X" name="resolution" value="1000" units="1/cm"/>
-          <inkml:channelProperty channel="Y" name="resolution" value="1000" units="1/cm"/>
-          <inkml:channelProperty channel="F" name="resolution" value="0" units="1/dev"/>
-        </inkml:channelProperties>
-      </inkml:inkSource>
-      <inkml:timestamp xml:id="ts0" timeString="2022-04-02T07:18:21.326"/>
-    </inkml:context>
-    <inkml:brush xml:id="br0">
-      <inkml:brushProperty name="width" value="0.08571" units="cm"/>
-      <inkml:brushProperty name="height" value="0.08571" units="cm"/>
-      <inkml:brushProperty name="color" value="#E71224"/>
-    </inkml:brush>
-  </inkml:definitions>
-  <inkml:trace contextRef="#ctx0" brushRef="#br0">223 423 10137,'0'-13'3418,"0"2"-2679,0 11 68,0 0-594,-45-44-146,22 33-67,-38-33-11,34 56-12,1 10 23,6 14-11,7 6 0,7 4-303,4-6-347,11-1-89,11-13 110,13-9 260,12-9 312,-1-7 68,-3-4 101,-8-9 224,-10-10 404,-8-9-46,-9-3-55,-3 3-203,-3 4-223,0 7-135,0 6-33,-1 7-34,-3 4-90,-2 3 45,-3 9-11,0 10-257,3 16-438,2 8-22,4 3-79,7-5-392,11-8 270,14-12 659,11-10 315,1-7 0,-1-4 80,-7-10 446,-10-7 325,-6-15 46,-10-7-180,-6-10 67,-2-7 270,-2-8-461,0-5-89,0-4-133,-3 0 99,-4 10-201,0 14-79,-3 18-123,5 16-67,1 9-89,2 6-79,0 3 134,2 19-22,0 18 34,0 30-314,0 16-480,0 11 132,0-1-258,8-4-234,1-14-68,10-13-223,1-18-158,4-14-1356,0-15 2981,0-9 0,-11-6 0,-3-3 0</inkml:trace>
-</inkml:ink>
-</file>
-
-<file path=ppt/ink/ink57.xml><?xml version="1.0" encoding="utf-8"?>
-<inkml:ink xmlns:inkml="http://www.w3.org/2003/InkML">
-  <inkml:definitions>
-    <inkml:context xml:id="ctx0">
-      <inkml:inkSource xml:id="inkSrc0">
-        <inkml:traceFormat>
-          <inkml:channel name="X" type="integer" min="-2.14748E9" max="2.14748E9" units="cm"/>
-          <inkml:channel name="Y" type="integer" min="-2.14748E9" max="2.14748E9" units="cm"/>
-          <inkml:channel name="F" type="integer" max="32767" units="dev"/>
-        </inkml:traceFormat>
-        <inkml:channelProperties>
-          <inkml:channelProperty channel="X" name="resolution" value="1000" units="1/cm"/>
-          <inkml:channelProperty channel="Y" name="resolution" value="1000" units="1/cm"/>
-          <inkml:channelProperty channel="F" name="resolution" value="0" units="1/dev"/>
-        </inkml:channelProperties>
-      </inkml:inkSource>
-      <inkml:timestamp xml:id="ts0" timeString="2022-04-02T07:18:21.570"/>
-    </inkml:context>
-    <inkml:brush xml:id="br0">
-      <inkml:brushProperty name="width" value="0.08571" units="cm"/>
-      <inkml:brushProperty name="height" value="0.08571" units="cm"/>
-      <inkml:brushProperty name="color" value="#E71224"/>
-    </inkml:brush>
-  </inkml:definitions>
-  <inkml:trace contextRef="#ctx0" brushRef="#br0">20 35 9778,'-11'0'852,"2"0"-773,9 0 1142,0 0-717,44 0-325,-3 0-134,44 0-45,-10-2-784,1-3-1704,0-2 2488,-10-3 0,-30 4 0,-11 2 0</inkml:trace>
-</inkml:ink>
-</file>
-
-<file path=ppt/ink/ink58.xml><?xml version="1.0" encoding="utf-8"?>
-<inkml:ink xmlns:inkml="http://www.w3.org/2003/InkML">
-  <inkml:definitions>
-    <inkml:context xml:id="ctx0">
-      <inkml:inkSource xml:id="inkSrc0">
-        <inkml:traceFormat>
-          <inkml:channel name="X" type="integer" min="-2.14748E9" max="2.14748E9" units="cm"/>
-          <inkml:channel name="Y" type="integer" min="-2.14748E9" max="2.14748E9" units="cm"/>
-          <inkml:channel name="F" type="integer" max="32767" units="dev"/>
-        </inkml:traceFormat>
-        <inkml:channelProperties>
-          <inkml:channelProperty channel="X" name="resolution" value="1000" units="1/cm"/>
-          <inkml:channelProperty channel="Y" name="resolution" value="1000" units="1/cm"/>
-          <inkml:channelProperty channel="F" name="resolution" value="0" units="1/dev"/>
-        </inkml:channelProperties>
-      </inkml:inkSource>
-      <inkml:timestamp xml:id="ts0" timeString="2022-04-02T07:18:22.830"/>
-    </inkml:context>
-    <inkml:brush xml:id="br0">
-      <inkml:brushProperty name="width" value="0.08571" units="cm"/>
-      <inkml:brushProperty name="height" value="0.08571" units="cm"/>
-      <inkml:brushProperty name="color" value="#E71224"/>
-    </inkml:brush>
-  </inkml:definitions>
-  <inkml:trace contextRef="#ctx0" brushRef="#br0">43 164 14809,'-20'-23'169,"4"5"-304,15 22 135,0 12 11,-2 14-11,3 13 0,-1 4-146,1 0-503,1-9 66,10-6 325,6-11 79,9-10-56,5-6 167,-1-3 68,-1-10 12,-4-10 223,-5-11 326,-9-11-2,-4 0 46,-6 2-201,-1 6-124,0 8-145,0 9-57,0 7-78,0 5-101,0 3-33,0 4 134,0 12 0,0 11-45,0 9-347,0 1 44,0-6 46,9-5-23,5-9 168,9-7 23,3-5 44,-1-4 68,-4-4 44,-3-9-22,-6-13 56,-4-11 11,-5-8 68,-2-2 111,-1-2 101,-2 5-156,-9 3-57,-5 10-134,-10 7 0,1 9-22,-5 7-1,3 4-44,-3 3 33,7 6-22,2 8-56,6 7-156,5 6 55,6-1 101,2-4 34,2-3 55,0-6 1,9-2 22,3-6 33,13-2 1,6-3 11,5-2-23,4-6 1,2-1 44,-3-8-56,-2 6-11,-5 2-112,-7 5 45,-4 3 33,-5 5 34,-2 11-22,-3 10 22,-4 9-11,-3 3 11,-2-2 0,-2-3 0,0-9-12,0-5 12,0-10 45,0-3 78,0-3 572,0-2-280,0-6-281,0-9-100,1-13 67,8-11 22,7-6-123,10-4 22,5 6-22,2 4 0,0 11-67,-5 13-11,-5 7 10,-4 6 12,-5 2-11,-3 12 0,-3 8 11,-4 13 34,-1 6-58,-3-1-9,0-4 33,0-4-135,0-9-133,1-4-57,4-7-157,2-5-515,7-2-482,1-3-987,3 0 2522,-4-10 0,-6 7 0,-5-7 0</inkml:trace>
-</inkml:ink>
-</file>
-
-<file path=ppt/ink/ink59.xml><?xml version="1.0" encoding="utf-8"?>
-<inkml:ink xmlns:inkml="http://www.w3.org/2003/InkML">
-  <inkml:definitions>
-    <inkml:context xml:id="ctx0">
-      <inkml:inkSource xml:id="inkSrc0">
-        <inkml:traceFormat>
-          <inkml:channel name="X" type="integer" min="-2.14748E9" max="2.14748E9" units="cm"/>
-          <inkml:channel name="Y" type="integer" min="-2.14748E9" max="2.14748E9" units="cm"/>
-          <inkml:channel name="F" type="integer" max="32767" units="dev"/>
-        </inkml:traceFormat>
-        <inkml:channelProperties>
-          <inkml:channelProperty channel="X" name="resolution" value="1000" units="1/cm"/>
-          <inkml:channelProperty channel="Y" name="resolution" value="1000" units="1/cm"/>
-          <inkml:channelProperty channel="F" name="resolution" value="0" units="1/dev"/>
-        </inkml:channelProperties>
-      </inkml:inkSource>
-      <inkml:timestamp xml:id="ts0" timeString="2022-04-02T07:18:23.042"/>
-    </inkml:context>
-    <inkml:brush xml:id="br0">
-      <inkml:brushProperty name="width" value="0.08571" units="cm"/>
-      <inkml:brushProperty name="height" value="0.08571" units="cm"/>
-      <inkml:brushProperty name="color" value="#E71224"/>
-    </inkml:brush>
-  </inkml:definitions>
-  <inkml:trace contextRef="#ctx0" brushRef="#br0">15 21 15415,'-14'-12'-9681,"17"3"9681,18 12 0,-2-2 0,-2 2 0</inkml:trace>
-</inkml:ink>
-</file>
-
-<file path=ppt/ink/ink6.xml><?xml version="1.0" encoding="utf-8"?>
-<inkml:ink xmlns:inkml="http://www.w3.org/2003/InkML">
-  <inkml:definitions>
-    <inkml:context xml:id="ctx0">
-      <inkml:inkSource xml:id="inkSrc0">
-        <inkml:traceFormat>
-          <inkml:channel name="X" type="integer" min="-2.14748E9" max="2.14748E9" units="cm"/>
-          <inkml:channel name="Y" type="integer" min="-2.14748E9" max="2.14748E9" units="cm"/>
-          <inkml:channel name="F" type="integer" max="32767" units="dev"/>
-        </inkml:traceFormat>
-        <inkml:channelProperties>
-          <inkml:channelProperty channel="X" name="resolution" value="1000" units="1/cm"/>
-          <inkml:channelProperty channel="Y" name="resolution" value="1000" units="1/cm"/>
-          <inkml:channelProperty channel="F" name="resolution" value="0" units="1/dev"/>
-        </inkml:channelProperties>
-      </inkml:inkSource>
-      <inkml:timestamp xml:id="ts0" timeString="2022-04-02T07:17:39.778"/>
-    </inkml:context>
-    <inkml:brush xml:id="br0">
-      <inkml:brushProperty name="width" value="0.08571" units="cm"/>
-      <inkml:brushProperty name="height" value="0.08571" units="cm"/>
-      <inkml:brushProperty name="color" value="#008C3A"/>
-    </inkml:brush>
-  </inkml:definitions>
-  <inkml:trace contextRef="#ctx0" brushRef="#br0">0 20 11616,'4'-7'516,"-1"1"-460,-3 6-5435,0 0 5379,1-3 0,0 2 0,0-2 0</inkml:trace>
-</inkml:ink>
-</file>
-
-<file path=ppt/ink/ink60.xml><?xml version="1.0" encoding="utf-8"?>
-<inkml:ink xmlns:inkml="http://www.w3.org/2003/InkML">
-  <inkml:definitions>
-    <inkml:context xml:id="ctx0">
-      <inkml:inkSource xml:id="inkSrc0">
-        <inkml:traceFormat>
-          <inkml:channel name="X" type="integer" min="-2.14748E9" max="2.14748E9" units="cm"/>
-          <inkml:channel name="Y" type="integer" min="-2.14748E9" max="2.14748E9" units="cm"/>
-          <inkml:channel name="F" type="integer" max="32767" units="dev"/>
-        </inkml:traceFormat>
-        <inkml:channelProperties>
-          <inkml:channelProperty channel="X" name="resolution" value="1000" units="1/cm"/>
-          <inkml:channelProperty channel="Y" name="resolution" value="1000" units="1/cm"/>
-          <inkml:channelProperty channel="F" name="resolution" value="0" units="1/dev"/>
-        </inkml:channelProperties>
-      </inkml:inkSource>
-      <inkml:timestamp xml:id="ts0" timeString="2022-04-02T07:18:23.730"/>
-    </inkml:context>
-    <inkml:brush xml:id="br0">
-      <inkml:brushProperty name="width" value="0.08571" units="cm"/>
-      <inkml:brushProperty name="height" value="0.08571" units="cm"/>
-      <inkml:brushProperty name="color" value="#E71224"/>
-    </inkml:brush>
-  </inkml:definitions>
-  <inkml:trace contextRef="#ctx0" brushRef="#br0">37 102 10373,'-8'-5'3159,"3"0"-2375,5 5 247,0 0-739,-11-14-68,9 11-90,-8-11-33,10 14-90,0 0 56,4 0-67,10-1 0,10-4-280,12-2-414,3-2-628,3 2-505,-3 1-773,-2-1 2600,-3-2 0,-15 4 0,-6 0 0</inkml:trace>
-</inkml:ink>
-</file>
-
-<file path=ppt/ink/ink61.xml><?xml version="1.0" encoding="utf-8"?>
-<inkml:ink xmlns:inkml="http://www.w3.org/2003/InkML">
-  <inkml:definitions>
-    <inkml:context xml:id="ctx0">
-      <inkml:inkSource xml:id="inkSrc0">
-        <inkml:traceFormat>
-          <inkml:channel name="X" type="integer" min="-2.14748E9" max="2.14748E9" units="cm"/>
-          <inkml:channel name="Y" type="integer" min="-2.14748E9" max="2.14748E9" units="cm"/>
-          <inkml:channel name="F" type="integer" max="32767" units="dev"/>
-        </inkml:traceFormat>
-        <inkml:channelProperties>
-          <inkml:channelProperty channel="X" name="resolution" value="1000" units="1/cm"/>
-          <inkml:channelProperty channel="Y" name="resolution" value="1000" units="1/cm"/>
-          <inkml:channelProperty channel="F" name="resolution" value="0" units="1/dev"/>
-        </inkml:channelProperties>
-      </inkml:inkSource>
-      <inkml:timestamp xml:id="ts0" timeString="2022-04-02T07:18:24.421"/>
-    </inkml:context>
-    <inkml:brush xml:id="br0">
-      <inkml:brushProperty name="width" value="0.08571" units="cm"/>
-      <inkml:brushProperty name="height" value="0.08571" units="cm"/>
-      <inkml:brushProperty name="color" value="#E71224"/>
-    </inkml:brush>
-  </inkml:definitions>
-  <inkml:trace contextRef="#ctx0" brushRef="#br0">102 48 9453,'-11'0'3250,"2"0"-2398,9 0 447,0 0-862,-7-10-190,5 7-23,-5-7-67,7 10-101,0 0-12,1-4-44,8 2-22,5-4 22,10 2-45,2-1-22,1 3-67,-2 1-90,-4 1-79,-1 4 1,-5 8-57,-2 9 11,-4 9 225,-3 5 56,-4 2 56,-7-2-11,-10-3 22,-7-5 11,-8-6 0,4-3 0,1-6 0,7-3 12,5-3 66,5-4 292,5 0 1221,2-2-1590,8-4-12,5-1 0,9-2-23,4 0-55,4 4 44,2 1-111,4 2-180,2 2-168,3 12-202,-1 7 68,2 15 167,-4 3 1,-8 1 33,-9-1 213,-11-5 146,-6 0 56,-14-7 22,-14 0 101,-20-6 146,-15-2-34,-10-7 11,-2-6 34,4-3-90,9-3-89,14 0-34,10-4-56,14-6-460,10-8-2060,6-5 2520,15-3 0,-7 11 0,7 3 0</inkml:trace>
-</inkml:ink>
-</file>
-
-<file path=ppt/ink/ink62.xml><?xml version="1.0" encoding="utf-8"?>
-<inkml:ink xmlns:inkml="http://www.w3.org/2003/InkML">
-  <inkml:definitions>
-    <inkml:context xml:id="ctx0">
-      <inkml:inkSource xml:id="inkSrc0">
-        <inkml:traceFormat>
-          <inkml:channel name="X" type="integer" min="-2.14748E9" max="2.14748E9" units="cm"/>
-          <inkml:channel name="Y" type="integer" min="-2.14748E9" max="2.14748E9" units="cm"/>
-          <inkml:channel name="F" type="integer" max="32767" units="dev"/>
-        </inkml:traceFormat>
-        <inkml:channelProperties>
-          <inkml:channelProperty channel="X" name="resolution" value="1000" units="1/cm"/>
-          <inkml:channelProperty channel="Y" name="resolution" value="1000" units="1/cm"/>
-          <inkml:channelProperty channel="F" name="resolution" value="0" units="1/dev"/>
-        </inkml:channelProperties>
-      </inkml:inkSource>
-      <inkml:timestamp xml:id="ts0" timeString="2022-04-02T07:18:26.419"/>
-    </inkml:context>
-    <inkml:brush xml:id="br0">
-      <inkml:brushProperty name="width" value="0.08571" units="cm"/>
-      <inkml:brushProperty name="height" value="0.08571" units="cm"/>
-      <inkml:brushProperty name="color" value="#E71224"/>
-    </inkml:brush>
-  </inkml:definitions>
-  <inkml:trace contextRef="#ctx0" brushRef="#br0">17 100 9453,'0'-17'3675,"0"3"-2621,0 14 694,0 0-1625,0-30-123,0 22 0,-1-22-101,0 30 34,-2 7 67,3 11 45,-1 11-34,-1 10-11,0 4 0,0 0-179,1-2-672,0-6-438,0-2-448,0-8-549,1-4-1232,0-8 3518,0-6 0,0-4 0,0-3 0</inkml:trace>
-</inkml:ink>
-</file>
-
-<file path=ppt/ink/ink63.xml><?xml version="1.0" encoding="utf-8"?>
-<inkml:ink xmlns:inkml="http://www.w3.org/2003/InkML">
-  <inkml:definitions>
-    <inkml:context xml:id="ctx0">
-      <inkml:inkSource xml:id="inkSrc0">
-        <inkml:traceFormat>
-          <inkml:channel name="X" type="integer" min="-2.14748E9" max="2.14748E9" units="cm"/>
-          <inkml:channel name="Y" type="integer" min="-2.14748E9" max="2.14748E9" units="cm"/>
-          <inkml:channel name="F" type="integer" max="32767" units="dev"/>
-        </inkml:traceFormat>
-        <inkml:channelProperties>
-          <inkml:channelProperty channel="X" name="resolution" value="1000" units="1/cm"/>
-          <inkml:channelProperty channel="Y" name="resolution" value="1000" units="1/cm"/>
-          <inkml:channelProperty channel="F" name="resolution" value="0" units="1/dev"/>
-        </inkml:channelProperties>
-      </inkml:inkSource>
-      <inkml:timestamp xml:id="ts0" timeString="2022-04-02T07:18:26.666"/>
-    </inkml:context>
-    <inkml:brush xml:id="br0">
-      <inkml:brushProperty name="width" value="0.08571" units="cm"/>
-      <inkml:brushProperty name="height" value="0.08571" units="cm"/>
-      <inkml:brushProperty name="color" value="#E71224"/>
-    </inkml:brush>
-  </inkml:definitions>
-  <inkml:trace contextRef="#ctx0" brushRef="#br0">76 45 14462,'-45'-15'437,"14"3"-280,58 12-112,18 0 0,27-2-45,10-1-337,0-2-693,-8 1-293,-11 1-514,-13 3-1,-11 3 1838,-14 8 0,-12-5 0,-8 4 0</inkml:trace>
-</inkml:ink>
-</file>
-
-<file path=ppt/ink/ink64.xml><?xml version="1.0" encoding="utf-8"?>
-<inkml:ink xmlns:inkml="http://www.w3.org/2003/InkML">
-  <inkml:definitions>
-    <inkml:context xml:id="ctx0">
-      <inkml:inkSource xml:id="inkSrc0">
-        <inkml:traceFormat>
-          <inkml:channel name="X" type="integer" min="-2.14748E9" max="2.14748E9" units="cm"/>
-          <inkml:channel name="Y" type="integer" min="-2.14748E9" max="2.14748E9" units="cm"/>
-          <inkml:channel name="F" type="integer" max="32767" units="dev"/>
-        </inkml:traceFormat>
-        <inkml:channelProperties>
-          <inkml:channelProperty channel="X" name="resolution" value="1000" units="1/cm"/>
-          <inkml:channelProperty channel="Y" name="resolution" value="1000" units="1/cm"/>
-          <inkml:channelProperty channel="F" name="resolution" value="0" units="1/dev"/>
-        </inkml:channelProperties>
-      </inkml:inkSource>
-      <inkml:timestamp xml:id="ts0" timeString="2022-04-02T07:18:26.898"/>
-    </inkml:context>
-    <inkml:brush xml:id="br0">
-      <inkml:brushProperty name="width" value="0.08571" units="cm"/>
-      <inkml:brushProperty name="height" value="0.08571" units="cm"/>
-      <inkml:brushProperty name="color" value="#E71224"/>
-    </inkml:brush>
-  </inkml:definitions>
-  <inkml:trace contextRef="#ctx0" brushRef="#br0">0 133 14731,'85'-24'33,"-1"-1"-55,-12 6-415,-3-1-650,-8 6-279,-10 2-327,-9 5-973,-6 2 2666,-8 2 0,-13 1 0,-4 0 0</inkml:trace>
-</inkml:ink>
-</file>
-
-<file path=ppt/ink/ink65.xml><?xml version="1.0" encoding="utf-8"?>
-<inkml:ink xmlns:inkml="http://www.w3.org/2003/InkML">
-  <inkml:definitions>
-    <inkml:context xml:id="ctx0">
-      <inkml:inkSource xml:id="inkSrc0">
-        <inkml:traceFormat>
-          <inkml:channel name="X" type="integer" min="-2.14748E9" max="2.14748E9" units="cm"/>
-          <inkml:channel name="Y" type="integer" min="-2.14748E9" max="2.14748E9" units="cm"/>
-          <inkml:channel name="F" type="integer" max="32767" units="dev"/>
-        </inkml:traceFormat>
-        <inkml:channelProperties>
-          <inkml:channelProperty channel="X" name="resolution" value="1000" units="1/cm"/>
-          <inkml:channelProperty channel="Y" name="resolution" value="1000" units="1/cm"/>
-          <inkml:channelProperty channel="F" name="resolution" value="0" units="1/dev"/>
-        </inkml:channelProperties>
-      </inkml:inkSource>
-      <inkml:timestamp xml:id="ts0" timeString="2022-04-02T07:18:27.444"/>
-    </inkml:context>
-    <inkml:brush xml:id="br0">
-      <inkml:brushProperty name="width" value="0.08571" units="cm"/>
-      <inkml:brushProperty name="height" value="0.08571" units="cm"/>
-      <inkml:brushProperty name="color" value="#E71224"/>
-    </inkml:brush>
-  </inkml:definitions>
-  <inkml:trace contextRef="#ctx0" brushRef="#br0">1 68 10081,'0'-12'4190,"0"3"-3338,0 9-336,0 0-516,0-24-90,0 18 45,0-11 45,0 39 11,0 13 1,0 16 32,0 1-32,0 2-12,3-6-213,2-4-662,3-5-436,2-6-492,0-6-640,0-5 2443,-3-10 0,-3-4 0,-2-7 0</inkml:trace>
-</inkml:ink>
-</file>
-
-<file path=ppt/ink/ink66.xml><?xml version="1.0" encoding="utf-8"?>
-<inkml:ink xmlns:inkml="http://www.w3.org/2003/InkML">
-  <inkml:definitions>
-    <inkml:context xml:id="ctx0">
-      <inkml:inkSource xml:id="inkSrc0">
-        <inkml:traceFormat>
-          <inkml:channel name="X" type="integer" min="-2.14748E9" max="2.14748E9" units="cm"/>
-          <inkml:channel name="Y" type="integer" min="-2.14748E9" max="2.14748E9" units="cm"/>
-          <inkml:channel name="F" type="integer" max="32767" units="dev"/>
-        </inkml:traceFormat>
-        <inkml:channelProperties>
-          <inkml:channelProperty channel="X" name="resolution" value="1000" units="1/cm"/>
-          <inkml:channelProperty channel="Y" name="resolution" value="1000" units="1/cm"/>
-          <inkml:channelProperty channel="F" name="resolution" value="0" units="1/dev"/>
-        </inkml:channelProperties>
-      </inkml:inkSource>
-      <inkml:timestamp xml:id="ts0" timeString="2022-04-02T07:18:27.662"/>
-    </inkml:context>
-    <inkml:brush xml:id="br0">
-      <inkml:brushProperty name="width" value="0.08571" units="cm"/>
-      <inkml:brushProperty name="height" value="0.08571" units="cm"/>
-      <inkml:brushProperty name="color" value="#E71224"/>
-    </inkml:brush>
-  </inkml:definitions>
-  <inkml:trace contextRef="#ctx0" brushRef="#br0">20 41 10036,'-11'-4'2286,"3"1"-1905,8 3-124,0 0-100,23-10-90,10 6-11,28-9-56,3 11-840,-1-1-504,-7 3-438,-9-2-1489,-9 2 3271,-7 0 0,-16 0 0,-4 0 0</inkml:trace>
-</inkml:ink>
-</file>
-
-<file path=ppt/ink/ink67.xml><?xml version="1.0" encoding="utf-8"?>
-<inkml:ink xmlns:inkml="http://www.w3.org/2003/InkML">
-  <inkml:definitions>
-    <inkml:context xml:id="ctx0">
-      <inkml:inkSource xml:id="inkSrc0">
-        <inkml:traceFormat>
-          <inkml:channel name="X" type="integer" min="-2.14748E9" max="2.14748E9" units="cm"/>
-          <inkml:channel name="Y" type="integer" min="-2.14748E9" max="2.14748E9" units="cm"/>
-          <inkml:channel name="F" type="integer" max="32767" units="dev"/>
-        </inkml:traceFormat>
-        <inkml:channelProperties>
-          <inkml:channelProperty channel="X" name="resolution" value="1000" units="1/cm"/>
-          <inkml:channelProperty channel="Y" name="resolution" value="1000" units="1/cm"/>
-          <inkml:channelProperty channel="F" name="resolution" value="0" units="1/dev"/>
-        </inkml:channelProperties>
-      </inkml:inkSource>
-      <inkml:timestamp xml:id="ts0" timeString="2022-04-02T07:18:28.387"/>
-    </inkml:context>
-    <inkml:brush xml:id="br0">
-      <inkml:brushProperty name="width" value="0.08571" units="cm"/>
-      <inkml:brushProperty name="height" value="0.08571" units="cm"/>
-      <inkml:brushProperty name="color" value="#E71224"/>
-    </inkml:brush>
-  </inkml:definitions>
-  <inkml:trace contextRef="#ctx0" brushRef="#br0">17 110 10697,'-14'27'303,"11"-5"-158,20-14-33,13-4-89,5-1 33,1-3-45,-7 0-11,-4-6 0,-9-6 11,-8-7 303,-3-5 347,-5 0-168,0-1-135,-3 4-167,-5 1-56,-4 8-90,-6 5-23,-2 4-44,0 3 22,-4 6-23,4 7 23,-1 12 0,6 6 0,5 6 0,6 0 12,2 4-1,12-1 22,10-6-10,17-4-23,9-9-112,6-7 56,2-8-12,-1-5 34,14-13 34,-25-4 46,6-15-1,-30-1 55,-6-4 136,-7 0 21,-4 0-100,-1 4 89,0 3-179,-6 8-67,-1 5-11,-6 8-67,-2 4 22,0 4 22,-1 8-22,0 5-235,5 9-56,3 5 157,7-5-35,1 2 158,9-8 11,7-3-23,13-8 79,8-2 11,3-3 34,1-6-45,-2-2 45,-4-5-23,-10 2 113,-8 1 22,-10 7-157,-4 0-135,-3 3 135,0 7-22,0 10 11,0 10-236,0 8-839,0 0-562,0-1-794,4-5 2442,10-7 0,-6-10 0,5-6 0</inkml:trace>
-</inkml:ink>
-</file>
-
-<file path=ppt/ink/ink68.xml><?xml version="1.0" encoding="utf-8"?>
-<inkml:ink xmlns:inkml="http://www.w3.org/2003/InkML">
-  <inkml:definitions>
-    <inkml:context xml:id="ctx0">
-      <inkml:inkSource xml:id="inkSrc0">
-        <inkml:traceFormat>
-          <inkml:channel name="X" type="integer" min="-2.14748E9" max="2.14748E9" units="cm"/>
-          <inkml:channel name="Y" type="integer" min="-2.14748E9" max="2.14748E9" units="cm"/>
-          <inkml:channel name="F" type="integer" max="32767" units="dev"/>
-        </inkml:traceFormat>
-        <inkml:channelProperties>
-          <inkml:channelProperty channel="X" name="resolution" value="1000" units="1/cm"/>
-          <inkml:channelProperty channel="Y" name="resolution" value="1000" units="1/cm"/>
-          <inkml:channelProperty channel="F" name="resolution" value="0" units="1/dev"/>
-        </inkml:channelProperties>
-      </inkml:inkSource>
-      <inkml:timestamp xml:id="ts0" timeString="2022-04-02T07:18:29.018"/>
-    </inkml:context>
-    <inkml:brush xml:id="br0">
-      <inkml:brushProperty name="width" value="0.08571" units="cm"/>
-      <inkml:brushProperty name="height" value="0.08571" units="cm"/>
-      <inkml:brushProperty name="color" value="#E71224"/>
-    </inkml:brush>
-  </inkml:definitions>
-  <inkml:trace contextRef="#ctx0" brushRef="#br0">236 412 13745,'-48'-19'28,"0"0"0,-33 1-28,56 35 34,6 14-34,10 0-11,4 1-68,5-5-279,2 0-293,12-6-189,10-6 325,11-6 425,4-6 90,-4-3 56,-7-8 179,-9-7 281,-9-8 55,-5-6-134,-4 3-111,-1 5-91,0 5-78,0 6-157,0 4 0,0 3-135,0 3 113,0 6-57,0 9-347,0 10-224,0 8 1,9-3-113,9-4-46,15-7 136,10-11 560,5-3 68,0-5 44,-7-3 56,-4-8 302,-13-7 595,-7-9 32,-10-7 46,-4-7-111,-3-8 121,-2-12-323,-5-6-69,-2-3-133,-6 3-158,2 12-122,1 16-158,4 15-78,0 15-78,5 6-46,-3 9 124,-1 19-11,-1 19 11,-1 25-33,4 6-281,2 3-123,3-7-179,10-8-270,6-11-312,14-9-270,4-11-269,2-8-1176,0-12 2913,-4-6 0,-15-4 0,-5-2 0</inkml:trace>
-</inkml:ink>
-</file>
-
-<file path=ppt/ink/ink69.xml><?xml version="1.0" encoding="utf-8"?>
-<inkml:ink xmlns:inkml="http://www.w3.org/2003/InkML">
-  <inkml:definitions>
-    <inkml:context xml:id="ctx0">
-      <inkml:inkSource xml:id="inkSrc0">
-        <inkml:traceFormat>
-          <inkml:channel name="X" type="integer" min="-2.14748E9" max="2.14748E9" units="cm"/>
-          <inkml:channel name="Y" type="integer" min="-2.14748E9" max="2.14748E9" units="cm"/>
-          <inkml:channel name="F" type="integer" max="32767" units="dev"/>
-        </inkml:traceFormat>
-        <inkml:channelProperties>
-          <inkml:channelProperty channel="X" name="resolution" value="1000" units="1/cm"/>
-          <inkml:channelProperty channel="Y" name="resolution" value="1000" units="1/cm"/>
-          <inkml:channelProperty channel="F" name="resolution" value="0" units="1/dev"/>
-        </inkml:channelProperties>
-      </inkml:inkSource>
-      <inkml:timestamp xml:id="ts0" timeString="2022-04-02T07:18:30.145"/>
-    </inkml:context>
-    <inkml:brush xml:id="br0">
-      <inkml:brushProperty name="width" value="0.08571" units="cm"/>
-      <inkml:brushProperty name="height" value="0.08571" units="cm"/>
-      <inkml:brushProperty name="color" value="#E71224"/>
-    </inkml:brush>
-  </inkml:definitions>
-  <inkml:trace contextRef="#ctx0" brushRef="#br0">1 106 11549,'6'8'583,"12"0"-326,29 5-78,9-4-89,5-2 33,0-5-11,1-1 90,-9-1 112,-6-1 201,-9-6 146,-12-2 57,-5-5-136,-12 2-67,-3 4-212,-6 1-124,0 5-268,0 1 78,-3 13-12,-4 5-78,1 15-146,0 4 1,5 0-56,1-2 134,5-7 44,10-6 124,9-9 0,5-6 0,1-5 23,-4-1 33,-1-6-11,-5-6 100,-3-8 146,-4-8-11,-4-1-77,-4 3-69,-4 3-56,-1 7-66,0 8-12,0 3-269,0 5 224,0 12-56,0 9-280,0 14 101,3 4-79,6-1-89,8-7 268,9-6 35,4-9-1,1-8-33,2-5 56,-6-3 67,-1-9 56,-8-7 11,-5-13 45,-5-7 11,-5-3 146,-1-5 89,-2-1-166,-2 1-24,-5 1-112,-8 10-23,-6 8 1,-6 13-34,2 6-68,-1 6-459,3 7 68,5 9-23,3 12-112,7 3 314,3 1 180,3-6 100,2-6 56,6-6 44,6-6 24,11-4 44,10-3 168,3-1 112,8-8-124,-3-1-122,2-8-68,-4 2-21,-3 2-57,-6 5-113,-4 5 80,-8 1 33,-3 2-11,-7 0-1,-3 6 12,-4 3 0,-1 5 23,0 0-23,0-4 0,0-5 0,0-2 1456,0-3-1377,6-7-57,7-7-22,9-10-11,10-4 0,2 2-79,-1 6 68,-4 6-57,-9 8 1,-5 3 22,-6 3-11,-5 1-23,-1 10 79,-3 7 22,0 11-22,0 2 22,0 0-11,0-4 0,0-3-11,1-7-202,5-4-246,5-6-202,6-4-751,3-1-672,5-2-1322,-5 0 3406,-4-11 0,-8 9 0,-5-9 0</inkml:trace>
-</inkml:ink>
-</file>
-
-<file path=ppt/ink/ink7.xml><?xml version="1.0" encoding="utf-8"?>
-<inkml:ink xmlns:inkml="http://www.w3.org/2003/InkML">
-  <inkml:definitions>
-    <inkml:context xml:id="ctx0">
-      <inkml:inkSource xml:id="inkSrc0">
-        <inkml:traceFormat>
-          <inkml:channel name="X" type="integer" min="-2.14748E9" max="2.14748E9" units="cm"/>
-          <inkml:channel name="Y" type="integer" min="-2.14748E9" max="2.14748E9" units="cm"/>
-          <inkml:channel name="F" type="integer" max="32767" units="dev"/>
-        </inkml:traceFormat>
-        <inkml:channelProperties>
-          <inkml:channelProperty channel="X" name="resolution" value="1000" units="1/cm"/>
-          <inkml:channelProperty channel="Y" name="resolution" value="1000" units="1/cm"/>
-          <inkml:channelProperty channel="F" name="resolution" value="0" units="1/dev"/>
-        </inkml:channelProperties>
-      </inkml:inkSource>
-      <inkml:timestamp xml:id="ts0" timeString="2022-04-02T07:17:40.853"/>
-    </inkml:context>
-    <inkml:brush xml:id="br0">
-      <inkml:brushProperty name="width" value="0.08571" units="cm"/>
-      <inkml:brushProperty name="height" value="0.08571" units="cm"/>
-      <inkml:brushProperty name="color" value="#008C3A"/>
-    </inkml:brush>
-  </inkml:definitions>
-  <inkml:trace contextRef="#ctx0" brushRef="#br0">364 344 8781,'0'-4'2723,"0"1"-863,0 3-1434,-28-35 89,10 22-168,-28-26-168,14 32-55,-5 3-56,-1 2-68,1 0-45,2 5 22,4 12 23,3 8-11,10 13 0,7 3-102,6 2-424,14-5-146,12-5 290,16-14 146,15-8 91,5-7 144,-1-13 12,-7-5 12,-13-15-12,-10-4 78,-14-9 392,-7-4 13,-5-8-103,0-1 113,-1-1-111,-5 10-80,-1 9-89,-5 14-67,4 13-146,1 5-101,4 7 45,-1 7 56,0 14 11,-2 14 0,2 16-11,1 7 0,3-1-101,13-3-594,6-3-447,19-8-46,5-4-672,6-8-314,2-9 2174,1-7 0,-23-8 0,-5-4 0</inkml:trace>
-</inkml:ink>
-</file>
-
-<file path=ppt/ink/ink70.xml><?xml version="1.0" encoding="utf-8"?>
-<inkml:ink xmlns:inkml="http://www.w3.org/2003/InkML">
-  <inkml:definitions>
-    <inkml:context xml:id="ctx0">
-      <inkml:inkSource xml:id="inkSrc0">
-        <inkml:traceFormat>
-          <inkml:channel name="X" type="integer" min="-2.14748E9" max="2.14748E9" units="cm"/>
-          <inkml:channel name="Y" type="integer" min="-2.14748E9" max="2.14748E9" units="cm"/>
-          <inkml:channel name="F" type="integer" max="32767" units="dev"/>
-        </inkml:traceFormat>
-        <inkml:channelProperties>
-          <inkml:channelProperty channel="X" name="resolution" value="1000" units="1/cm"/>
-          <inkml:channelProperty channel="Y" name="resolution" value="1000" units="1/cm"/>
-          <inkml:channelProperty channel="F" name="resolution" value="0" units="1/dev"/>
-        </inkml:channelProperties>
-      </inkml:inkSource>
-      <inkml:timestamp xml:id="ts0" timeString="2022-04-02T07:18:30.338"/>
-    </inkml:context>
-    <inkml:brush xml:id="br0">
-      <inkml:brushProperty name="width" value="0.08571" units="cm"/>
-      <inkml:brushProperty name="height" value="0.08571" units="cm"/>
-      <inkml:brushProperty name="color" value="#E71224"/>
-    </inkml:brush>
-  </inkml:definitions>
-  <inkml:trace contextRef="#ctx0" brushRef="#br0">1 17 12927,'28'-9'-803,"-12"1"0,-5 8 0</inkml:trace>
-</inkml:ink>
-</file>
-
-<file path=ppt/ink/ink71.xml><?xml version="1.0" encoding="utf-8"?>
-<inkml:ink xmlns:inkml="http://www.w3.org/2003/InkML">
-  <inkml:definitions>
-    <inkml:context xml:id="ctx0">
-      <inkml:inkSource xml:id="inkSrc0">
-        <inkml:traceFormat>
-          <inkml:channel name="X" type="integer" min="-2.14748E9" max="2.14748E9" units="cm"/>
-          <inkml:channel name="Y" type="integer" min="-2.14748E9" max="2.14748E9" units="cm"/>
-          <inkml:channel name="F" type="integer" max="32767" units="dev"/>
-        </inkml:traceFormat>
-        <inkml:channelProperties>
-          <inkml:channelProperty channel="X" name="resolution" value="1000" units="1/cm"/>
-          <inkml:channelProperty channel="Y" name="resolution" value="1000" units="1/cm"/>
-          <inkml:channelProperty channel="F" name="resolution" value="0" units="1/dev"/>
-        </inkml:channelProperties>
-      </inkml:inkSource>
-      <inkml:timestamp xml:id="ts0" timeString="2022-04-02T07:18:30.961"/>
-    </inkml:context>
-    <inkml:brush xml:id="br0">
-      <inkml:brushProperty name="width" value="0.08571" units="cm"/>
-      <inkml:brushProperty name="height" value="0.08571" units="cm"/>
-      <inkml:brushProperty name="color" value="#E71224"/>
-    </inkml:brush>
-  </inkml:definitions>
-  <inkml:trace contextRef="#ctx0" brushRef="#br0">1 21 15202,'0'-12'739,"0"3"-605,0 9-100,13 0-23,9 0-11,19 0-168,7 0-919,3 0-1008,-2 0-1300,-3 0 3395,-5 0 0,-18 0 0,-7 0 0</inkml:trace>
-</inkml:ink>
-</file>
-
-<file path=ppt/ink/ink72.xml><?xml version="1.0" encoding="utf-8"?>
-<inkml:ink xmlns:inkml="http://www.w3.org/2003/InkML">
-  <inkml:definitions>
-    <inkml:context xml:id="ctx0">
-      <inkml:inkSource xml:id="inkSrc0">
-        <inkml:traceFormat>
-          <inkml:channel name="X" type="integer" min="-2.14748E9" max="2.14748E9" units="cm"/>
-          <inkml:channel name="Y" type="integer" min="-2.14748E9" max="2.14748E9" units="cm"/>
-          <inkml:channel name="F" type="integer" max="32767" units="dev"/>
-        </inkml:traceFormat>
-        <inkml:channelProperties>
-          <inkml:channelProperty channel="X" name="resolution" value="1000" units="1/cm"/>
-          <inkml:channelProperty channel="Y" name="resolution" value="1000" units="1/cm"/>
-          <inkml:channelProperty channel="F" name="resolution" value="0" units="1/dev"/>
-        </inkml:channelProperties>
-      </inkml:inkSource>
-      <inkml:timestamp xml:id="ts0" timeString="2022-04-02T07:18:31.396"/>
-    </inkml:context>
-    <inkml:brush xml:id="br0">
-      <inkml:brushProperty name="width" value="0.08571" units="cm"/>
-      <inkml:brushProperty name="height" value="0.08571" units="cm"/>
-      <inkml:brushProperty name="color" value="#E71224"/>
-    </inkml:brush>
-  </inkml:definitions>
-  <inkml:trace contextRef="#ctx0" brushRef="#br0">12 31 11190,'-2'-17'2466,"1"4"-2343,1 13-134,0 0 11,-2 6 22,2 9 34,-1 11-34,1 11 46,0 4-46,0 4 12,0-3 55,0-2-78,0-6 90,0-6-11,0-5 178,-2-8 24,2-5 190,-2-6 11,1-3 1400,1-1-1904,19-6 11,7 0-56,25-4-134,2 1-225,4 4-257,-1 2-280,1 1-695,-6 2-472,-1 0-625,-9 0 2744,-7 0 0,-17 0 0,-7 0 0</inkml:trace>
-</inkml:ink>
-</file>
-
-<file path=ppt/ink/ink73.xml><?xml version="1.0" encoding="utf-8"?>
-<inkml:ink xmlns:inkml="http://www.w3.org/2003/InkML">
-  <inkml:definitions>
-    <inkml:context xml:id="ctx0">
-      <inkml:inkSource xml:id="inkSrc0">
-        <inkml:traceFormat>
-          <inkml:channel name="X" type="integer" min="-2.14748E9" max="2.14748E9" units="cm"/>
-          <inkml:channel name="Y" type="integer" min="-2.14748E9" max="2.14748E9" units="cm"/>
-          <inkml:channel name="F" type="integer" max="32767" units="dev"/>
-        </inkml:traceFormat>
-        <inkml:channelProperties>
-          <inkml:channelProperty channel="X" name="resolution" value="1000" units="1/cm"/>
-          <inkml:channelProperty channel="Y" name="resolution" value="1000" units="1/cm"/>
-          <inkml:channelProperty channel="F" name="resolution" value="0" units="1/dev"/>
-        </inkml:channelProperties>
-      </inkml:inkSource>
-      <inkml:timestamp xml:id="ts0" timeString="2022-04-02T07:18:31.670"/>
-    </inkml:context>
-    <inkml:brush xml:id="br0">
-      <inkml:brushProperty name="width" value="0.08571" units="cm"/>
-      <inkml:brushProperty name="height" value="0.08571" units="cm"/>
-      <inkml:brushProperty name="color" value="#E71224"/>
-    </inkml:brush>
-  </inkml:definitions>
-  <inkml:trace contextRef="#ctx0" brushRef="#br0">53 10 10417,'-9'-5'3048,"2"0"-2689,7 5-348,0 0-11,-12 14 22,6 9 34,-8 16-56,11 9 23,2 2-1,1-1 12,0 0-1,0-6-33,0-1-526,0-7-1121,0-3-1503,0-6 3150,0-8 0,0-7 0,0-7 0</inkml:trace>
-</inkml:ink>
-</file>
-
-<file path=ppt/ink/ink74.xml><?xml version="1.0" encoding="utf-8"?>
-<inkml:ink xmlns:inkml="http://www.w3.org/2003/InkML">
-  <inkml:definitions>
-    <inkml:context xml:id="ctx0">
-      <inkml:inkSource xml:id="inkSrc0">
-        <inkml:traceFormat>
-          <inkml:channel name="X" type="integer" min="-2.14748E9" max="2.14748E9" units="cm"/>
-          <inkml:channel name="Y" type="integer" min="-2.14748E9" max="2.14748E9" units="cm"/>
-          <inkml:channel name="F" type="integer" max="32767" units="dev"/>
-        </inkml:traceFormat>
-        <inkml:channelProperties>
-          <inkml:channelProperty channel="X" name="resolution" value="1000" units="1/cm"/>
-          <inkml:channelProperty channel="Y" name="resolution" value="1000" units="1/cm"/>
-          <inkml:channelProperty channel="F" name="resolution" value="0" units="1/dev"/>
-        </inkml:channelProperties>
-      </inkml:inkSource>
-      <inkml:timestamp xml:id="ts0" timeString="2022-04-02T07:18:36.295"/>
-    </inkml:context>
-    <inkml:brush xml:id="br0">
-      <inkml:brushProperty name="width" value="0.08571" units="cm"/>
-      <inkml:brushProperty name="height" value="0.08571" units="cm"/>
-      <inkml:brushProperty name="color" value="#008C3A"/>
-    </inkml:brush>
-  </inkml:definitions>
-  <inkml:trace contextRef="#ctx0" brushRef="#br0">0 508 12714,'0'-23'661,"0"5"-582,0 18-146,0 0 67,0 9 0,0 7 33,5 16-33,3 9 12,7 7 21,5 8-33,1 2 0,4 2 34,1 4-34,3-4 22,4 2 1,1-2-23,4-1 0,1 0 0,2-4 33,2-1-22,4-8 23,4 0-34,8-7 11,9 0 12,12-3-422,12-2 410,-41-18 1,2 0-7,2-2 1,2 0-6,3 0 0,0 0 0,3-2 0,2-1 0,1-1 0,2 0 11,1-1 0,0-1-1442,2-2 1,0-2 1435,0 1 1,1-1-6,-1-1 0,0 0-242,0-1 1,-1 0 241,-1 0 0,0-1 0,-2 0 0,0 0 5,-2-1 1,-1 0-138,0 0 0,-2 0 132,-2 0 0,-2 0 0,0-2 0,-1-1 6,-3 0 0,0-3-6,-2-2 0,1-2 11,-2-1 0,1-1-11,-1-2 0,0-2 0,-1 0 0,-1 0 28,1-3 0,0-1-28,-3-1 0,-1-1 52,0-1 0,-2 0-63,42-28-1,-5 0-21,-2-7-12,-2-2 11,-2-4 45,-38 30 1,-2-2-35,31-34 46,-4-5-23,-9 2 22,-6-2 12,-6 0-23,-8 2 112,-4 2 2567,-6 6-2365,-5 5-101,-5 11 699,-2 5-755,-6 8-34,3 5-67,-4 5 563,0 5-518,0-2-34,-1 2 23,0-1 255,1-2-323,-3 0 79,1 0-56,-2-1-33,0 3-1,0 1-11,0 6-11,0 4 0,0 7-22,0 2-1827,0 2 426,0 9-1154,0 5 2577,-7 11 0,5-10 0,-6-3 0</inkml:trace>
-</inkml:ink>
-</file>
-
-<file path=ppt/ink/ink75.xml><?xml version="1.0" encoding="utf-8"?>
-<inkml:ink xmlns:inkml="http://www.w3.org/2003/InkML">
-  <inkml:definitions>
-    <inkml:context xml:id="ctx0">
-      <inkml:inkSource xml:id="inkSrc0">
-        <inkml:traceFormat>
-          <inkml:channel name="X" type="integer" min="-2.14748E9" max="2.14748E9" units="cm"/>
-          <inkml:channel name="Y" type="integer" min="-2.14748E9" max="2.14748E9" units="cm"/>
-          <inkml:channel name="F" type="integer" max="32767" units="dev"/>
-        </inkml:traceFormat>
-        <inkml:channelProperties>
-          <inkml:channelProperty channel="X" name="resolution" value="1000" units="1/cm"/>
-          <inkml:channelProperty channel="Y" name="resolution" value="1000" units="1/cm"/>
-          <inkml:channelProperty channel="F" name="resolution" value="0" units="1/dev"/>
-        </inkml:channelProperties>
-      </inkml:inkSource>
-      <inkml:timestamp xml:id="ts0" timeString="2022-04-02T07:18:37.080"/>
-    </inkml:context>
-    <inkml:brush xml:id="br0">
-      <inkml:brushProperty name="width" value="0.08571" units="cm"/>
-      <inkml:brushProperty name="height" value="0.08571" units="cm"/>
-      <inkml:brushProperty name="color" value="#008C3A"/>
-    </inkml:brush>
-  </inkml:definitions>
-  <inkml:trace contextRef="#ctx0" brushRef="#br0">17 521 9621,'-10'0'2331,"3"0"-1849,7 0 952,0 0-1333,9-3 11,6-6 34,10-5 10,8-6-55,-2-5 101,5-4-34,0-5 1,2-7 88,3-5-122,0-5 21,1-4-21,-2 2-1,-4 7 79,-8 8-101,-8 12-34,-9 10 12,-6 6-45,-4 7-45,-1 1-157,0 2 101,3 0 34,2 6 22,6 6 11,4 12-11,3 7-23,1 7 23,-2 1 12,0 2 10,-2 0-33,1-1 22,-1 0-11,1-3 0,2-1-11,1-4-90,3-3-157,2-3-257,0-7-426,0-4-1154,-3-5-1603,-2-3 3698,-6-4 0,-7-1 0,-3-2 0</inkml:trace>
-</inkml:ink>
-</file>
-
-<file path=ppt/ink/ink76.xml><?xml version="1.0" encoding="utf-8"?>
-<inkml:ink xmlns:inkml="http://www.w3.org/2003/InkML">
-  <inkml:definitions>
-    <inkml:context xml:id="ctx0">
-      <inkml:inkSource xml:id="inkSrc0">
-        <inkml:traceFormat>
-          <inkml:channel name="X" type="integer" min="-2.14748E9" max="2.14748E9" units="cm"/>
-          <inkml:channel name="Y" type="integer" min="-2.14748E9" max="2.14748E9" units="cm"/>
-          <inkml:channel name="F" type="integer" max="32767" units="dev"/>
-        </inkml:traceFormat>
-        <inkml:channelProperties>
-          <inkml:channelProperty channel="X" name="resolution" value="1000" units="1/cm"/>
-          <inkml:channelProperty channel="Y" name="resolution" value="1000" units="1/cm"/>
-          <inkml:channelProperty channel="F" name="resolution" value="0" units="1/dev"/>
-        </inkml:channelProperties>
-      </inkml:inkSource>
-      <inkml:timestamp xml:id="ts0" timeString="2022-04-02T07:18:38.204"/>
-    </inkml:context>
-    <inkml:brush xml:id="br0">
-      <inkml:brushProperty name="width" value="0.08571" units="cm"/>
-      <inkml:brushProperty name="height" value="0.08571" units="cm"/>
-      <inkml:brushProperty name="color" value="#008C3A"/>
-    </inkml:brush>
-  </inkml:definitions>
-  <inkml:trace contextRef="#ctx0" brushRef="#br0">17 698 8837,'-5'0'1681,"0"0"-673,5 0 79,-1 0-516,-1 0-77,0-2-147,1 0 79,1-1 78,0 0-56,0-4-313,0-2-46,0-7-77,0-9 55,0-11-45,0-12-22,0-13 56,0-12-33,0-11 10,1-4-10,7 8-23,1 13 0,3 21 0,-3 18 0,-5 15-12,-1 8-55,-3 3-190,0 2 212,7 0 0,8 26 56,3-4-22,5 27 11,-4-10 0,0 9 0,1 1 11,0 1-11,1-1 0,-1-9-78,1-6-169,-2-11-157,1-6-133,0-5-461,5-4-1119,4-4-1211,8-1 3328,3-3 0,-17 0 0,-4 0 0</inkml:trace>
-</inkml:ink>
-</file>
-
-<file path=ppt/ink/ink77.xml><?xml version="1.0" encoding="utf-8"?>
-<inkml:ink xmlns:inkml="http://www.w3.org/2003/InkML">
-  <inkml:definitions>
-    <inkml:context xml:id="ctx0">
-      <inkml:inkSource xml:id="inkSrc0">
-        <inkml:traceFormat>
-          <inkml:channel name="X" type="integer" min="-2.14748E9" max="2.14748E9" units="cm"/>
-          <inkml:channel name="Y" type="integer" min="-2.14748E9" max="2.14748E9" units="cm"/>
-          <inkml:channel name="F" type="integer" max="32767" units="dev"/>
-        </inkml:traceFormat>
-        <inkml:channelProperties>
-          <inkml:channelProperty channel="X" name="resolution" value="1000" units="1/cm"/>
-          <inkml:channelProperty channel="Y" name="resolution" value="1000" units="1/cm"/>
-          <inkml:channelProperty channel="F" name="resolution" value="0" units="1/dev"/>
-        </inkml:channelProperties>
-      </inkml:inkSource>
-      <inkml:timestamp xml:id="ts0" timeString="2022-04-02T07:18:39.262"/>
-    </inkml:context>
-    <inkml:brush xml:id="br0">
-      <inkml:brushProperty name="width" value="0.08571" units="cm"/>
-      <inkml:brushProperty name="height" value="0.08571" units="cm"/>
-      <inkml:brushProperty name="color" value="#008C3A"/>
-    </inkml:brush>
-  </inkml:definitions>
-  <inkml:trace contextRef="#ctx0" brushRef="#br0">20 276 9913,'-6'-7'2275,"2"1"-1984,4 6-336,0 0 45,-4 9 45,3 14-12,-4 17-10,5 15-12,0 5-11,0-2 34,0-3-34,0-9 44,3-10-44,1-11 12,1-11 21,-2-7 124,0-5 56,-1 0-68,1-8-77,-1-14 67,-1-15 78,-1-18-68,0-11-22,0-8 68,0-5-23,0 2 0,0 11-79,0 12 113,0 21-180,0 13-22,0 11-168,0 6-22,0 1 145,0 6 45,0 9-45,0 11-89,0 6 22,3 1 11,1-5 12,5-4-12,2-7 90,3-7 11,3-5 11,2-4 34,6-7-23,0-12-22,1-12 34,-2-14 33,-2-6 56,-1 1 123,-7 2 113,-2 11-124,-8 14-235,-1 11-34,-3 8-167,0 6 189,0 17 12,0 14 12,-2 19-12,0 8 0,0 1-124,1-1-514,1-4-315,3-5-1052,8-6-192,7-8 2197,10-6 0,-11-17 0,-2-5 0</inkml:trace>
-</inkml:ink>
-</file>
-
-<file path=ppt/ink/ink78.xml><?xml version="1.0" encoding="utf-8"?>
-<inkml:ink xmlns:inkml="http://www.w3.org/2003/InkML">
-  <inkml:definitions>
-    <inkml:context xml:id="ctx0">
-      <inkml:inkSource xml:id="inkSrc0">
-        <inkml:traceFormat>
-          <inkml:channel name="X" type="integer" min="-2.14748E9" max="2.14748E9" units="cm"/>
-          <inkml:channel name="Y" type="integer" min="-2.14748E9" max="2.14748E9" units="cm"/>
-          <inkml:channel name="F" type="integer" max="32767" units="dev"/>
-        </inkml:traceFormat>
-        <inkml:channelProperties>
-          <inkml:channelProperty channel="X" name="resolution" value="1000" units="1/cm"/>
-          <inkml:channelProperty channel="Y" name="resolution" value="1000" units="1/cm"/>
-          <inkml:channelProperty channel="F" name="resolution" value="0" units="1/dev"/>
-        </inkml:channelProperties>
-      </inkml:inkSource>
-      <inkml:timestamp xml:id="ts0" timeString="2022-04-02T07:18:39.914"/>
-    </inkml:context>
-    <inkml:brush xml:id="br0">
-      <inkml:brushProperty name="width" value="0.08571" units="cm"/>
-      <inkml:brushProperty name="height" value="0.08571" units="cm"/>
-      <inkml:brushProperty name="color" value="#008C3A"/>
-    </inkml:brush>
-  </inkml:definitions>
-  <inkml:trace contextRef="#ctx0" brushRef="#br0">279 395 13835,'-52'-31'26,"1"0"0,3-1 0,8 14-138,18 29 112,-2 5-56,5 14-22,6 3-68,5 4 135,7-2-135,4-1-101,9-4 34,8-7 180,12-6 66,1-10 46,2-4 55,-4-3-55,-2-12-1,-8-5 124,-3-14 246,-8-3-22,-4 3-124,-4 2 147,-2 9-281,0 8-146,0 4-22,0 6-347,0 0 314,0 10 21,0 6-201,0 8 0,3 6 79,6-4 22,6-4 33,10-6 23,6-7 23,4-4 10,4-3 23,0-6 0,-4-9 45,-2-10-23,-10-12 146,-7-7 269,-6-9 124,-7-10-68,-2-1-124,-1 0-89,0 10 1,0 15-169,-3 16-112,0 13-157,-2 7 34,-1 16 123,0 15 11,1 23-11,2 13 11,2 5-3403,1-5 3348,0-6-69,5-7-324,7-10-268,8-6-203,6-10-224,4-5-1075,3-8-1143,0-5 3350,-1-4 0,-14-3 0,-5 0 0</inkml:trace>
-</inkml:ink>
-</file>
-
-<file path=ppt/ink/ink79.xml><?xml version="1.0" encoding="utf-8"?>
-<inkml:ink xmlns:inkml="http://www.w3.org/2003/InkML">
-  <inkml:definitions>
-    <inkml:context xml:id="ctx0">
-      <inkml:inkSource xml:id="inkSrc0">
-        <inkml:traceFormat>
-          <inkml:channel name="X" type="integer" min="-2.14748E9" max="2.14748E9" units="cm"/>
-          <inkml:channel name="Y" type="integer" min="-2.14748E9" max="2.14748E9" units="cm"/>
-          <inkml:channel name="F" type="integer" max="32767" units="dev"/>
-        </inkml:traceFormat>
-        <inkml:channelProperties>
-          <inkml:channelProperty channel="X" name="resolution" value="1000" units="1/cm"/>
-          <inkml:channelProperty channel="Y" name="resolution" value="1000" units="1/cm"/>
-          <inkml:channelProperty channel="F" name="resolution" value="0" units="1/dev"/>
-        </inkml:channelProperties>
-      </inkml:inkSource>
-      <inkml:timestamp xml:id="ts0" timeString="2022-04-02T07:18:41.320"/>
-    </inkml:context>
-    <inkml:brush xml:id="br0">
-      <inkml:brushProperty name="width" value="0.08571" units="cm"/>
-      <inkml:brushProperty name="height" value="0.08571" units="cm"/>
-      <inkml:brushProperty name="color" value="#008C3A"/>
-    </inkml:brush>
-  </inkml:definitions>
-  <inkml:trace contextRef="#ctx0" brushRef="#br0">33 279 9823,'-18'-2'2118,"3"1"-1815,15 1 156,0 0-269,13-5-100,17 4 55,18-3-133,17 4 55,0 0-56,-1 0 11,-3 0-22,-10-2 23,-7 0-46,-14-1 46,-9-1-23,-13 1 146,-4 0 123,-2-2 22,-2 1-45,2-1-22,-2 3 427,0 1-562,-7 1-44,-6 9-22,-5 6-1,-3 15-22,6 6-56,2 3 56,8 3 34,2-4-34,3-1 22,7-10 0,6-7 34,14-10-56,6-5-44,6-4-136,4-5-44,-3-11 67,-1-10 45,-10-14 45,-3-5 44,-6-10 46,-5-6-23,-2-4 44,-5-2 1,-1 9 157,-4 10 157,-2 15-157,-1 13-102,0 9-100,0 7-44,-4 1-57,-3 4 22,-8 16 35,-1 11 21,-3 20 23,5 8 0,4 1 0,5-2 11,4-3-22,1-8-11,0-10 22,0-8 0,0-11 22,0-8 45,0-5 79,0-3 56,2 0-135,5-6-45,8-9 1,5-11-23,6-9-23,3 1 1,1 3 22,0 8-11,-6 6-135,-4 8 0,-6 4-55,-4 5-114,1 0 2,-2 2 212,1 10-11,-4 5-112,-1 10 101,-3 2 33,-1-3-33,1 1 45,1-5-169,4-3 56,2-2 46,6-7 33,0-3 11,6-4 34,0-3 67,4 0 0,1-7 0,-2-6 112,-3-9 100,-6-5 204,-4-3 166,-6 1-22,-2 2-67,-3 6-134,0 5-124,0 7-157,0 4-78,0 4-67,0 1 11,-4 0 0,-2 12 23,-4 6 10,5 13-33,1 3-213,4-2-44,0-3 21,4-2-22,7-7 57,9-5 223,8-9 34,3-3 11,2-3 34,-3-7 45,-4-9 111,-6-8 326,-7-7-34,-5 2-168,-5 3-11,-1 6-169,-2 8-134,0 4-11,0 6-168,0 1 168,-8 8 12,-1 6-12,-6 7 0,2 0 0,5-4 0,2-7-12,4-4 12,0-4-201,2-1-202,8-12-135,5-4 347,12-13-89,3 0 56,2 4 112,-5 8-34,-9 9-89,-3 5 101,-8 3 89,-2 8 23,0 4-23,-3 9-90,3 3-157,-1-2-290,3-2-147,-2-3-10,4-5-79,-2-3-695,0-6 1513,0-1 0,-4-2 0,1 0 0</inkml:trace>
-</inkml:ink>
-</file>
-
-<file path=ppt/ink/ink8.xml><?xml version="1.0" encoding="utf-8"?>
-<inkml:ink xmlns:inkml="http://www.w3.org/2003/InkML">
-  <inkml:definitions>
-    <inkml:context xml:id="ctx0">
-      <inkml:inkSource xml:id="inkSrc0">
-        <inkml:traceFormat>
-          <inkml:channel name="X" type="integer" min="-2.14748E9" max="2.14748E9" units="cm"/>
-          <inkml:channel name="Y" type="integer" min="-2.14748E9" max="2.14748E9" units="cm"/>
-          <inkml:channel name="F" type="integer" max="32767" units="dev"/>
-        </inkml:traceFormat>
-        <inkml:channelProperties>
-          <inkml:channelProperty channel="X" name="resolution" value="1000" units="1/cm"/>
-          <inkml:channelProperty channel="Y" name="resolution" value="1000" units="1/cm"/>
-          <inkml:channelProperty channel="F" name="resolution" value="0" units="1/dev"/>
-        </inkml:channelProperties>
-      </inkml:inkSource>
-      <inkml:timestamp xml:id="ts0" timeString="2022-04-02T07:17:41.454"/>
-    </inkml:context>
-    <inkml:brush xml:id="br0">
-      <inkml:brushProperty name="width" value="0.08571" units="cm"/>
-      <inkml:brushProperty name="height" value="0.08571" units="cm"/>
-      <inkml:brushProperty name="color" value="#008C3A"/>
-    </inkml:brush>
-  </inkml:definitions>
-  <inkml:trace contextRef="#ctx0" brushRef="#br0">265 449 14256,'-50'-34'5,"0"0"1,-36-13-4,59 64-2,3 11 1,8 8-1,7 2-11,6-1-190,6-4-358,12-3 155,11-11 135,13-5 213,6-9 22,-1-4 23,-6-1 11,-5-10 56,-12-4 146,-8-13 269,-7 0-90,-4-1-90,-2 3 22,0 8-178,0 3-135,-3 8-45,2 2-101,-3 3 46,2 2 88,0 12 1,1 6-168,1 11-235,0-1 55,11-5 79,8-7 78,16-9-67,5-3 146,1-5 123,-5-5 0,-5-6 67,-9-10 292,-8-10 190,-7-8-112,-4-10 179,-3-9 45,0-10-190,-5-2-102,-2 1-55,-4 11-123,-1 15-90,1 16-101,4 16-112,1 6-12,4 14 124,0 21 11,2 19-11,0 21 0,0 7-112,11-3-336,3-6-123,10-11-415,3-10-303,-1-12-280,1-10-750,0-9 2319,-4-8 0,-9-5 0,-7-3 0</inkml:trace>
-</inkml:ink>
-</file>
-
-<file path=ppt/ink/ink80.xml><?xml version="1.0" encoding="utf-8"?>
-<inkml:ink xmlns:inkml="http://www.w3.org/2003/InkML">
-  <inkml:definitions>
-    <inkml:context xml:id="ctx0">
-      <inkml:inkSource xml:id="inkSrc0">
-        <inkml:traceFormat>
-          <inkml:channel name="X" type="integer" min="-2.14748E9" max="2.14748E9" units="cm"/>
-          <inkml:channel name="Y" type="integer" min="-2.14748E9" max="2.14748E9" units="cm"/>
-          <inkml:channel name="F" type="integer" max="32767" units="dev"/>
-        </inkml:traceFormat>
-        <inkml:channelProperties>
-          <inkml:channelProperty channel="X" name="resolution" value="1000" units="1/cm"/>
-          <inkml:channelProperty channel="Y" name="resolution" value="1000" units="1/cm"/>
-          <inkml:channelProperty channel="F" name="resolution" value="0" units="1/dev"/>
-        </inkml:channelProperties>
-      </inkml:inkSource>
-      <inkml:timestamp xml:id="ts0" timeString="2022-04-02T07:18:41.543"/>
-    </inkml:context>
-    <inkml:brush xml:id="br0">
-      <inkml:brushProperty name="width" value="0.08571" units="cm"/>
-      <inkml:brushProperty name="height" value="0.08571" units="cm"/>
-      <inkml:brushProperty name="color" value="#008C3A"/>
-    </inkml:brush>
-  </inkml:definitions>
-  <inkml:trace contextRef="#ctx0" brushRef="#br0">12 16 13218,'-11'-13'-840,"13"10"-213,21 15-539,15 11-1086,5 2 2678,3 1 0,-20-11 0,-6-4 0</inkml:trace>
-</inkml:ink>
-</file>
-
-<file path=ppt/ink/ink81.xml><?xml version="1.0" encoding="utf-8"?>
-<inkml:ink xmlns:inkml="http://www.w3.org/2003/InkML">
-  <inkml:definitions>
-    <inkml:context xml:id="ctx0">
-      <inkml:inkSource xml:id="inkSrc0">
-        <inkml:traceFormat>
-          <inkml:channel name="X" type="integer" min="-2.14748E9" max="2.14748E9" units="cm"/>
-          <inkml:channel name="Y" type="integer" min="-2.14748E9" max="2.14748E9" units="cm"/>
-          <inkml:channel name="F" type="integer" max="32767" units="dev"/>
-        </inkml:traceFormat>
-        <inkml:channelProperties>
-          <inkml:channelProperty channel="X" name="resolution" value="1000" units="1/cm"/>
-          <inkml:channelProperty channel="Y" name="resolution" value="1000" units="1/cm"/>
-          <inkml:channelProperty channel="F" name="resolution" value="0" units="1/dev"/>
-        </inkml:channelProperties>
-      </inkml:inkSource>
-      <inkml:timestamp xml:id="ts0" timeString="2022-04-02T07:18:42.211"/>
-    </inkml:context>
-    <inkml:brush xml:id="br0">
-      <inkml:brushProperty name="width" value="0.08571" units="cm"/>
-      <inkml:brushProperty name="height" value="0.08571" units="cm"/>
-      <inkml:brushProperty name="color" value="#008C3A"/>
-    </inkml:brush>
-  </inkml:definitions>
-  <inkml:trace contextRef="#ctx0" brushRef="#br0">213 113 15191,'-11'-54'806,"-1"11"-705,-4 38-68,-2 3-21,2 1-24,-2 1-55,1 3 34,2 8 10,2 7-44,5 8-146,3 1-392,4 0-168,1-1 101,6-5-102,7-5 741,8-9 33,8-2 0,-3-5 101,-2-8 179,-5-6 180,-5-11 144,-4-6 237,-5-2-303,-2 4-180,-3 5-67,0 7-89,0 8-202,0 5-157,0 4 112,0 18 45,0 9 0,-3 24 11,1 6-11,-3 9 12,3-1-12,1 5 33,1-4-22,0-1-11,0-5 0,0-4-11,0-8 34,0-5-35,-2-8 12,-2-5 0,-5-8 0,-5-5 57,-6-6 10,-3-6 0,-6-4 45,2-10-56,-2-13 0,5-18-33,5-16 44,7-10-67,6-6-22,5 0-46,6 4-133,11 10-304,10 9-884,8 16-169,5 11-604,-1 14-774,2 5 2936,-3 3 0,-17 0 0,-4 0 0</inkml:trace>
-</inkml:ink>
-</file>
-
-<file path=ppt/ink/ink82.xml><?xml version="1.0" encoding="utf-8"?>
-<inkml:ink xmlns:inkml="http://www.w3.org/2003/InkML">
-  <inkml:definitions>
-    <inkml:context xml:id="ctx0">
-      <inkml:inkSource xml:id="inkSrc0">
-        <inkml:traceFormat>
-          <inkml:channel name="X" type="integer" min="-2.14748E9" max="2.14748E9" units="cm"/>
-          <inkml:channel name="Y" type="integer" min="-2.14748E9" max="2.14748E9" units="cm"/>
-          <inkml:channel name="F" type="integer" max="32767" units="dev"/>
-        </inkml:traceFormat>
-        <inkml:channelProperties>
-          <inkml:channelProperty channel="X" name="resolution" value="1000" units="1/cm"/>
-          <inkml:channelProperty channel="Y" name="resolution" value="1000" units="1/cm"/>
-          <inkml:channelProperty channel="F" name="resolution" value="0" units="1/dev"/>
-        </inkml:channelProperties>
-      </inkml:inkSource>
-      <inkml:timestamp xml:id="ts0" timeString="2022-04-02T07:18:42.518"/>
-    </inkml:context>
-    <inkml:brush xml:id="br0">
-      <inkml:brushProperty name="width" value="0.08571" units="cm"/>
-      <inkml:brushProperty name="height" value="0.08571" units="cm"/>
-      <inkml:brushProperty name="color" value="#008C3A"/>
-    </inkml:brush>
-  </inkml:definitions>
-  <inkml:trace contextRef="#ctx0" brushRef="#br0">3 11 10496,'6'0'2039,"-2"0"-1670,-4 0-335,50-11-23,-31 15-11,37-3 0,-43 22 0,-8 3 23,-1 3 44,-4-2-67,-4-3 0,-10-1-605,-8-5-1042,-9-3-874,-2-8 2521,4-2 0,12-5 0,7 0 0</inkml:trace>
-</inkml:ink>
-</file>
-
-<file path=ppt/ink/ink83.xml><?xml version="1.0" encoding="utf-8"?>
-<inkml:ink xmlns:inkml="http://www.w3.org/2003/InkML">
-  <inkml:definitions>
-    <inkml:context xml:id="ctx0">
-      <inkml:inkSource xml:id="inkSrc0">
-        <inkml:traceFormat>
-          <inkml:channel name="X" type="integer" min="-2.14748E9" max="2.14748E9" units="cm"/>
-          <inkml:channel name="Y" type="integer" min="-2.14748E9" max="2.14748E9" units="cm"/>
-          <inkml:channel name="F" type="integer" max="32767" units="dev"/>
-        </inkml:traceFormat>
-        <inkml:channelProperties>
-          <inkml:channelProperty channel="X" name="resolution" value="1000" units="1/cm"/>
-          <inkml:channelProperty channel="Y" name="resolution" value="1000" units="1/cm"/>
-          <inkml:channelProperty channel="F" name="resolution" value="0" units="1/dev"/>
-        </inkml:channelProperties>
-      </inkml:inkSource>
-      <inkml:timestamp xml:id="ts0" timeString="2022-04-02T07:18:42.757"/>
-    </inkml:context>
-    <inkml:brush xml:id="br0">
-      <inkml:brushProperty name="width" value="0.08571" units="cm"/>
-      <inkml:brushProperty name="height" value="0.08571" units="cm"/>
-      <inkml:brushProperty name="color" value="#008C3A"/>
-    </inkml:brush>
-  </inkml:definitions>
-  <inkml:trace contextRef="#ctx0" brushRef="#br0">0 35 11291,'0'-8'3350,"0"2"-3036,0 6 11,0 0-325,0-9-45,2 7-874,3-7-1703,2 9 2622,-2 0 0,-1 0 0,-4 0 0</inkml:trace>
-</inkml:ink>
-</file>
-
-<file path=ppt/ink/ink84.xml><?xml version="1.0" encoding="utf-8"?>
-<inkml:ink xmlns:inkml="http://www.w3.org/2003/InkML">
-  <inkml:definitions>
-    <inkml:context xml:id="ctx0">
-      <inkml:inkSource xml:id="inkSrc0">
-        <inkml:traceFormat>
-          <inkml:channel name="X" type="integer" min="-2.14748E9" max="2.14748E9" units="cm"/>
-          <inkml:channel name="Y" type="integer" min="-2.14748E9" max="2.14748E9" units="cm"/>
-          <inkml:channel name="F" type="integer" max="32767" units="dev"/>
-        </inkml:traceFormat>
-        <inkml:channelProperties>
-          <inkml:channelProperty channel="X" name="resolution" value="1000" units="1/cm"/>
-          <inkml:channelProperty channel="Y" name="resolution" value="1000" units="1/cm"/>
-          <inkml:channelProperty channel="F" name="resolution" value="0" units="1/dev"/>
-        </inkml:channelProperties>
-      </inkml:inkSource>
-      <inkml:timestamp xml:id="ts0" timeString="2022-04-02T07:18:43.695"/>
-    </inkml:context>
-    <inkml:brush xml:id="br0">
-      <inkml:brushProperty name="width" value="0.08571" units="cm"/>
-      <inkml:brushProperty name="height" value="0.08571" units="cm"/>
-      <inkml:brushProperty name="color" value="#008C3A"/>
-    </inkml:brush>
-  </inkml:definitions>
-  <inkml:trace contextRef="#ctx0" brushRef="#br0">1 446 10103,'5'0'2600,"0"0"795,-5 0-3059,1 0-67,2-2-112,4-6-56,4-3-56,7-10-3415,4-5 3392,7-8-10,1-5 21,1-7-10,0-3-12,-6-3 0,-3 3 0,-7 8-11,-6 8-11,-5 14 3369,-4 8-3414,0 8-33,0 1-34,-7 2 11,-5 5 0,-8 6-68,0 10 34,2 5-33,8 3-11,4-2-90,4-1 44,4 1-156,11-3 0,8 0-23,16-4 46,3-1-1,3-4-56,-4 0 90,-6-1 33,-5 1 225,-10 1 11,-8 1 67,-6 1 0,-4-2 56,-10 1-23,-8-4 12,-13-1 0,-5 0-45,2-5 0,4 0 0,6-5-325,7-1-639,9-1-907,4 0-1098,4-6 2969,2-8 0,-1 5 0,2-3 0</inkml:trace>
-</inkml:ink>
-</file>
-
-<file path=ppt/ink/ink85.xml><?xml version="1.0" encoding="utf-8"?>
+<file path=ppt/ink/ink90.xml><?xml version="1.0" encoding="utf-8"?>
 <inkml:ink xmlns:inkml="http://www.w3.org/2003/InkML">
   <inkml:definitions>
     <inkml:context xml:id="ctx0">
@@ -2530,7 +2698,7 @@
 </inkml:ink>
 </file>
 
-<file path=ppt/ink/ink86.xml><?xml version="1.0" encoding="utf-8"?>
+<file path=ppt/ink/ink91.xml><?xml version="1.0" encoding="utf-8"?>
 <inkml:ink xmlns:inkml="http://www.w3.org/2003/InkML">
   <inkml:definitions>
     <inkml:context xml:id="ctx0">
@@ -2558,7 +2726,7 @@
 </inkml:ink>
 </file>
 
-<file path=ppt/ink/ink87.xml><?xml version="1.0" encoding="utf-8"?>
+<file path=ppt/ink/ink92.xml><?xml version="1.0" encoding="utf-8"?>
 <inkml:ink xmlns:inkml="http://www.w3.org/2003/InkML">
   <inkml:definitions>
     <inkml:context xml:id="ctx0">
@@ -2586,7 +2754,7 @@
 </inkml:ink>
 </file>
 
-<file path=ppt/ink/ink88.xml><?xml version="1.0" encoding="utf-8"?>
+<file path=ppt/ink/ink93.xml><?xml version="1.0" encoding="utf-8"?>
 <inkml:ink xmlns:inkml="http://www.w3.org/2003/InkML">
   <inkml:definitions>
     <inkml:context xml:id="ctx0">
@@ -2614,7 +2782,7 @@
 </inkml:ink>
 </file>
 
-<file path=ppt/ink/ink89.xml><?xml version="1.0" encoding="utf-8"?>
+<file path=ppt/ink/ink94.xml><?xml version="1.0" encoding="utf-8"?>
 <inkml:ink xmlns:inkml="http://www.w3.org/2003/InkML">
   <inkml:definitions>
     <inkml:context xml:id="ctx0">
@@ -2642,35 +2810,7 @@
 </inkml:ink>
 </file>
 
-<file path=ppt/ink/ink9.xml><?xml version="1.0" encoding="utf-8"?>
-<inkml:ink xmlns:inkml="http://www.w3.org/2003/InkML">
-  <inkml:definitions>
-    <inkml:context xml:id="ctx0">
-      <inkml:inkSource xml:id="inkSrc0">
-        <inkml:traceFormat>
-          <inkml:channel name="X" type="integer" min="-2.14748E9" max="2.14748E9" units="cm"/>
-          <inkml:channel name="Y" type="integer" min="-2.14748E9" max="2.14748E9" units="cm"/>
-          <inkml:channel name="F" type="integer" max="32767" units="dev"/>
-        </inkml:traceFormat>
-        <inkml:channelProperties>
-          <inkml:channelProperty channel="X" name="resolution" value="1000" units="1/cm"/>
-          <inkml:channelProperty channel="Y" name="resolution" value="1000" units="1/cm"/>
-          <inkml:channelProperty channel="F" name="resolution" value="0" units="1/dev"/>
-        </inkml:channelProperties>
-      </inkml:inkSource>
-      <inkml:timestamp xml:id="ts0" timeString="2022-04-02T07:17:42.032"/>
-    </inkml:context>
-    <inkml:brush xml:id="br0">
-      <inkml:brushProperty name="width" value="0.08571" units="cm"/>
-      <inkml:brushProperty name="height" value="0.08571" units="cm"/>
-      <inkml:brushProperty name="color" value="#008C3A"/>
-    </inkml:brush>
-  </inkml:definitions>
-  <inkml:trace contextRef="#ctx0" brushRef="#br0">0 27 11806,'16'-1'863,"9"1"-639,22 7-33,9-4-12,3-1-22,5-2-33,-2 0-35,-2 0 46,-11 0 33,-11 0 201,-17-2 157,-10-1 13,-8-1-214,-3-1-191,0 3-11,0 1-123,-6 1-33,-4 0 10,-10 0-22,-3 3 45,-5 10 0,3 8-11,1 10 0,9 4 11,5 0-112,7-3-123,8-5-202,13-6-79,10-8 102,14-6 358,3-4 56,-5-3 56,-5-3-56,-11-7 33,-7-5 79,-10-11 269,-3-4 23,-4-5-68,0-2 0,-1 2-190,-5 6-68,-3 7-78,-4 10-11,3 6-56,0 4-12,4 4 57,1 13 11,1 12 11,3 14 0,1 9 0,9-5-124,9-3-570,15-10-965,16-8-1422,6-9 3081,5-8 0,-25-4 0,-9-3 0</inkml:trace>
-</inkml:ink>
-</file>
-
-<file path=ppt/ink/ink90.xml><?xml version="1.0" encoding="utf-8"?>
+<file path=ppt/ink/ink95.xml><?xml version="1.0" encoding="utf-8"?>
 <inkml:ink xmlns:inkml="http://www.w3.org/2003/InkML">
   <inkml:definitions>
     <inkml:context xml:id="ctx0">
@@ -2780,7 +2920,7 @@
           <a:p>
             <a:fld id="{AA4BDA8C-820C-459C-9AC3-513B5DFE5A4F}" type="datetimeFigureOut">
               <a:rPr lang="en-IN" smtClean="0"/>
-              <a:t>02/04/22</a:t>
+              <a:t>16/05/22</a:t>
             </a:fld>
             <a:endParaRPr lang="en-IN"/>
           </a:p>
@@ -3229,7 +3369,7 @@
           <a:p>
             <a:fld id="{5AC9D275-D77C-4946-9E6D-6CDF536FEF5F}" type="datetimeFigureOut">
               <a:rPr lang="en-IN" smtClean="0"/>
-              <a:t>02/04/22</a:t>
+              <a:t>16/05/22</a:t>
             </a:fld>
             <a:endParaRPr lang="en-IN"/>
           </a:p>
@@ -3399,7 +3539,7 @@
           <a:p>
             <a:fld id="{5AC9D275-D77C-4946-9E6D-6CDF536FEF5F}" type="datetimeFigureOut">
               <a:rPr lang="en-IN" smtClean="0"/>
-              <a:t>02/04/22</a:t>
+              <a:t>16/05/22</a:t>
             </a:fld>
             <a:endParaRPr lang="en-IN"/>
           </a:p>
@@ -3579,7 +3719,7 @@
           <a:p>
             <a:fld id="{5AC9D275-D77C-4946-9E6D-6CDF536FEF5F}" type="datetimeFigureOut">
               <a:rPr lang="en-IN" smtClean="0"/>
-              <a:t>02/04/22</a:t>
+              <a:t>16/05/22</a:t>
             </a:fld>
             <a:endParaRPr lang="en-IN"/>
           </a:p>
@@ -3826,7 +3966,7 @@
                 </a:solidFill>
               </a:rPr>
               <a:pPr/>
-              <a:t>4/2/22</a:t>
+              <a:t>5/16/22</a:t>
             </a:fld>
             <a:endParaRPr lang="en-US">
               <a:solidFill>
@@ -4026,7 +4166,7 @@
                 </a:solidFill>
               </a:rPr>
               <a:pPr/>
-              <a:t>4/2/22</a:t>
+              <a:t>5/16/22</a:t>
             </a:fld>
             <a:endParaRPr lang="en-US">
               <a:solidFill>
@@ -4303,7 +4443,7 @@
                 </a:solidFill>
               </a:rPr>
               <a:pPr/>
-              <a:t>4/2/22</a:t>
+              <a:t>5/16/22</a:t>
             </a:fld>
             <a:endParaRPr lang="en-US">
               <a:solidFill>
@@ -4620,7 +4760,7 @@
                 </a:solidFill>
               </a:rPr>
               <a:pPr/>
-              <a:t>4/2/22</a:t>
+              <a:t>5/16/22</a:t>
             </a:fld>
             <a:endParaRPr lang="en-US">
               <a:solidFill>
@@ -5071,7 +5211,7 @@
                 </a:solidFill>
               </a:rPr>
               <a:pPr/>
-              <a:t>4/2/22</a:t>
+              <a:t>5/16/22</a:t>
             </a:fld>
             <a:endParaRPr lang="en-US">
               <a:solidFill>
@@ -5220,7 +5360,7 @@
                 </a:solidFill>
               </a:rPr>
               <a:pPr/>
-              <a:t>4/2/22</a:t>
+              <a:t>5/16/22</a:t>
             </a:fld>
             <a:endParaRPr lang="en-US">
               <a:solidFill>
@@ -5347,7 +5487,7 @@
                 </a:solidFill>
               </a:rPr>
               <a:pPr/>
-              <a:t>4/2/22</a:t>
+              <a:t>5/16/22</a:t>
             </a:fld>
             <a:endParaRPr lang="en-US">
               <a:solidFill>
@@ -5654,7 +5794,7 @@
                 </a:solidFill>
               </a:rPr>
               <a:pPr/>
-              <a:t>4/2/22</a:t>
+              <a:t>5/16/22</a:t>
             </a:fld>
             <a:endParaRPr lang="en-US">
               <a:solidFill>
@@ -5849,7 +5989,7 @@
           <a:p>
             <a:fld id="{5AC9D275-D77C-4946-9E6D-6CDF536FEF5F}" type="datetimeFigureOut">
               <a:rPr lang="en-IN" smtClean="0"/>
-              <a:t>02/04/22</a:t>
+              <a:t>16/05/22</a:t>
             </a:fld>
             <a:endParaRPr lang="en-IN"/>
           </a:p>
@@ -6108,7 +6248,7 @@
                 </a:solidFill>
               </a:rPr>
               <a:pPr/>
-              <a:t>4/2/22</a:t>
+              <a:t>5/16/22</a:t>
             </a:fld>
             <a:endParaRPr lang="en-US">
               <a:solidFill>
@@ -6308,7 +6448,7 @@
                 </a:solidFill>
               </a:rPr>
               <a:pPr/>
-              <a:t>4/2/22</a:t>
+              <a:t>5/16/22</a:t>
             </a:fld>
             <a:endParaRPr lang="en-US">
               <a:solidFill>
@@ -6518,7 +6658,7 @@
                 </a:solidFill>
               </a:rPr>
               <a:pPr/>
-              <a:t>4/2/22</a:t>
+              <a:t>5/16/22</a:t>
             </a:fld>
             <a:endParaRPr lang="en-US">
               <a:solidFill>
@@ -7042,7 +7182,7 @@
           <a:p>
             <a:fld id="{5AC9D275-D77C-4946-9E6D-6CDF536FEF5F}" type="datetimeFigureOut">
               <a:rPr lang="en-IN" smtClean="0"/>
-              <a:t>02/04/22</a:t>
+              <a:t>16/05/22</a:t>
             </a:fld>
             <a:endParaRPr lang="en-IN"/>
           </a:p>
@@ -7330,7 +7470,7 @@
           <a:p>
             <a:fld id="{5AC9D275-D77C-4946-9E6D-6CDF536FEF5F}" type="datetimeFigureOut">
               <a:rPr lang="en-IN" smtClean="0"/>
-              <a:t>02/04/22</a:t>
+              <a:t>16/05/22</a:t>
             </a:fld>
             <a:endParaRPr lang="en-IN"/>
           </a:p>
@@ -7752,7 +7892,7 @@
           <a:p>
             <a:fld id="{5AC9D275-D77C-4946-9E6D-6CDF536FEF5F}" type="datetimeFigureOut">
               <a:rPr lang="en-IN" smtClean="0"/>
-              <a:t>02/04/22</a:t>
+              <a:t>16/05/22</a:t>
             </a:fld>
             <a:endParaRPr lang="en-IN"/>
           </a:p>
@@ -7870,7 +8010,7 @@
           <a:p>
             <a:fld id="{5AC9D275-D77C-4946-9E6D-6CDF536FEF5F}" type="datetimeFigureOut">
               <a:rPr lang="en-IN" smtClean="0"/>
-              <a:t>02/04/22</a:t>
+              <a:t>16/05/22</a:t>
             </a:fld>
             <a:endParaRPr lang="en-IN"/>
           </a:p>
@@ -7965,7 +8105,7 @@
           <a:p>
             <a:fld id="{5AC9D275-D77C-4946-9E6D-6CDF536FEF5F}" type="datetimeFigureOut">
               <a:rPr lang="en-IN" smtClean="0"/>
-              <a:t>02/04/22</a:t>
+              <a:t>16/05/22</a:t>
             </a:fld>
             <a:endParaRPr lang="en-IN"/>
           </a:p>
@@ -8242,7 +8382,7 @@
           <a:p>
             <a:fld id="{5AC9D275-D77C-4946-9E6D-6CDF536FEF5F}" type="datetimeFigureOut">
               <a:rPr lang="en-IN" smtClean="0"/>
-              <a:t>02/04/22</a:t>
+              <a:t>16/05/22</a:t>
             </a:fld>
             <a:endParaRPr lang="en-IN"/>
           </a:p>
@@ -8495,7 +8635,7 @@
           <a:p>
             <a:fld id="{5AC9D275-D77C-4946-9E6D-6CDF536FEF5F}" type="datetimeFigureOut">
               <a:rPr lang="en-IN" smtClean="0"/>
-              <a:t>02/04/22</a:t>
+              <a:t>16/05/22</a:t>
             </a:fld>
             <a:endParaRPr lang="en-IN"/>
           </a:p>
@@ -8708,7 +8848,7 @@
           <a:p>
             <a:fld id="{5AC9D275-D77C-4946-9E6D-6CDF536FEF5F}" type="datetimeFigureOut">
               <a:rPr lang="en-IN" smtClean="0"/>
-              <a:t>02/04/22</a:t>
+              <a:t>16/05/22</a:t>
             </a:fld>
             <a:endParaRPr lang="en-IN"/>
           </a:p>
@@ -9223,7 +9363,7 @@
                 </a:solidFill>
               </a:rPr>
               <a:pPr/>
-              <a:t>4/2/22</a:t>
+              <a:t>5/16/22</a:t>
             </a:fld>
             <a:endParaRPr lang="en-US">
               <a:solidFill>
@@ -10074,7 +10214,7 @@
         <p:spPr>
           <a:xfrm>
             <a:off x="251520" y="243987"/>
-            <a:ext cx="8280920" cy="6176750"/>
+            <a:ext cx="8640960" cy="6176750"/>
           </a:xfrm>
           <a:prstGeom prst="rect">
             <a:avLst/>
@@ -10146,6 +10286,261 @@
           </a:p>
         </p:txBody>
       </p:sp>
+      <mc:AlternateContent xmlns:mc="http://schemas.openxmlformats.org/markup-compatibility/2006">
+        <mc:Choice xmlns:p14="http://schemas.microsoft.com/office/powerpoint/2010/main" Requires="p14">
+          <p:contentPart p14:bwMode="auto" r:id="rId3">
+            <p14:nvContentPartPr>
+              <p14:cNvPr id="3" name="Ink 2">
+                <a:extLst>
+                  <a:ext uri="{FF2B5EF4-FFF2-40B4-BE49-F238E27FC236}">
+                    <a16:creationId xmlns:a16="http://schemas.microsoft.com/office/drawing/2014/main" id="{B89CA31B-8B92-F3D0-BA59-3F96BA63FD1F}"/>
+                  </a:ext>
+                </a:extLst>
+              </p14:cNvPr>
+              <p14:cNvContentPartPr/>
+              <p14:nvPr/>
+            </p14:nvContentPartPr>
+            <p14:xfrm>
+              <a:off x="176405" y="2830508"/>
+              <a:ext cx="7994160" cy="166320"/>
+            </p14:xfrm>
+          </p:contentPart>
+        </mc:Choice>
+        <mc:Fallback>
+          <p:pic>
+            <p:nvPicPr>
+              <p:cNvPr id="3" name="Ink 2">
+                <a:extLst>
+                  <a:ext uri="{FF2B5EF4-FFF2-40B4-BE49-F238E27FC236}">
+                    <a16:creationId xmlns:a16="http://schemas.microsoft.com/office/drawing/2014/main" id="{B89CA31B-8B92-F3D0-BA59-3F96BA63FD1F}"/>
+                  </a:ext>
+                </a:extLst>
+              </p:cNvPr>
+              <p:cNvPicPr/>
+              <p:nvPr/>
+            </p:nvPicPr>
+            <p:blipFill>
+              <a:blip r:embed="rId4"/>
+              <a:stretch>
+                <a:fillRect/>
+              </a:stretch>
+            </p:blipFill>
+            <p:spPr>
+              <a:xfrm>
+                <a:off x="158405" y="2812868"/>
+                <a:ext cx="8029800" cy="201960"/>
+              </a:xfrm>
+              <a:prstGeom prst="rect">
+                <a:avLst/>
+              </a:prstGeom>
+            </p:spPr>
+          </p:pic>
+        </mc:Fallback>
+      </mc:AlternateContent>
+      <mc:AlternateContent xmlns:mc="http://schemas.openxmlformats.org/markup-compatibility/2006">
+        <mc:Choice xmlns:p14="http://schemas.microsoft.com/office/powerpoint/2010/main" Requires="p14">
+          <p:contentPart p14:bwMode="auto" r:id="rId5">
+            <p14:nvContentPartPr>
+              <p14:cNvPr id="7" name="Ink 6">
+                <a:extLst>
+                  <a:ext uri="{FF2B5EF4-FFF2-40B4-BE49-F238E27FC236}">
+                    <a16:creationId xmlns:a16="http://schemas.microsoft.com/office/drawing/2014/main" id="{C0D21F48-D5B9-4544-75BE-63A8491D2620}"/>
+                  </a:ext>
+                </a:extLst>
+              </p14:cNvPr>
+              <p14:cNvContentPartPr/>
+              <p14:nvPr/>
+            </p14:nvContentPartPr>
+            <p14:xfrm>
+              <a:off x="93965" y="4223348"/>
+              <a:ext cx="8512560" cy="404640"/>
+            </p14:xfrm>
+          </p:contentPart>
+        </mc:Choice>
+        <mc:Fallback>
+          <p:pic>
+            <p:nvPicPr>
+              <p:cNvPr id="7" name="Ink 6">
+                <a:extLst>
+                  <a:ext uri="{FF2B5EF4-FFF2-40B4-BE49-F238E27FC236}">
+                    <a16:creationId xmlns:a16="http://schemas.microsoft.com/office/drawing/2014/main" id="{C0D21F48-D5B9-4544-75BE-63A8491D2620}"/>
+                  </a:ext>
+                </a:extLst>
+              </p:cNvPr>
+              <p:cNvPicPr/>
+              <p:nvPr/>
+            </p:nvPicPr>
+            <p:blipFill>
+              <a:blip r:embed="rId6"/>
+              <a:stretch>
+                <a:fillRect/>
+              </a:stretch>
+            </p:blipFill>
+            <p:spPr>
+              <a:xfrm>
+                <a:off x="76325" y="4205708"/>
+                <a:ext cx="8548200" cy="440280"/>
+              </a:xfrm>
+              <a:prstGeom prst="rect">
+                <a:avLst/>
+              </a:prstGeom>
+            </p:spPr>
+          </p:pic>
+        </mc:Fallback>
+      </mc:AlternateContent>
+      <mc:AlternateContent xmlns:mc="http://schemas.openxmlformats.org/markup-compatibility/2006">
+        <mc:Choice xmlns:p14="http://schemas.microsoft.com/office/powerpoint/2010/main" Requires="p14">
+          <p:contentPart p14:bwMode="auto" r:id="rId7">
+            <p14:nvContentPartPr>
+              <p14:cNvPr id="8" name="Ink 7">
+                <a:extLst>
+                  <a:ext uri="{FF2B5EF4-FFF2-40B4-BE49-F238E27FC236}">
+                    <a16:creationId xmlns:a16="http://schemas.microsoft.com/office/drawing/2014/main" id="{5DFEEC7F-2A10-ACF8-2BB1-E6A344E40F34}"/>
+                  </a:ext>
+                </a:extLst>
+              </p14:cNvPr>
+              <p14:cNvContentPartPr/>
+              <p14:nvPr/>
+            </p14:nvContentPartPr>
+            <p14:xfrm>
+              <a:off x="27005" y="5149268"/>
+              <a:ext cx="7865280" cy="528840"/>
+            </p14:xfrm>
+          </p:contentPart>
+        </mc:Choice>
+        <mc:Fallback>
+          <p:pic>
+            <p:nvPicPr>
+              <p:cNvPr id="8" name="Ink 7">
+                <a:extLst>
+                  <a:ext uri="{FF2B5EF4-FFF2-40B4-BE49-F238E27FC236}">
+                    <a16:creationId xmlns:a16="http://schemas.microsoft.com/office/drawing/2014/main" id="{5DFEEC7F-2A10-ACF8-2BB1-E6A344E40F34}"/>
+                  </a:ext>
+                </a:extLst>
+              </p:cNvPr>
+              <p:cNvPicPr/>
+              <p:nvPr/>
+            </p:nvPicPr>
+            <p:blipFill>
+              <a:blip r:embed="rId8"/>
+              <a:stretch>
+                <a:fillRect/>
+              </a:stretch>
+            </p:blipFill>
+            <p:spPr>
+              <a:xfrm>
+                <a:off x="9005" y="5131268"/>
+                <a:ext cx="7900920" cy="564480"/>
+              </a:xfrm>
+              <a:prstGeom prst="rect">
+                <a:avLst/>
+              </a:prstGeom>
+            </p:spPr>
+          </p:pic>
+        </mc:Fallback>
+      </mc:AlternateContent>
+      <mc:AlternateContent xmlns:mc="http://schemas.openxmlformats.org/markup-compatibility/2006">
+        <mc:Choice xmlns:p14="http://schemas.microsoft.com/office/powerpoint/2010/main" Requires="p14">
+          <p:contentPart p14:bwMode="auto" r:id="rId9">
+            <p14:nvContentPartPr>
+              <p14:cNvPr id="9" name="Ink 8">
+                <a:extLst>
+                  <a:ext uri="{FF2B5EF4-FFF2-40B4-BE49-F238E27FC236}">
+                    <a16:creationId xmlns:a16="http://schemas.microsoft.com/office/drawing/2014/main" id="{BBF9E99A-BB5B-A5D2-E243-79480F3BD7BB}"/>
+                  </a:ext>
+                </a:extLst>
+              </p14:cNvPr>
+              <p14:cNvContentPartPr/>
+              <p14:nvPr/>
+            </p14:nvContentPartPr>
+            <p14:xfrm>
+              <a:off x="195845" y="5731028"/>
+              <a:ext cx="5911560" cy="646200"/>
+            </p14:xfrm>
+          </p:contentPart>
+        </mc:Choice>
+        <mc:Fallback>
+          <p:pic>
+            <p:nvPicPr>
+              <p:cNvPr id="9" name="Ink 8">
+                <a:extLst>
+                  <a:ext uri="{FF2B5EF4-FFF2-40B4-BE49-F238E27FC236}">
+                    <a16:creationId xmlns:a16="http://schemas.microsoft.com/office/drawing/2014/main" id="{BBF9E99A-BB5B-A5D2-E243-79480F3BD7BB}"/>
+                  </a:ext>
+                </a:extLst>
+              </p:cNvPr>
+              <p:cNvPicPr/>
+              <p:nvPr/>
+            </p:nvPicPr>
+            <p:blipFill>
+              <a:blip r:embed="rId10"/>
+              <a:stretch>
+                <a:fillRect/>
+              </a:stretch>
+            </p:blipFill>
+            <p:spPr>
+              <a:xfrm>
+                <a:off x="178205" y="5713028"/>
+                <a:ext cx="5947200" cy="681840"/>
+              </a:xfrm>
+              <a:prstGeom prst="rect">
+                <a:avLst/>
+              </a:prstGeom>
+            </p:spPr>
+          </p:pic>
+        </mc:Fallback>
+      </mc:AlternateContent>
+      <mc:AlternateContent xmlns:mc="http://schemas.openxmlformats.org/markup-compatibility/2006">
+        <mc:Choice xmlns:p14="http://schemas.microsoft.com/office/powerpoint/2010/main" Requires="p14">
+          <p:contentPart p14:bwMode="auto" r:id="rId11">
+            <p14:nvContentPartPr>
+              <p14:cNvPr id="11" name="Ink 10">
+                <a:extLst>
+                  <a:ext uri="{FF2B5EF4-FFF2-40B4-BE49-F238E27FC236}">
+                    <a16:creationId xmlns:a16="http://schemas.microsoft.com/office/drawing/2014/main" id="{58BA6682-128F-800A-EA0B-FF0D487607FD}"/>
+                  </a:ext>
+                </a:extLst>
+              </p14:cNvPr>
+              <p14:cNvContentPartPr/>
+              <p14:nvPr/>
+            </p14:nvContentPartPr>
+            <p14:xfrm>
+              <a:off x="202685" y="5753348"/>
+              <a:ext cx="5754240" cy="159480"/>
+            </p14:xfrm>
+          </p:contentPart>
+        </mc:Choice>
+        <mc:Fallback>
+          <p:pic>
+            <p:nvPicPr>
+              <p:cNvPr id="11" name="Ink 10">
+                <a:extLst>
+                  <a:ext uri="{FF2B5EF4-FFF2-40B4-BE49-F238E27FC236}">
+                    <a16:creationId xmlns:a16="http://schemas.microsoft.com/office/drawing/2014/main" id="{58BA6682-128F-800A-EA0B-FF0D487607FD}"/>
+                  </a:ext>
+                </a:extLst>
+              </p:cNvPr>
+              <p:cNvPicPr/>
+              <p:nvPr/>
+            </p:nvPicPr>
+            <p:blipFill>
+              <a:blip r:embed="rId12"/>
+              <a:stretch>
+                <a:fillRect/>
+              </a:stretch>
+            </p:blipFill>
+            <p:spPr>
+              <a:xfrm>
+                <a:off x="184685" y="5735708"/>
+                <a:ext cx="5789880" cy="195120"/>
+              </a:xfrm>
+              <a:prstGeom prst="rect">
+                <a:avLst/>
+              </a:prstGeom>
+            </p:spPr>
+          </p:pic>
+        </mc:Fallback>
+      </mc:AlternateContent>
     </p:spTree>
     <p:extLst>
       <p:ext uri="{BB962C8B-B14F-4D97-AF65-F5344CB8AC3E}">
@@ -10517,7 +10912,7 @@
         <p:spPr>
           <a:xfrm>
             <a:off x="179512" y="-8289"/>
-            <a:ext cx="9100494" cy="4944777"/>
+            <a:ext cx="8976582" cy="4877449"/>
           </a:xfrm>
           <a:prstGeom prst="rect">
             <a:avLst/>
@@ -11379,8 +11774,8 @@
         </p:blipFill>
         <p:spPr>
           <a:xfrm>
-            <a:off x="59671" y="0"/>
-            <a:ext cx="8472769" cy="5445224"/>
+            <a:off x="59671" y="-1"/>
+            <a:ext cx="8976825" cy="5769167"/>
           </a:xfrm>
           <a:prstGeom prst="rect">
             <a:avLst/>
@@ -11841,8 +12236,8 @@
             <a:chExt cx="2319120" cy="276120"/>
           </a:xfrm>
         </p:grpSpPr>
-        <mc:AlternateContent xmlns:mc="http://schemas.openxmlformats.org/markup-compatibility/2006">
-          <mc:Choice xmlns:p14="http://schemas.microsoft.com/office/powerpoint/2010/main" Requires="p14">
+        <mc:AlternateContent xmlns:mc="http://schemas.openxmlformats.org/markup-compatibility/2006" xmlns:p14="http://schemas.microsoft.com/office/powerpoint/2010/main">
+          <mc:Choice Requires="p14">
             <p:contentPart p14:bwMode="auto" r:id="rId3">
               <p14:nvContentPartPr>
                 <p14:cNvPr id="4" name="Ink 3">
@@ -11861,7 +12256,7 @@
               </p14:xfrm>
             </p:contentPart>
           </mc:Choice>
-          <mc:Fallback>
+          <mc:Fallback xmlns="">
             <p:pic>
               <p:nvPicPr>
                 <p:cNvPr id="4" name="Ink 3">
@@ -11892,8 +12287,8 @@
             </p:pic>
           </mc:Fallback>
         </mc:AlternateContent>
-        <mc:AlternateContent xmlns:mc="http://schemas.openxmlformats.org/markup-compatibility/2006">
-          <mc:Choice xmlns:p14="http://schemas.microsoft.com/office/powerpoint/2010/main" Requires="p14">
+        <mc:AlternateContent xmlns:mc="http://schemas.openxmlformats.org/markup-compatibility/2006" xmlns:p14="http://schemas.microsoft.com/office/powerpoint/2010/main">
+          <mc:Choice Requires="p14">
             <p:contentPart p14:bwMode="auto" r:id="rId5">
               <p14:nvContentPartPr>
                 <p14:cNvPr id="6" name="Ink 5">
@@ -11912,7 +12307,7 @@
               </p14:xfrm>
             </p:contentPart>
           </mc:Choice>
-          <mc:Fallback>
+          <mc:Fallback xmlns="">
             <p:pic>
               <p:nvPicPr>
                 <p:cNvPr id="6" name="Ink 5">
@@ -11943,8 +12338,8 @@
             </p:pic>
           </mc:Fallback>
         </mc:AlternateContent>
-        <mc:AlternateContent xmlns:mc="http://schemas.openxmlformats.org/markup-compatibility/2006">
-          <mc:Choice xmlns:p14="http://schemas.microsoft.com/office/powerpoint/2010/main" Requires="p14">
+        <mc:AlternateContent xmlns:mc="http://schemas.openxmlformats.org/markup-compatibility/2006" xmlns:p14="http://schemas.microsoft.com/office/powerpoint/2010/main">
+          <mc:Choice Requires="p14">
             <p:contentPart p14:bwMode="auto" r:id="rId7">
               <p14:nvContentPartPr>
                 <p14:cNvPr id="7" name="Ink 6">
@@ -11963,7 +12358,7 @@
               </p14:xfrm>
             </p:contentPart>
           </mc:Choice>
-          <mc:Fallback>
+          <mc:Fallback xmlns="">
             <p:pic>
               <p:nvPicPr>
                 <p:cNvPr id="7" name="Ink 6">
@@ -11994,8 +12389,8 @@
             </p:pic>
           </mc:Fallback>
         </mc:AlternateContent>
-        <mc:AlternateContent xmlns:mc="http://schemas.openxmlformats.org/markup-compatibility/2006">
-          <mc:Choice xmlns:p14="http://schemas.microsoft.com/office/powerpoint/2010/main" Requires="p14">
+        <mc:AlternateContent xmlns:mc="http://schemas.openxmlformats.org/markup-compatibility/2006" xmlns:p14="http://schemas.microsoft.com/office/powerpoint/2010/main">
+          <mc:Choice Requires="p14">
             <p:contentPart p14:bwMode="auto" r:id="rId9">
               <p14:nvContentPartPr>
                 <p14:cNvPr id="8" name="Ink 7">
@@ -12014,7 +12409,7 @@
               </p14:xfrm>
             </p:contentPart>
           </mc:Choice>
-          <mc:Fallback>
+          <mc:Fallback xmlns="">
             <p:pic>
               <p:nvPicPr>
                 <p:cNvPr id="8" name="Ink 7">
@@ -12045,8 +12440,8 @@
             </p:pic>
           </mc:Fallback>
         </mc:AlternateContent>
-        <mc:AlternateContent xmlns:mc="http://schemas.openxmlformats.org/markup-compatibility/2006">
-          <mc:Choice xmlns:p14="http://schemas.microsoft.com/office/powerpoint/2010/main" Requires="p14">
+        <mc:AlternateContent xmlns:mc="http://schemas.openxmlformats.org/markup-compatibility/2006" xmlns:p14="http://schemas.microsoft.com/office/powerpoint/2010/main">
+          <mc:Choice Requires="p14">
             <p:contentPart p14:bwMode="auto" r:id="rId11">
               <p14:nvContentPartPr>
                 <p14:cNvPr id="9" name="Ink 8">
@@ -12065,7 +12460,7 @@
               </p14:xfrm>
             </p:contentPart>
           </mc:Choice>
-          <mc:Fallback>
+          <mc:Fallback xmlns="">
             <p:pic>
               <p:nvPicPr>
                 <p:cNvPr id="9" name="Ink 8">
@@ -12096,8 +12491,8 @@
             </p:pic>
           </mc:Fallback>
         </mc:AlternateContent>
-        <mc:AlternateContent xmlns:mc="http://schemas.openxmlformats.org/markup-compatibility/2006">
-          <mc:Choice xmlns:p14="http://schemas.microsoft.com/office/powerpoint/2010/main" Requires="p14">
+        <mc:AlternateContent xmlns:mc="http://schemas.openxmlformats.org/markup-compatibility/2006" xmlns:p14="http://schemas.microsoft.com/office/powerpoint/2010/main">
+          <mc:Choice Requires="p14">
             <p:contentPart p14:bwMode="auto" r:id="rId13">
               <p14:nvContentPartPr>
                 <p14:cNvPr id="10" name="Ink 9">
@@ -12116,7 +12511,7 @@
               </p14:xfrm>
             </p:contentPart>
           </mc:Choice>
-          <mc:Fallback>
+          <mc:Fallback xmlns="">
             <p:pic>
               <p:nvPicPr>
                 <p:cNvPr id="10" name="Ink 9">
@@ -12147,8 +12542,8 @@
             </p:pic>
           </mc:Fallback>
         </mc:AlternateContent>
-        <mc:AlternateContent xmlns:mc="http://schemas.openxmlformats.org/markup-compatibility/2006">
-          <mc:Choice xmlns:p14="http://schemas.microsoft.com/office/powerpoint/2010/main" Requires="p14">
+        <mc:AlternateContent xmlns:mc="http://schemas.openxmlformats.org/markup-compatibility/2006" xmlns:p14="http://schemas.microsoft.com/office/powerpoint/2010/main">
+          <mc:Choice Requires="p14">
             <p:contentPart p14:bwMode="auto" r:id="rId15">
               <p14:nvContentPartPr>
                 <p14:cNvPr id="12" name="Ink 11">
@@ -12167,7 +12562,7 @@
               </p14:xfrm>
             </p:contentPart>
           </mc:Choice>
-          <mc:Fallback>
+          <mc:Fallback xmlns="">
             <p:pic>
               <p:nvPicPr>
                 <p:cNvPr id="12" name="Ink 11">
@@ -12198,8 +12593,8 @@
             </p:pic>
           </mc:Fallback>
         </mc:AlternateContent>
-        <mc:AlternateContent xmlns:mc="http://schemas.openxmlformats.org/markup-compatibility/2006">
-          <mc:Choice xmlns:p14="http://schemas.microsoft.com/office/powerpoint/2010/main" Requires="p14">
+        <mc:AlternateContent xmlns:mc="http://schemas.openxmlformats.org/markup-compatibility/2006" xmlns:p14="http://schemas.microsoft.com/office/powerpoint/2010/main">
+          <mc:Choice Requires="p14">
             <p:contentPart p14:bwMode="auto" r:id="rId17">
               <p14:nvContentPartPr>
                 <p14:cNvPr id="13" name="Ink 12">
@@ -12218,7 +12613,7 @@
               </p14:xfrm>
             </p:contentPart>
           </mc:Choice>
-          <mc:Fallback>
+          <mc:Fallback xmlns="">
             <p:pic>
               <p:nvPicPr>
                 <p:cNvPr id="13" name="Ink 12">
@@ -12249,8 +12644,8 @@
             </p:pic>
           </mc:Fallback>
         </mc:AlternateContent>
-        <mc:AlternateContent xmlns:mc="http://schemas.openxmlformats.org/markup-compatibility/2006">
-          <mc:Choice xmlns:p14="http://schemas.microsoft.com/office/powerpoint/2010/main" Requires="p14">
+        <mc:AlternateContent xmlns:mc="http://schemas.openxmlformats.org/markup-compatibility/2006" xmlns:p14="http://schemas.microsoft.com/office/powerpoint/2010/main">
+          <mc:Choice Requires="p14">
             <p:contentPart p14:bwMode="auto" r:id="rId19">
               <p14:nvContentPartPr>
                 <p14:cNvPr id="14" name="Ink 13">
@@ -12269,7 +12664,7 @@
               </p14:xfrm>
             </p:contentPart>
           </mc:Choice>
-          <mc:Fallback>
+          <mc:Fallback xmlns="">
             <p:pic>
               <p:nvPicPr>
                 <p:cNvPr id="14" name="Ink 13">
@@ -12300,8 +12695,8 @@
             </p:pic>
           </mc:Fallback>
         </mc:AlternateContent>
-        <mc:AlternateContent xmlns:mc="http://schemas.openxmlformats.org/markup-compatibility/2006">
-          <mc:Choice xmlns:p14="http://schemas.microsoft.com/office/powerpoint/2010/main" Requires="p14">
+        <mc:AlternateContent xmlns:mc="http://schemas.openxmlformats.org/markup-compatibility/2006" xmlns:p14="http://schemas.microsoft.com/office/powerpoint/2010/main">
+          <mc:Choice Requires="p14">
             <p:contentPart p14:bwMode="auto" r:id="rId21">
               <p14:nvContentPartPr>
                 <p14:cNvPr id="15" name="Ink 14">
@@ -12320,7 +12715,7 @@
               </p14:xfrm>
             </p:contentPart>
           </mc:Choice>
-          <mc:Fallback>
+          <mc:Fallback xmlns="">
             <p:pic>
               <p:nvPicPr>
                 <p:cNvPr id="15" name="Ink 14">
@@ -12351,8 +12746,8 @@
             </p:pic>
           </mc:Fallback>
         </mc:AlternateContent>
-        <mc:AlternateContent xmlns:mc="http://schemas.openxmlformats.org/markup-compatibility/2006">
-          <mc:Choice xmlns:p14="http://schemas.microsoft.com/office/powerpoint/2010/main" Requires="p14">
+        <mc:AlternateContent xmlns:mc="http://schemas.openxmlformats.org/markup-compatibility/2006" xmlns:p14="http://schemas.microsoft.com/office/powerpoint/2010/main">
+          <mc:Choice Requires="p14">
             <p:contentPart p14:bwMode="auto" r:id="rId23">
               <p14:nvContentPartPr>
                 <p14:cNvPr id="16" name="Ink 15">
@@ -12371,7 +12766,7 @@
               </p14:xfrm>
             </p:contentPart>
           </mc:Choice>
-          <mc:Fallback>
+          <mc:Fallback xmlns="">
             <p:pic>
               <p:nvPicPr>
                 <p:cNvPr id="16" name="Ink 15">
@@ -12402,8 +12797,8 @@
             </p:pic>
           </mc:Fallback>
         </mc:AlternateContent>
-        <mc:AlternateContent xmlns:mc="http://schemas.openxmlformats.org/markup-compatibility/2006">
-          <mc:Choice xmlns:p14="http://schemas.microsoft.com/office/powerpoint/2010/main" Requires="p14">
+        <mc:AlternateContent xmlns:mc="http://schemas.openxmlformats.org/markup-compatibility/2006" xmlns:p14="http://schemas.microsoft.com/office/powerpoint/2010/main">
+          <mc:Choice Requires="p14">
             <p:contentPart p14:bwMode="auto" r:id="rId25">
               <p14:nvContentPartPr>
                 <p14:cNvPr id="17" name="Ink 16">
@@ -12422,7 +12817,7 @@
               </p14:xfrm>
             </p:contentPart>
           </mc:Choice>
-          <mc:Fallback>
+          <mc:Fallback xmlns="">
             <p:pic>
               <p:nvPicPr>
                 <p:cNvPr id="17" name="Ink 16">
@@ -12474,8 +12869,8 @@
             <a:chExt cx="3827520" cy="457200"/>
           </a:xfrm>
         </p:grpSpPr>
-        <mc:AlternateContent xmlns:mc="http://schemas.openxmlformats.org/markup-compatibility/2006">
-          <mc:Choice xmlns:p14="http://schemas.microsoft.com/office/powerpoint/2010/main" Requires="p14">
+        <mc:AlternateContent xmlns:mc="http://schemas.openxmlformats.org/markup-compatibility/2006" xmlns:p14="http://schemas.microsoft.com/office/powerpoint/2010/main">
+          <mc:Choice Requires="p14">
             <p:contentPart p14:bwMode="auto" r:id="rId27">
               <p14:nvContentPartPr>
                 <p14:cNvPr id="19" name="Ink 18">
@@ -12494,7 +12889,7 @@
               </p14:xfrm>
             </p:contentPart>
           </mc:Choice>
-          <mc:Fallback>
+          <mc:Fallback xmlns="">
             <p:pic>
               <p:nvPicPr>
                 <p:cNvPr id="19" name="Ink 18">
@@ -12525,8 +12920,8 @@
             </p:pic>
           </mc:Fallback>
         </mc:AlternateContent>
-        <mc:AlternateContent xmlns:mc="http://schemas.openxmlformats.org/markup-compatibility/2006">
-          <mc:Choice xmlns:p14="http://schemas.microsoft.com/office/powerpoint/2010/main" Requires="p14">
+        <mc:AlternateContent xmlns:mc="http://schemas.openxmlformats.org/markup-compatibility/2006" xmlns:p14="http://schemas.microsoft.com/office/powerpoint/2010/main">
+          <mc:Choice Requires="p14">
             <p:contentPart p14:bwMode="auto" r:id="rId29">
               <p14:nvContentPartPr>
                 <p14:cNvPr id="20" name="Ink 19">
@@ -12545,7 +12940,7 @@
               </p14:xfrm>
             </p:contentPart>
           </mc:Choice>
-          <mc:Fallback>
+          <mc:Fallback xmlns="">
             <p:pic>
               <p:nvPicPr>
                 <p:cNvPr id="20" name="Ink 19">
@@ -12576,8 +12971,8 @@
             </p:pic>
           </mc:Fallback>
         </mc:AlternateContent>
-        <mc:AlternateContent xmlns:mc="http://schemas.openxmlformats.org/markup-compatibility/2006">
-          <mc:Choice xmlns:p14="http://schemas.microsoft.com/office/powerpoint/2010/main" Requires="p14">
+        <mc:AlternateContent xmlns:mc="http://schemas.openxmlformats.org/markup-compatibility/2006" xmlns:p14="http://schemas.microsoft.com/office/powerpoint/2010/main">
+          <mc:Choice Requires="p14">
             <p:contentPart p14:bwMode="auto" r:id="rId31">
               <p14:nvContentPartPr>
                 <p14:cNvPr id="21" name="Ink 20">
@@ -12596,7 +12991,7 @@
               </p14:xfrm>
             </p:contentPart>
           </mc:Choice>
-          <mc:Fallback>
+          <mc:Fallback xmlns="">
             <p:pic>
               <p:nvPicPr>
                 <p:cNvPr id="21" name="Ink 20">
@@ -12627,8 +13022,8 @@
             </p:pic>
           </mc:Fallback>
         </mc:AlternateContent>
-        <mc:AlternateContent xmlns:mc="http://schemas.openxmlformats.org/markup-compatibility/2006">
-          <mc:Choice xmlns:p14="http://schemas.microsoft.com/office/powerpoint/2010/main" Requires="p14">
+        <mc:AlternateContent xmlns:mc="http://schemas.openxmlformats.org/markup-compatibility/2006" xmlns:p14="http://schemas.microsoft.com/office/powerpoint/2010/main">
+          <mc:Choice Requires="p14">
             <p:contentPart p14:bwMode="auto" r:id="rId33">
               <p14:nvContentPartPr>
                 <p14:cNvPr id="22" name="Ink 21">
@@ -12647,7 +13042,7 @@
               </p14:xfrm>
             </p:contentPart>
           </mc:Choice>
-          <mc:Fallback>
+          <mc:Fallback xmlns="">
             <p:pic>
               <p:nvPicPr>
                 <p:cNvPr id="22" name="Ink 21">
@@ -12678,8 +13073,8 @@
             </p:pic>
           </mc:Fallback>
         </mc:AlternateContent>
-        <mc:AlternateContent xmlns:mc="http://schemas.openxmlformats.org/markup-compatibility/2006">
-          <mc:Choice xmlns:p14="http://schemas.microsoft.com/office/powerpoint/2010/main" Requires="p14">
+        <mc:AlternateContent xmlns:mc="http://schemas.openxmlformats.org/markup-compatibility/2006" xmlns:p14="http://schemas.microsoft.com/office/powerpoint/2010/main">
+          <mc:Choice Requires="p14">
             <p:contentPart p14:bwMode="auto" r:id="rId35">
               <p14:nvContentPartPr>
                 <p14:cNvPr id="23" name="Ink 22">
@@ -12698,7 +13093,7 @@
               </p14:xfrm>
             </p:contentPart>
           </mc:Choice>
-          <mc:Fallback>
+          <mc:Fallback xmlns="">
             <p:pic>
               <p:nvPicPr>
                 <p:cNvPr id="23" name="Ink 22">
@@ -12729,8 +13124,8 @@
             </p:pic>
           </mc:Fallback>
         </mc:AlternateContent>
-        <mc:AlternateContent xmlns:mc="http://schemas.openxmlformats.org/markup-compatibility/2006">
-          <mc:Choice xmlns:p14="http://schemas.microsoft.com/office/powerpoint/2010/main" Requires="p14">
+        <mc:AlternateContent xmlns:mc="http://schemas.openxmlformats.org/markup-compatibility/2006" xmlns:p14="http://schemas.microsoft.com/office/powerpoint/2010/main">
+          <mc:Choice Requires="p14">
             <p:contentPart p14:bwMode="auto" r:id="rId37">
               <p14:nvContentPartPr>
                 <p14:cNvPr id="24" name="Ink 23">
@@ -12749,7 +13144,7 @@
               </p14:xfrm>
             </p:contentPart>
           </mc:Choice>
-          <mc:Fallback>
+          <mc:Fallback xmlns="">
             <p:pic>
               <p:nvPicPr>
                 <p:cNvPr id="24" name="Ink 23">
@@ -12780,8 +13175,8 @@
             </p:pic>
           </mc:Fallback>
         </mc:AlternateContent>
-        <mc:AlternateContent xmlns:mc="http://schemas.openxmlformats.org/markup-compatibility/2006">
-          <mc:Choice xmlns:p14="http://schemas.microsoft.com/office/powerpoint/2010/main" Requires="p14">
+        <mc:AlternateContent xmlns:mc="http://schemas.openxmlformats.org/markup-compatibility/2006" xmlns:p14="http://schemas.microsoft.com/office/powerpoint/2010/main">
+          <mc:Choice Requires="p14">
             <p:contentPart p14:bwMode="auto" r:id="rId39">
               <p14:nvContentPartPr>
                 <p14:cNvPr id="25" name="Ink 24">
@@ -12800,7 +13195,7 @@
               </p14:xfrm>
             </p:contentPart>
           </mc:Choice>
-          <mc:Fallback>
+          <mc:Fallback xmlns="">
             <p:pic>
               <p:nvPicPr>
                 <p:cNvPr id="25" name="Ink 24">
@@ -12831,8 +13226,8 @@
             </p:pic>
           </mc:Fallback>
         </mc:AlternateContent>
-        <mc:AlternateContent xmlns:mc="http://schemas.openxmlformats.org/markup-compatibility/2006">
-          <mc:Choice xmlns:p14="http://schemas.microsoft.com/office/powerpoint/2010/main" Requires="p14">
+        <mc:AlternateContent xmlns:mc="http://schemas.openxmlformats.org/markup-compatibility/2006" xmlns:p14="http://schemas.microsoft.com/office/powerpoint/2010/main">
+          <mc:Choice Requires="p14">
             <p:contentPart p14:bwMode="auto" r:id="rId41">
               <p14:nvContentPartPr>
                 <p14:cNvPr id="26" name="Ink 25">
@@ -12851,7 +13246,7 @@
               </p14:xfrm>
             </p:contentPart>
           </mc:Choice>
-          <mc:Fallback>
+          <mc:Fallback xmlns="">
             <p:pic>
               <p:nvPicPr>
                 <p:cNvPr id="26" name="Ink 25">
@@ -12882,8 +13277,8 @@
             </p:pic>
           </mc:Fallback>
         </mc:AlternateContent>
-        <mc:AlternateContent xmlns:mc="http://schemas.openxmlformats.org/markup-compatibility/2006">
-          <mc:Choice xmlns:p14="http://schemas.microsoft.com/office/powerpoint/2010/main" Requires="p14">
+        <mc:AlternateContent xmlns:mc="http://schemas.openxmlformats.org/markup-compatibility/2006" xmlns:p14="http://schemas.microsoft.com/office/powerpoint/2010/main">
+          <mc:Choice Requires="p14">
             <p:contentPart p14:bwMode="auto" r:id="rId43">
               <p14:nvContentPartPr>
                 <p14:cNvPr id="28" name="Ink 27">
@@ -12902,7 +13297,7 @@
               </p14:xfrm>
             </p:contentPart>
           </mc:Choice>
-          <mc:Fallback>
+          <mc:Fallback xmlns="">
             <p:pic>
               <p:nvPicPr>
                 <p:cNvPr id="28" name="Ink 27">
@@ -12933,8 +13328,8 @@
             </p:pic>
           </mc:Fallback>
         </mc:AlternateContent>
-        <mc:AlternateContent xmlns:mc="http://schemas.openxmlformats.org/markup-compatibility/2006">
-          <mc:Choice xmlns:p14="http://schemas.microsoft.com/office/powerpoint/2010/main" Requires="p14">
+        <mc:AlternateContent xmlns:mc="http://schemas.openxmlformats.org/markup-compatibility/2006" xmlns:p14="http://schemas.microsoft.com/office/powerpoint/2010/main">
+          <mc:Choice Requires="p14">
             <p:contentPart p14:bwMode="auto" r:id="rId45">
               <p14:nvContentPartPr>
                 <p14:cNvPr id="29" name="Ink 28">
@@ -12953,7 +13348,7 @@
               </p14:xfrm>
             </p:contentPart>
           </mc:Choice>
-          <mc:Fallback>
+          <mc:Fallback xmlns="">
             <p:pic>
               <p:nvPicPr>
                 <p:cNvPr id="29" name="Ink 28">
@@ -12984,8 +13379,8 @@
             </p:pic>
           </mc:Fallback>
         </mc:AlternateContent>
-        <mc:AlternateContent xmlns:mc="http://schemas.openxmlformats.org/markup-compatibility/2006">
-          <mc:Choice xmlns:p14="http://schemas.microsoft.com/office/powerpoint/2010/main" Requires="p14">
+        <mc:AlternateContent xmlns:mc="http://schemas.openxmlformats.org/markup-compatibility/2006" xmlns:p14="http://schemas.microsoft.com/office/powerpoint/2010/main">
+          <mc:Choice Requires="p14">
             <p:contentPart p14:bwMode="auto" r:id="rId47">
               <p14:nvContentPartPr>
                 <p14:cNvPr id="30" name="Ink 29">
@@ -13004,7 +13399,7 @@
               </p14:xfrm>
             </p:contentPart>
           </mc:Choice>
-          <mc:Fallback>
+          <mc:Fallback xmlns="">
             <p:pic>
               <p:nvPicPr>
                 <p:cNvPr id="30" name="Ink 29">
@@ -13035,8 +13430,8 @@
             </p:pic>
           </mc:Fallback>
         </mc:AlternateContent>
-        <mc:AlternateContent xmlns:mc="http://schemas.openxmlformats.org/markup-compatibility/2006">
-          <mc:Choice xmlns:p14="http://schemas.microsoft.com/office/powerpoint/2010/main" Requires="p14">
+        <mc:AlternateContent xmlns:mc="http://schemas.openxmlformats.org/markup-compatibility/2006" xmlns:p14="http://schemas.microsoft.com/office/powerpoint/2010/main">
+          <mc:Choice Requires="p14">
             <p:contentPart p14:bwMode="auto" r:id="rId49">
               <p14:nvContentPartPr>
                 <p14:cNvPr id="31" name="Ink 30">
@@ -13055,7 +13450,7 @@
               </p14:xfrm>
             </p:contentPart>
           </mc:Choice>
-          <mc:Fallback>
+          <mc:Fallback xmlns="">
             <p:pic>
               <p:nvPicPr>
                 <p:cNvPr id="31" name="Ink 30">
@@ -13086,8 +13481,8 @@
             </p:pic>
           </mc:Fallback>
         </mc:AlternateContent>
-        <mc:AlternateContent xmlns:mc="http://schemas.openxmlformats.org/markup-compatibility/2006">
-          <mc:Choice xmlns:p14="http://schemas.microsoft.com/office/powerpoint/2010/main" Requires="p14">
+        <mc:AlternateContent xmlns:mc="http://schemas.openxmlformats.org/markup-compatibility/2006" xmlns:p14="http://schemas.microsoft.com/office/powerpoint/2010/main">
+          <mc:Choice Requires="p14">
             <p:contentPart p14:bwMode="auto" r:id="rId51">
               <p14:nvContentPartPr>
                 <p14:cNvPr id="32" name="Ink 31">
@@ -13106,7 +13501,7 @@
               </p14:xfrm>
             </p:contentPart>
           </mc:Choice>
-          <mc:Fallback>
+          <mc:Fallback xmlns="">
             <p:pic>
               <p:nvPicPr>
                 <p:cNvPr id="32" name="Ink 31">
@@ -13137,8 +13532,8 @@
             </p:pic>
           </mc:Fallback>
         </mc:AlternateContent>
-        <mc:AlternateContent xmlns:mc="http://schemas.openxmlformats.org/markup-compatibility/2006">
-          <mc:Choice xmlns:p14="http://schemas.microsoft.com/office/powerpoint/2010/main" Requires="p14">
+        <mc:AlternateContent xmlns:mc="http://schemas.openxmlformats.org/markup-compatibility/2006" xmlns:p14="http://schemas.microsoft.com/office/powerpoint/2010/main">
+          <mc:Choice Requires="p14">
             <p:contentPart p14:bwMode="auto" r:id="rId53">
               <p14:nvContentPartPr>
                 <p14:cNvPr id="33" name="Ink 32">
@@ -13157,7 +13552,7 @@
               </p14:xfrm>
             </p:contentPart>
           </mc:Choice>
-          <mc:Fallback>
+          <mc:Fallback xmlns="">
             <p:pic>
               <p:nvPicPr>
                 <p:cNvPr id="33" name="Ink 32">
@@ -13209,8 +13604,8 @@
             <a:chExt cx="1482120" cy="248760"/>
           </a:xfrm>
         </p:grpSpPr>
-        <mc:AlternateContent xmlns:mc="http://schemas.openxmlformats.org/markup-compatibility/2006">
-          <mc:Choice xmlns:p14="http://schemas.microsoft.com/office/powerpoint/2010/main" Requires="p14">
+        <mc:AlternateContent xmlns:mc="http://schemas.openxmlformats.org/markup-compatibility/2006" xmlns:p14="http://schemas.microsoft.com/office/powerpoint/2010/main">
+          <mc:Choice Requires="p14">
             <p:contentPart p14:bwMode="auto" r:id="rId55">
               <p14:nvContentPartPr>
                 <p14:cNvPr id="35" name="Ink 34">
@@ -13229,7 +13624,7 @@
               </p14:xfrm>
             </p:contentPart>
           </mc:Choice>
-          <mc:Fallback>
+          <mc:Fallback xmlns="">
             <p:pic>
               <p:nvPicPr>
                 <p:cNvPr id="35" name="Ink 34">
@@ -13260,8 +13655,8 @@
             </p:pic>
           </mc:Fallback>
         </mc:AlternateContent>
-        <mc:AlternateContent xmlns:mc="http://schemas.openxmlformats.org/markup-compatibility/2006">
-          <mc:Choice xmlns:p14="http://schemas.microsoft.com/office/powerpoint/2010/main" Requires="p14">
+        <mc:AlternateContent xmlns:mc="http://schemas.openxmlformats.org/markup-compatibility/2006" xmlns:p14="http://schemas.microsoft.com/office/powerpoint/2010/main">
+          <mc:Choice Requires="p14">
             <p:contentPart p14:bwMode="auto" r:id="rId57">
               <p14:nvContentPartPr>
                 <p14:cNvPr id="36" name="Ink 35">
@@ -13280,7 +13675,7 @@
               </p14:xfrm>
             </p:contentPart>
           </mc:Choice>
-          <mc:Fallback>
+          <mc:Fallback xmlns="">
             <p:pic>
               <p:nvPicPr>
                 <p:cNvPr id="36" name="Ink 35">
@@ -13311,8 +13706,8 @@
             </p:pic>
           </mc:Fallback>
         </mc:AlternateContent>
-        <mc:AlternateContent xmlns:mc="http://schemas.openxmlformats.org/markup-compatibility/2006">
-          <mc:Choice xmlns:p14="http://schemas.microsoft.com/office/powerpoint/2010/main" Requires="p14">
+        <mc:AlternateContent xmlns:mc="http://schemas.openxmlformats.org/markup-compatibility/2006" xmlns:p14="http://schemas.microsoft.com/office/powerpoint/2010/main">
+          <mc:Choice Requires="p14">
             <p:contentPart p14:bwMode="auto" r:id="rId59">
               <p14:nvContentPartPr>
                 <p14:cNvPr id="37" name="Ink 36">
@@ -13331,7 +13726,7 @@
               </p14:xfrm>
             </p:contentPart>
           </mc:Choice>
-          <mc:Fallback>
+          <mc:Fallback xmlns="">
             <p:pic>
               <p:nvPicPr>
                 <p:cNvPr id="37" name="Ink 36">
@@ -13362,8 +13757,8 @@
             </p:pic>
           </mc:Fallback>
         </mc:AlternateContent>
-        <mc:AlternateContent xmlns:mc="http://schemas.openxmlformats.org/markup-compatibility/2006">
-          <mc:Choice xmlns:p14="http://schemas.microsoft.com/office/powerpoint/2010/main" Requires="p14">
+        <mc:AlternateContent xmlns:mc="http://schemas.openxmlformats.org/markup-compatibility/2006" xmlns:p14="http://schemas.microsoft.com/office/powerpoint/2010/main">
+          <mc:Choice Requires="p14">
             <p:contentPart p14:bwMode="auto" r:id="rId61">
               <p14:nvContentPartPr>
                 <p14:cNvPr id="38" name="Ink 37">
@@ -13382,7 +13777,7 @@
               </p14:xfrm>
             </p:contentPart>
           </mc:Choice>
-          <mc:Fallback>
+          <mc:Fallback xmlns="">
             <p:pic>
               <p:nvPicPr>
                 <p:cNvPr id="38" name="Ink 37">
@@ -13413,8 +13808,8 @@
             </p:pic>
           </mc:Fallback>
         </mc:AlternateContent>
-        <mc:AlternateContent xmlns:mc="http://schemas.openxmlformats.org/markup-compatibility/2006">
-          <mc:Choice xmlns:p14="http://schemas.microsoft.com/office/powerpoint/2010/main" Requires="p14">
+        <mc:AlternateContent xmlns:mc="http://schemas.openxmlformats.org/markup-compatibility/2006" xmlns:p14="http://schemas.microsoft.com/office/powerpoint/2010/main">
+          <mc:Choice Requires="p14">
             <p:contentPart p14:bwMode="auto" r:id="rId63">
               <p14:nvContentPartPr>
                 <p14:cNvPr id="39" name="Ink 38">
@@ -13433,7 +13828,7 @@
               </p14:xfrm>
             </p:contentPart>
           </mc:Choice>
-          <mc:Fallback>
+          <mc:Fallback xmlns="">
             <p:pic>
               <p:nvPicPr>
                 <p:cNvPr id="39" name="Ink 38">
@@ -13464,8 +13859,8 @@
             </p:pic>
           </mc:Fallback>
         </mc:AlternateContent>
-        <mc:AlternateContent xmlns:mc="http://schemas.openxmlformats.org/markup-compatibility/2006">
-          <mc:Choice xmlns:p14="http://schemas.microsoft.com/office/powerpoint/2010/main" Requires="p14">
+        <mc:AlternateContent xmlns:mc="http://schemas.openxmlformats.org/markup-compatibility/2006" xmlns:p14="http://schemas.microsoft.com/office/powerpoint/2010/main">
+          <mc:Choice Requires="p14">
             <p:contentPart p14:bwMode="auto" r:id="rId65">
               <p14:nvContentPartPr>
                 <p14:cNvPr id="40" name="Ink 39">
@@ -13484,7 +13879,7 @@
               </p14:xfrm>
             </p:contentPart>
           </mc:Choice>
-          <mc:Fallback>
+          <mc:Fallback xmlns="">
             <p:pic>
               <p:nvPicPr>
                 <p:cNvPr id="40" name="Ink 39">
@@ -13515,8 +13910,8 @@
             </p:pic>
           </mc:Fallback>
         </mc:AlternateContent>
-        <mc:AlternateContent xmlns:mc="http://schemas.openxmlformats.org/markup-compatibility/2006">
-          <mc:Choice xmlns:p14="http://schemas.microsoft.com/office/powerpoint/2010/main" Requires="p14">
+        <mc:AlternateContent xmlns:mc="http://schemas.openxmlformats.org/markup-compatibility/2006" xmlns:p14="http://schemas.microsoft.com/office/powerpoint/2010/main">
+          <mc:Choice Requires="p14">
             <p:contentPart p14:bwMode="auto" r:id="rId67">
               <p14:nvContentPartPr>
                 <p14:cNvPr id="41" name="Ink 40">
@@ -13535,7 +13930,7 @@
               </p14:xfrm>
             </p:contentPart>
           </mc:Choice>
-          <mc:Fallback>
+          <mc:Fallback xmlns="">
             <p:pic>
               <p:nvPicPr>
                 <p:cNvPr id="41" name="Ink 40">
@@ -13566,8 +13961,8 @@
             </p:pic>
           </mc:Fallback>
         </mc:AlternateContent>
-        <mc:AlternateContent xmlns:mc="http://schemas.openxmlformats.org/markup-compatibility/2006">
-          <mc:Choice xmlns:p14="http://schemas.microsoft.com/office/powerpoint/2010/main" Requires="p14">
+        <mc:AlternateContent xmlns:mc="http://schemas.openxmlformats.org/markup-compatibility/2006" xmlns:p14="http://schemas.microsoft.com/office/powerpoint/2010/main">
+          <mc:Choice Requires="p14">
             <p:contentPart p14:bwMode="auto" r:id="rId69">
               <p14:nvContentPartPr>
                 <p14:cNvPr id="42" name="Ink 41">
@@ -13586,7 +13981,7 @@
               </p14:xfrm>
             </p:contentPart>
           </mc:Choice>
-          <mc:Fallback>
+          <mc:Fallback xmlns="">
             <p:pic>
               <p:nvPicPr>
                 <p:cNvPr id="42" name="Ink 41">
@@ -13617,8 +14012,8 @@
             </p:pic>
           </mc:Fallback>
         </mc:AlternateContent>
-        <mc:AlternateContent xmlns:mc="http://schemas.openxmlformats.org/markup-compatibility/2006">
-          <mc:Choice xmlns:p14="http://schemas.microsoft.com/office/powerpoint/2010/main" Requires="p14">
+        <mc:AlternateContent xmlns:mc="http://schemas.openxmlformats.org/markup-compatibility/2006" xmlns:p14="http://schemas.microsoft.com/office/powerpoint/2010/main">
+          <mc:Choice Requires="p14">
             <p:contentPart p14:bwMode="auto" r:id="rId71">
               <p14:nvContentPartPr>
                 <p14:cNvPr id="43" name="Ink 42">
@@ -13637,7 +14032,7 @@
               </p14:xfrm>
             </p:contentPart>
           </mc:Choice>
-          <mc:Fallback>
+          <mc:Fallback xmlns="">
             <p:pic>
               <p:nvPicPr>
                 <p:cNvPr id="43" name="Ink 42">
@@ -13668,8 +14063,8 @@
             </p:pic>
           </mc:Fallback>
         </mc:AlternateContent>
-        <mc:AlternateContent xmlns:mc="http://schemas.openxmlformats.org/markup-compatibility/2006">
-          <mc:Choice xmlns:p14="http://schemas.microsoft.com/office/powerpoint/2010/main" Requires="p14">
+        <mc:AlternateContent xmlns:mc="http://schemas.openxmlformats.org/markup-compatibility/2006" xmlns:p14="http://schemas.microsoft.com/office/powerpoint/2010/main">
+          <mc:Choice Requires="p14">
             <p:contentPart p14:bwMode="auto" r:id="rId73">
               <p14:nvContentPartPr>
                 <p14:cNvPr id="44" name="Ink 43">
@@ -13688,7 +14083,7 @@
               </p14:xfrm>
             </p:contentPart>
           </mc:Choice>
-          <mc:Fallback>
+          <mc:Fallback xmlns="">
             <p:pic>
               <p:nvPicPr>
                 <p:cNvPr id="44" name="Ink 43">
@@ -13719,8 +14114,8 @@
             </p:pic>
           </mc:Fallback>
         </mc:AlternateContent>
-        <mc:AlternateContent xmlns:mc="http://schemas.openxmlformats.org/markup-compatibility/2006">
-          <mc:Choice xmlns:p14="http://schemas.microsoft.com/office/powerpoint/2010/main" Requires="p14">
+        <mc:AlternateContent xmlns:mc="http://schemas.openxmlformats.org/markup-compatibility/2006" xmlns:p14="http://schemas.microsoft.com/office/powerpoint/2010/main">
+          <mc:Choice Requires="p14">
             <p:contentPart p14:bwMode="auto" r:id="rId75">
               <p14:nvContentPartPr>
                 <p14:cNvPr id="45" name="Ink 44">
@@ -13739,7 +14134,7 @@
               </p14:xfrm>
             </p:contentPart>
           </mc:Choice>
-          <mc:Fallback>
+          <mc:Fallback xmlns="">
             <p:pic>
               <p:nvPicPr>
                 <p:cNvPr id="45" name="Ink 44">
@@ -13770,8 +14165,8 @@
             </p:pic>
           </mc:Fallback>
         </mc:AlternateContent>
-        <mc:AlternateContent xmlns:mc="http://schemas.openxmlformats.org/markup-compatibility/2006">
-          <mc:Choice xmlns:p14="http://schemas.microsoft.com/office/powerpoint/2010/main" Requires="p14">
+        <mc:AlternateContent xmlns:mc="http://schemas.openxmlformats.org/markup-compatibility/2006" xmlns:p14="http://schemas.microsoft.com/office/powerpoint/2010/main">
+          <mc:Choice Requires="p14">
             <p:contentPart p14:bwMode="auto" r:id="rId77">
               <p14:nvContentPartPr>
                 <p14:cNvPr id="46" name="Ink 45">
@@ -13790,7 +14185,7 @@
               </p14:xfrm>
             </p:contentPart>
           </mc:Choice>
-          <mc:Fallback>
+          <mc:Fallback xmlns="">
             <p:pic>
               <p:nvPicPr>
                 <p:cNvPr id="46" name="Ink 45">
@@ -13842,8 +14237,8 @@
             <a:chExt cx="1785960" cy="215640"/>
           </a:xfrm>
         </p:grpSpPr>
-        <mc:AlternateContent xmlns:mc="http://schemas.openxmlformats.org/markup-compatibility/2006">
-          <mc:Choice xmlns:p14="http://schemas.microsoft.com/office/powerpoint/2010/main" Requires="p14">
+        <mc:AlternateContent xmlns:mc="http://schemas.openxmlformats.org/markup-compatibility/2006" xmlns:p14="http://schemas.microsoft.com/office/powerpoint/2010/main">
+          <mc:Choice Requires="p14">
             <p:contentPart p14:bwMode="auto" r:id="rId79">
               <p14:nvContentPartPr>
                 <p14:cNvPr id="47" name="Ink 46">
@@ -13862,7 +14257,7 @@
               </p14:xfrm>
             </p:contentPart>
           </mc:Choice>
-          <mc:Fallback>
+          <mc:Fallback xmlns="">
             <p:pic>
               <p:nvPicPr>
                 <p:cNvPr id="47" name="Ink 46">
@@ -13893,8 +14288,8 @@
             </p:pic>
           </mc:Fallback>
         </mc:AlternateContent>
-        <mc:AlternateContent xmlns:mc="http://schemas.openxmlformats.org/markup-compatibility/2006">
-          <mc:Choice xmlns:p14="http://schemas.microsoft.com/office/powerpoint/2010/main" Requires="p14">
+        <mc:AlternateContent xmlns:mc="http://schemas.openxmlformats.org/markup-compatibility/2006" xmlns:p14="http://schemas.microsoft.com/office/powerpoint/2010/main">
+          <mc:Choice Requires="p14">
             <p:contentPart p14:bwMode="auto" r:id="rId81">
               <p14:nvContentPartPr>
                 <p14:cNvPr id="48" name="Ink 47">
@@ -13913,7 +14308,7 @@
               </p14:xfrm>
             </p:contentPart>
           </mc:Choice>
-          <mc:Fallback>
+          <mc:Fallback xmlns="">
             <p:pic>
               <p:nvPicPr>
                 <p:cNvPr id="48" name="Ink 47">
@@ -13944,8 +14339,8 @@
             </p:pic>
           </mc:Fallback>
         </mc:AlternateContent>
-        <mc:AlternateContent xmlns:mc="http://schemas.openxmlformats.org/markup-compatibility/2006">
-          <mc:Choice xmlns:p14="http://schemas.microsoft.com/office/powerpoint/2010/main" Requires="p14">
+        <mc:AlternateContent xmlns:mc="http://schemas.openxmlformats.org/markup-compatibility/2006" xmlns:p14="http://schemas.microsoft.com/office/powerpoint/2010/main">
+          <mc:Choice Requires="p14">
             <p:contentPart p14:bwMode="auto" r:id="rId83">
               <p14:nvContentPartPr>
                 <p14:cNvPr id="49" name="Ink 48">
@@ -13964,7 +14359,7 @@
               </p14:xfrm>
             </p:contentPart>
           </mc:Choice>
-          <mc:Fallback>
+          <mc:Fallback xmlns="">
             <p:pic>
               <p:nvPicPr>
                 <p:cNvPr id="49" name="Ink 48">
@@ -13995,8 +14390,8 @@
             </p:pic>
           </mc:Fallback>
         </mc:AlternateContent>
-        <mc:AlternateContent xmlns:mc="http://schemas.openxmlformats.org/markup-compatibility/2006">
-          <mc:Choice xmlns:p14="http://schemas.microsoft.com/office/powerpoint/2010/main" Requires="p14">
+        <mc:AlternateContent xmlns:mc="http://schemas.openxmlformats.org/markup-compatibility/2006" xmlns:p14="http://schemas.microsoft.com/office/powerpoint/2010/main">
+          <mc:Choice Requires="p14">
             <p:contentPart p14:bwMode="auto" r:id="rId85">
               <p14:nvContentPartPr>
                 <p14:cNvPr id="50" name="Ink 49">
@@ -14015,7 +14410,7 @@
               </p14:xfrm>
             </p:contentPart>
           </mc:Choice>
-          <mc:Fallback>
+          <mc:Fallback xmlns="">
             <p:pic>
               <p:nvPicPr>
                 <p:cNvPr id="50" name="Ink 49">
@@ -14046,8 +14441,8 @@
             </p:pic>
           </mc:Fallback>
         </mc:AlternateContent>
-        <mc:AlternateContent xmlns:mc="http://schemas.openxmlformats.org/markup-compatibility/2006">
-          <mc:Choice xmlns:p14="http://schemas.microsoft.com/office/powerpoint/2010/main" Requires="p14">
+        <mc:AlternateContent xmlns:mc="http://schemas.openxmlformats.org/markup-compatibility/2006" xmlns:p14="http://schemas.microsoft.com/office/powerpoint/2010/main">
+          <mc:Choice Requires="p14">
             <p:contentPart p14:bwMode="auto" r:id="rId87">
               <p14:nvContentPartPr>
                 <p14:cNvPr id="51" name="Ink 50">
@@ -14066,7 +14461,7 @@
               </p14:xfrm>
             </p:contentPart>
           </mc:Choice>
-          <mc:Fallback>
+          <mc:Fallback xmlns="">
             <p:pic>
               <p:nvPicPr>
                 <p:cNvPr id="51" name="Ink 50">
@@ -14097,8 +14492,8 @@
             </p:pic>
           </mc:Fallback>
         </mc:AlternateContent>
-        <mc:AlternateContent xmlns:mc="http://schemas.openxmlformats.org/markup-compatibility/2006">
-          <mc:Choice xmlns:p14="http://schemas.microsoft.com/office/powerpoint/2010/main" Requires="p14">
+        <mc:AlternateContent xmlns:mc="http://schemas.openxmlformats.org/markup-compatibility/2006" xmlns:p14="http://schemas.microsoft.com/office/powerpoint/2010/main">
+          <mc:Choice Requires="p14">
             <p:contentPart p14:bwMode="auto" r:id="rId89">
               <p14:nvContentPartPr>
                 <p14:cNvPr id="52" name="Ink 51">
@@ -14117,7 +14512,7 @@
               </p14:xfrm>
             </p:contentPart>
           </mc:Choice>
-          <mc:Fallback>
+          <mc:Fallback xmlns="">
             <p:pic>
               <p:nvPicPr>
                 <p:cNvPr id="52" name="Ink 51">
@@ -14148,8 +14543,8 @@
             </p:pic>
           </mc:Fallback>
         </mc:AlternateContent>
-        <mc:AlternateContent xmlns:mc="http://schemas.openxmlformats.org/markup-compatibility/2006">
-          <mc:Choice xmlns:p14="http://schemas.microsoft.com/office/powerpoint/2010/main" Requires="p14">
+        <mc:AlternateContent xmlns:mc="http://schemas.openxmlformats.org/markup-compatibility/2006" xmlns:p14="http://schemas.microsoft.com/office/powerpoint/2010/main">
+          <mc:Choice Requires="p14">
             <p:contentPart p14:bwMode="auto" r:id="rId91">
               <p14:nvContentPartPr>
                 <p14:cNvPr id="53" name="Ink 52">
@@ -14168,7 +14563,7 @@
               </p14:xfrm>
             </p:contentPart>
           </mc:Choice>
-          <mc:Fallback>
+          <mc:Fallback xmlns="">
             <p:pic>
               <p:nvPicPr>
                 <p:cNvPr id="53" name="Ink 52">
@@ -14199,8 +14594,8 @@
             </p:pic>
           </mc:Fallback>
         </mc:AlternateContent>
-        <mc:AlternateContent xmlns:mc="http://schemas.openxmlformats.org/markup-compatibility/2006">
-          <mc:Choice xmlns:p14="http://schemas.microsoft.com/office/powerpoint/2010/main" Requires="p14">
+        <mc:AlternateContent xmlns:mc="http://schemas.openxmlformats.org/markup-compatibility/2006" xmlns:p14="http://schemas.microsoft.com/office/powerpoint/2010/main">
+          <mc:Choice Requires="p14">
             <p:contentPart p14:bwMode="auto" r:id="rId93">
               <p14:nvContentPartPr>
                 <p14:cNvPr id="54" name="Ink 53">
@@ -14219,7 +14614,7 @@
               </p14:xfrm>
             </p:contentPart>
           </mc:Choice>
-          <mc:Fallback>
+          <mc:Fallback xmlns="">
             <p:pic>
               <p:nvPicPr>
                 <p:cNvPr id="54" name="Ink 53">
@@ -14250,8 +14645,8 @@
             </p:pic>
           </mc:Fallback>
         </mc:AlternateContent>
-        <mc:AlternateContent xmlns:mc="http://schemas.openxmlformats.org/markup-compatibility/2006">
-          <mc:Choice xmlns:p14="http://schemas.microsoft.com/office/powerpoint/2010/main" Requires="p14">
+        <mc:AlternateContent xmlns:mc="http://schemas.openxmlformats.org/markup-compatibility/2006" xmlns:p14="http://schemas.microsoft.com/office/powerpoint/2010/main">
+          <mc:Choice Requires="p14">
             <p:contentPart p14:bwMode="auto" r:id="rId95">
               <p14:nvContentPartPr>
                 <p14:cNvPr id="55" name="Ink 54">
@@ -14270,7 +14665,7 @@
               </p14:xfrm>
             </p:contentPart>
           </mc:Choice>
-          <mc:Fallback>
+          <mc:Fallback xmlns="">
             <p:pic>
               <p:nvPicPr>
                 <p:cNvPr id="55" name="Ink 54">
@@ -14301,8 +14696,8 @@
             </p:pic>
           </mc:Fallback>
         </mc:AlternateContent>
-        <mc:AlternateContent xmlns:mc="http://schemas.openxmlformats.org/markup-compatibility/2006">
-          <mc:Choice xmlns:p14="http://schemas.microsoft.com/office/powerpoint/2010/main" Requires="p14">
+        <mc:AlternateContent xmlns:mc="http://schemas.openxmlformats.org/markup-compatibility/2006" xmlns:p14="http://schemas.microsoft.com/office/powerpoint/2010/main">
+          <mc:Choice Requires="p14">
             <p:contentPart p14:bwMode="auto" r:id="rId97">
               <p14:nvContentPartPr>
                 <p14:cNvPr id="56" name="Ink 55">
@@ -14321,7 +14716,7 @@
               </p14:xfrm>
             </p:contentPart>
           </mc:Choice>
-          <mc:Fallback>
+          <mc:Fallback xmlns="">
             <p:pic>
               <p:nvPicPr>
                 <p:cNvPr id="56" name="Ink 55">
@@ -14352,8 +14747,8 @@
             </p:pic>
           </mc:Fallback>
         </mc:AlternateContent>
-        <mc:AlternateContent xmlns:mc="http://schemas.openxmlformats.org/markup-compatibility/2006">
-          <mc:Choice xmlns:p14="http://schemas.microsoft.com/office/powerpoint/2010/main" Requires="p14">
+        <mc:AlternateContent xmlns:mc="http://schemas.openxmlformats.org/markup-compatibility/2006" xmlns:p14="http://schemas.microsoft.com/office/powerpoint/2010/main">
+          <mc:Choice Requires="p14">
             <p:contentPart p14:bwMode="auto" r:id="rId99">
               <p14:nvContentPartPr>
                 <p14:cNvPr id="57" name="Ink 56">
@@ -14372,7 +14767,7 @@
               </p14:xfrm>
             </p:contentPart>
           </mc:Choice>
-          <mc:Fallback>
+          <mc:Fallback xmlns="">
             <p:pic>
               <p:nvPicPr>
                 <p:cNvPr id="57" name="Ink 56">
@@ -14497,8 +14892,8 @@
             <a:chExt cx="1689480" cy="274680"/>
           </a:xfrm>
         </p:grpSpPr>
-        <mc:AlternateContent xmlns:mc="http://schemas.openxmlformats.org/markup-compatibility/2006">
-          <mc:Choice xmlns:p14="http://schemas.microsoft.com/office/powerpoint/2010/main" Requires="p14">
+        <mc:AlternateContent xmlns:mc="http://schemas.openxmlformats.org/markup-compatibility/2006" xmlns:p14="http://schemas.microsoft.com/office/powerpoint/2010/main">
+          <mc:Choice Requires="p14">
             <p:contentPart p14:bwMode="auto" r:id="rId3">
               <p14:nvContentPartPr>
                 <p14:cNvPr id="5" name="Ink 4">
@@ -14517,7 +14912,7 @@
               </p14:xfrm>
             </p:contentPart>
           </mc:Choice>
-          <mc:Fallback>
+          <mc:Fallback xmlns="">
             <p:pic>
               <p:nvPicPr>
                 <p:cNvPr id="5" name="Ink 4">
@@ -14548,8 +14943,8 @@
             </p:pic>
           </mc:Fallback>
         </mc:AlternateContent>
-        <mc:AlternateContent xmlns:mc="http://schemas.openxmlformats.org/markup-compatibility/2006">
-          <mc:Choice xmlns:p14="http://schemas.microsoft.com/office/powerpoint/2010/main" Requires="p14">
+        <mc:AlternateContent xmlns:mc="http://schemas.openxmlformats.org/markup-compatibility/2006" xmlns:p14="http://schemas.microsoft.com/office/powerpoint/2010/main">
+          <mc:Choice Requires="p14">
             <p:contentPart p14:bwMode="auto" r:id="rId5">
               <p14:nvContentPartPr>
                 <p14:cNvPr id="6" name="Ink 5">
@@ -14568,7 +14963,7 @@
               </p14:xfrm>
             </p:contentPart>
           </mc:Choice>
-          <mc:Fallback>
+          <mc:Fallback xmlns="">
             <p:pic>
               <p:nvPicPr>
                 <p:cNvPr id="6" name="Ink 5">
@@ -14599,8 +14994,8 @@
             </p:pic>
           </mc:Fallback>
         </mc:AlternateContent>
-        <mc:AlternateContent xmlns:mc="http://schemas.openxmlformats.org/markup-compatibility/2006">
-          <mc:Choice xmlns:p14="http://schemas.microsoft.com/office/powerpoint/2010/main" Requires="p14">
+        <mc:AlternateContent xmlns:mc="http://schemas.openxmlformats.org/markup-compatibility/2006" xmlns:p14="http://schemas.microsoft.com/office/powerpoint/2010/main">
+          <mc:Choice Requires="p14">
             <p:contentPart p14:bwMode="auto" r:id="rId7">
               <p14:nvContentPartPr>
                 <p14:cNvPr id="7" name="Ink 6">
@@ -14619,7 +15014,7 @@
               </p14:xfrm>
             </p:contentPart>
           </mc:Choice>
-          <mc:Fallback>
+          <mc:Fallback xmlns="">
             <p:pic>
               <p:nvPicPr>
                 <p:cNvPr id="7" name="Ink 6">
@@ -14650,8 +15045,8 @@
             </p:pic>
           </mc:Fallback>
         </mc:AlternateContent>
-        <mc:AlternateContent xmlns:mc="http://schemas.openxmlformats.org/markup-compatibility/2006">
-          <mc:Choice xmlns:p14="http://schemas.microsoft.com/office/powerpoint/2010/main" Requires="p14">
+        <mc:AlternateContent xmlns:mc="http://schemas.openxmlformats.org/markup-compatibility/2006" xmlns:p14="http://schemas.microsoft.com/office/powerpoint/2010/main">
+          <mc:Choice Requires="p14">
             <p:contentPart p14:bwMode="auto" r:id="rId9">
               <p14:nvContentPartPr>
                 <p14:cNvPr id="8" name="Ink 7">
@@ -14670,7 +15065,7 @@
               </p14:xfrm>
             </p:contentPart>
           </mc:Choice>
-          <mc:Fallback>
+          <mc:Fallback xmlns="">
             <p:pic>
               <p:nvPicPr>
                 <p:cNvPr id="8" name="Ink 7">
@@ -14701,8 +15096,8 @@
             </p:pic>
           </mc:Fallback>
         </mc:AlternateContent>
-        <mc:AlternateContent xmlns:mc="http://schemas.openxmlformats.org/markup-compatibility/2006">
-          <mc:Choice xmlns:p14="http://schemas.microsoft.com/office/powerpoint/2010/main" Requires="p14">
+        <mc:AlternateContent xmlns:mc="http://schemas.openxmlformats.org/markup-compatibility/2006" xmlns:p14="http://schemas.microsoft.com/office/powerpoint/2010/main">
+          <mc:Choice Requires="p14">
             <p:contentPart p14:bwMode="auto" r:id="rId11">
               <p14:nvContentPartPr>
                 <p14:cNvPr id="9" name="Ink 8">
@@ -14721,7 +15116,7 @@
               </p14:xfrm>
             </p:contentPart>
           </mc:Choice>
-          <mc:Fallback>
+          <mc:Fallback xmlns="">
             <p:pic>
               <p:nvPicPr>
                 <p:cNvPr id="9" name="Ink 8">
@@ -14752,8 +15147,8 @@
             </p:pic>
           </mc:Fallback>
         </mc:AlternateContent>
-        <mc:AlternateContent xmlns:mc="http://schemas.openxmlformats.org/markup-compatibility/2006">
-          <mc:Choice xmlns:p14="http://schemas.microsoft.com/office/powerpoint/2010/main" Requires="p14">
+        <mc:AlternateContent xmlns:mc="http://schemas.openxmlformats.org/markup-compatibility/2006" xmlns:p14="http://schemas.microsoft.com/office/powerpoint/2010/main">
+          <mc:Choice Requires="p14">
             <p:contentPart p14:bwMode="auto" r:id="rId13">
               <p14:nvContentPartPr>
                 <p14:cNvPr id="10" name="Ink 9">
@@ -14772,7 +15167,7 @@
               </p14:xfrm>
             </p:contentPart>
           </mc:Choice>
-          <mc:Fallback>
+          <mc:Fallback xmlns="">
             <p:pic>
               <p:nvPicPr>
                 <p:cNvPr id="10" name="Ink 9">
@@ -14803,8 +15198,8 @@
             </p:pic>
           </mc:Fallback>
         </mc:AlternateContent>
-        <mc:AlternateContent xmlns:mc="http://schemas.openxmlformats.org/markup-compatibility/2006">
-          <mc:Choice xmlns:p14="http://schemas.microsoft.com/office/powerpoint/2010/main" Requires="p14">
+        <mc:AlternateContent xmlns:mc="http://schemas.openxmlformats.org/markup-compatibility/2006" xmlns:p14="http://schemas.microsoft.com/office/powerpoint/2010/main">
+          <mc:Choice Requires="p14">
             <p:contentPart p14:bwMode="auto" r:id="rId15">
               <p14:nvContentPartPr>
                 <p14:cNvPr id="11" name="Ink 10">
@@ -14823,7 +15218,7 @@
               </p14:xfrm>
             </p:contentPart>
           </mc:Choice>
-          <mc:Fallback>
+          <mc:Fallback xmlns="">
             <p:pic>
               <p:nvPicPr>
                 <p:cNvPr id="11" name="Ink 10">
@@ -14854,8 +15249,8 @@
             </p:pic>
           </mc:Fallback>
         </mc:AlternateContent>
-        <mc:AlternateContent xmlns:mc="http://schemas.openxmlformats.org/markup-compatibility/2006">
-          <mc:Choice xmlns:p14="http://schemas.microsoft.com/office/powerpoint/2010/main" Requires="p14">
+        <mc:AlternateContent xmlns:mc="http://schemas.openxmlformats.org/markup-compatibility/2006" xmlns:p14="http://schemas.microsoft.com/office/powerpoint/2010/main">
+          <mc:Choice Requires="p14">
             <p:contentPart p14:bwMode="auto" r:id="rId17">
               <p14:nvContentPartPr>
                 <p14:cNvPr id="12" name="Ink 11">
@@ -14874,7 +15269,7 @@
               </p14:xfrm>
             </p:contentPart>
           </mc:Choice>
-          <mc:Fallback>
+          <mc:Fallback xmlns="">
             <p:pic>
               <p:nvPicPr>
                 <p:cNvPr id="12" name="Ink 11">
@@ -14905,8 +15300,8 @@
             </p:pic>
           </mc:Fallback>
         </mc:AlternateContent>
-        <mc:AlternateContent xmlns:mc="http://schemas.openxmlformats.org/markup-compatibility/2006">
-          <mc:Choice xmlns:p14="http://schemas.microsoft.com/office/powerpoint/2010/main" Requires="p14">
+        <mc:AlternateContent xmlns:mc="http://schemas.openxmlformats.org/markup-compatibility/2006" xmlns:p14="http://schemas.microsoft.com/office/powerpoint/2010/main">
+          <mc:Choice Requires="p14">
             <p:contentPart p14:bwMode="auto" r:id="rId19">
               <p14:nvContentPartPr>
                 <p14:cNvPr id="13" name="Ink 12">
@@ -14925,7 +15320,7 @@
               </p14:xfrm>
             </p:contentPart>
           </mc:Choice>
-          <mc:Fallback>
+          <mc:Fallback xmlns="">
             <p:pic>
               <p:nvPicPr>
                 <p:cNvPr id="13" name="Ink 12">
@@ -14956,8 +15351,8 @@
             </p:pic>
           </mc:Fallback>
         </mc:AlternateContent>
-        <mc:AlternateContent xmlns:mc="http://schemas.openxmlformats.org/markup-compatibility/2006">
-          <mc:Choice xmlns:p14="http://schemas.microsoft.com/office/powerpoint/2010/main" Requires="p14">
+        <mc:AlternateContent xmlns:mc="http://schemas.openxmlformats.org/markup-compatibility/2006" xmlns:p14="http://schemas.microsoft.com/office/powerpoint/2010/main">
+          <mc:Choice Requires="p14">
             <p:contentPart p14:bwMode="auto" r:id="rId21">
               <p14:nvContentPartPr>
                 <p14:cNvPr id="14" name="Ink 13">
@@ -14976,7 +15371,7 @@
               </p14:xfrm>
             </p:contentPart>
           </mc:Choice>
-          <mc:Fallback>
+          <mc:Fallback xmlns="">
             <p:pic>
               <p:nvPicPr>
                 <p:cNvPr id="14" name="Ink 13">
@@ -15007,8 +15402,8 @@
             </p:pic>
           </mc:Fallback>
         </mc:AlternateContent>
-        <mc:AlternateContent xmlns:mc="http://schemas.openxmlformats.org/markup-compatibility/2006">
-          <mc:Choice xmlns:p14="http://schemas.microsoft.com/office/powerpoint/2010/main" Requires="p14">
+        <mc:AlternateContent xmlns:mc="http://schemas.openxmlformats.org/markup-compatibility/2006" xmlns:p14="http://schemas.microsoft.com/office/powerpoint/2010/main">
+          <mc:Choice Requires="p14">
             <p:contentPart p14:bwMode="auto" r:id="rId23">
               <p14:nvContentPartPr>
                 <p14:cNvPr id="15" name="Ink 14">
@@ -15027,7 +15422,7 @@
               </p14:xfrm>
             </p:contentPart>
           </mc:Choice>
-          <mc:Fallback>
+          <mc:Fallback xmlns="">
             <p:pic>
               <p:nvPicPr>
                 <p:cNvPr id="15" name="Ink 14">
@@ -15058,8 +15453,8 @@
             </p:pic>
           </mc:Fallback>
         </mc:AlternateContent>
-        <mc:AlternateContent xmlns:mc="http://schemas.openxmlformats.org/markup-compatibility/2006">
-          <mc:Choice xmlns:p14="http://schemas.microsoft.com/office/powerpoint/2010/main" Requires="p14">
+        <mc:AlternateContent xmlns:mc="http://schemas.openxmlformats.org/markup-compatibility/2006" xmlns:p14="http://schemas.microsoft.com/office/powerpoint/2010/main">
+          <mc:Choice Requires="p14">
             <p:contentPart p14:bwMode="auto" r:id="rId25">
               <p14:nvContentPartPr>
                 <p14:cNvPr id="16" name="Ink 15">
@@ -15078,7 +15473,7 @@
               </p14:xfrm>
             </p:contentPart>
           </mc:Choice>
-          <mc:Fallback>
+          <mc:Fallback xmlns="">
             <p:pic>
               <p:nvPicPr>
                 <p:cNvPr id="16" name="Ink 15">
@@ -15130,8 +15525,8 @@
             <a:chExt cx="1813320" cy="276120"/>
           </a:xfrm>
         </p:grpSpPr>
-        <mc:AlternateContent xmlns:mc="http://schemas.openxmlformats.org/markup-compatibility/2006">
-          <mc:Choice xmlns:p14="http://schemas.microsoft.com/office/powerpoint/2010/main" Requires="p14">
+        <mc:AlternateContent xmlns:mc="http://schemas.openxmlformats.org/markup-compatibility/2006" xmlns:p14="http://schemas.microsoft.com/office/powerpoint/2010/main">
+          <mc:Choice Requires="p14">
             <p:contentPart p14:bwMode="auto" r:id="rId27">
               <p14:nvContentPartPr>
                 <p14:cNvPr id="18" name="Ink 17">
@@ -15150,7 +15545,7 @@
               </p14:xfrm>
             </p:contentPart>
           </mc:Choice>
-          <mc:Fallback>
+          <mc:Fallback xmlns="">
             <p:pic>
               <p:nvPicPr>
                 <p:cNvPr id="18" name="Ink 17">
@@ -15181,8 +15576,8 @@
             </p:pic>
           </mc:Fallback>
         </mc:AlternateContent>
-        <mc:AlternateContent xmlns:mc="http://schemas.openxmlformats.org/markup-compatibility/2006">
-          <mc:Choice xmlns:p14="http://schemas.microsoft.com/office/powerpoint/2010/main" Requires="p14">
+        <mc:AlternateContent xmlns:mc="http://schemas.openxmlformats.org/markup-compatibility/2006" xmlns:p14="http://schemas.microsoft.com/office/powerpoint/2010/main">
+          <mc:Choice Requires="p14">
             <p:contentPart p14:bwMode="auto" r:id="rId29">
               <p14:nvContentPartPr>
                 <p14:cNvPr id="19" name="Ink 18">
@@ -15201,7 +15596,7 @@
               </p14:xfrm>
             </p:contentPart>
           </mc:Choice>
-          <mc:Fallback>
+          <mc:Fallback xmlns="">
             <p:pic>
               <p:nvPicPr>
                 <p:cNvPr id="19" name="Ink 18">
@@ -15232,8 +15627,8 @@
             </p:pic>
           </mc:Fallback>
         </mc:AlternateContent>
-        <mc:AlternateContent xmlns:mc="http://schemas.openxmlformats.org/markup-compatibility/2006">
-          <mc:Choice xmlns:p14="http://schemas.microsoft.com/office/powerpoint/2010/main" Requires="p14">
+        <mc:AlternateContent xmlns:mc="http://schemas.openxmlformats.org/markup-compatibility/2006" xmlns:p14="http://schemas.microsoft.com/office/powerpoint/2010/main">
+          <mc:Choice Requires="p14">
             <p:contentPart p14:bwMode="auto" r:id="rId31">
               <p14:nvContentPartPr>
                 <p14:cNvPr id="20" name="Ink 19">
@@ -15252,7 +15647,7 @@
               </p14:xfrm>
             </p:contentPart>
           </mc:Choice>
-          <mc:Fallback>
+          <mc:Fallback xmlns="">
             <p:pic>
               <p:nvPicPr>
                 <p:cNvPr id="20" name="Ink 19">
@@ -15283,8 +15678,8 @@
             </p:pic>
           </mc:Fallback>
         </mc:AlternateContent>
-        <mc:AlternateContent xmlns:mc="http://schemas.openxmlformats.org/markup-compatibility/2006">
-          <mc:Choice xmlns:p14="http://schemas.microsoft.com/office/powerpoint/2010/main" Requires="p14">
+        <mc:AlternateContent xmlns:mc="http://schemas.openxmlformats.org/markup-compatibility/2006" xmlns:p14="http://schemas.microsoft.com/office/powerpoint/2010/main">
+          <mc:Choice Requires="p14">
             <p:contentPart p14:bwMode="auto" r:id="rId33">
               <p14:nvContentPartPr>
                 <p14:cNvPr id="21" name="Ink 20">
@@ -15303,7 +15698,7 @@
               </p14:xfrm>
             </p:contentPart>
           </mc:Choice>
-          <mc:Fallback>
+          <mc:Fallback xmlns="">
             <p:pic>
               <p:nvPicPr>
                 <p:cNvPr id="21" name="Ink 20">
@@ -15334,8 +15729,8 @@
             </p:pic>
           </mc:Fallback>
         </mc:AlternateContent>
-        <mc:AlternateContent xmlns:mc="http://schemas.openxmlformats.org/markup-compatibility/2006">
-          <mc:Choice xmlns:p14="http://schemas.microsoft.com/office/powerpoint/2010/main" Requires="p14">
+        <mc:AlternateContent xmlns:mc="http://schemas.openxmlformats.org/markup-compatibility/2006" xmlns:p14="http://schemas.microsoft.com/office/powerpoint/2010/main">
+          <mc:Choice Requires="p14">
             <p:contentPart p14:bwMode="auto" r:id="rId35">
               <p14:nvContentPartPr>
                 <p14:cNvPr id="22" name="Ink 21">
@@ -15354,7 +15749,7 @@
               </p14:xfrm>
             </p:contentPart>
           </mc:Choice>
-          <mc:Fallback>
+          <mc:Fallback xmlns="">
             <p:pic>
               <p:nvPicPr>
                 <p:cNvPr id="22" name="Ink 21">
@@ -15385,8 +15780,8 @@
             </p:pic>
           </mc:Fallback>
         </mc:AlternateContent>
-        <mc:AlternateContent xmlns:mc="http://schemas.openxmlformats.org/markup-compatibility/2006">
-          <mc:Choice xmlns:p14="http://schemas.microsoft.com/office/powerpoint/2010/main" Requires="p14">
+        <mc:AlternateContent xmlns:mc="http://schemas.openxmlformats.org/markup-compatibility/2006" xmlns:p14="http://schemas.microsoft.com/office/powerpoint/2010/main">
+          <mc:Choice Requires="p14">
             <p:contentPart p14:bwMode="auto" r:id="rId37">
               <p14:nvContentPartPr>
                 <p14:cNvPr id="23" name="Ink 22">
@@ -15405,7 +15800,7 @@
               </p14:xfrm>
             </p:contentPart>
           </mc:Choice>
-          <mc:Fallback>
+          <mc:Fallback xmlns="">
             <p:pic>
               <p:nvPicPr>
                 <p:cNvPr id="23" name="Ink 22">
@@ -15436,8 +15831,8 @@
             </p:pic>
           </mc:Fallback>
         </mc:AlternateContent>
-        <mc:AlternateContent xmlns:mc="http://schemas.openxmlformats.org/markup-compatibility/2006">
-          <mc:Choice xmlns:p14="http://schemas.microsoft.com/office/powerpoint/2010/main" Requires="p14">
+        <mc:AlternateContent xmlns:mc="http://schemas.openxmlformats.org/markup-compatibility/2006" xmlns:p14="http://schemas.microsoft.com/office/powerpoint/2010/main">
+          <mc:Choice Requires="p14">
             <p:contentPart p14:bwMode="auto" r:id="rId39">
               <p14:nvContentPartPr>
                 <p14:cNvPr id="24" name="Ink 23">
@@ -15456,7 +15851,7 @@
               </p14:xfrm>
             </p:contentPart>
           </mc:Choice>
-          <mc:Fallback>
+          <mc:Fallback xmlns="">
             <p:pic>
               <p:nvPicPr>
                 <p:cNvPr id="24" name="Ink 23">
@@ -15487,8 +15882,8 @@
             </p:pic>
           </mc:Fallback>
         </mc:AlternateContent>
-        <mc:AlternateContent xmlns:mc="http://schemas.openxmlformats.org/markup-compatibility/2006">
-          <mc:Choice xmlns:p14="http://schemas.microsoft.com/office/powerpoint/2010/main" Requires="p14">
+        <mc:AlternateContent xmlns:mc="http://schemas.openxmlformats.org/markup-compatibility/2006" xmlns:p14="http://schemas.microsoft.com/office/powerpoint/2010/main">
+          <mc:Choice Requires="p14">
             <p:contentPart p14:bwMode="auto" r:id="rId41">
               <p14:nvContentPartPr>
                 <p14:cNvPr id="25" name="Ink 24">
@@ -15507,7 +15902,7 @@
               </p14:xfrm>
             </p:contentPart>
           </mc:Choice>
-          <mc:Fallback>
+          <mc:Fallback xmlns="">
             <p:pic>
               <p:nvPicPr>
                 <p:cNvPr id="25" name="Ink 24">
@@ -15538,8 +15933,8 @@
             </p:pic>
           </mc:Fallback>
         </mc:AlternateContent>
-        <mc:AlternateContent xmlns:mc="http://schemas.openxmlformats.org/markup-compatibility/2006">
-          <mc:Choice xmlns:p14="http://schemas.microsoft.com/office/powerpoint/2010/main" Requires="p14">
+        <mc:AlternateContent xmlns:mc="http://schemas.openxmlformats.org/markup-compatibility/2006" xmlns:p14="http://schemas.microsoft.com/office/powerpoint/2010/main">
+          <mc:Choice Requires="p14">
             <p:contentPart p14:bwMode="auto" r:id="rId43">
               <p14:nvContentPartPr>
                 <p14:cNvPr id="26" name="Ink 25">
@@ -15558,7 +15953,7 @@
               </p14:xfrm>
             </p:contentPart>
           </mc:Choice>
-          <mc:Fallback>
+          <mc:Fallback xmlns="">
             <p:pic>
               <p:nvPicPr>
                 <p:cNvPr id="26" name="Ink 25">
@@ -15589,8 +15984,8 @@
             </p:pic>
           </mc:Fallback>
         </mc:AlternateContent>
-        <mc:AlternateContent xmlns:mc="http://schemas.openxmlformats.org/markup-compatibility/2006">
-          <mc:Choice xmlns:p14="http://schemas.microsoft.com/office/powerpoint/2010/main" Requires="p14">
+        <mc:AlternateContent xmlns:mc="http://schemas.openxmlformats.org/markup-compatibility/2006" xmlns:p14="http://schemas.microsoft.com/office/powerpoint/2010/main">
+          <mc:Choice Requires="p14">
             <p:contentPart p14:bwMode="auto" r:id="rId45">
               <p14:nvContentPartPr>
                 <p14:cNvPr id="27" name="Ink 26">
@@ -15609,7 +16004,7 @@
               </p14:xfrm>
             </p:contentPart>
           </mc:Choice>
-          <mc:Fallback>
+          <mc:Fallback xmlns="">
             <p:pic>
               <p:nvPicPr>
                 <p:cNvPr id="27" name="Ink 26">
@@ -15640,8 +16035,8 @@
             </p:pic>
           </mc:Fallback>
         </mc:AlternateContent>
-        <mc:AlternateContent xmlns:mc="http://schemas.openxmlformats.org/markup-compatibility/2006">
-          <mc:Choice xmlns:p14="http://schemas.microsoft.com/office/powerpoint/2010/main" Requires="p14">
+        <mc:AlternateContent xmlns:mc="http://schemas.openxmlformats.org/markup-compatibility/2006" xmlns:p14="http://schemas.microsoft.com/office/powerpoint/2010/main">
+          <mc:Choice Requires="p14">
             <p:contentPart p14:bwMode="auto" r:id="rId47">
               <p14:nvContentPartPr>
                 <p14:cNvPr id="28" name="Ink 27">
@@ -15660,7 +16055,7 @@
               </p14:xfrm>
             </p:contentPart>
           </mc:Choice>
-          <mc:Fallback>
+          <mc:Fallback xmlns="">
             <p:pic>
               <p:nvPicPr>
                 <p:cNvPr id="28" name="Ink 27">
@@ -15691,8 +16086,8 @@
             </p:pic>
           </mc:Fallback>
         </mc:AlternateContent>
-        <mc:AlternateContent xmlns:mc="http://schemas.openxmlformats.org/markup-compatibility/2006">
-          <mc:Choice xmlns:p14="http://schemas.microsoft.com/office/powerpoint/2010/main" Requires="p14">
+        <mc:AlternateContent xmlns:mc="http://schemas.openxmlformats.org/markup-compatibility/2006" xmlns:p14="http://schemas.microsoft.com/office/powerpoint/2010/main">
+          <mc:Choice Requires="p14">
             <p:contentPart p14:bwMode="auto" r:id="rId49">
               <p14:nvContentPartPr>
                 <p14:cNvPr id="29" name="Ink 28">
@@ -15711,7 +16106,7 @@
               </p14:xfrm>
             </p:contentPart>
           </mc:Choice>
-          <mc:Fallback>
+          <mc:Fallback xmlns="">
             <p:pic>
               <p:nvPicPr>
                 <p:cNvPr id="29" name="Ink 28">
@@ -15763,8 +16158,8 @@
             <a:chExt cx="2564280" cy="1163880"/>
           </a:xfrm>
         </p:grpSpPr>
-        <mc:AlternateContent xmlns:mc="http://schemas.openxmlformats.org/markup-compatibility/2006">
-          <mc:Choice xmlns:p14="http://schemas.microsoft.com/office/powerpoint/2010/main" Requires="p14">
+        <mc:AlternateContent xmlns:mc="http://schemas.openxmlformats.org/markup-compatibility/2006" xmlns:p14="http://schemas.microsoft.com/office/powerpoint/2010/main">
+          <mc:Choice Requires="p14">
             <p:contentPart p14:bwMode="auto" r:id="rId51">
               <p14:nvContentPartPr>
                 <p14:cNvPr id="31" name="Ink 30">
@@ -15783,7 +16178,7 @@
               </p14:xfrm>
             </p:contentPart>
           </mc:Choice>
-          <mc:Fallback>
+          <mc:Fallback xmlns="">
             <p:pic>
               <p:nvPicPr>
                 <p:cNvPr id="31" name="Ink 30">
@@ -15814,8 +16209,8 @@
             </p:pic>
           </mc:Fallback>
         </mc:AlternateContent>
-        <mc:AlternateContent xmlns:mc="http://schemas.openxmlformats.org/markup-compatibility/2006">
-          <mc:Choice xmlns:p14="http://schemas.microsoft.com/office/powerpoint/2010/main" Requires="p14">
+        <mc:AlternateContent xmlns:mc="http://schemas.openxmlformats.org/markup-compatibility/2006" xmlns:p14="http://schemas.microsoft.com/office/powerpoint/2010/main">
+          <mc:Choice Requires="p14">
             <p:contentPart p14:bwMode="auto" r:id="rId53">
               <p14:nvContentPartPr>
                 <p14:cNvPr id="32" name="Ink 31">
@@ -15834,7 +16229,7 @@
               </p14:xfrm>
             </p:contentPart>
           </mc:Choice>
-          <mc:Fallback>
+          <mc:Fallback xmlns="">
             <p:pic>
               <p:nvPicPr>
                 <p:cNvPr id="32" name="Ink 31">
@@ -15865,8 +16260,8 @@
             </p:pic>
           </mc:Fallback>
         </mc:AlternateContent>
-        <mc:AlternateContent xmlns:mc="http://schemas.openxmlformats.org/markup-compatibility/2006">
-          <mc:Choice xmlns:p14="http://schemas.microsoft.com/office/powerpoint/2010/main" Requires="p14">
+        <mc:AlternateContent xmlns:mc="http://schemas.openxmlformats.org/markup-compatibility/2006" xmlns:p14="http://schemas.microsoft.com/office/powerpoint/2010/main">
+          <mc:Choice Requires="p14">
             <p:contentPart p14:bwMode="auto" r:id="rId55">
               <p14:nvContentPartPr>
                 <p14:cNvPr id="34" name="Ink 33">
@@ -15885,7 +16280,7 @@
               </p14:xfrm>
             </p:contentPart>
           </mc:Choice>
-          <mc:Fallback>
+          <mc:Fallback xmlns="">
             <p:pic>
               <p:nvPicPr>
                 <p:cNvPr id="34" name="Ink 33">
@@ -15916,8 +16311,8 @@
             </p:pic>
           </mc:Fallback>
         </mc:AlternateContent>
-        <mc:AlternateContent xmlns:mc="http://schemas.openxmlformats.org/markup-compatibility/2006">
-          <mc:Choice xmlns:p14="http://schemas.microsoft.com/office/powerpoint/2010/main" Requires="p14">
+        <mc:AlternateContent xmlns:mc="http://schemas.openxmlformats.org/markup-compatibility/2006" xmlns:p14="http://schemas.microsoft.com/office/powerpoint/2010/main">
+          <mc:Choice Requires="p14">
             <p:contentPart p14:bwMode="auto" r:id="rId57">
               <p14:nvContentPartPr>
                 <p14:cNvPr id="36" name="Ink 35">
@@ -15936,7 +16331,7 @@
               </p14:xfrm>
             </p:contentPart>
           </mc:Choice>
-          <mc:Fallback>
+          <mc:Fallback xmlns="">
             <p:pic>
               <p:nvPicPr>
                 <p:cNvPr id="36" name="Ink 35">
@@ -15967,8 +16362,8 @@
             </p:pic>
           </mc:Fallback>
         </mc:AlternateContent>
-        <mc:AlternateContent xmlns:mc="http://schemas.openxmlformats.org/markup-compatibility/2006">
-          <mc:Choice xmlns:p14="http://schemas.microsoft.com/office/powerpoint/2010/main" Requires="p14">
+        <mc:AlternateContent xmlns:mc="http://schemas.openxmlformats.org/markup-compatibility/2006" xmlns:p14="http://schemas.microsoft.com/office/powerpoint/2010/main">
+          <mc:Choice Requires="p14">
             <p:contentPart p14:bwMode="auto" r:id="rId59">
               <p14:nvContentPartPr>
                 <p14:cNvPr id="37" name="Ink 36">
@@ -15987,7 +16382,7 @@
               </p14:xfrm>
             </p:contentPart>
           </mc:Choice>
-          <mc:Fallback>
+          <mc:Fallback xmlns="">
             <p:pic>
               <p:nvPicPr>
                 <p:cNvPr id="37" name="Ink 36">
@@ -16018,8 +16413,8 @@
             </p:pic>
           </mc:Fallback>
         </mc:AlternateContent>
-        <mc:AlternateContent xmlns:mc="http://schemas.openxmlformats.org/markup-compatibility/2006">
-          <mc:Choice xmlns:p14="http://schemas.microsoft.com/office/powerpoint/2010/main" Requires="p14">
+        <mc:AlternateContent xmlns:mc="http://schemas.openxmlformats.org/markup-compatibility/2006" xmlns:p14="http://schemas.microsoft.com/office/powerpoint/2010/main">
+          <mc:Choice Requires="p14">
             <p:contentPart p14:bwMode="auto" r:id="rId61">
               <p14:nvContentPartPr>
                 <p14:cNvPr id="38" name="Ink 37">
@@ -16038,7 +16433,7 @@
               </p14:xfrm>
             </p:contentPart>
           </mc:Choice>
-          <mc:Fallback>
+          <mc:Fallback xmlns="">
             <p:pic>
               <p:nvPicPr>
                 <p:cNvPr id="38" name="Ink 37">
@@ -16069,8 +16464,8 @@
             </p:pic>
           </mc:Fallback>
         </mc:AlternateContent>
-        <mc:AlternateContent xmlns:mc="http://schemas.openxmlformats.org/markup-compatibility/2006">
-          <mc:Choice xmlns:p14="http://schemas.microsoft.com/office/powerpoint/2010/main" Requires="p14">
+        <mc:AlternateContent xmlns:mc="http://schemas.openxmlformats.org/markup-compatibility/2006" xmlns:p14="http://schemas.microsoft.com/office/powerpoint/2010/main">
+          <mc:Choice Requires="p14">
             <p:contentPart p14:bwMode="auto" r:id="rId63">
               <p14:nvContentPartPr>
                 <p14:cNvPr id="39" name="Ink 38">
@@ -16089,7 +16484,7 @@
               </p14:xfrm>
             </p:contentPart>
           </mc:Choice>
-          <mc:Fallback>
+          <mc:Fallback xmlns="">
             <p:pic>
               <p:nvPicPr>
                 <p:cNvPr id="39" name="Ink 38">
@@ -16120,8 +16515,8 @@
             </p:pic>
           </mc:Fallback>
         </mc:AlternateContent>
-        <mc:AlternateContent xmlns:mc="http://schemas.openxmlformats.org/markup-compatibility/2006">
-          <mc:Choice xmlns:p14="http://schemas.microsoft.com/office/powerpoint/2010/main" Requires="p14">
+        <mc:AlternateContent xmlns:mc="http://schemas.openxmlformats.org/markup-compatibility/2006" xmlns:p14="http://schemas.microsoft.com/office/powerpoint/2010/main">
+          <mc:Choice Requires="p14">
             <p:contentPart p14:bwMode="auto" r:id="rId65">
               <p14:nvContentPartPr>
                 <p14:cNvPr id="40" name="Ink 39">
@@ -16140,7 +16535,7 @@
               </p14:xfrm>
             </p:contentPart>
           </mc:Choice>
-          <mc:Fallback>
+          <mc:Fallback xmlns="">
             <p:pic>
               <p:nvPicPr>
                 <p:cNvPr id="40" name="Ink 39">
@@ -16171,8 +16566,8 @@
             </p:pic>
           </mc:Fallback>
         </mc:AlternateContent>
-        <mc:AlternateContent xmlns:mc="http://schemas.openxmlformats.org/markup-compatibility/2006">
-          <mc:Choice xmlns:p14="http://schemas.microsoft.com/office/powerpoint/2010/main" Requires="p14">
+        <mc:AlternateContent xmlns:mc="http://schemas.openxmlformats.org/markup-compatibility/2006" xmlns:p14="http://schemas.microsoft.com/office/powerpoint/2010/main">
+          <mc:Choice Requires="p14">
             <p:contentPart p14:bwMode="auto" r:id="rId67">
               <p14:nvContentPartPr>
                 <p14:cNvPr id="41" name="Ink 40">
@@ -16191,7 +16586,7 @@
               </p14:xfrm>
             </p:contentPart>
           </mc:Choice>
-          <mc:Fallback>
+          <mc:Fallback xmlns="">
             <p:pic>
               <p:nvPicPr>
                 <p:cNvPr id="41" name="Ink 40">
@@ -16222,8 +16617,8 @@
             </p:pic>
           </mc:Fallback>
         </mc:AlternateContent>
-        <mc:AlternateContent xmlns:mc="http://schemas.openxmlformats.org/markup-compatibility/2006">
-          <mc:Choice xmlns:p14="http://schemas.microsoft.com/office/powerpoint/2010/main" Requires="p14">
+        <mc:AlternateContent xmlns:mc="http://schemas.openxmlformats.org/markup-compatibility/2006" xmlns:p14="http://schemas.microsoft.com/office/powerpoint/2010/main">
+          <mc:Choice Requires="p14">
             <p:contentPart p14:bwMode="auto" r:id="rId69">
               <p14:nvContentPartPr>
                 <p14:cNvPr id="42" name="Ink 41">
@@ -16242,7 +16637,7 @@
               </p14:xfrm>
             </p:contentPart>
           </mc:Choice>
-          <mc:Fallback>
+          <mc:Fallback xmlns="">
             <p:pic>
               <p:nvPicPr>
                 <p:cNvPr id="42" name="Ink 41">
@@ -16273,8 +16668,8 @@
             </p:pic>
           </mc:Fallback>
         </mc:AlternateContent>
-        <mc:AlternateContent xmlns:mc="http://schemas.openxmlformats.org/markup-compatibility/2006">
-          <mc:Choice xmlns:p14="http://schemas.microsoft.com/office/powerpoint/2010/main" Requires="p14">
+        <mc:AlternateContent xmlns:mc="http://schemas.openxmlformats.org/markup-compatibility/2006" xmlns:p14="http://schemas.microsoft.com/office/powerpoint/2010/main">
+          <mc:Choice Requires="p14">
             <p:contentPart p14:bwMode="auto" r:id="rId71">
               <p14:nvContentPartPr>
                 <p14:cNvPr id="43" name="Ink 42">
@@ -16293,7 +16688,7 @@
               </p14:xfrm>
             </p:contentPart>
           </mc:Choice>
-          <mc:Fallback>
+          <mc:Fallback xmlns="">
             <p:pic>
               <p:nvPicPr>
                 <p:cNvPr id="43" name="Ink 42">
@@ -16324,8 +16719,8 @@
             </p:pic>
           </mc:Fallback>
         </mc:AlternateContent>
-        <mc:AlternateContent xmlns:mc="http://schemas.openxmlformats.org/markup-compatibility/2006">
-          <mc:Choice xmlns:p14="http://schemas.microsoft.com/office/powerpoint/2010/main" Requires="p14">
+        <mc:AlternateContent xmlns:mc="http://schemas.openxmlformats.org/markup-compatibility/2006" xmlns:p14="http://schemas.microsoft.com/office/powerpoint/2010/main">
+          <mc:Choice Requires="p14">
             <p:contentPart p14:bwMode="auto" r:id="rId73">
               <p14:nvContentPartPr>
                 <p14:cNvPr id="44" name="Ink 43">
@@ -16344,7 +16739,7 @@
               </p14:xfrm>
             </p:contentPart>
           </mc:Choice>
-          <mc:Fallback>
+          <mc:Fallback xmlns="">
             <p:pic>
               <p:nvPicPr>
                 <p:cNvPr id="44" name="Ink 43">
@@ -16375,8 +16770,8 @@
             </p:pic>
           </mc:Fallback>
         </mc:AlternateContent>
-        <mc:AlternateContent xmlns:mc="http://schemas.openxmlformats.org/markup-compatibility/2006">
-          <mc:Choice xmlns:p14="http://schemas.microsoft.com/office/powerpoint/2010/main" Requires="p14">
+        <mc:AlternateContent xmlns:mc="http://schemas.openxmlformats.org/markup-compatibility/2006" xmlns:p14="http://schemas.microsoft.com/office/powerpoint/2010/main">
+          <mc:Choice Requires="p14">
             <p:contentPart p14:bwMode="auto" r:id="rId75">
               <p14:nvContentPartPr>
                 <p14:cNvPr id="45" name="Ink 44">
@@ -16395,7 +16790,7 @@
               </p14:xfrm>
             </p:contentPart>
           </mc:Choice>
-          <mc:Fallback>
+          <mc:Fallback xmlns="">
             <p:pic>
               <p:nvPicPr>
                 <p:cNvPr id="45" name="Ink 44">
@@ -16426,8 +16821,8 @@
             </p:pic>
           </mc:Fallback>
         </mc:AlternateContent>
-        <mc:AlternateContent xmlns:mc="http://schemas.openxmlformats.org/markup-compatibility/2006">
-          <mc:Choice xmlns:p14="http://schemas.microsoft.com/office/powerpoint/2010/main" Requires="p14">
+        <mc:AlternateContent xmlns:mc="http://schemas.openxmlformats.org/markup-compatibility/2006" xmlns:p14="http://schemas.microsoft.com/office/powerpoint/2010/main">
+          <mc:Choice Requires="p14">
             <p:contentPart p14:bwMode="auto" r:id="rId77">
               <p14:nvContentPartPr>
                 <p14:cNvPr id="46" name="Ink 45">
@@ -16446,7 +16841,7 @@
               </p14:xfrm>
             </p:contentPart>
           </mc:Choice>
-          <mc:Fallback>
+          <mc:Fallback xmlns="">
             <p:pic>
               <p:nvPicPr>
                 <p:cNvPr id="46" name="Ink 45">
@@ -16477,8 +16872,8 @@
             </p:pic>
           </mc:Fallback>
         </mc:AlternateContent>
-        <mc:AlternateContent xmlns:mc="http://schemas.openxmlformats.org/markup-compatibility/2006">
-          <mc:Choice xmlns:p14="http://schemas.microsoft.com/office/powerpoint/2010/main" Requires="p14">
+        <mc:AlternateContent xmlns:mc="http://schemas.openxmlformats.org/markup-compatibility/2006" xmlns:p14="http://schemas.microsoft.com/office/powerpoint/2010/main">
+          <mc:Choice Requires="p14">
             <p:contentPart p14:bwMode="auto" r:id="rId79">
               <p14:nvContentPartPr>
                 <p14:cNvPr id="47" name="Ink 46">
@@ -16497,7 +16892,7 @@
               </p14:xfrm>
             </p:contentPart>
           </mc:Choice>
-          <mc:Fallback>
+          <mc:Fallback xmlns="">
             <p:pic>
               <p:nvPicPr>
                 <p:cNvPr id="47" name="Ink 46">
@@ -16528,8 +16923,8 @@
             </p:pic>
           </mc:Fallback>
         </mc:AlternateContent>
-        <mc:AlternateContent xmlns:mc="http://schemas.openxmlformats.org/markup-compatibility/2006">
-          <mc:Choice xmlns:p14="http://schemas.microsoft.com/office/powerpoint/2010/main" Requires="p14">
+        <mc:AlternateContent xmlns:mc="http://schemas.openxmlformats.org/markup-compatibility/2006" xmlns:p14="http://schemas.microsoft.com/office/powerpoint/2010/main">
+          <mc:Choice Requires="p14">
             <p:contentPart p14:bwMode="auto" r:id="rId81">
               <p14:nvContentPartPr>
                 <p14:cNvPr id="48" name="Ink 47">
@@ -16548,7 +16943,7 @@
               </p14:xfrm>
             </p:contentPart>
           </mc:Choice>
-          <mc:Fallback>
+          <mc:Fallback xmlns="">
             <p:pic>
               <p:nvPicPr>
                 <p:cNvPr id="48" name="Ink 47">
@@ -16579,8 +16974,8 @@
             </p:pic>
           </mc:Fallback>
         </mc:AlternateContent>
-        <mc:AlternateContent xmlns:mc="http://schemas.openxmlformats.org/markup-compatibility/2006">
-          <mc:Choice xmlns:p14="http://schemas.microsoft.com/office/powerpoint/2010/main" Requires="p14">
+        <mc:AlternateContent xmlns:mc="http://schemas.openxmlformats.org/markup-compatibility/2006" xmlns:p14="http://schemas.microsoft.com/office/powerpoint/2010/main">
+          <mc:Choice Requires="p14">
             <p:contentPart p14:bwMode="auto" r:id="rId83">
               <p14:nvContentPartPr>
                 <p14:cNvPr id="49" name="Ink 48">
@@ -16599,7 +16994,7 @@
               </p14:xfrm>
             </p:contentPart>
           </mc:Choice>
-          <mc:Fallback>
+          <mc:Fallback xmlns="">
             <p:pic>
               <p:nvPicPr>
                 <p:cNvPr id="49" name="Ink 48">
@@ -16838,7 +17233,7 @@
         </p:nvGraphicFramePr>
         <p:xfrm>
           <a:off x="611560" y="3140968"/>
-          <a:ext cx="8229600" cy="3215259"/>
+          <a:ext cx="8229600" cy="3214692"/>
         </p:xfrm>
         <a:graphic>
           <a:graphicData uri="http://schemas.openxmlformats.org/drawingml/2006/table">
